--- a/答辩PPT.pptx
+++ b/答辩PPT.pptx
@@ -2123,7 +2123,7 @@
           <a:p>
             <a:fld id="{8E127298-6CB9-4ACB-BB12-7F75F06D4BB4}" type="datetimeFigureOut">
               <a:rPr lang="zh-CN" altLang="en-US" smtClean="0"/>
-              <a:t>2020/5/2</a:t>
+              <a:t>2020/5/4</a:t>
             </a:fld>
             <a:endParaRPr lang="zh-CN" altLang="en-US"/>
           </a:p>
@@ -5542,6 +5542,13 @@
       <p:transition advTm="2000"/>
     </mc:Fallback>
   </mc:AlternateContent>
+  <p:timing>
+    <p:tnLst>
+      <p:par>
+        <p:cTn id="1" dur="indefinite" restart="never" nodeType="tmRoot"/>
+      </p:par>
+    </p:tnLst>
+  </p:timing>
 </p:sld>
 </file>
 
@@ -5707,7 +5714,7 @@
         <p:spPr>
           <a:xfrm>
             <a:off x="0" y="60523"/>
-            <a:ext cx="2432076" cy="400110"/>
+            <a:ext cx="3005951" cy="400110"/>
           </a:xfrm>
           <a:prstGeom prst="rect">
             <a:avLst/>
@@ -5728,10 +5735,10 @@
                   </a:schemeClr>
                 </a:solidFill>
               </a:rPr>
-              <a:t>学校名称：</a:t>
+              <a:t>学校名称</a:t>
             </a:r>
             <a:r>
-              <a:rPr lang="en-US" altLang="zh-CN" sz="2000" dirty="0">
+              <a:rPr lang="zh-CN" altLang="en-US" sz="2000" dirty="0" smtClean="0">
                 <a:solidFill>
                   <a:schemeClr val="tx1">
                     <a:lumMod val="85000"/>
@@ -5739,19 +5746,16 @@
                   </a:schemeClr>
                 </a:solidFill>
               </a:rPr>
-              <a:t>XXX</a:t>
+              <a:t>：河北师范大学</a:t>
             </a:r>
-            <a:r>
-              <a:rPr lang="zh-CN" altLang="en-US" sz="2000" dirty="0">
-                <a:solidFill>
-                  <a:schemeClr val="tx1">
-                    <a:lumMod val="85000"/>
-                    <a:lumOff val="15000"/>
-                  </a:schemeClr>
-                </a:solidFill>
-              </a:rPr>
-              <a:t>大学</a:t>
-            </a:r>
+            <a:endParaRPr lang="zh-CN" altLang="en-US" sz="2000" dirty="0">
+              <a:solidFill>
+                <a:schemeClr val="tx1">
+                  <a:lumMod val="85000"/>
+                  <a:lumOff val="15000"/>
+                </a:schemeClr>
+              </a:solidFill>
+            </a:endParaRPr>
           </a:p>
         </p:txBody>
       </p:sp>
@@ -5768,6 +5772,13 @@
       <p:transition advTm="2000"/>
     </mc:Fallback>
   </mc:AlternateContent>
+  <p:timing>
+    <p:tnLst>
+      <p:par>
+        <p:cTn id="1" dur="indefinite" restart="never" nodeType="tmRoot"/>
+      </p:par>
+    </p:tnLst>
+  </p:timing>
 </p:sld>
 </file>
 
@@ -5797,7 +5808,7 @@
         <p:spPr>
           <a:xfrm>
             <a:off x="0" y="60523"/>
-            <a:ext cx="2654060" cy="400110"/>
+            <a:ext cx="1210588" cy="400110"/>
           </a:xfrm>
           <a:prstGeom prst="rect">
             <a:avLst/>
@@ -5810,7 +5821,7 @@
           <a:lstStyle/>
           <a:p>
             <a:r>
-              <a:rPr lang="en-US" altLang="zh-CN" sz="2000" dirty="0">
+              <a:rPr lang="zh-CN" altLang="en-US" sz="2000" dirty="0" smtClean="0">
                 <a:solidFill>
                   <a:schemeClr val="tx1">
                     <a:lumMod val="85000"/>
@@ -5818,7 +5829,7 @@
                   </a:schemeClr>
                 </a:solidFill>
               </a:rPr>
-              <a:t>PART THREE </a:t>
+              <a:t>研究</a:t>
             </a:r>
             <a:r>
               <a:rPr lang="zh-CN" altLang="en-US" sz="2000" dirty="0">
@@ -5829,7 +5840,7 @@
                   </a:schemeClr>
                 </a:solidFill>
               </a:rPr>
-              <a:t>研究方法</a:t>
+              <a:t>方法</a:t>
             </a:r>
           </a:p>
         </p:txBody>
@@ -8079,6 +8090,13 @@
       <p:transition advTm="2000"/>
     </mc:Fallback>
   </mc:AlternateContent>
+  <p:timing>
+    <p:tnLst>
+      <p:par>
+        <p:cTn id="1" dur="indefinite" restart="never" nodeType="tmRoot"/>
+      </p:par>
+    </p:tnLst>
+  </p:timing>
 </p:sld>
 </file>
 
@@ -8108,7 +8126,7 @@
         <p:spPr>
           <a:xfrm>
             <a:off x="0" y="60523"/>
-            <a:ext cx="2654060" cy="400110"/>
+            <a:ext cx="1210588" cy="400110"/>
           </a:xfrm>
           <a:prstGeom prst="rect">
             <a:avLst/>
@@ -8121,7 +8139,7 @@
           <a:lstStyle/>
           <a:p>
             <a:r>
-              <a:rPr lang="en-US" altLang="zh-CN" sz="2000" dirty="0">
+              <a:rPr lang="zh-CN" altLang="en-US" sz="2000" dirty="0" smtClean="0">
                 <a:solidFill>
                   <a:schemeClr val="tx1">
                     <a:lumMod val="85000"/>
@@ -8129,7 +8147,7 @@
                   </a:schemeClr>
                 </a:solidFill>
               </a:rPr>
-              <a:t>PART THREE </a:t>
+              <a:t>研究</a:t>
             </a:r>
             <a:r>
               <a:rPr lang="zh-CN" altLang="en-US" sz="2000" dirty="0">
@@ -8140,7 +8158,7 @@
                   </a:schemeClr>
                 </a:solidFill>
               </a:rPr>
-              <a:t>研究方法</a:t>
+              <a:t>方法</a:t>
             </a:r>
           </a:p>
         </p:txBody>
@@ -8624,6 +8642,13 @@
       <p:transition advTm="2000"/>
     </mc:Fallback>
   </mc:AlternateContent>
+  <p:timing>
+    <p:tnLst>
+      <p:par>
+        <p:cTn id="1" dur="indefinite" restart="never" nodeType="tmRoot"/>
+      </p:par>
+    </p:tnLst>
+  </p:timing>
 </p:sld>
 </file>
 
@@ -8653,7 +8678,7 @@
         <p:spPr>
           <a:xfrm>
             <a:off x="0" y="60523"/>
-            <a:ext cx="2654060" cy="400110"/>
+            <a:ext cx="1210588" cy="400110"/>
           </a:xfrm>
           <a:prstGeom prst="rect">
             <a:avLst/>
@@ -8666,7 +8691,7 @@
           <a:lstStyle/>
           <a:p>
             <a:r>
-              <a:rPr lang="en-US" altLang="zh-CN" sz="2000" dirty="0">
+              <a:rPr lang="zh-CN" altLang="en-US" sz="2000" dirty="0" smtClean="0">
                 <a:solidFill>
                   <a:schemeClr val="tx1">
                     <a:lumMod val="85000"/>
@@ -8674,7 +8699,7 @@
                   </a:schemeClr>
                 </a:solidFill>
               </a:rPr>
-              <a:t>PART THREE </a:t>
+              <a:t>研究</a:t>
             </a:r>
             <a:r>
               <a:rPr lang="zh-CN" altLang="en-US" sz="2000" dirty="0">
@@ -8685,7 +8710,7 @@
                   </a:schemeClr>
                 </a:solidFill>
               </a:rPr>
-              <a:t>研究方法</a:t>
+              <a:t>方法</a:t>
             </a:r>
           </a:p>
         </p:txBody>
@@ -9194,6 +9219,13 @@
       <p:transition advTm="2000"/>
     </mc:Fallback>
   </mc:AlternateContent>
+  <p:timing>
+    <p:tnLst>
+      <p:par>
+        <p:cTn id="1" dur="indefinite" restart="never" nodeType="tmRoot"/>
+      </p:par>
+    </p:tnLst>
+  </p:timing>
 </p:sld>
 </file>
 
@@ -9283,8 +9315,12 @@
                 <a:latin typeface="+mj-lt"/>
                 <a:ea typeface="微软雅黑" panose="020B0503020204020204" charset="-122"/>
               </a:rPr>
-              <a:t>分析讨论</a:t>
+              <a:t>详细设计</a:t>
             </a:r>
+            <a:endParaRPr lang="zh-CN" altLang="en-US" sz="6000" dirty="0">
+              <a:latin typeface="+mj-lt"/>
+              <a:ea typeface="微软雅黑" panose="020B0503020204020204" charset="-122"/>
+            </a:endParaRPr>
           </a:p>
         </p:txBody>
       </p:sp>
@@ -9345,7 +9381,7 @@
         <p:spPr>
           <a:xfrm>
             <a:off x="0" y="60523"/>
-            <a:ext cx="2432076" cy="400110"/>
+            <a:ext cx="3005951" cy="400110"/>
           </a:xfrm>
           <a:prstGeom prst="rect">
             <a:avLst/>
@@ -9366,10 +9402,10 @@
                   </a:schemeClr>
                 </a:solidFill>
               </a:rPr>
-              <a:t>学校名称：</a:t>
+              <a:t>学校名称</a:t>
             </a:r>
             <a:r>
-              <a:rPr lang="en-US" altLang="zh-CN" sz="2000" dirty="0">
+              <a:rPr lang="zh-CN" altLang="en-US" sz="2000" dirty="0" smtClean="0">
                 <a:solidFill>
                   <a:schemeClr val="tx1">
                     <a:lumMod val="85000"/>
@@ -9377,19 +9413,16 @@
                   </a:schemeClr>
                 </a:solidFill>
               </a:rPr>
-              <a:t>XXX</a:t>
+              <a:t>：河北师范大学</a:t>
             </a:r>
-            <a:r>
-              <a:rPr lang="zh-CN" altLang="en-US" sz="2000" dirty="0">
-                <a:solidFill>
-                  <a:schemeClr val="tx1">
-                    <a:lumMod val="85000"/>
-                    <a:lumOff val="15000"/>
-                  </a:schemeClr>
-                </a:solidFill>
-              </a:rPr>
-              <a:t>大学</a:t>
-            </a:r>
+            <a:endParaRPr lang="zh-CN" altLang="en-US" sz="2000" dirty="0">
+              <a:solidFill>
+                <a:schemeClr val="tx1">
+                  <a:lumMod val="85000"/>
+                  <a:lumOff val="15000"/>
+                </a:schemeClr>
+              </a:solidFill>
+            </a:endParaRPr>
           </a:p>
         </p:txBody>
       </p:sp>
@@ -9406,6 +9439,13 @@
       <p:transition advTm="2000"/>
     </mc:Fallback>
   </mc:AlternateContent>
+  <p:timing>
+    <p:tnLst>
+      <p:par>
+        <p:cTn id="1" dur="indefinite" restart="never" nodeType="tmRoot"/>
+      </p:par>
+    </p:tnLst>
+  </p:timing>
 </p:sld>
 </file>
 
@@ -9435,7 +9475,7 @@
         <p:spPr>
           <a:xfrm>
             <a:off x="0" y="60523"/>
-            <a:ext cx="2572307" cy="400110"/>
+            <a:ext cx="1210588" cy="400110"/>
           </a:xfrm>
           <a:prstGeom prst="rect">
             <a:avLst/>
@@ -9448,7 +9488,7 @@
           <a:lstStyle/>
           <a:p>
             <a:r>
-              <a:rPr lang="en-US" altLang="zh-CN" sz="2000" dirty="0">
+              <a:rPr lang="zh-CN" altLang="en-US" sz="2000" dirty="0" smtClean="0">
                 <a:solidFill>
                   <a:schemeClr val="tx1">
                     <a:lumMod val="85000"/>
@@ -9456,19 +9496,16 @@
                   </a:schemeClr>
                 </a:solidFill>
               </a:rPr>
-              <a:t>PART FOUR </a:t>
+              <a:t>详细设计</a:t>
             </a:r>
-            <a:r>
-              <a:rPr lang="zh-CN" altLang="en-US" sz="2000" dirty="0">
-                <a:solidFill>
-                  <a:schemeClr val="tx1">
-                    <a:lumMod val="85000"/>
-                    <a:lumOff val="15000"/>
-                  </a:schemeClr>
-                </a:solidFill>
-              </a:rPr>
-              <a:t>分析讨论</a:t>
-            </a:r>
+            <a:endParaRPr lang="zh-CN" altLang="en-US" sz="2000" dirty="0">
+              <a:solidFill>
+                <a:schemeClr val="tx1">
+                  <a:lumMod val="85000"/>
+                  <a:lumOff val="15000"/>
+                </a:schemeClr>
+              </a:solidFill>
+            </a:endParaRPr>
           </a:p>
         </p:txBody>
       </p:sp>
@@ -10736,6 +10773,13 @@
       <p:transition advTm="2000"/>
     </mc:Fallback>
   </mc:AlternateContent>
+  <p:timing>
+    <p:tnLst>
+      <p:par>
+        <p:cTn id="1" dur="indefinite" restart="never" nodeType="tmRoot"/>
+      </p:par>
+    </p:tnLst>
+  </p:timing>
 </p:sld>
 </file>
 
@@ -10765,7 +10809,7 @@
         <p:spPr>
           <a:xfrm>
             <a:off x="0" y="60523"/>
-            <a:ext cx="2572307" cy="400110"/>
+            <a:ext cx="1210588" cy="400110"/>
           </a:xfrm>
           <a:prstGeom prst="rect">
             <a:avLst/>
@@ -10778,7 +10822,7 @@
           <a:lstStyle/>
           <a:p>
             <a:r>
-              <a:rPr lang="en-US" altLang="zh-CN" sz="2000" dirty="0">
+              <a:rPr lang="zh-CN" altLang="en-US" sz="2000" dirty="0" smtClean="0">
                 <a:solidFill>
                   <a:schemeClr val="tx1">
                     <a:lumMod val="85000"/>
@@ -10786,19 +10830,16 @@
                   </a:schemeClr>
                 </a:solidFill>
               </a:rPr>
-              <a:t>PART FOUR </a:t>
+              <a:t>详细设计</a:t>
             </a:r>
-            <a:r>
-              <a:rPr lang="zh-CN" altLang="en-US" sz="2000" dirty="0">
-                <a:solidFill>
-                  <a:schemeClr val="tx1">
-                    <a:lumMod val="85000"/>
-                    <a:lumOff val="15000"/>
-                  </a:schemeClr>
-                </a:solidFill>
-              </a:rPr>
-              <a:t>分析讨论</a:t>
-            </a:r>
+            <a:endParaRPr lang="zh-CN" altLang="en-US" sz="2000" dirty="0">
+              <a:solidFill>
+                <a:schemeClr val="tx1">
+                  <a:lumMod val="85000"/>
+                  <a:lumOff val="15000"/>
+                </a:schemeClr>
+              </a:solidFill>
+            </a:endParaRPr>
           </a:p>
         </p:txBody>
       </p:sp>
@@ -11571,6 +11612,13 @@
       <p:transition advTm="2000"/>
     </mc:Fallback>
   </mc:AlternateContent>
+  <p:timing>
+    <p:tnLst>
+      <p:par>
+        <p:cTn id="1" dur="indefinite" restart="never" nodeType="tmRoot"/>
+      </p:par>
+    </p:tnLst>
+  </p:timing>
 </p:sld>
 </file>
 
@@ -11656,12 +11704,16 @@
               </a:lnSpc>
             </a:pPr>
             <a:r>
-              <a:rPr lang="zh-CN" altLang="en-US" sz="6000" dirty="0">
+              <a:rPr lang="zh-CN" altLang="en-US" sz="6000" dirty="0" smtClean="0">
                 <a:latin typeface="+mj-lt"/>
                 <a:ea typeface="微软雅黑" panose="020B0503020204020204" charset="-122"/>
               </a:rPr>
-              <a:t>主要结论</a:t>
+              <a:t>内容实现</a:t>
             </a:r>
+            <a:endParaRPr lang="zh-CN" altLang="en-US" sz="6000" dirty="0">
+              <a:latin typeface="+mj-lt"/>
+              <a:ea typeface="微软雅黑" panose="020B0503020204020204" charset="-122"/>
+            </a:endParaRPr>
           </a:p>
         </p:txBody>
       </p:sp>
@@ -11722,7 +11774,7 @@
         <p:spPr>
           <a:xfrm>
             <a:off x="0" y="60523"/>
-            <a:ext cx="2432076" cy="400110"/>
+            <a:ext cx="3005951" cy="400110"/>
           </a:xfrm>
           <a:prstGeom prst="rect">
             <a:avLst/>
@@ -11743,10 +11795,10 @@
                   </a:schemeClr>
                 </a:solidFill>
               </a:rPr>
-              <a:t>学校名称：</a:t>
+              <a:t>学校名称</a:t>
             </a:r>
             <a:r>
-              <a:rPr lang="en-US" altLang="zh-CN" sz="2000" dirty="0">
+              <a:rPr lang="zh-CN" altLang="en-US" sz="2000" dirty="0" smtClean="0">
                 <a:solidFill>
                   <a:schemeClr val="tx1">
                     <a:lumMod val="85000"/>
@@ -11754,7 +11806,7 @@
                   </a:schemeClr>
                 </a:solidFill>
               </a:rPr>
-              <a:t>XXX</a:t>
+              <a:t>：</a:t>
             </a:r>
             <a:r>
               <a:rPr lang="zh-CN" altLang="en-US" sz="2000" dirty="0">
@@ -11765,8 +11817,27 @@
                   </a:schemeClr>
                 </a:solidFill>
               </a:rPr>
+              <a:t>河北师范</a:t>
+            </a:r>
+            <a:r>
+              <a:rPr lang="zh-CN" altLang="en-US" sz="2000" dirty="0" smtClean="0">
+                <a:solidFill>
+                  <a:schemeClr val="tx1">
+                    <a:lumMod val="85000"/>
+                    <a:lumOff val="15000"/>
+                  </a:schemeClr>
+                </a:solidFill>
+              </a:rPr>
               <a:t>大学</a:t>
             </a:r>
+            <a:endParaRPr lang="zh-CN" altLang="en-US" sz="2000" dirty="0">
+              <a:solidFill>
+                <a:schemeClr val="tx1">
+                  <a:lumMod val="85000"/>
+                  <a:lumOff val="15000"/>
+                </a:schemeClr>
+              </a:solidFill>
+            </a:endParaRPr>
           </a:p>
         </p:txBody>
       </p:sp>
@@ -11783,6 +11854,13 @@
       <p:transition advTm="2000"/>
     </mc:Fallback>
   </mc:AlternateContent>
+  <p:timing>
+    <p:tnLst>
+      <p:par>
+        <p:cTn id="1" dur="indefinite" restart="never" nodeType="tmRoot"/>
+      </p:par>
+    </p:tnLst>
+  </p:timing>
 </p:sld>
 </file>
 
@@ -11812,7 +11890,7 @@
         <p:spPr>
           <a:xfrm>
             <a:off x="0" y="60523"/>
-            <a:ext cx="2405595" cy="400110"/>
+            <a:ext cx="1210588" cy="400110"/>
           </a:xfrm>
           <a:prstGeom prst="rect">
             <a:avLst/>
@@ -11825,7 +11903,7 @@
           <a:lstStyle/>
           <a:p>
             <a:r>
-              <a:rPr lang="en-US" altLang="zh-CN" sz="2000" dirty="0">
+              <a:rPr lang="zh-CN" altLang="en-US" sz="2000" dirty="0" smtClean="0">
                 <a:solidFill>
                   <a:schemeClr val="tx1">
                     <a:lumMod val="85000"/>
@@ -11833,19 +11911,16 @@
                   </a:schemeClr>
                 </a:solidFill>
               </a:rPr>
-              <a:t>PART FIVE </a:t>
+              <a:t>内容实现</a:t>
             </a:r>
-            <a:r>
-              <a:rPr lang="zh-CN" altLang="en-US" sz="2000" dirty="0">
-                <a:solidFill>
-                  <a:schemeClr val="tx1">
-                    <a:lumMod val="85000"/>
-                    <a:lumOff val="15000"/>
-                  </a:schemeClr>
-                </a:solidFill>
-              </a:rPr>
-              <a:t>主要结论</a:t>
-            </a:r>
+            <a:endParaRPr lang="zh-CN" altLang="en-US" sz="2000" dirty="0">
+              <a:solidFill>
+                <a:schemeClr val="tx1">
+                  <a:lumMod val="85000"/>
+                  <a:lumOff val="15000"/>
+                </a:schemeClr>
+              </a:solidFill>
+            </a:endParaRPr>
           </a:p>
         </p:txBody>
       </p:sp>
@@ -15359,6 +15434,13 @@
       <p:transition advTm="2000"/>
     </mc:Fallback>
   </mc:AlternateContent>
+  <p:timing>
+    <p:tnLst>
+      <p:par>
+        <p:cTn id="1" dur="indefinite" restart="never" nodeType="tmRoot"/>
+      </p:par>
+    </p:tnLst>
+  </p:timing>
 </p:sld>
 </file>
 
@@ -15388,7 +15470,7 @@
         <p:spPr>
           <a:xfrm>
             <a:off x="0" y="60523"/>
-            <a:ext cx="2405595" cy="400110"/>
+            <a:ext cx="1210588" cy="400110"/>
           </a:xfrm>
           <a:prstGeom prst="rect">
             <a:avLst/>
@@ -15401,7 +15483,7 @@
           <a:lstStyle/>
           <a:p>
             <a:r>
-              <a:rPr lang="en-US" altLang="zh-CN" sz="2000" dirty="0">
+              <a:rPr lang="zh-CN" altLang="en-US" sz="2000" dirty="0" smtClean="0">
                 <a:solidFill>
                   <a:schemeClr val="tx1">
                     <a:lumMod val="85000"/>
@@ -15409,19 +15491,16 @@
                   </a:schemeClr>
                 </a:solidFill>
               </a:rPr>
-              <a:t>PART FIVE </a:t>
+              <a:t>内容实现</a:t>
             </a:r>
-            <a:r>
-              <a:rPr lang="zh-CN" altLang="en-US" sz="2000" dirty="0">
-                <a:solidFill>
-                  <a:schemeClr val="tx1">
-                    <a:lumMod val="85000"/>
-                    <a:lumOff val="15000"/>
-                  </a:schemeClr>
-                </a:solidFill>
-              </a:rPr>
-              <a:t>主要结论</a:t>
-            </a:r>
+            <a:endParaRPr lang="zh-CN" altLang="en-US" sz="2000" dirty="0">
+              <a:solidFill>
+                <a:schemeClr val="tx1">
+                  <a:lumMod val="85000"/>
+                  <a:lumOff val="15000"/>
+                </a:schemeClr>
+              </a:solidFill>
+            </a:endParaRPr>
           </a:p>
         </p:txBody>
       </p:sp>
@@ -17095,6 +17174,13 @@
       <p:transition advTm="2000"/>
     </mc:Fallback>
   </mc:AlternateContent>
+  <p:timing>
+    <p:tnLst>
+      <p:par>
+        <p:cTn id="1" dur="indefinite" restart="never" nodeType="tmRoot"/>
+      </p:par>
+    </p:tnLst>
+  </p:timing>
 </p:sld>
 </file>
 
@@ -17507,7 +17593,55 @@
         <p:spPr>
           <a:xfrm>
             <a:off x="5349765" y="4092839"/>
-            <a:ext cx="1751798" cy="652486"/>
+            <a:ext cx="1751798" cy="597087"/>
+          </a:xfrm>
+          <a:prstGeom prst="rect">
+            <a:avLst/>
+          </a:prstGeom>
+          <a:noFill/>
+        </p:spPr>
+        <p:txBody>
+          <a:bodyPr wrap="square" rtlCol="0">
+            <a:spAutoFit/>
+          </a:bodyPr>
+          <a:lstStyle/>
+          <a:p>
+            <a:pPr algn="ctr" defTabSz="608965">
+              <a:lnSpc>
+                <a:spcPct val="130000"/>
+              </a:lnSpc>
+            </a:pPr>
+            <a:r>
+              <a:rPr lang="zh-CN" altLang="en-US" sz="2800" b="1" dirty="0" smtClean="0">
+                <a:latin typeface="+mj-lt"/>
+                <a:ea typeface="微软雅黑" panose="020B0503020204020204" charset="-122"/>
+              </a:rPr>
+              <a:t>研究</a:t>
+            </a:r>
+            <a:r>
+              <a:rPr lang="zh-CN" altLang="en-US" sz="2800" b="1" dirty="0">
+                <a:latin typeface="+mj-lt"/>
+                <a:ea typeface="微软雅黑" panose="020B0503020204020204" charset="-122"/>
+              </a:rPr>
+              <a:t>方法</a:t>
+            </a:r>
+            <a:endParaRPr lang="zh-CN" altLang="en-US" sz="2800" b="1" dirty="0">
+              <a:latin typeface="+mj-lt"/>
+              <a:ea typeface="微软雅黑" panose="020B0503020204020204" charset="-122"/>
+            </a:endParaRPr>
+          </a:p>
+        </p:txBody>
+      </p:sp>
+      <p:sp>
+        <p:nvSpPr>
+          <p:cNvPr id="25" name="文本框 24"/>
+          <p:cNvSpPr txBox="1"/>
+          <p:nvPr/>
+        </p:nvSpPr>
+        <p:spPr>
+          <a:xfrm>
+            <a:off x="7196861" y="4092839"/>
+            <a:ext cx="1751798" cy="597087"/>
           </a:xfrm>
           <a:prstGeom prst="rect">
             <a:avLst/>
@@ -17530,21 +17664,25 @@
                 <a:latin typeface="+mj-lt"/>
                 <a:ea typeface="微软雅黑" panose="020B0503020204020204" charset="-122"/>
               </a:rPr>
-              <a:t>研究方法</a:t>
+              <a:t>详细设计</a:t>
             </a:r>
+            <a:endParaRPr kumimoji="1" lang="zh-CN" altLang="en-US" sz="2800" b="1" dirty="0">
+              <a:latin typeface="+mj-lt"/>
+              <a:ea typeface="微软雅黑" panose="020B0503020204020204" charset="-122"/>
+            </a:endParaRPr>
           </a:p>
         </p:txBody>
       </p:sp>
       <p:sp>
         <p:nvSpPr>
-          <p:cNvPr id="25" name="文本框 24"/>
+          <p:cNvPr id="26" name="文本框 25"/>
           <p:cNvSpPr txBox="1"/>
           <p:nvPr/>
         </p:nvSpPr>
         <p:spPr>
           <a:xfrm>
-            <a:off x="7196861" y="4092839"/>
-            <a:ext cx="1751798" cy="652486"/>
+            <a:off x="9059235" y="4092839"/>
+            <a:ext cx="1751798" cy="597087"/>
           </a:xfrm>
           <a:prstGeom prst="rect">
             <a:avLst/>
@@ -17567,48 +17705,14 @@
                 <a:latin typeface="+mj-lt"/>
                 <a:ea typeface="微软雅黑" panose="020B0503020204020204" charset="-122"/>
               </a:rPr>
-              <a:t>分析讨论</a:t>
+              <a:t>内容</a:t>
             </a:r>
-            <a:endParaRPr kumimoji="1" lang="zh-CN" altLang="en-US" sz="2800" b="1" dirty="0">
-              <a:latin typeface="+mj-lt"/>
-              <a:ea typeface="微软雅黑" panose="020B0503020204020204" charset="-122"/>
-            </a:endParaRPr>
-          </a:p>
-        </p:txBody>
-      </p:sp>
-      <p:sp>
-        <p:nvSpPr>
-          <p:cNvPr id="26" name="文本框 25"/>
-          <p:cNvSpPr txBox="1"/>
-          <p:nvPr/>
-        </p:nvSpPr>
-        <p:spPr>
-          <a:xfrm>
-            <a:off x="9059235" y="4092839"/>
-            <a:ext cx="1751798" cy="652486"/>
-          </a:xfrm>
-          <a:prstGeom prst="rect">
-            <a:avLst/>
-          </a:prstGeom>
-          <a:noFill/>
-        </p:spPr>
-        <p:txBody>
-          <a:bodyPr wrap="square" rtlCol="0">
-            <a:spAutoFit/>
-          </a:bodyPr>
-          <a:lstStyle/>
-          <a:p>
-            <a:pPr algn="ctr" defTabSz="608965">
-              <a:lnSpc>
-                <a:spcPct val="130000"/>
-              </a:lnSpc>
-            </a:pPr>
             <a:r>
-              <a:rPr lang="zh-CN" altLang="en-US" sz="2800" b="1" dirty="0">
+              <a:rPr lang="zh-CN" altLang="en-US" sz="2800" b="1" dirty="0" smtClean="0">
                 <a:latin typeface="+mj-lt"/>
                 <a:ea typeface="微软雅黑" panose="020B0503020204020204" charset="-122"/>
               </a:rPr>
-              <a:t>主要结论</a:t>
+              <a:t>实现</a:t>
             </a:r>
             <a:endParaRPr kumimoji="1" lang="zh-CN" altLang="en-US" sz="2800" b="1" dirty="0">
               <a:latin typeface="+mj-lt"/>
@@ -17626,7 +17730,7 @@
         <p:spPr>
           <a:xfrm>
             <a:off x="2802427" y="2404353"/>
-            <a:ext cx="6658744" cy="1052596"/>
+            <a:ext cx="6658744" cy="732508"/>
           </a:xfrm>
           <a:prstGeom prst="rect">
             <a:avLst/>
@@ -17644,25 +17748,14 @@
               </a:lnSpc>
             </a:pPr>
             <a:r>
-              <a:rPr lang="zh-CN" altLang="en-US" sz="1600" dirty="0"/>
-              <a:t>标题数字等都可以通过点击和重新输入进行更改，顶部“开始”面板中可以对字体、字号、颜色、行距等进行修改。建议正文</a:t>
+              <a:rPr lang="zh-CN" altLang="en-US" sz="1600" dirty="0" smtClean="0"/>
+              <a:t>该毕业设计主要分为以下五个部分，简洁概括了</a:t>
             </a:r>
             <a:r>
-              <a:rPr lang="en-US" altLang="zh-CN" sz="1600" dirty="0"/>
-              <a:t>8-14</a:t>
+              <a:rPr lang="zh-CN" altLang="en-US" sz="1600" dirty="0" smtClean="0"/>
+              <a:t>“我爱我家”电子购物商城的后台子系统的设计思想和主要步骤。</a:t>
             </a:r>
-            <a:r>
-              <a:rPr lang="zh-CN" altLang="en-US" sz="1600" dirty="0"/>
-              <a:t>号字，</a:t>
-            </a:r>
-            <a:r>
-              <a:rPr lang="en-US" altLang="zh-CN" sz="1600" dirty="0"/>
-              <a:t>1.3</a:t>
-            </a:r>
-            <a:r>
-              <a:rPr lang="zh-CN" altLang="en-US" sz="1600" dirty="0"/>
-              <a:t>倍字间距。</a:t>
-            </a:r>
+            <a:endParaRPr lang="zh-CN" altLang="en-US" sz="1600" dirty="0"/>
           </a:p>
         </p:txBody>
       </p:sp>
@@ -17995,6 +18088,13 @@
       <p:transition advTm="2000"/>
     </mc:Fallback>
   </mc:AlternateContent>
+  <p:timing>
+    <p:tnLst>
+      <p:par>
+        <p:cTn id="1" dur="indefinite" restart="never" nodeType="tmRoot"/>
+      </p:par>
+    </p:tnLst>
+  </p:timing>
 </p:sld>
 </file>
 
@@ -18023,7 +18123,7 @@
         </p:nvSpPr>
         <p:spPr>
           <a:xfrm>
-            <a:off x="3672703" y="1883659"/>
+            <a:off x="3672703" y="2066933"/>
             <a:ext cx="4698723" cy="1446550"/>
           </a:xfrm>
           <a:prstGeom prst="rect">
@@ -18054,7 +18154,7 @@
         <p:spPr>
           <a:xfrm>
             <a:off x="0" y="60523"/>
-            <a:ext cx="2432076" cy="400110"/>
+            <a:ext cx="3005951" cy="400110"/>
           </a:xfrm>
           <a:prstGeom prst="rect">
             <a:avLst/>
@@ -18075,10 +18175,10 @@
                   </a:schemeClr>
                 </a:solidFill>
               </a:rPr>
-              <a:t>学校名称：</a:t>
+              <a:t>学校名称</a:t>
             </a:r>
             <a:r>
-              <a:rPr lang="en-US" altLang="zh-CN" sz="2000" dirty="0">
+              <a:rPr lang="zh-CN" altLang="en-US" sz="2000" dirty="0" smtClean="0">
                 <a:solidFill>
                   <a:schemeClr val="tx1">
                     <a:lumMod val="85000"/>
@@ -18086,19 +18186,16 @@
                   </a:schemeClr>
                 </a:solidFill>
               </a:rPr>
-              <a:t>XXX</a:t>
+              <a:t>：河北师范大学</a:t>
             </a:r>
-            <a:r>
-              <a:rPr lang="zh-CN" altLang="en-US" sz="2000" dirty="0">
-                <a:solidFill>
-                  <a:schemeClr val="tx1">
-                    <a:lumMod val="85000"/>
-                    <a:lumOff val="15000"/>
-                  </a:schemeClr>
-                </a:solidFill>
-              </a:rPr>
-              <a:t>大学</a:t>
-            </a:r>
+            <a:endParaRPr lang="zh-CN" altLang="en-US" sz="2000" dirty="0">
+              <a:solidFill>
+                <a:schemeClr val="tx1">
+                  <a:lumMod val="85000"/>
+                  <a:lumOff val="15000"/>
+                </a:schemeClr>
+              </a:solidFill>
+            </a:endParaRPr>
           </a:p>
         </p:txBody>
       </p:sp>
@@ -18110,8 +18207,8 @@
         </p:nvSpPr>
         <p:spPr>
           <a:xfrm>
-            <a:off x="3926143" y="4128161"/>
-            <a:ext cx="4339714" cy="923330"/>
+            <a:off x="4007538" y="5420630"/>
+            <a:ext cx="3877986" cy="646331"/>
           </a:xfrm>
           <a:prstGeom prst="rect">
             <a:avLst/>
@@ -18127,15 +18224,9 @@
               <a:defRPr/>
             </a:pPr>
             <a:r>
-              <a:rPr lang="zh-CN" altLang="en-US" dirty="0"/>
-              <a:t>输入文本内容输入文本内容输入文本内容</a:t>
+              <a:rPr lang="zh-CN" altLang="en-US" dirty="0" smtClean="0"/>
+              <a:t>非常感谢各位老师和同学们的配合！</a:t>
             </a:r>
-            <a:endParaRPr lang="en-US" altLang="zh-CN" dirty="0"/>
-          </a:p>
-          <a:p>
-            <a:pPr algn="ctr" defTabSz="914400">
-              <a:defRPr/>
-            </a:pPr>
             <a:endParaRPr lang="en-US" altLang="zh-CN" dirty="0"/>
           </a:p>
           <a:p>
@@ -18154,7 +18245,7 @@
         </p:nvSpPr>
         <p:spPr>
           <a:xfrm>
-            <a:off x="3107267" y="3330209"/>
+            <a:off x="3005951" y="3945323"/>
             <a:ext cx="2683933" cy="540000"/>
           </a:xfrm>
           <a:prstGeom prst="rect">
@@ -18193,21 +18284,26 @@
           <a:p>
             <a:pPr algn="ctr"/>
             <a:r>
-              <a:rPr lang="zh-CN" altLang="en-US" sz="1400" dirty="0">
+              <a:rPr lang="zh-CN" altLang="en-US" sz="2000" b="1" dirty="0">
                 <a:solidFill>
                   <a:schemeClr val="tx1"/>
                 </a:solidFill>
               </a:rPr>
-              <a:t>答辩人：</a:t>
+              <a:t>答辩人</a:t>
             </a:r>
             <a:r>
-              <a:rPr lang="en-US" altLang="zh-CN" sz="1400" dirty="0">
+              <a:rPr lang="zh-CN" altLang="en-US" sz="2000" b="1" dirty="0" smtClean="0">
                 <a:solidFill>
                   <a:schemeClr val="tx1"/>
                 </a:solidFill>
               </a:rPr>
-              <a:t>XXX</a:t>
+              <a:t>：刘月</a:t>
             </a:r>
+            <a:endParaRPr lang="en-US" altLang="zh-CN" sz="2000" b="1" dirty="0">
+              <a:solidFill>
+                <a:schemeClr val="tx1"/>
+              </a:solidFill>
+            </a:endParaRPr>
           </a:p>
         </p:txBody>
       </p:sp>
@@ -18219,7 +18315,7 @@
         </p:nvSpPr>
         <p:spPr>
           <a:xfrm>
-            <a:off x="6427264" y="3330209"/>
+            <a:off x="6325948" y="3945323"/>
             <a:ext cx="2683933" cy="540000"/>
           </a:xfrm>
           <a:prstGeom prst="rect">
@@ -18258,46 +18354,22 @@
           <a:p>
             <a:pPr algn="ctr"/>
             <a:r>
-              <a:rPr lang="zh-CN" altLang="en-US" sz="1400" dirty="0">
+              <a:rPr lang="zh-CN" altLang="en-US" sz="2000" b="1" dirty="0">
                 <a:solidFill>
                   <a:schemeClr val="tx1"/>
                 </a:solidFill>
               </a:rPr>
-              <a:t>答辩时间：</a:t>
+              <a:t>答辩</a:t>
             </a:r>
             <a:r>
-              <a:rPr lang="en-US" altLang="zh-CN" sz="1400" dirty="0">
+              <a:rPr lang="zh-CN" altLang="en-US" sz="2000" b="1" dirty="0" smtClean="0">
                 <a:solidFill>
                   <a:schemeClr val="tx1"/>
                 </a:solidFill>
               </a:rPr>
-              <a:t>XX</a:t>
+              <a:t>小组：丁蕾蕾组</a:t>
             </a:r>
-            <a:r>
-              <a:rPr lang="zh-CN" altLang="en-US" sz="1400" dirty="0">
-                <a:solidFill>
-                  <a:schemeClr val="tx1"/>
-                </a:solidFill>
-              </a:rPr>
-              <a:t>年</a:t>
-            </a:r>
-            <a:r>
-              <a:rPr lang="en-US" altLang="zh-CN" sz="1400" dirty="0">
-                <a:solidFill>
-                  <a:schemeClr val="tx1"/>
-                </a:solidFill>
-              </a:rPr>
-              <a:t>XX</a:t>
-            </a:r>
-            <a:r>
-              <a:rPr lang="zh-CN" altLang="en-US" sz="1400" dirty="0">
-                <a:solidFill>
-                  <a:schemeClr val="tx1"/>
-                </a:solidFill>
-              </a:rPr>
-              <a:t>月</a:t>
-            </a:r>
-            <a:endParaRPr lang="en-US" altLang="zh-CN" sz="1400" dirty="0">
+            <a:endParaRPr lang="en-US" altLang="zh-CN" sz="2000" b="1" dirty="0">
               <a:solidFill>
                 <a:schemeClr val="tx1"/>
               </a:solidFill>
@@ -18318,6 +18390,13 @@
       <p:transition advTm="2000"/>
     </mc:Fallback>
   </mc:AlternateContent>
+  <p:timing>
+    <p:tnLst>
+      <p:par>
+        <p:cTn id="1" dur="indefinite" restart="never" nodeType="tmRoot"/>
+      </p:par>
+    </p:tnLst>
+  </p:timing>
 </p:sld>
 </file>
 
@@ -18487,7 +18566,7 @@
         <p:spPr>
           <a:xfrm>
             <a:off x="0" y="60523"/>
-            <a:ext cx="2432076" cy="400110"/>
+            <a:ext cx="3005951" cy="400110"/>
           </a:xfrm>
           <a:prstGeom prst="rect">
             <a:avLst/>
@@ -18508,10 +18587,10 @@
                   </a:schemeClr>
                 </a:solidFill>
               </a:rPr>
-              <a:t>学校名称：</a:t>
+              <a:t>学校名称</a:t>
             </a:r>
             <a:r>
-              <a:rPr lang="en-US" altLang="zh-CN" sz="2000" dirty="0">
+              <a:rPr lang="zh-CN" altLang="en-US" sz="2000" dirty="0" smtClean="0">
                 <a:solidFill>
                   <a:schemeClr val="tx1">
                     <a:lumMod val="85000"/>
@@ -18519,7 +18598,7 @@
                   </a:schemeClr>
                 </a:solidFill>
               </a:rPr>
-              <a:t>XXX</a:t>
+              <a:t>：</a:t>
             </a:r>
             <a:r>
               <a:rPr lang="zh-CN" altLang="en-US" sz="2000" dirty="0">
@@ -18530,8 +18609,27 @@
                   </a:schemeClr>
                 </a:solidFill>
               </a:rPr>
+              <a:t>河北师范</a:t>
+            </a:r>
+            <a:r>
+              <a:rPr lang="zh-CN" altLang="en-US" sz="2000" dirty="0" smtClean="0">
+                <a:solidFill>
+                  <a:schemeClr val="tx1">
+                    <a:lumMod val="85000"/>
+                    <a:lumOff val="15000"/>
+                  </a:schemeClr>
+                </a:solidFill>
+              </a:rPr>
               <a:t>大学</a:t>
             </a:r>
+            <a:endParaRPr lang="zh-CN" altLang="en-US" sz="2000" dirty="0">
+              <a:solidFill>
+                <a:schemeClr val="tx1">
+                  <a:lumMod val="85000"/>
+                  <a:lumOff val="15000"/>
+                </a:schemeClr>
+              </a:solidFill>
+            </a:endParaRPr>
           </a:p>
         </p:txBody>
       </p:sp>
@@ -18548,6 +18646,13 @@
       <p:transition advTm="2000"/>
     </mc:Fallback>
   </mc:AlternateContent>
+  <p:timing>
+    <p:tnLst>
+      <p:par>
+        <p:cTn id="1" dur="indefinite" restart="never" nodeType="tmRoot"/>
+      </p:par>
+    </p:tnLst>
+  </p:timing>
 </p:sld>
 </file>
 
@@ -18577,7 +18682,7 @@
         <p:spPr>
           <a:xfrm>
             <a:off x="0" y="60523"/>
-            <a:ext cx="2439257" cy="400110"/>
+            <a:ext cx="1210588" cy="400110"/>
           </a:xfrm>
           <a:prstGeom prst="rect">
             <a:avLst/>
@@ -18590,7 +18695,7 @@
           <a:lstStyle/>
           <a:p>
             <a:r>
-              <a:rPr lang="en-US" altLang="zh-CN" sz="2000" dirty="0">
+              <a:rPr lang="zh-CN" altLang="en-US" sz="2000" dirty="0" smtClean="0">
                 <a:solidFill>
                   <a:schemeClr val="tx1">
                     <a:lumMod val="85000"/>
@@ -18598,7 +18703,7 @@
                   </a:schemeClr>
                 </a:solidFill>
               </a:rPr>
-              <a:t>PART ONE </a:t>
+              <a:t>选题</a:t>
             </a:r>
             <a:r>
               <a:rPr lang="zh-CN" altLang="en-US" sz="2000" dirty="0">
@@ -18609,7 +18714,7 @@
                   </a:schemeClr>
                 </a:solidFill>
               </a:rPr>
-              <a:t>选题背景</a:t>
+              <a:t>背景</a:t>
             </a:r>
           </a:p>
         </p:txBody>
@@ -20171,6 +20276,13 @@
       <p:transition advTm="2000"/>
     </mc:Fallback>
   </mc:AlternateContent>
+  <p:timing>
+    <p:tnLst>
+      <p:par>
+        <p:cTn id="1" dur="indefinite" restart="never" nodeType="tmRoot"/>
+      </p:par>
+    </p:tnLst>
+  </p:timing>
 </p:sld>
 </file>
 
@@ -20200,7 +20312,7 @@
         <p:spPr>
           <a:xfrm>
             <a:off x="0" y="60523"/>
-            <a:ext cx="2439257" cy="400110"/>
+            <a:ext cx="1210588" cy="400110"/>
           </a:xfrm>
           <a:prstGeom prst="rect">
             <a:avLst/>
@@ -20213,7 +20325,7 @@
           <a:lstStyle/>
           <a:p>
             <a:r>
-              <a:rPr lang="en-US" altLang="zh-CN" sz="2000" dirty="0">
+              <a:rPr lang="zh-CN" altLang="en-US" sz="2000" dirty="0" smtClean="0">
                 <a:solidFill>
                   <a:schemeClr val="tx1">
                     <a:lumMod val="85000"/>
@@ -20221,7 +20333,7 @@
                   </a:schemeClr>
                 </a:solidFill>
               </a:rPr>
-              <a:t>PART ONE </a:t>
+              <a:t>选题</a:t>
             </a:r>
             <a:r>
               <a:rPr lang="zh-CN" altLang="en-US" sz="2000" dirty="0">
@@ -20232,7 +20344,7 @@
                   </a:schemeClr>
                 </a:solidFill>
               </a:rPr>
-              <a:t>选题背景</a:t>
+              <a:t>背景</a:t>
             </a:r>
           </a:p>
         </p:txBody>
@@ -20573,6 +20685,13 @@
       <p:transition advTm="2000"/>
     </mc:Fallback>
   </mc:AlternateContent>
+  <p:timing>
+    <p:tnLst>
+      <p:par>
+        <p:cTn id="1" dur="indefinite" restart="never" nodeType="tmRoot"/>
+      </p:par>
+    </p:tnLst>
+  </p:timing>
 </p:sld>
 </file>
 
@@ -20724,7 +20843,7 @@
         <p:spPr>
           <a:xfrm>
             <a:off x="0" y="60523"/>
-            <a:ext cx="2432076" cy="400110"/>
+            <a:ext cx="3005951" cy="400110"/>
           </a:xfrm>
           <a:prstGeom prst="rect">
             <a:avLst/>
@@ -20745,10 +20864,10 @@
                   </a:schemeClr>
                 </a:solidFill>
               </a:rPr>
-              <a:t>学校名称：</a:t>
+              <a:t>学校名称</a:t>
             </a:r>
             <a:r>
-              <a:rPr lang="en-US" altLang="zh-CN" sz="2000" dirty="0">
+              <a:rPr lang="zh-CN" altLang="en-US" sz="2000" dirty="0" smtClean="0">
                 <a:solidFill>
                   <a:schemeClr val="tx1">
                     <a:lumMod val="85000"/>
@@ -20756,19 +20875,16 @@
                   </a:schemeClr>
                 </a:solidFill>
               </a:rPr>
-              <a:t>XXX</a:t>
+              <a:t>：河北师范大学</a:t>
             </a:r>
-            <a:r>
-              <a:rPr lang="zh-CN" altLang="en-US" sz="2000" dirty="0">
-                <a:solidFill>
-                  <a:schemeClr val="tx1">
-                    <a:lumMod val="85000"/>
-                    <a:lumOff val="15000"/>
-                  </a:schemeClr>
-                </a:solidFill>
-              </a:rPr>
-              <a:t>大学</a:t>
-            </a:r>
+            <a:endParaRPr lang="zh-CN" altLang="en-US" sz="2000" dirty="0">
+              <a:solidFill>
+                <a:schemeClr val="tx1">
+                  <a:lumMod val="85000"/>
+                  <a:lumOff val="15000"/>
+                </a:schemeClr>
+              </a:solidFill>
+            </a:endParaRPr>
           </a:p>
         </p:txBody>
       </p:sp>
@@ -20785,6 +20901,13 @@
       <p:transition advTm="2000"/>
     </mc:Fallback>
   </mc:AlternateContent>
+  <p:timing>
+    <p:tnLst>
+      <p:par>
+        <p:cTn id="1" dur="indefinite" restart="never" nodeType="tmRoot"/>
+      </p:par>
+    </p:tnLst>
+  </p:timing>
 </p:sld>
 </file>
 
@@ -20813,8 +20936,8 @@
         </p:nvSpPr>
         <p:spPr>
           <a:xfrm>
-            <a:off x="0" y="60523"/>
-            <a:ext cx="2495427" cy="400110"/>
+            <a:off x="25571" y="21018"/>
+            <a:ext cx="1210588" cy="400110"/>
           </a:xfrm>
           <a:prstGeom prst="rect">
             <a:avLst/>
@@ -20827,7 +20950,7 @@
           <a:lstStyle/>
           <a:p>
             <a:r>
-              <a:rPr lang="en-US" altLang="zh-CN" sz="2000" dirty="0">
+              <a:rPr lang="zh-CN" altLang="en-US" sz="2000" dirty="0" smtClean="0">
                 <a:solidFill>
                   <a:schemeClr val="tx1">
                     <a:lumMod val="85000"/>
@@ -20835,7 +20958,7 @@
                   </a:schemeClr>
                 </a:solidFill>
               </a:rPr>
-              <a:t>PART TWO </a:t>
+              <a:t>论文</a:t>
             </a:r>
             <a:r>
               <a:rPr lang="zh-CN" altLang="en-US" sz="2000" dirty="0">
@@ -20846,7 +20969,7 @@
                   </a:schemeClr>
                 </a:solidFill>
               </a:rPr>
-              <a:t>论文结构</a:t>
+              <a:t>结构</a:t>
             </a:r>
           </a:p>
         </p:txBody>
@@ -24621,6 +24744,13 @@
       <p:transition advTm="2000"/>
     </mc:Fallback>
   </mc:AlternateContent>
+  <p:timing>
+    <p:tnLst>
+      <p:par>
+        <p:cTn id="1" dur="indefinite" restart="never" nodeType="tmRoot"/>
+      </p:par>
+    </p:tnLst>
+  </p:timing>
 </p:sld>
 </file>
 
@@ -24650,7 +24780,7 @@
         <p:spPr>
           <a:xfrm>
             <a:off x="0" y="60523"/>
-            <a:ext cx="2495427" cy="400110"/>
+            <a:ext cx="1210588" cy="400110"/>
           </a:xfrm>
           <a:prstGeom prst="rect">
             <a:avLst/>
@@ -24663,7 +24793,7 @@
           <a:lstStyle/>
           <a:p>
             <a:r>
-              <a:rPr lang="en-US" altLang="zh-CN" sz="2000" dirty="0">
+              <a:rPr lang="zh-CN" altLang="en-US" sz="2000" dirty="0" smtClean="0">
                 <a:solidFill>
                   <a:schemeClr val="tx1">
                     <a:lumMod val="85000"/>
@@ -24671,7 +24801,7 @@
                   </a:schemeClr>
                 </a:solidFill>
               </a:rPr>
-              <a:t>PART TWO </a:t>
+              <a:t>论文</a:t>
             </a:r>
             <a:r>
               <a:rPr lang="zh-CN" altLang="en-US" sz="2000" dirty="0">
@@ -24682,7 +24812,7 @@
                   </a:schemeClr>
                 </a:solidFill>
               </a:rPr>
-              <a:t>论文结构</a:t>
+              <a:t>结构</a:t>
             </a:r>
           </a:p>
         </p:txBody>
@@ -30113,6 +30243,13 @@
       <p:transition advTm="2000"/>
     </mc:Fallback>
   </mc:AlternateContent>
+  <p:timing>
+    <p:tnLst>
+      <p:par>
+        <p:cTn id="1" dur="indefinite" restart="never" nodeType="tmRoot"/>
+      </p:par>
+    </p:tnLst>
+  </p:timing>
 </p:sld>
 </file>
 
@@ -30142,7 +30279,7 @@
         <p:spPr>
           <a:xfrm>
             <a:off x="0" y="60523"/>
-            <a:ext cx="2495427" cy="400110"/>
+            <a:ext cx="1210588" cy="400110"/>
           </a:xfrm>
           <a:prstGeom prst="rect">
             <a:avLst/>
@@ -30155,7 +30292,7 @@
           <a:lstStyle/>
           <a:p>
             <a:r>
-              <a:rPr lang="en-US" altLang="zh-CN" sz="2000" dirty="0">
+              <a:rPr lang="zh-CN" altLang="en-US" sz="2000" dirty="0" smtClean="0">
                 <a:solidFill>
                   <a:schemeClr val="tx1">
                     <a:lumMod val="85000"/>
@@ -30163,7 +30300,7 @@
                   </a:schemeClr>
                 </a:solidFill>
               </a:rPr>
-              <a:t>PART TWO </a:t>
+              <a:t>论文</a:t>
             </a:r>
             <a:r>
               <a:rPr lang="zh-CN" altLang="en-US" sz="2000" dirty="0">
@@ -30174,7 +30311,7 @@
                   </a:schemeClr>
                 </a:solidFill>
               </a:rPr>
-              <a:t>论文结构</a:t>
+              <a:t>结构</a:t>
             </a:r>
           </a:p>
         </p:txBody>
@@ -33196,6 +33333,13 @@
       <p:transition advTm="2000"/>
     </mc:Fallback>
   </mc:AlternateContent>
+  <p:timing>
+    <p:tnLst>
+      <p:par>
+        <p:cTn id="1" dur="indefinite" restart="never" nodeType="tmRoot"/>
+      </p:par>
+    </p:tnLst>
+  </p:timing>
 </p:sld>
 </file>
 

--- a/答辩PPT.pptx
+++ b/答辩PPT.pptx
@@ -492,7 +492,6 @@
             <c:showLeaderLines val="0"/>
             <c:extLst>
               <c:ext xmlns:c15="http://schemas.microsoft.com/office/drawing/2012/chart" uri="{CE6537A1-D6FC-4f65-9D91-7224C49458BB}">
-                <c15:layout/>
                 <c15:showLeaderLines val="1"/>
                 <c15:leaderLines>
                   <c:spPr>
@@ -622,7 +621,6 @@
             <c:showLeaderLines val="0"/>
             <c:extLst>
               <c:ext xmlns:c15="http://schemas.microsoft.com/office/drawing/2012/chart" uri="{CE6537A1-D6FC-4f65-9D91-7224C49458BB}">
-                <c15:layout/>
                 <c15:showLeaderLines val="1"/>
                 <c15:leaderLines>
                   <c:spPr>
@@ -752,7 +750,6 @@
             <c:showLeaderLines val="0"/>
             <c:extLst>
               <c:ext xmlns:c15="http://schemas.microsoft.com/office/drawing/2012/chart" uri="{CE6537A1-D6FC-4f65-9D91-7224C49458BB}">
-                <c15:layout/>
                 <c15:showLeaderLines val="1"/>
                 <c15:leaderLines>
                   <c:spPr>
@@ -9317,10 +9314,6 @@
               </a:rPr>
               <a:t>详细设计</a:t>
             </a:r>
-            <a:endParaRPr lang="zh-CN" altLang="en-US" sz="6000" dirty="0">
-              <a:latin typeface="+mj-lt"/>
-              <a:ea typeface="微软雅黑" panose="020B0503020204020204" charset="-122"/>
-            </a:endParaRPr>
           </a:p>
         </p:txBody>
       </p:sp>
@@ -17625,10 +17618,6 @@
               </a:rPr>
               <a:t>方法</a:t>
             </a:r>
-            <a:endParaRPr lang="zh-CN" altLang="en-US" sz="2800" b="1" dirty="0">
-              <a:latin typeface="+mj-lt"/>
-              <a:ea typeface="微软雅黑" panose="020B0503020204020204" charset="-122"/>
-            </a:endParaRPr>
           </a:p>
         </p:txBody>
       </p:sp>
@@ -17749,11 +17738,7 @@
             </a:pPr>
             <a:r>
               <a:rPr lang="zh-CN" altLang="en-US" sz="1600" dirty="0" smtClean="0"/>
-              <a:t>该毕业设计主要分为以下五个部分，简洁概括了</a:t>
-            </a:r>
-            <a:r>
-              <a:rPr lang="zh-CN" altLang="en-US" sz="1600" dirty="0" smtClean="0"/>
-              <a:t>“我爱我家”电子购物商城的后台子系统的设计思想和主要步骤。</a:t>
+              <a:t>该毕业设计主要分为以下五个部分，简洁概括了“我爱我家”电子购物商城的后台子系统的设计思想和主要步骤。</a:t>
             </a:r>
             <a:endParaRPr lang="zh-CN" altLang="en-US" sz="1600" dirty="0"/>
           </a:p>
@@ -19010,9 +18995,10 @@
           <a:lstStyle/>
           <a:p>
             <a:r>
-              <a:rPr lang="zh-CN" altLang="en-US" dirty="0"/>
-              <a:t>点击此处添加标题</a:t>
+              <a:rPr lang="zh-CN" altLang="en-US" dirty="0" smtClean="0"/>
+              <a:t>互联网的快速发展</a:t>
             </a:r>
+            <a:endParaRPr lang="zh-CN" altLang="en-US" dirty="0"/>
           </a:p>
         </p:txBody>
       </p:sp>
@@ -19025,7 +19011,7 @@
         <p:spPr>
           <a:xfrm>
             <a:off x="959621" y="1481030"/>
-            <a:ext cx="6550312" cy="625171"/>
+            <a:ext cx="6550312" cy="652486"/>
           </a:xfrm>
           <a:prstGeom prst="rect">
             <a:avLst/>
@@ -19043,7 +19029,7 @@
               </a:lnSpc>
             </a:pPr>
             <a:r>
-              <a:rPr lang="zh-CN" altLang="en-US" sz="1400" dirty="0">
+              <a:rPr lang="en-US" altLang="zh-CN" sz="1400" dirty="0" smtClean="0">
                 <a:solidFill>
                   <a:schemeClr val="bg1">
                     <a:lumMod val="50000"/>
@@ -19052,10 +19038,10 @@
                 <a:latin typeface="微软雅黑" panose="020B0503020204020204" charset="-122"/>
                 <a:ea typeface="微软雅黑" panose="020B0503020204020204" charset="-122"/>
               </a:rPr>
-              <a:t>标题数字等都可以通过点击和重新输入进行更改，顶部“开始”面板中可以对字体、字号、颜色、行距等进行修改。建议正文</a:t>
+              <a:t>Internet</a:t>
             </a:r>
             <a:r>
-              <a:rPr lang="en-US" altLang="zh-CN" sz="1400" dirty="0">
+              <a:rPr lang="zh-CN" altLang="en-US" sz="1400" dirty="0" smtClean="0">
                 <a:solidFill>
                   <a:schemeClr val="bg1">
                     <a:lumMod val="50000"/>
@@ -19064,44 +19050,17 @@
                 <a:latin typeface="微软雅黑" panose="020B0503020204020204" charset="-122"/>
                 <a:ea typeface="微软雅黑" panose="020B0503020204020204" charset="-122"/>
               </a:rPr>
-              <a:t>8-14</a:t>
+              <a:t>，互联网，这个在过去许多人未曾听说过的名次，近二十年来在研究人士下已发展的越来越好，并且应用于各个领域和平台。</a:t>
             </a:r>
-            <a:r>
-              <a:rPr lang="zh-CN" altLang="en-US" sz="1400" dirty="0">
-                <a:solidFill>
-                  <a:schemeClr val="bg1">
-                    <a:lumMod val="50000"/>
-                  </a:schemeClr>
-                </a:solidFill>
-                <a:latin typeface="微软雅黑" panose="020B0503020204020204" charset="-122"/>
-                <a:ea typeface="微软雅黑" panose="020B0503020204020204" charset="-122"/>
-              </a:rPr>
-              <a:t>号字，</a:t>
-            </a:r>
-            <a:r>
-              <a:rPr lang="en-US" altLang="zh-CN" sz="1400" dirty="0">
-                <a:solidFill>
-                  <a:schemeClr val="bg1">
-                    <a:lumMod val="50000"/>
-                  </a:schemeClr>
-                </a:solidFill>
-                <a:latin typeface="微软雅黑" panose="020B0503020204020204" charset="-122"/>
-                <a:ea typeface="微软雅黑" panose="020B0503020204020204" charset="-122"/>
-              </a:rPr>
-              <a:t>1.3</a:t>
-            </a:r>
-            <a:r>
-              <a:rPr lang="zh-CN" altLang="en-US" sz="1400" dirty="0">
-                <a:solidFill>
-                  <a:schemeClr val="bg1">
-                    <a:lumMod val="50000"/>
-                  </a:schemeClr>
-                </a:solidFill>
-                <a:latin typeface="微软雅黑" panose="020B0503020204020204" charset="-122"/>
-                <a:ea typeface="微软雅黑" panose="020B0503020204020204" charset="-122"/>
-              </a:rPr>
-              <a:t>倍字间距。</a:t>
-            </a:r>
+            <a:endParaRPr lang="zh-CN" altLang="en-US" sz="1400" dirty="0">
+              <a:solidFill>
+                <a:schemeClr val="bg1">
+                  <a:lumMod val="50000"/>
+                </a:schemeClr>
+              </a:solidFill>
+              <a:latin typeface="微软雅黑" panose="020B0503020204020204" charset="-122"/>
+              <a:ea typeface="微软雅黑" panose="020B0503020204020204" charset="-122"/>
+            </a:endParaRPr>
           </a:p>
         </p:txBody>
       </p:sp>
@@ -19383,7 +19342,7 @@
         <p:spPr>
           <a:xfrm>
             <a:off x="1041701" y="2288953"/>
-            <a:ext cx="2031325" cy="369332"/>
+            <a:ext cx="1800493" cy="369332"/>
           </a:xfrm>
           <a:prstGeom prst="rect">
             <a:avLst/>
@@ -19396,9 +19355,10 @@
           <a:lstStyle/>
           <a:p>
             <a:r>
-              <a:rPr lang="zh-CN" altLang="en-US" dirty="0"/>
-              <a:t>点击此处添加标题</a:t>
+              <a:rPr lang="zh-CN" altLang="en-US" dirty="0" smtClean="0"/>
+              <a:t>生活水平的提升</a:t>
             </a:r>
+            <a:endParaRPr lang="zh-CN" altLang="en-US" dirty="0"/>
           </a:p>
         </p:txBody>
       </p:sp>
@@ -19411,7 +19371,7 @@
         <p:spPr>
           <a:xfrm>
             <a:off x="959621" y="2765661"/>
-            <a:ext cx="6550312" cy="625171"/>
+            <a:ext cx="6550312" cy="652486"/>
           </a:xfrm>
           <a:prstGeom prst="rect">
             <a:avLst/>
@@ -19429,7 +19389,7 @@
               </a:lnSpc>
             </a:pPr>
             <a:r>
-              <a:rPr lang="zh-CN" altLang="en-US" sz="1400" dirty="0">
+              <a:rPr lang="zh-CN" altLang="en-US" sz="1400" dirty="0" smtClean="0">
                 <a:solidFill>
                   <a:schemeClr val="bg1">
                     <a:lumMod val="50000"/>
@@ -19438,56 +19398,17 @@
                 <a:latin typeface="微软雅黑" panose="020B0503020204020204" charset="-122"/>
                 <a:ea typeface="微软雅黑" panose="020B0503020204020204" charset="-122"/>
               </a:rPr>
-              <a:t>标题数字等都可以通过点击和重新输入进行更改，顶部“开始”面板中可以对字体、字号、颜色、行距等进行修改。建议正文</a:t>
+              <a:t>随着新中国成立后的一系列政策，人们的经济水平得到提高，大部分人摆脱了“生存”的困境，开始逐渐的改为“生活”。</a:t>
             </a:r>
-            <a:r>
-              <a:rPr lang="en-US" altLang="zh-CN" sz="1400" dirty="0">
-                <a:solidFill>
-                  <a:schemeClr val="bg1">
-                    <a:lumMod val="50000"/>
-                  </a:schemeClr>
-                </a:solidFill>
-                <a:latin typeface="微软雅黑" panose="020B0503020204020204" charset="-122"/>
-                <a:ea typeface="微软雅黑" panose="020B0503020204020204" charset="-122"/>
-              </a:rPr>
-              <a:t>8-14</a:t>
-            </a:r>
-            <a:r>
-              <a:rPr lang="zh-CN" altLang="en-US" sz="1400" dirty="0">
-                <a:solidFill>
-                  <a:schemeClr val="bg1">
-                    <a:lumMod val="50000"/>
-                  </a:schemeClr>
-                </a:solidFill>
-                <a:latin typeface="微软雅黑" panose="020B0503020204020204" charset="-122"/>
-                <a:ea typeface="微软雅黑" panose="020B0503020204020204" charset="-122"/>
-              </a:rPr>
-              <a:t>号字，</a:t>
-            </a:r>
-            <a:r>
-              <a:rPr lang="en-US" altLang="zh-CN" sz="1400" dirty="0">
-                <a:solidFill>
-                  <a:schemeClr val="bg1">
-                    <a:lumMod val="50000"/>
-                  </a:schemeClr>
-                </a:solidFill>
-                <a:latin typeface="微软雅黑" panose="020B0503020204020204" charset="-122"/>
-                <a:ea typeface="微软雅黑" panose="020B0503020204020204" charset="-122"/>
-              </a:rPr>
-              <a:t>1.3</a:t>
-            </a:r>
-            <a:r>
-              <a:rPr lang="zh-CN" altLang="en-US" sz="1400" dirty="0">
-                <a:solidFill>
-                  <a:schemeClr val="bg1">
-                    <a:lumMod val="50000"/>
-                  </a:schemeClr>
-                </a:solidFill>
-                <a:latin typeface="微软雅黑" panose="020B0503020204020204" charset="-122"/>
-                <a:ea typeface="微软雅黑" panose="020B0503020204020204" charset="-122"/>
-              </a:rPr>
-              <a:t>倍字间距。</a:t>
-            </a:r>
+            <a:endParaRPr lang="zh-CN" altLang="en-US" sz="1400" dirty="0">
+              <a:solidFill>
+                <a:schemeClr val="bg1">
+                  <a:lumMod val="50000"/>
+                </a:schemeClr>
+              </a:solidFill>
+              <a:latin typeface="微软雅黑" panose="020B0503020204020204" charset="-122"/>
+              <a:ea typeface="微软雅黑" panose="020B0503020204020204" charset="-122"/>
+            </a:endParaRPr>
           </a:p>
         </p:txBody>
       </p:sp>
@@ -19769,7 +19690,7 @@
         <p:spPr>
           <a:xfrm>
             <a:off x="1041701" y="3568018"/>
-            <a:ext cx="2031325" cy="369332"/>
+            <a:ext cx="1800493" cy="369332"/>
           </a:xfrm>
           <a:prstGeom prst="rect">
             <a:avLst/>
@@ -19782,9 +19703,10 @@
           <a:lstStyle/>
           <a:p>
             <a:r>
-              <a:rPr lang="zh-CN" altLang="en-US" dirty="0"/>
-              <a:t>点击此处添加标题</a:t>
+              <a:rPr lang="zh-CN" altLang="en-US" dirty="0" smtClean="0"/>
+              <a:t>电子购物的便捷</a:t>
             </a:r>
+            <a:endParaRPr lang="zh-CN" altLang="en-US" dirty="0"/>
           </a:p>
         </p:txBody>
       </p:sp>
@@ -19797,7 +19719,7 @@
         <p:spPr>
           <a:xfrm>
             <a:off x="959621" y="4044726"/>
-            <a:ext cx="6550312" cy="625171"/>
+            <a:ext cx="6550312" cy="652486"/>
           </a:xfrm>
           <a:prstGeom prst="rect">
             <a:avLst/>
@@ -19815,7 +19737,7 @@
               </a:lnSpc>
             </a:pPr>
             <a:r>
-              <a:rPr lang="zh-CN" altLang="en-US" sz="1400" dirty="0">
+              <a:rPr lang="zh-CN" altLang="en-US" sz="1400" dirty="0" smtClean="0">
                 <a:solidFill>
                   <a:schemeClr val="bg1">
                     <a:lumMod val="50000"/>
@@ -19824,56 +19746,17 @@
                 <a:latin typeface="微软雅黑" panose="020B0503020204020204" charset="-122"/>
                 <a:ea typeface="微软雅黑" panose="020B0503020204020204" charset="-122"/>
               </a:rPr>
-              <a:t>标题数字等都可以通过点击和重新输入进行更改，顶部“开始”面板中可以对字体、字号、颜色、行距等进行修改。建议正文</a:t>
+              <a:t>人民对于美好生活的需求，使得人们的购物欲原来越强烈，而电子购物既可以随意挑选，又可以快递上门，非常的方便。</a:t>
             </a:r>
-            <a:r>
-              <a:rPr lang="en-US" altLang="zh-CN" sz="1400" dirty="0">
-                <a:solidFill>
-                  <a:schemeClr val="bg1">
-                    <a:lumMod val="50000"/>
-                  </a:schemeClr>
-                </a:solidFill>
-                <a:latin typeface="微软雅黑" panose="020B0503020204020204" charset="-122"/>
-                <a:ea typeface="微软雅黑" panose="020B0503020204020204" charset="-122"/>
-              </a:rPr>
-              <a:t>8-14</a:t>
-            </a:r>
-            <a:r>
-              <a:rPr lang="zh-CN" altLang="en-US" sz="1400" dirty="0">
-                <a:solidFill>
-                  <a:schemeClr val="bg1">
-                    <a:lumMod val="50000"/>
-                  </a:schemeClr>
-                </a:solidFill>
-                <a:latin typeface="微软雅黑" panose="020B0503020204020204" charset="-122"/>
-                <a:ea typeface="微软雅黑" panose="020B0503020204020204" charset="-122"/>
-              </a:rPr>
-              <a:t>号字，</a:t>
-            </a:r>
-            <a:r>
-              <a:rPr lang="en-US" altLang="zh-CN" sz="1400" dirty="0">
-                <a:solidFill>
-                  <a:schemeClr val="bg1">
-                    <a:lumMod val="50000"/>
-                  </a:schemeClr>
-                </a:solidFill>
-                <a:latin typeface="微软雅黑" panose="020B0503020204020204" charset="-122"/>
-                <a:ea typeface="微软雅黑" panose="020B0503020204020204" charset="-122"/>
-              </a:rPr>
-              <a:t>1.3</a:t>
-            </a:r>
-            <a:r>
-              <a:rPr lang="zh-CN" altLang="en-US" sz="1400" dirty="0">
-                <a:solidFill>
-                  <a:schemeClr val="bg1">
-                    <a:lumMod val="50000"/>
-                  </a:schemeClr>
-                </a:solidFill>
-                <a:latin typeface="微软雅黑" panose="020B0503020204020204" charset="-122"/>
-                <a:ea typeface="微软雅黑" panose="020B0503020204020204" charset="-122"/>
-              </a:rPr>
-              <a:t>倍字间距。</a:t>
-            </a:r>
+            <a:endParaRPr lang="zh-CN" altLang="en-US" sz="1400" dirty="0">
+              <a:solidFill>
+                <a:schemeClr val="bg1">
+                  <a:lumMod val="50000"/>
+                </a:schemeClr>
+              </a:solidFill>
+              <a:latin typeface="微软雅黑" panose="020B0503020204020204" charset="-122"/>
+              <a:ea typeface="微软雅黑" panose="020B0503020204020204" charset="-122"/>
+            </a:endParaRPr>
           </a:p>
         </p:txBody>
       </p:sp>
@@ -20155,7 +20038,7 @@
         <p:spPr>
           <a:xfrm>
             <a:off x="1041701" y="4852649"/>
-            <a:ext cx="2031325" cy="369332"/>
+            <a:ext cx="1800493" cy="369332"/>
           </a:xfrm>
           <a:prstGeom prst="rect">
             <a:avLst/>
@@ -20168,9 +20051,10 @@
           <a:lstStyle/>
           <a:p>
             <a:r>
-              <a:rPr lang="zh-CN" altLang="en-US" dirty="0"/>
-              <a:t>点击此处添加标题</a:t>
+              <a:rPr lang="zh-CN" altLang="en-US" dirty="0" smtClean="0"/>
+              <a:t>管理系统的不足</a:t>
             </a:r>
+            <a:endParaRPr lang="zh-CN" altLang="en-US" dirty="0"/>
           </a:p>
         </p:txBody>
       </p:sp>
@@ -20183,7 +20067,7 @@
         <p:spPr>
           <a:xfrm>
             <a:off x="959621" y="5329357"/>
-            <a:ext cx="6550312" cy="625171"/>
+            <a:ext cx="6550312" cy="652486"/>
           </a:xfrm>
           <a:prstGeom prst="rect">
             <a:avLst/>
@@ -20201,7 +20085,7 @@
               </a:lnSpc>
             </a:pPr>
             <a:r>
-              <a:rPr lang="zh-CN" altLang="en-US" sz="1400" dirty="0">
+              <a:rPr lang="zh-CN" altLang="en-US" sz="1400" dirty="0" smtClean="0">
                 <a:solidFill>
                   <a:schemeClr val="bg1">
                     <a:lumMod val="50000"/>
@@ -20210,56 +20094,17 @@
                 <a:latin typeface="微软雅黑" panose="020B0503020204020204" charset="-122"/>
                 <a:ea typeface="微软雅黑" panose="020B0503020204020204" charset="-122"/>
               </a:rPr>
-              <a:t>标题数字等都可以通过点击和重新输入进行更改，顶部“开始”面板中可以对字体、字号、颜色、行距等进行修改。建议正文</a:t>
+              <a:t>前台的购物系统在人们的督促下做的越来越好，功能齐全，使用方便，而与之对应的后台管理却没有得到更多的研究发展。</a:t>
             </a:r>
-            <a:r>
-              <a:rPr lang="en-US" altLang="zh-CN" sz="1400" dirty="0">
-                <a:solidFill>
-                  <a:schemeClr val="bg1">
-                    <a:lumMod val="50000"/>
-                  </a:schemeClr>
-                </a:solidFill>
-                <a:latin typeface="微软雅黑" panose="020B0503020204020204" charset="-122"/>
-                <a:ea typeface="微软雅黑" panose="020B0503020204020204" charset="-122"/>
-              </a:rPr>
-              <a:t>8-14</a:t>
-            </a:r>
-            <a:r>
-              <a:rPr lang="zh-CN" altLang="en-US" sz="1400" dirty="0">
-                <a:solidFill>
-                  <a:schemeClr val="bg1">
-                    <a:lumMod val="50000"/>
-                  </a:schemeClr>
-                </a:solidFill>
-                <a:latin typeface="微软雅黑" panose="020B0503020204020204" charset="-122"/>
-                <a:ea typeface="微软雅黑" panose="020B0503020204020204" charset="-122"/>
-              </a:rPr>
-              <a:t>号字，</a:t>
-            </a:r>
-            <a:r>
-              <a:rPr lang="en-US" altLang="zh-CN" sz="1400" dirty="0">
-                <a:solidFill>
-                  <a:schemeClr val="bg1">
-                    <a:lumMod val="50000"/>
-                  </a:schemeClr>
-                </a:solidFill>
-                <a:latin typeface="微软雅黑" panose="020B0503020204020204" charset="-122"/>
-                <a:ea typeface="微软雅黑" panose="020B0503020204020204" charset="-122"/>
-              </a:rPr>
-              <a:t>1.3</a:t>
-            </a:r>
-            <a:r>
-              <a:rPr lang="zh-CN" altLang="en-US" sz="1400" dirty="0">
-                <a:solidFill>
-                  <a:schemeClr val="bg1">
-                    <a:lumMod val="50000"/>
-                  </a:schemeClr>
-                </a:solidFill>
-                <a:latin typeface="微软雅黑" panose="020B0503020204020204" charset="-122"/>
-                <a:ea typeface="微软雅黑" panose="020B0503020204020204" charset="-122"/>
-              </a:rPr>
-              <a:t>倍字间距。</a:t>
-            </a:r>
+            <a:endParaRPr lang="zh-CN" altLang="en-US" sz="1400" dirty="0">
+              <a:solidFill>
+                <a:schemeClr val="bg1">
+                  <a:lumMod val="50000"/>
+                </a:schemeClr>
+              </a:solidFill>
+              <a:latin typeface="微软雅黑" panose="020B0503020204020204" charset="-122"/>
+              <a:ea typeface="微软雅黑" panose="020B0503020204020204" charset="-122"/>
+            </a:endParaRPr>
           </a:p>
         </p:txBody>
       </p:sp>

--- a/答辩PPT.pptx
+++ b/答辩PPT.pptx
@@ -18713,7 +18713,7 @@
         <p:grpSpPr>
           <a:xfrm>
             <a:off x="910794" y="928946"/>
-            <a:ext cx="2300757" cy="509896"/>
+            <a:ext cx="2474244" cy="509896"/>
             <a:chOff x="888096" y="1000203"/>
             <a:chExt cx="4259825" cy="944066"/>
           </a:xfrm>
@@ -18982,7 +18982,7 @@
         <p:spPr>
           <a:xfrm>
             <a:off x="1041701" y="1004322"/>
-            <a:ext cx="2031325" cy="369332"/>
+            <a:ext cx="2236510" cy="400110"/>
           </a:xfrm>
           <a:prstGeom prst="rect">
             <a:avLst/>
@@ -18995,10 +18995,10 @@
           <a:lstStyle/>
           <a:p>
             <a:r>
-              <a:rPr lang="zh-CN" altLang="en-US" dirty="0" smtClean="0"/>
+              <a:rPr lang="zh-CN" altLang="en-US" sz="2000" dirty="0" smtClean="0"/>
               <a:t>互联网的快速发展</a:t>
             </a:r>
-            <a:endParaRPr lang="zh-CN" altLang="en-US" dirty="0"/>
+            <a:endParaRPr lang="zh-CN" altLang="en-US" sz="2000" dirty="0"/>
           </a:p>
         </p:txBody>
       </p:sp>
@@ -19342,7 +19342,7 @@
         <p:spPr>
           <a:xfrm>
             <a:off x="1041701" y="2288953"/>
-            <a:ext cx="1800493" cy="369332"/>
+            <a:ext cx="1980029" cy="400110"/>
           </a:xfrm>
           <a:prstGeom prst="rect">
             <a:avLst/>
@@ -19355,10 +19355,10 @@
           <a:lstStyle/>
           <a:p>
             <a:r>
-              <a:rPr lang="zh-CN" altLang="en-US" dirty="0" smtClean="0"/>
+              <a:rPr lang="zh-CN" altLang="en-US" sz="2000" dirty="0" smtClean="0"/>
               <a:t>生活水平的提升</a:t>
             </a:r>
-            <a:endParaRPr lang="zh-CN" altLang="en-US" dirty="0"/>
+            <a:endParaRPr lang="zh-CN" altLang="en-US" sz="2000" dirty="0"/>
           </a:p>
         </p:txBody>
       </p:sp>
@@ -19472,7 +19472,7 @@
             <a:lstStyle/>
             <a:p>
               <a:pPr algn="ctr"/>
-              <a:endParaRPr lang="zh-CN" altLang="en-US"/>
+              <a:endParaRPr lang="zh-CN" altLang="en-US" sz="2000"/>
             </a:p>
           </p:txBody>
         </p:sp>
@@ -19523,7 +19523,7 @@
             <a:lstStyle/>
             <a:p>
               <a:pPr algn="ctr"/>
-              <a:endParaRPr lang="zh-CN" altLang="en-US"/>
+              <a:endParaRPr lang="zh-CN" altLang="en-US" sz="2000"/>
             </a:p>
           </p:txBody>
         </p:sp>
@@ -19574,7 +19574,7 @@
             <a:lstStyle/>
             <a:p>
               <a:pPr algn="ctr"/>
-              <a:endParaRPr lang="zh-CN" altLang="en-US"/>
+              <a:endParaRPr lang="zh-CN" altLang="en-US" sz="2000"/>
             </a:p>
           </p:txBody>
         </p:sp>
@@ -19625,7 +19625,7 @@
             <a:lstStyle/>
             <a:p>
               <a:pPr algn="ctr"/>
-              <a:endParaRPr lang="zh-CN" altLang="en-US"/>
+              <a:endParaRPr lang="zh-CN" altLang="en-US" sz="2000"/>
             </a:p>
           </p:txBody>
         </p:sp>
@@ -19676,7 +19676,7 @@
             <a:lstStyle/>
             <a:p>
               <a:pPr algn="ctr"/>
-              <a:endParaRPr lang="zh-CN" altLang="en-US"/>
+              <a:endParaRPr lang="zh-CN" altLang="en-US" sz="2000"/>
             </a:p>
           </p:txBody>
         </p:sp>
@@ -19690,7 +19690,7 @@
         <p:spPr>
           <a:xfrm>
             <a:off x="1041701" y="3568018"/>
-            <a:ext cx="1800493" cy="369332"/>
+            <a:ext cx="1980029" cy="400110"/>
           </a:xfrm>
           <a:prstGeom prst="rect">
             <a:avLst/>
@@ -19703,10 +19703,10 @@
           <a:lstStyle/>
           <a:p>
             <a:r>
-              <a:rPr lang="zh-CN" altLang="en-US" dirty="0" smtClean="0"/>
+              <a:rPr lang="zh-CN" altLang="en-US" sz="2000" dirty="0" smtClean="0"/>
               <a:t>电子购物的便捷</a:t>
             </a:r>
-            <a:endParaRPr lang="zh-CN" altLang="en-US" dirty="0"/>
+            <a:endParaRPr lang="zh-CN" altLang="en-US" sz="2000" dirty="0"/>
           </a:p>
         </p:txBody>
       </p:sp>
@@ -20038,7 +20038,7 @@
         <p:spPr>
           <a:xfrm>
             <a:off x="1041701" y="4852649"/>
-            <a:ext cx="1800493" cy="369332"/>
+            <a:ext cx="1980029" cy="400110"/>
           </a:xfrm>
           <a:prstGeom prst="rect">
             <a:avLst/>
@@ -20051,10 +20051,10 @@
           <a:lstStyle/>
           <a:p>
             <a:r>
-              <a:rPr lang="zh-CN" altLang="en-US" dirty="0" smtClean="0"/>
+              <a:rPr lang="zh-CN" altLang="en-US" sz="2000" dirty="0" smtClean="0"/>
               <a:t>管理系统的不足</a:t>
             </a:r>
-            <a:endParaRPr lang="zh-CN" altLang="en-US" dirty="0"/>
+            <a:endParaRPr lang="zh-CN" altLang="en-US" sz="2000" dirty="0"/>
           </a:p>
         </p:txBody>
       </p:sp>
@@ -20216,9 +20216,10 @@
           <a:lstStyle/>
           <a:p>
             <a:r>
-              <a:rPr lang="en-US" altLang="zh-CN" sz="4400" dirty="0"/>
+              <a:rPr lang="en-US" altLang="zh-CN" sz="4400" dirty="0" smtClean="0"/>
               <a:t>ADD YOUR TEXT</a:t>
             </a:r>
+            <a:endParaRPr lang="en-US" altLang="zh-CN" sz="4400" dirty="0"/>
           </a:p>
         </p:txBody>
       </p:sp>
@@ -22654,8 +22655,8 @@
         </p:nvGrpSpPr>
         <p:grpSpPr>
           <a:xfrm>
-            <a:off x="287620" y="1093399"/>
-            <a:ext cx="2300757" cy="1589432"/>
+            <a:off x="287621" y="1093399"/>
+            <a:ext cx="1875288" cy="1589432"/>
             <a:chOff x="1356175" y="1093399"/>
             <a:chExt cx="2300757" cy="1589432"/>
           </a:xfrm>
@@ -22923,8 +22924,8 @@
         </p:nvGrpSpPr>
         <p:grpSpPr>
           <a:xfrm>
-            <a:off x="4556575" y="1093399"/>
-            <a:ext cx="2300757" cy="1589432"/>
+            <a:off x="3515924" y="1093399"/>
+            <a:ext cx="2072075" cy="1589432"/>
             <a:chOff x="1356175" y="1093399"/>
             <a:chExt cx="2300757" cy="1589432"/>
           </a:xfrm>
@@ -23192,8 +23193,8 @@
         </p:nvGrpSpPr>
         <p:grpSpPr>
           <a:xfrm>
-            <a:off x="1907479" y="4038186"/>
-            <a:ext cx="2300757" cy="1589432"/>
+            <a:off x="1262666" y="4064817"/>
+            <a:ext cx="2191733" cy="1589432"/>
             <a:chOff x="1356175" y="1093399"/>
             <a:chExt cx="2300757" cy="1589432"/>
           </a:xfrm>
@@ -23461,8 +23462,8 @@
         </p:nvGrpSpPr>
         <p:grpSpPr>
           <a:xfrm>
-            <a:off x="6176434" y="4038186"/>
-            <a:ext cx="2300757" cy="1589432"/>
+            <a:off x="4746738" y="4076631"/>
+            <a:ext cx="2023208" cy="1589432"/>
             <a:chOff x="1356175" y="1093399"/>
             <a:chExt cx="2300757" cy="1589432"/>
           </a:xfrm>
@@ -23730,8 +23731,8 @@
         </p:nvGrpSpPr>
         <p:grpSpPr>
           <a:xfrm>
-            <a:off x="8819967" y="1093399"/>
-            <a:ext cx="2300757" cy="1589432"/>
+            <a:off x="6619496" y="1093399"/>
+            <a:ext cx="1909042" cy="1589432"/>
             <a:chOff x="1356175" y="1093399"/>
             <a:chExt cx="2300757" cy="1589432"/>
           </a:xfrm>
@@ -24000,7 +24001,7 @@
         <p:spPr>
           <a:xfrm>
             <a:off x="339446" y="1215813"/>
-            <a:ext cx="1620957" cy="307777"/>
+            <a:ext cx="543739" cy="307777"/>
           </a:xfrm>
           <a:prstGeom prst="rect">
             <a:avLst/>
@@ -24013,9 +24014,10 @@
           <a:lstStyle/>
           <a:p>
             <a:r>
-              <a:rPr lang="zh-CN" altLang="en-US" sz="1400" b="1" dirty="0"/>
-              <a:t>点击此处添加标题</a:t>
+              <a:rPr lang="zh-CN" altLang="en-US" sz="1400" b="1" dirty="0" smtClean="0"/>
+              <a:t>绪论</a:t>
             </a:r>
+            <a:endParaRPr lang="zh-CN" altLang="en-US" sz="1400" b="1" dirty="0"/>
           </a:p>
         </p:txBody>
       </p:sp>
@@ -24028,7 +24030,7 @@
         <p:spPr>
           <a:xfrm>
             <a:off x="339446" y="1460337"/>
-            <a:ext cx="2188812" cy="1192634"/>
+            <a:ext cx="1753123" cy="1192634"/>
           </a:xfrm>
           <a:prstGeom prst="rect">
             <a:avLst/>
@@ -24046,7 +24048,7 @@
               </a:lnSpc>
             </a:pPr>
             <a:r>
-              <a:rPr lang="zh-CN" altLang="en-US" sz="1100" dirty="0">
+              <a:rPr lang="zh-CN" altLang="en-US" sz="1100" dirty="0" smtClean="0">
                 <a:solidFill>
                   <a:schemeClr val="bg1">
                     <a:lumMod val="50000"/>
@@ -24055,56 +24057,17 @@
                 <a:latin typeface="微软雅黑" panose="020B0503020204020204" charset="-122"/>
                 <a:ea typeface="微软雅黑" panose="020B0503020204020204" charset="-122"/>
               </a:rPr>
-              <a:t>标题数字等都可以通过点击和重新输入进行更改，顶部“开始”面板中可以对字体、字号、颜色、行距等进行修改。建议正文</a:t>
+              <a:t>简单介绍项目的研究背景和发展现状，让读者对于该项目有一个大致的了解，然后阐述研究意义，最后介绍论文组织结构。</a:t>
             </a:r>
-            <a:r>
-              <a:rPr lang="en-US" altLang="zh-CN" sz="1100" dirty="0">
-                <a:solidFill>
-                  <a:schemeClr val="bg1">
-                    <a:lumMod val="50000"/>
-                  </a:schemeClr>
-                </a:solidFill>
-                <a:latin typeface="微软雅黑" panose="020B0503020204020204" charset="-122"/>
-                <a:ea typeface="微软雅黑" panose="020B0503020204020204" charset="-122"/>
-              </a:rPr>
-              <a:t>8-14</a:t>
-            </a:r>
-            <a:r>
-              <a:rPr lang="zh-CN" altLang="en-US" sz="1100" dirty="0">
-                <a:solidFill>
-                  <a:schemeClr val="bg1">
-                    <a:lumMod val="50000"/>
-                  </a:schemeClr>
-                </a:solidFill>
-                <a:latin typeface="微软雅黑" panose="020B0503020204020204" charset="-122"/>
-                <a:ea typeface="微软雅黑" panose="020B0503020204020204" charset="-122"/>
-              </a:rPr>
-              <a:t>号字，</a:t>
-            </a:r>
-            <a:r>
-              <a:rPr lang="en-US" altLang="zh-CN" sz="1100" dirty="0">
-                <a:solidFill>
-                  <a:schemeClr val="bg1">
-                    <a:lumMod val="50000"/>
-                  </a:schemeClr>
-                </a:solidFill>
-                <a:latin typeface="微软雅黑" panose="020B0503020204020204" charset="-122"/>
-                <a:ea typeface="微软雅黑" panose="020B0503020204020204" charset="-122"/>
-              </a:rPr>
-              <a:t>1.3</a:t>
-            </a:r>
-            <a:r>
-              <a:rPr lang="zh-CN" altLang="en-US" sz="1100" dirty="0">
-                <a:solidFill>
-                  <a:schemeClr val="bg1">
-                    <a:lumMod val="50000"/>
-                  </a:schemeClr>
-                </a:solidFill>
-                <a:latin typeface="微软雅黑" panose="020B0503020204020204" charset="-122"/>
-                <a:ea typeface="微软雅黑" panose="020B0503020204020204" charset="-122"/>
-              </a:rPr>
-              <a:t>倍字间距。</a:t>
-            </a:r>
+            <a:endParaRPr lang="zh-CN" altLang="en-US" sz="1100" dirty="0">
+              <a:solidFill>
+                <a:schemeClr val="bg1">
+                  <a:lumMod val="50000"/>
+                </a:schemeClr>
+              </a:solidFill>
+              <a:latin typeface="微软雅黑" panose="020B0503020204020204" charset="-122"/>
+              <a:ea typeface="微软雅黑" panose="020B0503020204020204" charset="-122"/>
+            </a:endParaRPr>
           </a:p>
         </p:txBody>
       </p:sp>
@@ -24116,8 +24079,8 @@
         </p:nvSpPr>
         <p:spPr>
           <a:xfrm>
-            <a:off x="4620120" y="1215813"/>
-            <a:ext cx="1620957" cy="307777"/>
+            <a:off x="3579469" y="1215813"/>
+            <a:ext cx="902811" cy="307777"/>
           </a:xfrm>
           <a:prstGeom prst="rect">
             <a:avLst/>
@@ -24131,8 +24094,9 @@
           <a:p>
             <a:r>
               <a:rPr lang="zh-CN" altLang="en-US" sz="1400" b="1" dirty="0"/>
-              <a:t>点击此处添加标题</a:t>
+              <a:t>详细设计</a:t>
             </a:r>
+            <a:endParaRPr lang="zh-CN" altLang="en-US" sz="1400" b="1" dirty="0"/>
           </a:p>
         </p:txBody>
       </p:sp>
@@ -24144,8 +24108,8 @@
         </p:nvSpPr>
         <p:spPr>
           <a:xfrm>
-            <a:off x="4620120" y="1460337"/>
-            <a:ext cx="2188812" cy="1192634"/>
+            <a:off x="3579469" y="1460337"/>
+            <a:ext cx="1878055" cy="972574"/>
           </a:xfrm>
           <a:prstGeom prst="rect">
             <a:avLst/>
@@ -24163,7 +24127,7 @@
               </a:lnSpc>
             </a:pPr>
             <a:r>
-              <a:rPr lang="zh-CN" altLang="en-US" sz="1100" dirty="0">
+              <a:rPr lang="zh-CN" altLang="en-US" sz="1100" dirty="0" smtClean="0">
                 <a:solidFill>
                   <a:schemeClr val="bg1">
                     <a:lumMod val="50000"/>
@@ -24172,56 +24136,17 @@
                 <a:latin typeface="微软雅黑" panose="020B0503020204020204" charset="-122"/>
                 <a:ea typeface="微软雅黑" panose="020B0503020204020204" charset="-122"/>
               </a:rPr>
-              <a:t>标题数字等都可以通过点击和重新输入进行更改，顶部“开始”面板中可以对字体、字号、颜色、行距等进行修改。建议正文</a:t>
+              <a:t>对每个模块进行更详细的设计，通过文字描述和示例图，让读者清晰了解到该项目的主要内容。</a:t>
             </a:r>
-            <a:r>
-              <a:rPr lang="en-US" altLang="zh-CN" sz="1100" dirty="0">
-                <a:solidFill>
-                  <a:schemeClr val="bg1">
-                    <a:lumMod val="50000"/>
-                  </a:schemeClr>
-                </a:solidFill>
-                <a:latin typeface="微软雅黑" panose="020B0503020204020204" charset="-122"/>
-                <a:ea typeface="微软雅黑" panose="020B0503020204020204" charset="-122"/>
-              </a:rPr>
-              <a:t>8-14</a:t>
-            </a:r>
-            <a:r>
-              <a:rPr lang="zh-CN" altLang="en-US" sz="1100" dirty="0">
-                <a:solidFill>
-                  <a:schemeClr val="bg1">
-                    <a:lumMod val="50000"/>
-                  </a:schemeClr>
-                </a:solidFill>
-                <a:latin typeface="微软雅黑" panose="020B0503020204020204" charset="-122"/>
-                <a:ea typeface="微软雅黑" panose="020B0503020204020204" charset="-122"/>
-              </a:rPr>
-              <a:t>号字，</a:t>
-            </a:r>
-            <a:r>
-              <a:rPr lang="en-US" altLang="zh-CN" sz="1100" dirty="0">
-                <a:solidFill>
-                  <a:schemeClr val="bg1">
-                    <a:lumMod val="50000"/>
-                  </a:schemeClr>
-                </a:solidFill>
-                <a:latin typeface="微软雅黑" panose="020B0503020204020204" charset="-122"/>
-                <a:ea typeface="微软雅黑" panose="020B0503020204020204" charset="-122"/>
-              </a:rPr>
-              <a:t>1.3</a:t>
-            </a:r>
-            <a:r>
-              <a:rPr lang="zh-CN" altLang="en-US" sz="1100" dirty="0">
-                <a:solidFill>
-                  <a:schemeClr val="bg1">
-                    <a:lumMod val="50000"/>
-                  </a:schemeClr>
-                </a:solidFill>
-                <a:latin typeface="微软雅黑" panose="020B0503020204020204" charset="-122"/>
-                <a:ea typeface="微软雅黑" panose="020B0503020204020204" charset="-122"/>
-              </a:rPr>
-              <a:t>倍字间距。</a:t>
-            </a:r>
+            <a:endParaRPr lang="zh-CN" altLang="en-US" sz="1100" dirty="0">
+              <a:solidFill>
+                <a:schemeClr val="bg1">
+                  <a:lumMod val="50000"/>
+                </a:schemeClr>
+              </a:solidFill>
+              <a:latin typeface="微软雅黑" panose="020B0503020204020204" charset="-122"/>
+              <a:ea typeface="微软雅黑" panose="020B0503020204020204" charset="-122"/>
+            </a:endParaRPr>
           </a:p>
         </p:txBody>
       </p:sp>
@@ -24233,8 +24158,8 @@
         </p:nvSpPr>
         <p:spPr>
           <a:xfrm>
-            <a:off x="8892784" y="1215813"/>
-            <a:ext cx="1620957" cy="307777"/>
+            <a:off x="6723600" y="1193714"/>
+            <a:ext cx="902811" cy="307777"/>
           </a:xfrm>
           <a:prstGeom prst="rect">
             <a:avLst/>
@@ -24248,8 +24173,9 @@
           <a:p>
             <a:r>
               <a:rPr lang="zh-CN" altLang="en-US" sz="1400" b="1" dirty="0"/>
-              <a:t>点击此处添加标题</a:t>
+              <a:t>系统实现</a:t>
             </a:r>
+            <a:endParaRPr lang="zh-CN" altLang="en-US" sz="1400" b="1" dirty="0"/>
           </a:p>
         </p:txBody>
       </p:sp>
@@ -24261,8 +24187,8 @@
         </p:nvSpPr>
         <p:spPr>
           <a:xfrm>
-            <a:off x="8892784" y="1460337"/>
-            <a:ext cx="2188812" cy="1192634"/>
+            <a:off x="6662129" y="1460337"/>
+            <a:ext cx="1833592" cy="752514"/>
           </a:xfrm>
           <a:prstGeom prst="rect">
             <a:avLst/>
@@ -24280,7 +24206,7 @@
               </a:lnSpc>
             </a:pPr>
             <a:r>
-              <a:rPr lang="zh-CN" altLang="en-US" sz="1100" dirty="0">
+              <a:rPr lang="zh-CN" altLang="en-US" sz="1100" dirty="0" smtClean="0">
                 <a:solidFill>
                   <a:schemeClr val="bg1">
                     <a:lumMod val="50000"/>
@@ -24289,56 +24215,17 @@
                 <a:latin typeface="微软雅黑" panose="020B0503020204020204" charset="-122"/>
                 <a:ea typeface="微软雅黑" panose="020B0503020204020204" charset="-122"/>
               </a:rPr>
-              <a:t>标题数字等都可以通过点击和重新输入进行更改，顶部“开始”面板中可以对字体、字号、颜色、行距等进行修改。建议正文</a:t>
+              <a:t>该章节展示项目整体的运行界面，让读者最直观看到该项目的运行效果。</a:t>
             </a:r>
-            <a:r>
-              <a:rPr lang="en-US" altLang="zh-CN" sz="1100" dirty="0">
-                <a:solidFill>
-                  <a:schemeClr val="bg1">
-                    <a:lumMod val="50000"/>
-                  </a:schemeClr>
-                </a:solidFill>
-                <a:latin typeface="微软雅黑" panose="020B0503020204020204" charset="-122"/>
-                <a:ea typeface="微软雅黑" panose="020B0503020204020204" charset="-122"/>
-              </a:rPr>
-              <a:t>8-14</a:t>
-            </a:r>
-            <a:r>
-              <a:rPr lang="zh-CN" altLang="en-US" sz="1100" dirty="0">
-                <a:solidFill>
-                  <a:schemeClr val="bg1">
-                    <a:lumMod val="50000"/>
-                  </a:schemeClr>
-                </a:solidFill>
-                <a:latin typeface="微软雅黑" panose="020B0503020204020204" charset="-122"/>
-                <a:ea typeface="微软雅黑" panose="020B0503020204020204" charset="-122"/>
-              </a:rPr>
-              <a:t>号字，</a:t>
-            </a:r>
-            <a:r>
-              <a:rPr lang="en-US" altLang="zh-CN" sz="1100" dirty="0">
-                <a:solidFill>
-                  <a:schemeClr val="bg1">
-                    <a:lumMod val="50000"/>
-                  </a:schemeClr>
-                </a:solidFill>
-                <a:latin typeface="微软雅黑" panose="020B0503020204020204" charset="-122"/>
-                <a:ea typeface="微软雅黑" panose="020B0503020204020204" charset="-122"/>
-              </a:rPr>
-              <a:t>1.3</a:t>
-            </a:r>
-            <a:r>
-              <a:rPr lang="zh-CN" altLang="en-US" sz="1100" dirty="0">
-                <a:solidFill>
-                  <a:schemeClr val="bg1">
-                    <a:lumMod val="50000"/>
-                  </a:schemeClr>
-                </a:solidFill>
-                <a:latin typeface="微软雅黑" panose="020B0503020204020204" charset="-122"/>
-                <a:ea typeface="微软雅黑" panose="020B0503020204020204" charset="-122"/>
-              </a:rPr>
-              <a:t>倍字间距。</a:t>
-            </a:r>
+            <a:endParaRPr lang="zh-CN" altLang="en-US" sz="1100" dirty="0">
+              <a:solidFill>
+                <a:schemeClr val="bg1">
+                  <a:lumMod val="50000"/>
+                </a:schemeClr>
+              </a:solidFill>
+              <a:latin typeface="微软雅黑" panose="020B0503020204020204" charset="-122"/>
+              <a:ea typeface="微软雅黑" panose="020B0503020204020204" charset="-122"/>
+            </a:endParaRPr>
           </a:p>
         </p:txBody>
       </p:sp>
@@ -24350,8 +24237,8 @@
         </p:nvSpPr>
         <p:spPr>
           <a:xfrm>
-            <a:off x="1960403" y="4158503"/>
-            <a:ext cx="1620957" cy="307777"/>
+            <a:off x="1315590" y="4185134"/>
+            <a:ext cx="902811" cy="307777"/>
           </a:xfrm>
           <a:prstGeom prst="rect">
             <a:avLst/>
@@ -24365,8 +24252,9 @@
           <a:p>
             <a:r>
               <a:rPr lang="zh-CN" altLang="en-US" sz="1400" b="1" dirty="0"/>
-              <a:t>点击此处添加标题</a:t>
+              <a:t>需求分析</a:t>
             </a:r>
+            <a:endParaRPr lang="zh-CN" altLang="en-US" sz="1400" b="1" dirty="0"/>
           </a:p>
         </p:txBody>
       </p:sp>
@@ -24378,8 +24266,8 @@
         </p:nvSpPr>
         <p:spPr>
           <a:xfrm>
-            <a:off x="1960403" y="4403027"/>
-            <a:ext cx="2188812" cy="1192634"/>
+            <a:off x="1315590" y="4429658"/>
+            <a:ext cx="2069342" cy="972574"/>
           </a:xfrm>
           <a:prstGeom prst="rect">
             <a:avLst/>
@@ -24397,7 +24285,7 @@
               </a:lnSpc>
             </a:pPr>
             <a:r>
-              <a:rPr lang="zh-CN" altLang="en-US" sz="1100" dirty="0">
+              <a:rPr lang="zh-CN" altLang="en-US" sz="1100" dirty="0" smtClean="0">
                 <a:solidFill>
                   <a:schemeClr val="bg1">
                     <a:lumMod val="50000"/>
@@ -24406,56 +24294,17 @@
                 <a:latin typeface="微软雅黑" panose="020B0503020204020204" charset="-122"/>
                 <a:ea typeface="微软雅黑" panose="020B0503020204020204" charset="-122"/>
               </a:rPr>
-              <a:t>标题数字等都可以通过点击和重新输入进行更改，顶部“开始”面板中可以对字体、字号、颜色、行距等进行修改。建议正文</a:t>
+              <a:t>介绍该项目的使用对象，以及对象的需求，分析使用人员需要什么模块，需要什么功能。包括功能性需求和非功能需求。</a:t>
             </a:r>
-            <a:r>
-              <a:rPr lang="en-US" altLang="zh-CN" sz="1100" dirty="0">
-                <a:solidFill>
-                  <a:schemeClr val="bg1">
-                    <a:lumMod val="50000"/>
-                  </a:schemeClr>
-                </a:solidFill>
-                <a:latin typeface="微软雅黑" panose="020B0503020204020204" charset="-122"/>
-                <a:ea typeface="微软雅黑" panose="020B0503020204020204" charset="-122"/>
-              </a:rPr>
-              <a:t>8-14</a:t>
-            </a:r>
-            <a:r>
-              <a:rPr lang="zh-CN" altLang="en-US" sz="1100" dirty="0">
-                <a:solidFill>
-                  <a:schemeClr val="bg1">
-                    <a:lumMod val="50000"/>
-                  </a:schemeClr>
-                </a:solidFill>
-                <a:latin typeface="微软雅黑" panose="020B0503020204020204" charset="-122"/>
-                <a:ea typeface="微软雅黑" panose="020B0503020204020204" charset="-122"/>
-              </a:rPr>
-              <a:t>号字，</a:t>
-            </a:r>
-            <a:r>
-              <a:rPr lang="en-US" altLang="zh-CN" sz="1100" dirty="0">
-                <a:solidFill>
-                  <a:schemeClr val="bg1">
-                    <a:lumMod val="50000"/>
-                  </a:schemeClr>
-                </a:solidFill>
-                <a:latin typeface="微软雅黑" panose="020B0503020204020204" charset="-122"/>
-                <a:ea typeface="微软雅黑" panose="020B0503020204020204" charset="-122"/>
-              </a:rPr>
-              <a:t>1.3</a:t>
-            </a:r>
-            <a:r>
-              <a:rPr lang="zh-CN" altLang="en-US" sz="1100" dirty="0">
-                <a:solidFill>
-                  <a:schemeClr val="bg1">
-                    <a:lumMod val="50000"/>
-                  </a:schemeClr>
-                </a:solidFill>
-                <a:latin typeface="微软雅黑" panose="020B0503020204020204" charset="-122"/>
-                <a:ea typeface="微软雅黑" panose="020B0503020204020204" charset="-122"/>
-              </a:rPr>
-              <a:t>倍字间距。</a:t>
-            </a:r>
+            <a:endParaRPr lang="zh-CN" altLang="en-US" sz="1100" dirty="0">
+              <a:solidFill>
+                <a:schemeClr val="bg1">
+                  <a:lumMod val="50000"/>
+                </a:schemeClr>
+              </a:solidFill>
+              <a:latin typeface="微软雅黑" panose="020B0503020204020204" charset="-122"/>
+              <a:ea typeface="微软雅黑" panose="020B0503020204020204" charset="-122"/>
+            </a:endParaRPr>
           </a:p>
         </p:txBody>
       </p:sp>
@@ -24467,8 +24316,8 @@
         </p:nvSpPr>
         <p:spPr>
           <a:xfrm>
-            <a:off x="6233067" y="4158503"/>
-            <a:ext cx="1620957" cy="307777"/>
+            <a:off x="4803370" y="4196948"/>
+            <a:ext cx="1082348" cy="307777"/>
           </a:xfrm>
           <a:prstGeom prst="rect">
             <a:avLst/>
@@ -24482,8 +24331,9 @@
           <a:p>
             <a:r>
               <a:rPr lang="zh-CN" altLang="en-US" sz="1400" b="1" dirty="0"/>
-              <a:t>点击此处添加标题</a:t>
+              <a:t>数据库设计</a:t>
             </a:r>
+            <a:endParaRPr lang="zh-CN" altLang="en-US" sz="1400" b="1" dirty="0"/>
           </a:p>
         </p:txBody>
       </p:sp>
@@ -24495,8 +24345,8 @@
         </p:nvSpPr>
         <p:spPr>
           <a:xfrm>
-            <a:off x="6233067" y="4403027"/>
-            <a:ext cx="2188812" cy="1192634"/>
+            <a:off x="4803370" y="4441472"/>
+            <a:ext cx="1914697" cy="972574"/>
           </a:xfrm>
           <a:prstGeom prst="rect">
             <a:avLst/>
@@ -24514,7 +24364,7 @@
               </a:lnSpc>
             </a:pPr>
             <a:r>
-              <a:rPr lang="zh-CN" altLang="en-US" sz="1100" dirty="0">
+              <a:rPr lang="zh-CN" altLang="en-US" sz="1100" dirty="0" smtClean="0">
                 <a:solidFill>
                   <a:schemeClr val="bg1">
                     <a:lumMod val="50000"/>
@@ -24523,10 +24373,346 @@
                 <a:latin typeface="微软雅黑" panose="020B0503020204020204" charset="-122"/>
                 <a:ea typeface="微软雅黑" panose="020B0503020204020204" charset="-122"/>
               </a:rPr>
-              <a:t>标题数字等都可以通过点击和重新输入进行更改，顶部“开始”面板中可以对字体、字号、颜色、行距等进行修改。建议正文</a:t>
+              <a:t>建立一个符合设计的数据库，对项目内数据的合理性进行设计与分析，保证数据项可以在项目中合理使用。</a:t>
             </a:r>
+            <a:endParaRPr lang="zh-CN" altLang="en-US" sz="1100" dirty="0">
+              <a:solidFill>
+                <a:schemeClr val="bg1">
+                  <a:lumMod val="50000"/>
+                </a:schemeClr>
+              </a:solidFill>
+              <a:latin typeface="微软雅黑" panose="020B0503020204020204" charset="-122"/>
+              <a:ea typeface="微软雅黑" panose="020B0503020204020204" charset="-122"/>
+            </a:endParaRPr>
+          </a:p>
+        </p:txBody>
+      </p:sp>
+      <p:grpSp>
+        <p:nvGrpSpPr>
+          <p:cNvPr id="100" name="组合 99"/>
+          <p:cNvGrpSpPr/>
+          <p:nvPr/>
+        </p:nvGrpSpPr>
+        <p:grpSpPr>
+          <a:xfrm>
+            <a:off x="8379084" y="4090981"/>
+            <a:ext cx="1893113" cy="1524380"/>
+            <a:chOff x="1356175" y="1093399"/>
+            <a:chExt cx="2300757" cy="1589432"/>
+          </a:xfrm>
+        </p:grpSpPr>
+        <p:sp>
+          <p:nvSpPr>
+            <p:cNvPr id="101" name="矩形 100"/>
+            <p:cNvSpPr/>
+            <p:nvPr/>
+          </p:nvSpPr>
+          <p:spPr>
+            <a:xfrm>
+              <a:off x="1368667" y="1118935"/>
+              <a:ext cx="2268157" cy="1549546"/>
+            </a:xfrm>
+            <a:prstGeom prst="rect">
+              <a:avLst/>
+            </a:prstGeom>
+            <a:noFill/>
+            <a:ln>
+              <a:solidFill>
+                <a:schemeClr val="bg1">
+                  <a:lumMod val="75000"/>
+                </a:schemeClr>
+              </a:solidFill>
+            </a:ln>
+          </p:spPr>
+          <p:style>
+            <a:lnRef idx="2">
+              <a:schemeClr val="accent1">
+                <a:shade val="50000"/>
+              </a:schemeClr>
+            </a:lnRef>
+            <a:fillRef idx="1">
+              <a:schemeClr val="accent1"/>
+            </a:fillRef>
+            <a:effectRef idx="0">
+              <a:schemeClr val="accent1"/>
+            </a:effectRef>
+            <a:fontRef idx="minor">
+              <a:schemeClr val="lt1"/>
+            </a:fontRef>
+          </p:style>
+          <p:txBody>
+            <a:bodyPr rot="0" spcFirstLastPara="0" vertOverflow="overflow" horzOverflow="overflow" vert="horz" wrap="square" lIns="91440" tIns="45720" rIns="91440" bIns="45720" numCol="1" spcCol="0" rtlCol="0" fromWordArt="0" anchor="ctr" anchorCtr="0" forceAA="0" compatLnSpc="1">
+              <a:noAutofit/>
+            </a:bodyPr>
+            <a:lstStyle/>
+            <a:p>
+              <a:pPr algn="ctr"/>
+              <a:endParaRPr lang="zh-CN" altLang="en-US"/>
+            </a:p>
+          </p:txBody>
+        </p:sp>
+        <p:sp>
+          <p:nvSpPr>
+            <p:cNvPr id="110" name="椭圆 109"/>
+            <p:cNvSpPr/>
+            <p:nvPr/>
+          </p:nvSpPr>
+          <p:spPr>
+            <a:xfrm>
+              <a:off x="1356175" y="1093399"/>
+              <a:ext cx="38888" cy="38888"/>
+            </a:xfrm>
+            <a:prstGeom prst="ellipse">
+              <a:avLst/>
+            </a:prstGeom>
+            <a:solidFill>
+              <a:schemeClr val="tx1">
+                <a:lumMod val="65000"/>
+                <a:lumOff val="35000"/>
+              </a:schemeClr>
+            </a:solidFill>
+            <a:ln>
+              <a:noFill/>
+            </a:ln>
+          </p:spPr>
+          <p:style>
+            <a:lnRef idx="2">
+              <a:schemeClr val="accent1">
+                <a:shade val="50000"/>
+              </a:schemeClr>
+            </a:lnRef>
+            <a:fillRef idx="1">
+              <a:schemeClr val="accent1"/>
+            </a:fillRef>
+            <a:effectRef idx="0">
+              <a:schemeClr val="accent1"/>
+            </a:effectRef>
+            <a:fontRef idx="minor">
+              <a:schemeClr val="lt1"/>
+            </a:fontRef>
+          </p:style>
+          <p:txBody>
+            <a:bodyPr rot="0" spcFirstLastPara="0" vertOverflow="overflow" horzOverflow="overflow" vert="horz" wrap="square" lIns="91440" tIns="45720" rIns="91440" bIns="45720" numCol="1" spcCol="0" rtlCol="0" fromWordArt="0" anchor="ctr" anchorCtr="0" forceAA="0" compatLnSpc="1">
+              <a:noAutofit/>
+            </a:bodyPr>
+            <a:lstStyle/>
+            <a:p>
+              <a:pPr algn="ctr"/>
+              <a:endParaRPr lang="zh-CN" altLang="en-US"/>
+            </a:p>
+          </p:txBody>
+        </p:sp>
+        <p:sp>
+          <p:nvSpPr>
+            <p:cNvPr id="111" name="椭圆 110"/>
+            <p:cNvSpPr/>
+            <p:nvPr/>
+          </p:nvSpPr>
+          <p:spPr>
+            <a:xfrm>
+              <a:off x="1356175" y="2643943"/>
+              <a:ext cx="38888" cy="38888"/>
+            </a:xfrm>
+            <a:prstGeom prst="ellipse">
+              <a:avLst/>
+            </a:prstGeom>
+            <a:solidFill>
+              <a:schemeClr val="tx1">
+                <a:lumMod val="65000"/>
+                <a:lumOff val="35000"/>
+              </a:schemeClr>
+            </a:solidFill>
+            <a:ln>
+              <a:noFill/>
+            </a:ln>
+          </p:spPr>
+          <p:style>
+            <a:lnRef idx="2">
+              <a:schemeClr val="accent1">
+                <a:shade val="50000"/>
+              </a:schemeClr>
+            </a:lnRef>
+            <a:fillRef idx="1">
+              <a:schemeClr val="accent1"/>
+            </a:fillRef>
+            <a:effectRef idx="0">
+              <a:schemeClr val="accent1"/>
+            </a:effectRef>
+            <a:fontRef idx="minor">
+              <a:schemeClr val="lt1"/>
+            </a:fontRef>
+          </p:style>
+          <p:txBody>
+            <a:bodyPr rot="0" spcFirstLastPara="0" vertOverflow="overflow" horzOverflow="overflow" vert="horz" wrap="square" lIns="91440" tIns="45720" rIns="91440" bIns="45720" numCol="1" spcCol="0" rtlCol="0" fromWordArt="0" anchor="ctr" anchorCtr="0" forceAA="0" compatLnSpc="1">
+              <a:noAutofit/>
+            </a:bodyPr>
+            <a:lstStyle/>
+            <a:p>
+              <a:pPr algn="ctr"/>
+              <a:endParaRPr lang="zh-CN" altLang="en-US"/>
+            </a:p>
+          </p:txBody>
+        </p:sp>
+        <p:sp>
+          <p:nvSpPr>
+            <p:cNvPr id="112" name="椭圆 111"/>
+            <p:cNvSpPr/>
+            <p:nvPr/>
+          </p:nvSpPr>
+          <p:spPr>
+            <a:xfrm>
+              <a:off x="3618044" y="2643943"/>
+              <a:ext cx="38888" cy="38888"/>
+            </a:xfrm>
+            <a:prstGeom prst="ellipse">
+              <a:avLst/>
+            </a:prstGeom>
+            <a:solidFill>
+              <a:schemeClr val="tx1">
+                <a:lumMod val="65000"/>
+                <a:lumOff val="35000"/>
+              </a:schemeClr>
+            </a:solidFill>
+            <a:ln>
+              <a:noFill/>
+            </a:ln>
+          </p:spPr>
+          <p:style>
+            <a:lnRef idx="2">
+              <a:schemeClr val="accent1">
+                <a:shade val="50000"/>
+              </a:schemeClr>
+            </a:lnRef>
+            <a:fillRef idx="1">
+              <a:schemeClr val="accent1"/>
+            </a:fillRef>
+            <a:effectRef idx="0">
+              <a:schemeClr val="accent1"/>
+            </a:effectRef>
+            <a:fontRef idx="minor">
+              <a:schemeClr val="lt1"/>
+            </a:fontRef>
+          </p:style>
+          <p:txBody>
+            <a:bodyPr rot="0" spcFirstLastPara="0" vertOverflow="overflow" horzOverflow="overflow" vert="horz" wrap="square" lIns="91440" tIns="45720" rIns="91440" bIns="45720" numCol="1" spcCol="0" rtlCol="0" fromWordArt="0" anchor="ctr" anchorCtr="0" forceAA="0" compatLnSpc="1">
+              <a:noAutofit/>
+            </a:bodyPr>
+            <a:lstStyle/>
+            <a:p>
+              <a:pPr algn="ctr"/>
+              <a:endParaRPr lang="zh-CN" altLang="en-US"/>
+            </a:p>
+          </p:txBody>
+        </p:sp>
+        <p:sp>
+          <p:nvSpPr>
+            <p:cNvPr id="113" name="椭圆 112"/>
+            <p:cNvSpPr/>
+            <p:nvPr/>
+          </p:nvSpPr>
+          <p:spPr>
+            <a:xfrm>
+              <a:off x="3617381" y="1098493"/>
+              <a:ext cx="38888" cy="38888"/>
+            </a:xfrm>
+            <a:prstGeom prst="ellipse">
+              <a:avLst/>
+            </a:prstGeom>
+            <a:solidFill>
+              <a:schemeClr val="tx1">
+                <a:lumMod val="65000"/>
+                <a:lumOff val="35000"/>
+              </a:schemeClr>
+            </a:solidFill>
+            <a:ln>
+              <a:noFill/>
+            </a:ln>
+          </p:spPr>
+          <p:style>
+            <a:lnRef idx="2">
+              <a:schemeClr val="accent1">
+                <a:shade val="50000"/>
+              </a:schemeClr>
+            </a:lnRef>
+            <a:fillRef idx="1">
+              <a:schemeClr val="accent1"/>
+            </a:fillRef>
+            <a:effectRef idx="0">
+              <a:schemeClr val="accent1"/>
+            </a:effectRef>
+            <a:fontRef idx="minor">
+              <a:schemeClr val="lt1"/>
+            </a:fontRef>
+          </p:style>
+          <p:txBody>
+            <a:bodyPr rot="0" spcFirstLastPara="0" vertOverflow="overflow" horzOverflow="overflow" vert="horz" wrap="square" lIns="91440" tIns="45720" rIns="91440" bIns="45720" numCol="1" spcCol="0" rtlCol="0" fromWordArt="0" anchor="ctr" anchorCtr="0" forceAA="0" compatLnSpc="1">
+              <a:noAutofit/>
+            </a:bodyPr>
+            <a:lstStyle/>
+            <a:p>
+              <a:pPr algn="ctr"/>
+              <a:endParaRPr lang="zh-CN" altLang="en-US"/>
+            </a:p>
+          </p:txBody>
+        </p:sp>
+      </p:grpSp>
+      <p:sp>
+        <p:nvSpPr>
+          <p:cNvPr id="114" name="矩形 113"/>
+          <p:cNvSpPr/>
+          <p:nvPr/>
+        </p:nvSpPr>
+        <p:spPr>
+          <a:xfrm>
+            <a:off x="8435717" y="4211298"/>
+            <a:ext cx="543739" cy="307777"/>
+          </a:xfrm>
+          <a:prstGeom prst="rect">
+            <a:avLst/>
+          </a:prstGeom>
+        </p:spPr>
+        <p:txBody>
+          <a:bodyPr wrap="none">
+            <a:spAutoFit/>
+          </a:bodyPr>
+          <a:lstStyle/>
+          <a:p>
             <a:r>
-              <a:rPr lang="en-US" altLang="zh-CN" sz="1100" dirty="0">
+              <a:rPr lang="zh-CN" altLang="en-US" sz="1400" b="1" dirty="0"/>
+              <a:t>测试</a:t>
+            </a:r>
+            <a:endParaRPr lang="zh-CN" altLang="en-US" sz="1400" b="1" dirty="0"/>
+          </a:p>
+        </p:txBody>
+      </p:sp>
+      <p:sp>
+        <p:nvSpPr>
+          <p:cNvPr id="115" name="矩形 114"/>
+          <p:cNvSpPr/>
+          <p:nvPr/>
+        </p:nvSpPr>
+        <p:spPr>
+          <a:xfrm>
+            <a:off x="8435716" y="4455822"/>
+            <a:ext cx="1763665" cy="532453"/>
+          </a:xfrm>
+          <a:prstGeom prst="rect">
+            <a:avLst/>
+          </a:prstGeom>
+        </p:spPr>
+        <p:txBody>
+          <a:bodyPr wrap="square">
+            <a:spAutoFit/>
+          </a:bodyPr>
+          <a:lstStyle/>
+          <a:p>
+            <a:pPr lvl="0">
+              <a:lnSpc>
+                <a:spcPct val="130000"/>
+              </a:lnSpc>
+            </a:pPr>
+            <a:r>
+              <a:rPr lang="zh-CN" altLang="en-US" sz="1100" dirty="0" smtClean="0">
                 <a:solidFill>
                   <a:schemeClr val="bg1">
                     <a:lumMod val="50000"/>
@@ -24535,10 +24721,346 @@
                 <a:latin typeface="微软雅黑" panose="020B0503020204020204" charset="-122"/>
                 <a:ea typeface="微软雅黑" panose="020B0503020204020204" charset="-122"/>
               </a:rPr>
-              <a:t>8-14</a:t>
+              <a:t>对项目进行测试，保证在上线之前没有明显的错误。</a:t>
             </a:r>
+            <a:endParaRPr lang="zh-CN" altLang="en-US" sz="1100" dirty="0">
+              <a:solidFill>
+                <a:schemeClr val="bg1">
+                  <a:lumMod val="50000"/>
+                </a:schemeClr>
+              </a:solidFill>
+              <a:latin typeface="微软雅黑" panose="020B0503020204020204" charset="-122"/>
+              <a:ea typeface="微软雅黑" panose="020B0503020204020204" charset="-122"/>
+            </a:endParaRPr>
+          </a:p>
+        </p:txBody>
+      </p:sp>
+      <p:grpSp>
+        <p:nvGrpSpPr>
+          <p:cNvPr id="116" name="组合 115"/>
+          <p:cNvGrpSpPr/>
+          <p:nvPr/>
+        </p:nvGrpSpPr>
+        <p:grpSpPr>
+          <a:xfrm>
+            <a:off x="9855200" y="1119945"/>
+            <a:ext cx="1600200" cy="1589432"/>
+            <a:chOff x="1356175" y="1093399"/>
+            <a:chExt cx="2300757" cy="1589432"/>
+          </a:xfrm>
+        </p:grpSpPr>
+        <p:sp>
+          <p:nvSpPr>
+            <p:cNvPr id="117" name="矩形 116"/>
+            <p:cNvSpPr/>
+            <p:nvPr/>
+          </p:nvSpPr>
+          <p:spPr>
+            <a:xfrm>
+              <a:off x="1368667" y="1118935"/>
+              <a:ext cx="2268157" cy="1549546"/>
+            </a:xfrm>
+            <a:prstGeom prst="rect">
+              <a:avLst/>
+            </a:prstGeom>
+            <a:noFill/>
+            <a:ln>
+              <a:solidFill>
+                <a:schemeClr val="bg1">
+                  <a:lumMod val="75000"/>
+                </a:schemeClr>
+              </a:solidFill>
+            </a:ln>
+          </p:spPr>
+          <p:style>
+            <a:lnRef idx="2">
+              <a:schemeClr val="accent1">
+                <a:shade val="50000"/>
+              </a:schemeClr>
+            </a:lnRef>
+            <a:fillRef idx="1">
+              <a:schemeClr val="accent1"/>
+            </a:fillRef>
+            <a:effectRef idx="0">
+              <a:schemeClr val="accent1"/>
+            </a:effectRef>
+            <a:fontRef idx="minor">
+              <a:schemeClr val="lt1"/>
+            </a:fontRef>
+          </p:style>
+          <p:txBody>
+            <a:bodyPr rot="0" spcFirstLastPara="0" vertOverflow="overflow" horzOverflow="overflow" vert="horz" wrap="square" lIns="91440" tIns="45720" rIns="91440" bIns="45720" numCol="1" spcCol="0" rtlCol="0" fromWordArt="0" anchor="ctr" anchorCtr="0" forceAA="0" compatLnSpc="1">
+              <a:noAutofit/>
+            </a:bodyPr>
+            <a:lstStyle/>
+            <a:p>
+              <a:pPr algn="ctr"/>
+              <a:endParaRPr lang="zh-CN" altLang="en-US"/>
+            </a:p>
+          </p:txBody>
+        </p:sp>
+        <p:sp>
+          <p:nvSpPr>
+            <p:cNvPr id="118" name="椭圆 117"/>
+            <p:cNvSpPr/>
+            <p:nvPr/>
+          </p:nvSpPr>
+          <p:spPr>
+            <a:xfrm>
+              <a:off x="1356175" y="1093399"/>
+              <a:ext cx="38888" cy="38888"/>
+            </a:xfrm>
+            <a:prstGeom prst="ellipse">
+              <a:avLst/>
+            </a:prstGeom>
+            <a:solidFill>
+              <a:schemeClr val="tx1">
+                <a:lumMod val="65000"/>
+                <a:lumOff val="35000"/>
+              </a:schemeClr>
+            </a:solidFill>
+            <a:ln>
+              <a:noFill/>
+            </a:ln>
+          </p:spPr>
+          <p:style>
+            <a:lnRef idx="2">
+              <a:schemeClr val="accent1">
+                <a:shade val="50000"/>
+              </a:schemeClr>
+            </a:lnRef>
+            <a:fillRef idx="1">
+              <a:schemeClr val="accent1"/>
+            </a:fillRef>
+            <a:effectRef idx="0">
+              <a:schemeClr val="accent1"/>
+            </a:effectRef>
+            <a:fontRef idx="minor">
+              <a:schemeClr val="lt1"/>
+            </a:fontRef>
+          </p:style>
+          <p:txBody>
+            <a:bodyPr rot="0" spcFirstLastPara="0" vertOverflow="overflow" horzOverflow="overflow" vert="horz" wrap="square" lIns="91440" tIns="45720" rIns="91440" bIns="45720" numCol="1" spcCol="0" rtlCol="0" fromWordArt="0" anchor="ctr" anchorCtr="0" forceAA="0" compatLnSpc="1">
+              <a:noAutofit/>
+            </a:bodyPr>
+            <a:lstStyle/>
+            <a:p>
+              <a:pPr algn="ctr"/>
+              <a:endParaRPr lang="zh-CN" altLang="en-US"/>
+            </a:p>
+          </p:txBody>
+        </p:sp>
+        <p:sp>
+          <p:nvSpPr>
+            <p:cNvPr id="119" name="椭圆 118"/>
+            <p:cNvSpPr/>
+            <p:nvPr/>
+          </p:nvSpPr>
+          <p:spPr>
+            <a:xfrm>
+              <a:off x="1356175" y="2643943"/>
+              <a:ext cx="38888" cy="38888"/>
+            </a:xfrm>
+            <a:prstGeom prst="ellipse">
+              <a:avLst/>
+            </a:prstGeom>
+            <a:solidFill>
+              <a:schemeClr val="tx1">
+                <a:lumMod val="65000"/>
+                <a:lumOff val="35000"/>
+              </a:schemeClr>
+            </a:solidFill>
+            <a:ln>
+              <a:noFill/>
+            </a:ln>
+          </p:spPr>
+          <p:style>
+            <a:lnRef idx="2">
+              <a:schemeClr val="accent1">
+                <a:shade val="50000"/>
+              </a:schemeClr>
+            </a:lnRef>
+            <a:fillRef idx="1">
+              <a:schemeClr val="accent1"/>
+            </a:fillRef>
+            <a:effectRef idx="0">
+              <a:schemeClr val="accent1"/>
+            </a:effectRef>
+            <a:fontRef idx="minor">
+              <a:schemeClr val="lt1"/>
+            </a:fontRef>
+          </p:style>
+          <p:txBody>
+            <a:bodyPr rot="0" spcFirstLastPara="0" vertOverflow="overflow" horzOverflow="overflow" vert="horz" wrap="square" lIns="91440" tIns="45720" rIns="91440" bIns="45720" numCol="1" spcCol="0" rtlCol="0" fromWordArt="0" anchor="ctr" anchorCtr="0" forceAA="0" compatLnSpc="1">
+              <a:noAutofit/>
+            </a:bodyPr>
+            <a:lstStyle/>
+            <a:p>
+              <a:pPr algn="ctr"/>
+              <a:endParaRPr lang="zh-CN" altLang="en-US"/>
+            </a:p>
+          </p:txBody>
+        </p:sp>
+        <p:sp>
+          <p:nvSpPr>
+            <p:cNvPr id="120" name="椭圆 119"/>
+            <p:cNvSpPr/>
+            <p:nvPr/>
+          </p:nvSpPr>
+          <p:spPr>
+            <a:xfrm>
+              <a:off x="3618044" y="2643943"/>
+              <a:ext cx="38888" cy="38888"/>
+            </a:xfrm>
+            <a:prstGeom prst="ellipse">
+              <a:avLst/>
+            </a:prstGeom>
+            <a:solidFill>
+              <a:schemeClr val="tx1">
+                <a:lumMod val="65000"/>
+                <a:lumOff val="35000"/>
+              </a:schemeClr>
+            </a:solidFill>
+            <a:ln>
+              <a:noFill/>
+            </a:ln>
+          </p:spPr>
+          <p:style>
+            <a:lnRef idx="2">
+              <a:schemeClr val="accent1">
+                <a:shade val="50000"/>
+              </a:schemeClr>
+            </a:lnRef>
+            <a:fillRef idx="1">
+              <a:schemeClr val="accent1"/>
+            </a:fillRef>
+            <a:effectRef idx="0">
+              <a:schemeClr val="accent1"/>
+            </a:effectRef>
+            <a:fontRef idx="minor">
+              <a:schemeClr val="lt1"/>
+            </a:fontRef>
+          </p:style>
+          <p:txBody>
+            <a:bodyPr rot="0" spcFirstLastPara="0" vertOverflow="overflow" horzOverflow="overflow" vert="horz" wrap="square" lIns="91440" tIns="45720" rIns="91440" bIns="45720" numCol="1" spcCol="0" rtlCol="0" fromWordArt="0" anchor="ctr" anchorCtr="0" forceAA="0" compatLnSpc="1">
+              <a:noAutofit/>
+            </a:bodyPr>
+            <a:lstStyle/>
+            <a:p>
+              <a:pPr algn="ctr"/>
+              <a:endParaRPr lang="zh-CN" altLang="en-US"/>
+            </a:p>
+          </p:txBody>
+        </p:sp>
+        <p:sp>
+          <p:nvSpPr>
+            <p:cNvPr id="121" name="椭圆 120"/>
+            <p:cNvSpPr/>
+            <p:nvPr/>
+          </p:nvSpPr>
+          <p:spPr>
+            <a:xfrm>
+              <a:off x="3617381" y="1098493"/>
+              <a:ext cx="38888" cy="38888"/>
+            </a:xfrm>
+            <a:prstGeom prst="ellipse">
+              <a:avLst/>
+            </a:prstGeom>
+            <a:solidFill>
+              <a:schemeClr val="tx1">
+                <a:lumMod val="65000"/>
+                <a:lumOff val="35000"/>
+              </a:schemeClr>
+            </a:solidFill>
+            <a:ln>
+              <a:noFill/>
+            </a:ln>
+          </p:spPr>
+          <p:style>
+            <a:lnRef idx="2">
+              <a:schemeClr val="accent1">
+                <a:shade val="50000"/>
+              </a:schemeClr>
+            </a:lnRef>
+            <a:fillRef idx="1">
+              <a:schemeClr val="accent1"/>
+            </a:fillRef>
+            <a:effectRef idx="0">
+              <a:schemeClr val="accent1"/>
+            </a:effectRef>
+            <a:fontRef idx="minor">
+              <a:schemeClr val="lt1"/>
+            </a:fontRef>
+          </p:style>
+          <p:txBody>
+            <a:bodyPr rot="0" spcFirstLastPara="0" vertOverflow="overflow" horzOverflow="overflow" vert="horz" wrap="square" lIns="91440" tIns="45720" rIns="91440" bIns="45720" numCol="1" spcCol="0" rtlCol="0" fromWordArt="0" anchor="ctr" anchorCtr="0" forceAA="0" compatLnSpc="1">
+              <a:noAutofit/>
+            </a:bodyPr>
+            <a:lstStyle/>
+            <a:p>
+              <a:pPr algn="ctr"/>
+              <a:endParaRPr lang="zh-CN" altLang="en-US"/>
+            </a:p>
+          </p:txBody>
+        </p:sp>
+      </p:grpSp>
+      <p:sp>
+        <p:nvSpPr>
+          <p:cNvPr id="122" name="矩形 121"/>
+          <p:cNvSpPr/>
+          <p:nvPr/>
+        </p:nvSpPr>
+        <p:spPr>
+          <a:xfrm>
+            <a:off x="9882247" y="1242359"/>
+            <a:ext cx="1082348" cy="307777"/>
+          </a:xfrm>
+          <a:prstGeom prst="rect">
+            <a:avLst/>
+          </a:prstGeom>
+        </p:spPr>
+        <p:txBody>
+          <a:bodyPr wrap="none">
+            <a:spAutoFit/>
+          </a:bodyPr>
+          <a:lstStyle/>
+          <a:p>
             <a:r>
-              <a:rPr lang="zh-CN" altLang="en-US" sz="1100" dirty="0">
+              <a:rPr lang="zh-CN" altLang="en-US" sz="1400" b="1" dirty="0" smtClean="0"/>
+              <a:t>总结与展望</a:t>
+            </a:r>
+            <a:endParaRPr lang="zh-CN" altLang="en-US" sz="1400" b="1" dirty="0"/>
+          </a:p>
+        </p:txBody>
+      </p:sp>
+      <p:sp>
+        <p:nvSpPr>
+          <p:cNvPr id="123" name="矩形 122"/>
+          <p:cNvSpPr/>
+          <p:nvPr/>
+        </p:nvSpPr>
+        <p:spPr>
+          <a:xfrm>
+            <a:off x="9890934" y="1502448"/>
+            <a:ext cx="1550479" cy="972574"/>
+          </a:xfrm>
+          <a:prstGeom prst="rect">
+            <a:avLst/>
+          </a:prstGeom>
+        </p:spPr>
+        <p:txBody>
+          <a:bodyPr wrap="square">
+            <a:spAutoFit/>
+          </a:bodyPr>
+          <a:lstStyle/>
+          <a:p>
+            <a:pPr lvl="0">
+              <a:lnSpc>
+                <a:spcPct val="130000"/>
+              </a:lnSpc>
+            </a:pPr>
+            <a:r>
+              <a:rPr lang="zh-CN" altLang="en-US" sz="1100" dirty="0" smtClean="0">
                 <a:solidFill>
                   <a:schemeClr val="bg1">
                     <a:lumMod val="50000"/>
@@ -24547,32 +25069,17 @@
                 <a:latin typeface="微软雅黑" panose="020B0503020204020204" charset="-122"/>
                 <a:ea typeface="微软雅黑" panose="020B0503020204020204" charset="-122"/>
               </a:rPr>
-              <a:t>号字，</a:t>
+              <a:t>该章节展示项目整体的运行界面，让读者最直观看到该项目的运行效果。</a:t>
             </a:r>
-            <a:r>
-              <a:rPr lang="en-US" altLang="zh-CN" sz="1100" dirty="0">
-                <a:solidFill>
-                  <a:schemeClr val="bg1">
-                    <a:lumMod val="50000"/>
-                  </a:schemeClr>
-                </a:solidFill>
-                <a:latin typeface="微软雅黑" panose="020B0503020204020204" charset="-122"/>
-                <a:ea typeface="微软雅黑" panose="020B0503020204020204" charset="-122"/>
-              </a:rPr>
-              <a:t>1.3</a:t>
-            </a:r>
-            <a:r>
-              <a:rPr lang="zh-CN" altLang="en-US" sz="1100" dirty="0">
-                <a:solidFill>
-                  <a:schemeClr val="bg1">
-                    <a:lumMod val="50000"/>
-                  </a:schemeClr>
-                </a:solidFill>
-                <a:latin typeface="微软雅黑" panose="020B0503020204020204" charset="-122"/>
-                <a:ea typeface="微软雅黑" panose="020B0503020204020204" charset="-122"/>
-              </a:rPr>
-              <a:t>倍字间距。</a:t>
-            </a:r>
+            <a:endParaRPr lang="zh-CN" altLang="en-US" sz="1100" dirty="0">
+              <a:solidFill>
+                <a:schemeClr val="bg1">
+                  <a:lumMod val="50000"/>
+                </a:schemeClr>
+              </a:solidFill>
+              <a:latin typeface="微软雅黑" panose="020B0503020204020204" charset="-122"/>
+              <a:ea typeface="微软雅黑" panose="020B0503020204020204" charset="-122"/>
+            </a:endParaRPr>
           </a:p>
         </p:txBody>
       </p:sp>

--- a/答辩PPT.pptx
+++ b/答辩PPT.pptx
@@ -492,7 +492,6 @@
             <c:showLeaderLines val="0"/>
             <c:extLst>
               <c:ext xmlns:c15="http://schemas.microsoft.com/office/drawing/2012/chart" uri="{CE6537A1-D6FC-4f65-9D91-7224C49458BB}">
-                <c15:layout/>
                 <c15:showLeaderLines val="1"/>
                 <c15:leaderLines>
                   <c:spPr>
@@ -622,7 +621,6 @@
             <c:showLeaderLines val="0"/>
             <c:extLst>
               <c:ext xmlns:c15="http://schemas.microsoft.com/office/drawing/2012/chart" uri="{CE6537A1-D6FC-4f65-9D91-7224C49458BB}">
-                <c15:layout/>
                 <c15:showLeaderLines val="1"/>
                 <c15:leaderLines>
                   <c:spPr>
@@ -752,7 +750,6 @@
             <c:showLeaderLines val="0"/>
             <c:extLst>
               <c:ext xmlns:c15="http://schemas.microsoft.com/office/drawing/2012/chart" uri="{CE6537A1-D6FC-4f65-9D91-7224C49458BB}">
-                <c15:layout/>
                 <c15:showLeaderLines val="1"/>
                 <c15:leaderLines>
                   <c:spPr>
@@ -5591,17 +5588,6 @@
           <a:lstStyle/>
           <a:p>
             <a:r>
-              <a:rPr lang="zh-CN" altLang="en-US" sz="2000" dirty="0" smtClean="0">
-                <a:solidFill>
-                  <a:schemeClr val="tx1">
-                    <a:lumMod val="85000"/>
-                    <a:lumOff val="15000"/>
-                  </a:schemeClr>
-                </a:solidFill>
-              </a:rPr>
-              <a:t>论文</a:t>
-            </a:r>
-            <a:r>
               <a:rPr lang="zh-CN" altLang="en-US" sz="2000" dirty="0">
                 <a:solidFill>
                   <a:schemeClr val="tx1">
@@ -5610,5424 +5596,241 @@
                   </a:schemeClr>
                 </a:solidFill>
               </a:rPr>
-              <a:t>结构</a:t>
+              <a:t>使用工具</a:t>
             </a:r>
+            <a:endParaRPr lang="zh-CN" altLang="en-US" sz="2000" dirty="0">
+              <a:solidFill>
+                <a:schemeClr val="tx1">
+                  <a:lumMod val="85000"/>
+                  <a:lumOff val="15000"/>
+                </a:schemeClr>
+              </a:solidFill>
+            </a:endParaRPr>
           </a:p>
         </p:txBody>
       </p:sp>
       <p:pic>
         <p:nvPicPr>
-          <p:cNvPr id="5" name="图片 4"/>
+          <p:cNvPr id="3" name="图片 2"/>
           <p:cNvPicPr>
             <a:picLocks noChangeAspect="1"/>
           </p:cNvPicPr>
           <p:nvPr/>
         </p:nvPicPr>
-        <p:blipFill rotWithShape="1">
-          <a:blip r:embed="rId3" cstate="screen">
+        <p:blipFill>
+          <a:blip r:embed="rId3">
             <a:extLst>
               <a:ext uri="{28A0092B-C50C-407E-A947-70E740481C1C}">
-                <a14:useLocalDpi xmlns:a14="http://schemas.microsoft.com/office/drawing/2010/main"/>
+                <a14:useLocalDpi xmlns:a14="http://schemas.microsoft.com/office/drawing/2010/main" val="0"/>
               </a:ext>
             </a:extLst>
           </a:blip>
-          <a:srcRect/>
           <a:stretch>
             <a:fillRect/>
           </a:stretch>
         </p:blipFill>
         <p:spPr>
           <a:xfrm>
-            <a:off x="937436" y="1368423"/>
-            <a:ext cx="2534710" cy="2534710"/>
+            <a:off x="1210588" y="4000522"/>
+            <a:ext cx="1517186" cy="1517186"/>
           </a:xfrm>
-          <a:prstGeom prst="ellipse">
+          <a:prstGeom prst="rect">
             <a:avLst/>
           </a:prstGeom>
         </p:spPr>
       </p:pic>
       <p:pic>
         <p:nvPicPr>
-          <p:cNvPr id="6" name="图片 5"/>
+          <p:cNvPr id="4" name="图片 3"/>
           <p:cNvPicPr>
             <a:picLocks noChangeAspect="1"/>
           </p:cNvPicPr>
           <p:nvPr/>
         </p:nvPicPr>
-        <p:blipFill rotWithShape="1">
-          <a:blip r:embed="rId3" cstate="screen">
+        <p:blipFill>
+          <a:blip r:embed="rId4">
             <a:extLst>
               <a:ext uri="{28A0092B-C50C-407E-A947-70E740481C1C}">
-                <a14:useLocalDpi xmlns:a14="http://schemas.microsoft.com/office/drawing/2010/main"/>
+                <a14:useLocalDpi xmlns:a14="http://schemas.microsoft.com/office/drawing/2010/main" val="0"/>
               </a:ext>
             </a:extLst>
           </a:blip>
-          <a:srcRect/>
           <a:stretch>
             <a:fillRect/>
           </a:stretch>
         </p:blipFill>
         <p:spPr>
           <a:xfrm>
-            <a:off x="4828645" y="1368423"/>
-            <a:ext cx="2534710" cy="2534710"/>
+            <a:off x="4209691" y="4052038"/>
+            <a:ext cx="2947534" cy="1803830"/>
           </a:xfrm>
-          <a:prstGeom prst="ellipse">
+          <a:prstGeom prst="rect">
             <a:avLst/>
           </a:prstGeom>
         </p:spPr>
       </p:pic>
       <p:pic>
         <p:nvPicPr>
-          <p:cNvPr id="7" name="图片 6"/>
+          <p:cNvPr id="40" name="图片 39"/>
           <p:cNvPicPr>
             <a:picLocks noChangeAspect="1"/>
           </p:cNvPicPr>
           <p:nvPr/>
         </p:nvPicPr>
-        <p:blipFill rotWithShape="1">
-          <a:blip r:embed="rId3" cstate="screen">
+        <p:blipFill>
+          <a:blip r:embed="rId5">
             <a:extLst>
               <a:ext uri="{28A0092B-C50C-407E-A947-70E740481C1C}">
-                <a14:useLocalDpi xmlns:a14="http://schemas.microsoft.com/office/drawing/2010/main"/>
+                <a14:useLocalDpi xmlns:a14="http://schemas.microsoft.com/office/drawing/2010/main" val="0"/>
               </a:ext>
             </a:extLst>
           </a:blip>
-          <a:srcRect/>
           <a:stretch>
             <a:fillRect/>
           </a:stretch>
         </p:blipFill>
         <p:spPr>
           <a:xfrm>
-            <a:off x="8719854" y="1368423"/>
-            <a:ext cx="2534710" cy="2534710"/>
+            <a:off x="7996039" y="4235918"/>
+            <a:ext cx="3682254" cy="1905566"/>
           </a:xfrm>
-          <a:prstGeom prst="ellipse">
+          <a:prstGeom prst="rect">
             <a:avLst/>
           </a:prstGeom>
         </p:spPr>
       </p:pic>
       <p:sp>
         <p:nvSpPr>
-          <p:cNvPr id="8" name="矩形 7"/>
-          <p:cNvSpPr/>
+          <p:cNvPr id="41" name="文本框 40"/>
+          <p:cNvSpPr txBox="1"/>
           <p:nvPr/>
         </p:nvSpPr>
         <p:spPr>
           <a:xfrm>
-            <a:off x="1397950" y="4055548"/>
-            <a:ext cx="1620957" cy="307777"/>
+            <a:off x="1446038" y="5517708"/>
+            <a:ext cx="1046285" cy="478927"/>
+          </a:xfrm>
+          <a:prstGeom prst="rect">
+            <a:avLst/>
+          </a:prstGeom>
+          <a:noFill/>
+        </p:spPr>
+        <p:txBody>
+          <a:bodyPr wrap="square" rtlCol="0">
+            <a:spAutoFit/>
+          </a:bodyPr>
+          <a:lstStyle/>
+          <a:p>
+            <a:r>
+              <a:rPr lang="en-US" altLang="zh-CN" sz="2400" spc="300" dirty="0" smtClean="0">
+                <a:solidFill>
+                  <a:srgbClr val="1296DB"/>
+                </a:solidFill>
+                <a:latin typeface="微软雅黑 Light" panose="020B0502040204020203" pitchFamily="34" charset="-122"/>
+                <a:ea typeface="微软雅黑 Light" panose="020B0502040204020203" pitchFamily="34" charset="-122"/>
+              </a:rPr>
+              <a:t>ionic</a:t>
+            </a:r>
+            <a:endParaRPr lang="zh-CN" altLang="en-US" sz="2400" spc="300" dirty="0">
+              <a:solidFill>
+                <a:srgbClr val="1296DB"/>
+              </a:solidFill>
+              <a:latin typeface="微软雅黑 Light" panose="020B0502040204020203" pitchFamily="34" charset="-122"/>
+              <a:ea typeface="微软雅黑 Light" panose="020B0502040204020203" pitchFamily="34" charset="-122"/>
+            </a:endParaRPr>
+          </a:p>
+        </p:txBody>
+      </p:sp>
+      <p:pic>
+        <p:nvPicPr>
+          <p:cNvPr id="42" name="图片 41"/>
+          <p:cNvPicPr>
+            <a:picLocks noChangeAspect="1"/>
+          </p:cNvPicPr>
+          <p:nvPr/>
+        </p:nvPicPr>
+        <p:blipFill>
+          <a:blip r:embed="rId6">
+            <a:extLst>
+              <a:ext uri="{28A0092B-C50C-407E-A947-70E740481C1C}">
+                <a14:useLocalDpi xmlns:a14="http://schemas.microsoft.com/office/drawing/2010/main" val="0"/>
+              </a:ext>
+            </a:extLst>
+          </a:blip>
+          <a:stretch>
+            <a:fillRect/>
+          </a:stretch>
+        </p:blipFill>
+        <p:spPr>
+          <a:xfrm>
+            <a:off x="889820" y="1062317"/>
+            <a:ext cx="2330282" cy="2616574"/>
           </a:xfrm>
           <a:prstGeom prst="rect">
             <a:avLst/>
           </a:prstGeom>
         </p:spPr>
-        <p:txBody>
-          <a:bodyPr wrap="none">
-            <a:spAutoFit/>
-          </a:bodyPr>
-          <a:lstStyle/>
-          <a:p>
-            <a:r>
-              <a:rPr lang="zh-CN" altLang="en-US" sz="1400" b="1" dirty="0"/>
-              <a:t>点击此处添加标题</a:t>
-            </a:r>
-          </a:p>
-        </p:txBody>
-      </p:sp>
-      <p:sp>
-        <p:nvSpPr>
-          <p:cNvPr id="9" name="矩形 8"/>
-          <p:cNvSpPr/>
+      </p:pic>
+      <p:pic>
+        <p:nvPicPr>
+          <p:cNvPr id="43" name="图片 42"/>
+          <p:cNvPicPr>
+            <a:picLocks noChangeAspect="1"/>
+          </p:cNvPicPr>
           <p:nvPr/>
-        </p:nvSpPr>
+        </p:nvPicPr>
+        <p:blipFill>
+          <a:blip r:embed="rId7">
+            <a:extLst>
+              <a:ext uri="{28A0092B-C50C-407E-A947-70E740481C1C}">
+                <a14:useLocalDpi xmlns:a14="http://schemas.microsoft.com/office/drawing/2010/main" val="0"/>
+              </a:ext>
+            </a:extLst>
+          </a:blip>
+          <a:stretch>
+            <a:fillRect/>
+          </a:stretch>
+        </p:blipFill>
         <p:spPr>
           <a:xfrm>
-            <a:off x="911225" y="4300072"/>
-            <a:ext cx="2594406" cy="972574"/>
+            <a:off x="4209691" y="1028484"/>
+            <a:ext cx="2376884" cy="2684240"/>
           </a:xfrm>
           <a:prstGeom prst="rect">
             <a:avLst/>
           </a:prstGeom>
         </p:spPr>
-        <p:txBody>
-          <a:bodyPr wrap="square">
-            <a:spAutoFit/>
-          </a:bodyPr>
-          <a:lstStyle/>
-          <a:p>
-            <a:pPr lvl="0" algn="ctr">
-              <a:lnSpc>
-                <a:spcPct val="130000"/>
-              </a:lnSpc>
-            </a:pPr>
-            <a:r>
-              <a:rPr lang="zh-CN" altLang="en-US" sz="1100" dirty="0">
-                <a:solidFill>
-                  <a:schemeClr val="bg1">
-                    <a:lumMod val="50000"/>
-                  </a:schemeClr>
-                </a:solidFill>
-                <a:latin typeface="微软雅黑" panose="020B0503020204020204" charset="-122"/>
-                <a:ea typeface="微软雅黑" panose="020B0503020204020204" charset="-122"/>
-              </a:rPr>
-              <a:t>标题数字等都可以通过点击和重新输入进行更改，顶部“开始”面板中可以对字体、字号、颜色、行距等进行修改。建议正文</a:t>
-            </a:r>
-            <a:r>
-              <a:rPr lang="en-US" altLang="zh-CN" sz="1100" dirty="0">
-                <a:solidFill>
-                  <a:schemeClr val="bg1">
-                    <a:lumMod val="50000"/>
-                  </a:schemeClr>
-                </a:solidFill>
-                <a:latin typeface="微软雅黑" panose="020B0503020204020204" charset="-122"/>
-                <a:ea typeface="微软雅黑" panose="020B0503020204020204" charset="-122"/>
-              </a:rPr>
-              <a:t>8-14</a:t>
-            </a:r>
-            <a:r>
-              <a:rPr lang="zh-CN" altLang="en-US" sz="1100" dirty="0">
-                <a:solidFill>
-                  <a:schemeClr val="bg1">
-                    <a:lumMod val="50000"/>
-                  </a:schemeClr>
-                </a:solidFill>
-                <a:latin typeface="微软雅黑" panose="020B0503020204020204" charset="-122"/>
-                <a:ea typeface="微软雅黑" panose="020B0503020204020204" charset="-122"/>
-              </a:rPr>
-              <a:t>号字，</a:t>
-            </a:r>
-            <a:r>
-              <a:rPr lang="en-US" altLang="zh-CN" sz="1100" dirty="0">
-                <a:solidFill>
-                  <a:schemeClr val="bg1">
-                    <a:lumMod val="50000"/>
-                  </a:schemeClr>
-                </a:solidFill>
-                <a:latin typeface="微软雅黑" panose="020B0503020204020204" charset="-122"/>
-                <a:ea typeface="微软雅黑" panose="020B0503020204020204" charset="-122"/>
-              </a:rPr>
-              <a:t>1.3</a:t>
-            </a:r>
-            <a:r>
-              <a:rPr lang="zh-CN" altLang="en-US" sz="1100" dirty="0">
-                <a:solidFill>
-                  <a:schemeClr val="bg1">
-                    <a:lumMod val="50000"/>
-                  </a:schemeClr>
-                </a:solidFill>
-                <a:latin typeface="微软雅黑" panose="020B0503020204020204" charset="-122"/>
-                <a:ea typeface="微软雅黑" panose="020B0503020204020204" charset="-122"/>
-              </a:rPr>
-              <a:t>倍字间距。</a:t>
-            </a:r>
-          </a:p>
-        </p:txBody>
-      </p:sp>
-      <p:sp>
-        <p:nvSpPr>
-          <p:cNvPr id="10" name="矩形 9"/>
-          <p:cNvSpPr/>
+      </p:pic>
+      <p:pic>
+        <p:nvPicPr>
+          <p:cNvPr id="73" name="图片 72"/>
+          <p:cNvPicPr>
+            <a:picLocks noChangeAspect="1"/>
+          </p:cNvPicPr>
           <p:nvPr/>
-        </p:nvSpPr>
+        </p:nvPicPr>
+        <p:blipFill>
+          <a:blip r:embed="rId8">
+            <a:extLst>
+              <a:ext uri="{28A0092B-C50C-407E-A947-70E740481C1C}">
+                <a14:useLocalDpi xmlns:a14="http://schemas.microsoft.com/office/drawing/2010/main" val="0"/>
+              </a:ext>
+            </a:extLst>
+          </a:blip>
+          <a:stretch>
+            <a:fillRect/>
+          </a:stretch>
+        </p:blipFill>
         <p:spPr>
           <a:xfrm>
-            <a:off x="5285521" y="4055548"/>
-            <a:ext cx="1620957" cy="307777"/>
+            <a:off x="8146814" y="1407974"/>
+            <a:ext cx="2379900" cy="2714402"/>
           </a:xfrm>
           <a:prstGeom prst="rect">
             <a:avLst/>
           </a:prstGeom>
         </p:spPr>
-        <p:txBody>
-          <a:bodyPr wrap="none">
-            <a:spAutoFit/>
-          </a:bodyPr>
-          <a:lstStyle/>
-          <a:p>
-            <a:r>
-              <a:rPr lang="zh-CN" altLang="en-US" sz="1400" b="1" dirty="0"/>
-              <a:t>点击此处添加标题</a:t>
-            </a:r>
-          </a:p>
-        </p:txBody>
-      </p:sp>
-      <p:sp>
-        <p:nvSpPr>
-          <p:cNvPr id="11" name="矩形 10"/>
-          <p:cNvSpPr/>
-          <p:nvPr/>
-        </p:nvSpPr>
-        <p:spPr>
-          <a:xfrm>
-            <a:off x="4798796" y="4300072"/>
-            <a:ext cx="2594406" cy="972574"/>
-          </a:xfrm>
-          <a:prstGeom prst="rect">
-            <a:avLst/>
-          </a:prstGeom>
-        </p:spPr>
-        <p:txBody>
-          <a:bodyPr wrap="square">
-            <a:spAutoFit/>
-          </a:bodyPr>
-          <a:lstStyle/>
-          <a:p>
-            <a:pPr lvl="0" algn="ctr">
-              <a:lnSpc>
-                <a:spcPct val="130000"/>
-              </a:lnSpc>
-            </a:pPr>
-            <a:r>
-              <a:rPr lang="zh-CN" altLang="en-US" sz="1100" dirty="0">
-                <a:solidFill>
-                  <a:schemeClr val="bg1">
-                    <a:lumMod val="50000"/>
-                  </a:schemeClr>
-                </a:solidFill>
-                <a:latin typeface="微软雅黑" panose="020B0503020204020204" charset="-122"/>
-                <a:ea typeface="微软雅黑" panose="020B0503020204020204" charset="-122"/>
-              </a:rPr>
-              <a:t>标题数字等都可以通过点击和重新输入进行更改，顶部“开始”面板中可以对字体、字号、颜色、行距等进行修改。建议正文</a:t>
-            </a:r>
-            <a:r>
-              <a:rPr lang="en-US" altLang="zh-CN" sz="1100" dirty="0">
-                <a:solidFill>
-                  <a:schemeClr val="bg1">
-                    <a:lumMod val="50000"/>
-                  </a:schemeClr>
-                </a:solidFill>
-                <a:latin typeface="微软雅黑" panose="020B0503020204020204" charset="-122"/>
-                <a:ea typeface="微软雅黑" panose="020B0503020204020204" charset="-122"/>
-              </a:rPr>
-              <a:t>8-14</a:t>
-            </a:r>
-            <a:r>
-              <a:rPr lang="zh-CN" altLang="en-US" sz="1100" dirty="0">
-                <a:solidFill>
-                  <a:schemeClr val="bg1">
-                    <a:lumMod val="50000"/>
-                  </a:schemeClr>
-                </a:solidFill>
-                <a:latin typeface="微软雅黑" panose="020B0503020204020204" charset="-122"/>
-                <a:ea typeface="微软雅黑" panose="020B0503020204020204" charset="-122"/>
-              </a:rPr>
-              <a:t>号字，</a:t>
-            </a:r>
-            <a:r>
-              <a:rPr lang="en-US" altLang="zh-CN" sz="1100" dirty="0">
-                <a:solidFill>
-                  <a:schemeClr val="bg1">
-                    <a:lumMod val="50000"/>
-                  </a:schemeClr>
-                </a:solidFill>
-                <a:latin typeface="微软雅黑" panose="020B0503020204020204" charset="-122"/>
-                <a:ea typeface="微软雅黑" panose="020B0503020204020204" charset="-122"/>
-              </a:rPr>
-              <a:t>1.3</a:t>
-            </a:r>
-            <a:r>
-              <a:rPr lang="zh-CN" altLang="en-US" sz="1100" dirty="0">
-                <a:solidFill>
-                  <a:schemeClr val="bg1">
-                    <a:lumMod val="50000"/>
-                  </a:schemeClr>
-                </a:solidFill>
-                <a:latin typeface="微软雅黑" panose="020B0503020204020204" charset="-122"/>
-                <a:ea typeface="微软雅黑" panose="020B0503020204020204" charset="-122"/>
-              </a:rPr>
-              <a:t>倍字间距。</a:t>
-            </a:r>
-          </a:p>
-        </p:txBody>
-      </p:sp>
-      <p:sp>
-        <p:nvSpPr>
-          <p:cNvPr id="12" name="矩形 11"/>
-          <p:cNvSpPr/>
-          <p:nvPr/>
-        </p:nvSpPr>
-        <p:spPr>
-          <a:xfrm>
-            <a:off x="9173092" y="4055548"/>
-            <a:ext cx="1620957" cy="307777"/>
-          </a:xfrm>
-          <a:prstGeom prst="rect">
-            <a:avLst/>
-          </a:prstGeom>
-        </p:spPr>
-        <p:txBody>
-          <a:bodyPr wrap="none">
-            <a:spAutoFit/>
-          </a:bodyPr>
-          <a:lstStyle/>
-          <a:p>
-            <a:r>
-              <a:rPr lang="zh-CN" altLang="en-US" sz="1400" b="1" dirty="0"/>
-              <a:t>点击此处添加标题</a:t>
-            </a:r>
-          </a:p>
-        </p:txBody>
-      </p:sp>
-      <p:sp>
-        <p:nvSpPr>
-          <p:cNvPr id="13" name="矩形 12"/>
-          <p:cNvSpPr/>
-          <p:nvPr/>
-        </p:nvSpPr>
-        <p:spPr>
-          <a:xfrm>
-            <a:off x="8686367" y="4300072"/>
-            <a:ext cx="2594406" cy="972574"/>
-          </a:xfrm>
-          <a:prstGeom prst="rect">
-            <a:avLst/>
-          </a:prstGeom>
-        </p:spPr>
-        <p:txBody>
-          <a:bodyPr wrap="square">
-            <a:spAutoFit/>
-          </a:bodyPr>
-          <a:lstStyle/>
-          <a:p>
-            <a:pPr lvl="0" algn="ctr">
-              <a:lnSpc>
-                <a:spcPct val="130000"/>
-              </a:lnSpc>
-            </a:pPr>
-            <a:r>
-              <a:rPr lang="zh-CN" altLang="en-US" sz="1100" dirty="0">
-                <a:solidFill>
-                  <a:schemeClr val="bg1">
-                    <a:lumMod val="50000"/>
-                  </a:schemeClr>
-                </a:solidFill>
-                <a:latin typeface="微软雅黑" panose="020B0503020204020204" charset="-122"/>
-                <a:ea typeface="微软雅黑" panose="020B0503020204020204" charset="-122"/>
-              </a:rPr>
-              <a:t>标题数字等都可以通过点击和重新输入进行更改，顶部“开始”面板中可以对字体、字号、颜色、行距等进行修改。建议正文</a:t>
-            </a:r>
-            <a:r>
-              <a:rPr lang="en-US" altLang="zh-CN" sz="1100" dirty="0">
-                <a:solidFill>
-                  <a:schemeClr val="bg1">
-                    <a:lumMod val="50000"/>
-                  </a:schemeClr>
-                </a:solidFill>
-                <a:latin typeface="微软雅黑" panose="020B0503020204020204" charset="-122"/>
-                <a:ea typeface="微软雅黑" panose="020B0503020204020204" charset="-122"/>
-              </a:rPr>
-              <a:t>8-14</a:t>
-            </a:r>
-            <a:r>
-              <a:rPr lang="zh-CN" altLang="en-US" sz="1100" dirty="0">
-                <a:solidFill>
-                  <a:schemeClr val="bg1">
-                    <a:lumMod val="50000"/>
-                  </a:schemeClr>
-                </a:solidFill>
-                <a:latin typeface="微软雅黑" panose="020B0503020204020204" charset="-122"/>
-                <a:ea typeface="微软雅黑" panose="020B0503020204020204" charset="-122"/>
-              </a:rPr>
-              <a:t>号字，</a:t>
-            </a:r>
-            <a:r>
-              <a:rPr lang="en-US" altLang="zh-CN" sz="1100" dirty="0">
-                <a:solidFill>
-                  <a:schemeClr val="bg1">
-                    <a:lumMod val="50000"/>
-                  </a:schemeClr>
-                </a:solidFill>
-                <a:latin typeface="微软雅黑" panose="020B0503020204020204" charset="-122"/>
-                <a:ea typeface="微软雅黑" panose="020B0503020204020204" charset="-122"/>
-              </a:rPr>
-              <a:t>1.3</a:t>
-            </a:r>
-            <a:r>
-              <a:rPr lang="zh-CN" altLang="en-US" sz="1100" dirty="0">
-                <a:solidFill>
-                  <a:schemeClr val="bg1">
-                    <a:lumMod val="50000"/>
-                  </a:schemeClr>
-                </a:solidFill>
-                <a:latin typeface="微软雅黑" panose="020B0503020204020204" charset="-122"/>
-                <a:ea typeface="微软雅黑" panose="020B0503020204020204" charset="-122"/>
-              </a:rPr>
-              <a:t>倍字间距。</a:t>
-            </a:r>
-          </a:p>
-        </p:txBody>
-      </p:sp>
-      <p:grpSp>
-        <p:nvGrpSpPr>
-          <p:cNvPr id="14" name="Group 11"/>
-          <p:cNvGrpSpPr>
-            <a:grpSpLocks noChangeAspect="1"/>
-          </p:cNvGrpSpPr>
-          <p:nvPr/>
-        </p:nvGrpSpPr>
-        <p:grpSpPr bwMode="auto">
-          <a:xfrm>
-            <a:off x="5649892" y="2386500"/>
-            <a:ext cx="907982" cy="644666"/>
-            <a:chOff x="1407" y="1098"/>
-            <a:chExt cx="800" cy="568"/>
-          </a:xfrm>
-          <a:solidFill>
-            <a:schemeClr val="tx1">
-              <a:lumMod val="75000"/>
-              <a:lumOff val="25000"/>
-            </a:schemeClr>
-          </a:solidFill>
-        </p:grpSpPr>
-        <p:sp>
-          <p:nvSpPr>
-            <p:cNvPr id="15" name="Freeform 12"/>
-            <p:cNvSpPr>
-              <a:spLocks noEditPoints="1"/>
-            </p:cNvSpPr>
-            <p:nvPr/>
-          </p:nvSpPr>
-          <p:spPr bwMode="auto">
-            <a:xfrm>
-              <a:off x="1494" y="1098"/>
-              <a:ext cx="626" cy="423"/>
-            </a:xfrm>
-            <a:custGeom>
-              <a:avLst/>
-              <a:gdLst>
-                <a:gd name="T0" fmla="*/ 621 w 628"/>
-                <a:gd name="T1" fmla="*/ 7 h 423"/>
-                <a:gd name="T2" fmla="*/ 605 w 628"/>
-                <a:gd name="T3" fmla="*/ 0 h 423"/>
-                <a:gd name="T4" fmla="*/ 23 w 628"/>
-                <a:gd name="T5" fmla="*/ 0 h 423"/>
-                <a:gd name="T6" fmla="*/ 7 w 628"/>
-                <a:gd name="T7" fmla="*/ 7 h 423"/>
-                <a:gd name="T8" fmla="*/ 0 w 628"/>
-                <a:gd name="T9" fmla="*/ 23 h 423"/>
-                <a:gd name="T10" fmla="*/ 0 w 628"/>
-                <a:gd name="T11" fmla="*/ 423 h 423"/>
-                <a:gd name="T12" fmla="*/ 628 w 628"/>
-                <a:gd name="T13" fmla="*/ 423 h 423"/>
-                <a:gd name="T14" fmla="*/ 628 w 628"/>
-                <a:gd name="T15" fmla="*/ 23 h 423"/>
-                <a:gd name="T16" fmla="*/ 621 w 628"/>
-                <a:gd name="T17" fmla="*/ 7 h 423"/>
-                <a:gd name="T18" fmla="*/ 314 w 628"/>
-                <a:gd name="T19" fmla="*/ 13 h 423"/>
-                <a:gd name="T20" fmla="*/ 321 w 628"/>
-                <a:gd name="T21" fmla="*/ 20 h 423"/>
-                <a:gd name="T22" fmla="*/ 314 w 628"/>
-                <a:gd name="T23" fmla="*/ 27 h 423"/>
-                <a:gd name="T24" fmla="*/ 307 w 628"/>
-                <a:gd name="T25" fmla="*/ 20 h 423"/>
-                <a:gd name="T26" fmla="*/ 314 w 628"/>
-                <a:gd name="T27" fmla="*/ 13 h 423"/>
-                <a:gd name="T28" fmla="*/ 587 w 628"/>
-                <a:gd name="T29" fmla="*/ 382 h 423"/>
-                <a:gd name="T30" fmla="*/ 41 w 628"/>
-                <a:gd name="T31" fmla="*/ 382 h 423"/>
-                <a:gd name="T32" fmla="*/ 41 w 628"/>
-                <a:gd name="T33" fmla="*/ 41 h 423"/>
-                <a:gd name="T34" fmla="*/ 587 w 628"/>
-                <a:gd name="T35" fmla="*/ 41 h 423"/>
-                <a:gd name="T36" fmla="*/ 587 w 628"/>
-                <a:gd name="T37" fmla="*/ 382 h 423"/>
-              </a:gdLst>
-              <a:ahLst/>
-              <a:cxnLst>
-                <a:cxn ang="0">
-                  <a:pos x="T0" y="T1"/>
-                </a:cxn>
-                <a:cxn ang="0">
-                  <a:pos x="T2" y="T3"/>
-                </a:cxn>
-                <a:cxn ang="0">
-                  <a:pos x="T4" y="T5"/>
-                </a:cxn>
-                <a:cxn ang="0">
-                  <a:pos x="T6" y="T7"/>
-                </a:cxn>
-                <a:cxn ang="0">
-                  <a:pos x="T8" y="T9"/>
-                </a:cxn>
-                <a:cxn ang="0">
-                  <a:pos x="T10" y="T11"/>
-                </a:cxn>
-                <a:cxn ang="0">
-                  <a:pos x="T12" y="T13"/>
-                </a:cxn>
-                <a:cxn ang="0">
-                  <a:pos x="T14" y="T15"/>
-                </a:cxn>
-                <a:cxn ang="0">
-                  <a:pos x="T16" y="T17"/>
-                </a:cxn>
-                <a:cxn ang="0">
-                  <a:pos x="T18" y="T19"/>
-                </a:cxn>
-                <a:cxn ang="0">
-                  <a:pos x="T20" y="T21"/>
-                </a:cxn>
-                <a:cxn ang="0">
-                  <a:pos x="T22" y="T23"/>
-                </a:cxn>
-                <a:cxn ang="0">
-                  <a:pos x="T24" y="T25"/>
-                </a:cxn>
-                <a:cxn ang="0">
-                  <a:pos x="T26" y="T27"/>
-                </a:cxn>
-                <a:cxn ang="0">
-                  <a:pos x="T28" y="T29"/>
-                </a:cxn>
-                <a:cxn ang="0">
-                  <a:pos x="T30" y="T31"/>
-                </a:cxn>
-                <a:cxn ang="0">
-                  <a:pos x="T32" y="T33"/>
-                </a:cxn>
-                <a:cxn ang="0">
-                  <a:pos x="T34" y="T35"/>
-                </a:cxn>
-                <a:cxn ang="0">
-                  <a:pos x="T36" y="T37"/>
-                </a:cxn>
-              </a:cxnLst>
-              <a:rect l="0" t="0" r="r" b="b"/>
-              <a:pathLst>
-                <a:path w="628" h="423">
-                  <a:moveTo>
-                    <a:pt x="621" y="7"/>
-                  </a:moveTo>
-                  <a:cubicBezTo>
-                    <a:pt x="617" y="2"/>
-                    <a:pt x="611" y="0"/>
-                    <a:pt x="605" y="0"/>
-                  </a:cubicBezTo>
-                  <a:cubicBezTo>
-                    <a:pt x="23" y="0"/>
-                    <a:pt x="23" y="0"/>
-                    <a:pt x="23" y="0"/>
-                  </a:cubicBezTo>
-                  <a:cubicBezTo>
-                    <a:pt x="17" y="0"/>
-                    <a:pt x="11" y="2"/>
-                    <a:pt x="7" y="7"/>
-                  </a:cubicBezTo>
-                  <a:cubicBezTo>
-                    <a:pt x="2" y="11"/>
-                    <a:pt x="0" y="17"/>
-                    <a:pt x="0" y="23"/>
-                  </a:cubicBezTo>
-                  <a:cubicBezTo>
-                    <a:pt x="0" y="423"/>
-                    <a:pt x="0" y="423"/>
-                    <a:pt x="0" y="423"/>
-                  </a:cubicBezTo>
-                  <a:cubicBezTo>
-                    <a:pt x="628" y="423"/>
-                    <a:pt x="628" y="423"/>
-                    <a:pt x="628" y="423"/>
-                  </a:cubicBezTo>
-                  <a:cubicBezTo>
-                    <a:pt x="628" y="23"/>
-                    <a:pt x="628" y="23"/>
-                    <a:pt x="628" y="23"/>
-                  </a:cubicBezTo>
-                  <a:cubicBezTo>
-                    <a:pt x="628" y="17"/>
-                    <a:pt x="626" y="11"/>
-                    <a:pt x="621" y="7"/>
-                  </a:cubicBezTo>
-                  <a:close/>
-                  <a:moveTo>
-                    <a:pt x="314" y="13"/>
-                  </a:moveTo>
-                  <a:cubicBezTo>
-                    <a:pt x="318" y="13"/>
-                    <a:pt x="321" y="16"/>
-                    <a:pt x="321" y="20"/>
-                  </a:cubicBezTo>
-                  <a:cubicBezTo>
-                    <a:pt x="321" y="24"/>
-                    <a:pt x="318" y="27"/>
-                    <a:pt x="314" y="27"/>
-                  </a:cubicBezTo>
-                  <a:cubicBezTo>
-                    <a:pt x="310" y="27"/>
-                    <a:pt x="307" y="24"/>
-                    <a:pt x="307" y="20"/>
-                  </a:cubicBezTo>
-                  <a:cubicBezTo>
-                    <a:pt x="307" y="16"/>
-                    <a:pt x="310" y="13"/>
-                    <a:pt x="314" y="13"/>
-                  </a:cubicBezTo>
-                  <a:close/>
-                  <a:moveTo>
-                    <a:pt x="587" y="382"/>
-                  </a:moveTo>
-                  <a:cubicBezTo>
-                    <a:pt x="41" y="382"/>
-                    <a:pt x="41" y="382"/>
-                    <a:pt x="41" y="382"/>
-                  </a:cubicBezTo>
-                  <a:cubicBezTo>
-                    <a:pt x="41" y="41"/>
-                    <a:pt x="41" y="41"/>
-                    <a:pt x="41" y="41"/>
-                  </a:cubicBezTo>
-                  <a:cubicBezTo>
-                    <a:pt x="587" y="41"/>
-                    <a:pt x="587" y="41"/>
-                    <a:pt x="587" y="41"/>
-                  </a:cubicBezTo>
-                  <a:lnTo>
-                    <a:pt x="587" y="382"/>
-                  </a:lnTo>
-                  <a:close/>
-                </a:path>
-              </a:pathLst>
-            </a:custGeom>
-            <a:grpFill/>
-            <a:ln>
-              <a:noFill/>
-            </a:ln>
-            <a:extLst>
-              <a:ext uri="{91240B29-F687-4F45-9708-019B960494DF}">
-                <a14:hiddenLine xmlns:a14="http://schemas.microsoft.com/office/drawing/2010/main" w="9525">
-                  <a:solidFill>
-                    <a:srgbClr val="000000"/>
-                  </a:solidFill>
-                  <a:round/>
-                </a14:hiddenLine>
-              </a:ext>
-            </a:extLst>
-          </p:spPr>
-          <p:txBody>
-            <a:bodyPr vert="horz" wrap="square" lIns="91440" tIns="45720" rIns="91440" bIns="45720" numCol="1" anchor="t" anchorCtr="0" compatLnSpc="1"/>
-            <a:lstStyle/>
-            <a:p>
-              <a:endParaRPr lang="zh-CN" altLang="en-US">
-                <a:solidFill>
-                  <a:schemeClr val="bg1"/>
-                </a:solidFill>
-              </a:endParaRPr>
-            </a:p>
-          </p:txBody>
-        </p:sp>
-        <p:sp>
-          <p:nvSpPr>
-            <p:cNvPr id="16" name="Freeform 13"/>
-            <p:cNvSpPr>
-              <a:spLocks noEditPoints="1"/>
-            </p:cNvSpPr>
-            <p:nvPr/>
-          </p:nvSpPr>
-          <p:spPr bwMode="auto">
-            <a:xfrm>
-              <a:off x="1407" y="1538"/>
-              <a:ext cx="800" cy="97"/>
-            </a:xfrm>
-            <a:custGeom>
-              <a:avLst/>
-              <a:gdLst>
-                <a:gd name="T0" fmla="*/ 87 w 802"/>
-                <a:gd name="T1" fmla="*/ 0 h 97"/>
-                <a:gd name="T2" fmla="*/ 4 w 802"/>
-                <a:gd name="T3" fmla="*/ 83 h 97"/>
-                <a:gd name="T4" fmla="*/ 2 w 802"/>
-                <a:gd name="T5" fmla="*/ 92 h 97"/>
-                <a:gd name="T6" fmla="*/ 10 w 802"/>
-                <a:gd name="T7" fmla="*/ 97 h 97"/>
-                <a:gd name="T8" fmla="*/ 792 w 802"/>
-                <a:gd name="T9" fmla="*/ 97 h 97"/>
-                <a:gd name="T10" fmla="*/ 800 w 802"/>
-                <a:gd name="T11" fmla="*/ 92 h 97"/>
-                <a:gd name="T12" fmla="*/ 798 w 802"/>
-                <a:gd name="T13" fmla="*/ 83 h 97"/>
-                <a:gd name="T14" fmla="*/ 715 w 802"/>
-                <a:gd name="T15" fmla="*/ 0 h 97"/>
-                <a:gd name="T16" fmla="*/ 87 w 802"/>
-                <a:gd name="T17" fmla="*/ 0 h 97"/>
-                <a:gd name="T18" fmla="*/ 711 w 802"/>
-                <a:gd name="T19" fmla="*/ 47 h 97"/>
-                <a:gd name="T20" fmla="*/ 712 w 802"/>
-                <a:gd name="T21" fmla="*/ 54 h 97"/>
-                <a:gd name="T22" fmla="*/ 706 w 802"/>
-                <a:gd name="T23" fmla="*/ 58 h 97"/>
-                <a:gd name="T24" fmla="*/ 484 w 802"/>
-                <a:gd name="T25" fmla="*/ 58 h 97"/>
-                <a:gd name="T26" fmla="*/ 485 w 802"/>
-                <a:gd name="T27" fmla="*/ 64 h 97"/>
-                <a:gd name="T28" fmla="*/ 484 w 802"/>
-                <a:gd name="T29" fmla="*/ 67 h 97"/>
-                <a:gd name="T30" fmla="*/ 481 w 802"/>
-                <a:gd name="T31" fmla="*/ 69 h 97"/>
-                <a:gd name="T32" fmla="*/ 321 w 802"/>
-                <a:gd name="T33" fmla="*/ 69 h 97"/>
-                <a:gd name="T34" fmla="*/ 318 w 802"/>
-                <a:gd name="T35" fmla="*/ 67 h 97"/>
-                <a:gd name="T36" fmla="*/ 317 w 802"/>
-                <a:gd name="T37" fmla="*/ 64 h 97"/>
-                <a:gd name="T38" fmla="*/ 318 w 802"/>
-                <a:gd name="T39" fmla="*/ 58 h 97"/>
-                <a:gd name="T40" fmla="*/ 96 w 802"/>
-                <a:gd name="T41" fmla="*/ 58 h 97"/>
-                <a:gd name="T42" fmla="*/ 90 w 802"/>
-                <a:gd name="T43" fmla="*/ 54 h 97"/>
-                <a:gd name="T44" fmla="*/ 91 w 802"/>
-                <a:gd name="T45" fmla="*/ 47 h 97"/>
-                <a:gd name="T46" fmla="*/ 113 w 802"/>
-                <a:gd name="T47" fmla="*/ 20 h 97"/>
-                <a:gd name="T48" fmla="*/ 689 w 802"/>
-                <a:gd name="T49" fmla="*/ 20 h 97"/>
-                <a:gd name="T50" fmla="*/ 711 w 802"/>
-                <a:gd name="T51" fmla="*/ 47 h 97"/>
-              </a:gdLst>
-              <a:ahLst/>
-              <a:cxnLst>
-                <a:cxn ang="0">
-                  <a:pos x="T0" y="T1"/>
-                </a:cxn>
-                <a:cxn ang="0">
-                  <a:pos x="T2" y="T3"/>
-                </a:cxn>
-                <a:cxn ang="0">
-                  <a:pos x="T4" y="T5"/>
-                </a:cxn>
-                <a:cxn ang="0">
-                  <a:pos x="T6" y="T7"/>
-                </a:cxn>
-                <a:cxn ang="0">
-                  <a:pos x="T8" y="T9"/>
-                </a:cxn>
-                <a:cxn ang="0">
-                  <a:pos x="T10" y="T11"/>
-                </a:cxn>
-                <a:cxn ang="0">
-                  <a:pos x="T12" y="T13"/>
-                </a:cxn>
-                <a:cxn ang="0">
-                  <a:pos x="T14" y="T15"/>
-                </a:cxn>
-                <a:cxn ang="0">
-                  <a:pos x="T16" y="T17"/>
-                </a:cxn>
-                <a:cxn ang="0">
-                  <a:pos x="T18" y="T19"/>
-                </a:cxn>
-                <a:cxn ang="0">
-                  <a:pos x="T20" y="T21"/>
-                </a:cxn>
-                <a:cxn ang="0">
-                  <a:pos x="T22" y="T23"/>
-                </a:cxn>
-                <a:cxn ang="0">
-                  <a:pos x="T24" y="T25"/>
-                </a:cxn>
-                <a:cxn ang="0">
-                  <a:pos x="T26" y="T27"/>
-                </a:cxn>
-                <a:cxn ang="0">
-                  <a:pos x="T28" y="T29"/>
-                </a:cxn>
-                <a:cxn ang="0">
-                  <a:pos x="T30" y="T31"/>
-                </a:cxn>
-                <a:cxn ang="0">
-                  <a:pos x="T32" y="T33"/>
-                </a:cxn>
-                <a:cxn ang="0">
-                  <a:pos x="T34" y="T35"/>
-                </a:cxn>
-                <a:cxn ang="0">
-                  <a:pos x="T36" y="T37"/>
-                </a:cxn>
-                <a:cxn ang="0">
-                  <a:pos x="T38" y="T39"/>
-                </a:cxn>
-                <a:cxn ang="0">
-                  <a:pos x="T40" y="T41"/>
-                </a:cxn>
-                <a:cxn ang="0">
-                  <a:pos x="T42" y="T43"/>
-                </a:cxn>
-                <a:cxn ang="0">
-                  <a:pos x="T44" y="T45"/>
-                </a:cxn>
-                <a:cxn ang="0">
-                  <a:pos x="T46" y="T47"/>
-                </a:cxn>
-                <a:cxn ang="0">
-                  <a:pos x="T48" y="T49"/>
-                </a:cxn>
-                <a:cxn ang="0">
-                  <a:pos x="T50" y="T51"/>
-                </a:cxn>
-              </a:cxnLst>
-              <a:rect l="0" t="0" r="r" b="b"/>
-              <a:pathLst>
-                <a:path w="802" h="97">
-                  <a:moveTo>
-                    <a:pt x="87" y="0"/>
-                  </a:moveTo>
-                  <a:cubicBezTo>
-                    <a:pt x="4" y="83"/>
-                    <a:pt x="4" y="83"/>
-                    <a:pt x="4" y="83"/>
-                  </a:cubicBezTo>
-                  <a:cubicBezTo>
-                    <a:pt x="1" y="85"/>
-                    <a:pt x="0" y="89"/>
-                    <a:pt x="2" y="92"/>
-                  </a:cubicBezTo>
-                  <a:cubicBezTo>
-                    <a:pt x="3" y="95"/>
-                    <a:pt x="6" y="97"/>
-                    <a:pt x="10" y="97"/>
-                  </a:cubicBezTo>
-                  <a:cubicBezTo>
-                    <a:pt x="792" y="97"/>
-                    <a:pt x="792" y="97"/>
-                    <a:pt x="792" y="97"/>
-                  </a:cubicBezTo>
-                  <a:cubicBezTo>
-                    <a:pt x="796" y="97"/>
-                    <a:pt x="799" y="95"/>
-                    <a:pt x="800" y="92"/>
-                  </a:cubicBezTo>
-                  <a:cubicBezTo>
-                    <a:pt x="802" y="89"/>
-                    <a:pt x="801" y="85"/>
-                    <a:pt x="798" y="83"/>
-                  </a:cubicBezTo>
-                  <a:cubicBezTo>
-                    <a:pt x="715" y="0"/>
-                    <a:pt x="715" y="0"/>
-                    <a:pt x="715" y="0"/>
-                  </a:cubicBezTo>
-                  <a:lnTo>
-                    <a:pt x="87" y="0"/>
-                  </a:lnTo>
-                  <a:close/>
-                  <a:moveTo>
-                    <a:pt x="711" y="47"/>
-                  </a:moveTo>
-                  <a:cubicBezTo>
-                    <a:pt x="713" y="49"/>
-                    <a:pt x="713" y="51"/>
-                    <a:pt x="712" y="54"/>
-                  </a:cubicBezTo>
-                  <a:cubicBezTo>
-                    <a:pt x="711" y="56"/>
-                    <a:pt x="709" y="58"/>
-                    <a:pt x="706" y="58"/>
-                  </a:cubicBezTo>
-                  <a:cubicBezTo>
-                    <a:pt x="484" y="58"/>
-                    <a:pt x="484" y="58"/>
-                    <a:pt x="484" y="58"/>
-                  </a:cubicBezTo>
-                  <a:cubicBezTo>
-                    <a:pt x="485" y="64"/>
-                    <a:pt x="485" y="64"/>
-                    <a:pt x="485" y="64"/>
-                  </a:cubicBezTo>
-                  <a:cubicBezTo>
-                    <a:pt x="485" y="65"/>
-                    <a:pt x="485" y="66"/>
-                    <a:pt x="484" y="67"/>
-                  </a:cubicBezTo>
-                  <a:cubicBezTo>
-                    <a:pt x="483" y="68"/>
-                    <a:pt x="482" y="69"/>
-                    <a:pt x="481" y="69"/>
-                  </a:cubicBezTo>
-                  <a:cubicBezTo>
-                    <a:pt x="321" y="69"/>
-                    <a:pt x="321" y="69"/>
-                    <a:pt x="321" y="69"/>
-                  </a:cubicBezTo>
-                  <a:cubicBezTo>
-                    <a:pt x="320" y="69"/>
-                    <a:pt x="319" y="68"/>
-                    <a:pt x="318" y="67"/>
-                  </a:cubicBezTo>
-                  <a:cubicBezTo>
-                    <a:pt x="317" y="66"/>
-                    <a:pt x="317" y="65"/>
-                    <a:pt x="317" y="64"/>
-                  </a:cubicBezTo>
-                  <a:cubicBezTo>
-                    <a:pt x="318" y="58"/>
-                    <a:pt x="318" y="58"/>
-                    <a:pt x="318" y="58"/>
-                  </a:cubicBezTo>
-                  <a:cubicBezTo>
-                    <a:pt x="96" y="58"/>
-                    <a:pt x="96" y="58"/>
-                    <a:pt x="96" y="58"/>
-                  </a:cubicBezTo>
-                  <a:cubicBezTo>
-                    <a:pt x="93" y="58"/>
-                    <a:pt x="91" y="56"/>
-                    <a:pt x="90" y="54"/>
-                  </a:cubicBezTo>
-                  <a:cubicBezTo>
-                    <a:pt x="89" y="51"/>
-                    <a:pt x="89" y="49"/>
-                    <a:pt x="91" y="47"/>
-                  </a:cubicBezTo>
-                  <a:cubicBezTo>
-                    <a:pt x="113" y="20"/>
-                    <a:pt x="113" y="20"/>
-                    <a:pt x="113" y="20"/>
-                  </a:cubicBezTo>
-                  <a:cubicBezTo>
-                    <a:pt x="689" y="20"/>
-                    <a:pt x="689" y="20"/>
-                    <a:pt x="689" y="20"/>
-                  </a:cubicBezTo>
-                  <a:lnTo>
-                    <a:pt x="711" y="47"/>
-                  </a:lnTo>
-                  <a:close/>
-                </a:path>
-              </a:pathLst>
-            </a:custGeom>
-            <a:grpFill/>
-            <a:ln>
-              <a:noFill/>
-            </a:ln>
-            <a:extLst>
-              <a:ext uri="{91240B29-F687-4F45-9708-019B960494DF}">
-                <a14:hiddenLine xmlns:a14="http://schemas.microsoft.com/office/drawing/2010/main" w="9525">
-                  <a:solidFill>
-                    <a:srgbClr val="000000"/>
-                  </a:solidFill>
-                  <a:round/>
-                </a14:hiddenLine>
-              </a:ext>
-            </a:extLst>
-          </p:spPr>
-          <p:txBody>
-            <a:bodyPr vert="horz" wrap="square" lIns="91440" tIns="45720" rIns="91440" bIns="45720" numCol="1" anchor="t" anchorCtr="0" compatLnSpc="1"/>
-            <a:lstStyle/>
-            <a:p>
-              <a:endParaRPr lang="zh-CN" altLang="en-US">
-                <a:solidFill>
-                  <a:schemeClr val="bg1"/>
-                </a:solidFill>
-              </a:endParaRPr>
-            </a:p>
-          </p:txBody>
-        </p:sp>
-        <p:sp>
-          <p:nvSpPr>
-            <p:cNvPr id="17" name="Freeform 14"/>
-            <p:cNvSpPr>
-              <a:spLocks noEditPoints="1"/>
-            </p:cNvSpPr>
-            <p:nvPr/>
-          </p:nvSpPr>
-          <p:spPr bwMode="auto">
-            <a:xfrm>
-              <a:off x="1408" y="1637"/>
-              <a:ext cx="798" cy="29"/>
-            </a:xfrm>
-            <a:custGeom>
-              <a:avLst/>
-              <a:gdLst>
-                <a:gd name="T0" fmla="*/ 791 w 800"/>
-                <a:gd name="T1" fmla="*/ 3 h 29"/>
-                <a:gd name="T2" fmla="*/ 469 w 800"/>
-                <a:gd name="T3" fmla="*/ 3 h 29"/>
-                <a:gd name="T4" fmla="*/ 468 w 800"/>
-                <a:gd name="T5" fmla="*/ 6 h 29"/>
-                <a:gd name="T6" fmla="*/ 461 w 800"/>
-                <a:gd name="T7" fmla="*/ 9 h 29"/>
-                <a:gd name="T8" fmla="*/ 339 w 800"/>
-                <a:gd name="T9" fmla="*/ 9 h 29"/>
-                <a:gd name="T10" fmla="*/ 332 w 800"/>
-                <a:gd name="T11" fmla="*/ 6 h 29"/>
-                <a:gd name="T12" fmla="*/ 331 w 800"/>
-                <a:gd name="T13" fmla="*/ 3 h 29"/>
-                <a:gd name="T14" fmla="*/ 9 w 800"/>
-                <a:gd name="T15" fmla="*/ 3 h 29"/>
-                <a:gd name="T16" fmla="*/ 0 w 800"/>
-                <a:gd name="T17" fmla="*/ 0 h 29"/>
-                <a:gd name="T18" fmla="*/ 0 w 800"/>
-                <a:gd name="T19" fmla="*/ 9 h 29"/>
-                <a:gd name="T20" fmla="*/ 6 w 800"/>
-                <a:gd name="T21" fmla="*/ 23 h 29"/>
-                <a:gd name="T22" fmla="*/ 21 w 800"/>
-                <a:gd name="T23" fmla="*/ 29 h 29"/>
-                <a:gd name="T24" fmla="*/ 779 w 800"/>
-                <a:gd name="T25" fmla="*/ 29 h 29"/>
-                <a:gd name="T26" fmla="*/ 794 w 800"/>
-                <a:gd name="T27" fmla="*/ 23 h 29"/>
-                <a:gd name="T28" fmla="*/ 800 w 800"/>
-                <a:gd name="T29" fmla="*/ 9 h 29"/>
-                <a:gd name="T30" fmla="*/ 800 w 800"/>
-                <a:gd name="T31" fmla="*/ 0 h 29"/>
-                <a:gd name="T32" fmla="*/ 791 w 800"/>
-                <a:gd name="T33" fmla="*/ 3 h 29"/>
-                <a:gd name="T34" fmla="*/ 72 w 800"/>
-                <a:gd name="T35" fmla="*/ 21 h 29"/>
-                <a:gd name="T36" fmla="*/ 68 w 800"/>
-                <a:gd name="T37" fmla="*/ 16 h 29"/>
-                <a:gd name="T38" fmla="*/ 72 w 800"/>
-                <a:gd name="T39" fmla="*/ 12 h 29"/>
-                <a:gd name="T40" fmla="*/ 77 w 800"/>
-                <a:gd name="T41" fmla="*/ 16 h 29"/>
-                <a:gd name="T42" fmla="*/ 72 w 800"/>
-                <a:gd name="T43" fmla="*/ 21 h 29"/>
-                <a:gd name="T44" fmla="*/ 94 w 800"/>
-                <a:gd name="T45" fmla="*/ 21 h 29"/>
-                <a:gd name="T46" fmla="*/ 89 w 800"/>
-                <a:gd name="T47" fmla="*/ 16 h 29"/>
-                <a:gd name="T48" fmla="*/ 94 w 800"/>
-                <a:gd name="T49" fmla="*/ 12 h 29"/>
-                <a:gd name="T50" fmla="*/ 98 w 800"/>
-                <a:gd name="T51" fmla="*/ 16 h 29"/>
-                <a:gd name="T52" fmla="*/ 94 w 800"/>
-                <a:gd name="T53" fmla="*/ 21 h 29"/>
-                <a:gd name="T54" fmla="*/ 115 w 800"/>
-                <a:gd name="T55" fmla="*/ 21 h 29"/>
-                <a:gd name="T56" fmla="*/ 111 w 800"/>
-                <a:gd name="T57" fmla="*/ 16 h 29"/>
-                <a:gd name="T58" fmla="*/ 115 w 800"/>
-                <a:gd name="T59" fmla="*/ 12 h 29"/>
-                <a:gd name="T60" fmla="*/ 120 w 800"/>
-                <a:gd name="T61" fmla="*/ 16 h 29"/>
-                <a:gd name="T62" fmla="*/ 115 w 800"/>
-                <a:gd name="T63" fmla="*/ 21 h 29"/>
-              </a:gdLst>
-              <a:ahLst/>
-              <a:cxnLst>
-                <a:cxn ang="0">
-                  <a:pos x="T0" y="T1"/>
-                </a:cxn>
-                <a:cxn ang="0">
-                  <a:pos x="T2" y="T3"/>
-                </a:cxn>
-                <a:cxn ang="0">
-                  <a:pos x="T4" y="T5"/>
-                </a:cxn>
-                <a:cxn ang="0">
-                  <a:pos x="T6" y="T7"/>
-                </a:cxn>
-                <a:cxn ang="0">
-                  <a:pos x="T8" y="T9"/>
-                </a:cxn>
-                <a:cxn ang="0">
-                  <a:pos x="T10" y="T11"/>
-                </a:cxn>
-                <a:cxn ang="0">
-                  <a:pos x="T12" y="T13"/>
-                </a:cxn>
-                <a:cxn ang="0">
-                  <a:pos x="T14" y="T15"/>
-                </a:cxn>
-                <a:cxn ang="0">
-                  <a:pos x="T16" y="T17"/>
-                </a:cxn>
-                <a:cxn ang="0">
-                  <a:pos x="T18" y="T19"/>
-                </a:cxn>
-                <a:cxn ang="0">
-                  <a:pos x="T20" y="T21"/>
-                </a:cxn>
-                <a:cxn ang="0">
-                  <a:pos x="T22" y="T23"/>
-                </a:cxn>
-                <a:cxn ang="0">
-                  <a:pos x="T24" y="T25"/>
-                </a:cxn>
-                <a:cxn ang="0">
-                  <a:pos x="T26" y="T27"/>
-                </a:cxn>
-                <a:cxn ang="0">
-                  <a:pos x="T28" y="T29"/>
-                </a:cxn>
-                <a:cxn ang="0">
-                  <a:pos x="T30" y="T31"/>
-                </a:cxn>
-                <a:cxn ang="0">
-                  <a:pos x="T32" y="T33"/>
-                </a:cxn>
-                <a:cxn ang="0">
-                  <a:pos x="T34" y="T35"/>
-                </a:cxn>
-                <a:cxn ang="0">
-                  <a:pos x="T36" y="T37"/>
-                </a:cxn>
-                <a:cxn ang="0">
-                  <a:pos x="T38" y="T39"/>
-                </a:cxn>
-                <a:cxn ang="0">
-                  <a:pos x="T40" y="T41"/>
-                </a:cxn>
-                <a:cxn ang="0">
-                  <a:pos x="T42" y="T43"/>
-                </a:cxn>
-                <a:cxn ang="0">
-                  <a:pos x="T44" y="T45"/>
-                </a:cxn>
-                <a:cxn ang="0">
-                  <a:pos x="T46" y="T47"/>
-                </a:cxn>
-                <a:cxn ang="0">
-                  <a:pos x="T48" y="T49"/>
-                </a:cxn>
-                <a:cxn ang="0">
-                  <a:pos x="T50" y="T51"/>
-                </a:cxn>
-                <a:cxn ang="0">
-                  <a:pos x="T52" y="T53"/>
-                </a:cxn>
-                <a:cxn ang="0">
-                  <a:pos x="T54" y="T55"/>
-                </a:cxn>
-                <a:cxn ang="0">
-                  <a:pos x="T56" y="T57"/>
-                </a:cxn>
-                <a:cxn ang="0">
-                  <a:pos x="T58" y="T59"/>
-                </a:cxn>
-                <a:cxn ang="0">
-                  <a:pos x="T60" y="T61"/>
-                </a:cxn>
-                <a:cxn ang="0">
-                  <a:pos x="T62" y="T63"/>
-                </a:cxn>
-              </a:cxnLst>
-              <a:rect l="0" t="0" r="r" b="b"/>
-              <a:pathLst>
-                <a:path w="800" h="29">
-                  <a:moveTo>
-                    <a:pt x="791" y="3"/>
-                  </a:moveTo>
-                  <a:cubicBezTo>
-                    <a:pt x="469" y="3"/>
-                    <a:pt x="469" y="3"/>
-                    <a:pt x="469" y="3"/>
-                  </a:cubicBezTo>
-                  <a:cubicBezTo>
-                    <a:pt x="469" y="4"/>
-                    <a:pt x="468" y="5"/>
-                    <a:pt x="468" y="6"/>
-                  </a:cubicBezTo>
-                  <a:cubicBezTo>
-                    <a:pt x="466" y="8"/>
-                    <a:pt x="463" y="9"/>
-                    <a:pt x="461" y="9"/>
-                  </a:cubicBezTo>
-                  <a:cubicBezTo>
-                    <a:pt x="339" y="9"/>
-                    <a:pt x="339" y="9"/>
-                    <a:pt x="339" y="9"/>
-                  </a:cubicBezTo>
-                  <a:cubicBezTo>
-                    <a:pt x="337" y="9"/>
-                    <a:pt x="334" y="8"/>
-                    <a:pt x="332" y="6"/>
-                  </a:cubicBezTo>
-                  <a:cubicBezTo>
-                    <a:pt x="332" y="5"/>
-                    <a:pt x="331" y="4"/>
-                    <a:pt x="331" y="3"/>
-                  </a:cubicBezTo>
-                  <a:cubicBezTo>
-                    <a:pt x="9" y="3"/>
-                    <a:pt x="9" y="3"/>
-                    <a:pt x="9" y="3"/>
-                  </a:cubicBezTo>
-                  <a:cubicBezTo>
-                    <a:pt x="5" y="3"/>
-                    <a:pt x="2" y="2"/>
-                    <a:pt x="0" y="0"/>
-                  </a:cubicBezTo>
-                  <a:cubicBezTo>
-                    <a:pt x="0" y="9"/>
-                    <a:pt x="0" y="9"/>
-                    <a:pt x="0" y="9"/>
-                  </a:cubicBezTo>
-                  <a:cubicBezTo>
-                    <a:pt x="0" y="14"/>
-                    <a:pt x="2" y="19"/>
-                    <a:pt x="6" y="23"/>
-                  </a:cubicBezTo>
-                  <a:cubicBezTo>
-                    <a:pt x="10" y="27"/>
-                    <a:pt x="15" y="29"/>
-                    <a:pt x="21" y="29"/>
-                  </a:cubicBezTo>
-                  <a:cubicBezTo>
-                    <a:pt x="779" y="29"/>
-                    <a:pt x="779" y="29"/>
-                    <a:pt x="779" y="29"/>
-                  </a:cubicBezTo>
-                  <a:cubicBezTo>
-                    <a:pt x="785" y="29"/>
-                    <a:pt x="790" y="27"/>
-                    <a:pt x="794" y="23"/>
-                  </a:cubicBezTo>
-                  <a:cubicBezTo>
-                    <a:pt x="798" y="19"/>
-                    <a:pt x="800" y="14"/>
-                    <a:pt x="800" y="9"/>
-                  </a:cubicBezTo>
-                  <a:cubicBezTo>
-                    <a:pt x="800" y="0"/>
-                    <a:pt x="800" y="0"/>
-                    <a:pt x="800" y="0"/>
-                  </a:cubicBezTo>
-                  <a:cubicBezTo>
-                    <a:pt x="798" y="2"/>
-                    <a:pt x="795" y="3"/>
-                    <a:pt x="791" y="3"/>
-                  </a:cubicBezTo>
-                  <a:close/>
-                  <a:moveTo>
-                    <a:pt x="72" y="21"/>
-                  </a:moveTo>
-                  <a:cubicBezTo>
-                    <a:pt x="70" y="21"/>
-                    <a:pt x="68" y="19"/>
-                    <a:pt x="68" y="16"/>
-                  </a:cubicBezTo>
-                  <a:cubicBezTo>
-                    <a:pt x="68" y="14"/>
-                    <a:pt x="70" y="12"/>
-                    <a:pt x="72" y="12"/>
-                  </a:cubicBezTo>
-                  <a:cubicBezTo>
-                    <a:pt x="75" y="12"/>
-                    <a:pt x="77" y="14"/>
-                    <a:pt x="77" y="16"/>
-                  </a:cubicBezTo>
-                  <a:cubicBezTo>
-                    <a:pt x="77" y="19"/>
-                    <a:pt x="75" y="21"/>
-                    <a:pt x="72" y="21"/>
-                  </a:cubicBezTo>
-                  <a:close/>
-                  <a:moveTo>
-                    <a:pt x="94" y="21"/>
-                  </a:moveTo>
-                  <a:cubicBezTo>
-                    <a:pt x="91" y="21"/>
-                    <a:pt x="89" y="19"/>
-                    <a:pt x="89" y="16"/>
-                  </a:cubicBezTo>
-                  <a:cubicBezTo>
-                    <a:pt x="89" y="14"/>
-                    <a:pt x="91" y="12"/>
-                    <a:pt x="94" y="12"/>
-                  </a:cubicBezTo>
-                  <a:cubicBezTo>
-                    <a:pt x="96" y="12"/>
-                    <a:pt x="98" y="14"/>
-                    <a:pt x="98" y="16"/>
-                  </a:cubicBezTo>
-                  <a:cubicBezTo>
-                    <a:pt x="98" y="19"/>
-                    <a:pt x="96" y="21"/>
-                    <a:pt x="94" y="21"/>
-                  </a:cubicBezTo>
-                  <a:close/>
-                  <a:moveTo>
-                    <a:pt x="115" y="21"/>
-                  </a:moveTo>
-                  <a:cubicBezTo>
-                    <a:pt x="113" y="21"/>
-                    <a:pt x="111" y="19"/>
-                    <a:pt x="111" y="16"/>
-                  </a:cubicBezTo>
-                  <a:cubicBezTo>
-                    <a:pt x="111" y="14"/>
-                    <a:pt x="113" y="12"/>
-                    <a:pt x="115" y="12"/>
-                  </a:cubicBezTo>
-                  <a:cubicBezTo>
-                    <a:pt x="118" y="12"/>
-                    <a:pt x="120" y="14"/>
-                    <a:pt x="120" y="16"/>
-                  </a:cubicBezTo>
-                  <a:cubicBezTo>
-                    <a:pt x="120" y="19"/>
-                    <a:pt x="118" y="21"/>
-                    <a:pt x="115" y="21"/>
-                  </a:cubicBezTo>
-                  <a:close/>
-                </a:path>
-              </a:pathLst>
-            </a:custGeom>
-            <a:grpFill/>
-            <a:ln>
-              <a:noFill/>
-            </a:ln>
-            <a:extLst>
-              <a:ext uri="{91240B29-F687-4F45-9708-019B960494DF}">
-                <a14:hiddenLine xmlns:a14="http://schemas.microsoft.com/office/drawing/2010/main" w="9525">
-                  <a:solidFill>
-                    <a:srgbClr val="000000"/>
-                  </a:solidFill>
-                  <a:round/>
-                </a14:hiddenLine>
-              </a:ext>
-            </a:extLst>
-          </p:spPr>
-          <p:txBody>
-            <a:bodyPr vert="horz" wrap="square" lIns="91440" tIns="45720" rIns="91440" bIns="45720" numCol="1" anchor="t" anchorCtr="0" compatLnSpc="1"/>
-            <a:lstStyle/>
-            <a:p>
-              <a:endParaRPr lang="zh-CN" altLang="en-US">
-                <a:solidFill>
-                  <a:schemeClr val="bg1"/>
-                </a:solidFill>
-              </a:endParaRPr>
-            </a:p>
-          </p:txBody>
-        </p:sp>
-        <p:sp>
-          <p:nvSpPr>
-            <p:cNvPr id="18" name="Freeform 15"/>
-            <p:cNvSpPr/>
-            <p:nvPr/>
-          </p:nvSpPr>
-          <p:spPr bwMode="auto">
-            <a:xfrm>
-              <a:off x="1624" y="1386"/>
-              <a:ext cx="48" cy="56"/>
-            </a:xfrm>
-            <a:custGeom>
-              <a:avLst/>
-              <a:gdLst>
-                <a:gd name="T0" fmla="*/ 48 w 48"/>
-                <a:gd name="T1" fmla="*/ 56 h 56"/>
-                <a:gd name="T2" fmla="*/ 0 w 48"/>
-                <a:gd name="T3" fmla="*/ 56 h 56"/>
-                <a:gd name="T4" fmla="*/ 0 w 48"/>
-                <a:gd name="T5" fmla="*/ 5 h 56"/>
-                <a:gd name="T6" fmla="*/ 2 w 48"/>
-                <a:gd name="T7" fmla="*/ 2 h 56"/>
-                <a:gd name="T8" fmla="*/ 5 w 48"/>
-                <a:gd name="T9" fmla="*/ 0 h 56"/>
-                <a:gd name="T10" fmla="*/ 43 w 48"/>
-                <a:gd name="T11" fmla="*/ 0 h 56"/>
-                <a:gd name="T12" fmla="*/ 47 w 48"/>
-                <a:gd name="T13" fmla="*/ 2 h 56"/>
-                <a:gd name="T14" fmla="*/ 48 w 48"/>
-                <a:gd name="T15" fmla="*/ 5 h 56"/>
-                <a:gd name="T16" fmla="*/ 48 w 48"/>
-                <a:gd name="T17" fmla="*/ 56 h 56"/>
-              </a:gdLst>
-              <a:ahLst/>
-              <a:cxnLst>
-                <a:cxn ang="0">
-                  <a:pos x="T0" y="T1"/>
-                </a:cxn>
-                <a:cxn ang="0">
-                  <a:pos x="T2" y="T3"/>
-                </a:cxn>
-                <a:cxn ang="0">
-                  <a:pos x="T4" y="T5"/>
-                </a:cxn>
-                <a:cxn ang="0">
-                  <a:pos x="T6" y="T7"/>
-                </a:cxn>
-                <a:cxn ang="0">
-                  <a:pos x="T8" y="T9"/>
-                </a:cxn>
-                <a:cxn ang="0">
-                  <a:pos x="T10" y="T11"/>
-                </a:cxn>
-                <a:cxn ang="0">
-                  <a:pos x="T12" y="T13"/>
-                </a:cxn>
-                <a:cxn ang="0">
-                  <a:pos x="T14" y="T15"/>
-                </a:cxn>
-                <a:cxn ang="0">
-                  <a:pos x="T16" y="T17"/>
-                </a:cxn>
-              </a:cxnLst>
-              <a:rect l="0" t="0" r="r" b="b"/>
-              <a:pathLst>
-                <a:path w="48" h="56">
-                  <a:moveTo>
-                    <a:pt x="48" y="56"/>
-                  </a:moveTo>
-                  <a:cubicBezTo>
-                    <a:pt x="0" y="56"/>
-                    <a:pt x="0" y="56"/>
-                    <a:pt x="0" y="56"/>
-                  </a:cubicBezTo>
-                  <a:cubicBezTo>
-                    <a:pt x="0" y="5"/>
-                    <a:pt x="0" y="5"/>
-                    <a:pt x="0" y="5"/>
-                  </a:cubicBezTo>
-                  <a:cubicBezTo>
-                    <a:pt x="0" y="4"/>
-                    <a:pt x="1" y="3"/>
-                    <a:pt x="2" y="2"/>
-                  </a:cubicBezTo>
-                  <a:cubicBezTo>
-                    <a:pt x="3" y="1"/>
-                    <a:pt x="4" y="0"/>
-                    <a:pt x="5" y="0"/>
-                  </a:cubicBezTo>
-                  <a:cubicBezTo>
-                    <a:pt x="43" y="0"/>
-                    <a:pt x="43" y="0"/>
-                    <a:pt x="43" y="0"/>
-                  </a:cubicBezTo>
-                  <a:cubicBezTo>
-                    <a:pt x="44" y="0"/>
-                    <a:pt x="46" y="1"/>
-                    <a:pt x="47" y="2"/>
-                  </a:cubicBezTo>
-                  <a:cubicBezTo>
-                    <a:pt x="48" y="3"/>
-                    <a:pt x="48" y="4"/>
-                    <a:pt x="48" y="5"/>
-                  </a:cubicBezTo>
-                  <a:cubicBezTo>
-                    <a:pt x="48" y="56"/>
-                    <a:pt x="48" y="56"/>
-                    <a:pt x="48" y="56"/>
-                  </a:cubicBezTo>
-                  <a:close/>
-                </a:path>
-              </a:pathLst>
-            </a:custGeom>
-            <a:grpFill/>
-            <a:ln>
-              <a:noFill/>
-            </a:ln>
-            <a:extLst>
-              <a:ext uri="{91240B29-F687-4F45-9708-019B960494DF}">
-                <a14:hiddenLine xmlns:a14="http://schemas.microsoft.com/office/drawing/2010/main" w="9525">
-                  <a:solidFill>
-                    <a:srgbClr val="000000"/>
-                  </a:solidFill>
-                  <a:round/>
-                </a14:hiddenLine>
-              </a:ext>
-            </a:extLst>
-          </p:spPr>
-          <p:txBody>
-            <a:bodyPr vert="horz" wrap="square" lIns="91440" tIns="45720" rIns="91440" bIns="45720" numCol="1" anchor="t" anchorCtr="0" compatLnSpc="1"/>
-            <a:lstStyle/>
-            <a:p>
-              <a:endParaRPr lang="zh-CN" altLang="en-US">
-                <a:solidFill>
-                  <a:schemeClr val="bg1"/>
-                </a:solidFill>
-              </a:endParaRPr>
-            </a:p>
-          </p:txBody>
-        </p:sp>
-        <p:sp>
-          <p:nvSpPr>
-            <p:cNvPr id="19" name="Freeform 16"/>
-            <p:cNvSpPr/>
-            <p:nvPr/>
-          </p:nvSpPr>
-          <p:spPr bwMode="auto">
-            <a:xfrm>
-              <a:off x="1723" y="1314"/>
-              <a:ext cx="47" cy="128"/>
-            </a:xfrm>
-            <a:custGeom>
-              <a:avLst/>
-              <a:gdLst>
-                <a:gd name="T0" fmla="*/ 47 w 47"/>
-                <a:gd name="T1" fmla="*/ 128 h 128"/>
-                <a:gd name="T2" fmla="*/ 0 w 47"/>
-                <a:gd name="T3" fmla="*/ 128 h 128"/>
-                <a:gd name="T4" fmla="*/ 0 w 47"/>
-                <a:gd name="T5" fmla="*/ 5 h 128"/>
-                <a:gd name="T6" fmla="*/ 1 w 47"/>
-                <a:gd name="T7" fmla="*/ 2 h 128"/>
-                <a:gd name="T8" fmla="*/ 5 w 47"/>
-                <a:gd name="T9" fmla="*/ 0 h 128"/>
-                <a:gd name="T10" fmla="*/ 42 w 47"/>
-                <a:gd name="T11" fmla="*/ 0 h 128"/>
-                <a:gd name="T12" fmla="*/ 46 w 47"/>
-                <a:gd name="T13" fmla="*/ 2 h 128"/>
-                <a:gd name="T14" fmla="*/ 47 w 47"/>
-                <a:gd name="T15" fmla="*/ 5 h 128"/>
-                <a:gd name="T16" fmla="*/ 47 w 47"/>
-                <a:gd name="T17" fmla="*/ 128 h 128"/>
-              </a:gdLst>
-              <a:ahLst/>
-              <a:cxnLst>
-                <a:cxn ang="0">
-                  <a:pos x="T0" y="T1"/>
-                </a:cxn>
-                <a:cxn ang="0">
-                  <a:pos x="T2" y="T3"/>
-                </a:cxn>
-                <a:cxn ang="0">
-                  <a:pos x="T4" y="T5"/>
-                </a:cxn>
-                <a:cxn ang="0">
-                  <a:pos x="T6" y="T7"/>
-                </a:cxn>
-                <a:cxn ang="0">
-                  <a:pos x="T8" y="T9"/>
-                </a:cxn>
-                <a:cxn ang="0">
-                  <a:pos x="T10" y="T11"/>
-                </a:cxn>
-                <a:cxn ang="0">
-                  <a:pos x="T12" y="T13"/>
-                </a:cxn>
-                <a:cxn ang="0">
-                  <a:pos x="T14" y="T15"/>
-                </a:cxn>
-                <a:cxn ang="0">
-                  <a:pos x="T16" y="T17"/>
-                </a:cxn>
-              </a:cxnLst>
-              <a:rect l="0" t="0" r="r" b="b"/>
-              <a:pathLst>
-                <a:path w="47" h="128">
-                  <a:moveTo>
-                    <a:pt x="47" y="128"/>
-                  </a:moveTo>
-                  <a:cubicBezTo>
-                    <a:pt x="0" y="128"/>
-                    <a:pt x="0" y="128"/>
-                    <a:pt x="0" y="128"/>
-                  </a:cubicBezTo>
-                  <a:cubicBezTo>
-                    <a:pt x="0" y="5"/>
-                    <a:pt x="0" y="5"/>
-                    <a:pt x="0" y="5"/>
-                  </a:cubicBezTo>
-                  <a:cubicBezTo>
-                    <a:pt x="0" y="4"/>
-                    <a:pt x="0" y="3"/>
-                    <a:pt x="1" y="2"/>
-                  </a:cubicBezTo>
-                  <a:cubicBezTo>
-                    <a:pt x="2" y="1"/>
-                    <a:pt x="3" y="0"/>
-                    <a:pt x="5" y="0"/>
-                  </a:cubicBezTo>
-                  <a:cubicBezTo>
-                    <a:pt x="42" y="0"/>
-                    <a:pt x="42" y="0"/>
-                    <a:pt x="42" y="0"/>
-                  </a:cubicBezTo>
-                  <a:cubicBezTo>
-                    <a:pt x="44" y="0"/>
-                    <a:pt x="45" y="1"/>
-                    <a:pt x="46" y="2"/>
-                  </a:cubicBezTo>
-                  <a:cubicBezTo>
-                    <a:pt x="47" y="3"/>
-                    <a:pt x="47" y="4"/>
-                    <a:pt x="47" y="5"/>
-                  </a:cubicBezTo>
-                  <a:lnTo>
-                    <a:pt x="47" y="128"/>
-                  </a:lnTo>
-                  <a:close/>
-                </a:path>
-              </a:pathLst>
-            </a:custGeom>
-            <a:grpFill/>
-            <a:ln>
-              <a:noFill/>
-            </a:ln>
-            <a:extLst>
-              <a:ext uri="{91240B29-F687-4F45-9708-019B960494DF}">
-                <a14:hiddenLine xmlns:a14="http://schemas.microsoft.com/office/drawing/2010/main" w="9525">
-                  <a:solidFill>
-                    <a:srgbClr val="000000"/>
-                  </a:solidFill>
-                  <a:round/>
-                </a14:hiddenLine>
-              </a:ext>
-            </a:extLst>
-          </p:spPr>
-          <p:txBody>
-            <a:bodyPr vert="horz" wrap="square" lIns="91440" tIns="45720" rIns="91440" bIns="45720" numCol="1" anchor="t" anchorCtr="0" compatLnSpc="1"/>
-            <a:lstStyle/>
-            <a:p>
-              <a:endParaRPr lang="zh-CN" altLang="en-US">
-                <a:solidFill>
-                  <a:schemeClr val="bg1"/>
-                </a:solidFill>
-              </a:endParaRPr>
-            </a:p>
-          </p:txBody>
-        </p:sp>
-        <p:sp>
-          <p:nvSpPr>
-            <p:cNvPr id="20" name="Freeform 17"/>
-            <p:cNvSpPr/>
-            <p:nvPr/>
-          </p:nvSpPr>
-          <p:spPr bwMode="auto">
-            <a:xfrm>
-              <a:off x="1821" y="1353"/>
-              <a:ext cx="48" cy="89"/>
-            </a:xfrm>
-            <a:custGeom>
-              <a:avLst/>
-              <a:gdLst>
-                <a:gd name="T0" fmla="*/ 48 w 48"/>
-                <a:gd name="T1" fmla="*/ 89 h 89"/>
-                <a:gd name="T2" fmla="*/ 0 w 48"/>
-                <a:gd name="T3" fmla="*/ 89 h 89"/>
-                <a:gd name="T4" fmla="*/ 0 w 48"/>
-                <a:gd name="T5" fmla="*/ 6 h 89"/>
-                <a:gd name="T6" fmla="*/ 1 w 48"/>
-                <a:gd name="T7" fmla="*/ 2 h 89"/>
-                <a:gd name="T8" fmla="*/ 5 w 48"/>
-                <a:gd name="T9" fmla="*/ 0 h 89"/>
-                <a:gd name="T10" fmla="*/ 43 w 48"/>
-                <a:gd name="T11" fmla="*/ 0 h 89"/>
-                <a:gd name="T12" fmla="*/ 46 w 48"/>
-                <a:gd name="T13" fmla="*/ 2 h 89"/>
-                <a:gd name="T14" fmla="*/ 48 w 48"/>
-                <a:gd name="T15" fmla="*/ 6 h 89"/>
-                <a:gd name="T16" fmla="*/ 48 w 48"/>
-                <a:gd name="T17" fmla="*/ 89 h 89"/>
-              </a:gdLst>
-              <a:ahLst/>
-              <a:cxnLst>
-                <a:cxn ang="0">
-                  <a:pos x="T0" y="T1"/>
-                </a:cxn>
-                <a:cxn ang="0">
-                  <a:pos x="T2" y="T3"/>
-                </a:cxn>
-                <a:cxn ang="0">
-                  <a:pos x="T4" y="T5"/>
-                </a:cxn>
-                <a:cxn ang="0">
-                  <a:pos x="T6" y="T7"/>
-                </a:cxn>
-                <a:cxn ang="0">
-                  <a:pos x="T8" y="T9"/>
-                </a:cxn>
-                <a:cxn ang="0">
-                  <a:pos x="T10" y="T11"/>
-                </a:cxn>
-                <a:cxn ang="0">
-                  <a:pos x="T12" y="T13"/>
-                </a:cxn>
-                <a:cxn ang="0">
-                  <a:pos x="T14" y="T15"/>
-                </a:cxn>
-                <a:cxn ang="0">
-                  <a:pos x="T16" y="T17"/>
-                </a:cxn>
-              </a:cxnLst>
-              <a:rect l="0" t="0" r="r" b="b"/>
-              <a:pathLst>
-                <a:path w="48" h="89">
-                  <a:moveTo>
-                    <a:pt x="48" y="89"/>
-                  </a:moveTo>
-                  <a:cubicBezTo>
-                    <a:pt x="0" y="89"/>
-                    <a:pt x="0" y="89"/>
-                    <a:pt x="0" y="89"/>
-                  </a:cubicBezTo>
-                  <a:cubicBezTo>
-                    <a:pt x="0" y="6"/>
-                    <a:pt x="0" y="6"/>
-                    <a:pt x="0" y="6"/>
-                  </a:cubicBezTo>
-                  <a:cubicBezTo>
-                    <a:pt x="0" y="4"/>
-                    <a:pt x="0" y="3"/>
-                    <a:pt x="1" y="2"/>
-                  </a:cubicBezTo>
-                  <a:cubicBezTo>
-                    <a:pt x="2" y="1"/>
-                    <a:pt x="4" y="0"/>
-                    <a:pt x="5" y="0"/>
-                  </a:cubicBezTo>
-                  <a:cubicBezTo>
-                    <a:pt x="43" y="0"/>
-                    <a:pt x="43" y="0"/>
-                    <a:pt x="43" y="0"/>
-                  </a:cubicBezTo>
-                  <a:cubicBezTo>
-                    <a:pt x="44" y="0"/>
-                    <a:pt x="45" y="1"/>
-                    <a:pt x="46" y="2"/>
-                  </a:cubicBezTo>
-                  <a:cubicBezTo>
-                    <a:pt x="47" y="3"/>
-                    <a:pt x="48" y="4"/>
-                    <a:pt x="48" y="6"/>
-                  </a:cubicBezTo>
-                  <a:cubicBezTo>
-                    <a:pt x="48" y="89"/>
-                    <a:pt x="48" y="89"/>
-                    <a:pt x="48" y="89"/>
-                  </a:cubicBezTo>
-                  <a:close/>
-                </a:path>
-              </a:pathLst>
-            </a:custGeom>
-            <a:grpFill/>
-            <a:ln>
-              <a:noFill/>
-            </a:ln>
-            <a:extLst>
-              <a:ext uri="{91240B29-F687-4F45-9708-019B960494DF}">
-                <a14:hiddenLine xmlns:a14="http://schemas.microsoft.com/office/drawing/2010/main" w="9525">
-                  <a:solidFill>
-                    <a:srgbClr val="000000"/>
-                  </a:solidFill>
-                  <a:round/>
-                </a14:hiddenLine>
-              </a:ext>
-            </a:extLst>
-          </p:spPr>
-          <p:txBody>
-            <a:bodyPr vert="horz" wrap="square" lIns="91440" tIns="45720" rIns="91440" bIns="45720" numCol="1" anchor="t" anchorCtr="0" compatLnSpc="1"/>
-            <a:lstStyle/>
-            <a:p>
-              <a:endParaRPr lang="zh-CN" altLang="en-US">
-                <a:solidFill>
-                  <a:schemeClr val="bg1"/>
-                </a:solidFill>
-              </a:endParaRPr>
-            </a:p>
-          </p:txBody>
-        </p:sp>
-        <p:sp>
-          <p:nvSpPr>
-            <p:cNvPr id="21" name="Freeform 18"/>
-            <p:cNvSpPr/>
-            <p:nvPr/>
-          </p:nvSpPr>
-          <p:spPr bwMode="auto">
-            <a:xfrm>
-              <a:off x="1901" y="1205"/>
-              <a:ext cx="84" cy="237"/>
-            </a:xfrm>
-            <a:custGeom>
-              <a:avLst/>
-              <a:gdLst>
-                <a:gd name="T0" fmla="*/ 79 w 84"/>
-                <a:gd name="T1" fmla="*/ 64 h 237"/>
-                <a:gd name="T2" fmla="*/ 84 w 84"/>
-                <a:gd name="T3" fmla="*/ 62 h 237"/>
-                <a:gd name="T4" fmla="*/ 83 w 84"/>
-                <a:gd name="T5" fmla="*/ 56 h 237"/>
-                <a:gd name="T6" fmla="*/ 46 w 84"/>
-                <a:gd name="T7" fmla="*/ 2 h 237"/>
-                <a:gd name="T8" fmla="*/ 42 w 84"/>
-                <a:gd name="T9" fmla="*/ 0 h 237"/>
-                <a:gd name="T10" fmla="*/ 38 w 84"/>
-                <a:gd name="T11" fmla="*/ 2 h 237"/>
-                <a:gd name="T12" fmla="*/ 1 w 84"/>
-                <a:gd name="T13" fmla="*/ 56 h 237"/>
-                <a:gd name="T14" fmla="*/ 1 w 84"/>
-                <a:gd name="T15" fmla="*/ 62 h 237"/>
-                <a:gd name="T16" fmla="*/ 5 w 84"/>
-                <a:gd name="T17" fmla="*/ 64 h 237"/>
-                <a:gd name="T18" fmla="*/ 18 w 84"/>
-                <a:gd name="T19" fmla="*/ 64 h 237"/>
-                <a:gd name="T20" fmla="*/ 18 w 84"/>
-                <a:gd name="T21" fmla="*/ 237 h 237"/>
-                <a:gd name="T22" fmla="*/ 66 w 84"/>
-                <a:gd name="T23" fmla="*/ 237 h 237"/>
-                <a:gd name="T24" fmla="*/ 66 w 84"/>
-                <a:gd name="T25" fmla="*/ 64 h 237"/>
-                <a:gd name="T26" fmla="*/ 79 w 84"/>
-                <a:gd name="T27" fmla="*/ 64 h 237"/>
-              </a:gdLst>
-              <a:ahLst/>
-              <a:cxnLst>
-                <a:cxn ang="0">
-                  <a:pos x="T0" y="T1"/>
-                </a:cxn>
-                <a:cxn ang="0">
-                  <a:pos x="T2" y="T3"/>
-                </a:cxn>
-                <a:cxn ang="0">
-                  <a:pos x="T4" y="T5"/>
-                </a:cxn>
-                <a:cxn ang="0">
-                  <a:pos x="T6" y="T7"/>
-                </a:cxn>
-                <a:cxn ang="0">
-                  <a:pos x="T8" y="T9"/>
-                </a:cxn>
-                <a:cxn ang="0">
-                  <a:pos x="T10" y="T11"/>
-                </a:cxn>
-                <a:cxn ang="0">
-                  <a:pos x="T12" y="T13"/>
-                </a:cxn>
-                <a:cxn ang="0">
-                  <a:pos x="T14" y="T15"/>
-                </a:cxn>
-                <a:cxn ang="0">
-                  <a:pos x="T16" y="T17"/>
-                </a:cxn>
-                <a:cxn ang="0">
-                  <a:pos x="T18" y="T19"/>
-                </a:cxn>
-                <a:cxn ang="0">
-                  <a:pos x="T20" y="T21"/>
-                </a:cxn>
-                <a:cxn ang="0">
-                  <a:pos x="T22" y="T23"/>
-                </a:cxn>
-                <a:cxn ang="0">
-                  <a:pos x="T24" y="T25"/>
-                </a:cxn>
-                <a:cxn ang="0">
-                  <a:pos x="T26" y="T27"/>
-                </a:cxn>
-              </a:cxnLst>
-              <a:rect l="0" t="0" r="r" b="b"/>
-              <a:pathLst>
-                <a:path w="84" h="237">
-                  <a:moveTo>
-                    <a:pt x="79" y="64"/>
-                  </a:moveTo>
-                  <a:cubicBezTo>
-                    <a:pt x="81" y="64"/>
-                    <a:pt x="83" y="63"/>
-                    <a:pt x="84" y="62"/>
-                  </a:cubicBezTo>
-                  <a:cubicBezTo>
-                    <a:pt x="84" y="60"/>
-                    <a:pt x="84" y="58"/>
-                    <a:pt x="83" y="56"/>
-                  </a:cubicBezTo>
-                  <a:cubicBezTo>
-                    <a:pt x="46" y="2"/>
-                    <a:pt x="46" y="2"/>
-                    <a:pt x="46" y="2"/>
-                  </a:cubicBezTo>
-                  <a:cubicBezTo>
-                    <a:pt x="45" y="1"/>
-                    <a:pt x="44" y="0"/>
-                    <a:pt x="42" y="0"/>
-                  </a:cubicBezTo>
-                  <a:cubicBezTo>
-                    <a:pt x="40" y="0"/>
-                    <a:pt x="39" y="1"/>
-                    <a:pt x="38" y="2"/>
-                  </a:cubicBezTo>
-                  <a:cubicBezTo>
-                    <a:pt x="1" y="56"/>
-                    <a:pt x="1" y="56"/>
-                    <a:pt x="1" y="56"/>
-                  </a:cubicBezTo>
-                  <a:cubicBezTo>
-                    <a:pt x="0" y="58"/>
-                    <a:pt x="0" y="60"/>
-                    <a:pt x="1" y="62"/>
-                  </a:cubicBezTo>
-                  <a:cubicBezTo>
-                    <a:pt x="1" y="63"/>
-                    <a:pt x="3" y="64"/>
-                    <a:pt x="5" y="64"/>
-                  </a:cubicBezTo>
-                  <a:cubicBezTo>
-                    <a:pt x="18" y="64"/>
-                    <a:pt x="18" y="64"/>
-                    <a:pt x="18" y="64"/>
-                  </a:cubicBezTo>
-                  <a:cubicBezTo>
-                    <a:pt x="18" y="237"/>
-                    <a:pt x="18" y="237"/>
-                    <a:pt x="18" y="237"/>
-                  </a:cubicBezTo>
-                  <a:cubicBezTo>
-                    <a:pt x="66" y="237"/>
-                    <a:pt x="66" y="237"/>
-                    <a:pt x="66" y="237"/>
-                  </a:cubicBezTo>
-                  <a:cubicBezTo>
-                    <a:pt x="66" y="64"/>
-                    <a:pt x="66" y="64"/>
-                    <a:pt x="66" y="64"/>
-                  </a:cubicBezTo>
-                  <a:lnTo>
-                    <a:pt x="79" y="64"/>
-                  </a:lnTo>
-                  <a:close/>
-                </a:path>
-              </a:pathLst>
-            </a:custGeom>
-            <a:grpFill/>
-            <a:ln>
-              <a:noFill/>
-            </a:ln>
-            <a:extLst>
-              <a:ext uri="{91240B29-F687-4F45-9708-019B960494DF}">
-                <a14:hiddenLine xmlns:a14="http://schemas.microsoft.com/office/drawing/2010/main" w="9525">
-                  <a:solidFill>
-                    <a:srgbClr val="000000"/>
-                  </a:solidFill>
-                  <a:round/>
-                </a14:hiddenLine>
-              </a:ext>
-            </a:extLst>
-          </p:spPr>
-          <p:txBody>
-            <a:bodyPr vert="horz" wrap="square" lIns="91440" tIns="45720" rIns="91440" bIns="45720" numCol="1" anchor="t" anchorCtr="0" compatLnSpc="1"/>
-            <a:lstStyle/>
-            <a:p>
-              <a:endParaRPr lang="zh-CN" altLang="en-US">
-                <a:solidFill>
-                  <a:schemeClr val="bg1"/>
-                </a:solidFill>
-              </a:endParaRPr>
-            </a:p>
-          </p:txBody>
-        </p:sp>
-        <p:sp>
-          <p:nvSpPr>
-            <p:cNvPr id="22" name="Freeform 19"/>
-            <p:cNvSpPr/>
-            <p:nvPr/>
-          </p:nvSpPr>
-          <p:spPr bwMode="auto">
-            <a:xfrm>
-              <a:off x="1552" y="1187"/>
-              <a:ext cx="510" cy="276"/>
-            </a:xfrm>
-            <a:custGeom>
-              <a:avLst/>
-              <a:gdLst>
-                <a:gd name="T0" fmla="*/ 8 w 512"/>
-                <a:gd name="T1" fmla="*/ 268 h 276"/>
-                <a:gd name="T2" fmla="*/ 8 w 512"/>
-                <a:gd name="T3" fmla="*/ 4 h 276"/>
-                <a:gd name="T4" fmla="*/ 7 w 512"/>
-                <a:gd name="T5" fmla="*/ 1 h 276"/>
-                <a:gd name="T6" fmla="*/ 4 w 512"/>
-                <a:gd name="T7" fmla="*/ 0 h 276"/>
-                <a:gd name="T8" fmla="*/ 4 w 512"/>
-                <a:gd name="T9" fmla="*/ 0 h 276"/>
-                <a:gd name="T10" fmla="*/ 1 w 512"/>
-                <a:gd name="T11" fmla="*/ 1 h 276"/>
-                <a:gd name="T12" fmla="*/ 0 w 512"/>
-                <a:gd name="T13" fmla="*/ 4 h 276"/>
-                <a:gd name="T14" fmla="*/ 0 w 512"/>
-                <a:gd name="T15" fmla="*/ 276 h 276"/>
-                <a:gd name="T16" fmla="*/ 508 w 512"/>
-                <a:gd name="T17" fmla="*/ 276 h 276"/>
-                <a:gd name="T18" fmla="*/ 511 w 512"/>
-                <a:gd name="T19" fmla="*/ 275 h 276"/>
-                <a:gd name="T20" fmla="*/ 512 w 512"/>
-                <a:gd name="T21" fmla="*/ 272 h 276"/>
-                <a:gd name="T22" fmla="*/ 512 w 512"/>
-                <a:gd name="T23" fmla="*/ 272 h 276"/>
-                <a:gd name="T24" fmla="*/ 511 w 512"/>
-                <a:gd name="T25" fmla="*/ 269 h 276"/>
-                <a:gd name="T26" fmla="*/ 508 w 512"/>
-                <a:gd name="T27" fmla="*/ 268 h 276"/>
-                <a:gd name="T28" fmla="*/ 8 w 512"/>
-                <a:gd name="T29" fmla="*/ 268 h 276"/>
-              </a:gdLst>
-              <a:ahLst/>
-              <a:cxnLst>
-                <a:cxn ang="0">
-                  <a:pos x="T0" y="T1"/>
-                </a:cxn>
-                <a:cxn ang="0">
-                  <a:pos x="T2" y="T3"/>
-                </a:cxn>
-                <a:cxn ang="0">
-                  <a:pos x="T4" y="T5"/>
-                </a:cxn>
-                <a:cxn ang="0">
-                  <a:pos x="T6" y="T7"/>
-                </a:cxn>
-                <a:cxn ang="0">
-                  <a:pos x="T8" y="T9"/>
-                </a:cxn>
-                <a:cxn ang="0">
-                  <a:pos x="T10" y="T11"/>
-                </a:cxn>
-                <a:cxn ang="0">
-                  <a:pos x="T12" y="T13"/>
-                </a:cxn>
-                <a:cxn ang="0">
-                  <a:pos x="T14" y="T15"/>
-                </a:cxn>
-                <a:cxn ang="0">
-                  <a:pos x="T16" y="T17"/>
-                </a:cxn>
-                <a:cxn ang="0">
-                  <a:pos x="T18" y="T19"/>
-                </a:cxn>
-                <a:cxn ang="0">
-                  <a:pos x="T20" y="T21"/>
-                </a:cxn>
-                <a:cxn ang="0">
-                  <a:pos x="T22" y="T23"/>
-                </a:cxn>
-                <a:cxn ang="0">
-                  <a:pos x="T24" y="T25"/>
-                </a:cxn>
-                <a:cxn ang="0">
-                  <a:pos x="T26" y="T27"/>
-                </a:cxn>
-                <a:cxn ang="0">
-                  <a:pos x="T28" y="T29"/>
-                </a:cxn>
-              </a:cxnLst>
-              <a:rect l="0" t="0" r="r" b="b"/>
-              <a:pathLst>
-                <a:path w="512" h="276">
-                  <a:moveTo>
-                    <a:pt x="8" y="268"/>
-                  </a:moveTo>
-                  <a:cubicBezTo>
-                    <a:pt x="8" y="4"/>
-                    <a:pt x="8" y="4"/>
-                    <a:pt x="8" y="4"/>
-                  </a:cubicBezTo>
-                  <a:cubicBezTo>
-                    <a:pt x="8" y="3"/>
-                    <a:pt x="8" y="2"/>
-                    <a:pt x="7" y="1"/>
-                  </a:cubicBezTo>
-                  <a:cubicBezTo>
-                    <a:pt x="6" y="1"/>
-                    <a:pt x="5" y="0"/>
-                    <a:pt x="4" y="0"/>
-                  </a:cubicBezTo>
-                  <a:cubicBezTo>
-                    <a:pt x="4" y="0"/>
-                    <a:pt x="4" y="0"/>
-                    <a:pt x="4" y="0"/>
-                  </a:cubicBezTo>
-                  <a:cubicBezTo>
-                    <a:pt x="3" y="0"/>
-                    <a:pt x="2" y="1"/>
-                    <a:pt x="1" y="1"/>
-                  </a:cubicBezTo>
-                  <a:cubicBezTo>
-                    <a:pt x="0" y="2"/>
-                    <a:pt x="0" y="3"/>
-                    <a:pt x="0" y="4"/>
-                  </a:cubicBezTo>
-                  <a:cubicBezTo>
-                    <a:pt x="0" y="276"/>
-                    <a:pt x="0" y="276"/>
-                    <a:pt x="0" y="276"/>
-                  </a:cubicBezTo>
-                  <a:cubicBezTo>
-                    <a:pt x="508" y="276"/>
-                    <a:pt x="508" y="276"/>
-                    <a:pt x="508" y="276"/>
-                  </a:cubicBezTo>
-                  <a:cubicBezTo>
-                    <a:pt x="509" y="276"/>
-                    <a:pt x="510" y="276"/>
-                    <a:pt x="511" y="275"/>
-                  </a:cubicBezTo>
-                  <a:cubicBezTo>
-                    <a:pt x="512" y="274"/>
-                    <a:pt x="512" y="273"/>
-                    <a:pt x="512" y="272"/>
-                  </a:cubicBezTo>
-                  <a:cubicBezTo>
-                    <a:pt x="512" y="272"/>
-                    <a:pt x="512" y="272"/>
-                    <a:pt x="512" y="272"/>
-                  </a:cubicBezTo>
-                  <a:cubicBezTo>
-                    <a:pt x="512" y="271"/>
-                    <a:pt x="512" y="270"/>
-                    <a:pt x="511" y="269"/>
-                  </a:cubicBezTo>
-                  <a:cubicBezTo>
-                    <a:pt x="510" y="268"/>
-                    <a:pt x="509" y="268"/>
-                    <a:pt x="508" y="268"/>
-                  </a:cubicBezTo>
-                  <a:cubicBezTo>
-                    <a:pt x="8" y="268"/>
-                    <a:pt x="8" y="268"/>
-                    <a:pt x="8" y="268"/>
-                  </a:cubicBezTo>
-                  <a:close/>
-                </a:path>
-              </a:pathLst>
-            </a:custGeom>
-            <a:grpFill/>
-            <a:ln>
-              <a:noFill/>
-            </a:ln>
-            <a:extLst>
-              <a:ext uri="{91240B29-F687-4F45-9708-019B960494DF}">
-                <a14:hiddenLine xmlns:a14="http://schemas.microsoft.com/office/drawing/2010/main" w="9525">
-                  <a:solidFill>
-                    <a:srgbClr val="000000"/>
-                  </a:solidFill>
-                  <a:round/>
-                </a14:hiddenLine>
-              </a:ext>
-            </a:extLst>
-          </p:spPr>
-          <p:txBody>
-            <a:bodyPr vert="horz" wrap="square" lIns="91440" tIns="45720" rIns="91440" bIns="45720" numCol="1" anchor="t" anchorCtr="0" compatLnSpc="1"/>
-            <a:lstStyle/>
-            <a:p>
-              <a:endParaRPr lang="zh-CN" altLang="en-US">
-                <a:solidFill>
-                  <a:schemeClr val="bg1"/>
-                </a:solidFill>
-              </a:endParaRPr>
-            </a:p>
-          </p:txBody>
-        </p:sp>
-      </p:grpSp>
-      <p:grpSp>
-        <p:nvGrpSpPr>
-          <p:cNvPr id="23" name="Group 121"/>
-          <p:cNvGrpSpPr>
-            <a:grpSpLocks noChangeAspect="1"/>
-          </p:cNvGrpSpPr>
-          <p:nvPr/>
-        </p:nvGrpSpPr>
-        <p:grpSpPr bwMode="auto">
-          <a:xfrm>
-            <a:off x="1822608" y="2391040"/>
-            <a:ext cx="754758" cy="642396"/>
-            <a:chOff x="515" y="3088"/>
-            <a:chExt cx="665" cy="566"/>
-          </a:xfrm>
-          <a:solidFill>
-            <a:schemeClr val="tx1">
-              <a:lumMod val="75000"/>
-              <a:lumOff val="25000"/>
-            </a:schemeClr>
-          </a:solidFill>
-        </p:grpSpPr>
-        <p:sp>
-          <p:nvSpPr>
-            <p:cNvPr id="24" name="Freeform 122"/>
-            <p:cNvSpPr/>
-            <p:nvPr/>
-          </p:nvSpPr>
-          <p:spPr bwMode="auto">
-            <a:xfrm>
-              <a:off x="706" y="3550"/>
-              <a:ext cx="283" cy="104"/>
-            </a:xfrm>
-            <a:custGeom>
-              <a:avLst/>
-              <a:gdLst>
-                <a:gd name="T0" fmla="*/ 269 w 340"/>
-                <a:gd name="T1" fmla="*/ 71 h 125"/>
-                <a:gd name="T2" fmla="*/ 269 w 340"/>
-                <a:gd name="T3" fmla="*/ 12 h 125"/>
-                <a:gd name="T4" fmla="*/ 266 w 340"/>
-                <a:gd name="T5" fmla="*/ 3 h 125"/>
-                <a:gd name="T6" fmla="*/ 257 w 340"/>
-                <a:gd name="T7" fmla="*/ 0 h 125"/>
-                <a:gd name="T8" fmla="*/ 83 w 340"/>
-                <a:gd name="T9" fmla="*/ 0 h 125"/>
-                <a:gd name="T10" fmla="*/ 74 w 340"/>
-                <a:gd name="T11" fmla="*/ 3 h 125"/>
-                <a:gd name="T12" fmla="*/ 71 w 340"/>
-                <a:gd name="T13" fmla="*/ 12 h 125"/>
-                <a:gd name="T14" fmla="*/ 71 w 340"/>
-                <a:gd name="T15" fmla="*/ 71 h 125"/>
-                <a:gd name="T16" fmla="*/ 2 w 340"/>
-                <a:gd name="T17" fmla="*/ 108 h 125"/>
-                <a:gd name="T18" fmla="*/ 1 w 340"/>
-                <a:gd name="T19" fmla="*/ 110 h 125"/>
-                <a:gd name="T20" fmla="*/ 0 w 340"/>
-                <a:gd name="T21" fmla="*/ 112 h 125"/>
-                <a:gd name="T22" fmla="*/ 0 w 340"/>
-                <a:gd name="T23" fmla="*/ 120 h 125"/>
-                <a:gd name="T24" fmla="*/ 1 w 340"/>
-                <a:gd name="T25" fmla="*/ 124 h 125"/>
-                <a:gd name="T26" fmla="*/ 5 w 340"/>
-                <a:gd name="T27" fmla="*/ 125 h 125"/>
-                <a:gd name="T28" fmla="*/ 335 w 340"/>
-                <a:gd name="T29" fmla="*/ 125 h 125"/>
-                <a:gd name="T30" fmla="*/ 339 w 340"/>
-                <a:gd name="T31" fmla="*/ 124 h 125"/>
-                <a:gd name="T32" fmla="*/ 340 w 340"/>
-                <a:gd name="T33" fmla="*/ 120 h 125"/>
-                <a:gd name="T34" fmla="*/ 340 w 340"/>
-                <a:gd name="T35" fmla="*/ 112 h 125"/>
-                <a:gd name="T36" fmla="*/ 339 w 340"/>
-                <a:gd name="T37" fmla="*/ 110 h 125"/>
-                <a:gd name="T38" fmla="*/ 338 w 340"/>
-                <a:gd name="T39" fmla="*/ 108 h 125"/>
-                <a:gd name="T40" fmla="*/ 269 w 340"/>
-                <a:gd name="T41" fmla="*/ 71 h 125"/>
-              </a:gdLst>
-              <a:ahLst/>
-              <a:cxnLst>
-                <a:cxn ang="0">
-                  <a:pos x="T0" y="T1"/>
-                </a:cxn>
-                <a:cxn ang="0">
-                  <a:pos x="T2" y="T3"/>
-                </a:cxn>
-                <a:cxn ang="0">
-                  <a:pos x="T4" y="T5"/>
-                </a:cxn>
-                <a:cxn ang="0">
-                  <a:pos x="T6" y="T7"/>
-                </a:cxn>
-                <a:cxn ang="0">
-                  <a:pos x="T8" y="T9"/>
-                </a:cxn>
-                <a:cxn ang="0">
-                  <a:pos x="T10" y="T11"/>
-                </a:cxn>
-                <a:cxn ang="0">
-                  <a:pos x="T12" y="T13"/>
-                </a:cxn>
-                <a:cxn ang="0">
-                  <a:pos x="T14" y="T15"/>
-                </a:cxn>
-                <a:cxn ang="0">
-                  <a:pos x="T16" y="T17"/>
-                </a:cxn>
-                <a:cxn ang="0">
-                  <a:pos x="T18" y="T19"/>
-                </a:cxn>
-                <a:cxn ang="0">
-                  <a:pos x="T20" y="T21"/>
-                </a:cxn>
-                <a:cxn ang="0">
-                  <a:pos x="T22" y="T23"/>
-                </a:cxn>
-                <a:cxn ang="0">
-                  <a:pos x="T24" y="T25"/>
-                </a:cxn>
-                <a:cxn ang="0">
-                  <a:pos x="T26" y="T27"/>
-                </a:cxn>
-                <a:cxn ang="0">
-                  <a:pos x="T28" y="T29"/>
-                </a:cxn>
-                <a:cxn ang="0">
-                  <a:pos x="T30" y="T31"/>
-                </a:cxn>
-                <a:cxn ang="0">
-                  <a:pos x="T32" y="T33"/>
-                </a:cxn>
-                <a:cxn ang="0">
-                  <a:pos x="T34" y="T35"/>
-                </a:cxn>
-                <a:cxn ang="0">
-                  <a:pos x="T36" y="T37"/>
-                </a:cxn>
-                <a:cxn ang="0">
-                  <a:pos x="T38" y="T39"/>
-                </a:cxn>
-                <a:cxn ang="0">
-                  <a:pos x="T40" y="T41"/>
-                </a:cxn>
-              </a:cxnLst>
-              <a:rect l="0" t="0" r="r" b="b"/>
-              <a:pathLst>
-                <a:path w="340" h="125">
-                  <a:moveTo>
-                    <a:pt x="269" y="71"/>
-                  </a:moveTo>
-                  <a:cubicBezTo>
-                    <a:pt x="269" y="12"/>
-                    <a:pt x="269" y="12"/>
-                    <a:pt x="269" y="12"/>
-                  </a:cubicBezTo>
-                  <a:cubicBezTo>
-                    <a:pt x="269" y="9"/>
-                    <a:pt x="268" y="6"/>
-                    <a:pt x="266" y="3"/>
-                  </a:cubicBezTo>
-                  <a:cubicBezTo>
-                    <a:pt x="263" y="1"/>
-                    <a:pt x="260" y="0"/>
-                    <a:pt x="257" y="0"/>
-                  </a:cubicBezTo>
-                  <a:cubicBezTo>
-                    <a:pt x="83" y="0"/>
-                    <a:pt x="83" y="0"/>
-                    <a:pt x="83" y="0"/>
-                  </a:cubicBezTo>
-                  <a:cubicBezTo>
-                    <a:pt x="80" y="0"/>
-                    <a:pt x="77" y="1"/>
-                    <a:pt x="74" y="3"/>
-                  </a:cubicBezTo>
-                  <a:cubicBezTo>
-                    <a:pt x="72" y="6"/>
-                    <a:pt x="71" y="9"/>
-                    <a:pt x="71" y="12"/>
-                  </a:cubicBezTo>
-                  <a:cubicBezTo>
-                    <a:pt x="71" y="71"/>
-                    <a:pt x="71" y="71"/>
-                    <a:pt x="71" y="71"/>
-                  </a:cubicBezTo>
-                  <a:cubicBezTo>
-                    <a:pt x="2" y="108"/>
-                    <a:pt x="2" y="108"/>
-                    <a:pt x="2" y="108"/>
-                  </a:cubicBezTo>
-                  <a:cubicBezTo>
-                    <a:pt x="2" y="109"/>
-                    <a:pt x="1" y="109"/>
-                    <a:pt x="1" y="110"/>
-                  </a:cubicBezTo>
-                  <a:cubicBezTo>
-                    <a:pt x="0" y="111"/>
-                    <a:pt x="0" y="111"/>
-                    <a:pt x="0" y="112"/>
-                  </a:cubicBezTo>
-                  <a:cubicBezTo>
-                    <a:pt x="0" y="120"/>
-                    <a:pt x="0" y="120"/>
-                    <a:pt x="0" y="120"/>
-                  </a:cubicBezTo>
-                  <a:cubicBezTo>
-                    <a:pt x="0" y="122"/>
-                    <a:pt x="1" y="123"/>
-                    <a:pt x="1" y="124"/>
-                  </a:cubicBezTo>
-                  <a:cubicBezTo>
-                    <a:pt x="2" y="124"/>
-                    <a:pt x="3" y="125"/>
-                    <a:pt x="5" y="125"/>
-                  </a:cubicBezTo>
-                  <a:cubicBezTo>
-                    <a:pt x="335" y="125"/>
-                    <a:pt x="335" y="125"/>
-                    <a:pt x="335" y="125"/>
-                  </a:cubicBezTo>
-                  <a:cubicBezTo>
-                    <a:pt x="337" y="125"/>
-                    <a:pt x="338" y="124"/>
-                    <a:pt x="339" y="124"/>
-                  </a:cubicBezTo>
-                  <a:cubicBezTo>
-                    <a:pt x="339" y="123"/>
-                    <a:pt x="340" y="122"/>
-                    <a:pt x="340" y="120"/>
-                  </a:cubicBezTo>
-                  <a:cubicBezTo>
-                    <a:pt x="340" y="112"/>
-                    <a:pt x="340" y="112"/>
-                    <a:pt x="340" y="112"/>
-                  </a:cubicBezTo>
-                  <a:cubicBezTo>
-                    <a:pt x="340" y="111"/>
-                    <a:pt x="340" y="111"/>
-                    <a:pt x="339" y="110"/>
-                  </a:cubicBezTo>
-                  <a:cubicBezTo>
-                    <a:pt x="339" y="109"/>
-                    <a:pt x="338" y="109"/>
-                    <a:pt x="338" y="108"/>
-                  </a:cubicBezTo>
-                  <a:lnTo>
-                    <a:pt x="269" y="71"/>
-                  </a:lnTo>
-                  <a:close/>
-                </a:path>
-              </a:pathLst>
-            </a:custGeom>
-            <a:grpFill/>
-            <a:ln>
-              <a:noFill/>
-            </a:ln>
-            <a:extLst>
-              <a:ext uri="{91240B29-F687-4F45-9708-019B960494DF}">
-                <a14:hiddenLine xmlns:a14="http://schemas.microsoft.com/office/drawing/2010/main" w="9525">
-                  <a:solidFill>
-                    <a:srgbClr val="000000"/>
-                  </a:solidFill>
-                  <a:round/>
-                </a14:hiddenLine>
-              </a:ext>
-            </a:extLst>
-          </p:spPr>
-          <p:txBody>
-            <a:bodyPr vert="horz" wrap="square" lIns="91440" tIns="45720" rIns="91440" bIns="45720" numCol="1" anchor="t" anchorCtr="0" compatLnSpc="1"/>
-            <a:lstStyle/>
-            <a:p>
-              <a:endParaRPr lang="zh-CN" altLang="en-US">
-                <a:solidFill>
-                  <a:schemeClr val="bg1"/>
-                </a:solidFill>
-              </a:endParaRPr>
-            </a:p>
-          </p:txBody>
-        </p:sp>
-        <p:sp>
-          <p:nvSpPr>
-            <p:cNvPr id="25" name="Freeform 123"/>
-            <p:cNvSpPr>
-              <a:spLocks noEditPoints="1"/>
-            </p:cNvSpPr>
-            <p:nvPr/>
-          </p:nvSpPr>
-          <p:spPr bwMode="auto">
-            <a:xfrm>
-              <a:off x="515" y="3088"/>
-              <a:ext cx="665" cy="449"/>
-            </a:xfrm>
-            <a:custGeom>
-              <a:avLst/>
-              <a:gdLst>
-                <a:gd name="T0" fmla="*/ 791 w 800"/>
-                <a:gd name="T1" fmla="*/ 9 h 539"/>
-                <a:gd name="T2" fmla="*/ 770 w 800"/>
-                <a:gd name="T3" fmla="*/ 0 h 539"/>
-                <a:gd name="T4" fmla="*/ 30 w 800"/>
-                <a:gd name="T5" fmla="*/ 0 h 539"/>
-                <a:gd name="T6" fmla="*/ 9 w 800"/>
-                <a:gd name="T7" fmla="*/ 9 h 539"/>
-                <a:gd name="T8" fmla="*/ 0 w 800"/>
-                <a:gd name="T9" fmla="*/ 30 h 539"/>
-                <a:gd name="T10" fmla="*/ 0 w 800"/>
-                <a:gd name="T11" fmla="*/ 509 h 539"/>
-                <a:gd name="T12" fmla="*/ 9 w 800"/>
-                <a:gd name="T13" fmla="*/ 530 h 539"/>
-                <a:gd name="T14" fmla="*/ 30 w 800"/>
-                <a:gd name="T15" fmla="*/ 539 h 539"/>
-                <a:gd name="T16" fmla="*/ 770 w 800"/>
-                <a:gd name="T17" fmla="*/ 539 h 539"/>
-                <a:gd name="T18" fmla="*/ 791 w 800"/>
-                <a:gd name="T19" fmla="*/ 530 h 539"/>
-                <a:gd name="T20" fmla="*/ 800 w 800"/>
-                <a:gd name="T21" fmla="*/ 509 h 539"/>
-                <a:gd name="T22" fmla="*/ 800 w 800"/>
-                <a:gd name="T23" fmla="*/ 30 h 539"/>
-                <a:gd name="T24" fmla="*/ 791 w 800"/>
-                <a:gd name="T25" fmla="*/ 9 h 539"/>
-                <a:gd name="T26" fmla="*/ 400 w 800"/>
-                <a:gd name="T27" fmla="*/ 526 h 539"/>
-                <a:gd name="T28" fmla="*/ 387 w 800"/>
-                <a:gd name="T29" fmla="*/ 513 h 539"/>
-                <a:gd name="T30" fmla="*/ 400 w 800"/>
-                <a:gd name="T31" fmla="*/ 500 h 539"/>
-                <a:gd name="T32" fmla="*/ 413 w 800"/>
-                <a:gd name="T33" fmla="*/ 513 h 539"/>
-                <a:gd name="T34" fmla="*/ 400 w 800"/>
-                <a:gd name="T35" fmla="*/ 526 h 539"/>
-                <a:gd name="T36" fmla="*/ 748 w 800"/>
-                <a:gd name="T37" fmla="*/ 487 h 539"/>
-                <a:gd name="T38" fmla="*/ 52 w 800"/>
-                <a:gd name="T39" fmla="*/ 487 h 539"/>
-                <a:gd name="T40" fmla="*/ 52 w 800"/>
-                <a:gd name="T41" fmla="*/ 52 h 539"/>
-                <a:gd name="T42" fmla="*/ 748 w 800"/>
-                <a:gd name="T43" fmla="*/ 52 h 539"/>
-                <a:gd name="T44" fmla="*/ 748 w 800"/>
-                <a:gd name="T45" fmla="*/ 487 h 539"/>
-              </a:gdLst>
-              <a:ahLst/>
-              <a:cxnLst>
-                <a:cxn ang="0">
-                  <a:pos x="T0" y="T1"/>
-                </a:cxn>
-                <a:cxn ang="0">
-                  <a:pos x="T2" y="T3"/>
-                </a:cxn>
-                <a:cxn ang="0">
-                  <a:pos x="T4" y="T5"/>
-                </a:cxn>
-                <a:cxn ang="0">
-                  <a:pos x="T6" y="T7"/>
-                </a:cxn>
-                <a:cxn ang="0">
-                  <a:pos x="T8" y="T9"/>
-                </a:cxn>
-                <a:cxn ang="0">
-                  <a:pos x="T10" y="T11"/>
-                </a:cxn>
-                <a:cxn ang="0">
-                  <a:pos x="T12" y="T13"/>
-                </a:cxn>
-                <a:cxn ang="0">
-                  <a:pos x="T14" y="T15"/>
-                </a:cxn>
-                <a:cxn ang="0">
-                  <a:pos x="T16" y="T17"/>
-                </a:cxn>
-                <a:cxn ang="0">
-                  <a:pos x="T18" y="T19"/>
-                </a:cxn>
-                <a:cxn ang="0">
-                  <a:pos x="T20" y="T21"/>
-                </a:cxn>
-                <a:cxn ang="0">
-                  <a:pos x="T22" y="T23"/>
-                </a:cxn>
-                <a:cxn ang="0">
-                  <a:pos x="T24" y="T25"/>
-                </a:cxn>
-                <a:cxn ang="0">
-                  <a:pos x="T26" y="T27"/>
-                </a:cxn>
-                <a:cxn ang="0">
-                  <a:pos x="T28" y="T29"/>
-                </a:cxn>
-                <a:cxn ang="0">
-                  <a:pos x="T30" y="T31"/>
-                </a:cxn>
-                <a:cxn ang="0">
-                  <a:pos x="T32" y="T33"/>
-                </a:cxn>
-                <a:cxn ang="0">
-                  <a:pos x="T34" y="T35"/>
-                </a:cxn>
-                <a:cxn ang="0">
-                  <a:pos x="T36" y="T37"/>
-                </a:cxn>
-                <a:cxn ang="0">
-                  <a:pos x="T38" y="T39"/>
-                </a:cxn>
-                <a:cxn ang="0">
-                  <a:pos x="T40" y="T41"/>
-                </a:cxn>
-                <a:cxn ang="0">
-                  <a:pos x="T42" y="T43"/>
-                </a:cxn>
-                <a:cxn ang="0">
-                  <a:pos x="T44" y="T45"/>
-                </a:cxn>
-              </a:cxnLst>
-              <a:rect l="0" t="0" r="r" b="b"/>
-              <a:pathLst>
-                <a:path w="800" h="539">
-                  <a:moveTo>
-                    <a:pt x="791" y="9"/>
-                  </a:moveTo>
-                  <a:cubicBezTo>
-                    <a:pt x="785" y="3"/>
-                    <a:pt x="778" y="0"/>
-                    <a:pt x="770" y="0"/>
-                  </a:cubicBezTo>
-                  <a:cubicBezTo>
-                    <a:pt x="30" y="0"/>
-                    <a:pt x="30" y="0"/>
-                    <a:pt x="30" y="0"/>
-                  </a:cubicBezTo>
-                  <a:cubicBezTo>
-                    <a:pt x="22" y="0"/>
-                    <a:pt x="15" y="3"/>
-                    <a:pt x="9" y="9"/>
-                  </a:cubicBezTo>
-                  <a:cubicBezTo>
-                    <a:pt x="3" y="15"/>
-                    <a:pt x="0" y="23"/>
-                    <a:pt x="0" y="30"/>
-                  </a:cubicBezTo>
-                  <a:cubicBezTo>
-                    <a:pt x="0" y="509"/>
-                    <a:pt x="0" y="509"/>
-                    <a:pt x="0" y="509"/>
-                  </a:cubicBezTo>
-                  <a:cubicBezTo>
-                    <a:pt x="0" y="517"/>
-                    <a:pt x="3" y="525"/>
-                    <a:pt x="9" y="530"/>
-                  </a:cubicBezTo>
-                  <a:cubicBezTo>
-                    <a:pt x="15" y="536"/>
-                    <a:pt x="22" y="539"/>
-                    <a:pt x="30" y="539"/>
-                  </a:cubicBezTo>
-                  <a:cubicBezTo>
-                    <a:pt x="770" y="539"/>
-                    <a:pt x="770" y="539"/>
-                    <a:pt x="770" y="539"/>
-                  </a:cubicBezTo>
-                  <a:cubicBezTo>
-                    <a:pt x="778" y="539"/>
-                    <a:pt x="785" y="536"/>
-                    <a:pt x="791" y="530"/>
-                  </a:cubicBezTo>
-                  <a:cubicBezTo>
-                    <a:pt x="797" y="525"/>
-                    <a:pt x="800" y="517"/>
-                    <a:pt x="800" y="509"/>
-                  </a:cubicBezTo>
-                  <a:cubicBezTo>
-                    <a:pt x="800" y="30"/>
-                    <a:pt x="800" y="30"/>
-                    <a:pt x="800" y="30"/>
-                  </a:cubicBezTo>
-                  <a:cubicBezTo>
-                    <a:pt x="800" y="23"/>
-                    <a:pt x="797" y="15"/>
-                    <a:pt x="791" y="9"/>
-                  </a:cubicBezTo>
-                  <a:close/>
-                  <a:moveTo>
-                    <a:pt x="400" y="526"/>
-                  </a:moveTo>
-                  <a:cubicBezTo>
-                    <a:pt x="393" y="526"/>
-                    <a:pt x="387" y="521"/>
-                    <a:pt x="387" y="513"/>
-                  </a:cubicBezTo>
-                  <a:cubicBezTo>
-                    <a:pt x="387" y="506"/>
-                    <a:pt x="393" y="500"/>
-                    <a:pt x="400" y="500"/>
-                  </a:cubicBezTo>
-                  <a:cubicBezTo>
-                    <a:pt x="407" y="500"/>
-                    <a:pt x="413" y="506"/>
-                    <a:pt x="413" y="513"/>
-                  </a:cubicBezTo>
-                  <a:cubicBezTo>
-                    <a:pt x="413" y="521"/>
-                    <a:pt x="407" y="526"/>
-                    <a:pt x="400" y="526"/>
-                  </a:cubicBezTo>
-                  <a:close/>
-                  <a:moveTo>
-                    <a:pt x="748" y="487"/>
-                  </a:moveTo>
-                  <a:cubicBezTo>
-                    <a:pt x="52" y="487"/>
-                    <a:pt x="52" y="487"/>
-                    <a:pt x="52" y="487"/>
-                  </a:cubicBezTo>
-                  <a:cubicBezTo>
-                    <a:pt x="52" y="52"/>
-                    <a:pt x="52" y="52"/>
-                    <a:pt x="52" y="52"/>
-                  </a:cubicBezTo>
-                  <a:cubicBezTo>
-                    <a:pt x="748" y="52"/>
-                    <a:pt x="748" y="52"/>
-                    <a:pt x="748" y="52"/>
-                  </a:cubicBezTo>
-                  <a:lnTo>
-                    <a:pt x="748" y="487"/>
-                  </a:lnTo>
-                  <a:close/>
-                </a:path>
-              </a:pathLst>
-            </a:custGeom>
-            <a:grpFill/>
-            <a:ln>
-              <a:noFill/>
-            </a:ln>
-            <a:extLst>
-              <a:ext uri="{91240B29-F687-4F45-9708-019B960494DF}">
-                <a14:hiddenLine xmlns:a14="http://schemas.microsoft.com/office/drawing/2010/main" w="9525">
-                  <a:solidFill>
-                    <a:srgbClr val="000000"/>
-                  </a:solidFill>
-                  <a:round/>
-                </a14:hiddenLine>
-              </a:ext>
-            </a:extLst>
-          </p:spPr>
-          <p:txBody>
-            <a:bodyPr vert="horz" wrap="square" lIns="91440" tIns="45720" rIns="91440" bIns="45720" numCol="1" anchor="t" anchorCtr="0" compatLnSpc="1"/>
-            <a:lstStyle/>
-            <a:p>
-              <a:endParaRPr lang="zh-CN" altLang="en-US">
-                <a:solidFill>
-                  <a:schemeClr val="bg1"/>
-                </a:solidFill>
-              </a:endParaRPr>
-            </a:p>
-          </p:txBody>
-        </p:sp>
-        <p:sp>
-          <p:nvSpPr>
-            <p:cNvPr id="26" name="Freeform 124"/>
-            <p:cNvSpPr/>
-            <p:nvPr/>
-          </p:nvSpPr>
-          <p:spPr bwMode="auto">
-            <a:xfrm>
-              <a:off x="646" y="3459"/>
-              <a:ext cx="56" cy="9"/>
-            </a:xfrm>
-            <a:custGeom>
-              <a:avLst/>
-              <a:gdLst>
-                <a:gd name="T0" fmla="*/ 6 w 67"/>
-                <a:gd name="T1" fmla="*/ 0 h 11"/>
-                <a:gd name="T2" fmla="*/ 2 w 67"/>
-                <a:gd name="T3" fmla="*/ 2 h 11"/>
-                <a:gd name="T4" fmla="*/ 0 w 67"/>
-                <a:gd name="T5" fmla="*/ 6 h 11"/>
-                <a:gd name="T6" fmla="*/ 0 w 67"/>
-                <a:gd name="T7" fmla="*/ 11 h 11"/>
-                <a:gd name="T8" fmla="*/ 67 w 67"/>
-                <a:gd name="T9" fmla="*/ 11 h 11"/>
-                <a:gd name="T10" fmla="*/ 67 w 67"/>
-                <a:gd name="T11" fmla="*/ 6 h 11"/>
-                <a:gd name="T12" fmla="*/ 65 w 67"/>
-                <a:gd name="T13" fmla="*/ 2 h 11"/>
-                <a:gd name="T14" fmla="*/ 61 w 67"/>
-                <a:gd name="T15" fmla="*/ 0 h 11"/>
-                <a:gd name="T16" fmla="*/ 6 w 67"/>
-                <a:gd name="T17" fmla="*/ 0 h 11"/>
-              </a:gdLst>
-              <a:ahLst/>
-              <a:cxnLst>
-                <a:cxn ang="0">
-                  <a:pos x="T0" y="T1"/>
-                </a:cxn>
-                <a:cxn ang="0">
-                  <a:pos x="T2" y="T3"/>
-                </a:cxn>
-                <a:cxn ang="0">
-                  <a:pos x="T4" y="T5"/>
-                </a:cxn>
-                <a:cxn ang="0">
-                  <a:pos x="T6" y="T7"/>
-                </a:cxn>
-                <a:cxn ang="0">
-                  <a:pos x="T8" y="T9"/>
-                </a:cxn>
-                <a:cxn ang="0">
-                  <a:pos x="T10" y="T11"/>
-                </a:cxn>
-                <a:cxn ang="0">
-                  <a:pos x="T12" y="T13"/>
-                </a:cxn>
-                <a:cxn ang="0">
-                  <a:pos x="T14" y="T15"/>
-                </a:cxn>
-                <a:cxn ang="0">
-                  <a:pos x="T16" y="T17"/>
-                </a:cxn>
-              </a:cxnLst>
-              <a:rect l="0" t="0" r="r" b="b"/>
-              <a:pathLst>
-                <a:path w="67" h="11">
-                  <a:moveTo>
-                    <a:pt x="6" y="0"/>
-                  </a:moveTo>
-                  <a:cubicBezTo>
-                    <a:pt x="4" y="0"/>
-                    <a:pt x="3" y="1"/>
-                    <a:pt x="2" y="2"/>
-                  </a:cubicBezTo>
-                  <a:cubicBezTo>
-                    <a:pt x="0" y="3"/>
-                    <a:pt x="0" y="5"/>
-                    <a:pt x="0" y="6"/>
-                  </a:cubicBezTo>
-                  <a:cubicBezTo>
-                    <a:pt x="0" y="11"/>
-                    <a:pt x="0" y="11"/>
-                    <a:pt x="0" y="11"/>
-                  </a:cubicBezTo>
-                  <a:cubicBezTo>
-                    <a:pt x="67" y="11"/>
-                    <a:pt x="67" y="11"/>
-                    <a:pt x="67" y="11"/>
-                  </a:cubicBezTo>
-                  <a:cubicBezTo>
-                    <a:pt x="67" y="6"/>
-                    <a:pt x="67" y="6"/>
-                    <a:pt x="67" y="6"/>
-                  </a:cubicBezTo>
-                  <a:cubicBezTo>
-                    <a:pt x="67" y="5"/>
-                    <a:pt x="66" y="3"/>
-                    <a:pt x="65" y="2"/>
-                  </a:cubicBezTo>
-                  <a:cubicBezTo>
-                    <a:pt x="64" y="1"/>
-                    <a:pt x="62" y="0"/>
-                    <a:pt x="61" y="0"/>
-                  </a:cubicBezTo>
-                  <a:lnTo>
-                    <a:pt x="6" y="0"/>
-                  </a:lnTo>
-                  <a:close/>
-                </a:path>
-              </a:pathLst>
-            </a:custGeom>
-            <a:grpFill/>
-            <a:ln>
-              <a:noFill/>
-            </a:ln>
-            <a:extLst>
-              <a:ext uri="{91240B29-F687-4F45-9708-019B960494DF}">
-                <a14:hiddenLine xmlns:a14="http://schemas.microsoft.com/office/drawing/2010/main" w="9525">
-                  <a:solidFill>
-                    <a:srgbClr val="000000"/>
-                  </a:solidFill>
-                  <a:round/>
-                </a14:hiddenLine>
-              </a:ext>
-            </a:extLst>
-          </p:spPr>
-          <p:txBody>
-            <a:bodyPr vert="horz" wrap="square" lIns="91440" tIns="45720" rIns="91440" bIns="45720" numCol="1" anchor="t" anchorCtr="0" compatLnSpc="1"/>
-            <a:lstStyle/>
-            <a:p>
-              <a:endParaRPr lang="zh-CN" altLang="en-US">
-                <a:solidFill>
-                  <a:schemeClr val="bg1"/>
-                </a:solidFill>
-              </a:endParaRPr>
-            </a:p>
-          </p:txBody>
-        </p:sp>
-        <p:sp>
-          <p:nvSpPr>
-            <p:cNvPr id="27" name="Freeform 125"/>
-            <p:cNvSpPr/>
-            <p:nvPr/>
-          </p:nvSpPr>
-          <p:spPr bwMode="auto">
-            <a:xfrm>
-              <a:off x="715" y="3395"/>
-              <a:ext cx="55" cy="73"/>
-            </a:xfrm>
-            <a:custGeom>
-              <a:avLst/>
-              <a:gdLst>
-                <a:gd name="T0" fmla="*/ 6 w 67"/>
-                <a:gd name="T1" fmla="*/ 0 h 88"/>
-                <a:gd name="T2" fmla="*/ 2 w 67"/>
-                <a:gd name="T3" fmla="*/ 1 h 88"/>
-                <a:gd name="T4" fmla="*/ 0 w 67"/>
-                <a:gd name="T5" fmla="*/ 6 h 88"/>
-                <a:gd name="T6" fmla="*/ 0 w 67"/>
-                <a:gd name="T7" fmla="*/ 88 h 88"/>
-                <a:gd name="T8" fmla="*/ 67 w 67"/>
-                <a:gd name="T9" fmla="*/ 88 h 88"/>
-                <a:gd name="T10" fmla="*/ 67 w 67"/>
-                <a:gd name="T11" fmla="*/ 6 h 88"/>
-                <a:gd name="T12" fmla="*/ 65 w 67"/>
-                <a:gd name="T13" fmla="*/ 1 h 88"/>
-                <a:gd name="T14" fmla="*/ 61 w 67"/>
-                <a:gd name="T15" fmla="*/ 0 h 88"/>
-                <a:gd name="T16" fmla="*/ 6 w 67"/>
-                <a:gd name="T17" fmla="*/ 0 h 88"/>
-              </a:gdLst>
-              <a:ahLst/>
-              <a:cxnLst>
-                <a:cxn ang="0">
-                  <a:pos x="T0" y="T1"/>
-                </a:cxn>
-                <a:cxn ang="0">
-                  <a:pos x="T2" y="T3"/>
-                </a:cxn>
-                <a:cxn ang="0">
-                  <a:pos x="T4" y="T5"/>
-                </a:cxn>
-                <a:cxn ang="0">
-                  <a:pos x="T6" y="T7"/>
-                </a:cxn>
-                <a:cxn ang="0">
-                  <a:pos x="T8" y="T9"/>
-                </a:cxn>
-                <a:cxn ang="0">
-                  <a:pos x="T10" y="T11"/>
-                </a:cxn>
-                <a:cxn ang="0">
-                  <a:pos x="T12" y="T13"/>
-                </a:cxn>
-                <a:cxn ang="0">
-                  <a:pos x="T14" y="T15"/>
-                </a:cxn>
-                <a:cxn ang="0">
-                  <a:pos x="T16" y="T17"/>
-                </a:cxn>
-              </a:cxnLst>
-              <a:rect l="0" t="0" r="r" b="b"/>
-              <a:pathLst>
-                <a:path w="67" h="88">
-                  <a:moveTo>
-                    <a:pt x="6" y="0"/>
-                  </a:moveTo>
-                  <a:cubicBezTo>
-                    <a:pt x="4" y="0"/>
-                    <a:pt x="3" y="0"/>
-                    <a:pt x="2" y="1"/>
-                  </a:cubicBezTo>
-                  <a:cubicBezTo>
-                    <a:pt x="0" y="3"/>
-                    <a:pt x="0" y="4"/>
-                    <a:pt x="0" y="6"/>
-                  </a:cubicBezTo>
-                  <a:cubicBezTo>
-                    <a:pt x="0" y="88"/>
-                    <a:pt x="0" y="88"/>
-                    <a:pt x="0" y="88"/>
-                  </a:cubicBezTo>
-                  <a:cubicBezTo>
-                    <a:pt x="67" y="88"/>
-                    <a:pt x="67" y="88"/>
-                    <a:pt x="67" y="88"/>
-                  </a:cubicBezTo>
-                  <a:cubicBezTo>
-                    <a:pt x="67" y="6"/>
-                    <a:pt x="67" y="6"/>
-                    <a:pt x="67" y="6"/>
-                  </a:cubicBezTo>
-                  <a:cubicBezTo>
-                    <a:pt x="67" y="4"/>
-                    <a:pt x="66" y="3"/>
-                    <a:pt x="65" y="1"/>
-                  </a:cubicBezTo>
-                  <a:cubicBezTo>
-                    <a:pt x="64" y="0"/>
-                    <a:pt x="62" y="0"/>
-                    <a:pt x="61" y="0"/>
-                  </a:cubicBezTo>
-                  <a:lnTo>
-                    <a:pt x="6" y="0"/>
-                  </a:lnTo>
-                  <a:close/>
-                </a:path>
-              </a:pathLst>
-            </a:custGeom>
-            <a:grpFill/>
-            <a:ln>
-              <a:noFill/>
-            </a:ln>
-            <a:extLst>
-              <a:ext uri="{91240B29-F687-4F45-9708-019B960494DF}">
-                <a14:hiddenLine xmlns:a14="http://schemas.microsoft.com/office/drawing/2010/main" w="9525">
-                  <a:solidFill>
-                    <a:srgbClr val="000000"/>
-                  </a:solidFill>
-                  <a:round/>
-                </a14:hiddenLine>
-              </a:ext>
-            </a:extLst>
-          </p:spPr>
-          <p:txBody>
-            <a:bodyPr vert="horz" wrap="square" lIns="91440" tIns="45720" rIns="91440" bIns="45720" numCol="1" anchor="t" anchorCtr="0" compatLnSpc="1"/>
-            <a:lstStyle/>
-            <a:p>
-              <a:endParaRPr lang="zh-CN" altLang="en-US">
-                <a:solidFill>
-                  <a:schemeClr val="bg1"/>
-                </a:solidFill>
-              </a:endParaRPr>
-            </a:p>
-          </p:txBody>
-        </p:sp>
-        <p:sp>
-          <p:nvSpPr>
-            <p:cNvPr id="28" name="Freeform 126"/>
-            <p:cNvSpPr/>
-            <p:nvPr/>
-          </p:nvSpPr>
-          <p:spPr bwMode="auto">
-            <a:xfrm>
-              <a:off x="783" y="3368"/>
-              <a:ext cx="55" cy="100"/>
-            </a:xfrm>
-            <a:custGeom>
-              <a:avLst/>
-              <a:gdLst>
-                <a:gd name="T0" fmla="*/ 6 w 67"/>
-                <a:gd name="T1" fmla="*/ 0 h 120"/>
-                <a:gd name="T2" fmla="*/ 2 w 67"/>
-                <a:gd name="T3" fmla="*/ 2 h 120"/>
-                <a:gd name="T4" fmla="*/ 0 w 67"/>
-                <a:gd name="T5" fmla="*/ 6 h 120"/>
-                <a:gd name="T6" fmla="*/ 0 w 67"/>
-                <a:gd name="T7" fmla="*/ 120 h 120"/>
-                <a:gd name="T8" fmla="*/ 67 w 67"/>
-                <a:gd name="T9" fmla="*/ 120 h 120"/>
-                <a:gd name="T10" fmla="*/ 67 w 67"/>
-                <a:gd name="T11" fmla="*/ 6 h 120"/>
-                <a:gd name="T12" fmla="*/ 65 w 67"/>
-                <a:gd name="T13" fmla="*/ 2 h 120"/>
-                <a:gd name="T14" fmla="*/ 61 w 67"/>
-                <a:gd name="T15" fmla="*/ 0 h 120"/>
-                <a:gd name="T16" fmla="*/ 6 w 67"/>
-                <a:gd name="T17" fmla="*/ 0 h 120"/>
-              </a:gdLst>
-              <a:ahLst/>
-              <a:cxnLst>
-                <a:cxn ang="0">
-                  <a:pos x="T0" y="T1"/>
-                </a:cxn>
-                <a:cxn ang="0">
-                  <a:pos x="T2" y="T3"/>
-                </a:cxn>
-                <a:cxn ang="0">
-                  <a:pos x="T4" y="T5"/>
-                </a:cxn>
-                <a:cxn ang="0">
-                  <a:pos x="T6" y="T7"/>
-                </a:cxn>
-                <a:cxn ang="0">
-                  <a:pos x="T8" y="T9"/>
-                </a:cxn>
-                <a:cxn ang="0">
-                  <a:pos x="T10" y="T11"/>
-                </a:cxn>
-                <a:cxn ang="0">
-                  <a:pos x="T12" y="T13"/>
-                </a:cxn>
-                <a:cxn ang="0">
-                  <a:pos x="T14" y="T15"/>
-                </a:cxn>
-                <a:cxn ang="0">
-                  <a:pos x="T16" y="T17"/>
-                </a:cxn>
-              </a:cxnLst>
-              <a:rect l="0" t="0" r="r" b="b"/>
-              <a:pathLst>
-                <a:path w="67" h="120">
-                  <a:moveTo>
-                    <a:pt x="6" y="0"/>
-                  </a:moveTo>
-                  <a:cubicBezTo>
-                    <a:pt x="4" y="0"/>
-                    <a:pt x="3" y="0"/>
-                    <a:pt x="2" y="2"/>
-                  </a:cubicBezTo>
-                  <a:cubicBezTo>
-                    <a:pt x="0" y="3"/>
-                    <a:pt x="0" y="4"/>
-                    <a:pt x="0" y="6"/>
-                  </a:cubicBezTo>
-                  <a:cubicBezTo>
-                    <a:pt x="0" y="120"/>
-                    <a:pt x="0" y="120"/>
-                    <a:pt x="0" y="120"/>
-                  </a:cubicBezTo>
-                  <a:cubicBezTo>
-                    <a:pt x="67" y="120"/>
-                    <a:pt x="67" y="120"/>
-                    <a:pt x="67" y="120"/>
-                  </a:cubicBezTo>
-                  <a:cubicBezTo>
-                    <a:pt x="67" y="6"/>
-                    <a:pt x="67" y="6"/>
-                    <a:pt x="67" y="6"/>
-                  </a:cubicBezTo>
-                  <a:cubicBezTo>
-                    <a:pt x="67" y="4"/>
-                    <a:pt x="66" y="3"/>
-                    <a:pt x="65" y="2"/>
-                  </a:cubicBezTo>
-                  <a:cubicBezTo>
-                    <a:pt x="64" y="0"/>
-                    <a:pt x="62" y="0"/>
-                    <a:pt x="61" y="0"/>
-                  </a:cubicBezTo>
-                  <a:lnTo>
-                    <a:pt x="6" y="0"/>
-                  </a:lnTo>
-                  <a:close/>
-                </a:path>
-              </a:pathLst>
-            </a:custGeom>
-            <a:grpFill/>
-            <a:ln>
-              <a:noFill/>
-            </a:ln>
-            <a:extLst>
-              <a:ext uri="{91240B29-F687-4F45-9708-019B960494DF}">
-                <a14:hiddenLine xmlns:a14="http://schemas.microsoft.com/office/drawing/2010/main" w="9525">
-                  <a:solidFill>
-                    <a:srgbClr val="000000"/>
-                  </a:solidFill>
-                  <a:round/>
-                </a14:hiddenLine>
-              </a:ext>
-            </a:extLst>
-          </p:spPr>
-          <p:txBody>
-            <a:bodyPr vert="horz" wrap="square" lIns="91440" tIns="45720" rIns="91440" bIns="45720" numCol="1" anchor="t" anchorCtr="0" compatLnSpc="1"/>
-            <a:lstStyle/>
-            <a:p>
-              <a:endParaRPr lang="zh-CN" altLang="en-US">
-                <a:solidFill>
-                  <a:schemeClr val="bg1"/>
-                </a:solidFill>
-              </a:endParaRPr>
-            </a:p>
-          </p:txBody>
-        </p:sp>
-        <p:sp>
-          <p:nvSpPr>
-            <p:cNvPr id="29" name="Freeform 127"/>
-            <p:cNvSpPr/>
-            <p:nvPr/>
-          </p:nvSpPr>
-          <p:spPr bwMode="auto">
-            <a:xfrm>
-              <a:off x="851" y="3379"/>
-              <a:ext cx="56" cy="89"/>
-            </a:xfrm>
-            <a:custGeom>
-              <a:avLst/>
-              <a:gdLst>
-                <a:gd name="T0" fmla="*/ 6 w 67"/>
-                <a:gd name="T1" fmla="*/ 0 h 107"/>
-                <a:gd name="T2" fmla="*/ 2 w 67"/>
-                <a:gd name="T3" fmla="*/ 2 h 107"/>
-                <a:gd name="T4" fmla="*/ 0 w 67"/>
-                <a:gd name="T5" fmla="*/ 6 h 107"/>
-                <a:gd name="T6" fmla="*/ 0 w 67"/>
-                <a:gd name="T7" fmla="*/ 107 h 107"/>
-                <a:gd name="T8" fmla="*/ 67 w 67"/>
-                <a:gd name="T9" fmla="*/ 107 h 107"/>
-                <a:gd name="T10" fmla="*/ 67 w 67"/>
-                <a:gd name="T11" fmla="*/ 6 h 107"/>
-                <a:gd name="T12" fmla="*/ 65 w 67"/>
-                <a:gd name="T13" fmla="*/ 2 h 107"/>
-                <a:gd name="T14" fmla="*/ 61 w 67"/>
-                <a:gd name="T15" fmla="*/ 0 h 107"/>
-                <a:gd name="T16" fmla="*/ 6 w 67"/>
-                <a:gd name="T17" fmla="*/ 0 h 107"/>
-              </a:gdLst>
-              <a:ahLst/>
-              <a:cxnLst>
-                <a:cxn ang="0">
-                  <a:pos x="T0" y="T1"/>
-                </a:cxn>
-                <a:cxn ang="0">
-                  <a:pos x="T2" y="T3"/>
-                </a:cxn>
-                <a:cxn ang="0">
-                  <a:pos x="T4" y="T5"/>
-                </a:cxn>
-                <a:cxn ang="0">
-                  <a:pos x="T6" y="T7"/>
-                </a:cxn>
-                <a:cxn ang="0">
-                  <a:pos x="T8" y="T9"/>
-                </a:cxn>
-                <a:cxn ang="0">
-                  <a:pos x="T10" y="T11"/>
-                </a:cxn>
-                <a:cxn ang="0">
-                  <a:pos x="T12" y="T13"/>
-                </a:cxn>
-                <a:cxn ang="0">
-                  <a:pos x="T14" y="T15"/>
-                </a:cxn>
-                <a:cxn ang="0">
-                  <a:pos x="T16" y="T17"/>
-                </a:cxn>
-              </a:cxnLst>
-              <a:rect l="0" t="0" r="r" b="b"/>
-              <a:pathLst>
-                <a:path w="67" h="107">
-                  <a:moveTo>
-                    <a:pt x="6" y="0"/>
-                  </a:moveTo>
-                  <a:cubicBezTo>
-                    <a:pt x="5" y="0"/>
-                    <a:pt x="3" y="0"/>
-                    <a:pt x="2" y="2"/>
-                  </a:cubicBezTo>
-                  <a:cubicBezTo>
-                    <a:pt x="0" y="3"/>
-                    <a:pt x="0" y="5"/>
-                    <a:pt x="0" y="6"/>
-                  </a:cubicBezTo>
-                  <a:cubicBezTo>
-                    <a:pt x="0" y="107"/>
-                    <a:pt x="0" y="107"/>
-                    <a:pt x="0" y="107"/>
-                  </a:cubicBezTo>
-                  <a:cubicBezTo>
-                    <a:pt x="67" y="107"/>
-                    <a:pt x="67" y="107"/>
-                    <a:pt x="67" y="107"/>
-                  </a:cubicBezTo>
-                  <a:cubicBezTo>
-                    <a:pt x="67" y="6"/>
-                    <a:pt x="67" y="6"/>
-                    <a:pt x="67" y="6"/>
-                  </a:cubicBezTo>
-                  <a:cubicBezTo>
-                    <a:pt x="67" y="5"/>
-                    <a:pt x="66" y="3"/>
-                    <a:pt x="65" y="2"/>
-                  </a:cubicBezTo>
-                  <a:cubicBezTo>
-                    <a:pt x="64" y="0"/>
-                    <a:pt x="62" y="0"/>
-                    <a:pt x="61" y="0"/>
-                  </a:cubicBezTo>
-                  <a:lnTo>
-                    <a:pt x="6" y="0"/>
-                  </a:lnTo>
-                  <a:close/>
-                </a:path>
-              </a:pathLst>
-            </a:custGeom>
-            <a:grpFill/>
-            <a:ln>
-              <a:noFill/>
-            </a:ln>
-            <a:extLst>
-              <a:ext uri="{91240B29-F687-4F45-9708-019B960494DF}">
-                <a14:hiddenLine xmlns:a14="http://schemas.microsoft.com/office/drawing/2010/main" w="9525">
-                  <a:solidFill>
-                    <a:srgbClr val="000000"/>
-                  </a:solidFill>
-                  <a:round/>
-                </a14:hiddenLine>
-              </a:ext>
-            </a:extLst>
-          </p:spPr>
-          <p:txBody>
-            <a:bodyPr vert="horz" wrap="square" lIns="91440" tIns="45720" rIns="91440" bIns="45720" numCol="1" anchor="t" anchorCtr="0" compatLnSpc="1"/>
-            <a:lstStyle/>
-            <a:p>
-              <a:endParaRPr lang="zh-CN" altLang="en-US">
-                <a:solidFill>
-                  <a:schemeClr val="bg1"/>
-                </a:solidFill>
-              </a:endParaRPr>
-            </a:p>
-          </p:txBody>
-        </p:sp>
-        <p:sp>
-          <p:nvSpPr>
-            <p:cNvPr id="30" name="Freeform 128"/>
-            <p:cNvSpPr/>
-            <p:nvPr/>
-          </p:nvSpPr>
-          <p:spPr bwMode="auto">
-            <a:xfrm>
-              <a:off x="919" y="3337"/>
-              <a:ext cx="56" cy="131"/>
-            </a:xfrm>
-            <a:custGeom>
-              <a:avLst/>
-              <a:gdLst>
-                <a:gd name="T0" fmla="*/ 6 w 67"/>
-                <a:gd name="T1" fmla="*/ 0 h 158"/>
-                <a:gd name="T2" fmla="*/ 2 w 67"/>
-                <a:gd name="T3" fmla="*/ 1 h 158"/>
-                <a:gd name="T4" fmla="*/ 0 w 67"/>
-                <a:gd name="T5" fmla="*/ 6 h 158"/>
-                <a:gd name="T6" fmla="*/ 0 w 67"/>
-                <a:gd name="T7" fmla="*/ 158 h 158"/>
-                <a:gd name="T8" fmla="*/ 67 w 67"/>
-                <a:gd name="T9" fmla="*/ 158 h 158"/>
-                <a:gd name="T10" fmla="*/ 67 w 67"/>
-                <a:gd name="T11" fmla="*/ 6 h 158"/>
-                <a:gd name="T12" fmla="*/ 65 w 67"/>
-                <a:gd name="T13" fmla="*/ 1 h 158"/>
-                <a:gd name="T14" fmla="*/ 61 w 67"/>
-                <a:gd name="T15" fmla="*/ 0 h 158"/>
-                <a:gd name="T16" fmla="*/ 6 w 67"/>
-                <a:gd name="T17" fmla="*/ 0 h 158"/>
-              </a:gdLst>
-              <a:ahLst/>
-              <a:cxnLst>
-                <a:cxn ang="0">
-                  <a:pos x="T0" y="T1"/>
-                </a:cxn>
-                <a:cxn ang="0">
-                  <a:pos x="T2" y="T3"/>
-                </a:cxn>
-                <a:cxn ang="0">
-                  <a:pos x="T4" y="T5"/>
-                </a:cxn>
-                <a:cxn ang="0">
-                  <a:pos x="T6" y="T7"/>
-                </a:cxn>
-                <a:cxn ang="0">
-                  <a:pos x="T8" y="T9"/>
-                </a:cxn>
-                <a:cxn ang="0">
-                  <a:pos x="T10" y="T11"/>
-                </a:cxn>
-                <a:cxn ang="0">
-                  <a:pos x="T12" y="T13"/>
-                </a:cxn>
-                <a:cxn ang="0">
-                  <a:pos x="T14" y="T15"/>
-                </a:cxn>
-                <a:cxn ang="0">
-                  <a:pos x="T16" y="T17"/>
-                </a:cxn>
-              </a:cxnLst>
-              <a:rect l="0" t="0" r="r" b="b"/>
-              <a:pathLst>
-                <a:path w="67" h="158">
-                  <a:moveTo>
-                    <a:pt x="6" y="0"/>
-                  </a:moveTo>
-                  <a:cubicBezTo>
-                    <a:pt x="5" y="0"/>
-                    <a:pt x="3" y="0"/>
-                    <a:pt x="2" y="1"/>
-                  </a:cubicBezTo>
-                  <a:cubicBezTo>
-                    <a:pt x="0" y="3"/>
-                    <a:pt x="0" y="4"/>
-                    <a:pt x="0" y="6"/>
-                  </a:cubicBezTo>
-                  <a:cubicBezTo>
-                    <a:pt x="0" y="158"/>
-                    <a:pt x="0" y="158"/>
-                    <a:pt x="0" y="158"/>
-                  </a:cubicBezTo>
-                  <a:cubicBezTo>
-                    <a:pt x="67" y="158"/>
-                    <a:pt x="67" y="158"/>
-                    <a:pt x="67" y="158"/>
-                  </a:cubicBezTo>
-                  <a:cubicBezTo>
-                    <a:pt x="67" y="6"/>
-                    <a:pt x="67" y="6"/>
-                    <a:pt x="67" y="6"/>
-                  </a:cubicBezTo>
-                  <a:cubicBezTo>
-                    <a:pt x="67" y="4"/>
-                    <a:pt x="66" y="3"/>
-                    <a:pt x="65" y="1"/>
-                  </a:cubicBezTo>
-                  <a:cubicBezTo>
-                    <a:pt x="64" y="0"/>
-                    <a:pt x="62" y="0"/>
-                    <a:pt x="61" y="0"/>
-                  </a:cubicBezTo>
-                  <a:cubicBezTo>
-                    <a:pt x="6" y="0"/>
-                    <a:pt x="6" y="0"/>
-                    <a:pt x="6" y="0"/>
-                  </a:cubicBezTo>
-                  <a:close/>
-                </a:path>
-              </a:pathLst>
-            </a:custGeom>
-            <a:grpFill/>
-            <a:ln>
-              <a:noFill/>
-            </a:ln>
-            <a:extLst>
-              <a:ext uri="{91240B29-F687-4F45-9708-019B960494DF}">
-                <a14:hiddenLine xmlns:a14="http://schemas.microsoft.com/office/drawing/2010/main" w="9525">
-                  <a:solidFill>
-                    <a:srgbClr val="000000"/>
-                  </a:solidFill>
-                  <a:round/>
-                </a14:hiddenLine>
-              </a:ext>
-            </a:extLst>
-          </p:spPr>
-          <p:txBody>
-            <a:bodyPr vert="horz" wrap="square" lIns="91440" tIns="45720" rIns="91440" bIns="45720" numCol="1" anchor="t" anchorCtr="0" compatLnSpc="1"/>
-            <a:lstStyle/>
-            <a:p>
-              <a:endParaRPr lang="zh-CN" altLang="en-US">
-                <a:solidFill>
-                  <a:schemeClr val="bg1"/>
-                </a:solidFill>
-              </a:endParaRPr>
-            </a:p>
-          </p:txBody>
-        </p:sp>
-        <p:sp>
-          <p:nvSpPr>
-            <p:cNvPr id="31" name="Freeform 129"/>
-            <p:cNvSpPr/>
-            <p:nvPr/>
-          </p:nvSpPr>
-          <p:spPr bwMode="auto">
-            <a:xfrm>
-              <a:off x="987" y="3284"/>
-              <a:ext cx="56" cy="184"/>
-            </a:xfrm>
-            <a:custGeom>
-              <a:avLst/>
-              <a:gdLst>
-                <a:gd name="T0" fmla="*/ 6 w 67"/>
-                <a:gd name="T1" fmla="*/ 0 h 222"/>
-                <a:gd name="T2" fmla="*/ 2 w 67"/>
-                <a:gd name="T3" fmla="*/ 1 h 222"/>
-                <a:gd name="T4" fmla="*/ 0 w 67"/>
-                <a:gd name="T5" fmla="*/ 6 h 222"/>
-                <a:gd name="T6" fmla="*/ 0 w 67"/>
-                <a:gd name="T7" fmla="*/ 222 h 222"/>
-                <a:gd name="T8" fmla="*/ 67 w 67"/>
-                <a:gd name="T9" fmla="*/ 222 h 222"/>
-                <a:gd name="T10" fmla="*/ 67 w 67"/>
-                <a:gd name="T11" fmla="*/ 6 h 222"/>
-                <a:gd name="T12" fmla="*/ 65 w 67"/>
-                <a:gd name="T13" fmla="*/ 1 h 222"/>
-                <a:gd name="T14" fmla="*/ 61 w 67"/>
-                <a:gd name="T15" fmla="*/ 0 h 222"/>
-                <a:gd name="T16" fmla="*/ 6 w 67"/>
-                <a:gd name="T17" fmla="*/ 0 h 222"/>
-              </a:gdLst>
-              <a:ahLst/>
-              <a:cxnLst>
-                <a:cxn ang="0">
-                  <a:pos x="T0" y="T1"/>
-                </a:cxn>
-                <a:cxn ang="0">
-                  <a:pos x="T2" y="T3"/>
-                </a:cxn>
-                <a:cxn ang="0">
-                  <a:pos x="T4" y="T5"/>
-                </a:cxn>
-                <a:cxn ang="0">
-                  <a:pos x="T6" y="T7"/>
-                </a:cxn>
-                <a:cxn ang="0">
-                  <a:pos x="T8" y="T9"/>
-                </a:cxn>
-                <a:cxn ang="0">
-                  <a:pos x="T10" y="T11"/>
-                </a:cxn>
-                <a:cxn ang="0">
-                  <a:pos x="T12" y="T13"/>
-                </a:cxn>
-                <a:cxn ang="0">
-                  <a:pos x="T14" y="T15"/>
-                </a:cxn>
-                <a:cxn ang="0">
-                  <a:pos x="T16" y="T17"/>
-                </a:cxn>
-              </a:cxnLst>
-              <a:rect l="0" t="0" r="r" b="b"/>
-              <a:pathLst>
-                <a:path w="67" h="222">
-                  <a:moveTo>
-                    <a:pt x="6" y="0"/>
-                  </a:moveTo>
-                  <a:cubicBezTo>
-                    <a:pt x="5" y="0"/>
-                    <a:pt x="3" y="0"/>
-                    <a:pt x="2" y="1"/>
-                  </a:cubicBezTo>
-                  <a:cubicBezTo>
-                    <a:pt x="1" y="3"/>
-                    <a:pt x="0" y="4"/>
-                    <a:pt x="0" y="6"/>
-                  </a:cubicBezTo>
-                  <a:cubicBezTo>
-                    <a:pt x="0" y="222"/>
-                    <a:pt x="0" y="222"/>
-                    <a:pt x="0" y="222"/>
-                  </a:cubicBezTo>
-                  <a:cubicBezTo>
-                    <a:pt x="67" y="222"/>
-                    <a:pt x="67" y="222"/>
-                    <a:pt x="67" y="222"/>
-                  </a:cubicBezTo>
-                  <a:cubicBezTo>
-                    <a:pt x="67" y="6"/>
-                    <a:pt x="67" y="6"/>
-                    <a:pt x="67" y="6"/>
-                  </a:cubicBezTo>
-                  <a:cubicBezTo>
-                    <a:pt x="67" y="4"/>
-                    <a:pt x="66" y="3"/>
-                    <a:pt x="65" y="1"/>
-                  </a:cubicBezTo>
-                  <a:cubicBezTo>
-                    <a:pt x="64" y="0"/>
-                    <a:pt x="62" y="0"/>
-                    <a:pt x="61" y="0"/>
-                  </a:cubicBezTo>
-                  <a:cubicBezTo>
-                    <a:pt x="6" y="0"/>
-                    <a:pt x="6" y="0"/>
-                    <a:pt x="6" y="0"/>
-                  </a:cubicBezTo>
-                  <a:close/>
-                </a:path>
-              </a:pathLst>
-            </a:custGeom>
-            <a:grpFill/>
-            <a:ln>
-              <a:noFill/>
-            </a:ln>
-            <a:extLst>
-              <a:ext uri="{91240B29-F687-4F45-9708-019B960494DF}">
-                <a14:hiddenLine xmlns:a14="http://schemas.microsoft.com/office/drawing/2010/main" w="9525">
-                  <a:solidFill>
-                    <a:srgbClr val="000000"/>
-                  </a:solidFill>
-                  <a:round/>
-                </a14:hiddenLine>
-              </a:ext>
-            </a:extLst>
-          </p:spPr>
-          <p:txBody>
-            <a:bodyPr vert="horz" wrap="square" lIns="91440" tIns="45720" rIns="91440" bIns="45720" numCol="1" anchor="t" anchorCtr="0" compatLnSpc="1"/>
-            <a:lstStyle/>
-            <a:p>
-              <a:endParaRPr lang="zh-CN" altLang="en-US">
-                <a:solidFill>
-                  <a:schemeClr val="bg1"/>
-                </a:solidFill>
-              </a:endParaRPr>
-            </a:p>
-          </p:txBody>
-        </p:sp>
-        <p:sp>
-          <p:nvSpPr>
-            <p:cNvPr id="32" name="Freeform 130"/>
-            <p:cNvSpPr/>
-            <p:nvPr/>
-          </p:nvSpPr>
-          <p:spPr bwMode="auto">
-            <a:xfrm>
-              <a:off x="610" y="3178"/>
-              <a:ext cx="475" cy="289"/>
-            </a:xfrm>
-            <a:custGeom>
-              <a:avLst/>
-              <a:gdLst>
-                <a:gd name="T0" fmla="*/ 572 w 572"/>
-                <a:gd name="T1" fmla="*/ 7 h 347"/>
-                <a:gd name="T2" fmla="*/ 571 w 572"/>
-                <a:gd name="T3" fmla="*/ 2 h 347"/>
-                <a:gd name="T4" fmla="*/ 567 w 572"/>
-                <a:gd name="T5" fmla="*/ 1 h 347"/>
-                <a:gd name="T6" fmla="*/ 500 w 572"/>
-                <a:gd name="T7" fmla="*/ 20 h 347"/>
-                <a:gd name="T8" fmla="*/ 497 w 572"/>
-                <a:gd name="T9" fmla="*/ 23 h 347"/>
-                <a:gd name="T10" fmla="*/ 498 w 572"/>
-                <a:gd name="T11" fmla="*/ 27 h 347"/>
-                <a:gd name="T12" fmla="*/ 506 w 572"/>
-                <a:gd name="T13" fmla="*/ 37 h 347"/>
-                <a:gd name="T14" fmla="*/ 302 w 572"/>
-                <a:gd name="T15" fmla="*/ 196 h 347"/>
-                <a:gd name="T16" fmla="*/ 190 w 572"/>
-                <a:gd name="T17" fmla="*/ 148 h 347"/>
-                <a:gd name="T18" fmla="*/ 2 w 572"/>
-                <a:gd name="T19" fmla="*/ 327 h 347"/>
-                <a:gd name="T20" fmla="*/ 0 w 572"/>
-                <a:gd name="T21" fmla="*/ 331 h 347"/>
-                <a:gd name="T22" fmla="*/ 2 w 572"/>
-                <a:gd name="T23" fmla="*/ 336 h 347"/>
-                <a:gd name="T24" fmla="*/ 10 w 572"/>
-                <a:gd name="T25" fmla="*/ 345 h 347"/>
-                <a:gd name="T26" fmla="*/ 15 w 572"/>
-                <a:gd name="T27" fmla="*/ 347 h 347"/>
-                <a:gd name="T28" fmla="*/ 19 w 572"/>
-                <a:gd name="T29" fmla="*/ 345 h 347"/>
-                <a:gd name="T30" fmla="*/ 195 w 572"/>
-                <a:gd name="T31" fmla="*/ 178 h 347"/>
-                <a:gd name="T32" fmla="*/ 306 w 572"/>
-                <a:gd name="T33" fmla="*/ 225 h 347"/>
-                <a:gd name="T34" fmla="*/ 521 w 572"/>
-                <a:gd name="T35" fmla="*/ 57 h 347"/>
-                <a:gd name="T36" fmla="*/ 529 w 572"/>
-                <a:gd name="T37" fmla="*/ 68 h 347"/>
-                <a:gd name="T38" fmla="*/ 533 w 572"/>
-                <a:gd name="T39" fmla="*/ 69 h 347"/>
-                <a:gd name="T40" fmla="*/ 536 w 572"/>
-                <a:gd name="T41" fmla="*/ 67 h 347"/>
-                <a:gd name="T42" fmla="*/ 572 w 572"/>
-                <a:gd name="T43" fmla="*/ 7 h 347"/>
-              </a:gdLst>
-              <a:ahLst/>
-              <a:cxnLst>
-                <a:cxn ang="0">
-                  <a:pos x="T0" y="T1"/>
-                </a:cxn>
-                <a:cxn ang="0">
-                  <a:pos x="T2" y="T3"/>
-                </a:cxn>
-                <a:cxn ang="0">
-                  <a:pos x="T4" y="T5"/>
-                </a:cxn>
-                <a:cxn ang="0">
-                  <a:pos x="T6" y="T7"/>
-                </a:cxn>
-                <a:cxn ang="0">
-                  <a:pos x="T8" y="T9"/>
-                </a:cxn>
-                <a:cxn ang="0">
-                  <a:pos x="T10" y="T11"/>
-                </a:cxn>
-                <a:cxn ang="0">
-                  <a:pos x="T12" y="T13"/>
-                </a:cxn>
-                <a:cxn ang="0">
-                  <a:pos x="T14" y="T15"/>
-                </a:cxn>
-                <a:cxn ang="0">
-                  <a:pos x="T16" y="T17"/>
-                </a:cxn>
-                <a:cxn ang="0">
-                  <a:pos x="T18" y="T19"/>
-                </a:cxn>
-                <a:cxn ang="0">
-                  <a:pos x="T20" y="T21"/>
-                </a:cxn>
-                <a:cxn ang="0">
-                  <a:pos x="T22" y="T23"/>
-                </a:cxn>
-                <a:cxn ang="0">
-                  <a:pos x="T24" y="T25"/>
-                </a:cxn>
-                <a:cxn ang="0">
-                  <a:pos x="T26" y="T27"/>
-                </a:cxn>
-                <a:cxn ang="0">
-                  <a:pos x="T28" y="T29"/>
-                </a:cxn>
-                <a:cxn ang="0">
-                  <a:pos x="T30" y="T31"/>
-                </a:cxn>
-                <a:cxn ang="0">
-                  <a:pos x="T32" y="T33"/>
-                </a:cxn>
-                <a:cxn ang="0">
-                  <a:pos x="T34" y="T35"/>
-                </a:cxn>
-                <a:cxn ang="0">
-                  <a:pos x="T36" y="T37"/>
-                </a:cxn>
-                <a:cxn ang="0">
-                  <a:pos x="T38" y="T39"/>
-                </a:cxn>
-                <a:cxn ang="0">
-                  <a:pos x="T40" y="T41"/>
-                </a:cxn>
-                <a:cxn ang="0">
-                  <a:pos x="T42" y="T43"/>
-                </a:cxn>
-              </a:cxnLst>
-              <a:rect l="0" t="0" r="r" b="b"/>
-              <a:pathLst>
-                <a:path w="572" h="347">
-                  <a:moveTo>
-                    <a:pt x="572" y="7"/>
-                  </a:moveTo>
-                  <a:cubicBezTo>
-                    <a:pt x="572" y="5"/>
-                    <a:pt x="572" y="4"/>
-                    <a:pt x="571" y="2"/>
-                  </a:cubicBezTo>
-                  <a:cubicBezTo>
-                    <a:pt x="570" y="1"/>
-                    <a:pt x="568" y="0"/>
-                    <a:pt x="567" y="1"/>
-                  </a:cubicBezTo>
-                  <a:cubicBezTo>
-                    <a:pt x="500" y="20"/>
-                    <a:pt x="500" y="20"/>
-                    <a:pt x="500" y="20"/>
-                  </a:cubicBezTo>
-                  <a:cubicBezTo>
-                    <a:pt x="498" y="21"/>
-                    <a:pt x="497" y="22"/>
-                    <a:pt x="497" y="23"/>
-                  </a:cubicBezTo>
-                  <a:cubicBezTo>
-                    <a:pt x="496" y="25"/>
-                    <a:pt x="497" y="26"/>
-                    <a:pt x="498" y="27"/>
-                  </a:cubicBezTo>
-                  <a:cubicBezTo>
-                    <a:pt x="506" y="37"/>
-                    <a:pt x="506" y="37"/>
-                    <a:pt x="506" y="37"/>
-                  </a:cubicBezTo>
-                  <a:cubicBezTo>
-                    <a:pt x="302" y="196"/>
-                    <a:pt x="302" y="196"/>
-                    <a:pt x="302" y="196"/>
-                  </a:cubicBezTo>
-                  <a:cubicBezTo>
-                    <a:pt x="190" y="148"/>
-                    <a:pt x="190" y="148"/>
-                    <a:pt x="190" y="148"/>
-                  </a:cubicBezTo>
-                  <a:cubicBezTo>
-                    <a:pt x="2" y="327"/>
-                    <a:pt x="2" y="327"/>
-                    <a:pt x="2" y="327"/>
-                  </a:cubicBezTo>
-                  <a:cubicBezTo>
-                    <a:pt x="1" y="328"/>
-                    <a:pt x="0" y="329"/>
-                    <a:pt x="0" y="331"/>
-                  </a:cubicBezTo>
-                  <a:cubicBezTo>
-                    <a:pt x="0" y="333"/>
-                    <a:pt x="0" y="334"/>
-                    <a:pt x="2" y="336"/>
-                  </a:cubicBezTo>
-                  <a:cubicBezTo>
-                    <a:pt x="10" y="345"/>
-                    <a:pt x="10" y="345"/>
-                    <a:pt x="10" y="345"/>
-                  </a:cubicBezTo>
-                  <a:cubicBezTo>
-                    <a:pt x="11" y="346"/>
-                    <a:pt x="13" y="347"/>
-                    <a:pt x="15" y="347"/>
-                  </a:cubicBezTo>
-                  <a:cubicBezTo>
-                    <a:pt x="16" y="347"/>
-                    <a:pt x="18" y="346"/>
-                    <a:pt x="19" y="345"/>
-                  </a:cubicBezTo>
-                  <a:cubicBezTo>
-                    <a:pt x="195" y="178"/>
-                    <a:pt x="195" y="178"/>
-                    <a:pt x="195" y="178"/>
-                  </a:cubicBezTo>
-                  <a:cubicBezTo>
-                    <a:pt x="306" y="225"/>
-                    <a:pt x="306" y="225"/>
-                    <a:pt x="306" y="225"/>
-                  </a:cubicBezTo>
-                  <a:cubicBezTo>
-                    <a:pt x="521" y="57"/>
-                    <a:pt x="521" y="57"/>
-                    <a:pt x="521" y="57"/>
-                  </a:cubicBezTo>
-                  <a:cubicBezTo>
-                    <a:pt x="529" y="68"/>
-                    <a:pt x="529" y="68"/>
-                    <a:pt x="529" y="68"/>
-                  </a:cubicBezTo>
-                  <a:cubicBezTo>
-                    <a:pt x="530" y="69"/>
-                    <a:pt x="531" y="69"/>
-                    <a:pt x="533" y="69"/>
-                  </a:cubicBezTo>
-                  <a:cubicBezTo>
-                    <a:pt x="534" y="69"/>
-                    <a:pt x="535" y="68"/>
-                    <a:pt x="536" y="67"/>
-                  </a:cubicBezTo>
-                  <a:lnTo>
-                    <a:pt x="572" y="7"/>
-                  </a:lnTo>
-                  <a:close/>
-                </a:path>
-              </a:pathLst>
-            </a:custGeom>
-            <a:grpFill/>
-            <a:ln>
-              <a:noFill/>
-            </a:ln>
-            <a:extLst>
-              <a:ext uri="{91240B29-F687-4F45-9708-019B960494DF}">
-                <a14:hiddenLine xmlns:a14="http://schemas.microsoft.com/office/drawing/2010/main" w="9525">
-                  <a:solidFill>
-                    <a:srgbClr val="000000"/>
-                  </a:solidFill>
-                  <a:round/>
-                </a14:hiddenLine>
-              </a:ext>
-            </a:extLst>
-          </p:spPr>
-          <p:txBody>
-            <a:bodyPr vert="horz" wrap="square" lIns="91440" tIns="45720" rIns="91440" bIns="45720" numCol="1" anchor="t" anchorCtr="0" compatLnSpc="1"/>
-            <a:lstStyle/>
-            <a:p>
-              <a:endParaRPr lang="zh-CN" altLang="en-US">
-                <a:solidFill>
-                  <a:schemeClr val="bg1"/>
-                </a:solidFill>
-              </a:endParaRPr>
-            </a:p>
-          </p:txBody>
-        </p:sp>
-      </p:grpSp>
-      <p:grpSp>
-        <p:nvGrpSpPr>
-          <p:cNvPr id="33" name="Group 32"/>
-          <p:cNvGrpSpPr>
-            <a:grpSpLocks noChangeAspect="1"/>
-          </p:cNvGrpSpPr>
-          <p:nvPr/>
-        </p:nvGrpSpPr>
-        <p:grpSpPr bwMode="auto">
-          <a:xfrm>
-            <a:off x="9565129" y="2329751"/>
-            <a:ext cx="907980" cy="644666"/>
-            <a:chOff x="4354" y="1098"/>
-            <a:chExt cx="800" cy="568"/>
-          </a:xfrm>
-          <a:solidFill>
-            <a:schemeClr val="tx1">
-              <a:lumMod val="75000"/>
-              <a:lumOff val="25000"/>
-            </a:schemeClr>
-          </a:solidFill>
-        </p:grpSpPr>
-        <p:sp>
-          <p:nvSpPr>
-            <p:cNvPr id="34" name="Freeform 33"/>
-            <p:cNvSpPr>
-              <a:spLocks noEditPoints="1"/>
-            </p:cNvSpPr>
-            <p:nvPr/>
-          </p:nvSpPr>
-          <p:spPr bwMode="auto">
-            <a:xfrm>
-              <a:off x="4441" y="1098"/>
-              <a:ext cx="626" cy="423"/>
-            </a:xfrm>
-            <a:custGeom>
-              <a:avLst/>
-              <a:gdLst>
-                <a:gd name="T0" fmla="*/ 621 w 628"/>
-                <a:gd name="T1" fmla="*/ 7 h 423"/>
-                <a:gd name="T2" fmla="*/ 605 w 628"/>
-                <a:gd name="T3" fmla="*/ 0 h 423"/>
-                <a:gd name="T4" fmla="*/ 24 w 628"/>
-                <a:gd name="T5" fmla="*/ 0 h 423"/>
-                <a:gd name="T6" fmla="*/ 7 w 628"/>
-                <a:gd name="T7" fmla="*/ 7 h 423"/>
-                <a:gd name="T8" fmla="*/ 0 w 628"/>
-                <a:gd name="T9" fmla="*/ 23 h 423"/>
-                <a:gd name="T10" fmla="*/ 0 w 628"/>
-                <a:gd name="T11" fmla="*/ 423 h 423"/>
-                <a:gd name="T12" fmla="*/ 628 w 628"/>
-                <a:gd name="T13" fmla="*/ 423 h 423"/>
-                <a:gd name="T14" fmla="*/ 628 w 628"/>
-                <a:gd name="T15" fmla="*/ 23 h 423"/>
-                <a:gd name="T16" fmla="*/ 621 w 628"/>
-                <a:gd name="T17" fmla="*/ 7 h 423"/>
-                <a:gd name="T18" fmla="*/ 314 w 628"/>
-                <a:gd name="T19" fmla="*/ 13 h 423"/>
-                <a:gd name="T20" fmla="*/ 321 w 628"/>
-                <a:gd name="T21" fmla="*/ 20 h 423"/>
-                <a:gd name="T22" fmla="*/ 314 w 628"/>
-                <a:gd name="T23" fmla="*/ 27 h 423"/>
-                <a:gd name="T24" fmla="*/ 307 w 628"/>
-                <a:gd name="T25" fmla="*/ 20 h 423"/>
-                <a:gd name="T26" fmla="*/ 314 w 628"/>
-                <a:gd name="T27" fmla="*/ 13 h 423"/>
-                <a:gd name="T28" fmla="*/ 587 w 628"/>
-                <a:gd name="T29" fmla="*/ 382 h 423"/>
-                <a:gd name="T30" fmla="*/ 41 w 628"/>
-                <a:gd name="T31" fmla="*/ 382 h 423"/>
-                <a:gd name="T32" fmla="*/ 41 w 628"/>
-                <a:gd name="T33" fmla="*/ 41 h 423"/>
-                <a:gd name="T34" fmla="*/ 587 w 628"/>
-                <a:gd name="T35" fmla="*/ 41 h 423"/>
-                <a:gd name="T36" fmla="*/ 587 w 628"/>
-                <a:gd name="T37" fmla="*/ 382 h 423"/>
-              </a:gdLst>
-              <a:ahLst/>
-              <a:cxnLst>
-                <a:cxn ang="0">
-                  <a:pos x="T0" y="T1"/>
-                </a:cxn>
-                <a:cxn ang="0">
-                  <a:pos x="T2" y="T3"/>
-                </a:cxn>
-                <a:cxn ang="0">
-                  <a:pos x="T4" y="T5"/>
-                </a:cxn>
-                <a:cxn ang="0">
-                  <a:pos x="T6" y="T7"/>
-                </a:cxn>
-                <a:cxn ang="0">
-                  <a:pos x="T8" y="T9"/>
-                </a:cxn>
-                <a:cxn ang="0">
-                  <a:pos x="T10" y="T11"/>
-                </a:cxn>
-                <a:cxn ang="0">
-                  <a:pos x="T12" y="T13"/>
-                </a:cxn>
-                <a:cxn ang="0">
-                  <a:pos x="T14" y="T15"/>
-                </a:cxn>
-                <a:cxn ang="0">
-                  <a:pos x="T16" y="T17"/>
-                </a:cxn>
-                <a:cxn ang="0">
-                  <a:pos x="T18" y="T19"/>
-                </a:cxn>
-                <a:cxn ang="0">
-                  <a:pos x="T20" y="T21"/>
-                </a:cxn>
-                <a:cxn ang="0">
-                  <a:pos x="T22" y="T23"/>
-                </a:cxn>
-                <a:cxn ang="0">
-                  <a:pos x="T24" y="T25"/>
-                </a:cxn>
-                <a:cxn ang="0">
-                  <a:pos x="T26" y="T27"/>
-                </a:cxn>
-                <a:cxn ang="0">
-                  <a:pos x="T28" y="T29"/>
-                </a:cxn>
-                <a:cxn ang="0">
-                  <a:pos x="T30" y="T31"/>
-                </a:cxn>
-                <a:cxn ang="0">
-                  <a:pos x="T32" y="T33"/>
-                </a:cxn>
-                <a:cxn ang="0">
-                  <a:pos x="T34" y="T35"/>
-                </a:cxn>
-                <a:cxn ang="0">
-                  <a:pos x="T36" y="T37"/>
-                </a:cxn>
-              </a:cxnLst>
-              <a:rect l="0" t="0" r="r" b="b"/>
-              <a:pathLst>
-                <a:path w="628" h="423">
-                  <a:moveTo>
-                    <a:pt x="621" y="7"/>
-                  </a:moveTo>
-                  <a:cubicBezTo>
-                    <a:pt x="617" y="2"/>
-                    <a:pt x="611" y="0"/>
-                    <a:pt x="605" y="0"/>
-                  </a:cubicBezTo>
-                  <a:cubicBezTo>
-                    <a:pt x="24" y="0"/>
-                    <a:pt x="24" y="0"/>
-                    <a:pt x="24" y="0"/>
-                  </a:cubicBezTo>
-                  <a:cubicBezTo>
-                    <a:pt x="17" y="0"/>
-                    <a:pt x="11" y="2"/>
-                    <a:pt x="7" y="7"/>
-                  </a:cubicBezTo>
-                  <a:cubicBezTo>
-                    <a:pt x="2" y="11"/>
-                    <a:pt x="0" y="17"/>
-                    <a:pt x="0" y="23"/>
-                  </a:cubicBezTo>
-                  <a:cubicBezTo>
-                    <a:pt x="0" y="423"/>
-                    <a:pt x="0" y="423"/>
-                    <a:pt x="0" y="423"/>
-                  </a:cubicBezTo>
-                  <a:cubicBezTo>
-                    <a:pt x="628" y="423"/>
-                    <a:pt x="628" y="423"/>
-                    <a:pt x="628" y="423"/>
-                  </a:cubicBezTo>
-                  <a:cubicBezTo>
-                    <a:pt x="628" y="23"/>
-                    <a:pt x="628" y="23"/>
-                    <a:pt x="628" y="23"/>
-                  </a:cubicBezTo>
-                  <a:cubicBezTo>
-                    <a:pt x="628" y="17"/>
-                    <a:pt x="626" y="11"/>
-                    <a:pt x="621" y="7"/>
-                  </a:cubicBezTo>
-                  <a:close/>
-                  <a:moveTo>
-                    <a:pt x="314" y="13"/>
-                  </a:moveTo>
-                  <a:cubicBezTo>
-                    <a:pt x="318" y="13"/>
-                    <a:pt x="321" y="16"/>
-                    <a:pt x="321" y="20"/>
-                  </a:cubicBezTo>
-                  <a:cubicBezTo>
-                    <a:pt x="321" y="24"/>
-                    <a:pt x="318" y="27"/>
-                    <a:pt x="314" y="27"/>
-                  </a:cubicBezTo>
-                  <a:cubicBezTo>
-                    <a:pt x="310" y="27"/>
-                    <a:pt x="307" y="24"/>
-                    <a:pt x="307" y="20"/>
-                  </a:cubicBezTo>
-                  <a:cubicBezTo>
-                    <a:pt x="307" y="16"/>
-                    <a:pt x="310" y="13"/>
-                    <a:pt x="314" y="13"/>
-                  </a:cubicBezTo>
-                  <a:close/>
-                  <a:moveTo>
-                    <a:pt x="587" y="382"/>
-                  </a:moveTo>
-                  <a:cubicBezTo>
-                    <a:pt x="41" y="382"/>
-                    <a:pt x="41" y="382"/>
-                    <a:pt x="41" y="382"/>
-                  </a:cubicBezTo>
-                  <a:cubicBezTo>
-                    <a:pt x="41" y="41"/>
-                    <a:pt x="41" y="41"/>
-                    <a:pt x="41" y="41"/>
-                  </a:cubicBezTo>
-                  <a:cubicBezTo>
-                    <a:pt x="587" y="41"/>
-                    <a:pt x="587" y="41"/>
-                    <a:pt x="587" y="41"/>
-                  </a:cubicBezTo>
-                  <a:lnTo>
-                    <a:pt x="587" y="382"/>
-                  </a:lnTo>
-                  <a:close/>
-                </a:path>
-              </a:pathLst>
-            </a:custGeom>
-            <a:grpFill/>
-            <a:ln>
-              <a:noFill/>
-            </a:ln>
-            <a:extLst>
-              <a:ext uri="{91240B29-F687-4F45-9708-019B960494DF}">
-                <a14:hiddenLine xmlns:a14="http://schemas.microsoft.com/office/drawing/2010/main" w="9525">
-                  <a:solidFill>
-                    <a:srgbClr val="000000"/>
-                  </a:solidFill>
-                  <a:round/>
-                </a14:hiddenLine>
-              </a:ext>
-            </a:extLst>
-          </p:spPr>
-          <p:txBody>
-            <a:bodyPr vert="horz" wrap="square" lIns="91440" tIns="45720" rIns="91440" bIns="45720" numCol="1" anchor="t" anchorCtr="0" compatLnSpc="1"/>
-            <a:lstStyle/>
-            <a:p>
-              <a:endParaRPr lang="zh-CN" altLang="en-US">
-                <a:solidFill>
-                  <a:schemeClr val="bg1"/>
-                </a:solidFill>
-              </a:endParaRPr>
-            </a:p>
-          </p:txBody>
-        </p:sp>
-        <p:sp>
-          <p:nvSpPr>
-            <p:cNvPr id="35" name="Freeform 34"/>
-            <p:cNvSpPr>
-              <a:spLocks noEditPoints="1"/>
-            </p:cNvSpPr>
-            <p:nvPr/>
-          </p:nvSpPr>
-          <p:spPr bwMode="auto">
-            <a:xfrm>
-              <a:off x="4354" y="1538"/>
-              <a:ext cx="800" cy="97"/>
-            </a:xfrm>
-            <a:custGeom>
-              <a:avLst/>
-              <a:gdLst>
-                <a:gd name="T0" fmla="*/ 87 w 802"/>
-                <a:gd name="T1" fmla="*/ 0 h 97"/>
-                <a:gd name="T2" fmla="*/ 4 w 802"/>
-                <a:gd name="T3" fmla="*/ 83 h 97"/>
-                <a:gd name="T4" fmla="*/ 2 w 802"/>
-                <a:gd name="T5" fmla="*/ 92 h 97"/>
-                <a:gd name="T6" fmla="*/ 10 w 802"/>
-                <a:gd name="T7" fmla="*/ 97 h 97"/>
-                <a:gd name="T8" fmla="*/ 792 w 802"/>
-                <a:gd name="T9" fmla="*/ 97 h 97"/>
-                <a:gd name="T10" fmla="*/ 800 w 802"/>
-                <a:gd name="T11" fmla="*/ 92 h 97"/>
-                <a:gd name="T12" fmla="*/ 798 w 802"/>
-                <a:gd name="T13" fmla="*/ 83 h 97"/>
-                <a:gd name="T14" fmla="*/ 715 w 802"/>
-                <a:gd name="T15" fmla="*/ 0 h 97"/>
-                <a:gd name="T16" fmla="*/ 87 w 802"/>
-                <a:gd name="T17" fmla="*/ 0 h 97"/>
-                <a:gd name="T18" fmla="*/ 711 w 802"/>
-                <a:gd name="T19" fmla="*/ 47 h 97"/>
-                <a:gd name="T20" fmla="*/ 712 w 802"/>
-                <a:gd name="T21" fmla="*/ 54 h 97"/>
-                <a:gd name="T22" fmla="*/ 706 w 802"/>
-                <a:gd name="T23" fmla="*/ 58 h 97"/>
-                <a:gd name="T24" fmla="*/ 484 w 802"/>
-                <a:gd name="T25" fmla="*/ 58 h 97"/>
-                <a:gd name="T26" fmla="*/ 485 w 802"/>
-                <a:gd name="T27" fmla="*/ 64 h 97"/>
-                <a:gd name="T28" fmla="*/ 484 w 802"/>
-                <a:gd name="T29" fmla="*/ 67 h 97"/>
-                <a:gd name="T30" fmla="*/ 481 w 802"/>
-                <a:gd name="T31" fmla="*/ 69 h 97"/>
-                <a:gd name="T32" fmla="*/ 321 w 802"/>
-                <a:gd name="T33" fmla="*/ 69 h 97"/>
-                <a:gd name="T34" fmla="*/ 318 w 802"/>
-                <a:gd name="T35" fmla="*/ 67 h 97"/>
-                <a:gd name="T36" fmla="*/ 317 w 802"/>
-                <a:gd name="T37" fmla="*/ 64 h 97"/>
-                <a:gd name="T38" fmla="*/ 318 w 802"/>
-                <a:gd name="T39" fmla="*/ 58 h 97"/>
-                <a:gd name="T40" fmla="*/ 96 w 802"/>
-                <a:gd name="T41" fmla="*/ 58 h 97"/>
-                <a:gd name="T42" fmla="*/ 90 w 802"/>
-                <a:gd name="T43" fmla="*/ 54 h 97"/>
-                <a:gd name="T44" fmla="*/ 91 w 802"/>
-                <a:gd name="T45" fmla="*/ 47 h 97"/>
-                <a:gd name="T46" fmla="*/ 113 w 802"/>
-                <a:gd name="T47" fmla="*/ 20 h 97"/>
-                <a:gd name="T48" fmla="*/ 689 w 802"/>
-                <a:gd name="T49" fmla="*/ 20 h 97"/>
-                <a:gd name="T50" fmla="*/ 711 w 802"/>
-                <a:gd name="T51" fmla="*/ 47 h 97"/>
-              </a:gdLst>
-              <a:ahLst/>
-              <a:cxnLst>
-                <a:cxn ang="0">
-                  <a:pos x="T0" y="T1"/>
-                </a:cxn>
-                <a:cxn ang="0">
-                  <a:pos x="T2" y="T3"/>
-                </a:cxn>
-                <a:cxn ang="0">
-                  <a:pos x="T4" y="T5"/>
-                </a:cxn>
-                <a:cxn ang="0">
-                  <a:pos x="T6" y="T7"/>
-                </a:cxn>
-                <a:cxn ang="0">
-                  <a:pos x="T8" y="T9"/>
-                </a:cxn>
-                <a:cxn ang="0">
-                  <a:pos x="T10" y="T11"/>
-                </a:cxn>
-                <a:cxn ang="0">
-                  <a:pos x="T12" y="T13"/>
-                </a:cxn>
-                <a:cxn ang="0">
-                  <a:pos x="T14" y="T15"/>
-                </a:cxn>
-                <a:cxn ang="0">
-                  <a:pos x="T16" y="T17"/>
-                </a:cxn>
-                <a:cxn ang="0">
-                  <a:pos x="T18" y="T19"/>
-                </a:cxn>
-                <a:cxn ang="0">
-                  <a:pos x="T20" y="T21"/>
-                </a:cxn>
-                <a:cxn ang="0">
-                  <a:pos x="T22" y="T23"/>
-                </a:cxn>
-                <a:cxn ang="0">
-                  <a:pos x="T24" y="T25"/>
-                </a:cxn>
-                <a:cxn ang="0">
-                  <a:pos x="T26" y="T27"/>
-                </a:cxn>
-                <a:cxn ang="0">
-                  <a:pos x="T28" y="T29"/>
-                </a:cxn>
-                <a:cxn ang="0">
-                  <a:pos x="T30" y="T31"/>
-                </a:cxn>
-                <a:cxn ang="0">
-                  <a:pos x="T32" y="T33"/>
-                </a:cxn>
-                <a:cxn ang="0">
-                  <a:pos x="T34" y="T35"/>
-                </a:cxn>
-                <a:cxn ang="0">
-                  <a:pos x="T36" y="T37"/>
-                </a:cxn>
-                <a:cxn ang="0">
-                  <a:pos x="T38" y="T39"/>
-                </a:cxn>
-                <a:cxn ang="0">
-                  <a:pos x="T40" y="T41"/>
-                </a:cxn>
-                <a:cxn ang="0">
-                  <a:pos x="T42" y="T43"/>
-                </a:cxn>
-                <a:cxn ang="0">
-                  <a:pos x="T44" y="T45"/>
-                </a:cxn>
-                <a:cxn ang="0">
-                  <a:pos x="T46" y="T47"/>
-                </a:cxn>
-                <a:cxn ang="0">
-                  <a:pos x="T48" y="T49"/>
-                </a:cxn>
-                <a:cxn ang="0">
-                  <a:pos x="T50" y="T51"/>
-                </a:cxn>
-              </a:cxnLst>
-              <a:rect l="0" t="0" r="r" b="b"/>
-              <a:pathLst>
-                <a:path w="802" h="97">
-                  <a:moveTo>
-                    <a:pt x="87" y="0"/>
-                  </a:moveTo>
-                  <a:cubicBezTo>
-                    <a:pt x="4" y="83"/>
-                    <a:pt x="4" y="83"/>
-                    <a:pt x="4" y="83"/>
-                  </a:cubicBezTo>
-                  <a:cubicBezTo>
-                    <a:pt x="1" y="85"/>
-                    <a:pt x="0" y="89"/>
-                    <a:pt x="2" y="92"/>
-                  </a:cubicBezTo>
-                  <a:cubicBezTo>
-                    <a:pt x="3" y="95"/>
-                    <a:pt x="6" y="97"/>
-                    <a:pt x="10" y="97"/>
-                  </a:cubicBezTo>
-                  <a:cubicBezTo>
-                    <a:pt x="792" y="97"/>
-                    <a:pt x="792" y="97"/>
-                    <a:pt x="792" y="97"/>
-                  </a:cubicBezTo>
-                  <a:cubicBezTo>
-                    <a:pt x="796" y="97"/>
-                    <a:pt x="799" y="95"/>
-                    <a:pt x="800" y="92"/>
-                  </a:cubicBezTo>
-                  <a:cubicBezTo>
-                    <a:pt x="802" y="89"/>
-                    <a:pt x="801" y="85"/>
-                    <a:pt x="798" y="83"/>
-                  </a:cubicBezTo>
-                  <a:cubicBezTo>
-                    <a:pt x="715" y="0"/>
-                    <a:pt x="715" y="0"/>
-                    <a:pt x="715" y="0"/>
-                  </a:cubicBezTo>
-                  <a:lnTo>
-                    <a:pt x="87" y="0"/>
-                  </a:lnTo>
-                  <a:close/>
-                  <a:moveTo>
-                    <a:pt x="711" y="47"/>
-                  </a:moveTo>
-                  <a:cubicBezTo>
-                    <a:pt x="713" y="49"/>
-                    <a:pt x="713" y="51"/>
-                    <a:pt x="712" y="54"/>
-                  </a:cubicBezTo>
-                  <a:cubicBezTo>
-                    <a:pt x="711" y="56"/>
-                    <a:pt x="709" y="58"/>
-                    <a:pt x="706" y="58"/>
-                  </a:cubicBezTo>
-                  <a:cubicBezTo>
-                    <a:pt x="484" y="58"/>
-                    <a:pt x="484" y="58"/>
-                    <a:pt x="484" y="58"/>
-                  </a:cubicBezTo>
-                  <a:cubicBezTo>
-                    <a:pt x="485" y="64"/>
-                    <a:pt x="485" y="64"/>
-                    <a:pt x="485" y="64"/>
-                  </a:cubicBezTo>
-                  <a:cubicBezTo>
-                    <a:pt x="485" y="65"/>
-                    <a:pt x="485" y="66"/>
-                    <a:pt x="484" y="67"/>
-                  </a:cubicBezTo>
-                  <a:cubicBezTo>
-                    <a:pt x="483" y="68"/>
-                    <a:pt x="482" y="69"/>
-                    <a:pt x="481" y="69"/>
-                  </a:cubicBezTo>
-                  <a:cubicBezTo>
-                    <a:pt x="321" y="69"/>
-                    <a:pt x="321" y="69"/>
-                    <a:pt x="321" y="69"/>
-                  </a:cubicBezTo>
-                  <a:cubicBezTo>
-                    <a:pt x="320" y="69"/>
-                    <a:pt x="319" y="68"/>
-                    <a:pt x="318" y="67"/>
-                  </a:cubicBezTo>
-                  <a:cubicBezTo>
-                    <a:pt x="317" y="66"/>
-                    <a:pt x="317" y="65"/>
-                    <a:pt x="317" y="64"/>
-                  </a:cubicBezTo>
-                  <a:cubicBezTo>
-                    <a:pt x="318" y="58"/>
-                    <a:pt x="318" y="58"/>
-                    <a:pt x="318" y="58"/>
-                  </a:cubicBezTo>
-                  <a:cubicBezTo>
-                    <a:pt x="96" y="58"/>
-                    <a:pt x="96" y="58"/>
-                    <a:pt x="96" y="58"/>
-                  </a:cubicBezTo>
-                  <a:cubicBezTo>
-                    <a:pt x="93" y="58"/>
-                    <a:pt x="91" y="56"/>
-                    <a:pt x="90" y="54"/>
-                  </a:cubicBezTo>
-                  <a:cubicBezTo>
-                    <a:pt x="89" y="51"/>
-                    <a:pt x="89" y="49"/>
-                    <a:pt x="91" y="47"/>
-                  </a:cubicBezTo>
-                  <a:cubicBezTo>
-                    <a:pt x="113" y="20"/>
-                    <a:pt x="113" y="20"/>
-                    <a:pt x="113" y="20"/>
-                  </a:cubicBezTo>
-                  <a:cubicBezTo>
-                    <a:pt x="689" y="20"/>
-                    <a:pt x="689" y="20"/>
-                    <a:pt x="689" y="20"/>
-                  </a:cubicBezTo>
-                  <a:lnTo>
-                    <a:pt x="711" y="47"/>
-                  </a:lnTo>
-                  <a:close/>
-                </a:path>
-              </a:pathLst>
-            </a:custGeom>
-            <a:grpFill/>
-            <a:ln>
-              <a:noFill/>
-            </a:ln>
-            <a:extLst>
-              <a:ext uri="{91240B29-F687-4F45-9708-019B960494DF}">
-                <a14:hiddenLine xmlns:a14="http://schemas.microsoft.com/office/drawing/2010/main" w="9525">
-                  <a:solidFill>
-                    <a:srgbClr val="000000"/>
-                  </a:solidFill>
-                  <a:round/>
-                </a14:hiddenLine>
-              </a:ext>
-            </a:extLst>
-          </p:spPr>
-          <p:txBody>
-            <a:bodyPr vert="horz" wrap="square" lIns="91440" tIns="45720" rIns="91440" bIns="45720" numCol="1" anchor="t" anchorCtr="0" compatLnSpc="1"/>
-            <a:lstStyle/>
-            <a:p>
-              <a:endParaRPr lang="zh-CN" altLang="en-US" dirty="0">
-                <a:solidFill>
-                  <a:schemeClr val="bg1"/>
-                </a:solidFill>
-              </a:endParaRPr>
-            </a:p>
-          </p:txBody>
-        </p:sp>
-        <p:sp>
-          <p:nvSpPr>
-            <p:cNvPr id="36" name="Freeform 35"/>
-            <p:cNvSpPr>
-              <a:spLocks noEditPoints="1"/>
-            </p:cNvSpPr>
-            <p:nvPr/>
-          </p:nvSpPr>
-          <p:spPr bwMode="auto">
-            <a:xfrm>
-              <a:off x="4355" y="1637"/>
-              <a:ext cx="798" cy="29"/>
-            </a:xfrm>
-            <a:custGeom>
-              <a:avLst/>
-              <a:gdLst>
-                <a:gd name="T0" fmla="*/ 791 w 800"/>
-                <a:gd name="T1" fmla="*/ 3 h 29"/>
-                <a:gd name="T2" fmla="*/ 469 w 800"/>
-                <a:gd name="T3" fmla="*/ 3 h 29"/>
-                <a:gd name="T4" fmla="*/ 468 w 800"/>
-                <a:gd name="T5" fmla="*/ 6 h 29"/>
-                <a:gd name="T6" fmla="*/ 461 w 800"/>
-                <a:gd name="T7" fmla="*/ 9 h 29"/>
-                <a:gd name="T8" fmla="*/ 339 w 800"/>
-                <a:gd name="T9" fmla="*/ 9 h 29"/>
-                <a:gd name="T10" fmla="*/ 332 w 800"/>
-                <a:gd name="T11" fmla="*/ 6 h 29"/>
-                <a:gd name="T12" fmla="*/ 331 w 800"/>
-                <a:gd name="T13" fmla="*/ 3 h 29"/>
-                <a:gd name="T14" fmla="*/ 9 w 800"/>
-                <a:gd name="T15" fmla="*/ 3 h 29"/>
-                <a:gd name="T16" fmla="*/ 0 w 800"/>
-                <a:gd name="T17" fmla="*/ 0 h 29"/>
-                <a:gd name="T18" fmla="*/ 0 w 800"/>
-                <a:gd name="T19" fmla="*/ 9 h 29"/>
-                <a:gd name="T20" fmla="*/ 6 w 800"/>
-                <a:gd name="T21" fmla="*/ 23 h 29"/>
-                <a:gd name="T22" fmla="*/ 21 w 800"/>
-                <a:gd name="T23" fmla="*/ 29 h 29"/>
-                <a:gd name="T24" fmla="*/ 779 w 800"/>
-                <a:gd name="T25" fmla="*/ 29 h 29"/>
-                <a:gd name="T26" fmla="*/ 794 w 800"/>
-                <a:gd name="T27" fmla="*/ 23 h 29"/>
-                <a:gd name="T28" fmla="*/ 800 w 800"/>
-                <a:gd name="T29" fmla="*/ 9 h 29"/>
-                <a:gd name="T30" fmla="*/ 800 w 800"/>
-                <a:gd name="T31" fmla="*/ 0 h 29"/>
-                <a:gd name="T32" fmla="*/ 791 w 800"/>
-                <a:gd name="T33" fmla="*/ 3 h 29"/>
-                <a:gd name="T34" fmla="*/ 72 w 800"/>
-                <a:gd name="T35" fmla="*/ 21 h 29"/>
-                <a:gd name="T36" fmla="*/ 68 w 800"/>
-                <a:gd name="T37" fmla="*/ 16 h 29"/>
-                <a:gd name="T38" fmla="*/ 72 w 800"/>
-                <a:gd name="T39" fmla="*/ 12 h 29"/>
-                <a:gd name="T40" fmla="*/ 77 w 800"/>
-                <a:gd name="T41" fmla="*/ 16 h 29"/>
-                <a:gd name="T42" fmla="*/ 72 w 800"/>
-                <a:gd name="T43" fmla="*/ 21 h 29"/>
-                <a:gd name="T44" fmla="*/ 94 w 800"/>
-                <a:gd name="T45" fmla="*/ 21 h 29"/>
-                <a:gd name="T46" fmla="*/ 89 w 800"/>
-                <a:gd name="T47" fmla="*/ 16 h 29"/>
-                <a:gd name="T48" fmla="*/ 94 w 800"/>
-                <a:gd name="T49" fmla="*/ 12 h 29"/>
-                <a:gd name="T50" fmla="*/ 98 w 800"/>
-                <a:gd name="T51" fmla="*/ 16 h 29"/>
-                <a:gd name="T52" fmla="*/ 94 w 800"/>
-                <a:gd name="T53" fmla="*/ 21 h 29"/>
-                <a:gd name="T54" fmla="*/ 115 w 800"/>
-                <a:gd name="T55" fmla="*/ 21 h 29"/>
-                <a:gd name="T56" fmla="*/ 111 w 800"/>
-                <a:gd name="T57" fmla="*/ 16 h 29"/>
-                <a:gd name="T58" fmla="*/ 115 w 800"/>
-                <a:gd name="T59" fmla="*/ 12 h 29"/>
-                <a:gd name="T60" fmla="*/ 120 w 800"/>
-                <a:gd name="T61" fmla="*/ 16 h 29"/>
-                <a:gd name="T62" fmla="*/ 115 w 800"/>
-                <a:gd name="T63" fmla="*/ 21 h 29"/>
-              </a:gdLst>
-              <a:ahLst/>
-              <a:cxnLst>
-                <a:cxn ang="0">
-                  <a:pos x="T0" y="T1"/>
-                </a:cxn>
-                <a:cxn ang="0">
-                  <a:pos x="T2" y="T3"/>
-                </a:cxn>
-                <a:cxn ang="0">
-                  <a:pos x="T4" y="T5"/>
-                </a:cxn>
-                <a:cxn ang="0">
-                  <a:pos x="T6" y="T7"/>
-                </a:cxn>
-                <a:cxn ang="0">
-                  <a:pos x="T8" y="T9"/>
-                </a:cxn>
-                <a:cxn ang="0">
-                  <a:pos x="T10" y="T11"/>
-                </a:cxn>
-                <a:cxn ang="0">
-                  <a:pos x="T12" y="T13"/>
-                </a:cxn>
-                <a:cxn ang="0">
-                  <a:pos x="T14" y="T15"/>
-                </a:cxn>
-                <a:cxn ang="0">
-                  <a:pos x="T16" y="T17"/>
-                </a:cxn>
-                <a:cxn ang="0">
-                  <a:pos x="T18" y="T19"/>
-                </a:cxn>
-                <a:cxn ang="0">
-                  <a:pos x="T20" y="T21"/>
-                </a:cxn>
-                <a:cxn ang="0">
-                  <a:pos x="T22" y="T23"/>
-                </a:cxn>
-                <a:cxn ang="0">
-                  <a:pos x="T24" y="T25"/>
-                </a:cxn>
-                <a:cxn ang="0">
-                  <a:pos x="T26" y="T27"/>
-                </a:cxn>
-                <a:cxn ang="0">
-                  <a:pos x="T28" y="T29"/>
-                </a:cxn>
-                <a:cxn ang="0">
-                  <a:pos x="T30" y="T31"/>
-                </a:cxn>
-                <a:cxn ang="0">
-                  <a:pos x="T32" y="T33"/>
-                </a:cxn>
-                <a:cxn ang="0">
-                  <a:pos x="T34" y="T35"/>
-                </a:cxn>
-                <a:cxn ang="0">
-                  <a:pos x="T36" y="T37"/>
-                </a:cxn>
-                <a:cxn ang="0">
-                  <a:pos x="T38" y="T39"/>
-                </a:cxn>
-                <a:cxn ang="0">
-                  <a:pos x="T40" y="T41"/>
-                </a:cxn>
-                <a:cxn ang="0">
-                  <a:pos x="T42" y="T43"/>
-                </a:cxn>
-                <a:cxn ang="0">
-                  <a:pos x="T44" y="T45"/>
-                </a:cxn>
-                <a:cxn ang="0">
-                  <a:pos x="T46" y="T47"/>
-                </a:cxn>
-                <a:cxn ang="0">
-                  <a:pos x="T48" y="T49"/>
-                </a:cxn>
-                <a:cxn ang="0">
-                  <a:pos x="T50" y="T51"/>
-                </a:cxn>
-                <a:cxn ang="0">
-                  <a:pos x="T52" y="T53"/>
-                </a:cxn>
-                <a:cxn ang="0">
-                  <a:pos x="T54" y="T55"/>
-                </a:cxn>
-                <a:cxn ang="0">
-                  <a:pos x="T56" y="T57"/>
-                </a:cxn>
-                <a:cxn ang="0">
-                  <a:pos x="T58" y="T59"/>
-                </a:cxn>
-                <a:cxn ang="0">
-                  <a:pos x="T60" y="T61"/>
-                </a:cxn>
-                <a:cxn ang="0">
-                  <a:pos x="T62" y="T63"/>
-                </a:cxn>
-              </a:cxnLst>
-              <a:rect l="0" t="0" r="r" b="b"/>
-              <a:pathLst>
-                <a:path w="800" h="29">
-                  <a:moveTo>
-                    <a:pt x="791" y="3"/>
-                  </a:moveTo>
-                  <a:cubicBezTo>
-                    <a:pt x="469" y="3"/>
-                    <a:pt x="469" y="3"/>
-                    <a:pt x="469" y="3"/>
-                  </a:cubicBezTo>
-                  <a:cubicBezTo>
-                    <a:pt x="469" y="4"/>
-                    <a:pt x="468" y="5"/>
-                    <a:pt x="468" y="6"/>
-                  </a:cubicBezTo>
-                  <a:cubicBezTo>
-                    <a:pt x="466" y="8"/>
-                    <a:pt x="463" y="9"/>
-                    <a:pt x="461" y="9"/>
-                  </a:cubicBezTo>
-                  <a:cubicBezTo>
-                    <a:pt x="339" y="9"/>
-                    <a:pt x="339" y="9"/>
-                    <a:pt x="339" y="9"/>
-                  </a:cubicBezTo>
-                  <a:cubicBezTo>
-                    <a:pt x="337" y="9"/>
-                    <a:pt x="334" y="8"/>
-                    <a:pt x="332" y="6"/>
-                  </a:cubicBezTo>
-                  <a:cubicBezTo>
-                    <a:pt x="332" y="5"/>
-                    <a:pt x="331" y="4"/>
-                    <a:pt x="331" y="3"/>
-                  </a:cubicBezTo>
-                  <a:cubicBezTo>
-                    <a:pt x="9" y="3"/>
-                    <a:pt x="9" y="3"/>
-                    <a:pt x="9" y="3"/>
-                  </a:cubicBezTo>
-                  <a:cubicBezTo>
-                    <a:pt x="5" y="3"/>
-                    <a:pt x="2" y="2"/>
-                    <a:pt x="0" y="0"/>
-                  </a:cubicBezTo>
-                  <a:cubicBezTo>
-                    <a:pt x="0" y="9"/>
-                    <a:pt x="0" y="9"/>
-                    <a:pt x="0" y="9"/>
-                  </a:cubicBezTo>
-                  <a:cubicBezTo>
-                    <a:pt x="0" y="14"/>
-                    <a:pt x="2" y="19"/>
-                    <a:pt x="6" y="23"/>
-                  </a:cubicBezTo>
-                  <a:cubicBezTo>
-                    <a:pt x="10" y="27"/>
-                    <a:pt x="15" y="29"/>
-                    <a:pt x="21" y="29"/>
-                  </a:cubicBezTo>
-                  <a:cubicBezTo>
-                    <a:pt x="779" y="29"/>
-                    <a:pt x="779" y="29"/>
-                    <a:pt x="779" y="29"/>
-                  </a:cubicBezTo>
-                  <a:cubicBezTo>
-                    <a:pt x="785" y="29"/>
-                    <a:pt x="790" y="27"/>
-                    <a:pt x="794" y="23"/>
-                  </a:cubicBezTo>
-                  <a:cubicBezTo>
-                    <a:pt x="798" y="19"/>
-                    <a:pt x="800" y="14"/>
-                    <a:pt x="800" y="9"/>
-                  </a:cubicBezTo>
-                  <a:cubicBezTo>
-                    <a:pt x="800" y="0"/>
-                    <a:pt x="800" y="0"/>
-                    <a:pt x="800" y="0"/>
-                  </a:cubicBezTo>
-                  <a:cubicBezTo>
-                    <a:pt x="798" y="2"/>
-                    <a:pt x="795" y="3"/>
-                    <a:pt x="791" y="3"/>
-                  </a:cubicBezTo>
-                  <a:close/>
-                  <a:moveTo>
-                    <a:pt x="72" y="21"/>
-                  </a:moveTo>
-                  <a:cubicBezTo>
-                    <a:pt x="70" y="21"/>
-                    <a:pt x="68" y="19"/>
-                    <a:pt x="68" y="16"/>
-                  </a:cubicBezTo>
-                  <a:cubicBezTo>
-                    <a:pt x="68" y="14"/>
-                    <a:pt x="70" y="12"/>
-                    <a:pt x="72" y="12"/>
-                  </a:cubicBezTo>
-                  <a:cubicBezTo>
-                    <a:pt x="75" y="12"/>
-                    <a:pt x="77" y="14"/>
-                    <a:pt x="77" y="16"/>
-                  </a:cubicBezTo>
-                  <a:cubicBezTo>
-                    <a:pt x="77" y="19"/>
-                    <a:pt x="75" y="21"/>
-                    <a:pt x="72" y="21"/>
-                  </a:cubicBezTo>
-                  <a:close/>
-                  <a:moveTo>
-                    <a:pt x="94" y="21"/>
-                  </a:moveTo>
-                  <a:cubicBezTo>
-                    <a:pt x="91" y="21"/>
-                    <a:pt x="89" y="19"/>
-                    <a:pt x="89" y="16"/>
-                  </a:cubicBezTo>
-                  <a:cubicBezTo>
-                    <a:pt x="89" y="14"/>
-                    <a:pt x="91" y="12"/>
-                    <a:pt x="94" y="12"/>
-                  </a:cubicBezTo>
-                  <a:cubicBezTo>
-                    <a:pt x="96" y="12"/>
-                    <a:pt x="98" y="14"/>
-                    <a:pt x="98" y="16"/>
-                  </a:cubicBezTo>
-                  <a:cubicBezTo>
-                    <a:pt x="98" y="19"/>
-                    <a:pt x="96" y="21"/>
-                    <a:pt x="94" y="21"/>
-                  </a:cubicBezTo>
-                  <a:close/>
-                  <a:moveTo>
-                    <a:pt x="115" y="21"/>
-                  </a:moveTo>
-                  <a:cubicBezTo>
-                    <a:pt x="113" y="21"/>
-                    <a:pt x="111" y="19"/>
-                    <a:pt x="111" y="16"/>
-                  </a:cubicBezTo>
-                  <a:cubicBezTo>
-                    <a:pt x="111" y="14"/>
-                    <a:pt x="113" y="12"/>
-                    <a:pt x="115" y="12"/>
-                  </a:cubicBezTo>
-                  <a:cubicBezTo>
-                    <a:pt x="118" y="12"/>
-                    <a:pt x="120" y="14"/>
-                    <a:pt x="120" y="16"/>
-                  </a:cubicBezTo>
-                  <a:cubicBezTo>
-                    <a:pt x="120" y="19"/>
-                    <a:pt x="118" y="21"/>
-                    <a:pt x="115" y="21"/>
-                  </a:cubicBezTo>
-                  <a:close/>
-                </a:path>
-              </a:pathLst>
-            </a:custGeom>
-            <a:grpFill/>
-            <a:ln>
-              <a:noFill/>
-            </a:ln>
-            <a:extLst>
-              <a:ext uri="{91240B29-F687-4F45-9708-019B960494DF}">
-                <a14:hiddenLine xmlns:a14="http://schemas.microsoft.com/office/drawing/2010/main" w="9525">
-                  <a:solidFill>
-                    <a:srgbClr val="000000"/>
-                  </a:solidFill>
-                  <a:round/>
-                </a14:hiddenLine>
-              </a:ext>
-            </a:extLst>
-          </p:spPr>
-          <p:txBody>
-            <a:bodyPr vert="horz" wrap="square" lIns="91440" tIns="45720" rIns="91440" bIns="45720" numCol="1" anchor="t" anchorCtr="0" compatLnSpc="1"/>
-            <a:lstStyle/>
-            <a:p>
-              <a:endParaRPr lang="zh-CN" altLang="en-US">
-                <a:solidFill>
-                  <a:schemeClr val="bg1"/>
-                </a:solidFill>
-              </a:endParaRPr>
-            </a:p>
-          </p:txBody>
-        </p:sp>
-        <p:sp>
-          <p:nvSpPr>
-            <p:cNvPr id="37" name="Freeform 36"/>
-            <p:cNvSpPr/>
-            <p:nvPr/>
-          </p:nvSpPr>
-          <p:spPr bwMode="auto">
-            <a:xfrm>
-              <a:off x="4702" y="1225"/>
-              <a:ext cx="50" cy="48"/>
-            </a:xfrm>
-            <a:custGeom>
-              <a:avLst/>
-              <a:gdLst>
-                <a:gd name="T0" fmla="*/ 50 w 50"/>
-                <a:gd name="T1" fmla="*/ 24 h 48"/>
-                <a:gd name="T2" fmla="*/ 47 w 50"/>
-                <a:gd name="T3" fmla="*/ 36 h 48"/>
-                <a:gd name="T4" fmla="*/ 40 w 50"/>
-                <a:gd name="T5" fmla="*/ 30 h 48"/>
-                <a:gd name="T6" fmla="*/ 41 w 50"/>
-                <a:gd name="T7" fmla="*/ 24 h 48"/>
-                <a:gd name="T8" fmla="*/ 25 w 50"/>
-                <a:gd name="T9" fmla="*/ 8 h 48"/>
-                <a:gd name="T10" fmla="*/ 9 w 50"/>
-                <a:gd name="T11" fmla="*/ 24 h 48"/>
-                <a:gd name="T12" fmla="*/ 19 w 50"/>
-                <a:gd name="T13" fmla="*/ 40 h 48"/>
-                <a:gd name="T14" fmla="*/ 19 w 50"/>
-                <a:gd name="T15" fmla="*/ 48 h 48"/>
-                <a:gd name="T16" fmla="*/ 0 w 50"/>
-                <a:gd name="T17" fmla="*/ 24 h 48"/>
-                <a:gd name="T18" fmla="*/ 25 w 50"/>
-                <a:gd name="T19" fmla="*/ 0 h 48"/>
-                <a:gd name="T20" fmla="*/ 50 w 50"/>
-                <a:gd name="T21" fmla="*/ 24 h 48"/>
-              </a:gdLst>
-              <a:ahLst/>
-              <a:cxnLst>
-                <a:cxn ang="0">
-                  <a:pos x="T0" y="T1"/>
-                </a:cxn>
-                <a:cxn ang="0">
-                  <a:pos x="T2" y="T3"/>
-                </a:cxn>
-                <a:cxn ang="0">
-                  <a:pos x="T4" y="T5"/>
-                </a:cxn>
-                <a:cxn ang="0">
-                  <a:pos x="T6" y="T7"/>
-                </a:cxn>
-                <a:cxn ang="0">
-                  <a:pos x="T8" y="T9"/>
-                </a:cxn>
-                <a:cxn ang="0">
-                  <a:pos x="T10" y="T11"/>
-                </a:cxn>
-                <a:cxn ang="0">
-                  <a:pos x="T12" y="T13"/>
-                </a:cxn>
-                <a:cxn ang="0">
-                  <a:pos x="T14" y="T15"/>
-                </a:cxn>
-                <a:cxn ang="0">
-                  <a:pos x="T16" y="T17"/>
-                </a:cxn>
-                <a:cxn ang="0">
-                  <a:pos x="T18" y="T19"/>
-                </a:cxn>
-                <a:cxn ang="0">
-                  <a:pos x="T20" y="T21"/>
-                </a:cxn>
-              </a:cxnLst>
-              <a:rect l="0" t="0" r="r" b="b"/>
-              <a:pathLst>
-                <a:path w="50" h="48">
-                  <a:moveTo>
-                    <a:pt x="50" y="24"/>
-                  </a:moveTo>
-                  <a:cubicBezTo>
-                    <a:pt x="50" y="29"/>
-                    <a:pt x="48" y="33"/>
-                    <a:pt x="47" y="36"/>
-                  </a:cubicBezTo>
-                  <a:cubicBezTo>
-                    <a:pt x="40" y="30"/>
-                    <a:pt x="40" y="30"/>
-                    <a:pt x="40" y="30"/>
-                  </a:cubicBezTo>
-                  <a:cubicBezTo>
-                    <a:pt x="41" y="28"/>
-                    <a:pt x="41" y="26"/>
-                    <a:pt x="41" y="24"/>
-                  </a:cubicBezTo>
-                  <a:cubicBezTo>
-                    <a:pt x="41" y="15"/>
-                    <a:pt x="34" y="8"/>
-                    <a:pt x="25" y="8"/>
-                  </a:cubicBezTo>
-                  <a:cubicBezTo>
-                    <a:pt x="16" y="8"/>
-                    <a:pt x="9" y="15"/>
-                    <a:pt x="9" y="24"/>
-                  </a:cubicBezTo>
-                  <a:cubicBezTo>
-                    <a:pt x="9" y="31"/>
-                    <a:pt x="13" y="37"/>
-                    <a:pt x="19" y="40"/>
-                  </a:cubicBezTo>
-                  <a:cubicBezTo>
-                    <a:pt x="19" y="48"/>
-                    <a:pt x="19" y="48"/>
-                    <a:pt x="19" y="48"/>
-                  </a:cubicBezTo>
-                  <a:cubicBezTo>
-                    <a:pt x="8" y="45"/>
-                    <a:pt x="0" y="36"/>
-                    <a:pt x="0" y="24"/>
-                  </a:cubicBezTo>
-                  <a:cubicBezTo>
-                    <a:pt x="0" y="11"/>
-                    <a:pt x="11" y="0"/>
-                    <a:pt x="25" y="0"/>
-                  </a:cubicBezTo>
-                  <a:cubicBezTo>
-                    <a:pt x="39" y="0"/>
-                    <a:pt x="50" y="11"/>
-                    <a:pt x="50" y="24"/>
-                  </a:cubicBezTo>
-                  <a:close/>
-                </a:path>
-              </a:pathLst>
-            </a:custGeom>
-            <a:grpFill/>
-            <a:ln>
-              <a:noFill/>
-            </a:ln>
-            <a:extLst>
-              <a:ext uri="{91240B29-F687-4F45-9708-019B960494DF}">
-                <a14:hiddenLine xmlns:a14="http://schemas.microsoft.com/office/drawing/2010/main" w="9525">
-                  <a:solidFill>
-                    <a:srgbClr val="000000"/>
-                  </a:solidFill>
-                  <a:round/>
-                </a14:hiddenLine>
-              </a:ext>
-            </a:extLst>
-          </p:spPr>
-          <p:txBody>
-            <a:bodyPr vert="horz" wrap="square" lIns="91440" tIns="45720" rIns="91440" bIns="45720" numCol="1" anchor="t" anchorCtr="0" compatLnSpc="1"/>
-            <a:lstStyle/>
-            <a:p>
-              <a:endParaRPr lang="zh-CN" altLang="en-US">
-                <a:solidFill>
-                  <a:schemeClr val="bg1"/>
-                </a:solidFill>
-              </a:endParaRPr>
-            </a:p>
-          </p:txBody>
-        </p:sp>
-        <p:sp>
-          <p:nvSpPr>
-            <p:cNvPr id="38" name="Freeform 37"/>
-            <p:cNvSpPr/>
-            <p:nvPr/>
-          </p:nvSpPr>
-          <p:spPr bwMode="auto">
-            <a:xfrm>
-              <a:off x="4682" y="1204"/>
-              <a:ext cx="90" cy="90"/>
-            </a:xfrm>
-            <a:custGeom>
-              <a:avLst/>
-              <a:gdLst>
-                <a:gd name="T0" fmla="*/ 45 w 90"/>
-                <a:gd name="T1" fmla="*/ 0 h 90"/>
-                <a:gd name="T2" fmla="*/ 0 w 90"/>
-                <a:gd name="T3" fmla="*/ 45 h 90"/>
-                <a:gd name="T4" fmla="*/ 39 w 90"/>
-                <a:gd name="T5" fmla="*/ 90 h 90"/>
-                <a:gd name="T6" fmla="*/ 39 w 90"/>
-                <a:gd name="T7" fmla="*/ 82 h 90"/>
-                <a:gd name="T8" fmla="*/ 8 w 90"/>
-                <a:gd name="T9" fmla="*/ 45 h 90"/>
-                <a:gd name="T10" fmla="*/ 45 w 90"/>
-                <a:gd name="T11" fmla="*/ 9 h 90"/>
-                <a:gd name="T12" fmla="*/ 82 w 90"/>
-                <a:gd name="T13" fmla="*/ 45 h 90"/>
-                <a:gd name="T14" fmla="*/ 75 w 90"/>
-                <a:gd name="T15" fmla="*/ 66 h 90"/>
-                <a:gd name="T16" fmla="*/ 81 w 90"/>
-                <a:gd name="T17" fmla="*/ 72 h 90"/>
-                <a:gd name="T18" fmla="*/ 90 w 90"/>
-                <a:gd name="T19" fmla="*/ 45 h 90"/>
-                <a:gd name="T20" fmla="*/ 45 w 90"/>
-                <a:gd name="T21" fmla="*/ 0 h 90"/>
-              </a:gdLst>
-              <a:ahLst/>
-              <a:cxnLst>
-                <a:cxn ang="0">
-                  <a:pos x="T0" y="T1"/>
-                </a:cxn>
-                <a:cxn ang="0">
-                  <a:pos x="T2" y="T3"/>
-                </a:cxn>
-                <a:cxn ang="0">
-                  <a:pos x="T4" y="T5"/>
-                </a:cxn>
-                <a:cxn ang="0">
-                  <a:pos x="T6" y="T7"/>
-                </a:cxn>
-                <a:cxn ang="0">
-                  <a:pos x="T8" y="T9"/>
-                </a:cxn>
-                <a:cxn ang="0">
-                  <a:pos x="T10" y="T11"/>
-                </a:cxn>
-                <a:cxn ang="0">
-                  <a:pos x="T12" y="T13"/>
-                </a:cxn>
-                <a:cxn ang="0">
-                  <a:pos x="T14" y="T15"/>
-                </a:cxn>
-                <a:cxn ang="0">
-                  <a:pos x="T16" y="T17"/>
-                </a:cxn>
-                <a:cxn ang="0">
-                  <a:pos x="T18" y="T19"/>
-                </a:cxn>
-                <a:cxn ang="0">
-                  <a:pos x="T20" y="T21"/>
-                </a:cxn>
-              </a:cxnLst>
-              <a:rect l="0" t="0" r="r" b="b"/>
-              <a:pathLst>
-                <a:path w="90" h="90">
-                  <a:moveTo>
-                    <a:pt x="45" y="0"/>
-                  </a:moveTo>
-                  <a:cubicBezTo>
-                    <a:pt x="20" y="0"/>
-                    <a:pt x="0" y="21"/>
-                    <a:pt x="0" y="45"/>
-                  </a:cubicBezTo>
-                  <a:cubicBezTo>
-                    <a:pt x="0" y="68"/>
-                    <a:pt x="17" y="87"/>
-                    <a:pt x="39" y="90"/>
-                  </a:cubicBezTo>
-                  <a:cubicBezTo>
-                    <a:pt x="39" y="82"/>
-                    <a:pt x="39" y="82"/>
-                    <a:pt x="39" y="82"/>
-                  </a:cubicBezTo>
-                  <a:cubicBezTo>
-                    <a:pt x="21" y="79"/>
-                    <a:pt x="8" y="64"/>
-                    <a:pt x="8" y="45"/>
-                  </a:cubicBezTo>
-                  <a:cubicBezTo>
-                    <a:pt x="8" y="25"/>
-                    <a:pt x="25" y="9"/>
-                    <a:pt x="45" y="9"/>
-                  </a:cubicBezTo>
-                  <a:cubicBezTo>
-                    <a:pt x="65" y="9"/>
-                    <a:pt x="82" y="25"/>
-                    <a:pt x="82" y="45"/>
-                  </a:cubicBezTo>
-                  <a:cubicBezTo>
-                    <a:pt x="82" y="53"/>
-                    <a:pt x="79" y="60"/>
-                    <a:pt x="75" y="66"/>
-                  </a:cubicBezTo>
-                  <a:cubicBezTo>
-                    <a:pt x="81" y="72"/>
-                    <a:pt x="81" y="72"/>
-                    <a:pt x="81" y="72"/>
-                  </a:cubicBezTo>
-                  <a:cubicBezTo>
-                    <a:pt x="87" y="65"/>
-                    <a:pt x="90" y="55"/>
-                    <a:pt x="90" y="45"/>
-                  </a:cubicBezTo>
-                  <a:cubicBezTo>
-                    <a:pt x="90" y="21"/>
-                    <a:pt x="70" y="0"/>
-                    <a:pt x="45" y="0"/>
-                  </a:cubicBezTo>
-                  <a:close/>
-                </a:path>
-              </a:pathLst>
-            </a:custGeom>
-            <a:grpFill/>
-            <a:ln>
-              <a:noFill/>
-            </a:ln>
-            <a:extLst>
-              <a:ext uri="{91240B29-F687-4F45-9708-019B960494DF}">
-                <a14:hiddenLine xmlns:a14="http://schemas.microsoft.com/office/drawing/2010/main" w="9525">
-                  <a:solidFill>
-                    <a:srgbClr val="000000"/>
-                  </a:solidFill>
-                  <a:round/>
-                </a14:hiddenLine>
-              </a:ext>
-            </a:extLst>
-          </p:spPr>
-          <p:txBody>
-            <a:bodyPr vert="horz" wrap="square" lIns="91440" tIns="45720" rIns="91440" bIns="45720" numCol="1" anchor="t" anchorCtr="0" compatLnSpc="1"/>
-            <a:lstStyle/>
-            <a:p>
-              <a:endParaRPr lang="zh-CN" altLang="en-US">
-                <a:solidFill>
-                  <a:schemeClr val="bg1"/>
-                </a:solidFill>
-              </a:endParaRPr>
-            </a:p>
-          </p:txBody>
-        </p:sp>
-        <p:sp>
-          <p:nvSpPr>
-            <p:cNvPr id="39" name="Freeform 38"/>
-            <p:cNvSpPr/>
-            <p:nvPr/>
-          </p:nvSpPr>
-          <p:spPr bwMode="auto">
-            <a:xfrm>
-              <a:off x="4727" y="1248"/>
-              <a:ext cx="99" cy="167"/>
-            </a:xfrm>
-            <a:custGeom>
-              <a:avLst/>
-              <a:gdLst>
-                <a:gd name="T0" fmla="*/ 0 w 99"/>
-                <a:gd name="T1" fmla="*/ 1 h 167"/>
-                <a:gd name="T2" fmla="*/ 0 w 99"/>
-                <a:gd name="T3" fmla="*/ 1 h 167"/>
-                <a:gd name="T4" fmla="*/ 0 w 99"/>
-                <a:gd name="T5" fmla="*/ 143 h 167"/>
-                <a:gd name="T6" fmla="*/ 0 w 99"/>
-                <a:gd name="T7" fmla="*/ 143 h 167"/>
-                <a:gd name="T8" fmla="*/ 1 w 99"/>
-                <a:gd name="T9" fmla="*/ 143 h 167"/>
-                <a:gd name="T10" fmla="*/ 1 w 99"/>
-                <a:gd name="T11" fmla="*/ 143 h 167"/>
-                <a:gd name="T12" fmla="*/ 29 w 99"/>
-                <a:gd name="T13" fmla="*/ 119 h 167"/>
-                <a:gd name="T14" fmla="*/ 29 w 99"/>
-                <a:gd name="T15" fmla="*/ 119 h 167"/>
-                <a:gd name="T16" fmla="*/ 29 w 99"/>
-                <a:gd name="T17" fmla="*/ 119 h 167"/>
-                <a:gd name="T18" fmla="*/ 30 w 99"/>
-                <a:gd name="T19" fmla="*/ 119 h 167"/>
-                <a:gd name="T20" fmla="*/ 47 w 99"/>
-                <a:gd name="T21" fmla="*/ 163 h 167"/>
-                <a:gd name="T22" fmla="*/ 50 w 99"/>
-                <a:gd name="T23" fmla="*/ 166 h 167"/>
-                <a:gd name="T24" fmla="*/ 54 w 99"/>
-                <a:gd name="T25" fmla="*/ 166 h 167"/>
-                <a:gd name="T26" fmla="*/ 76 w 99"/>
-                <a:gd name="T27" fmla="*/ 157 h 167"/>
-                <a:gd name="T28" fmla="*/ 79 w 99"/>
-                <a:gd name="T29" fmla="*/ 155 h 167"/>
-                <a:gd name="T30" fmla="*/ 79 w 99"/>
-                <a:gd name="T31" fmla="*/ 151 h 167"/>
-                <a:gd name="T32" fmla="*/ 61 w 99"/>
-                <a:gd name="T33" fmla="*/ 107 h 167"/>
-                <a:gd name="T34" fmla="*/ 61 w 99"/>
-                <a:gd name="T35" fmla="*/ 106 h 167"/>
-                <a:gd name="T36" fmla="*/ 61 w 99"/>
-                <a:gd name="T37" fmla="*/ 106 h 167"/>
-                <a:gd name="T38" fmla="*/ 62 w 99"/>
-                <a:gd name="T39" fmla="*/ 106 h 167"/>
-                <a:gd name="T40" fmla="*/ 98 w 99"/>
-                <a:gd name="T41" fmla="*/ 104 h 167"/>
-                <a:gd name="T42" fmla="*/ 99 w 99"/>
-                <a:gd name="T43" fmla="*/ 104 h 167"/>
-                <a:gd name="T44" fmla="*/ 99 w 99"/>
-                <a:gd name="T45" fmla="*/ 104 h 167"/>
-                <a:gd name="T46" fmla="*/ 99 w 99"/>
-                <a:gd name="T47" fmla="*/ 103 h 167"/>
-                <a:gd name="T48" fmla="*/ 1 w 99"/>
-                <a:gd name="T49" fmla="*/ 1 h 167"/>
-                <a:gd name="T50" fmla="*/ 0 w 99"/>
-                <a:gd name="T51" fmla="*/ 1 h 167"/>
-              </a:gdLst>
-              <a:ahLst/>
-              <a:cxnLst>
-                <a:cxn ang="0">
-                  <a:pos x="T0" y="T1"/>
-                </a:cxn>
-                <a:cxn ang="0">
-                  <a:pos x="T2" y="T3"/>
-                </a:cxn>
-                <a:cxn ang="0">
-                  <a:pos x="T4" y="T5"/>
-                </a:cxn>
-                <a:cxn ang="0">
-                  <a:pos x="T6" y="T7"/>
-                </a:cxn>
-                <a:cxn ang="0">
-                  <a:pos x="T8" y="T9"/>
-                </a:cxn>
-                <a:cxn ang="0">
-                  <a:pos x="T10" y="T11"/>
-                </a:cxn>
-                <a:cxn ang="0">
-                  <a:pos x="T12" y="T13"/>
-                </a:cxn>
-                <a:cxn ang="0">
-                  <a:pos x="T14" y="T15"/>
-                </a:cxn>
-                <a:cxn ang="0">
-                  <a:pos x="T16" y="T17"/>
-                </a:cxn>
-                <a:cxn ang="0">
-                  <a:pos x="T18" y="T19"/>
-                </a:cxn>
-                <a:cxn ang="0">
-                  <a:pos x="T20" y="T21"/>
-                </a:cxn>
-                <a:cxn ang="0">
-                  <a:pos x="T22" y="T23"/>
-                </a:cxn>
-                <a:cxn ang="0">
-                  <a:pos x="T24" y="T25"/>
-                </a:cxn>
-                <a:cxn ang="0">
-                  <a:pos x="T26" y="T27"/>
-                </a:cxn>
-                <a:cxn ang="0">
-                  <a:pos x="T28" y="T29"/>
-                </a:cxn>
-                <a:cxn ang="0">
-                  <a:pos x="T30" y="T31"/>
-                </a:cxn>
-                <a:cxn ang="0">
-                  <a:pos x="T32" y="T33"/>
-                </a:cxn>
-                <a:cxn ang="0">
-                  <a:pos x="T34" y="T35"/>
-                </a:cxn>
-                <a:cxn ang="0">
-                  <a:pos x="T36" y="T37"/>
-                </a:cxn>
-                <a:cxn ang="0">
-                  <a:pos x="T38" y="T39"/>
-                </a:cxn>
-                <a:cxn ang="0">
-                  <a:pos x="T40" y="T41"/>
-                </a:cxn>
-                <a:cxn ang="0">
-                  <a:pos x="T42" y="T43"/>
-                </a:cxn>
-                <a:cxn ang="0">
-                  <a:pos x="T44" y="T45"/>
-                </a:cxn>
-                <a:cxn ang="0">
-                  <a:pos x="T46" y="T47"/>
-                </a:cxn>
-                <a:cxn ang="0">
-                  <a:pos x="T48" y="T49"/>
-                </a:cxn>
-                <a:cxn ang="0">
-                  <a:pos x="T50" y="T51"/>
-                </a:cxn>
-              </a:cxnLst>
-              <a:rect l="0" t="0" r="r" b="b"/>
-              <a:pathLst>
-                <a:path w="99" h="167">
-                  <a:moveTo>
-                    <a:pt x="0" y="1"/>
-                  </a:moveTo>
-                  <a:cubicBezTo>
-                    <a:pt x="0" y="1"/>
-                    <a:pt x="0" y="1"/>
-                    <a:pt x="0" y="1"/>
-                  </a:cubicBezTo>
-                  <a:cubicBezTo>
-                    <a:pt x="0" y="143"/>
-                    <a:pt x="0" y="143"/>
-                    <a:pt x="0" y="143"/>
-                  </a:cubicBezTo>
-                  <a:cubicBezTo>
-                    <a:pt x="0" y="143"/>
-                    <a:pt x="0" y="143"/>
-                    <a:pt x="0" y="143"/>
-                  </a:cubicBezTo>
-                  <a:cubicBezTo>
-                    <a:pt x="1" y="143"/>
-                    <a:pt x="1" y="143"/>
-                    <a:pt x="1" y="143"/>
-                  </a:cubicBezTo>
-                  <a:cubicBezTo>
-                    <a:pt x="1" y="143"/>
-                    <a:pt x="1" y="143"/>
-                    <a:pt x="1" y="143"/>
-                  </a:cubicBezTo>
-                  <a:cubicBezTo>
-                    <a:pt x="29" y="119"/>
-                    <a:pt x="29" y="119"/>
-                    <a:pt x="29" y="119"/>
-                  </a:cubicBezTo>
-                  <a:cubicBezTo>
-                    <a:pt x="29" y="119"/>
-                    <a:pt x="29" y="119"/>
-                    <a:pt x="29" y="119"/>
-                  </a:cubicBezTo>
-                  <a:cubicBezTo>
-                    <a:pt x="29" y="119"/>
-                    <a:pt x="29" y="119"/>
-                    <a:pt x="29" y="119"/>
-                  </a:cubicBezTo>
-                  <a:cubicBezTo>
-                    <a:pt x="29" y="119"/>
-                    <a:pt x="30" y="119"/>
-                    <a:pt x="30" y="119"/>
-                  </a:cubicBezTo>
-                  <a:cubicBezTo>
-                    <a:pt x="47" y="163"/>
-                    <a:pt x="47" y="163"/>
-                    <a:pt x="47" y="163"/>
-                  </a:cubicBezTo>
-                  <a:cubicBezTo>
-                    <a:pt x="48" y="164"/>
-                    <a:pt x="49" y="165"/>
-                    <a:pt x="50" y="166"/>
-                  </a:cubicBezTo>
-                  <a:cubicBezTo>
-                    <a:pt x="52" y="167"/>
-                    <a:pt x="53" y="167"/>
-                    <a:pt x="54" y="166"/>
-                  </a:cubicBezTo>
-                  <a:cubicBezTo>
-                    <a:pt x="76" y="157"/>
-                    <a:pt x="76" y="157"/>
-                    <a:pt x="76" y="157"/>
-                  </a:cubicBezTo>
-                  <a:cubicBezTo>
-                    <a:pt x="77" y="157"/>
-                    <a:pt x="78" y="156"/>
-                    <a:pt x="79" y="155"/>
-                  </a:cubicBezTo>
-                  <a:cubicBezTo>
-                    <a:pt x="79" y="153"/>
-                    <a:pt x="79" y="152"/>
-                    <a:pt x="79" y="151"/>
-                  </a:cubicBezTo>
-                  <a:cubicBezTo>
-                    <a:pt x="61" y="107"/>
-                    <a:pt x="61" y="107"/>
-                    <a:pt x="61" y="107"/>
-                  </a:cubicBezTo>
-                  <a:cubicBezTo>
-                    <a:pt x="61" y="106"/>
-                    <a:pt x="61" y="106"/>
-                    <a:pt x="61" y="106"/>
-                  </a:cubicBezTo>
-                  <a:cubicBezTo>
-                    <a:pt x="61" y="106"/>
-                    <a:pt x="61" y="106"/>
-                    <a:pt x="61" y="106"/>
-                  </a:cubicBezTo>
-                  <a:cubicBezTo>
-                    <a:pt x="61" y="106"/>
-                    <a:pt x="62" y="106"/>
-                    <a:pt x="62" y="106"/>
-                  </a:cubicBezTo>
-                  <a:cubicBezTo>
-                    <a:pt x="98" y="104"/>
-                    <a:pt x="98" y="104"/>
-                    <a:pt x="98" y="104"/>
-                  </a:cubicBezTo>
-                  <a:cubicBezTo>
-                    <a:pt x="98" y="104"/>
-                    <a:pt x="98" y="104"/>
-                    <a:pt x="99" y="104"/>
-                  </a:cubicBezTo>
-                  <a:cubicBezTo>
-                    <a:pt x="99" y="104"/>
-                    <a:pt x="99" y="104"/>
-                    <a:pt x="99" y="104"/>
-                  </a:cubicBezTo>
-                  <a:cubicBezTo>
-                    <a:pt x="99" y="104"/>
-                    <a:pt x="99" y="103"/>
-                    <a:pt x="99" y="103"/>
-                  </a:cubicBezTo>
-                  <a:cubicBezTo>
-                    <a:pt x="1" y="1"/>
-                    <a:pt x="1" y="1"/>
-                    <a:pt x="1" y="1"/>
-                  </a:cubicBezTo>
-                  <a:cubicBezTo>
-                    <a:pt x="1" y="1"/>
-                    <a:pt x="1" y="0"/>
-                    <a:pt x="0" y="1"/>
-                  </a:cubicBezTo>
-                  <a:close/>
-                </a:path>
-              </a:pathLst>
-            </a:custGeom>
-            <a:grpFill/>
-            <a:ln>
-              <a:noFill/>
-            </a:ln>
-            <a:extLst>
-              <a:ext uri="{91240B29-F687-4F45-9708-019B960494DF}">
-                <a14:hiddenLine xmlns:a14="http://schemas.microsoft.com/office/drawing/2010/main" w="9525">
-                  <a:solidFill>
-                    <a:srgbClr val="000000"/>
-                  </a:solidFill>
-                  <a:round/>
-                </a14:hiddenLine>
-              </a:ext>
-            </a:extLst>
-          </p:spPr>
-          <p:txBody>
-            <a:bodyPr vert="horz" wrap="square" lIns="91440" tIns="45720" rIns="91440" bIns="45720" numCol="1" anchor="t" anchorCtr="0" compatLnSpc="1"/>
-            <a:lstStyle/>
-            <a:p>
-              <a:endParaRPr lang="zh-CN" altLang="en-US">
-                <a:solidFill>
-                  <a:schemeClr val="bg1"/>
-                </a:solidFill>
-              </a:endParaRPr>
-            </a:p>
-          </p:txBody>
-        </p:sp>
-      </p:grpSp>
+      </p:pic>
     </p:spTree>
   </p:cSld>
   <p:clrMapOvr>
@@ -29329,19 +24132,7 @@
                 <a:latin typeface="微软雅黑" panose="020B0503020204020204" charset="-122"/>
                 <a:ea typeface="微软雅黑" panose="020B0503020204020204" charset="-122"/>
               </a:rPr>
-              <a:t>简单介绍项目的研究背景和发展现状，让读者对于该项目有一个大致的</a:t>
-            </a:r>
-            <a:r>
-              <a:rPr lang="zh-CN" altLang="en-US" sz="1100" dirty="0" smtClean="0">
-                <a:solidFill>
-                  <a:schemeClr val="bg1">
-                    <a:lumMod val="50000"/>
-                  </a:schemeClr>
-                </a:solidFill>
-                <a:latin typeface="微软雅黑" panose="020B0503020204020204" charset="-122"/>
-                <a:ea typeface="微软雅黑" panose="020B0503020204020204" charset="-122"/>
-              </a:rPr>
-              <a:t>了解</a:t>
+              <a:t>简单介绍项目的研究背景和发展现状，让读者对于该项目有一个大致的了解</a:t>
             </a:r>
             <a:r>
               <a:rPr lang="zh-CN" altLang="en-US" sz="1100" dirty="0">
@@ -29355,15 +24146,6 @@
               </a:rPr>
               <a:t>。</a:t>
             </a:r>
-            <a:endParaRPr lang="zh-CN" altLang="en-US" sz="1100" dirty="0">
-              <a:solidFill>
-                <a:schemeClr val="bg1">
-                  <a:lumMod val="50000"/>
-                </a:schemeClr>
-              </a:solidFill>
-              <a:latin typeface="微软雅黑" panose="020B0503020204020204" charset="-122"/>
-              <a:ea typeface="微软雅黑" panose="020B0503020204020204" charset="-122"/>
-            </a:endParaRPr>
           </a:p>
         </p:txBody>
       </p:sp>
@@ -29431,31 +24213,7 @@
                 <a:latin typeface="微软雅黑" panose="020B0503020204020204" charset="-122"/>
                 <a:ea typeface="微软雅黑" panose="020B0503020204020204" charset="-122"/>
               </a:rPr>
-              <a:t>对每个模块进行更详细的设计</a:t>
-            </a:r>
-            <a:r>
-              <a:rPr lang="zh-CN" altLang="en-US" sz="1100" dirty="0" smtClean="0">
-                <a:solidFill>
-                  <a:schemeClr val="bg1">
-                    <a:lumMod val="50000"/>
-                  </a:schemeClr>
-                </a:solidFill>
-                <a:latin typeface="微软雅黑" panose="020B0503020204020204" charset="-122"/>
-                <a:ea typeface="微软雅黑" panose="020B0503020204020204" charset="-122"/>
-              </a:rPr>
-              <a:t>，让</a:t>
-            </a:r>
-            <a:r>
-              <a:rPr lang="zh-CN" altLang="en-US" sz="1100" dirty="0" smtClean="0">
-                <a:solidFill>
-                  <a:schemeClr val="bg1">
-                    <a:lumMod val="50000"/>
-                  </a:schemeClr>
-                </a:solidFill>
-                <a:latin typeface="微软雅黑" panose="020B0503020204020204" charset="-122"/>
-                <a:ea typeface="微软雅黑" panose="020B0503020204020204" charset="-122"/>
-              </a:rPr>
-              <a:t>读者清晰了解到该项目的主要内容。</a:t>
+              <a:t>对每个模块进行更详细的设计，让读者清晰了解到该项目的主要内容。</a:t>
             </a:r>
             <a:endParaRPr lang="zh-CN" altLang="en-US" sz="1100" dirty="0">
               <a:solidFill>
@@ -29611,19 +24369,7 @@
                 <a:latin typeface="微软雅黑" panose="020B0503020204020204" charset="-122"/>
                 <a:ea typeface="微软雅黑" panose="020B0503020204020204" charset="-122"/>
               </a:rPr>
-              <a:t>介绍该项目的使用对象，以及对象的需求，分析使用人员需要什么模块，需要什么功能</a:t>
-            </a:r>
-            <a:r>
-              <a:rPr lang="zh-CN" altLang="en-US" sz="1100" dirty="0" smtClean="0">
-                <a:solidFill>
-                  <a:schemeClr val="bg1">
-                    <a:lumMod val="50000"/>
-                  </a:schemeClr>
-                </a:solidFill>
-                <a:latin typeface="微软雅黑" panose="020B0503020204020204" charset="-122"/>
-                <a:ea typeface="微软雅黑" panose="020B0503020204020204" charset="-122"/>
-              </a:rPr>
-              <a:t>。</a:t>
+              <a:t>介绍该项目的使用对象，以及对象的需求，分析使用人员需要什么模块，需要什么功能。</a:t>
             </a:r>
             <a:endParaRPr lang="zh-CN" altLang="en-US" sz="1100" dirty="0">
               <a:solidFill>
@@ -29701,19 +24447,7 @@
                 <a:latin typeface="微软雅黑" panose="020B0503020204020204" charset="-122"/>
                 <a:ea typeface="微软雅黑" panose="020B0503020204020204" charset="-122"/>
               </a:rPr>
-              <a:t>建立一个符合设计的数据库，对项目内数据的合理性进行设计与</a:t>
-            </a:r>
-            <a:r>
-              <a:rPr lang="zh-CN" altLang="en-US" sz="1100" dirty="0" smtClean="0">
-                <a:solidFill>
-                  <a:schemeClr val="bg1">
-                    <a:lumMod val="50000"/>
-                  </a:schemeClr>
-                </a:solidFill>
-                <a:latin typeface="微软雅黑" panose="020B0503020204020204" charset="-122"/>
-                <a:ea typeface="微软雅黑" panose="020B0503020204020204" charset="-122"/>
-              </a:rPr>
-              <a:t>分析</a:t>
+              <a:t>建立一个符合设计的数据库，对项目内数据的合理性进行设计与分析</a:t>
             </a:r>
             <a:r>
               <a:rPr lang="en-US" altLang="zh-CN" sz="1100" dirty="0" smtClean="0">
@@ -30420,19 +25154,7 @@
                 <a:latin typeface="微软雅黑" panose="020B0503020204020204" charset="-122"/>
                 <a:ea typeface="微软雅黑" panose="020B0503020204020204" charset="-122"/>
               </a:rPr>
-              <a:t>该章节展示项目整体的运行</a:t>
-            </a:r>
-            <a:r>
-              <a:rPr lang="zh-CN" altLang="en-US" sz="1100" dirty="0" smtClean="0">
-                <a:solidFill>
-                  <a:schemeClr val="bg1">
-                    <a:lumMod val="50000"/>
-                  </a:schemeClr>
-                </a:solidFill>
-                <a:latin typeface="微软雅黑" panose="020B0503020204020204" charset="-122"/>
-                <a:ea typeface="微软雅黑" panose="020B0503020204020204" charset="-122"/>
-              </a:rPr>
-              <a:t>界面</a:t>
+              <a:t>该章节展示项目整体的运行界面</a:t>
             </a:r>
             <a:endParaRPr lang="zh-CN" altLang="en-US" sz="1100" dirty="0">
               <a:solidFill>

--- a/答辩PPT.pptx
+++ b/答辩PPT.pptx
@@ -12,16 +12,16 @@
     <p:sldId id="265" r:id="rId3"/>
     <p:sldId id="266" r:id="rId4"/>
     <p:sldId id="273" r:id="rId5"/>
-    <p:sldId id="274" r:id="rId6"/>
-    <p:sldId id="267" r:id="rId7"/>
-    <p:sldId id="276" r:id="rId8"/>
-    <p:sldId id="278" r:id="rId9"/>
-    <p:sldId id="268" r:id="rId10"/>
-    <p:sldId id="277" r:id="rId11"/>
-    <p:sldId id="279" r:id="rId12"/>
+    <p:sldId id="267" r:id="rId6"/>
+    <p:sldId id="276" r:id="rId7"/>
+    <p:sldId id="268" r:id="rId8"/>
+    <p:sldId id="277" r:id="rId9"/>
+    <p:sldId id="269" r:id="rId10"/>
+    <p:sldId id="279" r:id="rId11"/>
+    <p:sldId id="278" r:id="rId12"/>
     <p:sldId id="280" r:id="rId13"/>
     <p:sldId id="281" r:id="rId14"/>
-    <p:sldId id="269" r:id="rId15"/>
+    <p:sldId id="274" r:id="rId15"/>
     <p:sldId id="283" r:id="rId16"/>
     <p:sldId id="282" r:id="rId17"/>
     <p:sldId id="270" r:id="rId18"/>
@@ -492,6 +492,7 @@
             <c:showLeaderLines val="0"/>
             <c:extLst>
               <c:ext xmlns:c15="http://schemas.microsoft.com/office/drawing/2012/chart" uri="{CE6537A1-D6FC-4f65-9D91-7224C49458BB}">
+                <c15:layout/>
                 <c15:showLeaderLines val="1"/>
                 <c15:leaderLines>
                   <c:spPr>
@@ -621,6 +622,7 @@
             <c:showLeaderLines val="0"/>
             <c:extLst>
               <c:ext xmlns:c15="http://schemas.microsoft.com/office/drawing/2012/chart" uri="{CE6537A1-D6FC-4f65-9D91-7224C49458BB}">
+                <c15:layout/>
                 <c15:showLeaderLines val="1"/>
                 <c15:leaderLines>
                   <c:spPr>
@@ -750,6 +752,7 @@
             <c:showLeaderLines val="0"/>
             <c:extLst>
               <c:ext xmlns:c15="http://schemas.microsoft.com/office/drawing/2012/chart" uri="{CE6537A1-D6FC-4f65-9D91-7224C49458BB}">
+                <c15:layout/>
                 <c15:showLeaderLines val="1"/>
                 <c15:leaderLines>
                   <c:spPr>
@@ -2545,7 +2548,7 @@
     </p:spTree>
     <p:extLst>
       <p:ext uri="{BB962C8B-B14F-4D97-AF65-F5344CB8AC3E}">
-        <p14:creationId xmlns:p14="http://schemas.microsoft.com/office/powerpoint/2010/main" val="1891160072"/>
+        <p14:creationId xmlns:p14="http://schemas.microsoft.com/office/powerpoint/2010/main" val="1964698609"/>
       </p:ext>
     </p:extLst>
   </p:cSld>
@@ -2629,7 +2632,7 @@
     </p:spTree>
     <p:extLst>
       <p:ext uri="{BB962C8B-B14F-4D97-AF65-F5344CB8AC3E}">
-        <p14:creationId xmlns:p14="http://schemas.microsoft.com/office/powerpoint/2010/main" val="1964698609"/>
+        <p14:creationId xmlns:p14="http://schemas.microsoft.com/office/powerpoint/2010/main" val="873051968"/>
       </p:ext>
     </p:extLst>
   </p:cSld>
@@ -2881,7 +2884,7 @@
     </p:spTree>
     <p:extLst>
       <p:ext uri="{BB962C8B-B14F-4D97-AF65-F5344CB8AC3E}">
-        <p14:creationId xmlns:p14="http://schemas.microsoft.com/office/powerpoint/2010/main" val="1842226990"/>
+        <p14:creationId xmlns:p14="http://schemas.microsoft.com/office/powerpoint/2010/main" val="72655493"/>
       </p:ext>
     </p:extLst>
   </p:cSld>
@@ -3721,7 +3724,7 @@
     </p:spTree>
     <p:extLst>
       <p:ext uri="{BB962C8B-B14F-4D97-AF65-F5344CB8AC3E}">
-        <p14:creationId xmlns:p14="http://schemas.microsoft.com/office/powerpoint/2010/main" val="72655493"/>
+        <p14:creationId xmlns:p14="http://schemas.microsoft.com/office/powerpoint/2010/main" val="1784667038"/>
       </p:ext>
     </p:extLst>
   </p:cSld>
@@ -3805,7 +3808,7 @@
     </p:spTree>
     <p:extLst>
       <p:ext uri="{BB962C8B-B14F-4D97-AF65-F5344CB8AC3E}">
-        <p14:creationId xmlns:p14="http://schemas.microsoft.com/office/powerpoint/2010/main" val="1784667038"/>
+        <p14:creationId xmlns:p14="http://schemas.microsoft.com/office/powerpoint/2010/main" val="2530727384"/>
       </p:ext>
     </p:extLst>
   </p:cSld>
@@ -3889,7 +3892,7 @@
     </p:spTree>
     <p:extLst>
       <p:ext uri="{BB962C8B-B14F-4D97-AF65-F5344CB8AC3E}">
-        <p14:creationId xmlns:p14="http://schemas.microsoft.com/office/powerpoint/2010/main" val="2530727384"/>
+        <p14:creationId xmlns:p14="http://schemas.microsoft.com/office/powerpoint/2010/main" val="1750478206"/>
       </p:ext>
     </p:extLst>
   </p:cSld>
@@ -3973,7 +3976,7 @@
     </p:spTree>
     <p:extLst>
       <p:ext uri="{BB962C8B-B14F-4D97-AF65-F5344CB8AC3E}">
-        <p14:creationId xmlns:p14="http://schemas.microsoft.com/office/powerpoint/2010/main" val="873051968"/>
+        <p14:creationId xmlns:p14="http://schemas.microsoft.com/office/powerpoint/2010/main" val="1891160072"/>
       </p:ext>
     </p:extLst>
   </p:cSld>
@@ -4057,7 +4060,7 @@
     </p:spTree>
     <p:extLst>
       <p:ext uri="{BB962C8B-B14F-4D97-AF65-F5344CB8AC3E}">
-        <p14:creationId xmlns:p14="http://schemas.microsoft.com/office/powerpoint/2010/main" val="1750478206"/>
+        <p14:creationId xmlns:p14="http://schemas.microsoft.com/office/powerpoint/2010/main" val="1842226990"/>
       </p:ext>
     </p:extLst>
   </p:cSld>
@@ -5596,7 +5599,7 @@
                   </a:schemeClr>
                 </a:solidFill>
               </a:rPr>
-              <a:t>使用工具</a:t>
+              <a:t>主要内容</a:t>
             </a:r>
             <a:endParaRPr lang="zh-CN" altLang="en-US" sz="2000" dirty="0">
               <a:solidFill>
@@ -5609,9 +5612,88 @@
           </a:p>
         </p:txBody>
       </p:sp>
+      <p:sp>
+        <p:nvSpPr>
+          <p:cNvPr id="17" name="矩形 16"/>
+          <p:cNvSpPr/>
+          <p:nvPr/>
+        </p:nvSpPr>
+        <p:spPr>
+          <a:xfrm>
+            <a:off x="699617" y="740527"/>
+            <a:ext cx="1415772" cy="461665"/>
+          </a:xfrm>
+          <a:prstGeom prst="rect">
+            <a:avLst/>
+          </a:prstGeom>
+        </p:spPr>
+        <p:txBody>
+          <a:bodyPr wrap="none">
+            <a:spAutoFit/>
+          </a:bodyPr>
+          <a:lstStyle/>
+          <a:p>
+            <a:r>
+              <a:rPr lang="zh-CN" altLang="en-US" sz="2400" b="1" dirty="0" smtClean="0"/>
+              <a:t>需求分析</a:t>
+            </a:r>
+            <a:endParaRPr lang="zh-CN" altLang="en-US" sz="2400" b="1" dirty="0"/>
+          </a:p>
+        </p:txBody>
+      </p:sp>
+      <p:sp>
+        <p:nvSpPr>
+          <p:cNvPr id="18" name="矩形 17"/>
+          <p:cNvSpPr/>
+          <p:nvPr/>
+        </p:nvSpPr>
+        <p:spPr>
+          <a:xfrm>
+            <a:off x="699617" y="1240920"/>
+            <a:ext cx="7193779" cy="652486"/>
+          </a:xfrm>
+          <a:prstGeom prst="rect">
+            <a:avLst/>
+          </a:prstGeom>
+        </p:spPr>
+        <p:txBody>
+          <a:bodyPr wrap="square">
+            <a:spAutoFit/>
+          </a:bodyPr>
+          <a:lstStyle/>
+          <a:p>
+            <a:pPr>
+              <a:lnSpc>
+                <a:spcPct val="130000"/>
+              </a:lnSpc>
+            </a:pPr>
+            <a:r>
+              <a:rPr lang="zh-CN" altLang="en-US" sz="1400" dirty="0">
+                <a:solidFill>
+                  <a:schemeClr val="bg1">
+                    <a:lumMod val="50000"/>
+                  </a:schemeClr>
+                </a:solidFill>
+                <a:latin typeface="微软雅黑" panose="020B0503020204020204" charset="-122"/>
+                <a:ea typeface="微软雅黑" panose="020B0503020204020204" charset="-122"/>
+              </a:rPr>
+              <a:t>该项目的适用对象为商城管理员，我们设计该后台管理系统对前台部分和后台进行管理。人员操作，商城信息操作和销售操作是该系统的三大需求。</a:t>
+            </a:r>
+            <a:endParaRPr lang="zh-CN" altLang="en-US" sz="1400" dirty="0">
+              <a:solidFill>
+                <a:schemeClr val="bg1">
+                  <a:lumMod val="50000"/>
+                </a:schemeClr>
+              </a:solidFill>
+              <a:latin typeface="微软雅黑" panose="020B0503020204020204" charset="-122"/>
+              <a:ea typeface="微软雅黑" panose="020B0503020204020204" charset="-122"/>
+            </a:endParaRPr>
+          </a:p>
+        </p:txBody>
+      </p:sp>
       <p:pic>
         <p:nvPicPr>
-          <p:cNvPr id="3" name="图片 2"/>
+          <p:cNvPr id="88" name="图片 87"/>
           <p:cNvPicPr>
             <a:picLocks noChangeAspect="1"/>
           </p:cNvPicPr>
@@ -5631,200 +5713,8 @@
         </p:blipFill>
         <p:spPr>
           <a:xfrm>
-            <a:off x="1210588" y="4000522"/>
-            <a:ext cx="1517186" cy="1517186"/>
-          </a:xfrm>
-          <a:prstGeom prst="rect">
-            <a:avLst/>
-          </a:prstGeom>
-        </p:spPr>
-      </p:pic>
-      <p:pic>
-        <p:nvPicPr>
-          <p:cNvPr id="4" name="图片 3"/>
-          <p:cNvPicPr>
-            <a:picLocks noChangeAspect="1"/>
-          </p:cNvPicPr>
-          <p:nvPr/>
-        </p:nvPicPr>
-        <p:blipFill>
-          <a:blip r:embed="rId4">
-            <a:extLst>
-              <a:ext uri="{28A0092B-C50C-407E-A947-70E740481C1C}">
-                <a14:useLocalDpi xmlns:a14="http://schemas.microsoft.com/office/drawing/2010/main" val="0"/>
-              </a:ext>
-            </a:extLst>
-          </a:blip>
-          <a:stretch>
-            <a:fillRect/>
-          </a:stretch>
-        </p:blipFill>
-        <p:spPr>
-          <a:xfrm>
-            <a:off x="4209691" y="4052038"/>
-            <a:ext cx="2947534" cy="1803830"/>
-          </a:xfrm>
-          <a:prstGeom prst="rect">
-            <a:avLst/>
-          </a:prstGeom>
-        </p:spPr>
-      </p:pic>
-      <p:pic>
-        <p:nvPicPr>
-          <p:cNvPr id="40" name="图片 39"/>
-          <p:cNvPicPr>
-            <a:picLocks noChangeAspect="1"/>
-          </p:cNvPicPr>
-          <p:nvPr/>
-        </p:nvPicPr>
-        <p:blipFill>
-          <a:blip r:embed="rId5">
-            <a:extLst>
-              <a:ext uri="{28A0092B-C50C-407E-A947-70E740481C1C}">
-                <a14:useLocalDpi xmlns:a14="http://schemas.microsoft.com/office/drawing/2010/main" val="0"/>
-              </a:ext>
-            </a:extLst>
-          </a:blip>
-          <a:stretch>
-            <a:fillRect/>
-          </a:stretch>
-        </p:blipFill>
-        <p:spPr>
-          <a:xfrm>
-            <a:off x="7996039" y="4235918"/>
-            <a:ext cx="3682254" cy="1905566"/>
-          </a:xfrm>
-          <a:prstGeom prst="rect">
-            <a:avLst/>
-          </a:prstGeom>
-        </p:spPr>
-      </p:pic>
-      <p:sp>
-        <p:nvSpPr>
-          <p:cNvPr id="41" name="文本框 40"/>
-          <p:cNvSpPr txBox="1"/>
-          <p:nvPr/>
-        </p:nvSpPr>
-        <p:spPr>
-          <a:xfrm>
-            <a:off x="1446038" y="5517708"/>
-            <a:ext cx="1046285" cy="478927"/>
-          </a:xfrm>
-          <a:prstGeom prst="rect">
-            <a:avLst/>
-          </a:prstGeom>
-          <a:noFill/>
-        </p:spPr>
-        <p:txBody>
-          <a:bodyPr wrap="square" rtlCol="0">
-            <a:spAutoFit/>
-          </a:bodyPr>
-          <a:lstStyle/>
-          <a:p>
-            <a:r>
-              <a:rPr lang="en-US" altLang="zh-CN" sz="2400" spc="300" dirty="0" smtClean="0">
-                <a:solidFill>
-                  <a:srgbClr val="1296DB"/>
-                </a:solidFill>
-                <a:latin typeface="微软雅黑 Light" panose="020B0502040204020203" pitchFamily="34" charset="-122"/>
-                <a:ea typeface="微软雅黑 Light" panose="020B0502040204020203" pitchFamily="34" charset="-122"/>
-              </a:rPr>
-              <a:t>ionic</a:t>
-            </a:r>
-            <a:endParaRPr lang="zh-CN" altLang="en-US" sz="2400" spc="300" dirty="0">
-              <a:solidFill>
-                <a:srgbClr val="1296DB"/>
-              </a:solidFill>
-              <a:latin typeface="微软雅黑 Light" panose="020B0502040204020203" pitchFamily="34" charset="-122"/>
-              <a:ea typeface="微软雅黑 Light" panose="020B0502040204020203" pitchFamily="34" charset="-122"/>
-            </a:endParaRPr>
-          </a:p>
-        </p:txBody>
-      </p:sp>
-      <p:pic>
-        <p:nvPicPr>
-          <p:cNvPr id="42" name="图片 41"/>
-          <p:cNvPicPr>
-            <a:picLocks noChangeAspect="1"/>
-          </p:cNvPicPr>
-          <p:nvPr/>
-        </p:nvPicPr>
-        <p:blipFill>
-          <a:blip r:embed="rId6">
-            <a:extLst>
-              <a:ext uri="{28A0092B-C50C-407E-A947-70E740481C1C}">
-                <a14:useLocalDpi xmlns:a14="http://schemas.microsoft.com/office/drawing/2010/main" val="0"/>
-              </a:ext>
-            </a:extLst>
-          </a:blip>
-          <a:stretch>
-            <a:fillRect/>
-          </a:stretch>
-        </p:blipFill>
-        <p:spPr>
-          <a:xfrm>
-            <a:off x="889820" y="1062317"/>
-            <a:ext cx="2330282" cy="2616574"/>
-          </a:xfrm>
-          <a:prstGeom prst="rect">
-            <a:avLst/>
-          </a:prstGeom>
-        </p:spPr>
-      </p:pic>
-      <p:pic>
-        <p:nvPicPr>
-          <p:cNvPr id="43" name="图片 42"/>
-          <p:cNvPicPr>
-            <a:picLocks noChangeAspect="1"/>
-          </p:cNvPicPr>
-          <p:nvPr/>
-        </p:nvPicPr>
-        <p:blipFill>
-          <a:blip r:embed="rId7">
-            <a:extLst>
-              <a:ext uri="{28A0092B-C50C-407E-A947-70E740481C1C}">
-                <a14:useLocalDpi xmlns:a14="http://schemas.microsoft.com/office/drawing/2010/main" val="0"/>
-              </a:ext>
-            </a:extLst>
-          </a:blip>
-          <a:stretch>
-            <a:fillRect/>
-          </a:stretch>
-        </p:blipFill>
-        <p:spPr>
-          <a:xfrm>
-            <a:off x="4209691" y="1028484"/>
-            <a:ext cx="2376884" cy="2684240"/>
-          </a:xfrm>
-          <a:prstGeom prst="rect">
-            <a:avLst/>
-          </a:prstGeom>
-        </p:spPr>
-      </p:pic>
-      <p:pic>
-        <p:nvPicPr>
-          <p:cNvPr id="73" name="图片 72"/>
-          <p:cNvPicPr>
-            <a:picLocks noChangeAspect="1"/>
-          </p:cNvPicPr>
-          <p:nvPr/>
-        </p:nvPicPr>
-        <p:blipFill>
-          <a:blip r:embed="rId8">
-            <a:extLst>
-              <a:ext uri="{28A0092B-C50C-407E-A947-70E740481C1C}">
-                <a14:useLocalDpi xmlns:a14="http://schemas.microsoft.com/office/drawing/2010/main" val="0"/>
-              </a:ext>
-            </a:extLst>
-          </a:blip>
-          <a:stretch>
-            <a:fillRect/>
-          </a:stretch>
-        </p:blipFill>
-        <p:spPr>
-          <a:xfrm>
-            <a:off x="8146814" y="1407974"/>
-            <a:ext cx="2379900" cy="2714402"/>
+            <a:off x="699617" y="1949536"/>
+            <a:ext cx="7876479" cy="4424887"/>
           </a:xfrm>
           <a:prstGeom prst="rect">
             <a:avLst/>
@@ -5893,17 +5783,6 @@
           <a:lstStyle/>
           <a:p>
             <a:r>
-              <a:rPr lang="zh-CN" altLang="en-US" sz="2000" dirty="0" smtClean="0">
-                <a:solidFill>
-                  <a:schemeClr val="tx1">
-                    <a:lumMod val="85000"/>
-                    <a:lumOff val="15000"/>
-                  </a:schemeClr>
-                </a:solidFill>
-              </a:rPr>
-              <a:t>研究</a:t>
-            </a:r>
-            <a:r>
               <a:rPr lang="zh-CN" altLang="en-US" sz="2000" dirty="0">
                 <a:solidFill>
                   <a:schemeClr val="tx1">
@@ -5912,2136 +5791,29 @@
                   </a:schemeClr>
                 </a:solidFill>
               </a:rPr>
-              <a:t>方法</a:t>
-            </a:r>
+              <a:t>主要内容</a:t>
+            </a:r>
+            <a:endParaRPr lang="zh-CN" altLang="en-US" sz="2000" dirty="0">
+              <a:solidFill>
+                <a:schemeClr val="tx1">
+                  <a:lumMod val="85000"/>
+                  <a:lumOff val="15000"/>
+                </a:schemeClr>
+              </a:solidFill>
+            </a:endParaRPr>
           </a:p>
         </p:txBody>
       </p:sp>
-      <p:graphicFrame>
-        <p:nvGraphicFramePr>
-          <p:cNvPr id="10" name="表格 9"/>
-          <p:cNvGraphicFramePr>
-            <a:graphicFrameLocks noGrp="1"/>
-          </p:cNvGraphicFramePr>
-          <p:nvPr>
-            <p:extLst>
-              <p:ext uri="{D42A27DB-BD31-4B8C-83A1-F6EECF244321}">
-                <p14:modId xmlns:p14="http://schemas.microsoft.com/office/powerpoint/2010/main" val="602319165"/>
-              </p:ext>
-            </p:extLst>
-          </p:nvPr>
-        </p:nvGraphicFramePr>
-        <p:xfrm>
-          <a:off x="911225" y="846666"/>
-          <a:ext cx="6924675" cy="3794872"/>
-        </p:xfrm>
-        <a:graphic>
-          <a:graphicData uri="http://schemas.openxmlformats.org/drawingml/2006/table">
-            <a:tbl>
-              <a:tblPr firstRow="1" bandRow="1">
-                <a:tableStyleId>{5C22544A-7EE6-4342-B048-85BDC9FD1C3A}</a:tableStyleId>
-              </a:tblPr>
-              <a:tblGrid>
-                <a:gridCol w="1384935">
-                  <a:extLst>
-                    <a:ext uri="{9D8B030D-6E8A-4147-A177-3AD203B41FA5}">
-                      <a16:colId xmlns:a16="http://schemas.microsoft.com/office/drawing/2014/main" val="20000"/>
-                    </a:ext>
-                  </a:extLst>
-                </a:gridCol>
-                <a:gridCol w="1384935">
-                  <a:extLst>
-                    <a:ext uri="{9D8B030D-6E8A-4147-A177-3AD203B41FA5}">
-                      <a16:colId xmlns:a16="http://schemas.microsoft.com/office/drawing/2014/main" val="20001"/>
-                    </a:ext>
-                  </a:extLst>
-                </a:gridCol>
-                <a:gridCol w="1384935">
-                  <a:extLst>
-                    <a:ext uri="{9D8B030D-6E8A-4147-A177-3AD203B41FA5}">
-                      <a16:colId xmlns:a16="http://schemas.microsoft.com/office/drawing/2014/main" val="20002"/>
-                    </a:ext>
-                  </a:extLst>
-                </a:gridCol>
-                <a:gridCol w="1384935">
-                  <a:extLst>
-                    <a:ext uri="{9D8B030D-6E8A-4147-A177-3AD203B41FA5}">
-                      <a16:colId xmlns:a16="http://schemas.microsoft.com/office/drawing/2014/main" val="20003"/>
-                    </a:ext>
-                  </a:extLst>
-                </a:gridCol>
-                <a:gridCol w="1384935">
-                  <a:extLst>
-                    <a:ext uri="{9D8B030D-6E8A-4147-A177-3AD203B41FA5}">
-                      <a16:colId xmlns:a16="http://schemas.microsoft.com/office/drawing/2014/main" val="20004"/>
-                    </a:ext>
-                  </a:extLst>
-                </a:gridCol>
-              </a:tblGrid>
-              <a:tr h="1356784">
-                <a:tc>
-                  <a:txBody>
-                    <a:bodyPr/>
-                    <a:lstStyle/>
-                    <a:p>
-                      <a:pPr algn="ctr"/>
-                      <a:endParaRPr lang="zh-CN" altLang="en-US" sz="1400" b="0" dirty="0">
-                        <a:solidFill>
-                          <a:schemeClr val="tx1">
-                            <a:lumMod val="85000"/>
-                            <a:lumOff val="15000"/>
-                          </a:schemeClr>
-                        </a:solidFill>
-                        <a:latin typeface="+mn-lt"/>
-                      </a:endParaRPr>
-                    </a:p>
-                  </a:txBody>
-                  <a:tcPr marL="85620" marR="85620" marT="42810" marB="42810" anchor="ctr">
-                    <a:lnL w="12700" cmpd="sng">
-                      <a:noFill/>
-                    </a:lnL>
-                    <a:lnR w="12700" cmpd="sng">
-                      <a:noFill/>
-                    </a:lnR>
-                    <a:lnT w="28575" cap="flat" cmpd="sng" algn="ctr">
-                      <a:solidFill>
-                        <a:schemeClr val="tx1">
-                          <a:lumMod val="65000"/>
-                          <a:lumOff val="35000"/>
-                        </a:schemeClr>
-                      </a:solidFill>
-                      <a:prstDash val="solid"/>
-                      <a:round/>
-                      <a:headEnd type="none" w="med" len="med"/>
-                      <a:tailEnd type="none" w="med" len="med"/>
-                    </a:lnT>
-                    <a:lnB w="38100" cmpd="sng">
-                      <a:noFill/>
-                    </a:lnB>
-                    <a:lnTlToBr w="12700" cmpd="sng">
-                      <a:noFill/>
-                      <a:prstDash val="solid"/>
-                    </a:lnTlToBr>
-                    <a:lnBlToTr w="12700" cmpd="sng">
-                      <a:noFill/>
-                      <a:prstDash val="solid"/>
-                    </a:lnBlToTr>
-                    <a:noFill/>
-                  </a:tcPr>
-                </a:tc>
-                <a:tc>
-                  <a:txBody>
-                    <a:bodyPr/>
-                    <a:lstStyle/>
-                    <a:p>
-                      <a:pPr marL="0" marR="0" indent="0" algn="r" defTabSz="914400" rtl="0" eaLnBrk="1" fontAlgn="auto" latinLnBrk="0" hangingPunct="1">
-                        <a:lnSpc>
-                          <a:spcPct val="100000"/>
-                        </a:lnSpc>
-                        <a:spcBef>
-                          <a:spcPts val="0"/>
-                        </a:spcBef>
-                        <a:spcAft>
-                          <a:spcPts val="0"/>
-                        </a:spcAft>
-                        <a:buClrTx/>
-                        <a:buSzTx/>
-                        <a:buFontTx/>
-                        <a:buNone/>
-                        <a:tabLst/>
-                        <a:defRPr/>
-                      </a:pPr>
-                      <a:endParaRPr lang="en-US" altLang="zh-CN" sz="1400" dirty="0">
-                        <a:solidFill>
-                          <a:schemeClr val="tx1"/>
-                        </a:solidFill>
-                      </a:endParaRPr>
-                    </a:p>
-                    <a:p>
-                      <a:pPr marL="0" marR="0" indent="0" algn="r" defTabSz="914400" rtl="0" eaLnBrk="1" fontAlgn="auto" latinLnBrk="0" hangingPunct="1">
-                        <a:lnSpc>
-                          <a:spcPct val="100000"/>
-                        </a:lnSpc>
-                        <a:spcBef>
-                          <a:spcPts val="0"/>
-                        </a:spcBef>
-                        <a:spcAft>
-                          <a:spcPts val="0"/>
-                        </a:spcAft>
-                        <a:buClrTx/>
-                        <a:buSzTx/>
-                        <a:buFontTx/>
-                        <a:buNone/>
-                        <a:tabLst/>
-                        <a:defRPr/>
-                      </a:pPr>
-                      <a:r>
-                        <a:rPr lang="zh-CN" altLang="en-US" sz="1400" dirty="0">
-                          <a:solidFill>
-                            <a:schemeClr val="tx1"/>
-                          </a:solidFill>
-                        </a:rPr>
-                        <a:t>输入文本内容</a:t>
-                      </a:r>
-                      <a:endParaRPr lang="en-US" altLang="zh-CN" sz="1400" dirty="0">
-                        <a:solidFill>
-                          <a:schemeClr val="tx1"/>
-                        </a:solidFill>
-                      </a:endParaRPr>
-                    </a:p>
-                    <a:p>
-                      <a:pPr algn="r"/>
-                      <a:endParaRPr lang="en-US" altLang="zh-CN" sz="1400" b="0" dirty="0">
-                        <a:solidFill>
-                          <a:schemeClr val="tx1">
-                            <a:lumMod val="85000"/>
-                            <a:lumOff val="15000"/>
-                          </a:schemeClr>
-                        </a:solidFill>
-                        <a:latin typeface="+mn-lt"/>
-                      </a:endParaRPr>
-                    </a:p>
-                  </a:txBody>
-                  <a:tcPr marL="85620" marR="85620" marT="42810" marB="42810" anchor="ctr">
-                    <a:lnL w="12700" cmpd="sng">
-                      <a:noFill/>
-                    </a:lnL>
-                    <a:lnR w="12700" cmpd="sng">
-                      <a:noFill/>
-                    </a:lnR>
-                    <a:lnT w="28575" cap="flat" cmpd="sng" algn="ctr">
-                      <a:solidFill>
-                        <a:schemeClr val="tx1">
-                          <a:lumMod val="65000"/>
-                          <a:lumOff val="35000"/>
-                        </a:schemeClr>
-                      </a:solidFill>
-                      <a:prstDash val="solid"/>
-                      <a:round/>
-                      <a:headEnd type="none" w="med" len="med"/>
-                      <a:tailEnd type="none" w="med" len="med"/>
-                    </a:lnT>
-                    <a:lnB w="12700" cap="flat" cmpd="sng" algn="ctr">
-                      <a:solidFill>
-                        <a:schemeClr val="bg1">
-                          <a:lumMod val="65000"/>
-                        </a:schemeClr>
-                      </a:solidFill>
-                      <a:prstDash val="solid"/>
-                      <a:round/>
-                      <a:headEnd type="none" w="med" len="med"/>
-                      <a:tailEnd type="none" w="med" len="med"/>
-                    </a:lnB>
-                    <a:lnTlToBr w="12700" cmpd="sng">
-                      <a:noFill/>
-                      <a:prstDash val="solid"/>
-                    </a:lnTlToBr>
-                    <a:lnBlToTr w="12700" cmpd="sng">
-                      <a:noFill/>
-                      <a:prstDash val="solid"/>
-                    </a:lnBlToTr>
-                    <a:noFill/>
-                  </a:tcPr>
-                </a:tc>
-                <a:tc>
-                  <a:txBody>
-                    <a:bodyPr/>
-                    <a:lstStyle/>
-                    <a:p>
-                      <a:pPr marL="0" marR="0" indent="0" algn="r" defTabSz="914400" rtl="0" eaLnBrk="1" fontAlgn="auto" latinLnBrk="0" hangingPunct="1">
-                        <a:lnSpc>
-                          <a:spcPct val="100000"/>
-                        </a:lnSpc>
-                        <a:spcBef>
-                          <a:spcPts val="0"/>
-                        </a:spcBef>
-                        <a:spcAft>
-                          <a:spcPts val="0"/>
-                        </a:spcAft>
-                        <a:buClrTx/>
-                        <a:buSzTx/>
-                        <a:buFontTx/>
-                        <a:buNone/>
-                        <a:tabLst/>
-                        <a:defRPr/>
-                      </a:pPr>
-                      <a:r>
-                        <a:rPr lang="zh-CN" altLang="en-US" sz="1400" dirty="0">
-                          <a:solidFill>
-                            <a:schemeClr val="tx1"/>
-                          </a:solidFill>
-                        </a:rPr>
-                        <a:t>输入文本内容</a:t>
-                      </a:r>
-                      <a:endParaRPr lang="en-US" altLang="zh-CN" sz="1400" dirty="0">
-                        <a:solidFill>
-                          <a:schemeClr val="tx1"/>
-                        </a:solidFill>
-                      </a:endParaRPr>
-                    </a:p>
-                  </a:txBody>
-                  <a:tcPr marL="85620" marR="85620" marT="42810" marB="42810" anchor="ctr">
-                    <a:lnL w="12700" cmpd="sng">
-                      <a:noFill/>
-                    </a:lnL>
-                    <a:lnR w="12700" cmpd="sng">
-                      <a:noFill/>
-                    </a:lnR>
-                    <a:lnT w="28575" cap="flat" cmpd="sng" algn="ctr">
-                      <a:solidFill>
-                        <a:schemeClr val="tx1">
-                          <a:lumMod val="65000"/>
-                          <a:lumOff val="35000"/>
-                        </a:schemeClr>
-                      </a:solidFill>
-                      <a:prstDash val="solid"/>
-                      <a:round/>
-                      <a:headEnd type="none" w="med" len="med"/>
-                      <a:tailEnd type="none" w="med" len="med"/>
-                    </a:lnT>
-                    <a:lnB w="12700" cap="flat" cmpd="sng" algn="ctr">
-                      <a:solidFill>
-                        <a:schemeClr val="bg1">
-                          <a:lumMod val="65000"/>
-                        </a:schemeClr>
-                      </a:solidFill>
-                      <a:prstDash val="solid"/>
-                      <a:round/>
-                      <a:headEnd type="none" w="med" len="med"/>
-                      <a:tailEnd type="none" w="med" len="med"/>
-                    </a:lnB>
-                    <a:lnTlToBr w="12700" cmpd="sng">
-                      <a:noFill/>
-                      <a:prstDash val="solid"/>
-                    </a:lnTlToBr>
-                    <a:lnBlToTr w="12700" cmpd="sng">
-                      <a:noFill/>
-                      <a:prstDash val="solid"/>
-                    </a:lnBlToTr>
-                    <a:noFill/>
-                  </a:tcPr>
-                </a:tc>
-                <a:tc>
-                  <a:txBody>
-                    <a:bodyPr/>
-                    <a:lstStyle/>
-                    <a:p>
-                      <a:pPr marL="0" marR="0" indent="0" algn="r" defTabSz="914400" rtl="0" eaLnBrk="1" fontAlgn="auto" latinLnBrk="0" hangingPunct="1">
-                        <a:lnSpc>
-                          <a:spcPct val="100000"/>
-                        </a:lnSpc>
-                        <a:spcBef>
-                          <a:spcPts val="0"/>
-                        </a:spcBef>
-                        <a:spcAft>
-                          <a:spcPts val="0"/>
-                        </a:spcAft>
-                        <a:buClrTx/>
-                        <a:buSzTx/>
-                        <a:buFontTx/>
-                        <a:buNone/>
-                        <a:tabLst/>
-                        <a:defRPr/>
-                      </a:pPr>
-                      <a:r>
-                        <a:rPr lang="zh-CN" altLang="en-US" sz="1400">
-                          <a:solidFill>
-                            <a:schemeClr val="tx1"/>
-                          </a:solidFill>
-                        </a:rPr>
-                        <a:t>输入文本内容</a:t>
-                      </a:r>
-                      <a:endParaRPr lang="en-US" altLang="zh-CN" sz="1400" dirty="0">
-                        <a:solidFill>
-                          <a:schemeClr val="tx1"/>
-                        </a:solidFill>
-                      </a:endParaRPr>
-                    </a:p>
-                  </a:txBody>
-                  <a:tcPr marL="85620" marR="85620" marT="42810" marB="42810" anchor="ctr">
-                    <a:lnL w="12700" cmpd="sng">
-                      <a:noFill/>
-                    </a:lnL>
-                    <a:lnR w="12700" cmpd="sng">
-                      <a:noFill/>
-                    </a:lnR>
-                    <a:lnT w="28575" cap="flat" cmpd="sng" algn="ctr">
-                      <a:solidFill>
-                        <a:schemeClr val="tx1">
-                          <a:lumMod val="65000"/>
-                          <a:lumOff val="35000"/>
-                        </a:schemeClr>
-                      </a:solidFill>
-                      <a:prstDash val="solid"/>
-                      <a:round/>
-                      <a:headEnd type="none" w="med" len="med"/>
-                      <a:tailEnd type="none" w="med" len="med"/>
-                    </a:lnT>
-                    <a:lnB w="12700" cap="flat" cmpd="sng" algn="ctr">
-                      <a:solidFill>
-                        <a:schemeClr val="bg1">
-                          <a:lumMod val="65000"/>
-                        </a:schemeClr>
-                      </a:solidFill>
-                      <a:prstDash val="solid"/>
-                      <a:round/>
-                      <a:headEnd type="none" w="med" len="med"/>
-                      <a:tailEnd type="none" w="med" len="med"/>
-                    </a:lnB>
-                    <a:lnTlToBr w="12700" cmpd="sng">
-                      <a:noFill/>
-                      <a:prstDash val="solid"/>
-                    </a:lnTlToBr>
-                    <a:lnBlToTr w="12700" cmpd="sng">
-                      <a:noFill/>
-                      <a:prstDash val="solid"/>
-                    </a:lnBlToTr>
-                    <a:noFill/>
-                  </a:tcPr>
-                </a:tc>
-                <a:tc>
-                  <a:txBody>
-                    <a:bodyPr/>
-                    <a:lstStyle/>
-                    <a:p>
-                      <a:pPr marL="0" marR="0" indent="0" algn="r" defTabSz="914400" rtl="0" eaLnBrk="1" fontAlgn="auto" latinLnBrk="0" hangingPunct="1">
-                        <a:lnSpc>
-                          <a:spcPct val="100000"/>
-                        </a:lnSpc>
-                        <a:spcBef>
-                          <a:spcPts val="0"/>
-                        </a:spcBef>
-                        <a:spcAft>
-                          <a:spcPts val="0"/>
-                        </a:spcAft>
-                        <a:buClrTx/>
-                        <a:buSzTx/>
-                        <a:buFontTx/>
-                        <a:buNone/>
-                        <a:tabLst/>
-                        <a:defRPr/>
-                      </a:pPr>
-                      <a:r>
-                        <a:rPr lang="zh-CN" altLang="en-US" sz="1400" dirty="0">
-                          <a:solidFill>
-                            <a:schemeClr val="tx1"/>
-                          </a:solidFill>
-                        </a:rPr>
-                        <a:t>输入文本内容</a:t>
-                      </a:r>
-                      <a:endParaRPr lang="en-US" altLang="zh-CN" sz="1400" dirty="0">
-                        <a:solidFill>
-                          <a:schemeClr val="tx1"/>
-                        </a:solidFill>
-                      </a:endParaRPr>
-                    </a:p>
-                  </a:txBody>
-                  <a:tcPr marL="85620" marR="85620" marT="42810" marB="42810" anchor="ctr">
-                    <a:lnL w="12700" cmpd="sng">
-                      <a:noFill/>
-                    </a:lnL>
-                    <a:lnR w="12700" cmpd="sng">
-                      <a:noFill/>
-                    </a:lnR>
-                    <a:lnT w="28575" cap="flat" cmpd="sng" algn="ctr">
-                      <a:solidFill>
-                        <a:schemeClr val="tx1">
-                          <a:lumMod val="65000"/>
-                          <a:lumOff val="35000"/>
-                        </a:schemeClr>
-                      </a:solidFill>
-                      <a:prstDash val="solid"/>
-                      <a:round/>
-                      <a:headEnd type="none" w="med" len="med"/>
-                      <a:tailEnd type="none" w="med" len="med"/>
-                    </a:lnT>
-                    <a:lnB w="12700" cap="flat" cmpd="sng" algn="ctr">
-                      <a:solidFill>
-                        <a:schemeClr val="bg1">
-                          <a:lumMod val="65000"/>
-                        </a:schemeClr>
-                      </a:solidFill>
-                      <a:prstDash val="solid"/>
-                      <a:round/>
-                      <a:headEnd type="none" w="med" len="med"/>
-                      <a:tailEnd type="none" w="med" len="med"/>
-                    </a:lnB>
-                    <a:lnTlToBr w="12700" cmpd="sng">
-                      <a:noFill/>
-                      <a:prstDash val="solid"/>
-                    </a:lnTlToBr>
-                    <a:lnBlToTr w="12700" cmpd="sng">
-                      <a:noFill/>
-                      <a:prstDash val="solid"/>
-                    </a:lnBlToTr>
-                    <a:noFill/>
-                  </a:tcPr>
-                </a:tc>
-                <a:extLst>
-                  <a:ext uri="{0D108BD9-81ED-4DB2-BD59-A6C34878D82A}">
-                    <a16:rowId xmlns:a16="http://schemas.microsoft.com/office/drawing/2014/main" val="10000"/>
-                  </a:ext>
-                </a:extLst>
-              </a:tr>
-              <a:tr h="609522">
-                <a:tc>
-                  <a:txBody>
-                    <a:bodyPr/>
-                    <a:lstStyle/>
-                    <a:p>
-                      <a:pPr marL="0" marR="0" indent="0" algn="r" defTabSz="914400" rtl="0" eaLnBrk="1" fontAlgn="auto" latinLnBrk="0" hangingPunct="1">
-                        <a:lnSpc>
-                          <a:spcPct val="100000"/>
-                        </a:lnSpc>
-                        <a:spcBef>
-                          <a:spcPts val="0"/>
-                        </a:spcBef>
-                        <a:spcAft>
-                          <a:spcPts val="0"/>
-                        </a:spcAft>
-                        <a:buClrTx/>
-                        <a:buSzTx/>
-                        <a:buFontTx/>
-                        <a:buNone/>
-                        <a:tabLst/>
-                        <a:defRPr/>
-                      </a:pPr>
-                      <a:r>
-                        <a:rPr lang="zh-CN" altLang="en-US" sz="1400">
-                          <a:solidFill>
-                            <a:schemeClr val="tx1"/>
-                          </a:solidFill>
-                        </a:rPr>
-                        <a:t>输入文本内容</a:t>
-                      </a:r>
-                      <a:endParaRPr lang="en-US" altLang="zh-CN" sz="1400" dirty="0">
-                        <a:solidFill>
-                          <a:schemeClr val="tx1"/>
-                        </a:solidFill>
-                      </a:endParaRPr>
-                    </a:p>
-                  </a:txBody>
-                  <a:tcPr marL="85620" marR="85620" marT="42810" marB="42810" anchor="ctr">
-                    <a:lnL w="12700" cmpd="sng">
-                      <a:noFill/>
-                    </a:lnL>
-                    <a:lnR w="12700" cmpd="sng">
-                      <a:noFill/>
-                    </a:lnR>
-                    <a:lnT w="38100" cmpd="sng">
-                      <a:noFill/>
-                    </a:lnT>
-                    <a:lnB w="12700" cmpd="sng">
-                      <a:noFill/>
-                    </a:lnB>
-                    <a:lnTlToBr w="12700" cmpd="sng">
-                      <a:noFill/>
-                      <a:prstDash val="solid"/>
-                    </a:lnTlToBr>
-                    <a:lnBlToTr w="12700" cmpd="sng">
-                      <a:noFill/>
-                      <a:prstDash val="solid"/>
-                    </a:lnBlToTr>
-                    <a:noFill/>
-                  </a:tcPr>
-                </a:tc>
-                <a:tc>
-                  <a:txBody>
-                    <a:bodyPr/>
-                    <a:lstStyle/>
-                    <a:p>
-                      <a:pPr algn="r"/>
-                      <a:r>
-                        <a:rPr lang="en-US" altLang="zh-CN" sz="1400" b="0" dirty="0">
-                          <a:solidFill>
-                            <a:schemeClr val="tx1">
-                              <a:lumMod val="85000"/>
-                              <a:lumOff val="15000"/>
-                            </a:schemeClr>
-                          </a:solidFill>
-                          <a:latin typeface="+mn-lt"/>
-                        </a:rPr>
-                        <a:t>xxx</a:t>
-                      </a:r>
-                      <a:endParaRPr lang="zh-CN" altLang="en-US" sz="1400" b="0" dirty="0">
-                        <a:solidFill>
-                          <a:schemeClr val="tx1">
-                            <a:lumMod val="85000"/>
-                            <a:lumOff val="15000"/>
-                          </a:schemeClr>
-                        </a:solidFill>
-                        <a:latin typeface="+mn-lt"/>
-                      </a:endParaRPr>
-                    </a:p>
-                  </a:txBody>
-                  <a:tcPr marL="85620" marR="85620" marT="42810" marB="42810" anchor="ctr">
-                    <a:lnL w="12700" cmpd="sng">
-                      <a:noFill/>
-                    </a:lnL>
-                    <a:lnR w="12700" cmpd="sng">
-                      <a:noFill/>
-                    </a:lnR>
-                    <a:lnT w="12700" cap="flat" cmpd="sng" algn="ctr">
-                      <a:solidFill>
-                        <a:schemeClr val="bg1">
-                          <a:lumMod val="65000"/>
-                        </a:schemeClr>
-                      </a:solidFill>
-                      <a:prstDash val="solid"/>
-                      <a:round/>
-                      <a:headEnd type="none" w="med" len="med"/>
-                      <a:tailEnd type="none" w="med" len="med"/>
-                    </a:lnT>
-                    <a:lnB w="12700" cap="flat" cmpd="sng" algn="ctr">
-                      <a:solidFill>
-                        <a:schemeClr val="bg1">
-                          <a:lumMod val="65000"/>
-                        </a:schemeClr>
-                      </a:solidFill>
-                      <a:prstDash val="solid"/>
-                      <a:round/>
-                      <a:headEnd type="none" w="med" len="med"/>
-                      <a:tailEnd type="none" w="med" len="med"/>
-                    </a:lnB>
-                    <a:lnTlToBr w="12700" cmpd="sng">
-                      <a:noFill/>
-                      <a:prstDash val="solid"/>
-                    </a:lnTlToBr>
-                    <a:lnBlToTr w="12700" cmpd="sng">
-                      <a:noFill/>
-                      <a:prstDash val="solid"/>
-                    </a:lnBlToTr>
-                    <a:noFill/>
-                  </a:tcPr>
-                </a:tc>
-                <a:tc>
-                  <a:txBody>
-                    <a:bodyPr/>
-                    <a:lstStyle/>
-                    <a:p>
-                      <a:pPr algn="r"/>
-                      <a:r>
-                        <a:rPr lang="en-US" altLang="zh-CN" sz="1400" b="0" dirty="0">
-                          <a:solidFill>
-                            <a:schemeClr val="tx1">
-                              <a:lumMod val="85000"/>
-                              <a:lumOff val="15000"/>
-                            </a:schemeClr>
-                          </a:solidFill>
-                          <a:latin typeface="+mn-lt"/>
-                        </a:rPr>
-                        <a:t>xxx</a:t>
-                      </a:r>
-                      <a:endParaRPr lang="zh-CN" altLang="en-US" sz="1400" b="0" dirty="0">
-                        <a:solidFill>
-                          <a:schemeClr val="tx1">
-                            <a:lumMod val="85000"/>
-                            <a:lumOff val="15000"/>
-                          </a:schemeClr>
-                        </a:solidFill>
-                        <a:latin typeface="+mn-lt"/>
-                      </a:endParaRPr>
-                    </a:p>
-                  </a:txBody>
-                  <a:tcPr marL="85620" marR="85620" marT="42810" marB="42810" anchor="ctr">
-                    <a:lnL w="12700" cmpd="sng">
-                      <a:noFill/>
-                    </a:lnL>
-                    <a:lnR w="12700" cmpd="sng">
-                      <a:noFill/>
-                    </a:lnR>
-                    <a:lnT w="12700" cap="flat" cmpd="sng" algn="ctr">
-                      <a:solidFill>
-                        <a:schemeClr val="bg1">
-                          <a:lumMod val="65000"/>
-                        </a:schemeClr>
-                      </a:solidFill>
-                      <a:prstDash val="solid"/>
-                      <a:round/>
-                      <a:headEnd type="none" w="med" len="med"/>
-                      <a:tailEnd type="none" w="med" len="med"/>
-                    </a:lnT>
-                    <a:lnB w="12700" cap="flat" cmpd="sng" algn="ctr">
-                      <a:solidFill>
-                        <a:schemeClr val="bg1">
-                          <a:lumMod val="65000"/>
-                        </a:schemeClr>
-                      </a:solidFill>
-                      <a:prstDash val="solid"/>
-                      <a:round/>
-                      <a:headEnd type="none" w="med" len="med"/>
-                      <a:tailEnd type="none" w="med" len="med"/>
-                    </a:lnB>
-                    <a:lnTlToBr w="12700" cmpd="sng">
-                      <a:noFill/>
-                      <a:prstDash val="solid"/>
-                    </a:lnTlToBr>
-                    <a:lnBlToTr w="12700" cmpd="sng">
-                      <a:noFill/>
-                      <a:prstDash val="solid"/>
-                    </a:lnBlToTr>
-                    <a:noFill/>
-                  </a:tcPr>
-                </a:tc>
-                <a:tc>
-                  <a:txBody>
-                    <a:bodyPr/>
-                    <a:lstStyle/>
-                    <a:p>
-                      <a:pPr algn="r"/>
-                      <a:r>
-                        <a:rPr lang="en-US" altLang="zh-CN" sz="1400" b="0" dirty="0">
-                          <a:solidFill>
-                            <a:schemeClr val="tx1">
-                              <a:lumMod val="85000"/>
-                              <a:lumOff val="15000"/>
-                            </a:schemeClr>
-                          </a:solidFill>
-                          <a:latin typeface="+mn-lt"/>
-                        </a:rPr>
-                        <a:t>xxx</a:t>
-                      </a:r>
-                      <a:endParaRPr lang="zh-CN" altLang="en-US" sz="1400" b="0" dirty="0">
-                        <a:solidFill>
-                          <a:schemeClr val="tx1">
-                            <a:lumMod val="85000"/>
-                            <a:lumOff val="15000"/>
-                          </a:schemeClr>
-                        </a:solidFill>
-                        <a:latin typeface="+mn-lt"/>
-                      </a:endParaRPr>
-                    </a:p>
-                  </a:txBody>
-                  <a:tcPr marL="85620" marR="85620" marT="42810" marB="42810" anchor="ctr">
-                    <a:lnL w="12700" cmpd="sng">
-                      <a:noFill/>
-                    </a:lnL>
-                    <a:lnR w="12700" cmpd="sng">
-                      <a:noFill/>
-                    </a:lnR>
-                    <a:lnT w="12700" cap="flat" cmpd="sng" algn="ctr">
-                      <a:solidFill>
-                        <a:schemeClr val="bg1">
-                          <a:lumMod val="65000"/>
-                        </a:schemeClr>
-                      </a:solidFill>
-                      <a:prstDash val="solid"/>
-                      <a:round/>
-                      <a:headEnd type="none" w="med" len="med"/>
-                      <a:tailEnd type="none" w="med" len="med"/>
-                    </a:lnT>
-                    <a:lnB w="12700" cap="flat" cmpd="sng" algn="ctr">
-                      <a:solidFill>
-                        <a:schemeClr val="bg1">
-                          <a:lumMod val="65000"/>
-                        </a:schemeClr>
-                      </a:solidFill>
-                      <a:prstDash val="solid"/>
-                      <a:round/>
-                      <a:headEnd type="none" w="med" len="med"/>
-                      <a:tailEnd type="none" w="med" len="med"/>
-                    </a:lnB>
-                    <a:lnTlToBr w="12700" cmpd="sng">
-                      <a:noFill/>
-                      <a:prstDash val="solid"/>
-                    </a:lnTlToBr>
-                    <a:lnBlToTr w="12700" cmpd="sng">
-                      <a:noFill/>
-                      <a:prstDash val="solid"/>
-                    </a:lnBlToTr>
-                    <a:noFill/>
-                  </a:tcPr>
-                </a:tc>
-                <a:tc>
-                  <a:txBody>
-                    <a:bodyPr/>
-                    <a:lstStyle/>
-                    <a:p>
-                      <a:pPr algn="r"/>
-                      <a:r>
-                        <a:rPr lang="en-US" altLang="zh-CN" sz="1400" b="0" dirty="0">
-                          <a:solidFill>
-                            <a:schemeClr val="tx1">
-                              <a:lumMod val="85000"/>
-                              <a:lumOff val="15000"/>
-                            </a:schemeClr>
-                          </a:solidFill>
-                          <a:latin typeface="+mn-lt"/>
-                        </a:rPr>
-                        <a:t>xxx</a:t>
-                      </a:r>
-                      <a:endParaRPr lang="zh-CN" altLang="en-US" sz="1400" b="0" dirty="0">
-                        <a:solidFill>
-                          <a:schemeClr val="tx1">
-                            <a:lumMod val="85000"/>
-                            <a:lumOff val="15000"/>
-                          </a:schemeClr>
-                        </a:solidFill>
-                        <a:latin typeface="+mn-lt"/>
-                      </a:endParaRPr>
-                    </a:p>
-                  </a:txBody>
-                  <a:tcPr marL="85620" marR="85620" marT="42810" marB="42810" anchor="ctr">
-                    <a:lnL w="12700" cmpd="sng">
-                      <a:noFill/>
-                    </a:lnL>
-                    <a:lnR w="12700" cmpd="sng">
-                      <a:noFill/>
-                    </a:lnR>
-                    <a:lnT w="12700" cap="flat" cmpd="sng" algn="ctr">
-                      <a:solidFill>
-                        <a:schemeClr val="bg1">
-                          <a:lumMod val="65000"/>
-                        </a:schemeClr>
-                      </a:solidFill>
-                      <a:prstDash val="solid"/>
-                      <a:round/>
-                      <a:headEnd type="none" w="med" len="med"/>
-                      <a:tailEnd type="none" w="med" len="med"/>
-                    </a:lnT>
-                    <a:lnB w="12700" cap="flat" cmpd="sng" algn="ctr">
-                      <a:solidFill>
-                        <a:schemeClr val="bg1">
-                          <a:lumMod val="65000"/>
-                        </a:schemeClr>
-                      </a:solidFill>
-                      <a:prstDash val="solid"/>
-                      <a:round/>
-                      <a:headEnd type="none" w="med" len="med"/>
-                      <a:tailEnd type="none" w="med" len="med"/>
-                    </a:lnB>
-                    <a:lnTlToBr w="12700" cmpd="sng">
-                      <a:noFill/>
-                      <a:prstDash val="solid"/>
-                    </a:lnTlToBr>
-                    <a:lnBlToTr w="12700" cmpd="sng">
-                      <a:noFill/>
-                      <a:prstDash val="solid"/>
-                    </a:lnBlToTr>
-                    <a:noFill/>
-                  </a:tcPr>
-                </a:tc>
-                <a:extLst>
-                  <a:ext uri="{0D108BD9-81ED-4DB2-BD59-A6C34878D82A}">
-                    <a16:rowId xmlns:a16="http://schemas.microsoft.com/office/drawing/2014/main" val="10001"/>
-                  </a:ext>
-                </a:extLst>
-              </a:tr>
-              <a:tr h="609522">
-                <a:tc>
-                  <a:txBody>
-                    <a:bodyPr/>
-                    <a:lstStyle/>
-                    <a:p>
-                      <a:pPr marL="0" marR="0" indent="0" algn="r" defTabSz="914400" rtl="0" eaLnBrk="1" fontAlgn="auto" latinLnBrk="0" hangingPunct="1">
-                        <a:lnSpc>
-                          <a:spcPct val="100000"/>
-                        </a:lnSpc>
-                        <a:spcBef>
-                          <a:spcPts val="0"/>
-                        </a:spcBef>
-                        <a:spcAft>
-                          <a:spcPts val="0"/>
-                        </a:spcAft>
-                        <a:buClrTx/>
-                        <a:buSzTx/>
-                        <a:buFontTx/>
-                        <a:buNone/>
-                        <a:tabLst/>
-                        <a:defRPr/>
-                      </a:pPr>
-                      <a:r>
-                        <a:rPr lang="zh-CN" altLang="en-US" sz="1400">
-                          <a:solidFill>
-                            <a:schemeClr val="tx1"/>
-                          </a:solidFill>
-                        </a:rPr>
-                        <a:t>输入文本内容</a:t>
-                      </a:r>
-                      <a:endParaRPr lang="en-US" altLang="zh-CN" sz="1400" dirty="0">
-                        <a:solidFill>
-                          <a:schemeClr val="tx1"/>
-                        </a:solidFill>
-                      </a:endParaRPr>
-                    </a:p>
-                  </a:txBody>
-                  <a:tcPr marL="85620" marR="85620" marT="42810" marB="42810" anchor="ctr">
-                    <a:lnL w="12700" cmpd="sng">
-                      <a:noFill/>
-                    </a:lnL>
-                    <a:lnR w="12700" cmpd="sng">
-                      <a:noFill/>
-                    </a:lnR>
-                    <a:lnT w="12700" cmpd="sng">
-                      <a:noFill/>
-                    </a:lnT>
-                    <a:lnB w="12700" cmpd="sng">
-                      <a:noFill/>
-                    </a:lnB>
-                    <a:lnTlToBr w="12700" cmpd="sng">
-                      <a:noFill/>
-                      <a:prstDash val="solid"/>
-                    </a:lnTlToBr>
-                    <a:lnBlToTr w="12700" cmpd="sng">
-                      <a:noFill/>
-                      <a:prstDash val="solid"/>
-                    </a:lnBlToTr>
-                    <a:noFill/>
-                  </a:tcPr>
-                </a:tc>
-                <a:tc>
-                  <a:txBody>
-                    <a:bodyPr/>
-                    <a:lstStyle/>
-                    <a:p>
-                      <a:pPr algn="r"/>
-                      <a:r>
-                        <a:rPr lang="en-US" altLang="zh-CN" sz="1400" b="0" dirty="0">
-                          <a:solidFill>
-                            <a:schemeClr val="tx1">
-                              <a:lumMod val="85000"/>
-                              <a:lumOff val="15000"/>
-                            </a:schemeClr>
-                          </a:solidFill>
-                          <a:latin typeface="+mn-lt"/>
-                        </a:rPr>
-                        <a:t>xxx</a:t>
-                      </a:r>
-                      <a:endParaRPr lang="zh-CN" altLang="en-US" sz="1400" b="0" dirty="0">
-                        <a:solidFill>
-                          <a:schemeClr val="tx1">
-                            <a:lumMod val="85000"/>
-                            <a:lumOff val="15000"/>
-                          </a:schemeClr>
-                        </a:solidFill>
-                        <a:latin typeface="+mn-lt"/>
-                      </a:endParaRPr>
-                    </a:p>
-                  </a:txBody>
-                  <a:tcPr marL="85620" marR="85620" marT="42810" marB="42810" anchor="ctr">
-                    <a:lnL w="12700" cmpd="sng">
-                      <a:noFill/>
-                    </a:lnL>
-                    <a:lnR w="12700" cmpd="sng">
-                      <a:noFill/>
-                    </a:lnR>
-                    <a:lnT w="12700" cap="flat" cmpd="sng" algn="ctr">
-                      <a:solidFill>
-                        <a:schemeClr val="bg1">
-                          <a:lumMod val="65000"/>
-                        </a:schemeClr>
-                      </a:solidFill>
-                      <a:prstDash val="solid"/>
-                      <a:round/>
-                      <a:headEnd type="none" w="med" len="med"/>
-                      <a:tailEnd type="none" w="med" len="med"/>
-                    </a:lnT>
-                    <a:lnB w="12700" cap="flat" cmpd="sng" algn="ctr">
-                      <a:solidFill>
-                        <a:schemeClr val="bg1">
-                          <a:lumMod val="65000"/>
-                        </a:schemeClr>
-                      </a:solidFill>
-                      <a:prstDash val="solid"/>
-                      <a:round/>
-                      <a:headEnd type="none" w="med" len="med"/>
-                      <a:tailEnd type="none" w="med" len="med"/>
-                    </a:lnB>
-                    <a:lnTlToBr w="12700" cmpd="sng">
-                      <a:noFill/>
-                      <a:prstDash val="solid"/>
-                    </a:lnTlToBr>
-                    <a:lnBlToTr w="12700" cmpd="sng">
-                      <a:noFill/>
-                      <a:prstDash val="solid"/>
-                    </a:lnBlToTr>
-                    <a:noFill/>
-                  </a:tcPr>
-                </a:tc>
-                <a:tc>
-                  <a:txBody>
-                    <a:bodyPr/>
-                    <a:lstStyle/>
-                    <a:p>
-                      <a:pPr algn="r"/>
-                      <a:r>
-                        <a:rPr lang="en-US" altLang="zh-CN" sz="1400" b="0" dirty="0">
-                          <a:solidFill>
-                            <a:schemeClr val="tx1">
-                              <a:lumMod val="85000"/>
-                              <a:lumOff val="15000"/>
-                            </a:schemeClr>
-                          </a:solidFill>
-                          <a:latin typeface="+mn-lt"/>
-                        </a:rPr>
-                        <a:t>xxx</a:t>
-                      </a:r>
-                      <a:endParaRPr lang="zh-CN" altLang="en-US" sz="1400" b="0" dirty="0">
-                        <a:solidFill>
-                          <a:schemeClr val="tx1">
-                            <a:lumMod val="85000"/>
-                            <a:lumOff val="15000"/>
-                          </a:schemeClr>
-                        </a:solidFill>
-                        <a:latin typeface="+mn-lt"/>
-                      </a:endParaRPr>
-                    </a:p>
-                  </a:txBody>
-                  <a:tcPr marL="85620" marR="85620" marT="42810" marB="42810" anchor="ctr">
-                    <a:lnL w="12700" cmpd="sng">
-                      <a:noFill/>
-                    </a:lnL>
-                    <a:lnR w="12700" cmpd="sng">
-                      <a:noFill/>
-                    </a:lnR>
-                    <a:lnT w="12700" cap="flat" cmpd="sng" algn="ctr">
-                      <a:solidFill>
-                        <a:schemeClr val="bg1">
-                          <a:lumMod val="65000"/>
-                        </a:schemeClr>
-                      </a:solidFill>
-                      <a:prstDash val="solid"/>
-                      <a:round/>
-                      <a:headEnd type="none" w="med" len="med"/>
-                      <a:tailEnd type="none" w="med" len="med"/>
-                    </a:lnT>
-                    <a:lnB w="12700" cap="flat" cmpd="sng" algn="ctr">
-                      <a:solidFill>
-                        <a:schemeClr val="bg1">
-                          <a:lumMod val="65000"/>
-                        </a:schemeClr>
-                      </a:solidFill>
-                      <a:prstDash val="solid"/>
-                      <a:round/>
-                      <a:headEnd type="none" w="med" len="med"/>
-                      <a:tailEnd type="none" w="med" len="med"/>
-                    </a:lnB>
-                    <a:lnTlToBr w="12700" cmpd="sng">
-                      <a:noFill/>
-                      <a:prstDash val="solid"/>
-                    </a:lnTlToBr>
-                    <a:lnBlToTr w="12700" cmpd="sng">
-                      <a:noFill/>
-                      <a:prstDash val="solid"/>
-                    </a:lnBlToTr>
-                    <a:noFill/>
-                  </a:tcPr>
-                </a:tc>
-                <a:tc>
-                  <a:txBody>
-                    <a:bodyPr/>
-                    <a:lstStyle/>
-                    <a:p>
-                      <a:pPr algn="r"/>
-                      <a:r>
-                        <a:rPr lang="en-US" altLang="zh-CN" sz="1400" b="0" dirty="0">
-                          <a:solidFill>
-                            <a:schemeClr val="tx1">
-                              <a:lumMod val="85000"/>
-                              <a:lumOff val="15000"/>
-                            </a:schemeClr>
-                          </a:solidFill>
-                          <a:latin typeface="+mn-lt"/>
-                        </a:rPr>
-                        <a:t>xxx</a:t>
-                      </a:r>
-                      <a:endParaRPr lang="zh-CN" altLang="en-US" sz="1400" b="0" dirty="0">
-                        <a:solidFill>
-                          <a:schemeClr val="tx1">
-                            <a:lumMod val="85000"/>
-                            <a:lumOff val="15000"/>
-                          </a:schemeClr>
-                        </a:solidFill>
-                        <a:latin typeface="+mn-lt"/>
-                      </a:endParaRPr>
-                    </a:p>
-                  </a:txBody>
-                  <a:tcPr marL="85620" marR="85620" marT="42810" marB="42810" anchor="ctr">
-                    <a:lnL w="12700" cmpd="sng">
-                      <a:noFill/>
-                    </a:lnL>
-                    <a:lnR w="12700" cmpd="sng">
-                      <a:noFill/>
-                    </a:lnR>
-                    <a:lnT w="12700" cap="flat" cmpd="sng" algn="ctr">
-                      <a:solidFill>
-                        <a:schemeClr val="bg1">
-                          <a:lumMod val="65000"/>
-                        </a:schemeClr>
-                      </a:solidFill>
-                      <a:prstDash val="solid"/>
-                      <a:round/>
-                      <a:headEnd type="none" w="med" len="med"/>
-                      <a:tailEnd type="none" w="med" len="med"/>
-                    </a:lnT>
-                    <a:lnB w="12700" cap="flat" cmpd="sng" algn="ctr">
-                      <a:solidFill>
-                        <a:schemeClr val="bg1">
-                          <a:lumMod val="65000"/>
-                        </a:schemeClr>
-                      </a:solidFill>
-                      <a:prstDash val="solid"/>
-                      <a:round/>
-                      <a:headEnd type="none" w="med" len="med"/>
-                      <a:tailEnd type="none" w="med" len="med"/>
-                    </a:lnB>
-                    <a:lnTlToBr w="12700" cmpd="sng">
-                      <a:noFill/>
-                      <a:prstDash val="solid"/>
-                    </a:lnTlToBr>
-                    <a:lnBlToTr w="12700" cmpd="sng">
-                      <a:noFill/>
-                      <a:prstDash val="solid"/>
-                    </a:lnBlToTr>
-                    <a:noFill/>
-                  </a:tcPr>
-                </a:tc>
-                <a:tc>
-                  <a:txBody>
-                    <a:bodyPr/>
-                    <a:lstStyle/>
-                    <a:p>
-                      <a:pPr algn="r"/>
-                      <a:r>
-                        <a:rPr lang="en-US" altLang="zh-CN" sz="1400" b="0" dirty="0">
-                          <a:solidFill>
-                            <a:schemeClr val="tx1">
-                              <a:lumMod val="85000"/>
-                              <a:lumOff val="15000"/>
-                            </a:schemeClr>
-                          </a:solidFill>
-                          <a:latin typeface="+mn-lt"/>
-                        </a:rPr>
-                        <a:t>xxx</a:t>
-                      </a:r>
-                      <a:endParaRPr lang="zh-CN" altLang="en-US" sz="1400" b="0" dirty="0">
-                        <a:solidFill>
-                          <a:schemeClr val="tx1">
-                            <a:lumMod val="85000"/>
-                            <a:lumOff val="15000"/>
-                          </a:schemeClr>
-                        </a:solidFill>
-                        <a:latin typeface="+mn-lt"/>
-                      </a:endParaRPr>
-                    </a:p>
-                  </a:txBody>
-                  <a:tcPr marL="85620" marR="85620" marT="42810" marB="42810" anchor="ctr">
-                    <a:lnL w="12700" cmpd="sng">
-                      <a:noFill/>
-                    </a:lnL>
-                    <a:lnR w="12700" cmpd="sng">
-                      <a:noFill/>
-                    </a:lnR>
-                    <a:lnT w="12700" cap="flat" cmpd="sng" algn="ctr">
-                      <a:solidFill>
-                        <a:schemeClr val="bg1">
-                          <a:lumMod val="65000"/>
-                        </a:schemeClr>
-                      </a:solidFill>
-                      <a:prstDash val="solid"/>
-                      <a:round/>
-                      <a:headEnd type="none" w="med" len="med"/>
-                      <a:tailEnd type="none" w="med" len="med"/>
-                    </a:lnT>
-                    <a:lnB w="12700" cap="flat" cmpd="sng" algn="ctr">
-                      <a:solidFill>
-                        <a:schemeClr val="bg1">
-                          <a:lumMod val="65000"/>
-                        </a:schemeClr>
-                      </a:solidFill>
-                      <a:prstDash val="solid"/>
-                      <a:round/>
-                      <a:headEnd type="none" w="med" len="med"/>
-                      <a:tailEnd type="none" w="med" len="med"/>
-                    </a:lnB>
-                    <a:lnTlToBr w="12700" cmpd="sng">
-                      <a:noFill/>
-                      <a:prstDash val="solid"/>
-                    </a:lnTlToBr>
-                    <a:lnBlToTr w="12700" cmpd="sng">
-                      <a:noFill/>
-                      <a:prstDash val="solid"/>
-                    </a:lnBlToTr>
-                    <a:noFill/>
-                  </a:tcPr>
-                </a:tc>
-                <a:extLst>
-                  <a:ext uri="{0D108BD9-81ED-4DB2-BD59-A6C34878D82A}">
-                    <a16:rowId xmlns:a16="http://schemas.microsoft.com/office/drawing/2014/main" val="10002"/>
-                  </a:ext>
-                </a:extLst>
-              </a:tr>
-              <a:tr h="609522">
-                <a:tc>
-                  <a:txBody>
-                    <a:bodyPr/>
-                    <a:lstStyle/>
-                    <a:p>
-                      <a:pPr marL="0" marR="0" indent="0" algn="r" defTabSz="914400" rtl="0" eaLnBrk="1" fontAlgn="auto" latinLnBrk="0" hangingPunct="1">
-                        <a:lnSpc>
-                          <a:spcPct val="100000"/>
-                        </a:lnSpc>
-                        <a:spcBef>
-                          <a:spcPts val="0"/>
-                        </a:spcBef>
-                        <a:spcAft>
-                          <a:spcPts val="0"/>
-                        </a:spcAft>
-                        <a:buClrTx/>
-                        <a:buSzTx/>
-                        <a:buFontTx/>
-                        <a:buNone/>
-                        <a:tabLst/>
-                        <a:defRPr/>
-                      </a:pPr>
-                      <a:r>
-                        <a:rPr lang="zh-CN" altLang="en-US" sz="1400">
-                          <a:solidFill>
-                            <a:schemeClr val="tx1"/>
-                          </a:solidFill>
-                        </a:rPr>
-                        <a:t>输入文本内容</a:t>
-                      </a:r>
-                      <a:endParaRPr lang="en-US" altLang="zh-CN" sz="1400" dirty="0">
-                        <a:solidFill>
-                          <a:schemeClr val="tx1"/>
-                        </a:solidFill>
-                      </a:endParaRPr>
-                    </a:p>
-                  </a:txBody>
-                  <a:tcPr marL="85620" marR="85620" marT="42810" marB="42810" anchor="ctr">
-                    <a:lnL w="12700" cmpd="sng">
-                      <a:noFill/>
-                    </a:lnL>
-                    <a:lnR w="12700" cmpd="sng">
-                      <a:noFill/>
-                    </a:lnR>
-                    <a:lnT w="12700" cmpd="sng">
-                      <a:noFill/>
-                    </a:lnT>
-                    <a:lnB w="12700" cmpd="sng">
-                      <a:noFill/>
-                    </a:lnB>
-                    <a:lnTlToBr w="12700" cmpd="sng">
-                      <a:noFill/>
-                      <a:prstDash val="solid"/>
-                    </a:lnTlToBr>
-                    <a:lnBlToTr w="12700" cmpd="sng">
-                      <a:noFill/>
-                      <a:prstDash val="solid"/>
-                    </a:lnBlToTr>
-                    <a:noFill/>
-                  </a:tcPr>
-                </a:tc>
-                <a:tc>
-                  <a:txBody>
-                    <a:bodyPr/>
-                    <a:lstStyle/>
-                    <a:p>
-                      <a:pPr algn="r"/>
-                      <a:r>
-                        <a:rPr lang="en-US" altLang="zh-CN" sz="1400" b="0" dirty="0">
-                          <a:solidFill>
-                            <a:schemeClr val="tx1">
-                              <a:lumMod val="85000"/>
-                              <a:lumOff val="15000"/>
-                            </a:schemeClr>
-                          </a:solidFill>
-                          <a:latin typeface="+mn-lt"/>
-                        </a:rPr>
-                        <a:t>xxx</a:t>
-                      </a:r>
-                      <a:endParaRPr lang="zh-CN" altLang="en-US" sz="1400" b="0" dirty="0">
-                        <a:solidFill>
-                          <a:schemeClr val="tx1">
-                            <a:lumMod val="85000"/>
-                            <a:lumOff val="15000"/>
-                          </a:schemeClr>
-                        </a:solidFill>
-                        <a:latin typeface="+mn-lt"/>
-                      </a:endParaRPr>
-                    </a:p>
-                  </a:txBody>
-                  <a:tcPr marL="85620" marR="85620" marT="42810" marB="42810" anchor="ctr">
-                    <a:lnL w="12700" cmpd="sng">
-                      <a:noFill/>
-                    </a:lnL>
-                    <a:lnR w="12700" cmpd="sng">
-                      <a:noFill/>
-                    </a:lnR>
-                    <a:lnT w="12700" cap="flat" cmpd="sng" algn="ctr">
-                      <a:solidFill>
-                        <a:schemeClr val="bg1">
-                          <a:lumMod val="65000"/>
-                        </a:schemeClr>
-                      </a:solidFill>
-                      <a:prstDash val="solid"/>
-                      <a:round/>
-                      <a:headEnd type="none" w="med" len="med"/>
-                      <a:tailEnd type="none" w="med" len="med"/>
-                    </a:lnT>
-                    <a:lnB w="12700" cap="flat" cmpd="sng" algn="ctr">
-                      <a:solidFill>
-                        <a:schemeClr val="bg1">
-                          <a:lumMod val="65000"/>
-                        </a:schemeClr>
-                      </a:solidFill>
-                      <a:prstDash val="solid"/>
-                      <a:round/>
-                      <a:headEnd type="none" w="med" len="med"/>
-                      <a:tailEnd type="none" w="med" len="med"/>
-                    </a:lnB>
-                    <a:lnTlToBr w="12700" cmpd="sng">
-                      <a:noFill/>
-                      <a:prstDash val="solid"/>
-                    </a:lnTlToBr>
-                    <a:lnBlToTr w="12700" cmpd="sng">
-                      <a:noFill/>
-                      <a:prstDash val="solid"/>
-                    </a:lnBlToTr>
-                    <a:noFill/>
-                  </a:tcPr>
-                </a:tc>
-                <a:tc>
-                  <a:txBody>
-                    <a:bodyPr/>
-                    <a:lstStyle/>
-                    <a:p>
-                      <a:pPr algn="r"/>
-                      <a:r>
-                        <a:rPr lang="en-US" altLang="zh-CN" sz="1400" b="0" dirty="0">
-                          <a:solidFill>
-                            <a:schemeClr val="tx1">
-                              <a:lumMod val="85000"/>
-                              <a:lumOff val="15000"/>
-                            </a:schemeClr>
-                          </a:solidFill>
-                          <a:latin typeface="+mn-lt"/>
-                        </a:rPr>
-                        <a:t>xxx</a:t>
-                      </a:r>
-                      <a:endParaRPr lang="zh-CN" altLang="en-US" sz="1400" b="0" dirty="0">
-                        <a:solidFill>
-                          <a:schemeClr val="tx1">
-                            <a:lumMod val="85000"/>
-                            <a:lumOff val="15000"/>
-                          </a:schemeClr>
-                        </a:solidFill>
-                        <a:latin typeface="+mn-lt"/>
-                      </a:endParaRPr>
-                    </a:p>
-                  </a:txBody>
-                  <a:tcPr marL="85620" marR="85620" marT="42810" marB="42810" anchor="ctr">
-                    <a:lnL w="12700" cmpd="sng">
-                      <a:noFill/>
-                    </a:lnL>
-                    <a:lnR w="12700" cmpd="sng">
-                      <a:noFill/>
-                    </a:lnR>
-                    <a:lnT w="12700" cap="flat" cmpd="sng" algn="ctr">
-                      <a:solidFill>
-                        <a:schemeClr val="bg1">
-                          <a:lumMod val="65000"/>
-                        </a:schemeClr>
-                      </a:solidFill>
-                      <a:prstDash val="solid"/>
-                      <a:round/>
-                      <a:headEnd type="none" w="med" len="med"/>
-                      <a:tailEnd type="none" w="med" len="med"/>
-                    </a:lnT>
-                    <a:lnB w="12700" cap="flat" cmpd="sng" algn="ctr">
-                      <a:solidFill>
-                        <a:schemeClr val="bg1">
-                          <a:lumMod val="65000"/>
-                        </a:schemeClr>
-                      </a:solidFill>
-                      <a:prstDash val="solid"/>
-                      <a:round/>
-                      <a:headEnd type="none" w="med" len="med"/>
-                      <a:tailEnd type="none" w="med" len="med"/>
-                    </a:lnB>
-                    <a:lnTlToBr w="12700" cmpd="sng">
-                      <a:noFill/>
-                      <a:prstDash val="solid"/>
-                    </a:lnTlToBr>
-                    <a:lnBlToTr w="12700" cmpd="sng">
-                      <a:noFill/>
-                      <a:prstDash val="solid"/>
-                    </a:lnBlToTr>
-                    <a:noFill/>
-                  </a:tcPr>
-                </a:tc>
-                <a:tc>
-                  <a:txBody>
-                    <a:bodyPr/>
-                    <a:lstStyle/>
-                    <a:p>
-                      <a:pPr algn="r"/>
-                      <a:r>
-                        <a:rPr lang="en-US" altLang="zh-CN" sz="1400" b="0" dirty="0">
-                          <a:solidFill>
-                            <a:schemeClr val="tx1">
-                              <a:lumMod val="85000"/>
-                              <a:lumOff val="15000"/>
-                            </a:schemeClr>
-                          </a:solidFill>
-                          <a:latin typeface="+mn-lt"/>
-                        </a:rPr>
-                        <a:t>xxx</a:t>
-                      </a:r>
-                      <a:endParaRPr lang="zh-CN" altLang="en-US" sz="1400" b="0" dirty="0">
-                        <a:solidFill>
-                          <a:schemeClr val="tx1">
-                            <a:lumMod val="85000"/>
-                            <a:lumOff val="15000"/>
-                          </a:schemeClr>
-                        </a:solidFill>
-                        <a:latin typeface="+mn-lt"/>
-                      </a:endParaRPr>
-                    </a:p>
-                  </a:txBody>
-                  <a:tcPr marL="85620" marR="85620" marT="42810" marB="42810" anchor="ctr">
-                    <a:lnL w="12700" cmpd="sng">
-                      <a:noFill/>
-                    </a:lnL>
-                    <a:lnR w="12700" cmpd="sng">
-                      <a:noFill/>
-                    </a:lnR>
-                    <a:lnT w="12700" cap="flat" cmpd="sng" algn="ctr">
-                      <a:solidFill>
-                        <a:schemeClr val="bg1">
-                          <a:lumMod val="65000"/>
-                        </a:schemeClr>
-                      </a:solidFill>
-                      <a:prstDash val="solid"/>
-                      <a:round/>
-                      <a:headEnd type="none" w="med" len="med"/>
-                      <a:tailEnd type="none" w="med" len="med"/>
-                    </a:lnT>
-                    <a:lnB w="12700" cap="flat" cmpd="sng" algn="ctr">
-                      <a:solidFill>
-                        <a:schemeClr val="bg1">
-                          <a:lumMod val="65000"/>
-                        </a:schemeClr>
-                      </a:solidFill>
-                      <a:prstDash val="solid"/>
-                      <a:round/>
-                      <a:headEnd type="none" w="med" len="med"/>
-                      <a:tailEnd type="none" w="med" len="med"/>
-                    </a:lnB>
-                    <a:lnTlToBr w="12700" cmpd="sng">
-                      <a:noFill/>
-                      <a:prstDash val="solid"/>
-                    </a:lnTlToBr>
-                    <a:lnBlToTr w="12700" cmpd="sng">
-                      <a:noFill/>
-                      <a:prstDash val="solid"/>
-                    </a:lnBlToTr>
-                    <a:noFill/>
-                  </a:tcPr>
-                </a:tc>
-                <a:tc>
-                  <a:txBody>
-                    <a:bodyPr/>
-                    <a:lstStyle/>
-                    <a:p>
-                      <a:pPr algn="r"/>
-                      <a:r>
-                        <a:rPr lang="en-US" altLang="zh-CN" sz="1400" b="0" dirty="0">
-                          <a:solidFill>
-                            <a:schemeClr val="tx1">
-                              <a:lumMod val="85000"/>
-                              <a:lumOff val="15000"/>
-                            </a:schemeClr>
-                          </a:solidFill>
-                          <a:latin typeface="+mn-lt"/>
-                        </a:rPr>
-                        <a:t>xxx</a:t>
-                      </a:r>
-                      <a:endParaRPr lang="zh-CN" altLang="en-US" sz="1400" b="0" dirty="0">
-                        <a:solidFill>
-                          <a:schemeClr val="tx1">
-                            <a:lumMod val="85000"/>
-                            <a:lumOff val="15000"/>
-                          </a:schemeClr>
-                        </a:solidFill>
-                        <a:latin typeface="+mn-lt"/>
-                      </a:endParaRPr>
-                    </a:p>
-                  </a:txBody>
-                  <a:tcPr marL="85620" marR="85620" marT="42810" marB="42810" anchor="ctr">
-                    <a:lnL w="12700" cmpd="sng">
-                      <a:noFill/>
-                    </a:lnL>
-                    <a:lnR w="12700" cmpd="sng">
-                      <a:noFill/>
-                    </a:lnR>
-                    <a:lnT w="12700" cap="flat" cmpd="sng" algn="ctr">
-                      <a:solidFill>
-                        <a:schemeClr val="bg1">
-                          <a:lumMod val="65000"/>
-                        </a:schemeClr>
-                      </a:solidFill>
-                      <a:prstDash val="solid"/>
-                      <a:round/>
-                      <a:headEnd type="none" w="med" len="med"/>
-                      <a:tailEnd type="none" w="med" len="med"/>
-                    </a:lnT>
-                    <a:lnB w="12700" cap="flat" cmpd="sng" algn="ctr">
-                      <a:solidFill>
-                        <a:schemeClr val="bg1">
-                          <a:lumMod val="65000"/>
-                        </a:schemeClr>
-                      </a:solidFill>
-                      <a:prstDash val="solid"/>
-                      <a:round/>
-                      <a:headEnd type="none" w="med" len="med"/>
-                      <a:tailEnd type="none" w="med" len="med"/>
-                    </a:lnB>
-                    <a:lnTlToBr w="12700" cmpd="sng">
-                      <a:noFill/>
-                      <a:prstDash val="solid"/>
-                    </a:lnTlToBr>
-                    <a:lnBlToTr w="12700" cmpd="sng">
-                      <a:noFill/>
-                      <a:prstDash val="solid"/>
-                    </a:lnBlToTr>
-                    <a:noFill/>
-                  </a:tcPr>
-                </a:tc>
-                <a:extLst>
-                  <a:ext uri="{0D108BD9-81ED-4DB2-BD59-A6C34878D82A}">
-                    <a16:rowId xmlns:a16="http://schemas.microsoft.com/office/drawing/2014/main" val="10003"/>
-                  </a:ext>
-                </a:extLst>
-              </a:tr>
-              <a:tr h="609522">
-                <a:tc>
-                  <a:txBody>
-                    <a:bodyPr/>
-                    <a:lstStyle/>
-                    <a:p>
-                      <a:pPr marL="0" marR="0" indent="0" algn="r" defTabSz="914400" rtl="0" eaLnBrk="1" fontAlgn="auto" latinLnBrk="0" hangingPunct="1">
-                        <a:lnSpc>
-                          <a:spcPct val="100000"/>
-                        </a:lnSpc>
-                        <a:spcBef>
-                          <a:spcPts val="0"/>
-                        </a:spcBef>
-                        <a:spcAft>
-                          <a:spcPts val="0"/>
-                        </a:spcAft>
-                        <a:buClrTx/>
-                        <a:buSzTx/>
-                        <a:buFontTx/>
-                        <a:buNone/>
-                        <a:tabLst/>
-                        <a:defRPr/>
-                      </a:pPr>
-                      <a:r>
-                        <a:rPr lang="zh-CN" altLang="en-US" sz="1400" dirty="0">
-                          <a:solidFill>
-                            <a:schemeClr val="tx1"/>
-                          </a:solidFill>
-                        </a:rPr>
-                        <a:t>输入文本内容</a:t>
-                      </a:r>
-                      <a:endParaRPr lang="en-US" altLang="zh-CN" sz="1400" dirty="0">
-                        <a:solidFill>
-                          <a:schemeClr val="tx1"/>
-                        </a:solidFill>
-                      </a:endParaRPr>
-                    </a:p>
-                  </a:txBody>
-                  <a:tcPr marL="85620" marR="85620" marT="42810" marB="42810" anchor="ctr">
-                    <a:lnL w="12700" cmpd="sng">
-                      <a:noFill/>
-                    </a:lnL>
-                    <a:lnR w="12700" cmpd="sng">
-                      <a:noFill/>
-                    </a:lnR>
-                    <a:lnT w="12700" cmpd="sng">
-                      <a:noFill/>
-                    </a:lnT>
-                    <a:lnB w="12700" cmpd="sng">
-                      <a:noFill/>
-                    </a:lnB>
-                    <a:lnTlToBr w="12700" cmpd="sng">
-                      <a:noFill/>
-                      <a:prstDash val="solid"/>
-                    </a:lnTlToBr>
-                    <a:lnBlToTr w="12700" cmpd="sng">
-                      <a:noFill/>
-                      <a:prstDash val="solid"/>
-                    </a:lnBlToTr>
-                    <a:noFill/>
-                  </a:tcPr>
-                </a:tc>
-                <a:tc>
-                  <a:txBody>
-                    <a:bodyPr/>
-                    <a:lstStyle/>
-                    <a:p>
-                      <a:pPr algn="r"/>
-                      <a:r>
-                        <a:rPr lang="en-US" altLang="zh-CN" sz="1400" b="0" dirty="0">
-                          <a:solidFill>
-                            <a:schemeClr val="tx1">
-                              <a:lumMod val="85000"/>
-                              <a:lumOff val="15000"/>
-                            </a:schemeClr>
-                          </a:solidFill>
-                          <a:latin typeface="+mn-lt"/>
-                        </a:rPr>
-                        <a:t>xxx</a:t>
-                      </a:r>
-                      <a:endParaRPr lang="zh-CN" altLang="en-US" sz="1400" b="0" dirty="0">
-                        <a:solidFill>
-                          <a:schemeClr val="tx1">
-                            <a:lumMod val="85000"/>
-                            <a:lumOff val="15000"/>
-                          </a:schemeClr>
-                        </a:solidFill>
-                        <a:latin typeface="+mn-lt"/>
-                      </a:endParaRPr>
-                    </a:p>
-                  </a:txBody>
-                  <a:tcPr marL="85620" marR="85620" marT="42810" marB="42810" anchor="ctr">
-                    <a:lnL w="12700" cmpd="sng">
-                      <a:noFill/>
-                    </a:lnL>
-                    <a:lnR w="12700" cmpd="sng">
-                      <a:noFill/>
-                    </a:lnR>
-                    <a:lnT w="12700" cap="flat" cmpd="sng" algn="ctr">
-                      <a:solidFill>
-                        <a:schemeClr val="bg1">
-                          <a:lumMod val="65000"/>
-                        </a:schemeClr>
-                      </a:solidFill>
-                      <a:prstDash val="solid"/>
-                      <a:round/>
-                      <a:headEnd type="none" w="med" len="med"/>
-                      <a:tailEnd type="none" w="med" len="med"/>
-                    </a:lnT>
-                    <a:lnB w="12700" cap="flat" cmpd="sng" algn="ctr">
-                      <a:solidFill>
-                        <a:schemeClr val="bg1">
-                          <a:lumMod val="65000"/>
-                        </a:schemeClr>
-                      </a:solidFill>
-                      <a:prstDash val="solid"/>
-                      <a:round/>
-                      <a:headEnd type="none" w="med" len="med"/>
-                      <a:tailEnd type="none" w="med" len="med"/>
-                    </a:lnB>
-                    <a:lnTlToBr w="12700" cmpd="sng">
-                      <a:noFill/>
-                      <a:prstDash val="solid"/>
-                    </a:lnTlToBr>
-                    <a:lnBlToTr w="12700" cmpd="sng">
-                      <a:noFill/>
-                      <a:prstDash val="solid"/>
-                    </a:lnBlToTr>
-                    <a:noFill/>
-                  </a:tcPr>
-                </a:tc>
-                <a:tc>
-                  <a:txBody>
-                    <a:bodyPr/>
-                    <a:lstStyle/>
-                    <a:p>
-                      <a:pPr algn="r"/>
-                      <a:r>
-                        <a:rPr lang="en-US" altLang="zh-CN" sz="1400" b="0" dirty="0">
-                          <a:solidFill>
-                            <a:schemeClr val="tx1">
-                              <a:lumMod val="85000"/>
-                              <a:lumOff val="15000"/>
-                            </a:schemeClr>
-                          </a:solidFill>
-                          <a:latin typeface="+mn-lt"/>
-                        </a:rPr>
-                        <a:t>xxx</a:t>
-                      </a:r>
-                      <a:endParaRPr lang="zh-CN" altLang="en-US" sz="1400" b="0" dirty="0">
-                        <a:solidFill>
-                          <a:schemeClr val="tx1">
-                            <a:lumMod val="85000"/>
-                            <a:lumOff val="15000"/>
-                          </a:schemeClr>
-                        </a:solidFill>
-                        <a:latin typeface="+mn-lt"/>
-                      </a:endParaRPr>
-                    </a:p>
-                  </a:txBody>
-                  <a:tcPr marL="85620" marR="85620" marT="42810" marB="42810" anchor="ctr">
-                    <a:lnL w="12700" cmpd="sng">
-                      <a:noFill/>
-                    </a:lnL>
-                    <a:lnR w="12700" cmpd="sng">
-                      <a:noFill/>
-                    </a:lnR>
-                    <a:lnT w="12700" cap="flat" cmpd="sng" algn="ctr">
-                      <a:solidFill>
-                        <a:schemeClr val="bg1">
-                          <a:lumMod val="65000"/>
-                        </a:schemeClr>
-                      </a:solidFill>
-                      <a:prstDash val="solid"/>
-                      <a:round/>
-                      <a:headEnd type="none" w="med" len="med"/>
-                      <a:tailEnd type="none" w="med" len="med"/>
-                    </a:lnT>
-                    <a:lnB w="12700" cap="flat" cmpd="sng" algn="ctr">
-                      <a:solidFill>
-                        <a:schemeClr val="bg1">
-                          <a:lumMod val="65000"/>
-                        </a:schemeClr>
-                      </a:solidFill>
-                      <a:prstDash val="solid"/>
-                      <a:round/>
-                      <a:headEnd type="none" w="med" len="med"/>
-                      <a:tailEnd type="none" w="med" len="med"/>
-                    </a:lnB>
-                    <a:lnTlToBr w="12700" cmpd="sng">
-                      <a:noFill/>
-                      <a:prstDash val="solid"/>
-                    </a:lnTlToBr>
-                    <a:lnBlToTr w="12700" cmpd="sng">
-                      <a:noFill/>
-                      <a:prstDash val="solid"/>
-                    </a:lnBlToTr>
-                    <a:noFill/>
-                  </a:tcPr>
-                </a:tc>
-                <a:tc>
-                  <a:txBody>
-                    <a:bodyPr/>
-                    <a:lstStyle/>
-                    <a:p>
-                      <a:pPr algn="r"/>
-                      <a:r>
-                        <a:rPr lang="en-US" altLang="zh-CN" sz="1400" b="0" dirty="0">
-                          <a:solidFill>
-                            <a:schemeClr val="tx1">
-                              <a:lumMod val="85000"/>
-                              <a:lumOff val="15000"/>
-                            </a:schemeClr>
-                          </a:solidFill>
-                          <a:latin typeface="+mn-lt"/>
-                        </a:rPr>
-                        <a:t>xxx</a:t>
-                      </a:r>
-                      <a:endParaRPr lang="zh-CN" altLang="en-US" sz="1400" b="0" dirty="0">
-                        <a:solidFill>
-                          <a:schemeClr val="tx1">
-                            <a:lumMod val="85000"/>
-                            <a:lumOff val="15000"/>
-                          </a:schemeClr>
-                        </a:solidFill>
-                        <a:latin typeface="+mn-lt"/>
-                      </a:endParaRPr>
-                    </a:p>
-                  </a:txBody>
-                  <a:tcPr marL="85620" marR="85620" marT="42810" marB="42810" anchor="ctr">
-                    <a:lnL w="12700" cmpd="sng">
-                      <a:noFill/>
-                    </a:lnL>
-                    <a:lnR w="12700" cmpd="sng">
-                      <a:noFill/>
-                    </a:lnR>
-                    <a:lnT w="12700" cap="flat" cmpd="sng" algn="ctr">
-                      <a:solidFill>
-                        <a:schemeClr val="bg1">
-                          <a:lumMod val="65000"/>
-                        </a:schemeClr>
-                      </a:solidFill>
-                      <a:prstDash val="solid"/>
-                      <a:round/>
-                      <a:headEnd type="none" w="med" len="med"/>
-                      <a:tailEnd type="none" w="med" len="med"/>
-                    </a:lnT>
-                    <a:lnB w="12700" cap="flat" cmpd="sng" algn="ctr">
-                      <a:solidFill>
-                        <a:schemeClr val="bg1">
-                          <a:lumMod val="65000"/>
-                        </a:schemeClr>
-                      </a:solidFill>
-                      <a:prstDash val="solid"/>
-                      <a:round/>
-                      <a:headEnd type="none" w="med" len="med"/>
-                      <a:tailEnd type="none" w="med" len="med"/>
-                    </a:lnB>
-                    <a:lnTlToBr w="12700" cmpd="sng">
-                      <a:noFill/>
-                      <a:prstDash val="solid"/>
-                    </a:lnTlToBr>
-                    <a:lnBlToTr w="12700" cmpd="sng">
-                      <a:noFill/>
-                      <a:prstDash val="solid"/>
-                    </a:lnBlToTr>
-                    <a:noFill/>
-                  </a:tcPr>
-                </a:tc>
-                <a:tc>
-                  <a:txBody>
-                    <a:bodyPr/>
-                    <a:lstStyle/>
-                    <a:p>
-                      <a:pPr algn="r"/>
-                      <a:r>
-                        <a:rPr lang="en-US" altLang="zh-CN" sz="1400" b="0" dirty="0">
-                          <a:solidFill>
-                            <a:schemeClr val="tx1">
-                              <a:lumMod val="85000"/>
-                              <a:lumOff val="15000"/>
-                            </a:schemeClr>
-                          </a:solidFill>
-                          <a:latin typeface="+mn-lt"/>
-                        </a:rPr>
-                        <a:t>xxx</a:t>
-                      </a:r>
-                      <a:endParaRPr lang="zh-CN" altLang="en-US" sz="1400" b="0" dirty="0">
-                        <a:solidFill>
-                          <a:schemeClr val="tx1">
-                            <a:lumMod val="85000"/>
-                            <a:lumOff val="15000"/>
-                          </a:schemeClr>
-                        </a:solidFill>
-                        <a:latin typeface="+mn-lt"/>
-                      </a:endParaRPr>
-                    </a:p>
-                  </a:txBody>
-                  <a:tcPr marL="85620" marR="85620" marT="42810" marB="42810" anchor="ctr">
-                    <a:lnL w="12700" cmpd="sng">
-                      <a:noFill/>
-                    </a:lnL>
-                    <a:lnR w="12700" cmpd="sng">
-                      <a:noFill/>
-                    </a:lnR>
-                    <a:lnT w="12700" cap="flat" cmpd="sng" algn="ctr">
-                      <a:solidFill>
-                        <a:schemeClr val="bg1">
-                          <a:lumMod val="65000"/>
-                        </a:schemeClr>
-                      </a:solidFill>
-                      <a:prstDash val="solid"/>
-                      <a:round/>
-                      <a:headEnd type="none" w="med" len="med"/>
-                      <a:tailEnd type="none" w="med" len="med"/>
-                    </a:lnT>
-                    <a:lnB w="12700" cap="flat" cmpd="sng" algn="ctr">
-                      <a:solidFill>
-                        <a:schemeClr val="bg1">
-                          <a:lumMod val="65000"/>
-                        </a:schemeClr>
-                      </a:solidFill>
-                      <a:prstDash val="solid"/>
-                      <a:round/>
-                      <a:headEnd type="none" w="med" len="med"/>
-                      <a:tailEnd type="none" w="med" len="med"/>
-                    </a:lnB>
-                    <a:lnTlToBr w="12700" cmpd="sng">
-                      <a:noFill/>
-                      <a:prstDash val="solid"/>
-                    </a:lnTlToBr>
-                    <a:lnBlToTr w="12700" cmpd="sng">
-                      <a:noFill/>
-                      <a:prstDash val="solid"/>
-                    </a:lnBlToTr>
-                    <a:noFill/>
-                  </a:tcPr>
-                </a:tc>
-                <a:extLst>
-                  <a:ext uri="{0D108BD9-81ED-4DB2-BD59-A6C34878D82A}">
-                    <a16:rowId xmlns:a16="http://schemas.microsoft.com/office/drawing/2014/main" val="10004"/>
-                  </a:ext>
-                </a:extLst>
-              </a:tr>
-            </a:tbl>
-          </a:graphicData>
-        </a:graphic>
-      </p:graphicFrame>
-      <p:grpSp>
-        <p:nvGrpSpPr>
-          <p:cNvPr id="11" name="组合 10"/>
-          <p:cNvGrpSpPr/>
-          <p:nvPr/>
-        </p:nvGrpSpPr>
-        <p:grpSpPr>
-          <a:xfrm>
-            <a:off x="910794" y="4967546"/>
-            <a:ext cx="2300757" cy="509896"/>
-            <a:chOff x="888096" y="1000203"/>
-            <a:chExt cx="4259825" cy="944066"/>
-          </a:xfrm>
-        </p:grpSpPr>
-        <p:sp>
-          <p:nvSpPr>
-            <p:cNvPr id="12" name="矩形 11"/>
-            <p:cNvSpPr/>
-            <p:nvPr/>
-          </p:nvSpPr>
-          <p:spPr>
-            <a:xfrm>
-              <a:off x="911225" y="1045634"/>
-              <a:ext cx="4199467" cy="872066"/>
-            </a:xfrm>
-            <a:prstGeom prst="rect">
-              <a:avLst/>
-            </a:prstGeom>
-            <a:noFill/>
-            <a:ln>
-              <a:solidFill>
-                <a:schemeClr val="bg1">
-                  <a:lumMod val="75000"/>
-                </a:schemeClr>
-              </a:solidFill>
-            </a:ln>
-          </p:spPr>
-          <p:style>
-            <a:lnRef idx="2">
-              <a:schemeClr val="accent1">
-                <a:shade val="50000"/>
-              </a:schemeClr>
-            </a:lnRef>
-            <a:fillRef idx="1">
-              <a:schemeClr val="accent1"/>
-            </a:fillRef>
-            <a:effectRef idx="0">
-              <a:schemeClr val="accent1"/>
-            </a:effectRef>
-            <a:fontRef idx="minor">
-              <a:schemeClr val="lt1"/>
-            </a:fontRef>
-          </p:style>
-          <p:txBody>
-            <a:bodyPr rot="0" spcFirstLastPara="0" vertOverflow="overflow" horzOverflow="overflow" vert="horz" wrap="square" lIns="91440" tIns="45720" rIns="91440" bIns="45720" numCol="1" spcCol="0" rtlCol="0" fromWordArt="0" anchor="ctr" anchorCtr="0" forceAA="0" compatLnSpc="1">
-              <a:noAutofit/>
-            </a:bodyPr>
-            <a:lstStyle/>
-            <a:p>
-              <a:pPr algn="ctr"/>
-              <a:endParaRPr lang="zh-CN" altLang="en-US"/>
-            </a:p>
-          </p:txBody>
-        </p:sp>
-        <p:sp>
-          <p:nvSpPr>
-            <p:cNvPr id="13" name="椭圆 12"/>
-            <p:cNvSpPr/>
-            <p:nvPr/>
-          </p:nvSpPr>
-          <p:spPr>
-            <a:xfrm>
-              <a:off x="888096" y="1000203"/>
-              <a:ext cx="72000" cy="72000"/>
-            </a:xfrm>
-            <a:prstGeom prst="ellipse">
-              <a:avLst/>
-            </a:prstGeom>
-            <a:solidFill>
-              <a:schemeClr val="tx1">
-                <a:lumMod val="65000"/>
-                <a:lumOff val="35000"/>
-              </a:schemeClr>
-            </a:solidFill>
-            <a:ln>
-              <a:noFill/>
-            </a:ln>
-          </p:spPr>
-          <p:style>
-            <a:lnRef idx="2">
-              <a:schemeClr val="accent1">
-                <a:shade val="50000"/>
-              </a:schemeClr>
-            </a:lnRef>
-            <a:fillRef idx="1">
-              <a:schemeClr val="accent1"/>
-            </a:fillRef>
-            <a:effectRef idx="0">
-              <a:schemeClr val="accent1"/>
-            </a:effectRef>
-            <a:fontRef idx="minor">
-              <a:schemeClr val="lt1"/>
-            </a:fontRef>
-          </p:style>
-          <p:txBody>
-            <a:bodyPr rot="0" spcFirstLastPara="0" vertOverflow="overflow" horzOverflow="overflow" vert="horz" wrap="square" lIns="91440" tIns="45720" rIns="91440" bIns="45720" numCol="1" spcCol="0" rtlCol="0" fromWordArt="0" anchor="ctr" anchorCtr="0" forceAA="0" compatLnSpc="1">
-              <a:noAutofit/>
-            </a:bodyPr>
-            <a:lstStyle/>
-            <a:p>
-              <a:pPr algn="ctr"/>
-              <a:endParaRPr lang="zh-CN" altLang="en-US"/>
-            </a:p>
-          </p:txBody>
-        </p:sp>
-        <p:sp>
-          <p:nvSpPr>
-            <p:cNvPr id="14" name="椭圆 13"/>
-            <p:cNvSpPr/>
-            <p:nvPr/>
-          </p:nvSpPr>
-          <p:spPr>
-            <a:xfrm>
-              <a:off x="888096" y="1872269"/>
-              <a:ext cx="72000" cy="72000"/>
-            </a:xfrm>
-            <a:prstGeom prst="ellipse">
-              <a:avLst/>
-            </a:prstGeom>
-            <a:solidFill>
-              <a:schemeClr val="tx1">
-                <a:lumMod val="65000"/>
-                <a:lumOff val="35000"/>
-              </a:schemeClr>
-            </a:solidFill>
-            <a:ln>
-              <a:noFill/>
-            </a:ln>
-          </p:spPr>
-          <p:style>
-            <a:lnRef idx="2">
-              <a:schemeClr val="accent1">
-                <a:shade val="50000"/>
-              </a:schemeClr>
-            </a:lnRef>
-            <a:fillRef idx="1">
-              <a:schemeClr val="accent1"/>
-            </a:fillRef>
-            <a:effectRef idx="0">
-              <a:schemeClr val="accent1"/>
-            </a:effectRef>
-            <a:fontRef idx="minor">
-              <a:schemeClr val="lt1"/>
-            </a:fontRef>
-          </p:style>
-          <p:txBody>
-            <a:bodyPr rot="0" spcFirstLastPara="0" vertOverflow="overflow" horzOverflow="overflow" vert="horz" wrap="square" lIns="91440" tIns="45720" rIns="91440" bIns="45720" numCol="1" spcCol="0" rtlCol="0" fromWordArt="0" anchor="ctr" anchorCtr="0" forceAA="0" compatLnSpc="1">
-              <a:noAutofit/>
-            </a:bodyPr>
-            <a:lstStyle/>
-            <a:p>
-              <a:pPr algn="ctr"/>
-              <a:endParaRPr lang="zh-CN" altLang="en-US"/>
-            </a:p>
-          </p:txBody>
-        </p:sp>
-        <p:sp>
-          <p:nvSpPr>
-            <p:cNvPr id="15" name="椭圆 14"/>
-            <p:cNvSpPr/>
-            <p:nvPr/>
-          </p:nvSpPr>
-          <p:spPr>
-            <a:xfrm>
-              <a:off x="5075921" y="1872269"/>
-              <a:ext cx="72000" cy="72000"/>
-            </a:xfrm>
-            <a:prstGeom prst="ellipse">
-              <a:avLst/>
-            </a:prstGeom>
-            <a:solidFill>
-              <a:schemeClr val="tx1">
-                <a:lumMod val="65000"/>
-                <a:lumOff val="35000"/>
-              </a:schemeClr>
-            </a:solidFill>
-            <a:ln>
-              <a:noFill/>
-            </a:ln>
-          </p:spPr>
-          <p:style>
-            <a:lnRef idx="2">
-              <a:schemeClr val="accent1">
-                <a:shade val="50000"/>
-              </a:schemeClr>
-            </a:lnRef>
-            <a:fillRef idx="1">
-              <a:schemeClr val="accent1"/>
-            </a:fillRef>
-            <a:effectRef idx="0">
-              <a:schemeClr val="accent1"/>
-            </a:effectRef>
-            <a:fontRef idx="minor">
-              <a:schemeClr val="lt1"/>
-            </a:fontRef>
-          </p:style>
-          <p:txBody>
-            <a:bodyPr rot="0" spcFirstLastPara="0" vertOverflow="overflow" horzOverflow="overflow" vert="horz" wrap="square" lIns="91440" tIns="45720" rIns="91440" bIns="45720" numCol="1" spcCol="0" rtlCol="0" fromWordArt="0" anchor="ctr" anchorCtr="0" forceAA="0" compatLnSpc="1">
-              <a:noAutofit/>
-            </a:bodyPr>
-            <a:lstStyle/>
-            <a:p>
-              <a:pPr algn="ctr"/>
-              <a:endParaRPr lang="zh-CN" altLang="en-US"/>
-            </a:p>
-          </p:txBody>
-        </p:sp>
-        <p:sp>
-          <p:nvSpPr>
-            <p:cNvPr id="16" name="椭圆 15"/>
-            <p:cNvSpPr/>
-            <p:nvPr/>
-          </p:nvSpPr>
-          <p:spPr>
-            <a:xfrm>
-              <a:off x="5074692" y="1009634"/>
-              <a:ext cx="72000" cy="72000"/>
-            </a:xfrm>
-            <a:prstGeom prst="ellipse">
-              <a:avLst/>
-            </a:prstGeom>
-            <a:solidFill>
-              <a:schemeClr val="tx1">
-                <a:lumMod val="65000"/>
-                <a:lumOff val="35000"/>
-              </a:schemeClr>
-            </a:solidFill>
-            <a:ln>
-              <a:noFill/>
-            </a:ln>
-          </p:spPr>
-          <p:style>
-            <a:lnRef idx="2">
-              <a:schemeClr val="accent1">
-                <a:shade val="50000"/>
-              </a:schemeClr>
-            </a:lnRef>
-            <a:fillRef idx="1">
-              <a:schemeClr val="accent1"/>
-            </a:fillRef>
-            <a:effectRef idx="0">
-              <a:schemeClr val="accent1"/>
-            </a:effectRef>
-            <a:fontRef idx="minor">
-              <a:schemeClr val="lt1"/>
-            </a:fontRef>
-          </p:style>
-          <p:txBody>
-            <a:bodyPr rot="0" spcFirstLastPara="0" vertOverflow="overflow" horzOverflow="overflow" vert="horz" wrap="square" lIns="91440" tIns="45720" rIns="91440" bIns="45720" numCol="1" spcCol="0" rtlCol="0" fromWordArt="0" anchor="ctr" anchorCtr="0" forceAA="0" compatLnSpc="1">
-              <a:noAutofit/>
-            </a:bodyPr>
-            <a:lstStyle/>
-            <a:p>
-              <a:pPr algn="ctr"/>
-              <a:endParaRPr lang="zh-CN" altLang="en-US"/>
-            </a:p>
-          </p:txBody>
-        </p:sp>
-      </p:grpSp>
       <p:sp>
         <p:nvSpPr>
-          <p:cNvPr id="17" name="矩形 16"/>
+          <p:cNvPr id="100" name="矩形 99"/>
           <p:cNvSpPr/>
           <p:nvPr/>
         </p:nvSpPr>
         <p:spPr>
           <a:xfrm>
-            <a:off x="1041701" y="5042922"/>
-            <a:ext cx="2031325" cy="369332"/>
+            <a:off x="3876094" y="375895"/>
+            <a:ext cx="2441694" cy="769441"/>
           </a:xfrm>
           <a:prstGeom prst="rect">
             <a:avLst/>
@@ -8054,22 +5826,23 @@
           <a:lstStyle/>
           <a:p>
             <a:r>
-              <a:rPr lang="zh-CN" altLang="en-US" dirty="0"/>
-              <a:t>点击此处添加标题</a:t>
-            </a:r>
+              <a:rPr lang="zh-CN" altLang="en-US" sz="4400" dirty="0" smtClean="0"/>
+              <a:t>详细设计</a:t>
+            </a:r>
+            <a:endParaRPr lang="en-US" altLang="zh-CN" sz="4400" dirty="0"/>
           </a:p>
         </p:txBody>
       </p:sp>
       <p:sp>
         <p:nvSpPr>
-          <p:cNvPr id="18" name="矩形 17"/>
+          <p:cNvPr id="102" name="矩形 101"/>
           <p:cNvSpPr/>
           <p:nvPr/>
         </p:nvSpPr>
         <p:spPr>
           <a:xfrm>
-            <a:off x="959621" y="5519630"/>
-            <a:ext cx="7193779" cy="652486"/>
+            <a:off x="3885341" y="1220363"/>
+            <a:ext cx="6550312" cy="905248"/>
           </a:xfrm>
           <a:prstGeom prst="rect">
             <a:avLst/>
@@ -8087,6 +5860,30 @@
               </a:lnSpc>
             </a:pPr>
             <a:r>
+              <a:rPr lang="zh-CN" altLang="en-US" sz="1400" b="1" dirty="0" smtClean="0">
+                <a:solidFill>
+                  <a:schemeClr val="bg1">
+                    <a:lumMod val="50000"/>
+                  </a:schemeClr>
+                </a:solidFill>
+                <a:latin typeface="微软雅黑" panose="020B0503020204020204" charset="-122"/>
+                <a:ea typeface="微软雅黑" panose="020B0503020204020204" charset="-122"/>
+              </a:rPr>
+              <a:t>总体框架</a:t>
+            </a:r>
+            <a:r>
+              <a:rPr lang="zh-CN" altLang="en-US" sz="1400" dirty="0" smtClean="0">
+                <a:solidFill>
+                  <a:schemeClr val="bg1">
+                    <a:lumMod val="50000"/>
+                  </a:schemeClr>
+                </a:solidFill>
+                <a:latin typeface="微软雅黑" panose="020B0503020204020204" charset="-122"/>
+                <a:ea typeface="微软雅黑" panose="020B0503020204020204" charset="-122"/>
+              </a:rPr>
+              <a:t>：该</a:t>
+            </a:r>
+            <a:r>
               <a:rPr lang="zh-CN" altLang="en-US" sz="1400" dirty="0">
                 <a:solidFill>
                   <a:schemeClr val="bg1">
@@ -8096,7 +5893,7 @@
                 <a:latin typeface="微软雅黑" panose="020B0503020204020204" charset="-122"/>
                 <a:ea typeface="微软雅黑" panose="020B0503020204020204" charset="-122"/>
               </a:rPr>
-              <a:t>标题数字等都可以通过点击和重新输入进行更改，顶部“开始”面板中可以对字体、字号、颜色、行距等进行修改。建议正文</a:t>
+              <a:t>系统采用客户端</a:t>
             </a:r>
             <a:r>
               <a:rPr lang="en-US" altLang="zh-CN" sz="1400" dirty="0">
@@ -8108,7 +5905,7 @@
                 <a:latin typeface="微软雅黑" panose="020B0503020204020204" charset="-122"/>
                 <a:ea typeface="微软雅黑" panose="020B0503020204020204" charset="-122"/>
               </a:rPr>
-              <a:t>8-14</a:t>
+              <a:t>+</a:t>
             </a:r>
             <a:r>
               <a:rPr lang="zh-CN" altLang="en-US" sz="1400" dirty="0">
@@ -8120,7 +5917,7 @@
                 <a:latin typeface="微软雅黑" panose="020B0503020204020204" charset="-122"/>
                 <a:ea typeface="微软雅黑" panose="020B0503020204020204" charset="-122"/>
               </a:rPr>
-              <a:t>号字，</a:t>
+              <a:t>服务端</a:t>
             </a:r>
             <a:r>
               <a:rPr lang="en-US" altLang="zh-CN" sz="1400" dirty="0">
@@ -8132,7 +5929,7 @@
                 <a:latin typeface="微软雅黑" panose="020B0503020204020204" charset="-122"/>
                 <a:ea typeface="微软雅黑" panose="020B0503020204020204" charset="-122"/>
               </a:rPr>
-              <a:t>1.3</a:t>
+              <a:t>+</a:t>
             </a:r>
             <a:r>
               <a:rPr lang="zh-CN" altLang="en-US" sz="1400" dirty="0">
@@ -8144,11 +5941,326 @@
                 <a:latin typeface="微软雅黑" panose="020B0503020204020204" charset="-122"/>
                 <a:ea typeface="微软雅黑" panose="020B0503020204020204" charset="-122"/>
               </a:rPr>
-              <a:t>倍字间距。</a:t>
-            </a:r>
+              <a:t>数据库的方式进行开发。通过</a:t>
+            </a:r>
+            <a:r>
+              <a:rPr lang="en-US" altLang="zh-CN" sz="1400" dirty="0">
+                <a:solidFill>
+                  <a:schemeClr val="bg1">
+                    <a:lumMod val="50000"/>
+                  </a:schemeClr>
+                </a:solidFill>
+                <a:latin typeface="微软雅黑" panose="020B0503020204020204" charset="-122"/>
+                <a:ea typeface="微软雅黑" panose="020B0503020204020204" charset="-122"/>
+              </a:rPr>
+              <a:t>Node.js</a:t>
+            </a:r>
+            <a:r>
+              <a:rPr lang="zh-CN" altLang="en-US" sz="1400" dirty="0">
+                <a:solidFill>
+                  <a:schemeClr val="bg1">
+                    <a:lumMod val="50000"/>
+                  </a:schemeClr>
+                </a:solidFill>
+                <a:latin typeface="微软雅黑" panose="020B0503020204020204" charset="-122"/>
+                <a:ea typeface="微软雅黑" panose="020B0503020204020204" charset="-122"/>
+              </a:rPr>
+              <a:t>技术开发后台，使用</a:t>
+            </a:r>
+            <a:r>
+              <a:rPr lang="en-US" altLang="zh-CN" sz="1400" dirty="0">
+                <a:solidFill>
+                  <a:schemeClr val="bg1">
+                    <a:lumMod val="50000"/>
+                  </a:schemeClr>
+                </a:solidFill>
+                <a:latin typeface="微软雅黑" panose="020B0503020204020204" charset="-122"/>
+                <a:ea typeface="微软雅黑" panose="020B0503020204020204" charset="-122"/>
+              </a:rPr>
+              <a:t>express</a:t>
+            </a:r>
+            <a:r>
+              <a:rPr lang="zh-CN" altLang="en-US" sz="1400" dirty="0">
+                <a:solidFill>
+                  <a:schemeClr val="bg1">
+                    <a:lumMod val="50000"/>
+                  </a:schemeClr>
+                </a:solidFill>
+                <a:latin typeface="微软雅黑" panose="020B0503020204020204" charset="-122"/>
+                <a:ea typeface="微软雅黑" panose="020B0503020204020204" charset="-122"/>
+              </a:rPr>
+              <a:t>模块在服务端引入数据库服务，连接</a:t>
+            </a:r>
+            <a:r>
+              <a:rPr lang="en-US" altLang="zh-CN" sz="1400" dirty="0" err="1">
+                <a:solidFill>
+                  <a:schemeClr val="bg1">
+                    <a:lumMod val="50000"/>
+                  </a:schemeClr>
+                </a:solidFill>
+                <a:latin typeface="微软雅黑" panose="020B0503020204020204" charset="-122"/>
+                <a:ea typeface="微软雅黑" panose="020B0503020204020204" charset="-122"/>
+              </a:rPr>
+              <a:t>api</a:t>
+            </a:r>
+            <a:r>
+              <a:rPr lang="zh-CN" altLang="en-US" sz="1400" dirty="0">
+                <a:solidFill>
+                  <a:schemeClr val="bg1">
+                    <a:lumMod val="50000"/>
+                  </a:schemeClr>
+                </a:solidFill>
+                <a:latin typeface="微软雅黑" panose="020B0503020204020204" charset="-122"/>
+                <a:ea typeface="微软雅黑" panose="020B0503020204020204" charset="-122"/>
+              </a:rPr>
+              <a:t>接口，客户端获取参数传递到服务端，服务端通过</a:t>
+            </a:r>
+            <a:r>
+              <a:rPr lang="en-US" altLang="zh-CN" sz="1400" dirty="0">
+                <a:solidFill>
+                  <a:schemeClr val="bg1">
+                    <a:lumMod val="50000"/>
+                  </a:schemeClr>
+                </a:solidFill>
+                <a:latin typeface="微软雅黑" panose="020B0503020204020204" charset="-122"/>
+                <a:ea typeface="微软雅黑" panose="020B0503020204020204" charset="-122"/>
+              </a:rPr>
+              <a:t>SQL</a:t>
+            </a:r>
+            <a:r>
+              <a:rPr lang="zh-CN" altLang="en-US" sz="1400" dirty="0">
+                <a:solidFill>
+                  <a:schemeClr val="bg1">
+                    <a:lumMod val="50000"/>
+                  </a:schemeClr>
+                </a:solidFill>
+                <a:latin typeface="微软雅黑" panose="020B0503020204020204" charset="-122"/>
+                <a:ea typeface="微软雅黑" panose="020B0503020204020204" charset="-122"/>
+              </a:rPr>
+              <a:t>查询语句对数据库进行操作。</a:t>
+            </a:r>
+            <a:endParaRPr lang="zh-CN" altLang="en-US" sz="1400" dirty="0">
+              <a:solidFill>
+                <a:schemeClr val="bg1">
+                  <a:lumMod val="50000"/>
+                </a:schemeClr>
+              </a:solidFill>
+              <a:latin typeface="微软雅黑" panose="020B0503020204020204" charset="-122"/>
+              <a:ea typeface="微软雅黑" panose="020B0503020204020204" charset="-122"/>
+            </a:endParaRPr>
           </a:p>
         </p:txBody>
       </p:sp>
+      <p:pic>
+        <p:nvPicPr>
+          <p:cNvPr id="3" name="图片 2"/>
+          <p:cNvPicPr>
+            <a:picLocks noChangeAspect="1"/>
+          </p:cNvPicPr>
+          <p:nvPr/>
+        </p:nvPicPr>
+        <p:blipFill>
+          <a:blip r:embed="rId3">
+            <a:extLst>
+              <a:ext uri="{28A0092B-C50C-407E-A947-70E740481C1C}">
+                <a14:useLocalDpi xmlns:a14="http://schemas.microsoft.com/office/drawing/2010/main" val="0"/>
+              </a:ext>
+            </a:extLst>
+          </a:blip>
+          <a:stretch>
+            <a:fillRect/>
+          </a:stretch>
+        </p:blipFill>
+        <p:spPr>
+          <a:xfrm>
+            <a:off x="4245038" y="2610726"/>
+            <a:ext cx="5421297" cy="2811876"/>
+          </a:xfrm>
+          <a:prstGeom prst="rect">
+            <a:avLst/>
+          </a:prstGeom>
+        </p:spPr>
+      </p:pic>
+      <p:pic>
+        <p:nvPicPr>
+          <p:cNvPr id="4" name="图片 3"/>
+          <p:cNvPicPr>
+            <a:picLocks noChangeAspect="1"/>
+          </p:cNvPicPr>
+          <p:nvPr/>
+        </p:nvPicPr>
+        <p:blipFill>
+          <a:blip r:embed="rId4">
+            <a:extLst>
+              <a:ext uri="{28A0092B-C50C-407E-A947-70E740481C1C}">
+                <a14:useLocalDpi xmlns:a14="http://schemas.microsoft.com/office/drawing/2010/main" val="0"/>
+              </a:ext>
+            </a:extLst>
+          </a:blip>
+          <a:stretch>
+            <a:fillRect/>
+          </a:stretch>
+        </p:blipFill>
+        <p:spPr>
+          <a:xfrm>
+            <a:off x="4015833" y="2439002"/>
+            <a:ext cx="5146682" cy="3155323"/>
+          </a:xfrm>
+          <a:prstGeom prst="rect">
+            <a:avLst/>
+          </a:prstGeom>
+        </p:spPr>
+      </p:pic>
+      <p:pic>
+        <p:nvPicPr>
+          <p:cNvPr id="5" name="图片 4"/>
+          <p:cNvPicPr>
+            <a:picLocks noChangeAspect="1"/>
+          </p:cNvPicPr>
+          <p:nvPr/>
+        </p:nvPicPr>
+        <p:blipFill>
+          <a:blip r:embed="rId5">
+            <a:extLst>
+              <a:ext uri="{28A0092B-C50C-407E-A947-70E740481C1C}">
+                <a14:useLocalDpi xmlns:a14="http://schemas.microsoft.com/office/drawing/2010/main" val="0"/>
+              </a:ext>
+            </a:extLst>
+          </a:blip>
+          <a:stretch>
+            <a:fillRect/>
+          </a:stretch>
+        </p:blipFill>
+        <p:spPr>
+          <a:xfrm>
+            <a:off x="4015833" y="2174635"/>
+            <a:ext cx="5219592" cy="3929000"/>
+          </a:xfrm>
+          <a:prstGeom prst="rect">
+            <a:avLst/>
+          </a:prstGeom>
+        </p:spPr>
+      </p:pic>
+      <p:pic>
+        <p:nvPicPr>
+          <p:cNvPr id="42" name="图片 41"/>
+          <p:cNvPicPr>
+            <a:picLocks noChangeAspect="1"/>
+          </p:cNvPicPr>
+          <p:nvPr/>
+        </p:nvPicPr>
+        <p:blipFill>
+          <a:blip r:embed="rId6">
+            <a:extLst>
+              <a:ext uri="{28A0092B-C50C-407E-A947-70E740481C1C}">
+                <a14:useLocalDpi xmlns:a14="http://schemas.microsoft.com/office/drawing/2010/main" val="0"/>
+              </a:ext>
+            </a:extLst>
+          </a:blip>
+          <a:stretch>
+            <a:fillRect/>
+          </a:stretch>
+        </p:blipFill>
+        <p:spPr>
+          <a:xfrm>
+            <a:off x="5054151" y="2200638"/>
+            <a:ext cx="3378750" cy="4236044"/>
+          </a:xfrm>
+          <a:prstGeom prst="rect">
+            <a:avLst/>
+          </a:prstGeom>
+        </p:spPr>
+      </p:pic>
+      <p:pic>
+        <p:nvPicPr>
+          <p:cNvPr id="43" name="图片 42"/>
+          <p:cNvPicPr>
+            <a:picLocks noChangeAspect="1"/>
+          </p:cNvPicPr>
+          <p:nvPr/>
+        </p:nvPicPr>
+        <p:blipFill>
+          <a:blip r:embed="rId7">
+            <a:extLst>
+              <a:ext uri="{28A0092B-C50C-407E-A947-70E740481C1C}">
+                <a14:useLocalDpi xmlns:a14="http://schemas.microsoft.com/office/drawing/2010/main" val="0"/>
+              </a:ext>
+            </a:extLst>
+          </a:blip>
+          <a:stretch>
+            <a:fillRect/>
+          </a:stretch>
+        </p:blipFill>
+        <p:spPr>
+          <a:xfrm>
+            <a:off x="5116841" y="2249662"/>
+            <a:ext cx="3764957" cy="3933307"/>
+          </a:xfrm>
+          <a:prstGeom prst="rect">
+            <a:avLst/>
+          </a:prstGeom>
+        </p:spPr>
+      </p:pic>
+      <p:pic>
+        <p:nvPicPr>
+          <p:cNvPr id="44" name="图片 43"/>
+          <p:cNvPicPr>
+            <a:picLocks noChangeAspect="1"/>
+          </p:cNvPicPr>
+          <p:nvPr/>
+        </p:nvPicPr>
+        <p:blipFill>
+          <a:blip r:embed="rId8">
+            <a:extLst>
+              <a:ext uri="{28A0092B-C50C-407E-A947-70E740481C1C}">
+                <a14:useLocalDpi xmlns:a14="http://schemas.microsoft.com/office/drawing/2010/main" val="0"/>
+              </a:ext>
+            </a:extLst>
+          </a:blip>
+          <a:stretch>
+            <a:fillRect/>
+          </a:stretch>
+        </p:blipFill>
+        <p:spPr>
+          <a:xfrm>
+            <a:off x="4088743" y="2249662"/>
+            <a:ext cx="5354335" cy="3629934"/>
+          </a:xfrm>
+          <a:prstGeom prst="rect">
+            <a:avLst/>
+          </a:prstGeom>
+        </p:spPr>
+      </p:pic>
+      <p:pic>
+        <p:nvPicPr>
+          <p:cNvPr id="45" name="图片 44"/>
+          <p:cNvPicPr>
+            <a:picLocks noChangeAspect="1"/>
+          </p:cNvPicPr>
+          <p:nvPr/>
+        </p:nvPicPr>
+        <p:blipFill>
+          <a:blip r:embed="rId9">
+            <a:extLst>
+              <a:ext uri="{28A0092B-C50C-407E-A947-70E740481C1C}">
+                <a14:useLocalDpi xmlns:a14="http://schemas.microsoft.com/office/drawing/2010/main" val="0"/>
+              </a:ext>
+            </a:extLst>
+          </a:blip>
+          <a:stretch>
+            <a:fillRect/>
+          </a:stretch>
+        </p:blipFill>
+        <p:spPr>
+          <a:xfrm>
+            <a:off x="3630613" y="2386687"/>
+            <a:ext cx="6650145" cy="2968816"/>
+          </a:xfrm>
+          <a:prstGeom prst="rect">
+            <a:avLst/>
+          </a:prstGeom>
+        </p:spPr>
+      </p:pic>
     </p:spTree>
   </p:cSld>
   <p:clrMapOvr>
@@ -8165,7 +6277,775 @@
   <p:timing>
     <p:tnLst>
       <p:par>
-        <p:cTn id="1" dur="indefinite" restart="never" nodeType="tmRoot"/>
+        <p:cTn id="1" dur="indefinite" restart="never" nodeType="tmRoot">
+          <p:childTnLst>
+            <p:seq concurrent="1" nextAc="seek">
+              <p:cTn id="2" dur="indefinite" nodeType="mainSeq">
+                <p:childTnLst>
+                  <p:par>
+                    <p:cTn id="3" fill="hold">
+                      <p:stCondLst>
+                        <p:cond delay="indefinite"/>
+                        <p:cond evt="onBegin" delay="0">
+                          <p:tn val="2"/>
+                        </p:cond>
+                      </p:stCondLst>
+                      <p:childTnLst>
+                        <p:par>
+                          <p:cTn id="4" fill="hold">
+                            <p:stCondLst>
+                              <p:cond delay="0"/>
+                            </p:stCondLst>
+                            <p:childTnLst>
+                              <p:par>
+                                <p:cTn id="5" presetID="10" presetClass="entr" presetSubtype="0" fill="hold" nodeType="afterEffect">
+                                  <p:stCondLst>
+                                    <p:cond delay="0"/>
+                                  </p:stCondLst>
+                                  <p:childTnLst>
+                                    <p:set>
+                                      <p:cBhvr>
+                                        <p:cTn id="6" dur="1" fill="hold">
+                                          <p:stCondLst>
+                                            <p:cond delay="0"/>
+                                          </p:stCondLst>
+                                        </p:cTn>
+                                        <p:tgtEl>
+                                          <p:spTgt spid="3"/>
+                                        </p:tgtEl>
+                                        <p:attrNameLst>
+                                          <p:attrName>style.visibility</p:attrName>
+                                        </p:attrNameLst>
+                                      </p:cBhvr>
+                                      <p:to>
+                                        <p:strVal val="visible"/>
+                                      </p:to>
+                                    </p:set>
+                                    <p:animEffect transition="in" filter="fade">
+                                      <p:cBhvr>
+                                        <p:cTn id="7" dur="500"/>
+                                        <p:tgtEl>
+                                          <p:spTgt spid="3"/>
+                                        </p:tgtEl>
+                                      </p:cBhvr>
+                                    </p:animEffect>
+                                  </p:childTnLst>
+                                </p:cTn>
+                              </p:par>
+                            </p:childTnLst>
+                          </p:cTn>
+                        </p:par>
+                      </p:childTnLst>
+                    </p:cTn>
+                  </p:par>
+                  <p:par>
+                    <p:cTn id="8" fill="hold">
+                      <p:stCondLst>
+                        <p:cond delay="indefinite"/>
+                      </p:stCondLst>
+                      <p:childTnLst>
+                        <p:par>
+                          <p:cTn id="9" fill="hold">
+                            <p:stCondLst>
+                              <p:cond delay="0"/>
+                            </p:stCondLst>
+                            <p:childTnLst>
+                              <p:par>
+                                <p:cTn id="10" presetID="10" presetClass="exit" presetSubtype="0" fill="hold" nodeType="clickEffect">
+                                  <p:stCondLst>
+                                    <p:cond delay="0"/>
+                                  </p:stCondLst>
+                                  <p:childTnLst>
+                                    <p:animEffect transition="out" filter="fade">
+                                      <p:cBhvr>
+                                        <p:cTn id="11" dur="500"/>
+                                        <p:tgtEl>
+                                          <p:spTgt spid="3"/>
+                                        </p:tgtEl>
+                                      </p:cBhvr>
+                                    </p:animEffect>
+                                    <p:set>
+                                      <p:cBhvr>
+                                        <p:cTn id="12" dur="1" fill="hold">
+                                          <p:stCondLst>
+                                            <p:cond delay="499"/>
+                                          </p:stCondLst>
+                                        </p:cTn>
+                                        <p:tgtEl>
+                                          <p:spTgt spid="3"/>
+                                        </p:tgtEl>
+                                        <p:attrNameLst>
+                                          <p:attrName>style.visibility</p:attrName>
+                                        </p:attrNameLst>
+                                      </p:cBhvr>
+                                      <p:to>
+                                        <p:strVal val="hidden"/>
+                                      </p:to>
+                                    </p:set>
+                                  </p:childTnLst>
+                                </p:cTn>
+                              </p:par>
+                            </p:childTnLst>
+                          </p:cTn>
+                        </p:par>
+                      </p:childTnLst>
+                    </p:cTn>
+                  </p:par>
+                  <p:par>
+                    <p:cTn id="13" fill="hold">
+                      <p:stCondLst>
+                        <p:cond delay="indefinite"/>
+                      </p:stCondLst>
+                      <p:childTnLst>
+                        <p:par>
+                          <p:cTn id="14" fill="hold">
+                            <p:stCondLst>
+                              <p:cond delay="0"/>
+                            </p:stCondLst>
+                            <p:childTnLst>
+                              <p:par>
+                                <p:cTn id="15" presetID="10" presetClass="entr" presetSubtype="0" fill="hold" nodeType="clickEffect">
+                                  <p:stCondLst>
+                                    <p:cond delay="0"/>
+                                  </p:stCondLst>
+                                  <p:childTnLst>
+                                    <p:set>
+                                      <p:cBhvr>
+                                        <p:cTn id="16" dur="1" fill="hold">
+                                          <p:stCondLst>
+                                            <p:cond delay="0"/>
+                                          </p:stCondLst>
+                                        </p:cTn>
+                                        <p:tgtEl>
+                                          <p:spTgt spid="4"/>
+                                        </p:tgtEl>
+                                        <p:attrNameLst>
+                                          <p:attrName>style.visibility</p:attrName>
+                                        </p:attrNameLst>
+                                      </p:cBhvr>
+                                      <p:to>
+                                        <p:strVal val="visible"/>
+                                      </p:to>
+                                    </p:set>
+                                    <p:animEffect transition="in" filter="fade">
+                                      <p:cBhvr>
+                                        <p:cTn id="17" dur="500"/>
+                                        <p:tgtEl>
+                                          <p:spTgt spid="4"/>
+                                        </p:tgtEl>
+                                      </p:cBhvr>
+                                    </p:animEffect>
+                                  </p:childTnLst>
+                                </p:cTn>
+                              </p:par>
+                            </p:childTnLst>
+                          </p:cTn>
+                        </p:par>
+                      </p:childTnLst>
+                    </p:cTn>
+                  </p:par>
+                  <p:par>
+                    <p:cTn id="18" fill="hold">
+                      <p:stCondLst>
+                        <p:cond delay="indefinite"/>
+                      </p:stCondLst>
+                      <p:childTnLst>
+                        <p:par>
+                          <p:cTn id="19" fill="hold">
+                            <p:stCondLst>
+                              <p:cond delay="0"/>
+                            </p:stCondLst>
+                            <p:childTnLst>
+                              <p:par>
+                                <p:cTn id="20" presetID="10" presetClass="exit" presetSubtype="0" fill="hold" nodeType="clickEffect">
+                                  <p:stCondLst>
+                                    <p:cond delay="0"/>
+                                  </p:stCondLst>
+                                  <p:childTnLst>
+                                    <p:animEffect transition="out" filter="fade">
+                                      <p:cBhvr>
+                                        <p:cTn id="21" dur="500"/>
+                                        <p:tgtEl>
+                                          <p:spTgt spid="4"/>
+                                        </p:tgtEl>
+                                      </p:cBhvr>
+                                    </p:animEffect>
+                                    <p:set>
+                                      <p:cBhvr>
+                                        <p:cTn id="22" dur="1" fill="hold">
+                                          <p:stCondLst>
+                                            <p:cond delay="499"/>
+                                          </p:stCondLst>
+                                        </p:cTn>
+                                        <p:tgtEl>
+                                          <p:spTgt spid="4"/>
+                                        </p:tgtEl>
+                                        <p:attrNameLst>
+                                          <p:attrName>style.visibility</p:attrName>
+                                        </p:attrNameLst>
+                                      </p:cBhvr>
+                                      <p:to>
+                                        <p:strVal val="hidden"/>
+                                      </p:to>
+                                    </p:set>
+                                  </p:childTnLst>
+                                </p:cTn>
+                              </p:par>
+                            </p:childTnLst>
+                          </p:cTn>
+                        </p:par>
+                      </p:childTnLst>
+                    </p:cTn>
+                  </p:par>
+                  <p:par>
+                    <p:cTn id="23" fill="hold">
+                      <p:stCondLst>
+                        <p:cond delay="indefinite"/>
+                      </p:stCondLst>
+                      <p:childTnLst>
+                        <p:par>
+                          <p:cTn id="24" fill="hold">
+                            <p:stCondLst>
+                              <p:cond delay="0"/>
+                            </p:stCondLst>
+                            <p:childTnLst>
+                              <p:par>
+                                <p:cTn id="25" presetID="10" presetClass="entr" presetSubtype="0" fill="hold" nodeType="clickEffect">
+                                  <p:stCondLst>
+                                    <p:cond delay="0"/>
+                                  </p:stCondLst>
+                                  <p:childTnLst>
+                                    <p:set>
+                                      <p:cBhvr>
+                                        <p:cTn id="26" dur="1" fill="hold">
+                                          <p:stCondLst>
+                                            <p:cond delay="0"/>
+                                          </p:stCondLst>
+                                        </p:cTn>
+                                        <p:tgtEl>
+                                          <p:spTgt spid="5"/>
+                                        </p:tgtEl>
+                                        <p:attrNameLst>
+                                          <p:attrName>style.visibility</p:attrName>
+                                        </p:attrNameLst>
+                                      </p:cBhvr>
+                                      <p:to>
+                                        <p:strVal val="visible"/>
+                                      </p:to>
+                                    </p:set>
+                                    <p:animEffect transition="in" filter="fade">
+                                      <p:cBhvr>
+                                        <p:cTn id="27" dur="500"/>
+                                        <p:tgtEl>
+                                          <p:spTgt spid="5"/>
+                                        </p:tgtEl>
+                                      </p:cBhvr>
+                                    </p:animEffect>
+                                  </p:childTnLst>
+                                </p:cTn>
+                              </p:par>
+                            </p:childTnLst>
+                          </p:cTn>
+                        </p:par>
+                      </p:childTnLst>
+                    </p:cTn>
+                  </p:par>
+                  <p:par>
+                    <p:cTn id="28" fill="hold">
+                      <p:stCondLst>
+                        <p:cond delay="indefinite"/>
+                      </p:stCondLst>
+                      <p:childTnLst>
+                        <p:par>
+                          <p:cTn id="29" fill="hold">
+                            <p:stCondLst>
+                              <p:cond delay="0"/>
+                            </p:stCondLst>
+                            <p:childTnLst>
+                              <p:par>
+                                <p:cTn id="30" presetID="10" presetClass="exit" presetSubtype="0" fill="hold" nodeType="clickEffect">
+                                  <p:stCondLst>
+                                    <p:cond delay="0"/>
+                                  </p:stCondLst>
+                                  <p:childTnLst>
+                                    <p:animEffect transition="out" filter="fade">
+                                      <p:cBhvr>
+                                        <p:cTn id="31" dur="500"/>
+                                        <p:tgtEl>
+                                          <p:spTgt spid="5"/>
+                                        </p:tgtEl>
+                                      </p:cBhvr>
+                                    </p:animEffect>
+                                    <p:set>
+                                      <p:cBhvr>
+                                        <p:cTn id="32" dur="1" fill="hold">
+                                          <p:stCondLst>
+                                            <p:cond delay="499"/>
+                                          </p:stCondLst>
+                                        </p:cTn>
+                                        <p:tgtEl>
+                                          <p:spTgt spid="5"/>
+                                        </p:tgtEl>
+                                        <p:attrNameLst>
+                                          <p:attrName>style.visibility</p:attrName>
+                                        </p:attrNameLst>
+                                      </p:cBhvr>
+                                      <p:to>
+                                        <p:strVal val="hidden"/>
+                                      </p:to>
+                                    </p:set>
+                                  </p:childTnLst>
+                                </p:cTn>
+                              </p:par>
+                            </p:childTnLst>
+                          </p:cTn>
+                        </p:par>
+                      </p:childTnLst>
+                    </p:cTn>
+                  </p:par>
+                  <p:par>
+                    <p:cTn id="33" fill="hold">
+                      <p:stCondLst>
+                        <p:cond delay="indefinite"/>
+                      </p:stCondLst>
+                      <p:childTnLst>
+                        <p:par>
+                          <p:cTn id="34" fill="hold">
+                            <p:stCondLst>
+                              <p:cond delay="0"/>
+                            </p:stCondLst>
+                            <p:childTnLst>
+                              <p:par>
+                                <p:cTn id="35" presetID="10" presetClass="entr" presetSubtype="0" fill="hold" nodeType="clickEffect">
+                                  <p:stCondLst>
+                                    <p:cond delay="0"/>
+                                  </p:stCondLst>
+                                  <p:childTnLst>
+                                    <p:set>
+                                      <p:cBhvr>
+                                        <p:cTn id="36" dur="1" fill="hold">
+                                          <p:stCondLst>
+                                            <p:cond delay="0"/>
+                                          </p:stCondLst>
+                                        </p:cTn>
+                                        <p:tgtEl>
+                                          <p:spTgt spid="42"/>
+                                        </p:tgtEl>
+                                        <p:attrNameLst>
+                                          <p:attrName>style.visibility</p:attrName>
+                                        </p:attrNameLst>
+                                      </p:cBhvr>
+                                      <p:to>
+                                        <p:strVal val="visible"/>
+                                      </p:to>
+                                    </p:set>
+                                    <p:animEffect transition="in" filter="fade">
+                                      <p:cBhvr>
+                                        <p:cTn id="37" dur="500"/>
+                                        <p:tgtEl>
+                                          <p:spTgt spid="42"/>
+                                        </p:tgtEl>
+                                      </p:cBhvr>
+                                    </p:animEffect>
+                                  </p:childTnLst>
+                                </p:cTn>
+                              </p:par>
+                            </p:childTnLst>
+                          </p:cTn>
+                        </p:par>
+                      </p:childTnLst>
+                    </p:cTn>
+                  </p:par>
+                  <p:par>
+                    <p:cTn id="38" fill="hold">
+                      <p:stCondLst>
+                        <p:cond delay="indefinite"/>
+                      </p:stCondLst>
+                      <p:childTnLst>
+                        <p:par>
+                          <p:cTn id="39" fill="hold">
+                            <p:stCondLst>
+                              <p:cond delay="0"/>
+                            </p:stCondLst>
+                            <p:childTnLst>
+                              <p:par>
+                                <p:cTn id="40" presetID="10" presetClass="exit" presetSubtype="0" fill="hold" nodeType="clickEffect">
+                                  <p:stCondLst>
+                                    <p:cond delay="0"/>
+                                  </p:stCondLst>
+                                  <p:childTnLst>
+                                    <p:animEffect transition="out" filter="fade">
+                                      <p:cBhvr>
+                                        <p:cTn id="41" dur="500"/>
+                                        <p:tgtEl>
+                                          <p:spTgt spid="42"/>
+                                        </p:tgtEl>
+                                      </p:cBhvr>
+                                    </p:animEffect>
+                                    <p:set>
+                                      <p:cBhvr>
+                                        <p:cTn id="42" dur="1" fill="hold">
+                                          <p:stCondLst>
+                                            <p:cond delay="499"/>
+                                          </p:stCondLst>
+                                        </p:cTn>
+                                        <p:tgtEl>
+                                          <p:spTgt spid="42"/>
+                                        </p:tgtEl>
+                                        <p:attrNameLst>
+                                          <p:attrName>style.visibility</p:attrName>
+                                        </p:attrNameLst>
+                                      </p:cBhvr>
+                                      <p:to>
+                                        <p:strVal val="hidden"/>
+                                      </p:to>
+                                    </p:set>
+                                  </p:childTnLst>
+                                </p:cTn>
+                              </p:par>
+                            </p:childTnLst>
+                          </p:cTn>
+                        </p:par>
+                      </p:childTnLst>
+                    </p:cTn>
+                  </p:par>
+                  <p:par>
+                    <p:cTn id="43" fill="hold">
+                      <p:stCondLst>
+                        <p:cond delay="indefinite"/>
+                      </p:stCondLst>
+                      <p:childTnLst>
+                        <p:par>
+                          <p:cTn id="44" fill="hold">
+                            <p:stCondLst>
+                              <p:cond delay="0"/>
+                            </p:stCondLst>
+                            <p:childTnLst>
+                              <p:par>
+                                <p:cTn id="45" presetID="10" presetClass="entr" presetSubtype="0" fill="hold" nodeType="clickEffect">
+                                  <p:stCondLst>
+                                    <p:cond delay="0"/>
+                                  </p:stCondLst>
+                                  <p:childTnLst>
+                                    <p:set>
+                                      <p:cBhvr>
+                                        <p:cTn id="46" dur="1" fill="hold">
+                                          <p:stCondLst>
+                                            <p:cond delay="0"/>
+                                          </p:stCondLst>
+                                        </p:cTn>
+                                        <p:tgtEl>
+                                          <p:spTgt spid="43"/>
+                                        </p:tgtEl>
+                                        <p:attrNameLst>
+                                          <p:attrName>style.visibility</p:attrName>
+                                        </p:attrNameLst>
+                                      </p:cBhvr>
+                                      <p:to>
+                                        <p:strVal val="visible"/>
+                                      </p:to>
+                                    </p:set>
+                                    <p:animEffect transition="in" filter="fade">
+                                      <p:cBhvr>
+                                        <p:cTn id="47" dur="500"/>
+                                        <p:tgtEl>
+                                          <p:spTgt spid="43"/>
+                                        </p:tgtEl>
+                                      </p:cBhvr>
+                                    </p:animEffect>
+                                  </p:childTnLst>
+                                </p:cTn>
+                              </p:par>
+                            </p:childTnLst>
+                          </p:cTn>
+                        </p:par>
+                      </p:childTnLst>
+                    </p:cTn>
+                  </p:par>
+                  <p:par>
+                    <p:cTn id="48" fill="hold">
+                      <p:stCondLst>
+                        <p:cond delay="indefinite"/>
+                      </p:stCondLst>
+                      <p:childTnLst>
+                        <p:par>
+                          <p:cTn id="49" fill="hold">
+                            <p:stCondLst>
+                              <p:cond delay="0"/>
+                            </p:stCondLst>
+                            <p:childTnLst>
+                              <p:par>
+                                <p:cTn id="50" presetID="10" presetClass="exit" presetSubtype="0" fill="hold" nodeType="clickEffect">
+                                  <p:stCondLst>
+                                    <p:cond delay="0"/>
+                                  </p:stCondLst>
+                                  <p:childTnLst>
+                                    <p:animEffect transition="out" filter="fade">
+                                      <p:cBhvr>
+                                        <p:cTn id="51" dur="500"/>
+                                        <p:tgtEl>
+                                          <p:spTgt spid="43"/>
+                                        </p:tgtEl>
+                                      </p:cBhvr>
+                                    </p:animEffect>
+                                    <p:set>
+                                      <p:cBhvr>
+                                        <p:cTn id="52" dur="1" fill="hold">
+                                          <p:stCondLst>
+                                            <p:cond delay="499"/>
+                                          </p:stCondLst>
+                                        </p:cTn>
+                                        <p:tgtEl>
+                                          <p:spTgt spid="43"/>
+                                        </p:tgtEl>
+                                        <p:attrNameLst>
+                                          <p:attrName>style.visibility</p:attrName>
+                                        </p:attrNameLst>
+                                      </p:cBhvr>
+                                      <p:to>
+                                        <p:strVal val="hidden"/>
+                                      </p:to>
+                                    </p:set>
+                                  </p:childTnLst>
+                                </p:cTn>
+                              </p:par>
+                            </p:childTnLst>
+                          </p:cTn>
+                        </p:par>
+                      </p:childTnLst>
+                    </p:cTn>
+                  </p:par>
+                  <p:par>
+                    <p:cTn id="53" fill="hold">
+                      <p:stCondLst>
+                        <p:cond delay="indefinite"/>
+                      </p:stCondLst>
+                      <p:childTnLst>
+                        <p:par>
+                          <p:cTn id="54" fill="hold">
+                            <p:stCondLst>
+                              <p:cond delay="0"/>
+                            </p:stCondLst>
+                            <p:childTnLst>
+                              <p:par>
+                                <p:cTn id="55" presetID="10" presetClass="entr" presetSubtype="0" fill="hold" nodeType="clickEffect">
+                                  <p:stCondLst>
+                                    <p:cond delay="0"/>
+                                  </p:stCondLst>
+                                  <p:childTnLst>
+                                    <p:set>
+                                      <p:cBhvr>
+                                        <p:cTn id="56" dur="1" fill="hold">
+                                          <p:stCondLst>
+                                            <p:cond delay="0"/>
+                                          </p:stCondLst>
+                                        </p:cTn>
+                                        <p:tgtEl>
+                                          <p:spTgt spid="44"/>
+                                        </p:tgtEl>
+                                        <p:attrNameLst>
+                                          <p:attrName>style.visibility</p:attrName>
+                                        </p:attrNameLst>
+                                      </p:cBhvr>
+                                      <p:to>
+                                        <p:strVal val="visible"/>
+                                      </p:to>
+                                    </p:set>
+                                    <p:animEffect transition="in" filter="fade">
+                                      <p:cBhvr>
+                                        <p:cTn id="57" dur="500"/>
+                                        <p:tgtEl>
+                                          <p:spTgt spid="44"/>
+                                        </p:tgtEl>
+                                      </p:cBhvr>
+                                    </p:animEffect>
+                                  </p:childTnLst>
+                                </p:cTn>
+                              </p:par>
+                            </p:childTnLst>
+                          </p:cTn>
+                        </p:par>
+                      </p:childTnLst>
+                    </p:cTn>
+                  </p:par>
+                  <p:par>
+                    <p:cTn id="58" fill="hold">
+                      <p:stCondLst>
+                        <p:cond delay="indefinite"/>
+                      </p:stCondLst>
+                      <p:childTnLst>
+                        <p:par>
+                          <p:cTn id="59" fill="hold">
+                            <p:stCondLst>
+                              <p:cond delay="0"/>
+                            </p:stCondLst>
+                            <p:childTnLst>
+                              <p:par>
+                                <p:cTn id="60" presetID="10" presetClass="exit" presetSubtype="0" fill="hold" nodeType="clickEffect">
+                                  <p:stCondLst>
+                                    <p:cond delay="0"/>
+                                  </p:stCondLst>
+                                  <p:childTnLst>
+                                    <p:animEffect transition="out" filter="fade">
+                                      <p:cBhvr>
+                                        <p:cTn id="61" dur="500"/>
+                                        <p:tgtEl>
+                                          <p:spTgt spid="44"/>
+                                        </p:tgtEl>
+                                      </p:cBhvr>
+                                    </p:animEffect>
+                                    <p:set>
+                                      <p:cBhvr>
+                                        <p:cTn id="62" dur="1" fill="hold">
+                                          <p:stCondLst>
+                                            <p:cond delay="499"/>
+                                          </p:stCondLst>
+                                        </p:cTn>
+                                        <p:tgtEl>
+                                          <p:spTgt spid="44"/>
+                                        </p:tgtEl>
+                                        <p:attrNameLst>
+                                          <p:attrName>style.visibility</p:attrName>
+                                        </p:attrNameLst>
+                                      </p:cBhvr>
+                                      <p:to>
+                                        <p:strVal val="hidden"/>
+                                      </p:to>
+                                    </p:set>
+                                  </p:childTnLst>
+                                </p:cTn>
+                              </p:par>
+                            </p:childTnLst>
+                          </p:cTn>
+                        </p:par>
+                      </p:childTnLst>
+                    </p:cTn>
+                  </p:par>
+                  <p:par>
+                    <p:cTn id="63" fill="hold">
+                      <p:stCondLst>
+                        <p:cond delay="indefinite"/>
+                      </p:stCondLst>
+                      <p:childTnLst>
+                        <p:par>
+                          <p:cTn id="64" fill="hold">
+                            <p:stCondLst>
+                              <p:cond delay="0"/>
+                            </p:stCondLst>
+                            <p:childTnLst>
+                              <p:par>
+                                <p:cTn id="65" presetID="10" presetClass="entr" presetSubtype="0" fill="hold" nodeType="clickEffect">
+                                  <p:stCondLst>
+                                    <p:cond delay="0"/>
+                                  </p:stCondLst>
+                                  <p:childTnLst>
+                                    <p:set>
+                                      <p:cBhvr>
+                                        <p:cTn id="66" dur="1" fill="hold">
+                                          <p:stCondLst>
+                                            <p:cond delay="0"/>
+                                          </p:stCondLst>
+                                        </p:cTn>
+                                        <p:tgtEl>
+                                          <p:spTgt spid="45"/>
+                                        </p:tgtEl>
+                                        <p:attrNameLst>
+                                          <p:attrName>style.visibility</p:attrName>
+                                        </p:attrNameLst>
+                                      </p:cBhvr>
+                                      <p:to>
+                                        <p:strVal val="visible"/>
+                                      </p:to>
+                                    </p:set>
+                                    <p:animEffect transition="in" filter="fade">
+                                      <p:cBhvr>
+                                        <p:cTn id="67" dur="500"/>
+                                        <p:tgtEl>
+                                          <p:spTgt spid="45"/>
+                                        </p:tgtEl>
+                                      </p:cBhvr>
+                                    </p:animEffect>
+                                  </p:childTnLst>
+                                </p:cTn>
+                              </p:par>
+                            </p:childTnLst>
+                          </p:cTn>
+                        </p:par>
+                      </p:childTnLst>
+                    </p:cTn>
+                  </p:par>
+                  <p:par>
+                    <p:cTn id="68" fill="hold">
+                      <p:stCondLst>
+                        <p:cond delay="indefinite"/>
+                      </p:stCondLst>
+                      <p:childTnLst>
+                        <p:par>
+                          <p:cTn id="69" fill="hold">
+                            <p:stCondLst>
+                              <p:cond delay="0"/>
+                            </p:stCondLst>
+                            <p:childTnLst>
+                              <p:par>
+                                <p:cTn id="70" presetID="10" presetClass="exit" presetSubtype="0" fill="hold" nodeType="clickEffect">
+                                  <p:stCondLst>
+                                    <p:cond delay="0"/>
+                                  </p:stCondLst>
+                                  <p:childTnLst>
+                                    <p:animEffect transition="out" filter="fade">
+                                      <p:cBhvr>
+                                        <p:cTn id="71" dur="500"/>
+                                        <p:tgtEl>
+                                          <p:spTgt spid="45"/>
+                                        </p:tgtEl>
+                                      </p:cBhvr>
+                                    </p:animEffect>
+                                    <p:set>
+                                      <p:cBhvr>
+                                        <p:cTn id="72" dur="1" fill="hold">
+                                          <p:stCondLst>
+                                            <p:cond delay="499"/>
+                                          </p:stCondLst>
+                                        </p:cTn>
+                                        <p:tgtEl>
+                                          <p:spTgt spid="45"/>
+                                        </p:tgtEl>
+                                        <p:attrNameLst>
+                                          <p:attrName>style.visibility</p:attrName>
+                                        </p:attrNameLst>
+                                      </p:cBhvr>
+                                      <p:to>
+                                        <p:strVal val="hidden"/>
+                                      </p:to>
+                                    </p:set>
+                                  </p:childTnLst>
+                                </p:cTn>
+                              </p:par>
+                            </p:childTnLst>
+                          </p:cTn>
+                        </p:par>
+                      </p:childTnLst>
+                    </p:cTn>
+                  </p:par>
+                </p:childTnLst>
+              </p:cTn>
+              <p:prevCondLst>
+                <p:cond evt="onPrev" delay="0">
+                  <p:tgtEl>
+                    <p:sldTgt/>
+                  </p:tgtEl>
+                </p:cond>
+              </p:prevCondLst>
+              <p:nextCondLst>
+                <p:cond evt="onNext" delay="0">
+                  <p:tgtEl>
+                    <p:sldTgt/>
+                  </p:tgtEl>
+                </p:cond>
+              </p:nextCondLst>
+            </p:seq>
+          </p:childTnLst>
+        </p:cTn>
       </p:par>
     </p:tnLst>
   </p:timing>
@@ -9320,123 +8200,47 @@
       </p:grpSpPr>
       <p:sp>
         <p:nvSpPr>
-          <p:cNvPr id="2" name="文本框 1"/>
-          <p:cNvSpPr txBox="1"/>
-          <p:nvPr/>
-        </p:nvSpPr>
-        <p:spPr>
-          <a:xfrm>
-            <a:off x="4294927" y="3280457"/>
-            <a:ext cx="3602146" cy="880306"/>
-          </a:xfrm>
-          <a:prstGeom prst="rect">
-            <a:avLst/>
-          </a:prstGeom>
-          <a:noFill/>
-        </p:spPr>
-        <p:txBody>
-          <a:bodyPr wrap="square" rtlCol="0">
-            <a:spAutoFit/>
-          </a:bodyPr>
-          <a:lstStyle/>
-          <a:p>
-            <a:pPr algn="ctr" defTabSz="608965">
-              <a:lnSpc>
-                <a:spcPct val="130000"/>
-              </a:lnSpc>
-            </a:pPr>
-            <a:r>
-              <a:rPr lang="en-US" altLang="zh-CN" sz="4400" b="1" dirty="0">
-                <a:latin typeface="+mj-lt"/>
-                <a:ea typeface="微软雅黑" panose="020B0503020204020204" charset="-122"/>
-              </a:rPr>
-              <a:t>PART FOUR</a:t>
-            </a:r>
-          </a:p>
-        </p:txBody>
-      </p:sp>
-      <p:sp>
-        <p:nvSpPr>
-          <p:cNvPr id="3" name="文本框 2"/>
-          <p:cNvSpPr txBox="1"/>
-          <p:nvPr/>
-        </p:nvSpPr>
-        <p:spPr>
-          <a:xfrm>
-            <a:off x="3936733" y="2417412"/>
-            <a:ext cx="4318534" cy="1173976"/>
-          </a:xfrm>
-          <a:prstGeom prst="rect">
-            <a:avLst/>
-          </a:prstGeom>
-          <a:noFill/>
-        </p:spPr>
-        <p:txBody>
-          <a:bodyPr wrap="square" rtlCol="0">
-            <a:spAutoFit/>
-          </a:bodyPr>
-          <a:lstStyle/>
-          <a:p>
-            <a:pPr algn="ctr" defTabSz="608965">
-              <a:lnSpc>
-                <a:spcPct val="130000"/>
-              </a:lnSpc>
-            </a:pPr>
-            <a:r>
-              <a:rPr lang="zh-CN" altLang="en-US" sz="6000" dirty="0">
-                <a:latin typeface="+mj-lt"/>
-                <a:ea typeface="微软雅黑" panose="020B0503020204020204" charset="-122"/>
-              </a:rPr>
-              <a:t>详细设计</a:t>
-            </a:r>
-          </a:p>
-        </p:txBody>
-      </p:sp>
-      <p:sp>
-        <p:nvSpPr>
-          <p:cNvPr id="4" name="矩形 3"/>
+          <p:cNvPr id="2" name="矩形 1"/>
           <p:cNvSpPr/>
           <p:nvPr/>
         </p:nvSpPr>
         <p:spPr>
           <a:xfrm>
-            <a:off x="4889817" y="4139690"/>
-            <a:ext cx="2412366" cy="113341"/>
+            <a:off x="0" y="60523"/>
+            <a:ext cx="1210588" cy="400110"/>
           </a:xfrm>
           <a:prstGeom prst="rect">
             <a:avLst/>
           </a:prstGeom>
-          <a:solidFill>
-            <a:srgbClr val="92D050"/>
-          </a:solidFill>
-          <a:ln>
-            <a:noFill/>
-          </a:ln>
         </p:spPr>
-        <p:style>
-          <a:lnRef idx="2">
-            <a:schemeClr val="accent1">
-              <a:shade val="50000"/>
-            </a:schemeClr>
-          </a:lnRef>
-          <a:fillRef idx="1">
-            <a:schemeClr val="accent1"/>
-          </a:fillRef>
-          <a:effectRef idx="0">
-            <a:schemeClr val="accent1"/>
-          </a:effectRef>
-          <a:fontRef idx="minor">
-            <a:schemeClr val="lt1"/>
-          </a:fontRef>
-        </p:style>
         <p:txBody>
-          <a:bodyPr rot="0" spcFirstLastPara="0" vertOverflow="overflow" horzOverflow="overflow" vert="horz" wrap="square" lIns="91440" tIns="45720" rIns="91440" bIns="45720" numCol="1" spcCol="0" rtlCol="0" fromWordArt="0" anchor="ctr" anchorCtr="0" forceAA="0" compatLnSpc="1">
-            <a:noAutofit/>
+          <a:bodyPr wrap="none">
+            <a:spAutoFit/>
           </a:bodyPr>
           <a:lstStyle/>
           <a:p>
-            <a:pPr algn="ctr"/>
-            <a:endParaRPr lang="zh-CN" altLang="en-US" sz="4400"/>
+            <a:r>
+              <a:rPr lang="zh-CN" altLang="en-US" sz="2000" dirty="0" smtClean="0">
+                <a:solidFill>
+                  <a:schemeClr val="tx1">
+                    <a:lumMod val="85000"/>
+                    <a:lumOff val="15000"/>
+                  </a:schemeClr>
+                </a:solidFill>
+              </a:rPr>
+              <a:t>选题</a:t>
+            </a:r>
+            <a:r>
+              <a:rPr lang="zh-CN" altLang="en-US" sz="2000" dirty="0">
+                <a:solidFill>
+                  <a:schemeClr val="tx1">
+                    <a:lumMod val="85000"/>
+                    <a:lumOff val="15000"/>
+                  </a:schemeClr>
+                </a:solidFill>
+              </a:rPr>
+              <a:t>背景</a:t>
+            </a:r>
           </a:p>
         </p:txBody>
       </p:sp>
@@ -9448,8 +8252,8 @@
         </p:nvSpPr>
         <p:spPr>
           <a:xfrm>
-            <a:off x="0" y="60523"/>
-            <a:ext cx="3005951" cy="400110"/>
+            <a:off x="950374" y="1373200"/>
+            <a:ext cx="4319324" cy="769441"/>
           </a:xfrm>
           <a:prstGeom prst="rect">
             <a:avLst/>
@@ -9462,35 +8266,305 @@
           <a:lstStyle/>
           <a:p>
             <a:r>
-              <a:rPr lang="zh-CN" altLang="en-US" sz="2000" dirty="0">
+              <a:rPr lang="en-US" altLang="zh-CN" sz="4400" dirty="0" smtClean="0"/>
+              <a:t>ADD YOUR TEXT</a:t>
+            </a:r>
+            <a:endParaRPr lang="en-US" altLang="zh-CN" sz="4400" dirty="0"/>
+          </a:p>
+        </p:txBody>
+      </p:sp>
+      <p:sp>
+        <p:nvSpPr>
+          <p:cNvPr id="6" name="矩形 5"/>
+          <p:cNvSpPr/>
+          <p:nvPr/>
+        </p:nvSpPr>
+        <p:spPr>
+          <a:xfrm>
+            <a:off x="950374" y="2041041"/>
+            <a:ext cx="3057247" cy="523220"/>
+          </a:xfrm>
+          <a:prstGeom prst="rect">
+            <a:avLst/>
+          </a:prstGeom>
+        </p:spPr>
+        <p:txBody>
+          <a:bodyPr wrap="none">
+            <a:spAutoFit/>
+          </a:bodyPr>
+          <a:lstStyle/>
+          <a:p>
+            <a:r>
+              <a:rPr lang="zh-CN" altLang="en-US" sz="2800" dirty="0"/>
+              <a:t>点击此处添加标题</a:t>
+            </a:r>
+          </a:p>
+        </p:txBody>
+      </p:sp>
+      <p:sp>
+        <p:nvSpPr>
+          <p:cNvPr id="7" name="矩形 6"/>
+          <p:cNvSpPr/>
+          <p:nvPr/>
+        </p:nvSpPr>
+        <p:spPr>
+          <a:xfrm>
+            <a:off x="959621" y="2810482"/>
+            <a:ext cx="6550312" cy="625171"/>
+          </a:xfrm>
+          <a:prstGeom prst="rect">
+            <a:avLst/>
+          </a:prstGeom>
+        </p:spPr>
+        <p:txBody>
+          <a:bodyPr wrap="square">
+            <a:spAutoFit/>
+          </a:bodyPr>
+          <a:lstStyle/>
+          <a:p>
+            <a:pPr>
+              <a:lnSpc>
+                <a:spcPct val="130000"/>
+              </a:lnSpc>
+            </a:pPr>
+            <a:r>
+              <a:rPr lang="zh-CN" altLang="en-US" sz="1400" dirty="0">
                 <a:solidFill>
-                  <a:schemeClr val="tx1">
-                    <a:lumMod val="85000"/>
-                    <a:lumOff val="15000"/>
+                  <a:schemeClr val="bg1">
+                    <a:lumMod val="50000"/>
                   </a:schemeClr>
                 </a:solidFill>
+                <a:latin typeface="微软雅黑" panose="020B0503020204020204" charset="-122"/>
+                <a:ea typeface="微软雅黑" panose="020B0503020204020204" charset="-122"/>
               </a:rPr>
-              <a:t>学校名称</a:t>
-            </a:r>
-            <a:r>
-              <a:rPr lang="zh-CN" altLang="en-US" sz="2000" dirty="0" smtClean="0">
+              <a:t>标题数字等都可以通过点击和重新输入进行更改，顶部“开始”面板中可以对字体、字号、颜色、行距等进行修改。建议正文</a:t>
+            </a:r>
+            <a:r>
+              <a:rPr lang="en-US" altLang="zh-CN" sz="1400" dirty="0">
                 <a:solidFill>
-                  <a:schemeClr val="tx1">
-                    <a:lumMod val="85000"/>
-                    <a:lumOff val="15000"/>
+                  <a:schemeClr val="bg1">
+                    <a:lumMod val="50000"/>
                   </a:schemeClr>
                 </a:solidFill>
+                <a:latin typeface="微软雅黑" panose="020B0503020204020204" charset="-122"/>
+                <a:ea typeface="微软雅黑" panose="020B0503020204020204" charset="-122"/>
               </a:rPr>
-              <a:t>：河北师范大学</a:t>
-            </a:r>
-            <a:endParaRPr lang="zh-CN" altLang="en-US" sz="2000" dirty="0">
-              <a:solidFill>
-                <a:schemeClr val="tx1">
-                  <a:lumMod val="85000"/>
-                  <a:lumOff val="15000"/>
-                </a:schemeClr>
-              </a:solidFill>
-            </a:endParaRPr>
+              <a:t>8-14</a:t>
+            </a:r>
+            <a:r>
+              <a:rPr lang="zh-CN" altLang="en-US" sz="1400" dirty="0">
+                <a:solidFill>
+                  <a:schemeClr val="bg1">
+                    <a:lumMod val="50000"/>
+                  </a:schemeClr>
+                </a:solidFill>
+                <a:latin typeface="微软雅黑" panose="020B0503020204020204" charset="-122"/>
+                <a:ea typeface="微软雅黑" panose="020B0503020204020204" charset="-122"/>
+              </a:rPr>
+              <a:t>号字，</a:t>
+            </a:r>
+            <a:r>
+              <a:rPr lang="en-US" altLang="zh-CN" sz="1400" dirty="0">
+                <a:solidFill>
+                  <a:schemeClr val="bg1">
+                    <a:lumMod val="50000"/>
+                  </a:schemeClr>
+                </a:solidFill>
+                <a:latin typeface="微软雅黑" panose="020B0503020204020204" charset="-122"/>
+                <a:ea typeface="微软雅黑" panose="020B0503020204020204" charset="-122"/>
+              </a:rPr>
+              <a:t>1.3</a:t>
+            </a:r>
+            <a:r>
+              <a:rPr lang="zh-CN" altLang="en-US" sz="1400" dirty="0">
+                <a:solidFill>
+                  <a:schemeClr val="bg1">
+                    <a:lumMod val="50000"/>
+                  </a:schemeClr>
+                </a:solidFill>
+                <a:latin typeface="微软雅黑" panose="020B0503020204020204" charset="-122"/>
+                <a:ea typeface="微软雅黑" panose="020B0503020204020204" charset="-122"/>
+              </a:rPr>
+              <a:t>倍字间距。</a:t>
+            </a:r>
+          </a:p>
+        </p:txBody>
+      </p:sp>
+      <p:sp>
+        <p:nvSpPr>
+          <p:cNvPr id="8" name="矩形 7"/>
+          <p:cNvSpPr/>
+          <p:nvPr/>
+        </p:nvSpPr>
+        <p:spPr>
+          <a:xfrm>
+            <a:off x="959621" y="3549798"/>
+            <a:ext cx="6550312" cy="625171"/>
+          </a:xfrm>
+          <a:prstGeom prst="rect">
+            <a:avLst/>
+          </a:prstGeom>
+        </p:spPr>
+        <p:txBody>
+          <a:bodyPr wrap="square">
+            <a:spAutoFit/>
+          </a:bodyPr>
+          <a:lstStyle/>
+          <a:p>
+            <a:pPr>
+              <a:lnSpc>
+                <a:spcPct val="130000"/>
+              </a:lnSpc>
+            </a:pPr>
+            <a:r>
+              <a:rPr lang="zh-CN" altLang="en-US" sz="1400" dirty="0">
+                <a:solidFill>
+                  <a:schemeClr val="bg1">
+                    <a:lumMod val="50000"/>
+                  </a:schemeClr>
+                </a:solidFill>
+                <a:latin typeface="微软雅黑" panose="020B0503020204020204" charset="-122"/>
+                <a:ea typeface="微软雅黑" panose="020B0503020204020204" charset="-122"/>
+              </a:rPr>
+              <a:t>标题数字等都可以通过点击和重新输入进行更改，顶部“开始”面板中可以对字体、字号、颜色、行距等进行修改。建议正文</a:t>
+            </a:r>
+            <a:r>
+              <a:rPr lang="en-US" altLang="zh-CN" sz="1400" dirty="0">
+                <a:solidFill>
+                  <a:schemeClr val="bg1">
+                    <a:lumMod val="50000"/>
+                  </a:schemeClr>
+                </a:solidFill>
+                <a:latin typeface="微软雅黑" panose="020B0503020204020204" charset="-122"/>
+                <a:ea typeface="微软雅黑" panose="020B0503020204020204" charset="-122"/>
+              </a:rPr>
+              <a:t>8-14</a:t>
+            </a:r>
+            <a:r>
+              <a:rPr lang="zh-CN" altLang="en-US" sz="1400" dirty="0">
+                <a:solidFill>
+                  <a:schemeClr val="bg1">
+                    <a:lumMod val="50000"/>
+                  </a:schemeClr>
+                </a:solidFill>
+                <a:latin typeface="微软雅黑" panose="020B0503020204020204" charset="-122"/>
+                <a:ea typeface="微软雅黑" panose="020B0503020204020204" charset="-122"/>
+              </a:rPr>
+              <a:t>号字，</a:t>
+            </a:r>
+            <a:r>
+              <a:rPr lang="en-US" altLang="zh-CN" sz="1400" dirty="0">
+                <a:solidFill>
+                  <a:schemeClr val="bg1">
+                    <a:lumMod val="50000"/>
+                  </a:schemeClr>
+                </a:solidFill>
+                <a:latin typeface="微软雅黑" panose="020B0503020204020204" charset="-122"/>
+                <a:ea typeface="微软雅黑" panose="020B0503020204020204" charset="-122"/>
+              </a:rPr>
+              <a:t>1.3</a:t>
+            </a:r>
+            <a:r>
+              <a:rPr lang="zh-CN" altLang="en-US" sz="1400" dirty="0">
+                <a:solidFill>
+                  <a:schemeClr val="bg1">
+                    <a:lumMod val="50000"/>
+                  </a:schemeClr>
+                </a:solidFill>
+                <a:latin typeface="微软雅黑" panose="020B0503020204020204" charset="-122"/>
+                <a:ea typeface="微软雅黑" panose="020B0503020204020204" charset="-122"/>
+              </a:rPr>
+              <a:t>倍字间距。</a:t>
+            </a:r>
+          </a:p>
+        </p:txBody>
+      </p:sp>
+      <p:sp>
+        <p:nvSpPr>
+          <p:cNvPr id="9" name="矩形 8"/>
+          <p:cNvSpPr/>
+          <p:nvPr/>
+        </p:nvSpPr>
+        <p:spPr>
+          <a:xfrm>
+            <a:off x="959621" y="4289114"/>
+            <a:ext cx="6550312" cy="625171"/>
+          </a:xfrm>
+          <a:prstGeom prst="rect">
+            <a:avLst/>
+          </a:prstGeom>
+        </p:spPr>
+        <p:txBody>
+          <a:bodyPr wrap="square">
+            <a:spAutoFit/>
+          </a:bodyPr>
+          <a:lstStyle/>
+          <a:p>
+            <a:pPr>
+              <a:lnSpc>
+                <a:spcPct val="130000"/>
+              </a:lnSpc>
+            </a:pPr>
+            <a:r>
+              <a:rPr lang="zh-CN" altLang="en-US" sz="1400" dirty="0">
+                <a:solidFill>
+                  <a:schemeClr val="bg1">
+                    <a:lumMod val="50000"/>
+                  </a:schemeClr>
+                </a:solidFill>
+                <a:latin typeface="微软雅黑" panose="020B0503020204020204" charset="-122"/>
+                <a:ea typeface="微软雅黑" panose="020B0503020204020204" charset="-122"/>
+              </a:rPr>
+              <a:t>标题数字等都可以通过点击和重新输入进行更改，顶部“开始”面板中可以对字体、字号、颜色、行距等进行修改。建议正文</a:t>
+            </a:r>
+            <a:r>
+              <a:rPr lang="en-US" altLang="zh-CN" sz="1400" dirty="0">
+                <a:solidFill>
+                  <a:schemeClr val="bg1">
+                    <a:lumMod val="50000"/>
+                  </a:schemeClr>
+                </a:solidFill>
+                <a:latin typeface="微软雅黑" panose="020B0503020204020204" charset="-122"/>
+                <a:ea typeface="微软雅黑" panose="020B0503020204020204" charset="-122"/>
+              </a:rPr>
+              <a:t>8-14</a:t>
+            </a:r>
+            <a:r>
+              <a:rPr lang="zh-CN" altLang="en-US" sz="1400" dirty="0">
+                <a:solidFill>
+                  <a:schemeClr val="bg1">
+                    <a:lumMod val="50000"/>
+                  </a:schemeClr>
+                </a:solidFill>
+                <a:latin typeface="微软雅黑" panose="020B0503020204020204" charset="-122"/>
+                <a:ea typeface="微软雅黑" panose="020B0503020204020204" charset="-122"/>
+              </a:rPr>
+              <a:t>号字，</a:t>
+            </a:r>
+            <a:r>
+              <a:rPr lang="en-US" altLang="zh-CN" sz="1400" dirty="0">
+                <a:solidFill>
+                  <a:schemeClr val="bg1">
+                    <a:lumMod val="50000"/>
+                  </a:schemeClr>
+                </a:solidFill>
+                <a:latin typeface="微软雅黑" panose="020B0503020204020204" charset="-122"/>
+                <a:ea typeface="微软雅黑" panose="020B0503020204020204" charset="-122"/>
+              </a:rPr>
+              <a:t>1.3</a:t>
+            </a:r>
+            <a:r>
+              <a:rPr lang="zh-CN" altLang="en-US" sz="1400" dirty="0">
+                <a:solidFill>
+                  <a:schemeClr val="bg1">
+                    <a:lumMod val="50000"/>
+                  </a:schemeClr>
+                </a:solidFill>
+                <a:latin typeface="微软雅黑" panose="020B0503020204020204" charset="-122"/>
+                <a:ea typeface="微软雅黑" panose="020B0503020204020204" charset="-122"/>
+              </a:rPr>
+              <a:t>倍字间距。</a:t>
+            </a:r>
           </a:p>
         </p:txBody>
       </p:sp>
@@ -17680,19 +16754,16 @@
               </a:lnSpc>
             </a:pPr>
             <a:r>
-              <a:rPr lang="zh-CN" altLang="en-US" sz="2800" b="1" dirty="0" smtClean="0">
-                <a:latin typeface="+mj-lt"/>
-                <a:ea typeface="微软雅黑" panose="020B0503020204020204" charset="-122"/>
-              </a:rPr>
-              <a:t>研究</a:t>
-            </a:r>
-            <a:r>
               <a:rPr lang="zh-CN" altLang="en-US" sz="2800" b="1" dirty="0">
                 <a:latin typeface="+mj-lt"/>
                 <a:ea typeface="微软雅黑" panose="020B0503020204020204" charset="-122"/>
               </a:rPr>
-              <a:t>方法</a:t>
-            </a:r>
+              <a:t>使用工具</a:t>
+            </a:r>
+            <a:endParaRPr lang="zh-CN" altLang="en-US" sz="2800" b="1" dirty="0">
+              <a:latin typeface="+mj-lt"/>
+              <a:ea typeface="微软雅黑" panose="020B0503020204020204" charset="-122"/>
+            </a:endParaRPr>
           </a:p>
         </p:txBody>
       </p:sp>
@@ -17724,11 +16795,11 @@
               </a:lnSpc>
             </a:pPr>
             <a:r>
-              <a:rPr lang="zh-CN" altLang="en-US" sz="2800" b="1" dirty="0">
+              <a:rPr lang="zh-CN" altLang="en-US" sz="2800" b="1" dirty="0" smtClean="0">
                 <a:latin typeface="+mj-lt"/>
                 <a:ea typeface="微软雅黑" panose="020B0503020204020204" charset="-122"/>
               </a:rPr>
-              <a:t>详细设计</a:t>
+              <a:t>主要内容</a:t>
             </a:r>
             <a:endParaRPr kumimoji="1" lang="zh-CN" altLang="en-US" sz="2800" b="1" dirty="0">
               <a:latin typeface="+mj-lt"/>
@@ -17765,18 +16836,11 @@
               </a:lnSpc>
             </a:pPr>
             <a:r>
-              <a:rPr lang="zh-CN" altLang="en-US" sz="2800" b="1" dirty="0">
-                <a:latin typeface="+mj-lt"/>
-                <a:ea typeface="微软雅黑" panose="020B0503020204020204" charset="-122"/>
-              </a:rPr>
-              <a:t>内容</a:t>
-            </a:r>
-            <a:r>
               <a:rPr lang="zh-CN" altLang="en-US" sz="2800" b="1" dirty="0" smtClean="0">
                 <a:latin typeface="+mj-lt"/>
                 <a:ea typeface="微软雅黑" panose="020B0503020204020204" charset="-122"/>
               </a:rPr>
-              <a:t>实现</a:t>
+              <a:t>实现效果</a:t>
             </a:r>
             <a:endParaRPr kumimoji="1" lang="zh-CN" altLang="en-US" sz="2800" b="1" dirty="0">
               <a:latin typeface="+mj-lt"/>
@@ -20225,416 +19289,6 @@
       </p:grpSpPr>
       <p:sp>
         <p:nvSpPr>
-          <p:cNvPr id="2" name="矩形 1"/>
-          <p:cNvSpPr/>
-          <p:nvPr/>
-        </p:nvSpPr>
-        <p:spPr>
-          <a:xfrm>
-            <a:off x="0" y="60523"/>
-            <a:ext cx="1210588" cy="400110"/>
-          </a:xfrm>
-          <a:prstGeom prst="rect">
-            <a:avLst/>
-          </a:prstGeom>
-        </p:spPr>
-        <p:txBody>
-          <a:bodyPr wrap="none">
-            <a:spAutoFit/>
-          </a:bodyPr>
-          <a:lstStyle/>
-          <a:p>
-            <a:r>
-              <a:rPr lang="zh-CN" altLang="en-US" sz="2000" dirty="0" smtClean="0">
-                <a:solidFill>
-                  <a:schemeClr val="tx1">
-                    <a:lumMod val="85000"/>
-                    <a:lumOff val="15000"/>
-                  </a:schemeClr>
-                </a:solidFill>
-              </a:rPr>
-              <a:t>选题</a:t>
-            </a:r>
-            <a:r>
-              <a:rPr lang="zh-CN" altLang="en-US" sz="2000" dirty="0">
-                <a:solidFill>
-                  <a:schemeClr val="tx1">
-                    <a:lumMod val="85000"/>
-                    <a:lumOff val="15000"/>
-                  </a:schemeClr>
-                </a:solidFill>
-              </a:rPr>
-              <a:t>背景</a:t>
-            </a:r>
-          </a:p>
-        </p:txBody>
-      </p:sp>
-      <p:sp>
-        <p:nvSpPr>
-          <p:cNvPr id="5" name="矩形 4"/>
-          <p:cNvSpPr/>
-          <p:nvPr/>
-        </p:nvSpPr>
-        <p:spPr>
-          <a:xfrm>
-            <a:off x="950374" y="1373200"/>
-            <a:ext cx="4319324" cy="769441"/>
-          </a:xfrm>
-          <a:prstGeom prst="rect">
-            <a:avLst/>
-          </a:prstGeom>
-        </p:spPr>
-        <p:txBody>
-          <a:bodyPr wrap="none">
-            <a:spAutoFit/>
-          </a:bodyPr>
-          <a:lstStyle/>
-          <a:p>
-            <a:r>
-              <a:rPr lang="en-US" altLang="zh-CN" sz="4400" dirty="0" smtClean="0"/>
-              <a:t>ADD YOUR TEXT</a:t>
-            </a:r>
-            <a:endParaRPr lang="en-US" altLang="zh-CN" sz="4400" dirty="0"/>
-          </a:p>
-        </p:txBody>
-      </p:sp>
-      <p:sp>
-        <p:nvSpPr>
-          <p:cNvPr id="6" name="矩形 5"/>
-          <p:cNvSpPr/>
-          <p:nvPr/>
-        </p:nvSpPr>
-        <p:spPr>
-          <a:xfrm>
-            <a:off x="950374" y="2041041"/>
-            <a:ext cx="3057247" cy="523220"/>
-          </a:xfrm>
-          <a:prstGeom prst="rect">
-            <a:avLst/>
-          </a:prstGeom>
-        </p:spPr>
-        <p:txBody>
-          <a:bodyPr wrap="none">
-            <a:spAutoFit/>
-          </a:bodyPr>
-          <a:lstStyle/>
-          <a:p>
-            <a:r>
-              <a:rPr lang="zh-CN" altLang="en-US" sz="2800" dirty="0"/>
-              <a:t>点击此处添加标题</a:t>
-            </a:r>
-          </a:p>
-        </p:txBody>
-      </p:sp>
-      <p:sp>
-        <p:nvSpPr>
-          <p:cNvPr id="7" name="矩形 6"/>
-          <p:cNvSpPr/>
-          <p:nvPr/>
-        </p:nvSpPr>
-        <p:spPr>
-          <a:xfrm>
-            <a:off x="959621" y="2810482"/>
-            <a:ext cx="6550312" cy="625171"/>
-          </a:xfrm>
-          <a:prstGeom prst="rect">
-            <a:avLst/>
-          </a:prstGeom>
-        </p:spPr>
-        <p:txBody>
-          <a:bodyPr wrap="square">
-            <a:spAutoFit/>
-          </a:bodyPr>
-          <a:lstStyle/>
-          <a:p>
-            <a:pPr>
-              <a:lnSpc>
-                <a:spcPct val="130000"/>
-              </a:lnSpc>
-            </a:pPr>
-            <a:r>
-              <a:rPr lang="zh-CN" altLang="en-US" sz="1400" dirty="0">
-                <a:solidFill>
-                  <a:schemeClr val="bg1">
-                    <a:lumMod val="50000"/>
-                  </a:schemeClr>
-                </a:solidFill>
-                <a:latin typeface="微软雅黑" panose="020B0503020204020204" charset="-122"/>
-                <a:ea typeface="微软雅黑" panose="020B0503020204020204" charset="-122"/>
-              </a:rPr>
-              <a:t>标题数字等都可以通过点击和重新输入进行更改，顶部“开始”面板中可以对字体、字号、颜色、行距等进行修改。建议正文</a:t>
-            </a:r>
-            <a:r>
-              <a:rPr lang="en-US" altLang="zh-CN" sz="1400" dirty="0">
-                <a:solidFill>
-                  <a:schemeClr val="bg1">
-                    <a:lumMod val="50000"/>
-                  </a:schemeClr>
-                </a:solidFill>
-                <a:latin typeface="微软雅黑" panose="020B0503020204020204" charset="-122"/>
-                <a:ea typeface="微软雅黑" panose="020B0503020204020204" charset="-122"/>
-              </a:rPr>
-              <a:t>8-14</a:t>
-            </a:r>
-            <a:r>
-              <a:rPr lang="zh-CN" altLang="en-US" sz="1400" dirty="0">
-                <a:solidFill>
-                  <a:schemeClr val="bg1">
-                    <a:lumMod val="50000"/>
-                  </a:schemeClr>
-                </a:solidFill>
-                <a:latin typeface="微软雅黑" panose="020B0503020204020204" charset="-122"/>
-                <a:ea typeface="微软雅黑" panose="020B0503020204020204" charset="-122"/>
-              </a:rPr>
-              <a:t>号字，</a:t>
-            </a:r>
-            <a:r>
-              <a:rPr lang="en-US" altLang="zh-CN" sz="1400" dirty="0">
-                <a:solidFill>
-                  <a:schemeClr val="bg1">
-                    <a:lumMod val="50000"/>
-                  </a:schemeClr>
-                </a:solidFill>
-                <a:latin typeface="微软雅黑" panose="020B0503020204020204" charset="-122"/>
-                <a:ea typeface="微软雅黑" panose="020B0503020204020204" charset="-122"/>
-              </a:rPr>
-              <a:t>1.3</a:t>
-            </a:r>
-            <a:r>
-              <a:rPr lang="zh-CN" altLang="en-US" sz="1400" dirty="0">
-                <a:solidFill>
-                  <a:schemeClr val="bg1">
-                    <a:lumMod val="50000"/>
-                  </a:schemeClr>
-                </a:solidFill>
-                <a:latin typeface="微软雅黑" panose="020B0503020204020204" charset="-122"/>
-                <a:ea typeface="微软雅黑" panose="020B0503020204020204" charset="-122"/>
-              </a:rPr>
-              <a:t>倍字间距。</a:t>
-            </a:r>
-          </a:p>
-        </p:txBody>
-      </p:sp>
-      <p:sp>
-        <p:nvSpPr>
-          <p:cNvPr id="8" name="矩形 7"/>
-          <p:cNvSpPr/>
-          <p:nvPr/>
-        </p:nvSpPr>
-        <p:spPr>
-          <a:xfrm>
-            <a:off x="959621" y="3549798"/>
-            <a:ext cx="6550312" cy="625171"/>
-          </a:xfrm>
-          <a:prstGeom prst="rect">
-            <a:avLst/>
-          </a:prstGeom>
-        </p:spPr>
-        <p:txBody>
-          <a:bodyPr wrap="square">
-            <a:spAutoFit/>
-          </a:bodyPr>
-          <a:lstStyle/>
-          <a:p>
-            <a:pPr>
-              <a:lnSpc>
-                <a:spcPct val="130000"/>
-              </a:lnSpc>
-            </a:pPr>
-            <a:r>
-              <a:rPr lang="zh-CN" altLang="en-US" sz="1400" dirty="0">
-                <a:solidFill>
-                  <a:schemeClr val="bg1">
-                    <a:lumMod val="50000"/>
-                  </a:schemeClr>
-                </a:solidFill>
-                <a:latin typeface="微软雅黑" panose="020B0503020204020204" charset="-122"/>
-                <a:ea typeface="微软雅黑" panose="020B0503020204020204" charset="-122"/>
-              </a:rPr>
-              <a:t>标题数字等都可以通过点击和重新输入进行更改，顶部“开始”面板中可以对字体、字号、颜色、行距等进行修改。建议正文</a:t>
-            </a:r>
-            <a:r>
-              <a:rPr lang="en-US" altLang="zh-CN" sz="1400" dirty="0">
-                <a:solidFill>
-                  <a:schemeClr val="bg1">
-                    <a:lumMod val="50000"/>
-                  </a:schemeClr>
-                </a:solidFill>
-                <a:latin typeface="微软雅黑" panose="020B0503020204020204" charset="-122"/>
-                <a:ea typeface="微软雅黑" panose="020B0503020204020204" charset="-122"/>
-              </a:rPr>
-              <a:t>8-14</a:t>
-            </a:r>
-            <a:r>
-              <a:rPr lang="zh-CN" altLang="en-US" sz="1400" dirty="0">
-                <a:solidFill>
-                  <a:schemeClr val="bg1">
-                    <a:lumMod val="50000"/>
-                  </a:schemeClr>
-                </a:solidFill>
-                <a:latin typeface="微软雅黑" panose="020B0503020204020204" charset="-122"/>
-                <a:ea typeface="微软雅黑" panose="020B0503020204020204" charset="-122"/>
-              </a:rPr>
-              <a:t>号字，</a:t>
-            </a:r>
-            <a:r>
-              <a:rPr lang="en-US" altLang="zh-CN" sz="1400" dirty="0">
-                <a:solidFill>
-                  <a:schemeClr val="bg1">
-                    <a:lumMod val="50000"/>
-                  </a:schemeClr>
-                </a:solidFill>
-                <a:latin typeface="微软雅黑" panose="020B0503020204020204" charset="-122"/>
-                <a:ea typeface="微软雅黑" panose="020B0503020204020204" charset="-122"/>
-              </a:rPr>
-              <a:t>1.3</a:t>
-            </a:r>
-            <a:r>
-              <a:rPr lang="zh-CN" altLang="en-US" sz="1400" dirty="0">
-                <a:solidFill>
-                  <a:schemeClr val="bg1">
-                    <a:lumMod val="50000"/>
-                  </a:schemeClr>
-                </a:solidFill>
-                <a:latin typeface="微软雅黑" panose="020B0503020204020204" charset="-122"/>
-                <a:ea typeface="微软雅黑" panose="020B0503020204020204" charset="-122"/>
-              </a:rPr>
-              <a:t>倍字间距。</a:t>
-            </a:r>
-          </a:p>
-        </p:txBody>
-      </p:sp>
-      <p:sp>
-        <p:nvSpPr>
-          <p:cNvPr id="9" name="矩形 8"/>
-          <p:cNvSpPr/>
-          <p:nvPr/>
-        </p:nvSpPr>
-        <p:spPr>
-          <a:xfrm>
-            <a:off x="959621" y="4289114"/>
-            <a:ext cx="6550312" cy="625171"/>
-          </a:xfrm>
-          <a:prstGeom prst="rect">
-            <a:avLst/>
-          </a:prstGeom>
-        </p:spPr>
-        <p:txBody>
-          <a:bodyPr wrap="square">
-            <a:spAutoFit/>
-          </a:bodyPr>
-          <a:lstStyle/>
-          <a:p>
-            <a:pPr>
-              <a:lnSpc>
-                <a:spcPct val="130000"/>
-              </a:lnSpc>
-            </a:pPr>
-            <a:r>
-              <a:rPr lang="zh-CN" altLang="en-US" sz="1400" dirty="0">
-                <a:solidFill>
-                  <a:schemeClr val="bg1">
-                    <a:lumMod val="50000"/>
-                  </a:schemeClr>
-                </a:solidFill>
-                <a:latin typeface="微软雅黑" panose="020B0503020204020204" charset="-122"/>
-                <a:ea typeface="微软雅黑" panose="020B0503020204020204" charset="-122"/>
-              </a:rPr>
-              <a:t>标题数字等都可以通过点击和重新输入进行更改，顶部“开始”面板中可以对字体、字号、颜色、行距等进行修改。建议正文</a:t>
-            </a:r>
-            <a:r>
-              <a:rPr lang="en-US" altLang="zh-CN" sz="1400" dirty="0">
-                <a:solidFill>
-                  <a:schemeClr val="bg1">
-                    <a:lumMod val="50000"/>
-                  </a:schemeClr>
-                </a:solidFill>
-                <a:latin typeface="微软雅黑" panose="020B0503020204020204" charset="-122"/>
-                <a:ea typeface="微软雅黑" panose="020B0503020204020204" charset="-122"/>
-              </a:rPr>
-              <a:t>8-14</a:t>
-            </a:r>
-            <a:r>
-              <a:rPr lang="zh-CN" altLang="en-US" sz="1400" dirty="0">
-                <a:solidFill>
-                  <a:schemeClr val="bg1">
-                    <a:lumMod val="50000"/>
-                  </a:schemeClr>
-                </a:solidFill>
-                <a:latin typeface="微软雅黑" panose="020B0503020204020204" charset="-122"/>
-                <a:ea typeface="微软雅黑" panose="020B0503020204020204" charset="-122"/>
-              </a:rPr>
-              <a:t>号字，</a:t>
-            </a:r>
-            <a:r>
-              <a:rPr lang="en-US" altLang="zh-CN" sz="1400" dirty="0">
-                <a:solidFill>
-                  <a:schemeClr val="bg1">
-                    <a:lumMod val="50000"/>
-                  </a:schemeClr>
-                </a:solidFill>
-                <a:latin typeface="微软雅黑" panose="020B0503020204020204" charset="-122"/>
-                <a:ea typeface="微软雅黑" panose="020B0503020204020204" charset="-122"/>
-              </a:rPr>
-              <a:t>1.3</a:t>
-            </a:r>
-            <a:r>
-              <a:rPr lang="zh-CN" altLang="en-US" sz="1400" dirty="0">
-                <a:solidFill>
-                  <a:schemeClr val="bg1">
-                    <a:lumMod val="50000"/>
-                  </a:schemeClr>
-                </a:solidFill>
-                <a:latin typeface="微软雅黑" panose="020B0503020204020204" charset="-122"/>
-                <a:ea typeface="微软雅黑" panose="020B0503020204020204" charset="-122"/>
-              </a:rPr>
-              <a:t>倍字间距。</a:t>
-            </a:r>
-          </a:p>
-        </p:txBody>
-      </p:sp>
-    </p:spTree>
-  </p:cSld>
-  <p:clrMapOvr>
-    <a:masterClrMapping/>
-  </p:clrMapOvr>
-  <mc:AlternateContent xmlns:mc="http://schemas.openxmlformats.org/markup-compatibility/2006" xmlns:p14="http://schemas.microsoft.com/office/powerpoint/2010/main">
-    <mc:Choice Requires="p14">
-      <p:transition p14:dur="0" advTm="2000"/>
-    </mc:Choice>
-    <mc:Fallback xmlns="">
-      <p:transition advTm="2000"/>
-    </mc:Fallback>
-  </mc:AlternateContent>
-  <p:timing>
-    <p:tnLst>
-      <p:par>
-        <p:cTn id="1" dur="indefinite" restart="never" nodeType="tmRoot"/>
-      </p:par>
-    </p:tnLst>
-  </p:timing>
-</p:sld>
-</file>
-
-<file path=ppt/slides/slide6.xml><?xml version="1.0" encoding="utf-8"?>
-<p:sld xmlns:a="http://schemas.openxmlformats.org/drawingml/2006/main" xmlns:r="http://schemas.openxmlformats.org/officeDocument/2006/relationships" xmlns:p="http://schemas.openxmlformats.org/presentationml/2006/main">
-  <p:cSld>
-    <p:spTree>
-      <p:nvGrpSpPr>
-        <p:cNvPr id="1" name=""/>
-        <p:cNvGrpSpPr/>
-        <p:nvPr/>
-      </p:nvGrpSpPr>
-      <p:grpSpPr>
-        <a:xfrm>
-          <a:off x="0" y="0"/>
-          <a:ext cx="0" cy="0"/>
-          <a:chOff x="0" y="0"/>
-          <a:chExt cx="0" cy="0"/>
-        </a:xfrm>
-      </p:grpSpPr>
-      <p:sp>
-        <p:nvSpPr>
           <p:cNvPr id="2" name="文本框 1"/>
           <p:cNvSpPr txBox="1"/>
           <p:nvPr/>
@@ -20832,7 +19486,7 @@
 </p:sld>
 </file>
 
-<file path=ppt/slides/slide7.xml><?xml version="1.0" encoding="utf-8"?>
+<file path=ppt/slides/slide6.xml><?xml version="1.0" encoding="utf-8"?>
 <p:sld xmlns:a="http://schemas.openxmlformats.org/drawingml/2006/main" xmlns:r="http://schemas.openxmlformats.org/officeDocument/2006/relationships" xmlns:p="http://schemas.openxmlformats.org/presentationml/2006/main">
   <p:cSld>
     <p:spTree>
@@ -25191,6 +23845,240 @@
 </p:sld>
 </file>
 
+<file path=ppt/slides/slide7.xml><?xml version="1.0" encoding="utf-8"?>
+<p:sld xmlns:a="http://schemas.openxmlformats.org/drawingml/2006/main" xmlns:r="http://schemas.openxmlformats.org/officeDocument/2006/relationships" xmlns:p="http://schemas.openxmlformats.org/presentationml/2006/main">
+  <p:cSld>
+    <p:spTree>
+      <p:nvGrpSpPr>
+        <p:cNvPr id="1" name=""/>
+        <p:cNvGrpSpPr/>
+        <p:nvPr/>
+      </p:nvGrpSpPr>
+      <p:grpSpPr>
+        <a:xfrm>
+          <a:off x="0" y="0"/>
+          <a:ext cx="0" cy="0"/>
+          <a:chOff x="0" y="0"/>
+          <a:chExt cx="0" cy="0"/>
+        </a:xfrm>
+      </p:grpSpPr>
+      <p:sp>
+        <p:nvSpPr>
+          <p:cNvPr id="2" name="文本框 1"/>
+          <p:cNvSpPr txBox="1"/>
+          <p:nvPr/>
+        </p:nvSpPr>
+        <p:spPr>
+          <a:xfrm>
+            <a:off x="4294927" y="3280457"/>
+            <a:ext cx="3602146" cy="880306"/>
+          </a:xfrm>
+          <a:prstGeom prst="rect">
+            <a:avLst/>
+          </a:prstGeom>
+          <a:noFill/>
+        </p:spPr>
+        <p:txBody>
+          <a:bodyPr wrap="square" rtlCol="0">
+            <a:spAutoFit/>
+          </a:bodyPr>
+          <a:lstStyle/>
+          <a:p>
+            <a:pPr algn="ctr" defTabSz="608965">
+              <a:lnSpc>
+                <a:spcPct val="130000"/>
+              </a:lnSpc>
+            </a:pPr>
+            <a:r>
+              <a:rPr lang="en-US" altLang="zh-CN" sz="4400" b="1" dirty="0">
+                <a:latin typeface="+mj-lt"/>
+                <a:ea typeface="微软雅黑" panose="020B0503020204020204" charset="-122"/>
+              </a:rPr>
+              <a:t>PART</a:t>
+            </a:r>
+            <a:r>
+              <a:rPr lang="zh-CN" altLang="en-US" sz="4400" b="1" dirty="0">
+                <a:latin typeface="+mj-lt"/>
+                <a:ea typeface="微软雅黑" panose="020B0503020204020204" charset="-122"/>
+              </a:rPr>
+              <a:t> </a:t>
+            </a:r>
+            <a:r>
+              <a:rPr lang="en-US" altLang="zh-CN" sz="4400" b="1" dirty="0">
+                <a:latin typeface="+mj-lt"/>
+                <a:ea typeface="微软雅黑" panose="020B0503020204020204" charset="-122"/>
+              </a:rPr>
+              <a:t>THREE</a:t>
+            </a:r>
+          </a:p>
+        </p:txBody>
+      </p:sp>
+      <p:sp>
+        <p:nvSpPr>
+          <p:cNvPr id="3" name="文本框 2"/>
+          <p:cNvSpPr txBox="1"/>
+          <p:nvPr/>
+        </p:nvSpPr>
+        <p:spPr>
+          <a:xfrm>
+            <a:off x="3936733" y="2417412"/>
+            <a:ext cx="4318534" cy="1173976"/>
+          </a:xfrm>
+          <a:prstGeom prst="rect">
+            <a:avLst/>
+          </a:prstGeom>
+          <a:noFill/>
+        </p:spPr>
+        <p:txBody>
+          <a:bodyPr wrap="square" rtlCol="0">
+            <a:spAutoFit/>
+          </a:bodyPr>
+          <a:lstStyle/>
+          <a:p>
+            <a:pPr algn="ctr" defTabSz="608965">
+              <a:lnSpc>
+                <a:spcPct val="130000"/>
+              </a:lnSpc>
+            </a:pPr>
+            <a:r>
+              <a:rPr lang="zh-CN" altLang="en-US" sz="6000" dirty="0">
+                <a:latin typeface="+mj-lt"/>
+                <a:ea typeface="微软雅黑" panose="020B0503020204020204" charset="-122"/>
+              </a:rPr>
+              <a:t>使用工具</a:t>
+            </a:r>
+            <a:endParaRPr lang="zh-CN" altLang="en-US" sz="6000" dirty="0">
+              <a:latin typeface="+mj-lt"/>
+              <a:ea typeface="微软雅黑" panose="020B0503020204020204" charset="-122"/>
+            </a:endParaRPr>
+          </a:p>
+        </p:txBody>
+      </p:sp>
+      <p:sp>
+        <p:nvSpPr>
+          <p:cNvPr id="4" name="矩形 3"/>
+          <p:cNvSpPr/>
+          <p:nvPr/>
+        </p:nvSpPr>
+        <p:spPr>
+          <a:xfrm>
+            <a:off x="4889817" y="4139690"/>
+            <a:ext cx="2412366" cy="113341"/>
+          </a:xfrm>
+          <a:prstGeom prst="rect">
+            <a:avLst/>
+          </a:prstGeom>
+          <a:solidFill>
+            <a:srgbClr val="FFFF00"/>
+          </a:solidFill>
+          <a:ln>
+            <a:noFill/>
+          </a:ln>
+        </p:spPr>
+        <p:style>
+          <a:lnRef idx="2">
+            <a:schemeClr val="accent1">
+              <a:shade val="50000"/>
+            </a:schemeClr>
+          </a:lnRef>
+          <a:fillRef idx="1">
+            <a:schemeClr val="accent1"/>
+          </a:fillRef>
+          <a:effectRef idx="0">
+            <a:schemeClr val="accent1"/>
+          </a:effectRef>
+          <a:fontRef idx="minor">
+            <a:schemeClr val="lt1"/>
+          </a:fontRef>
+        </p:style>
+        <p:txBody>
+          <a:bodyPr rot="0" spcFirstLastPara="0" vertOverflow="overflow" horzOverflow="overflow" vert="horz" wrap="square" lIns="91440" tIns="45720" rIns="91440" bIns="45720" numCol="1" spcCol="0" rtlCol="0" fromWordArt="0" anchor="ctr" anchorCtr="0" forceAA="0" compatLnSpc="1">
+            <a:noAutofit/>
+          </a:bodyPr>
+          <a:lstStyle/>
+          <a:p>
+            <a:pPr algn="ctr"/>
+            <a:endParaRPr lang="zh-CN" altLang="en-US" sz="4400"/>
+          </a:p>
+        </p:txBody>
+      </p:sp>
+      <p:sp>
+        <p:nvSpPr>
+          <p:cNvPr id="5" name="矩形 4"/>
+          <p:cNvSpPr/>
+          <p:nvPr/>
+        </p:nvSpPr>
+        <p:spPr>
+          <a:xfrm>
+            <a:off x="0" y="60523"/>
+            <a:ext cx="3005951" cy="400110"/>
+          </a:xfrm>
+          <a:prstGeom prst="rect">
+            <a:avLst/>
+          </a:prstGeom>
+        </p:spPr>
+        <p:txBody>
+          <a:bodyPr wrap="none">
+            <a:spAutoFit/>
+          </a:bodyPr>
+          <a:lstStyle/>
+          <a:p>
+            <a:r>
+              <a:rPr lang="zh-CN" altLang="en-US" sz="2000" dirty="0">
+                <a:solidFill>
+                  <a:schemeClr val="tx1">
+                    <a:lumMod val="85000"/>
+                    <a:lumOff val="15000"/>
+                  </a:schemeClr>
+                </a:solidFill>
+              </a:rPr>
+              <a:t>学校名称</a:t>
+            </a:r>
+            <a:r>
+              <a:rPr lang="zh-CN" altLang="en-US" sz="2000" dirty="0" smtClean="0">
+                <a:solidFill>
+                  <a:schemeClr val="tx1">
+                    <a:lumMod val="85000"/>
+                    <a:lumOff val="15000"/>
+                  </a:schemeClr>
+                </a:solidFill>
+              </a:rPr>
+              <a:t>：河北师范大学</a:t>
+            </a:r>
+            <a:endParaRPr lang="zh-CN" altLang="en-US" sz="2000" dirty="0">
+              <a:solidFill>
+                <a:schemeClr val="tx1">
+                  <a:lumMod val="85000"/>
+                  <a:lumOff val="15000"/>
+                </a:schemeClr>
+              </a:solidFill>
+            </a:endParaRPr>
+          </a:p>
+        </p:txBody>
+      </p:sp>
+    </p:spTree>
+  </p:cSld>
+  <p:clrMapOvr>
+    <a:masterClrMapping/>
+  </p:clrMapOvr>
+  <mc:AlternateContent xmlns:mc="http://schemas.openxmlformats.org/markup-compatibility/2006" xmlns:p14="http://schemas.microsoft.com/office/powerpoint/2010/main">
+    <mc:Choice Requires="p14">
+      <p:transition p14:dur="0" advTm="2000"/>
+    </mc:Choice>
+    <mc:Fallback xmlns="">
+      <p:transition advTm="2000"/>
+    </mc:Fallback>
+  </mc:AlternateContent>
+  <p:timing>
+    <p:tnLst>
+      <p:par>
+        <p:cTn id="1" dur="indefinite" restart="never" nodeType="tmRoot"/>
+      </p:par>
+    </p:tnLst>
+  </p:timing>
+</p:sld>
+</file>
+
 <file path=ppt/slides/slide8.xml><?xml version="1.0" encoding="utf-8"?>
 <p:sld xmlns:a="http://schemas.openxmlformats.org/drawingml/2006/main" xmlns:r="http://schemas.openxmlformats.org/officeDocument/2006/relationships" xmlns:p="http://schemas.openxmlformats.org/presentationml/2006/main">
   <p:cSld>
@@ -25230,17 +24118,6 @@
           <a:lstStyle/>
           <a:p>
             <a:r>
-              <a:rPr lang="zh-CN" altLang="en-US" sz="2000" dirty="0" smtClean="0">
-                <a:solidFill>
-                  <a:schemeClr val="tx1">
-                    <a:lumMod val="85000"/>
-                    <a:lumOff val="15000"/>
-                  </a:schemeClr>
-                </a:solidFill>
-              </a:rPr>
-              <a:t>论文</a:t>
-            </a:r>
-            <a:r>
               <a:rPr lang="zh-CN" altLang="en-US" sz="2000" dirty="0">
                 <a:solidFill>
                   <a:schemeClr val="tx1">
@@ -25249,3015 +24126,233 @@
                   </a:schemeClr>
                 </a:solidFill>
               </a:rPr>
-              <a:t>结构</a:t>
+              <a:t>使用工具</a:t>
             </a:r>
           </a:p>
         </p:txBody>
       </p:sp>
-      <p:grpSp>
-        <p:nvGrpSpPr>
-          <p:cNvPr id="6" name="组合 5"/>
-          <p:cNvGrpSpPr/>
+      <p:pic>
+        <p:nvPicPr>
+          <p:cNvPr id="3" name="图片 2"/>
+          <p:cNvPicPr>
+            <a:picLocks noChangeAspect="1"/>
+          </p:cNvPicPr>
           <p:nvPr/>
-        </p:nvGrpSpPr>
-        <p:grpSpPr>
-          <a:xfrm>
-            <a:off x="3972497" y="4188208"/>
-            <a:ext cx="2300757" cy="509896"/>
-            <a:chOff x="888096" y="1000203"/>
-            <a:chExt cx="4259825" cy="944066"/>
-          </a:xfrm>
-        </p:grpSpPr>
-        <p:sp>
-          <p:nvSpPr>
-            <p:cNvPr id="7" name="矩形 6"/>
-            <p:cNvSpPr/>
-            <p:nvPr/>
-          </p:nvSpPr>
-          <p:spPr>
-            <a:xfrm>
-              <a:off x="911225" y="1045634"/>
-              <a:ext cx="4199467" cy="872066"/>
-            </a:xfrm>
-            <a:prstGeom prst="rect">
-              <a:avLst/>
-            </a:prstGeom>
-            <a:noFill/>
-            <a:ln>
-              <a:solidFill>
-                <a:schemeClr val="bg1">
-                  <a:lumMod val="75000"/>
-                </a:schemeClr>
-              </a:solidFill>
-            </a:ln>
-          </p:spPr>
-          <p:style>
-            <a:lnRef idx="2">
-              <a:schemeClr val="accent1">
-                <a:shade val="50000"/>
-              </a:schemeClr>
-            </a:lnRef>
-            <a:fillRef idx="1">
-              <a:schemeClr val="accent1"/>
-            </a:fillRef>
-            <a:effectRef idx="0">
-              <a:schemeClr val="accent1"/>
-            </a:effectRef>
-            <a:fontRef idx="minor">
-              <a:schemeClr val="lt1"/>
-            </a:fontRef>
-          </p:style>
-          <p:txBody>
-            <a:bodyPr rot="0" spcFirstLastPara="0" vertOverflow="overflow" horzOverflow="overflow" vert="horz" wrap="square" lIns="91440" tIns="45720" rIns="91440" bIns="45720" numCol="1" spcCol="0" rtlCol="0" fromWordArt="0" anchor="ctr" anchorCtr="0" forceAA="0" compatLnSpc="1">
-              <a:noAutofit/>
-            </a:bodyPr>
-            <a:lstStyle/>
-            <a:p>
-              <a:pPr algn="ctr"/>
-              <a:endParaRPr lang="zh-CN" altLang="en-US"/>
-            </a:p>
-          </p:txBody>
-        </p:sp>
-        <p:sp>
-          <p:nvSpPr>
-            <p:cNvPr id="8" name="椭圆 7"/>
-            <p:cNvSpPr/>
-            <p:nvPr/>
-          </p:nvSpPr>
-          <p:spPr>
-            <a:xfrm>
-              <a:off x="888096" y="1000203"/>
-              <a:ext cx="72000" cy="72000"/>
-            </a:xfrm>
-            <a:prstGeom prst="ellipse">
-              <a:avLst/>
-            </a:prstGeom>
-            <a:solidFill>
-              <a:schemeClr val="tx1">
-                <a:lumMod val="65000"/>
-                <a:lumOff val="35000"/>
-              </a:schemeClr>
-            </a:solidFill>
-            <a:ln>
-              <a:noFill/>
-            </a:ln>
-          </p:spPr>
-          <p:style>
-            <a:lnRef idx="2">
-              <a:schemeClr val="accent1">
-                <a:shade val="50000"/>
-              </a:schemeClr>
-            </a:lnRef>
-            <a:fillRef idx="1">
-              <a:schemeClr val="accent1"/>
-            </a:fillRef>
-            <a:effectRef idx="0">
-              <a:schemeClr val="accent1"/>
-            </a:effectRef>
-            <a:fontRef idx="minor">
-              <a:schemeClr val="lt1"/>
-            </a:fontRef>
-          </p:style>
-          <p:txBody>
-            <a:bodyPr rot="0" spcFirstLastPara="0" vertOverflow="overflow" horzOverflow="overflow" vert="horz" wrap="square" lIns="91440" tIns="45720" rIns="91440" bIns="45720" numCol="1" spcCol="0" rtlCol="0" fromWordArt="0" anchor="ctr" anchorCtr="0" forceAA="0" compatLnSpc="1">
-              <a:noAutofit/>
-            </a:bodyPr>
-            <a:lstStyle/>
-            <a:p>
-              <a:pPr algn="ctr"/>
-              <a:endParaRPr lang="zh-CN" altLang="en-US"/>
-            </a:p>
-          </p:txBody>
-        </p:sp>
-        <p:sp>
-          <p:nvSpPr>
-            <p:cNvPr id="9" name="椭圆 8"/>
-            <p:cNvSpPr/>
-            <p:nvPr/>
-          </p:nvSpPr>
-          <p:spPr>
-            <a:xfrm>
-              <a:off x="888096" y="1872269"/>
-              <a:ext cx="72000" cy="72000"/>
-            </a:xfrm>
-            <a:prstGeom prst="ellipse">
-              <a:avLst/>
-            </a:prstGeom>
-            <a:solidFill>
-              <a:schemeClr val="tx1">
-                <a:lumMod val="65000"/>
-                <a:lumOff val="35000"/>
-              </a:schemeClr>
-            </a:solidFill>
-            <a:ln>
-              <a:noFill/>
-            </a:ln>
-          </p:spPr>
-          <p:style>
-            <a:lnRef idx="2">
-              <a:schemeClr val="accent1">
-                <a:shade val="50000"/>
-              </a:schemeClr>
-            </a:lnRef>
-            <a:fillRef idx="1">
-              <a:schemeClr val="accent1"/>
-            </a:fillRef>
-            <a:effectRef idx="0">
-              <a:schemeClr val="accent1"/>
-            </a:effectRef>
-            <a:fontRef idx="minor">
-              <a:schemeClr val="lt1"/>
-            </a:fontRef>
-          </p:style>
-          <p:txBody>
-            <a:bodyPr rot="0" spcFirstLastPara="0" vertOverflow="overflow" horzOverflow="overflow" vert="horz" wrap="square" lIns="91440" tIns="45720" rIns="91440" bIns="45720" numCol="1" spcCol="0" rtlCol="0" fromWordArt="0" anchor="ctr" anchorCtr="0" forceAA="0" compatLnSpc="1">
-              <a:noAutofit/>
-            </a:bodyPr>
-            <a:lstStyle/>
-            <a:p>
-              <a:pPr algn="ctr"/>
-              <a:endParaRPr lang="zh-CN" altLang="en-US"/>
-            </a:p>
-          </p:txBody>
-        </p:sp>
-        <p:sp>
-          <p:nvSpPr>
-            <p:cNvPr id="10" name="椭圆 9"/>
-            <p:cNvSpPr/>
-            <p:nvPr/>
-          </p:nvSpPr>
-          <p:spPr>
-            <a:xfrm>
-              <a:off x="5075921" y="1872269"/>
-              <a:ext cx="72000" cy="72000"/>
-            </a:xfrm>
-            <a:prstGeom prst="ellipse">
-              <a:avLst/>
-            </a:prstGeom>
-            <a:solidFill>
-              <a:schemeClr val="tx1">
-                <a:lumMod val="65000"/>
-                <a:lumOff val="35000"/>
-              </a:schemeClr>
-            </a:solidFill>
-            <a:ln>
-              <a:noFill/>
-            </a:ln>
-          </p:spPr>
-          <p:style>
-            <a:lnRef idx="2">
-              <a:schemeClr val="accent1">
-                <a:shade val="50000"/>
-              </a:schemeClr>
-            </a:lnRef>
-            <a:fillRef idx="1">
-              <a:schemeClr val="accent1"/>
-            </a:fillRef>
-            <a:effectRef idx="0">
-              <a:schemeClr val="accent1"/>
-            </a:effectRef>
-            <a:fontRef idx="minor">
-              <a:schemeClr val="lt1"/>
-            </a:fontRef>
-          </p:style>
-          <p:txBody>
-            <a:bodyPr rot="0" spcFirstLastPara="0" vertOverflow="overflow" horzOverflow="overflow" vert="horz" wrap="square" lIns="91440" tIns="45720" rIns="91440" bIns="45720" numCol="1" spcCol="0" rtlCol="0" fromWordArt="0" anchor="ctr" anchorCtr="0" forceAA="0" compatLnSpc="1">
-              <a:noAutofit/>
-            </a:bodyPr>
-            <a:lstStyle/>
-            <a:p>
-              <a:pPr algn="ctr"/>
-              <a:endParaRPr lang="zh-CN" altLang="en-US"/>
-            </a:p>
-          </p:txBody>
-        </p:sp>
-        <p:sp>
-          <p:nvSpPr>
-            <p:cNvPr id="11" name="椭圆 10"/>
-            <p:cNvSpPr/>
-            <p:nvPr/>
-          </p:nvSpPr>
-          <p:spPr>
-            <a:xfrm>
-              <a:off x="5074692" y="1009634"/>
-              <a:ext cx="72000" cy="72000"/>
-            </a:xfrm>
-            <a:prstGeom prst="ellipse">
-              <a:avLst/>
-            </a:prstGeom>
-            <a:solidFill>
-              <a:schemeClr val="tx1">
-                <a:lumMod val="65000"/>
-                <a:lumOff val="35000"/>
-              </a:schemeClr>
-            </a:solidFill>
-            <a:ln>
-              <a:noFill/>
-            </a:ln>
-          </p:spPr>
-          <p:style>
-            <a:lnRef idx="2">
-              <a:schemeClr val="accent1">
-                <a:shade val="50000"/>
-              </a:schemeClr>
-            </a:lnRef>
-            <a:fillRef idx="1">
-              <a:schemeClr val="accent1"/>
-            </a:fillRef>
-            <a:effectRef idx="0">
-              <a:schemeClr val="accent1"/>
-            </a:effectRef>
-            <a:fontRef idx="minor">
-              <a:schemeClr val="lt1"/>
-            </a:fontRef>
-          </p:style>
-          <p:txBody>
-            <a:bodyPr rot="0" spcFirstLastPara="0" vertOverflow="overflow" horzOverflow="overflow" vert="horz" wrap="square" lIns="91440" tIns="45720" rIns="91440" bIns="45720" numCol="1" spcCol="0" rtlCol="0" fromWordArt="0" anchor="ctr" anchorCtr="0" forceAA="0" compatLnSpc="1">
-              <a:noAutofit/>
-            </a:bodyPr>
-            <a:lstStyle/>
-            <a:p>
-              <a:pPr algn="ctr"/>
-              <a:endParaRPr lang="zh-CN" altLang="en-US"/>
-            </a:p>
-          </p:txBody>
-        </p:sp>
-      </p:grpSp>
-      <p:grpSp>
-        <p:nvGrpSpPr>
-          <p:cNvPr id="12" name="组合 11"/>
-          <p:cNvGrpSpPr/>
-          <p:nvPr/>
-        </p:nvGrpSpPr>
-        <p:grpSpPr>
-          <a:xfrm>
-            <a:off x="6586098" y="4188208"/>
-            <a:ext cx="2300757" cy="509896"/>
-            <a:chOff x="888096" y="1000203"/>
-            <a:chExt cx="4259825" cy="944066"/>
-          </a:xfrm>
-        </p:grpSpPr>
-        <p:sp>
-          <p:nvSpPr>
-            <p:cNvPr id="13" name="矩形 12"/>
-            <p:cNvSpPr/>
-            <p:nvPr/>
-          </p:nvSpPr>
-          <p:spPr>
-            <a:xfrm>
-              <a:off x="911225" y="1045634"/>
-              <a:ext cx="4199467" cy="872066"/>
-            </a:xfrm>
-            <a:prstGeom prst="rect">
-              <a:avLst/>
-            </a:prstGeom>
-            <a:noFill/>
-            <a:ln>
-              <a:solidFill>
-                <a:schemeClr val="bg1">
-                  <a:lumMod val="75000"/>
-                </a:schemeClr>
-              </a:solidFill>
-            </a:ln>
-          </p:spPr>
-          <p:style>
-            <a:lnRef idx="2">
-              <a:schemeClr val="accent1">
-                <a:shade val="50000"/>
-              </a:schemeClr>
-            </a:lnRef>
-            <a:fillRef idx="1">
-              <a:schemeClr val="accent1"/>
-            </a:fillRef>
-            <a:effectRef idx="0">
-              <a:schemeClr val="accent1"/>
-            </a:effectRef>
-            <a:fontRef idx="minor">
-              <a:schemeClr val="lt1"/>
-            </a:fontRef>
-          </p:style>
-          <p:txBody>
-            <a:bodyPr rot="0" spcFirstLastPara="0" vertOverflow="overflow" horzOverflow="overflow" vert="horz" wrap="square" lIns="91440" tIns="45720" rIns="91440" bIns="45720" numCol="1" spcCol="0" rtlCol="0" fromWordArt="0" anchor="ctr" anchorCtr="0" forceAA="0" compatLnSpc="1">
-              <a:noAutofit/>
-            </a:bodyPr>
-            <a:lstStyle/>
-            <a:p>
-              <a:pPr algn="ctr"/>
-              <a:endParaRPr lang="zh-CN" altLang="en-US"/>
-            </a:p>
-          </p:txBody>
-        </p:sp>
-        <p:sp>
-          <p:nvSpPr>
-            <p:cNvPr id="14" name="椭圆 13"/>
-            <p:cNvSpPr/>
-            <p:nvPr/>
-          </p:nvSpPr>
-          <p:spPr>
-            <a:xfrm>
-              <a:off x="888096" y="1000203"/>
-              <a:ext cx="72000" cy="72000"/>
-            </a:xfrm>
-            <a:prstGeom prst="ellipse">
-              <a:avLst/>
-            </a:prstGeom>
-            <a:solidFill>
-              <a:schemeClr val="tx1">
-                <a:lumMod val="65000"/>
-                <a:lumOff val="35000"/>
-              </a:schemeClr>
-            </a:solidFill>
-            <a:ln>
-              <a:noFill/>
-            </a:ln>
-          </p:spPr>
-          <p:style>
-            <a:lnRef idx="2">
-              <a:schemeClr val="accent1">
-                <a:shade val="50000"/>
-              </a:schemeClr>
-            </a:lnRef>
-            <a:fillRef idx="1">
-              <a:schemeClr val="accent1"/>
-            </a:fillRef>
-            <a:effectRef idx="0">
-              <a:schemeClr val="accent1"/>
-            </a:effectRef>
-            <a:fontRef idx="minor">
-              <a:schemeClr val="lt1"/>
-            </a:fontRef>
-          </p:style>
-          <p:txBody>
-            <a:bodyPr rot="0" spcFirstLastPara="0" vertOverflow="overflow" horzOverflow="overflow" vert="horz" wrap="square" lIns="91440" tIns="45720" rIns="91440" bIns="45720" numCol="1" spcCol="0" rtlCol="0" fromWordArt="0" anchor="ctr" anchorCtr="0" forceAA="0" compatLnSpc="1">
-              <a:noAutofit/>
-            </a:bodyPr>
-            <a:lstStyle/>
-            <a:p>
-              <a:pPr algn="ctr"/>
-              <a:endParaRPr lang="zh-CN" altLang="en-US"/>
-            </a:p>
-          </p:txBody>
-        </p:sp>
-        <p:sp>
-          <p:nvSpPr>
-            <p:cNvPr id="15" name="椭圆 14"/>
-            <p:cNvSpPr/>
-            <p:nvPr/>
-          </p:nvSpPr>
-          <p:spPr>
-            <a:xfrm>
-              <a:off x="888096" y="1872269"/>
-              <a:ext cx="72000" cy="72000"/>
-            </a:xfrm>
-            <a:prstGeom prst="ellipse">
-              <a:avLst/>
-            </a:prstGeom>
-            <a:solidFill>
-              <a:schemeClr val="tx1">
-                <a:lumMod val="65000"/>
-                <a:lumOff val="35000"/>
-              </a:schemeClr>
-            </a:solidFill>
-            <a:ln>
-              <a:noFill/>
-            </a:ln>
-          </p:spPr>
-          <p:style>
-            <a:lnRef idx="2">
-              <a:schemeClr val="accent1">
-                <a:shade val="50000"/>
-              </a:schemeClr>
-            </a:lnRef>
-            <a:fillRef idx="1">
-              <a:schemeClr val="accent1"/>
-            </a:fillRef>
-            <a:effectRef idx="0">
-              <a:schemeClr val="accent1"/>
-            </a:effectRef>
-            <a:fontRef idx="minor">
-              <a:schemeClr val="lt1"/>
-            </a:fontRef>
-          </p:style>
-          <p:txBody>
-            <a:bodyPr rot="0" spcFirstLastPara="0" vertOverflow="overflow" horzOverflow="overflow" vert="horz" wrap="square" lIns="91440" tIns="45720" rIns="91440" bIns="45720" numCol="1" spcCol="0" rtlCol="0" fromWordArt="0" anchor="ctr" anchorCtr="0" forceAA="0" compatLnSpc="1">
-              <a:noAutofit/>
-            </a:bodyPr>
-            <a:lstStyle/>
-            <a:p>
-              <a:pPr algn="ctr"/>
-              <a:endParaRPr lang="zh-CN" altLang="en-US"/>
-            </a:p>
-          </p:txBody>
-        </p:sp>
-        <p:sp>
-          <p:nvSpPr>
-            <p:cNvPr id="16" name="椭圆 15"/>
-            <p:cNvSpPr/>
-            <p:nvPr/>
-          </p:nvSpPr>
-          <p:spPr>
-            <a:xfrm>
-              <a:off x="5075921" y="1872269"/>
-              <a:ext cx="72000" cy="72000"/>
-            </a:xfrm>
-            <a:prstGeom prst="ellipse">
-              <a:avLst/>
-            </a:prstGeom>
-            <a:solidFill>
-              <a:schemeClr val="tx1">
-                <a:lumMod val="65000"/>
-                <a:lumOff val="35000"/>
-              </a:schemeClr>
-            </a:solidFill>
-            <a:ln>
-              <a:noFill/>
-            </a:ln>
-          </p:spPr>
-          <p:style>
-            <a:lnRef idx="2">
-              <a:schemeClr val="accent1">
-                <a:shade val="50000"/>
-              </a:schemeClr>
-            </a:lnRef>
-            <a:fillRef idx="1">
-              <a:schemeClr val="accent1"/>
-            </a:fillRef>
-            <a:effectRef idx="0">
-              <a:schemeClr val="accent1"/>
-            </a:effectRef>
-            <a:fontRef idx="minor">
-              <a:schemeClr val="lt1"/>
-            </a:fontRef>
-          </p:style>
-          <p:txBody>
-            <a:bodyPr rot="0" spcFirstLastPara="0" vertOverflow="overflow" horzOverflow="overflow" vert="horz" wrap="square" lIns="91440" tIns="45720" rIns="91440" bIns="45720" numCol="1" spcCol="0" rtlCol="0" fromWordArt="0" anchor="ctr" anchorCtr="0" forceAA="0" compatLnSpc="1">
-              <a:noAutofit/>
-            </a:bodyPr>
-            <a:lstStyle/>
-            <a:p>
-              <a:pPr algn="ctr"/>
-              <a:endParaRPr lang="zh-CN" altLang="en-US"/>
-            </a:p>
-          </p:txBody>
-        </p:sp>
-        <p:sp>
-          <p:nvSpPr>
-            <p:cNvPr id="17" name="椭圆 16"/>
-            <p:cNvSpPr/>
-            <p:nvPr/>
-          </p:nvSpPr>
-          <p:spPr>
-            <a:xfrm>
-              <a:off x="5074692" y="1009634"/>
-              <a:ext cx="72000" cy="72000"/>
-            </a:xfrm>
-            <a:prstGeom prst="ellipse">
-              <a:avLst/>
-            </a:prstGeom>
-            <a:solidFill>
-              <a:schemeClr val="tx1">
-                <a:lumMod val="65000"/>
-                <a:lumOff val="35000"/>
-              </a:schemeClr>
-            </a:solidFill>
-            <a:ln>
-              <a:noFill/>
-            </a:ln>
-          </p:spPr>
-          <p:style>
-            <a:lnRef idx="2">
-              <a:schemeClr val="accent1">
-                <a:shade val="50000"/>
-              </a:schemeClr>
-            </a:lnRef>
-            <a:fillRef idx="1">
-              <a:schemeClr val="accent1"/>
-            </a:fillRef>
-            <a:effectRef idx="0">
-              <a:schemeClr val="accent1"/>
-            </a:effectRef>
-            <a:fontRef idx="minor">
-              <a:schemeClr val="lt1"/>
-            </a:fontRef>
-          </p:style>
-          <p:txBody>
-            <a:bodyPr rot="0" spcFirstLastPara="0" vertOverflow="overflow" horzOverflow="overflow" vert="horz" wrap="square" lIns="91440" tIns="45720" rIns="91440" bIns="45720" numCol="1" spcCol="0" rtlCol="0" fromWordArt="0" anchor="ctr" anchorCtr="0" forceAA="0" compatLnSpc="1">
-              <a:noAutofit/>
-            </a:bodyPr>
-            <a:lstStyle/>
-            <a:p>
-              <a:pPr algn="ctr"/>
-              <a:endParaRPr lang="zh-CN" altLang="en-US"/>
-            </a:p>
-          </p:txBody>
-        </p:sp>
-      </p:grpSp>
-      <p:grpSp>
-        <p:nvGrpSpPr>
-          <p:cNvPr id="18" name="组合 17"/>
-          <p:cNvGrpSpPr/>
-          <p:nvPr/>
-        </p:nvGrpSpPr>
-        <p:grpSpPr>
-          <a:xfrm>
-            <a:off x="6586098" y="3267423"/>
-            <a:ext cx="2300757" cy="509896"/>
-            <a:chOff x="888096" y="1000203"/>
-            <a:chExt cx="4259825" cy="944066"/>
-          </a:xfrm>
-        </p:grpSpPr>
-        <p:sp>
-          <p:nvSpPr>
-            <p:cNvPr id="19" name="矩形 18"/>
-            <p:cNvSpPr/>
-            <p:nvPr/>
-          </p:nvSpPr>
-          <p:spPr>
-            <a:xfrm>
-              <a:off x="911225" y="1045634"/>
-              <a:ext cx="4199467" cy="872066"/>
-            </a:xfrm>
-            <a:prstGeom prst="rect">
-              <a:avLst/>
-            </a:prstGeom>
-            <a:noFill/>
-            <a:ln>
-              <a:solidFill>
-                <a:schemeClr val="bg1">
-                  <a:lumMod val="75000"/>
-                </a:schemeClr>
-              </a:solidFill>
-            </a:ln>
-          </p:spPr>
-          <p:style>
-            <a:lnRef idx="2">
-              <a:schemeClr val="accent1">
-                <a:shade val="50000"/>
-              </a:schemeClr>
-            </a:lnRef>
-            <a:fillRef idx="1">
-              <a:schemeClr val="accent1"/>
-            </a:fillRef>
-            <a:effectRef idx="0">
-              <a:schemeClr val="accent1"/>
-            </a:effectRef>
-            <a:fontRef idx="minor">
-              <a:schemeClr val="lt1"/>
-            </a:fontRef>
-          </p:style>
-          <p:txBody>
-            <a:bodyPr rot="0" spcFirstLastPara="0" vertOverflow="overflow" horzOverflow="overflow" vert="horz" wrap="square" lIns="91440" tIns="45720" rIns="91440" bIns="45720" numCol="1" spcCol="0" rtlCol="0" fromWordArt="0" anchor="ctr" anchorCtr="0" forceAA="0" compatLnSpc="1">
-              <a:noAutofit/>
-            </a:bodyPr>
-            <a:lstStyle/>
-            <a:p>
-              <a:pPr algn="ctr"/>
-              <a:endParaRPr lang="zh-CN" altLang="en-US"/>
-            </a:p>
-          </p:txBody>
-        </p:sp>
-        <p:sp>
-          <p:nvSpPr>
-            <p:cNvPr id="20" name="椭圆 19"/>
-            <p:cNvSpPr/>
-            <p:nvPr/>
-          </p:nvSpPr>
-          <p:spPr>
-            <a:xfrm>
-              <a:off x="888096" y="1000203"/>
-              <a:ext cx="72000" cy="72000"/>
-            </a:xfrm>
-            <a:prstGeom prst="ellipse">
-              <a:avLst/>
-            </a:prstGeom>
-            <a:solidFill>
-              <a:schemeClr val="tx1">
-                <a:lumMod val="65000"/>
-                <a:lumOff val="35000"/>
-              </a:schemeClr>
-            </a:solidFill>
-            <a:ln>
-              <a:noFill/>
-            </a:ln>
-          </p:spPr>
-          <p:style>
-            <a:lnRef idx="2">
-              <a:schemeClr val="accent1">
-                <a:shade val="50000"/>
-              </a:schemeClr>
-            </a:lnRef>
-            <a:fillRef idx="1">
-              <a:schemeClr val="accent1"/>
-            </a:fillRef>
-            <a:effectRef idx="0">
-              <a:schemeClr val="accent1"/>
-            </a:effectRef>
-            <a:fontRef idx="minor">
-              <a:schemeClr val="lt1"/>
-            </a:fontRef>
-          </p:style>
-          <p:txBody>
-            <a:bodyPr rot="0" spcFirstLastPara="0" vertOverflow="overflow" horzOverflow="overflow" vert="horz" wrap="square" lIns="91440" tIns="45720" rIns="91440" bIns="45720" numCol="1" spcCol="0" rtlCol="0" fromWordArt="0" anchor="ctr" anchorCtr="0" forceAA="0" compatLnSpc="1">
-              <a:noAutofit/>
-            </a:bodyPr>
-            <a:lstStyle/>
-            <a:p>
-              <a:pPr algn="ctr"/>
-              <a:endParaRPr lang="zh-CN" altLang="en-US"/>
-            </a:p>
-          </p:txBody>
-        </p:sp>
-        <p:sp>
-          <p:nvSpPr>
-            <p:cNvPr id="21" name="椭圆 20"/>
-            <p:cNvSpPr/>
-            <p:nvPr/>
-          </p:nvSpPr>
-          <p:spPr>
-            <a:xfrm>
-              <a:off x="888096" y="1872269"/>
-              <a:ext cx="72000" cy="72000"/>
-            </a:xfrm>
-            <a:prstGeom prst="ellipse">
-              <a:avLst/>
-            </a:prstGeom>
-            <a:solidFill>
-              <a:schemeClr val="tx1">
-                <a:lumMod val="65000"/>
-                <a:lumOff val="35000"/>
-              </a:schemeClr>
-            </a:solidFill>
-            <a:ln>
-              <a:noFill/>
-            </a:ln>
-          </p:spPr>
-          <p:style>
-            <a:lnRef idx="2">
-              <a:schemeClr val="accent1">
-                <a:shade val="50000"/>
-              </a:schemeClr>
-            </a:lnRef>
-            <a:fillRef idx="1">
-              <a:schemeClr val="accent1"/>
-            </a:fillRef>
-            <a:effectRef idx="0">
-              <a:schemeClr val="accent1"/>
-            </a:effectRef>
-            <a:fontRef idx="minor">
-              <a:schemeClr val="lt1"/>
-            </a:fontRef>
-          </p:style>
-          <p:txBody>
-            <a:bodyPr rot="0" spcFirstLastPara="0" vertOverflow="overflow" horzOverflow="overflow" vert="horz" wrap="square" lIns="91440" tIns="45720" rIns="91440" bIns="45720" numCol="1" spcCol="0" rtlCol="0" fromWordArt="0" anchor="ctr" anchorCtr="0" forceAA="0" compatLnSpc="1">
-              <a:noAutofit/>
-            </a:bodyPr>
-            <a:lstStyle/>
-            <a:p>
-              <a:pPr algn="ctr"/>
-              <a:endParaRPr lang="zh-CN" altLang="en-US"/>
-            </a:p>
-          </p:txBody>
-        </p:sp>
-        <p:sp>
-          <p:nvSpPr>
-            <p:cNvPr id="22" name="椭圆 21"/>
-            <p:cNvSpPr/>
-            <p:nvPr/>
-          </p:nvSpPr>
-          <p:spPr>
-            <a:xfrm>
-              <a:off x="5075921" y="1872269"/>
-              <a:ext cx="72000" cy="72000"/>
-            </a:xfrm>
-            <a:prstGeom prst="ellipse">
-              <a:avLst/>
-            </a:prstGeom>
-            <a:solidFill>
-              <a:schemeClr val="tx1">
-                <a:lumMod val="65000"/>
-                <a:lumOff val="35000"/>
-              </a:schemeClr>
-            </a:solidFill>
-            <a:ln>
-              <a:noFill/>
-            </a:ln>
-          </p:spPr>
-          <p:style>
-            <a:lnRef idx="2">
-              <a:schemeClr val="accent1">
-                <a:shade val="50000"/>
-              </a:schemeClr>
-            </a:lnRef>
-            <a:fillRef idx="1">
-              <a:schemeClr val="accent1"/>
-            </a:fillRef>
-            <a:effectRef idx="0">
-              <a:schemeClr val="accent1"/>
-            </a:effectRef>
-            <a:fontRef idx="minor">
-              <a:schemeClr val="lt1"/>
-            </a:fontRef>
-          </p:style>
-          <p:txBody>
-            <a:bodyPr rot="0" spcFirstLastPara="0" vertOverflow="overflow" horzOverflow="overflow" vert="horz" wrap="square" lIns="91440" tIns="45720" rIns="91440" bIns="45720" numCol="1" spcCol="0" rtlCol="0" fromWordArt="0" anchor="ctr" anchorCtr="0" forceAA="0" compatLnSpc="1">
-              <a:noAutofit/>
-            </a:bodyPr>
-            <a:lstStyle/>
-            <a:p>
-              <a:pPr algn="ctr"/>
-              <a:endParaRPr lang="zh-CN" altLang="en-US"/>
-            </a:p>
-          </p:txBody>
-        </p:sp>
-        <p:sp>
-          <p:nvSpPr>
-            <p:cNvPr id="23" name="椭圆 22"/>
-            <p:cNvSpPr/>
-            <p:nvPr/>
-          </p:nvSpPr>
-          <p:spPr>
-            <a:xfrm>
-              <a:off x="5074692" y="1009634"/>
-              <a:ext cx="72000" cy="72000"/>
-            </a:xfrm>
-            <a:prstGeom prst="ellipse">
-              <a:avLst/>
-            </a:prstGeom>
-            <a:solidFill>
-              <a:schemeClr val="tx1">
-                <a:lumMod val="65000"/>
-                <a:lumOff val="35000"/>
-              </a:schemeClr>
-            </a:solidFill>
-            <a:ln>
-              <a:noFill/>
-            </a:ln>
-          </p:spPr>
-          <p:style>
-            <a:lnRef idx="2">
-              <a:schemeClr val="accent1">
-                <a:shade val="50000"/>
-              </a:schemeClr>
-            </a:lnRef>
-            <a:fillRef idx="1">
-              <a:schemeClr val="accent1"/>
-            </a:fillRef>
-            <a:effectRef idx="0">
-              <a:schemeClr val="accent1"/>
-            </a:effectRef>
-            <a:fontRef idx="minor">
-              <a:schemeClr val="lt1"/>
-            </a:fontRef>
-          </p:style>
-          <p:txBody>
-            <a:bodyPr rot="0" spcFirstLastPara="0" vertOverflow="overflow" horzOverflow="overflow" vert="horz" wrap="square" lIns="91440" tIns="45720" rIns="91440" bIns="45720" numCol="1" spcCol="0" rtlCol="0" fromWordArt="0" anchor="ctr" anchorCtr="0" forceAA="0" compatLnSpc="1">
-              <a:noAutofit/>
-            </a:bodyPr>
-            <a:lstStyle/>
-            <a:p>
-              <a:pPr algn="ctr"/>
-              <a:endParaRPr lang="zh-CN" altLang="en-US"/>
-            </a:p>
-          </p:txBody>
-        </p:sp>
-      </p:grpSp>
-      <p:grpSp>
-        <p:nvGrpSpPr>
-          <p:cNvPr id="24" name="组合 23"/>
-          <p:cNvGrpSpPr/>
-          <p:nvPr/>
-        </p:nvGrpSpPr>
-        <p:grpSpPr>
-          <a:xfrm>
-            <a:off x="6586098" y="5110409"/>
-            <a:ext cx="2300757" cy="509896"/>
-            <a:chOff x="888096" y="1000203"/>
-            <a:chExt cx="4259825" cy="944066"/>
-          </a:xfrm>
-        </p:grpSpPr>
-        <p:sp>
-          <p:nvSpPr>
-            <p:cNvPr id="25" name="矩形 24"/>
-            <p:cNvSpPr/>
-            <p:nvPr/>
-          </p:nvSpPr>
-          <p:spPr>
-            <a:xfrm>
-              <a:off x="911225" y="1045634"/>
-              <a:ext cx="4199467" cy="872066"/>
-            </a:xfrm>
-            <a:prstGeom prst="rect">
-              <a:avLst/>
-            </a:prstGeom>
-            <a:noFill/>
-            <a:ln>
-              <a:solidFill>
-                <a:schemeClr val="bg1">
-                  <a:lumMod val="75000"/>
-                </a:schemeClr>
-              </a:solidFill>
-            </a:ln>
-          </p:spPr>
-          <p:style>
-            <a:lnRef idx="2">
-              <a:schemeClr val="accent1">
-                <a:shade val="50000"/>
-              </a:schemeClr>
-            </a:lnRef>
-            <a:fillRef idx="1">
-              <a:schemeClr val="accent1"/>
-            </a:fillRef>
-            <a:effectRef idx="0">
-              <a:schemeClr val="accent1"/>
-            </a:effectRef>
-            <a:fontRef idx="minor">
-              <a:schemeClr val="lt1"/>
-            </a:fontRef>
-          </p:style>
-          <p:txBody>
-            <a:bodyPr rot="0" spcFirstLastPara="0" vertOverflow="overflow" horzOverflow="overflow" vert="horz" wrap="square" lIns="91440" tIns="45720" rIns="91440" bIns="45720" numCol="1" spcCol="0" rtlCol="0" fromWordArt="0" anchor="ctr" anchorCtr="0" forceAA="0" compatLnSpc="1">
-              <a:noAutofit/>
-            </a:bodyPr>
-            <a:lstStyle/>
-            <a:p>
-              <a:pPr algn="ctr"/>
-              <a:endParaRPr lang="zh-CN" altLang="en-US"/>
-            </a:p>
-          </p:txBody>
-        </p:sp>
-        <p:sp>
-          <p:nvSpPr>
-            <p:cNvPr id="26" name="椭圆 25"/>
-            <p:cNvSpPr/>
-            <p:nvPr/>
-          </p:nvSpPr>
-          <p:spPr>
-            <a:xfrm>
-              <a:off x="888096" y="1000203"/>
-              <a:ext cx="72000" cy="72000"/>
-            </a:xfrm>
-            <a:prstGeom prst="ellipse">
-              <a:avLst/>
-            </a:prstGeom>
-            <a:solidFill>
-              <a:schemeClr val="tx1">
-                <a:lumMod val="65000"/>
-                <a:lumOff val="35000"/>
-              </a:schemeClr>
-            </a:solidFill>
-            <a:ln>
-              <a:noFill/>
-            </a:ln>
-          </p:spPr>
-          <p:style>
-            <a:lnRef idx="2">
-              <a:schemeClr val="accent1">
-                <a:shade val="50000"/>
-              </a:schemeClr>
-            </a:lnRef>
-            <a:fillRef idx="1">
-              <a:schemeClr val="accent1"/>
-            </a:fillRef>
-            <a:effectRef idx="0">
-              <a:schemeClr val="accent1"/>
-            </a:effectRef>
-            <a:fontRef idx="minor">
-              <a:schemeClr val="lt1"/>
-            </a:fontRef>
-          </p:style>
-          <p:txBody>
-            <a:bodyPr rot="0" spcFirstLastPara="0" vertOverflow="overflow" horzOverflow="overflow" vert="horz" wrap="square" lIns="91440" tIns="45720" rIns="91440" bIns="45720" numCol="1" spcCol="0" rtlCol="0" fromWordArt="0" anchor="ctr" anchorCtr="0" forceAA="0" compatLnSpc="1">
-              <a:noAutofit/>
-            </a:bodyPr>
-            <a:lstStyle/>
-            <a:p>
-              <a:pPr algn="ctr"/>
-              <a:endParaRPr lang="zh-CN" altLang="en-US"/>
-            </a:p>
-          </p:txBody>
-        </p:sp>
-        <p:sp>
-          <p:nvSpPr>
-            <p:cNvPr id="27" name="椭圆 26"/>
-            <p:cNvSpPr/>
-            <p:nvPr/>
-          </p:nvSpPr>
-          <p:spPr>
-            <a:xfrm>
-              <a:off x="888096" y="1872269"/>
-              <a:ext cx="72000" cy="72000"/>
-            </a:xfrm>
-            <a:prstGeom prst="ellipse">
-              <a:avLst/>
-            </a:prstGeom>
-            <a:solidFill>
-              <a:schemeClr val="tx1">
-                <a:lumMod val="65000"/>
-                <a:lumOff val="35000"/>
-              </a:schemeClr>
-            </a:solidFill>
-            <a:ln>
-              <a:noFill/>
-            </a:ln>
-          </p:spPr>
-          <p:style>
-            <a:lnRef idx="2">
-              <a:schemeClr val="accent1">
-                <a:shade val="50000"/>
-              </a:schemeClr>
-            </a:lnRef>
-            <a:fillRef idx="1">
-              <a:schemeClr val="accent1"/>
-            </a:fillRef>
-            <a:effectRef idx="0">
-              <a:schemeClr val="accent1"/>
-            </a:effectRef>
-            <a:fontRef idx="minor">
-              <a:schemeClr val="lt1"/>
-            </a:fontRef>
-          </p:style>
-          <p:txBody>
-            <a:bodyPr rot="0" spcFirstLastPara="0" vertOverflow="overflow" horzOverflow="overflow" vert="horz" wrap="square" lIns="91440" tIns="45720" rIns="91440" bIns="45720" numCol="1" spcCol="0" rtlCol="0" fromWordArt="0" anchor="ctr" anchorCtr="0" forceAA="0" compatLnSpc="1">
-              <a:noAutofit/>
-            </a:bodyPr>
-            <a:lstStyle/>
-            <a:p>
-              <a:pPr algn="ctr"/>
-              <a:endParaRPr lang="zh-CN" altLang="en-US"/>
-            </a:p>
-          </p:txBody>
-        </p:sp>
-        <p:sp>
-          <p:nvSpPr>
-            <p:cNvPr id="28" name="椭圆 27"/>
-            <p:cNvSpPr/>
-            <p:nvPr/>
-          </p:nvSpPr>
-          <p:spPr>
-            <a:xfrm>
-              <a:off x="5075921" y="1872269"/>
-              <a:ext cx="72000" cy="72000"/>
-            </a:xfrm>
-            <a:prstGeom prst="ellipse">
-              <a:avLst/>
-            </a:prstGeom>
-            <a:solidFill>
-              <a:schemeClr val="tx1">
-                <a:lumMod val="65000"/>
-                <a:lumOff val="35000"/>
-              </a:schemeClr>
-            </a:solidFill>
-            <a:ln>
-              <a:noFill/>
-            </a:ln>
-          </p:spPr>
-          <p:style>
-            <a:lnRef idx="2">
-              <a:schemeClr val="accent1">
-                <a:shade val="50000"/>
-              </a:schemeClr>
-            </a:lnRef>
-            <a:fillRef idx="1">
-              <a:schemeClr val="accent1"/>
-            </a:fillRef>
-            <a:effectRef idx="0">
-              <a:schemeClr val="accent1"/>
-            </a:effectRef>
-            <a:fontRef idx="minor">
-              <a:schemeClr val="lt1"/>
-            </a:fontRef>
-          </p:style>
-          <p:txBody>
-            <a:bodyPr rot="0" spcFirstLastPara="0" vertOverflow="overflow" horzOverflow="overflow" vert="horz" wrap="square" lIns="91440" tIns="45720" rIns="91440" bIns="45720" numCol="1" spcCol="0" rtlCol="0" fromWordArt="0" anchor="ctr" anchorCtr="0" forceAA="0" compatLnSpc="1">
-              <a:noAutofit/>
-            </a:bodyPr>
-            <a:lstStyle/>
-            <a:p>
-              <a:pPr algn="ctr"/>
-              <a:endParaRPr lang="zh-CN" altLang="en-US"/>
-            </a:p>
-          </p:txBody>
-        </p:sp>
-        <p:sp>
-          <p:nvSpPr>
-            <p:cNvPr id="29" name="椭圆 28"/>
-            <p:cNvSpPr/>
-            <p:nvPr/>
-          </p:nvSpPr>
-          <p:spPr>
-            <a:xfrm>
-              <a:off x="5074692" y="1009634"/>
-              <a:ext cx="72000" cy="72000"/>
-            </a:xfrm>
-            <a:prstGeom prst="ellipse">
-              <a:avLst/>
-            </a:prstGeom>
-            <a:solidFill>
-              <a:schemeClr val="tx1">
-                <a:lumMod val="65000"/>
-                <a:lumOff val="35000"/>
-              </a:schemeClr>
-            </a:solidFill>
-            <a:ln>
-              <a:noFill/>
-            </a:ln>
-          </p:spPr>
-          <p:style>
-            <a:lnRef idx="2">
-              <a:schemeClr val="accent1">
-                <a:shade val="50000"/>
-              </a:schemeClr>
-            </a:lnRef>
-            <a:fillRef idx="1">
-              <a:schemeClr val="accent1"/>
-            </a:fillRef>
-            <a:effectRef idx="0">
-              <a:schemeClr val="accent1"/>
-            </a:effectRef>
-            <a:fontRef idx="minor">
-              <a:schemeClr val="lt1"/>
-            </a:fontRef>
-          </p:style>
-          <p:txBody>
-            <a:bodyPr rot="0" spcFirstLastPara="0" vertOverflow="overflow" horzOverflow="overflow" vert="horz" wrap="square" lIns="91440" tIns="45720" rIns="91440" bIns="45720" numCol="1" spcCol="0" rtlCol="0" fromWordArt="0" anchor="ctr" anchorCtr="0" forceAA="0" compatLnSpc="1">
-              <a:noAutofit/>
-            </a:bodyPr>
-            <a:lstStyle/>
-            <a:p>
-              <a:pPr algn="ctr"/>
-              <a:endParaRPr lang="zh-CN" altLang="en-US"/>
-            </a:p>
-          </p:txBody>
-        </p:sp>
-      </p:grpSp>
-      <p:grpSp>
-        <p:nvGrpSpPr>
-          <p:cNvPr id="30" name="组合 29"/>
-          <p:cNvGrpSpPr/>
-          <p:nvPr/>
-        </p:nvGrpSpPr>
-        <p:grpSpPr>
-          <a:xfrm>
-            <a:off x="9170759" y="3730979"/>
-            <a:ext cx="2300757" cy="509896"/>
-            <a:chOff x="888096" y="1000203"/>
-            <a:chExt cx="4259825" cy="944066"/>
-          </a:xfrm>
-        </p:grpSpPr>
-        <p:sp>
-          <p:nvSpPr>
-            <p:cNvPr id="31" name="矩形 30"/>
-            <p:cNvSpPr/>
-            <p:nvPr/>
-          </p:nvSpPr>
-          <p:spPr>
-            <a:xfrm>
-              <a:off x="911225" y="1045634"/>
-              <a:ext cx="4199467" cy="872066"/>
-            </a:xfrm>
-            <a:prstGeom prst="rect">
-              <a:avLst/>
-            </a:prstGeom>
-            <a:noFill/>
-            <a:ln>
-              <a:solidFill>
-                <a:schemeClr val="bg1">
-                  <a:lumMod val="75000"/>
-                </a:schemeClr>
-              </a:solidFill>
-            </a:ln>
-          </p:spPr>
-          <p:style>
-            <a:lnRef idx="2">
-              <a:schemeClr val="accent1">
-                <a:shade val="50000"/>
-              </a:schemeClr>
-            </a:lnRef>
-            <a:fillRef idx="1">
-              <a:schemeClr val="accent1"/>
-            </a:fillRef>
-            <a:effectRef idx="0">
-              <a:schemeClr val="accent1"/>
-            </a:effectRef>
-            <a:fontRef idx="minor">
-              <a:schemeClr val="lt1"/>
-            </a:fontRef>
-          </p:style>
-          <p:txBody>
-            <a:bodyPr rot="0" spcFirstLastPara="0" vertOverflow="overflow" horzOverflow="overflow" vert="horz" wrap="square" lIns="91440" tIns="45720" rIns="91440" bIns="45720" numCol="1" spcCol="0" rtlCol="0" fromWordArt="0" anchor="ctr" anchorCtr="0" forceAA="0" compatLnSpc="1">
-              <a:noAutofit/>
-            </a:bodyPr>
-            <a:lstStyle/>
-            <a:p>
-              <a:pPr algn="ctr"/>
-              <a:endParaRPr lang="zh-CN" altLang="en-US"/>
-            </a:p>
-          </p:txBody>
-        </p:sp>
-        <p:sp>
-          <p:nvSpPr>
-            <p:cNvPr id="32" name="椭圆 31"/>
-            <p:cNvSpPr/>
-            <p:nvPr/>
-          </p:nvSpPr>
-          <p:spPr>
-            <a:xfrm>
-              <a:off x="888096" y="1000203"/>
-              <a:ext cx="72000" cy="72000"/>
-            </a:xfrm>
-            <a:prstGeom prst="ellipse">
-              <a:avLst/>
-            </a:prstGeom>
-            <a:solidFill>
-              <a:schemeClr val="tx1">
-                <a:lumMod val="65000"/>
-                <a:lumOff val="35000"/>
-              </a:schemeClr>
-            </a:solidFill>
-            <a:ln>
-              <a:noFill/>
-            </a:ln>
-          </p:spPr>
-          <p:style>
-            <a:lnRef idx="2">
-              <a:schemeClr val="accent1">
-                <a:shade val="50000"/>
-              </a:schemeClr>
-            </a:lnRef>
-            <a:fillRef idx="1">
-              <a:schemeClr val="accent1"/>
-            </a:fillRef>
-            <a:effectRef idx="0">
-              <a:schemeClr val="accent1"/>
-            </a:effectRef>
-            <a:fontRef idx="minor">
-              <a:schemeClr val="lt1"/>
-            </a:fontRef>
-          </p:style>
-          <p:txBody>
-            <a:bodyPr rot="0" spcFirstLastPara="0" vertOverflow="overflow" horzOverflow="overflow" vert="horz" wrap="square" lIns="91440" tIns="45720" rIns="91440" bIns="45720" numCol="1" spcCol="0" rtlCol="0" fromWordArt="0" anchor="ctr" anchorCtr="0" forceAA="0" compatLnSpc="1">
-              <a:noAutofit/>
-            </a:bodyPr>
-            <a:lstStyle/>
-            <a:p>
-              <a:pPr algn="ctr"/>
-              <a:endParaRPr lang="zh-CN" altLang="en-US"/>
-            </a:p>
-          </p:txBody>
-        </p:sp>
-        <p:sp>
-          <p:nvSpPr>
-            <p:cNvPr id="33" name="椭圆 32"/>
-            <p:cNvSpPr/>
-            <p:nvPr/>
-          </p:nvSpPr>
-          <p:spPr>
-            <a:xfrm>
-              <a:off x="888096" y="1872269"/>
-              <a:ext cx="72000" cy="72000"/>
-            </a:xfrm>
-            <a:prstGeom prst="ellipse">
-              <a:avLst/>
-            </a:prstGeom>
-            <a:solidFill>
-              <a:schemeClr val="tx1">
-                <a:lumMod val="65000"/>
-                <a:lumOff val="35000"/>
-              </a:schemeClr>
-            </a:solidFill>
-            <a:ln>
-              <a:noFill/>
-            </a:ln>
-          </p:spPr>
-          <p:style>
-            <a:lnRef idx="2">
-              <a:schemeClr val="accent1">
-                <a:shade val="50000"/>
-              </a:schemeClr>
-            </a:lnRef>
-            <a:fillRef idx="1">
-              <a:schemeClr val="accent1"/>
-            </a:fillRef>
-            <a:effectRef idx="0">
-              <a:schemeClr val="accent1"/>
-            </a:effectRef>
-            <a:fontRef idx="minor">
-              <a:schemeClr val="lt1"/>
-            </a:fontRef>
-          </p:style>
-          <p:txBody>
-            <a:bodyPr rot="0" spcFirstLastPara="0" vertOverflow="overflow" horzOverflow="overflow" vert="horz" wrap="square" lIns="91440" tIns="45720" rIns="91440" bIns="45720" numCol="1" spcCol="0" rtlCol="0" fromWordArt="0" anchor="ctr" anchorCtr="0" forceAA="0" compatLnSpc="1">
-              <a:noAutofit/>
-            </a:bodyPr>
-            <a:lstStyle/>
-            <a:p>
-              <a:pPr algn="ctr"/>
-              <a:endParaRPr lang="zh-CN" altLang="en-US"/>
-            </a:p>
-          </p:txBody>
-        </p:sp>
-        <p:sp>
-          <p:nvSpPr>
-            <p:cNvPr id="34" name="椭圆 33"/>
-            <p:cNvSpPr/>
-            <p:nvPr/>
-          </p:nvSpPr>
-          <p:spPr>
-            <a:xfrm>
-              <a:off x="5075921" y="1872269"/>
-              <a:ext cx="72000" cy="72000"/>
-            </a:xfrm>
-            <a:prstGeom prst="ellipse">
-              <a:avLst/>
-            </a:prstGeom>
-            <a:solidFill>
-              <a:schemeClr val="tx1">
-                <a:lumMod val="65000"/>
-                <a:lumOff val="35000"/>
-              </a:schemeClr>
-            </a:solidFill>
-            <a:ln>
-              <a:noFill/>
-            </a:ln>
-          </p:spPr>
-          <p:style>
-            <a:lnRef idx="2">
-              <a:schemeClr val="accent1">
-                <a:shade val="50000"/>
-              </a:schemeClr>
-            </a:lnRef>
-            <a:fillRef idx="1">
-              <a:schemeClr val="accent1"/>
-            </a:fillRef>
-            <a:effectRef idx="0">
-              <a:schemeClr val="accent1"/>
-            </a:effectRef>
-            <a:fontRef idx="minor">
-              <a:schemeClr val="lt1"/>
-            </a:fontRef>
-          </p:style>
-          <p:txBody>
-            <a:bodyPr rot="0" spcFirstLastPara="0" vertOverflow="overflow" horzOverflow="overflow" vert="horz" wrap="square" lIns="91440" tIns="45720" rIns="91440" bIns="45720" numCol="1" spcCol="0" rtlCol="0" fromWordArt="0" anchor="ctr" anchorCtr="0" forceAA="0" compatLnSpc="1">
-              <a:noAutofit/>
-            </a:bodyPr>
-            <a:lstStyle/>
-            <a:p>
-              <a:pPr algn="ctr"/>
-              <a:endParaRPr lang="zh-CN" altLang="en-US"/>
-            </a:p>
-          </p:txBody>
-        </p:sp>
-        <p:sp>
-          <p:nvSpPr>
-            <p:cNvPr id="35" name="椭圆 34"/>
-            <p:cNvSpPr/>
-            <p:nvPr/>
-          </p:nvSpPr>
-          <p:spPr>
-            <a:xfrm>
-              <a:off x="5074692" y="1009634"/>
-              <a:ext cx="72000" cy="72000"/>
-            </a:xfrm>
-            <a:prstGeom prst="ellipse">
-              <a:avLst/>
-            </a:prstGeom>
-            <a:solidFill>
-              <a:schemeClr val="tx1">
-                <a:lumMod val="65000"/>
-                <a:lumOff val="35000"/>
-              </a:schemeClr>
-            </a:solidFill>
-            <a:ln>
-              <a:noFill/>
-            </a:ln>
-          </p:spPr>
-          <p:style>
-            <a:lnRef idx="2">
-              <a:schemeClr val="accent1">
-                <a:shade val="50000"/>
-              </a:schemeClr>
-            </a:lnRef>
-            <a:fillRef idx="1">
-              <a:schemeClr val="accent1"/>
-            </a:fillRef>
-            <a:effectRef idx="0">
-              <a:schemeClr val="accent1"/>
-            </a:effectRef>
-            <a:fontRef idx="minor">
-              <a:schemeClr val="lt1"/>
-            </a:fontRef>
-          </p:style>
-          <p:txBody>
-            <a:bodyPr rot="0" spcFirstLastPara="0" vertOverflow="overflow" horzOverflow="overflow" vert="horz" wrap="square" lIns="91440" tIns="45720" rIns="91440" bIns="45720" numCol="1" spcCol="0" rtlCol="0" fromWordArt="0" anchor="ctr" anchorCtr="0" forceAA="0" compatLnSpc="1">
-              <a:noAutofit/>
-            </a:bodyPr>
-            <a:lstStyle/>
-            <a:p>
-              <a:pPr algn="ctr"/>
-              <a:endParaRPr lang="zh-CN" altLang="en-US"/>
-            </a:p>
-          </p:txBody>
-        </p:sp>
-      </p:grpSp>
-      <p:grpSp>
-        <p:nvGrpSpPr>
-          <p:cNvPr id="36" name="组合 35"/>
-          <p:cNvGrpSpPr/>
-          <p:nvPr/>
-        </p:nvGrpSpPr>
-        <p:grpSpPr>
-          <a:xfrm>
-            <a:off x="9170759" y="2810194"/>
-            <a:ext cx="2300757" cy="509896"/>
-            <a:chOff x="888096" y="1000203"/>
-            <a:chExt cx="4259825" cy="944066"/>
-          </a:xfrm>
-        </p:grpSpPr>
-        <p:sp>
-          <p:nvSpPr>
-            <p:cNvPr id="37" name="矩形 36"/>
-            <p:cNvSpPr/>
-            <p:nvPr/>
-          </p:nvSpPr>
-          <p:spPr>
-            <a:xfrm>
-              <a:off x="911225" y="1045634"/>
-              <a:ext cx="4199467" cy="872066"/>
-            </a:xfrm>
-            <a:prstGeom prst="rect">
-              <a:avLst/>
-            </a:prstGeom>
-            <a:noFill/>
-            <a:ln>
-              <a:solidFill>
-                <a:schemeClr val="bg1">
-                  <a:lumMod val="75000"/>
-                </a:schemeClr>
-              </a:solidFill>
-            </a:ln>
-          </p:spPr>
-          <p:style>
-            <a:lnRef idx="2">
-              <a:schemeClr val="accent1">
-                <a:shade val="50000"/>
-              </a:schemeClr>
-            </a:lnRef>
-            <a:fillRef idx="1">
-              <a:schemeClr val="accent1"/>
-            </a:fillRef>
-            <a:effectRef idx="0">
-              <a:schemeClr val="accent1"/>
-            </a:effectRef>
-            <a:fontRef idx="minor">
-              <a:schemeClr val="lt1"/>
-            </a:fontRef>
-          </p:style>
-          <p:txBody>
-            <a:bodyPr rot="0" spcFirstLastPara="0" vertOverflow="overflow" horzOverflow="overflow" vert="horz" wrap="square" lIns="91440" tIns="45720" rIns="91440" bIns="45720" numCol="1" spcCol="0" rtlCol="0" fromWordArt="0" anchor="ctr" anchorCtr="0" forceAA="0" compatLnSpc="1">
-              <a:noAutofit/>
-            </a:bodyPr>
-            <a:lstStyle/>
-            <a:p>
-              <a:pPr algn="ctr"/>
-              <a:endParaRPr lang="zh-CN" altLang="en-US"/>
-            </a:p>
-          </p:txBody>
-        </p:sp>
-        <p:sp>
-          <p:nvSpPr>
-            <p:cNvPr id="38" name="椭圆 37"/>
-            <p:cNvSpPr/>
-            <p:nvPr/>
-          </p:nvSpPr>
-          <p:spPr>
-            <a:xfrm>
-              <a:off x="888096" y="1000203"/>
-              <a:ext cx="72000" cy="72000"/>
-            </a:xfrm>
-            <a:prstGeom prst="ellipse">
-              <a:avLst/>
-            </a:prstGeom>
-            <a:solidFill>
-              <a:schemeClr val="tx1">
-                <a:lumMod val="65000"/>
-                <a:lumOff val="35000"/>
-              </a:schemeClr>
-            </a:solidFill>
-            <a:ln>
-              <a:noFill/>
-            </a:ln>
-          </p:spPr>
-          <p:style>
-            <a:lnRef idx="2">
-              <a:schemeClr val="accent1">
-                <a:shade val="50000"/>
-              </a:schemeClr>
-            </a:lnRef>
-            <a:fillRef idx="1">
-              <a:schemeClr val="accent1"/>
-            </a:fillRef>
-            <a:effectRef idx="0">
-              <a:schemeClr val="accent1"/>
-            </a:effectRef>
-            <a:fontRef idx="minor">
-              <a:schemeClr val="lt1"/>
-            </a:fontRef>
-          </p:style>
-          <p:txBody>
-            <a:bodyPr rot="0" spcFirstLastPara="0" vertOverflow="overflow" horzOverflow="overflow" vert="horz" wrap="square" lIns="91440" tIns="45720" rIns="91440" bIns="45720" numCol="1" spcCol="0" rtlCol="0" fromWordArt="0" anchor="ctr" anchorCtr="0" forceAA="0" compatLnSpc="1">
-              <a:noAutofit/>
-            </a:bodyPr>
-            <a:lstStyle/>
-            <a:p>
-              <a:pPr algn="ctr"/>
-              <a:endParaRPr lang="zh-CN" altLang="en-US"/>
-            </a:p>
-          </p:txBody>
-        </p:sp>
-        <p:sp>
-          <p:nvSpPr>
-            <p:cNvPr id="39" name="椭圆 38"/>
-            <p:cNvSpPr/>
-            <p:nvPr/>
-          </p:nvSpPr>
-          <p:spPr>
-            <a:xfrm>
-              <a:off x="888096" y="1872269"/>
-              <a:ext cx="72000" cy="72000"/>
-            </a:xfrm>
-            <a:prstGeom prst="ellipse">
-              <a:avLst/>
-            </a:prstGeom>
-            <a:solidFill>
-              <a:schemeClr val="tx1">
-                <a:lumMod val="65000"/>
-                <a:lumOff val="35000"/>
-              </a:schemeClr>
-            </a:solidFill>
-            <a:ln>
-              <a:noFill/>
-            </a:ln>
-          </p:spPr>
-          <p:style>
-            <a:lnRef idx="2">
-              <a:schemeClr val="accent1">
-                <a:shade val="50000"/>
-              </a:schemeClr>
-            </a:lnRef>
-            <a:fillRef idx="1">
-              <a:schemeClr val="accent1"/>
-            </a:fillRef>
-            <a:effectRef idx="0">
-              <a:schemeClr val="accent1"/>
-            </a:effectRef>
-            <a:fontRef idx="minor">
-              <a:schemeClr val="lt1"/>
-            </a:fontRef>
-          </p:style>
-          <p:txBody>
-            <a:bodyPr rot="0" spcFirstLastPara="0" vertOverflow="overflow" horzOverflow="overflow" vert="horz" wrap="square" lIns="91440" tIns="45720" rIns="91440" bIns="45720" numCol="1" spcCol="0" rtlCol="0" fromWordArt="0" anchor="ctr" anchorCtr="0" forceAA="0" compatLnSpc="1">
-              <a:noAutofit/>
-            </a:bodyPr>
-            <a:lstStyle/>
-            <a:p>
-              <a:pPr algn="ctr"/>
-              <a:endParaRPr lang="zh-CN" altLang="en-US"/>
-            </a:p>
-          </p:txBody>
-        </p:sp>
-        <p:sp>
-          <p:nvSpPr>
-            <p:cNvPr id="40" name="椭圆 39"/>
-            <p:cNvSpPr/>
-            <p:nvPr/>
-          </p:nvSpPr>
-          <p:spPr>
-            <a:xfrm>
-              <a:off x="5075921" y="1872269"/>
-              <a:ext cx="72000" cy="72000"/>
-            </a:xfrm>
-            <a:prstGeom prst="ellipse">
-              <a:avLst/>
-            </a:prstGeom>
-            <a:solidFill>
-              <a:schemeClr val="tx1">
-                <a:lumMod val="65000"/>
-                <a:lumOff val="35000"/>
-              </a:schemeClr>
-            </a:solidFill>
-            <a:ln>
-              <a:noFill/>
-            </a:ln>
-          </p:spPr>
-          <p:style>
-            <a:lnRef idx="2">
-              <a:schemeClr val="accent1">
-                <a:shade val="50000"/>
-              </a:schemeClr>
-            </a:lnRef>
-            <a:fillRef idx="1">
-              <a:schemeClr val="accent1"/>
-            </a:fillRef>
-            <a:effectRef idx="0">
-              <a:schemeClr val="accent1"/>
-            </a:effectRef>
-            <a:fontRef idx="minor">
-              <a:schemeClr val="lt1"/>
-            </a:fontRef>
-          </p:style>
-          <p:txBody>
-            <a:bodyPr rot="0" spcFirstLastPara="0" vertOverflow="overflow" horzOverflow="overflow" vert="horz" wrap="square" lIns="91440" tIns="45720" rIns="91440" bIns="45720" numCol="1" spcCol="0" rtlCol="0" fromWordArt="0" anchor="ctr" anchorCtr="0" forceAA="0" compatLnSpc="1">
-              <a:noAutofit/>
-            </a:bodyPr>
-            <a:lstStyle/>
-            <a:p>
-              <a:pPr algn="ctr"/>
-              <a:endParaRPr lang="zh-CN" altLang="en-US"/>
-            </a:p>
-          </p:txBody>
-        </p:sp>
-        <p:sp>
-          <p:nvSpPr>
-            <p:cNvPr id="41" name="椭圆 40"/>
-            <p:cNvSpPr/>
-            <p:nvPr/>
-          </p:nvSpPr>
-          <p:spPr>
-            <a:xfrm>
-              <a:off x="5074692" y="1009634"/>
-              <a:ext cx="72000" cy="72000"/>
-            </a:xfrm>
-            <a:prstGeom prst="ellipse">
-              <a:avLst/>
-            </a:prstGeom>
-            <a:solidFill>
-              <a:schemeClr val="tx1">
-                <a:lumMod val="65000"/>
-                <a:lumOff val="35000"/>
-              </a:schemeClr>
-            </a:solidFill>
-            <a:ln>
-              <a:noFill/>
-            </a:ln>
-          </p:spPr>
-          <p:style>
-            <a:lnRef idx="2">
-              <a:schemeClr val="accent1">
-                <a:shade val="50000"/>
-              </a:schemeClr>
-            </a:lnRef>
-            <a:fillRef idx="1">
-              <a:schemeClr val="accent1"/>
-            </a:fillRef>
-            <a:effectRef idx="0">
-              <a:schemeClr val="accent1"/>
-            </a:effectRef>
-            <a:fontRef idx="minor">
-              <a:schemeClr val="lt1"/>
-            </a:fontRef>
-          </p:style>
-          <p:txBody>
-            <a:bodyPr rot="0" spcFirstLastPara="0" vertOverflow="overflow" horzOverflow="overflow" vert="horz" wrap="square" lIns="91440" tIns="45720" rIns="91440" bIns="45720" numCol="1" spcCol="0" rtlCol="0" fromWordArt="0" anchor="ctr" anchorCtr="0" forceAA="0" compatLnSpc="1">
-              <a:noAutofit/>
-            </a:bodyPr>
-            <a:lstStyle/>
-            <a:p>
-              <a:pPr algn="ctr"/>
-              <a:endParaRPr lang="zh-CN" altLang="en-US"/>
-            </a:p>
-          </p:txBody>
-        </p:sp>
-      </p:grpSp>
-      <p:grpSp>
-        <p:nvGrpSpPr>
-          <p:cNvPr id="54" name="组合 53"/>
-          <p:cNvGrpSpPr/>
-          <p:nvPr/>
-        </p:nvGrpSpPr>
-        <p:grpSpPr>
-          <a:xfrm>
-            <a:off x="9165554" y="5571818"/>
-            <a:ext cx="2300757" cy="509896"/>
-            <a:chOff x="888096" y="1000203"/>
-            <a:chExt cx="4259825" cy="944066"/>
-          </a:xfrm>
-        </p:grpSpPr>
-        <p:sp>
-          <p:nvSpPr>
-            <p:cNvPr id="55" name="矩形 54"/>
-            <p:cNvSpPr/>
-            <p:nvPr/>
-          </p:nvSpPr>
-          <p:spPr>
-            <a:xfrm>
-              <a:off x="911225" y="1045634"/>
-              <a:ext cx="4199467" cy="872066"/>
-            </a:xfrm>
-            <a:prstGeom prst="rect">
-              <a:avLst/>
-            </a:prstGeom>
-            <a:noFill/>
-            <a:ln>
-              <a:solidFill>
-                <a:schemeClr val="bg1">
-                  <a:lumMod val="75000"/>
-                </a:schemeClr>
-              </a:solidFill>
-            </a:ln>
-          </p:spPr>
-          <p:style>
-            <a:lnRef idx="2">
-              <a:schemeClr val="accent1">
-                <a:shade val="50000"/>
-              </a:schemeClr>
-            </a:lnRef>
-            <a:fillRef idx="1">
-              <a:schemeClr val="accent1"/>
-            </a:fillRef>
-            <a:effectRef idx="0">
-              <a:schemeClr val="accent1"/>
-            </a:effectRef>
-            <a:fontRef idx="minor">
-              <a:schemeClr val="lt1"/>
-            </a:fontRef>
-          </p:style>
-          <p:txBody>
-            <a:bodyPr rot="0" spcFirstLastPara="0" vertOverflow="overflow" horzOverflow="overflow" vert="horz" wrap="square" lIns="91440" tIns="45720" rIns="91440" bIns="45720" numCol="1" spcCol="0" rtlCol="0" fromWordArt="0" anchor="ctr" anchorCtr="0" forceAA="0" compatLnSpc="1">
-              <a:noAutofit/>
-            </a:bodyPr>
-            <a:lstStyle/>
-            <a:p>
-              <a:pPr algn="ctr"/>
-              <a:endParaRPr lang="zh-CN" altLang="en-US"/>
-            </a:p>
-          </p:txBody>
-        </p:sp>
-        <p:sp>
-          <p:nvSpPr>
-            <p:cNvPr id="56" name="椭圆 55"/>
-            <p:cNvSpPr/>
-            <p:nvPr/>
-          </p:nvSpPr>
-          <p:spPr>
-            <a:xfrm>
-              <a:off x="888096" y="1000203"/>
-              <a:ext cx="72000" cy="72000"/>
-            </a:xfrm>
-            <a:prstGeom prst="ellipse">
-              <a:avLst/>
-            </a:prstGeom>
-            <a:solidFill>
-              <a:schemeClr val="tx1">
-                <a:lumMod val="65000"/>
-                <a:lumOff val="35000"/>
-              </a:schemeClr>
-            </a:solidFill>
-            <a:ln>
-              <a:noFill/>
-            </a:ln>
-          </p:spPr>
-          <p:style>
-            <a:lnRef idx="2">
-              <a:schemeClr val="accent1">
-                <a:shade val="50000"/>
-              </a:schemeClr>
-            </a:lnRef>
-            <a:fillRef idx="1">
-              <a:schemeClr val="accent1"/>
-            </a:fillRef>
-            <a:effectRef idx="0">
-              <a:schemeClr val="accent1"/>
-            </a:effectRef>
-            <a:fontRef idx="minor">
-              <a:schemeClr val="lt1"/>
-            </a:fontRef>
-          </p:style>
-          <p:txBody>
-            <a:bodyPr rot="0" spcFirstLastPara="0" vertOverflow="overflow" horzOverflow="overflow" vert="horz" wrap="square" lIns="91440" tIns="45720" rIns="91440" bIns="45720" numCol="1" spcCol="0" rtlCol="0" fromWordArt="0" anchor="ctr" anchorCtr="0" forceAA="0" compatLnSpc="1">
-              <a:noAutofit/>
-            </a:bodyPr>
-            <a:lstStyle/>
-            <a:p>
-              <a:pPr algn="ctr"/>
-              <a:endParaRPr lang="zh-CN" altLang="en-US"/>
-            </a:p>
-          </p:txBody>
-        </p:sp>
-        <p:sp>
-          <p:nvSpPr>
-            <p:cNvPr id="57" name="椭圆 56"/>
-            <p:cNvSpPr/>
-            <p:nvPr/>
-          </p:nvSpPr>
-          <p:spPr>
-            <a:xfrm>
-              <a:off x="888096" y="1872269"/>
-              <a:ext cx="72000" cy="72000"/>
-            </a:xfrm>
-            <a:prstGeom prst="ellipse">
-              <a:avLst/>
-            </a:prstGeom>
-            <a:solidFill>
-              <a:schemeClr val="tx1">
-                <a:lumMod val="65000"/>
-                <a:lumOff val="35000"/>
-              </a:schemeClr>
-            </a:solidFill>
-            <a:ln>
-              <a:noFill/>
-            </a:ln>
-          </p:spPr>
-          <p:style>
-            <a:lnRef idx="2">
-              <a:schemeClr val="accent1">
-                <a:shade val="50000"/>
-              </a:schemeClr>
-            </a:lnRef>
-            <a:fillRef idx="1">
-              <a:schemeClr val="accent1"/>
-            </a:fillRef>
-            <a:effectRef idx="0">
-              <a:schemeClr val="accent1"/>
-            </a:effectRef>
-            <a:fontRef idx="minor">
-              <a:schemeClr val="lt1"/>
-            </a:fontRef>
-          </p:style>
-          <p:txBody>
-            <a:bodyPr rot="0" spcFirstLastPara="0" vertOverflow="overflow" horzOverflow="overflow" vert="horz" wrap="square" lIns="91440" tIns="45720" rIns="91440" bIns="45720" numCol="1" spcCol="0" rtlCol="0" fromWordArt="0" anchor="ctr" anchorCtr="0" forceAA="0" compatLnSpc="1">
-              <a:noAutofit/>
-            </a:bodyPr>
-            <a:lstStyle/>
-            <a:p>
-              <a:pPr algn="ctr"/>
-              <a:endParaRPr lang="zh-CN" altLang="en-US"/>
-            </a:p>
-          </p:txBody>
-        </p:sp>
-        <p:sp>
-          <p:nvSpPr>
-            <p:cNvPr id="58" name="椭圆 57"/>
-            <p:cNvSpPr/>
-            <p:nvPr/>
-          </p:nvSpPr>
-          <p:spPr>
-            <a:xfrm>
-              <a:off x="5075921" y="1872269"/>
-              <a:ext cx="72000" cy="72000"/>
-            </a:xfrm>
-            <a:prstGeom prst="ellipse">
-              <a:avLst/>
-            </a:prstGeom>
-            <a:solidFill>
-              <a:schemeClr val="tx1">
-                <a:lumMod val="65000"/>
-                <a:lumOff val="35000"/>
-              </a:schemeClr>
-            </a:solidFill>
-            <a:ln>
-              <a:noFill/>
-            </a:ln>
-          </p:spPr>
-          <p:style>
-            <a:lnRef idx="2">
-              <a:schemeClr val="accent1">
-                <a:shade val="50000"/>
-              </a:schemeClr>
-            </a:lnRef>
-            <a:fillRef idx="1">
-              <a:schemeClr val="accent1"/>
-            </a:fillRef>
-            <a:effectRef idx="0">
-              <a:schemeClr val="accent1"/>
-            </a:effectRef>
-            <a:fontRef idx="minor">
-              <a:schemeClr val="lt1"/>
-            </a:fontRef>
-          </p:style>
-          <p:txBody>
-            <a:bodyPr rot="0" spcFirstLastPara="0" vertOverflow="overflow" horzOverflow="overflow" vert="horz" wrap="square" lIns="91440" tIns="45720" rIns="91440" bIns="45720" numCol="1" spcCol="0" rtlCol="0" fromWordArt="0" anchor="ctr" anchorCtr="0" forceAA="0" compatLnSpc="1">
-              <a:noAutofit/>
-            </a:bodyPr>
-            <a:lstStyle/>
-            <a:p>
-              <a:pPr algn="ctr"/>
-              <a:endParaRPr lang="zh-CN" altLang="en-US"/>
-            </a:p>
-          </p:txBody>
-        </p:sp>
-        <p:sp>
-          <p:nvSpPr>
-            <p:cNvPr id="59" name="椭圆 58"/>
-            <p:cNvSpPr/>
-            <p:nvPr/>
-          </p:nvSpPr>
-          <p:spPr>
-            <a:xfrm>
-              <a:off x="5074692" y="1009634"/>
-              <a:ext cx="72000" cy="72000"/>
-            </a:xfrm>
-            <a:prstGeom prst="ellipse">
-              <a:avLst/>
-            </a:prstGeom>
-            <a:solidFill>
-              <a:schemeClr val="tx1">
-                <a:lumMod val="65000"/>
-                <a:lumOff val="35000"/>
-              </a:schemeClr>
-            </a:solidFill>
-            <a:ln>
-              <a:noFill/>
-            </a:ln>
-          </p:spPr>
-          <p:style>
-            <a:lnRef idx="2">
-              <a:schemeClr val="accent1">
-                <a:shade val="50000"/>
-              </a:schemeClr>
-            </a:lnRef>
-            <a:fillRef idx="1">
-              <a:schemeClr val="accent1"/>
-            </a:fillRef>
-            <a:effectRef idx="0">
-              <a:schemeClr val="accent1"/>
-            </a:effectRef>
-            <a:fontRef idx="minor">
-              <a:schemeClr val="lt1"/>
-            </a:fontRef>
-          </p:style>
-          <p:txBody>
-            <a:bodyPr rot="0" spcFirstLastPara="0" vertOverflow="overflow" horzOverflow="overflow" vert="horz" wrap="square" lIns="91440" tIns="45720" rIns="91440" bIns="45720" numCol="1" spcCol="0" rtlCol="0" fromWordArt="0" anchor="ctr" anchorCtr="0" forceAA="0" compatLnSpc="1">
-              <a:noAutofit/>
-            </a:bodyPr>
-            <a:lstStyle/>
-            <a:p>
-              <a:pPr algn="ctr"/>
-              <a:endParaRPr lang="zh-CN" altLang="en-US"/>
-            </a:p>
-          </p:txBody>
-        </p:sp>
-      </p:grpSp>
-      <p:grpSp>
-        <p:nvGrpSpPr>
-          <p:cNvPr id="60" name="组合 59"/>
-          <p:cNvGrpSpPr/>
-          <p:nvPr/>
-        </p:nvGrpSpPr>
-        <p:grpSpPr>
-          <a:xfrm>
-            <a:off x="9165554" y="4651033"/>
-            <a:ext cx="2300757" cy="509896"/>
-            <a:chOff x="888096" y="1000203"/>
-            <a:chExt cx="4259825" cy="944066"/>
-          </a:xfrm>
-        </p:grpSpPr>
-        <p:sp>
-          <p:nvSpPr>
-            <p:cNvPr id="61" name="矩形 60"/>
-            <p:cNvSpPr/>
-            <p:nvPr/>
-          </p:nvSpPr>
-          <p:spPr>
-            <a:xfrm>
-              <a:off x="911225" y="1045634"/>
-              <a:ext cx="4199467" cy="872066"/>
-            </a:xfrm>
-            <a:prstGeom prst="rect">
-              <a:avLst/>
-            </a:prstGeom>
-            <a:noFill/>
-            <a:ln>
-              <a:solidFill>
-                <a:schemeClr val="bg1">
-                  <a:lumMod val="75000"/>
-                </a:schemeClr>
-              </a:solidFill>
-            </a:ln>
-          </p:spPr>
-          <p:style>
-            <a:lnRef idx="2">
-              <a:schemeClr val="accent1">
-                <a:shade val="50000"/>
-              </a:schemeClr>
-            </a:lnRef>
-            <a:fillRef idx="1">
-              <a:schemeClr val="accent1"/>
-            </a:fillRef>
-            <a:effectRef idx="0">
-              <a:schemeClr val="accent1"/>
-            </a:effectRef>
-            <a:fontRef idx="minor">
-              <a:schemeClr val="lt1"/>
-            </a:fontRef>
-          </p:style>
-          <p:txBody>
-            <a:bodyPr rot="0" spcFirstLastPara="0" vertOverflow="overflow" horzOverflow="overflow" vert="horz" wrap="square" lIns="91440" tIns="45720" rIns="91440" bIns="45720" numCol="1" spcCol="0" rtlCol="0" fromWordArt="0" anchor="ctr" anchorCtr="0" forceAA="0" compatLnSpc="1">
-              <a:noAutofit/>
-            </a:bodyPr>
-            <a:lstStyle/>
-            <a:p>
-              <a:pPr algn="ctr"/>
-              <a:endParaRPr lang="zh-CN" altLang="en-US"/>
-            </a:p>
-          </p:txBody>
-        </p:sp>
-        <p:sp>
-          <p:nvSpPr>
-            <p:cNvPr id="62" name="椭圆 61"/>
-            <p:cNvSpPr/>
-            <p:nvPr/>
-          </p:nvSpPr>
-          <p:spPr>
-            <a:xfrm>
-              <a:off x="888096" y="1000203"/>
-              <a:ext cx="72000" cy="72000"/>
-            </a:xfrm>
-            <a:prstGeom prst="ellipse">
-              <a:avLst/>
-            </a:prstGeom>
-            <a:solidFill>
-              <a:schemeClr val="tx1">
-                <a:lumMod val="65000"/>
-                <a:lumOff val="35000"/>
-              </a:schemeClr>
-            </a:solidFill>
-            <a:ln>
-              <a:noFill/>
-            </a:ln>
-          </p:spPr>
-          <p:style>
-            <a:lnRef idx="2">
-              <a:schemeClr val="accent1">
-                <a:shade val="50000"/>
-              </a:schemeClr>
-            </a:lnRef>
-            <a:fillRef idx="1">
-              <a:schemeClr val="accent1"/>
-            </a:fillRef>
-            <a:effectRef idx="0">
-              <a:schemeClr val="accent1"/>
-            </a:effectRef>
-            <a:fontRef idx="minor">
-              <a:schemeClr val="lt1"/>
-            </a:fontRef>
-          </p:style>
-          <p:txBody>
-            <a:bodyPr rot="0" spcFirstLastPara="0" vertOverflow="overflow" horzOverflow="overflow" vert="horz" wrap="square" lIns="91440" tIns="45720" rIns="91440" bIns="45720" numCol="1" spcCol="0" rtlCol="0" fromWordArt="0" anchor="ctr" anchorCtr="0" forceAA="0" compatLnSpc="1">
-              <a:noAutofit/>
-            </a:bodyPr>
-            <a:lstStyle/>
-            <a:p>
-              <a:pPr algn="ctr"/>
-              <a:endParaRPr lang="zh-CN" altLang="en-US"/>
-            </a:p>
-          </p:txBody>
-        </p:sp>
-        <p:sp>
-          <p:nvSpPr>
-            <p:cNvPr id="63" name="椭圆 62"/>
-            <p:cNvSpPr/>
-            <p:nvPr/>
-          </p:nvSpPr>
-          <p:spPr>
-            <a:xfrm>
-              <a:off x="888096" y="1872269"/>
-              <a:ext cx="72000" cy="72000"/>
-            </a:xfrm>
-            <a:prstGeom prst="ellipse">
-              <a:avLst/>
-            </a:prstGeom>
-            <a:solidFill>
-              <a:schemeClr val="tx1">
-                <a:lumMod val="65000"/>
-                <a:lumOff val="35000"/>
-              </a:schemeClr>
-            </a:solidFill>
-            <a:ln>
-              <a:noFill/>
-            </a:ln>
-          </p:spPr>
-          <p:style>
-            <a:lnRef idx="2">
-              <a:schemeClr val="accent1">
-                <a:shade val="50000"/>
-              </a:schemeClr>
-            </a:lnRef>
-            <a:fillRef idx="1">
-              <a:schemeClr val="accent1"/>
-            </a:fillRef>
-            <a:effectRef idx="0">
-              <a:schemeClr val="accent1"/>
-            </a:effectRef>
-            <a:fontRef idx="minor">
-              <a:schemeClr val="lt1"/>
-            </a:fontRef>
-          </p:style>
-          <p:txBody>
-            <a:bodyPr rot="0" spcFirstLastPara="0" vertOverflow="overflow" horzOverflow="overflow" vert="horz" wrap="square" lIns="91440" tIns="45720" rIns="91440" bIns="45720" numCol="1" spcCol="0" rtlCol="0" fromWordArt="0" anchor="ctr" anchorCtr="0" forceAA="0" compatLnSpc="1">
-              <a:noAutofit/>
-            </a:bodyPr>
-            <a:lstStyle/>
-            <a:p>
-              <a:pPr algn="ctr"/>
-              <a:endParaRPr lang="zh-CN" altLang="en-US"/>
-            </a:p>
-          </p:txBody>
-        </p:sp>
-        <p:sp>
-          <p:nvSpPr>
-            <p:cNvPr id="64" name="椭圆 63"/>
-            <p:cNvSpPr/>
-            <p:nvPr/>
-          </p:nvSpPr>
-          <p:spPr>
-            <a:xfrm>
-              <a:off x="5075921" y="1872269"/>
-              <a:ext cx="72000" cy="72000"/>
-            </a:xfrm>
-            <a:prstGeom prst="ellipse">
-              <a:avLst/>
-            </a:prstGeom>
-            <a:solidFill>
-              <a:schemeClr val="tx1">
-                <a:lumMod val="65000"/>
-                <a:lumOff val="35000"/>
-              </a:schemeClr>
-            </a:solidFill>
-            <a:ln>
-              <a:noFill/>
-            </a:ln>
-          </p:spPr>
-          <p:style>
-            <a:lnRef idx="2">
-              <a:schemeClr val="accent1">
-                <a:shade val="50000"/>
-              </a:schemeClr>
-            </a:lnRef>
-            <a:fillRef idx="1">
-              <a:schemeClr val="accent1"/>
-            </a:fillRef>
-            <a:effectRef idx="0">
-              <a:schemeClr val="accent1"/>
-            </a:effectRef>
-            <a:fontRef idx="minor">
-              <a:schemeClr val="lt1"/>
-            </a:fontRef>
-          </p:style>
-          <p:txBody>
-            <a:bodyPr rot="0" spcFirstLastPara="0" vertOverflow="overflow" horzOverflow="overflow" vert="horz" wrap="square" lIns="91440" tIns="45720" rIns="91440" bIns="45720" numCol="1" spcCol="0" rtlCol="0" fromWordArt="0" anchor="ctr" anchorCtr="0" forceAA="0" compatLnSpc="1">
-              <a:noAutofit/>
-            </a:bodyPr>
-            <a:lstStyle/>
-            <a:p>
-              <a:pPr algn="ctr"/>
-              <a:endParaRPr lang="zh-CN" altLang="en-US"/>
-            </a:p>
-          </p:txBody>
-        </p:sp>
-        <p:sp>
-          <p:nvSpPr>
-            <p:cNvPr id="65" name="椭圆 64"/>
-            <p:cNvSpPr/>
-            <p:nvPr/>
-          </p:nvSpPr>
-          <p:spPr>
-            <a:xfrm>
-              <a:off x="5074692" y="1009634"/>
-              <a:ext cx="72000" cy="72000"/>
-            </a:xfrm>
-            <a:prstGeom prst="ellipse">
-              <a:avLst/>
-            </a:prstGeom>
-            <a:solidFill>
-              <a:schemeClr val="tx1">
-                <a:lumMod val="65000"/>
-                <a:lumOff val="35000"/>
-              </a:schemeClr>
-            </a:solidFill>
-            <a:ln>
-              <a:noFill/>
-            </a:ln>
-          </p:spPr>
-          <p:style>
-            <a:lnRef idx="2">
-              <a:schemeClr val="accent1">
-                <a:shade val="50000"/>
-              </a:schemeClr>
-            </a:lnRef>
-            <a:fillRef idx="1">
-              <a:schemeClr val="accent1"/>
-            </a:fillRef>
-            <a:effectRef idx="0">
-              <a:schemeClr val="accent1"/>
-            </a:effectRef>
-            <a:fontRef idx="minor">
-              <a:schemeClr val="lt1"/>
-            </a:fontRef>
-          </p:style>
-          <p:txBody>
-            <a:bodyPr rot="0" spcFirstLastPara="0" vertOverflow="overflow" horzOverflow="overflow" vert="horz" wrap="square" lIns="91440" tIns="45720" rIns="91440" bIns="45720" numCol="1" spcCol="0" rtlCol="0" fromWordArt="0" anchor="ctr" anchorCtr="0" forceAA="0" compatLnSpc="1">
-              <a:noAutofit/>
-            </a:bodyPr>
-            <a:lstStyle/>
-            <a:p>
-              <a:pPr algn="ctr"/>
-              <a:endParaRPr lang="zh-CN" altLang="en-US"/>
-            </a:p>
-          </p:txBody>
-        </p:sp>
-      </p:grpSp>
-      <p:cxnSp>
-        <p:nvCxnSpPr>
-          <p:cNvPr id="67" name="直接连接符 66"/>
-          <p:cNvCxnSpPr>
-            <a:stCxn id="7" idx="3"/>
-          </p:cNvCxnSpPr>
-          <p:nvPr/>
-        </p:nvCxnSpPr>
+        </p:nvPicPr>
+        <p:blipFill>
+          <a:blip r:embed="rId3">
+            <a:extLst>
+              <a:ext uri="{28A0092B-C50C-407E-A947-70E740481C1C}">
+                <a14:useLocalDpi xmlns:a14="http://schemas.microsoft.com/office/drawing/2010/main" val="0"/>
+              </a:ext>
+            </a:extLst>
+          </a:blip>
+          <a:stretch>
+            <a:fillRect/>
+          </a:stretch>
+        </p:blipFill>
         <p:spPr>
           <a:xfrm>
-            <a:off x="6253146" y="4448250"/>
-            <a:ext cx="177847" cy="0"/>
-          </a:xfrm>
-          <a:prstGeom prst="line">
-            <a:avLst/>
-          </a:prstGeom>
-          <a:ln>
-            <a:solidFill>
-              <a:schemeClr val="bg1">
-                <a:lumMod val="65000"/>
-              </a:schemeClr>
-            </a:solidFill>
-          </a:ln>
-        </p:spPr>
-        <p:style>
-          <a:lnRef idx="1">
-            <a:schemeClr val="accent1"/>
-          </a:lnRef>
-          <a:fillRef idx="0">
-            <a:schemeClr val="accent1"/>
-          </a:fillRef>
-          <a:effectRef idx="0">
-            <a:schemeClr val="accent1"/>
-          </a:effectRef>
-          <a:fontRef idx="minor">
-            <a:schemeClr val="tx1"/>
-          </a:fontRef>
-        </p:style>
-      </p:cxnSp>
-      <p:cxnSp>
-        <p:nvCxnSpPr>
-          <p:cNvPr id="70" name="直接连接符 69"/>
-          <p:cNvCxnSpPr/>
-          <p:nvPr/>
-        </p:nvCxnSpPr>
-        <p:spPr>
-          <a:xfrm>
-            <a:off x="6420743" y="4448250"/>
-            <a:ext cx="177847" cy="0"/>
-          </a:xfrm>
-          <a:prstGeom prst="line">
-            <a:avLst/>
-          </a:prstGeom>
-          <a:ln>
-            <a:solidFill>
-              <a:schemeClr val="bg1">
-                <a:lumMod val="65000"/>
-              </a:schemeClr>
-            </a:solidFill>
-          </a:ln>
-        </p:spPr>
-        <p:style>
-          <a:lnRef idx="1">
-            <a:schemeClr val="accent1"/>
-          </a:lnRef>
-          <a:fillRef idx="0">
-            <a:schemeClr val="accent1"/>
-          </a:fillRef>
-          <a:effectRef idx="0">
-            <a:schemeClr val="accent1"/>
-          </a:effectRef>
-          <a:fontRef idx="minor">
-            <a:schemeClr val="tx1"/>
-          </a:fontRef>
-        </p:style>
-      </p:cxnSp>
-      <p:cxnSp>
-        <p:nvCxnSpPr>
-          <p:cNvPr id="72" name="直接连接符 71"/>
-          <p:cNvCxnSpPr/>
-          <p:nvPr/>
-        </p:nvCxnSpPr>
-        <p:spPr>
-          <a:xfrm>
-            <a:off x="6420743" y="3524325"/>
-            <a:ext cx="0" cy="1847850"/>
-          </a:xfrm>
-          <a:prstGeom prst="line">
-            <a:avLst/>
-          </a:prstGeom>
-          <a:ln>
-            <a:solidFill>
-              <a:schemeClr val="bg1">
-                <a:lumMod val="75000"/>
-              </a:schemeClr>
-            </a:solidFill>
-          </a:ln>
-        </p:spPr>
-        <p:style>
-          <a:lnRef idx="1">
-            <a:schemeClr val="accent1"/>
-          </a:lnRef>
-          <a:fillRef idx="0">
-            <a:schemeClr val="accent1"/>
-          </a:fillRef>
-          <a:effectRef idx="0">
-            <a:schemeClr val="accent1"/>
-          </a:effectRef>
-          <a:fontRef idx="minor">
-            <a:schemeClr val="tx1"/>
-          </a:fontRef>
-        </p:style>
-      </p:cxnSp>
-      <p:cxnSp>
-        <p:nvCxnSpPr>
-          <p:cNvPr id="73" name="直接连接符 72"/>
-          <p:cNvCxnSpPr/>
-          <p:nvPr/>
-        </p:nvCxnSpPr>
-        <p:spPr>
-          <a:xfrm>
-            <a:off x="6420743" y="3524325"/>
-            <a:ext cx="177847" cy="0"/>
-          </a:xfrm>
-          <a:prstGeom prst="line">
-            <a:avLst/>
-          </a:prstGeom>
-          <a:ln>
-            <a:solidFill>
-              <a:schemeClr val="bg1">
-                <a:lumMod val="65000"/>
-              </a:schemeClr>
-            </a:solidFill>
-          </a:ln>
-        </p:spPr>
-        <p:style>
-          <a:lnRef idx="1">
-            <a:schemeClr val="accent1"/>
-          </a:lnRef>
-          <a:fillRef idx="0">
-            <a:schemeClr val="accent1"/>
-          </a:fillRef>
-          <a:effectRef idx="0">
-            <a:schemeClr val="accent1"/>
-          </a:effectRef>
-          <a:fontRef idx="minor">
-            <a:schemeClr val="tx1"/>
-          </a:fontRef>
-        </p:style>
-      </p:cxnSp>
-      <p:cxnSp>
-        <p:nvCxnSpPr>
-          <p:cNvPr id="74" name="直接连接符 73"/>
-          <p:cNvCxnSpPr/>
-          <p:nvPr/>
-        </p:nvCxnSpPr>
-        <p:spPr>
-          <a:xfrm>
-            <a:off x="6420743" y="5372175"/>
-            <a:ext cx="177847" cy="0"/>
-          </a:xfrm>
-          <a:prstGeom prst="line">
-            <a:avLst/>
-          </a:prstGeom>
-          <a:ln>
-            <a:solidFill>
-              <a:schemeClr val="bg1">
-                <a:lumMod val="65000"/>
-              </a:schemeClr>
-            </a:solidFill>
-          </a:ln>
-        </p:spPr>
-        <p:style>
-          <a:lnRef idx="1">
-            <a:schemeClr val="accent1"/>
-          </a:lnRef>
-          <a:fillRef idx="0">
-            <a:schemeClr val="accent1"/>
-          </a:fillRef>
-          <a:effectRef idx="0">
-            <a:schemeClr val="accent1"/>
-          </a:effectRef>
-          <a:fontRef idx="minor">
-            <a:schemeClr val="tx1"/>
-          </a:fontRef>
-        </p:style>
-      </p:cxnSp>
-      <p:cxnSp>
-        <p:nvCxnSpPr>
-          <p:cNvPr id="77" name="直接连接符 76"/>
-          <p:cNvCxnSpPr/>
-          <p:nvPr/>
-        </p:nvCxnSpPr>
-        <p:spPr>
-          <a:xfrm>
-            <a:off x="8992912" y="3081204"/>
-            <a:ext cx="0" cy="923925"/>
-          </a:xfrm>
-          <a:prstGeom prst="line">
-            <a:avLst/>
-          </a:prstGeom>
-          <a:ln>
-            <a:solidFill>
-              <a:schemeClr val="bg1">
-                <a:lumMod val="75000"/>
-              </a:schemeClr>
-            </a:solidFill>
-          </a:ln>
-        </p:spPr>
-        <p:style>
-          <a:lnRef idx="1">
-            <a:schemeClr val="accent1"/>
-          </a:lnRef>
-          <a:fillRef idx="0">
-            <a:schemeClr val="accent1"/>
-          </a:fillRef>
-          <a:effectRef idx="0">
-            <a:schemeClr val="accent1"/>
-          </a:effectRef>
-          <a:fontRef idx="minor">
-            <a:schemeClr val="tx1"/>
-          </a:fontRef>
-        </p:style>
-      </p:cxnSp>
-      <p:cxnSp>
-        <p:nvCxnSpPr>
-          <p:cNvPr id="79" name="直接连接符 78"/>
-          <p:cNvCxnSpPr/>
-          <p:nvPr/>
-        </p:nvCxnSpPr>
-        <p:spPr>
-          <a:xfrm>
-            <a:off x="8992912" y="4005129"/>
-            <a:ext cx="177847" cy="0"/>
-          </a:xfrm>
-          <a:prstGeom prst="line">
-            <a:avLst/>
-          </a:prstGeom>
-          <a:ln>
-            <a:solidFill>
-              <a:schemeClr val="bg1">
-                <a:lumMod val="65000"/>
-              </a:schemeClr>
-            </a:solidFill>
-          </a:ln>
-        </p:spPr>
-        <p:style>
-          <a:lnRef idx="1">
-            <a:schemeClr val="accent1"/>
-          </a:lnRef>
-          <a:fillRef idx="0">
-            <a:schemeClr val="accent1"/>
-          </a:fillRef>
-          <a:effectRef idx="0">
-            <a:schemeClr val="accent1"/>
-          </a:effectRef>
-          <a:fontRef idx="minor">
-            <a:schemeClr val="tx1"/>
-          </a:fontRef>
-        </p:style>
-      </p:cxnSp>
-      <p:cxnSp>
-        <p:nvCxnSpPr>
-          <p:cNvPr id="80" name="直接连接符 79"/>
-          <p:cNvCxnSpPr/>
-          <p:nvPr/>
-        </p:nvCxnSpPr>
-        <p:spPr>
-          <a:xfrm>
-            <a:off x="8992912" y="3081204"/>
-            <a:ext cx="177847" cy="0"/>
-          </a:xfrm>
-          <a:prstGeom prst="line">
-            <a:avLst/>
-          </a:prstGeom>
-          <a:ln>
-            <a:solidFill>
-              <a:schemeClr val="bg1">
-                <a:lumMod val="65000"/>
-              </a:schemeClr>
-            </a:solidFill>
-          </a:ln>
-        </p:spPr>
-        <p:style>
-          <a:lnRef idx="1">
-            <a:schemeClr val="accent1"/>
-          </a:lnRef>
-          <a:fillRef idx="0">
-            <a:schemeClr val="accent1"/>
-          </a:fillRef>
-          <a:effectRef idx="0">
-            <a:schemeClr val="accent1"/>
-          </a:effectRef>
-          <a:fontRef idx="minor">
-            <a:schemeClr val="tx1"/>
-          </a:fontRef>
-        </p:style>
-      </p:cxnSp>
-      <p:cxnSp>
-        <p:nvCxnSpPr>
-          <p:cNvPr id="86" name="直接连接符 85"/>
-          <p:cNvCxnSpPr/>
-          <p:nvPr/>
-        </p:nvCxnSpPr>
-        <p:spPr>
-          <a:xfrm>
-            <a:off x="8992912" y="4899844"/>
-            <a:ext cx="0" cy="923925"/>
-          </a:xfrm>
-          <a:prstGeom prst="line">
-            <a:avLst/>
-          </a:prstGeom>
-          <a:ln>
-            <a:solidFill>
-              <a:schemeClr val="bg1">
-                <a:lumMod val="75000"/>
-              </a:schemeClr>
-            </a:solidFill>
-          </a:ln>
-        </p:spPr>
-        <p:style>
-          <a:lnRef idx="1">
-            <a:schemeClr val="accent1"/>
-          </a:lnRef>
-          <a:fillRef idx="0">
-            <a:schemeClr val="accent1"/>
-          </a:fillRef>
-          <a:effectRef idx="0">
-            <a:schemeClr val="accent1"/>
-          </a:effectRef>
-          <a:fontRef idx="minor">
-            <a:schemeClr val="tx1"/>
-          </a:fontRef>
-        </p:style>
-      </p:cxnSp>
-      <p:cxnSp>
-        <p:nvCxnSpPr>
-          <p:cNvPr id="87" name="直接连接符 86"/>
-          <p:cNvCxnSpPr/>
-          <p:nvPr/>
-        </p:nvCxnSpPr>
-        <p:spPr>
-          <a:xfrm>
-            <a:off x="8992912" y="5823769"/>
-            <a:ext cx="177847" cy="0"/>
-          </a:xfrm>
-          <a:prstGeom prst="line">
-            <a:avLst/>
-          </a:prstGeom>
-          <a:ln>
-            <a:solidFill>
-              <a:schemeClr val="bg1">
-                <a:lumMod val="65000"/>
-              </a:schemeClr>
-            </a:solidFill>
-          </a:ln>
-        </p:spPr>
-        <p:style>
-          <a:lnRef idx="1">
-            <a:schemeClr val="accent1"/>
-          </a:lnRef>
-          <a:fillRef idx="0">
-            <a:schemeClr val="accent1"/>
-          </a:fillRef>
-          <a:effectRef idx="0">
-            <a:schemeClr val="accent1"/>
-          </a:effectRef>
-          <a:fontRef idx="minor">
-            <a:schemeClr val="tx1"/>
-          </a:fontRef>
-        </p:style>
-      </p:cxnSp>
-      <p:cxnSp>
-        <p:nvCxnSpPr>
-          <p:cNvPr id="88" name="直接连接符 87"/>
-          <p:cNvCxnSpPr/>
-          <p:nvPr/>
-        </p:nvCxnSpPr>
-        <p:spPr>
-          <a:xfrm>
-            <a:off x="8992912" y="4899844"/>
-            <a:ext cx="177847" cy="0"/>
-          </a:xfrm>
-          <a:prstGeom prst="line">
-            <a:avLst/>
-          </a:prstGeom>
-          <a:ln>
-            <a:solidFill>
-              <a:schemeClr val="bg1">
-                <a:lumMod val="65000"/>
-              </a:schemeClr>
-            </a:solidFill>
-          </a:ln>
-        </p:spPr>
-        <p:style>
-          <a:lnRef idx="1">
-            <a:schemeClr val="accent1"/>
-          </a:lnRef>
-          <a:fillRef idx="0">
-            <a:schemeClr val="accent1"/>
-          </a:fillRef>
-          <a:effectRef idx="0">
-            <a:schemeClr val="accent1"/>
-          </a:effectRef>
-          <a:fontRef idx="minor">
-            <a:schemeClr val="tx1"/>
-          </a:fontRef>
-        </p:style>
-      </p:cxnSp>
-      <p:cxnSp>
-        <p:nvCxnSpPr>
-          <p:cNvPr id="89" name="直接连接符 88"/>
-          <p:cNvCxnSpPr/>
-          <p:nvPr/>
-        </p:nvCxnSpPr>
-        <p:spPr>
-          <a:xfrm>
-            <a:off x="8866747" y="3533180"/>
-            <a:ext cx="126165" cy="0"/>
-          </a:xfrm>
-          <a:prstGeom prst="line">
-            <a:avLst/>
-          </a:prstGeom>
-          <a:ln>
-            <a:solidFill>
-              <a:schemeClr val="bg1">
-                <a:lumMod val="65000"/>
-              </a:schemeClr>
-            </a:solidFill>
-          </a:ln>
-        </p:spPr>
-        <p:style>
-          <a:lnRef idx="1">
-            <a:schemeClr val="accent1"/>
-          </a:lnRef>
-          <a:fillRef idx="0">
-            <a:schemeClr val="accent1"/>
-          </a:fillRef>
-          <a:effectRef idx="0">
-            <a:schemeClr val="accent1"/>
-          </a:effectRef>
-          <a:fontRef idx="minor">
-            <a:schemeClr val="tx1"/>
-          </a:fontRef>
-        </p:style>
-      </p:cxnSp>
-      <p:cxnSp>
-        <p:nvCxnSpPr>
-          <p:cNvPr id="91" name="直接连接符 90"/>
-          <p:cNvCxnSpPr/>
-          <p:nvPr/>
-        </p:nvCxnSpPr>
-        <p:spPr>
-          <a:xfrm>
-            <a:off x="8866747" y="5372175"/>
-            <a:ext cx="126165" cy="0"/>
-          </a:xfrm>
-          <a:prstGeom prst="line">
-            <a:avLst/>
-          </a:prstGeom>
-          <a:ln>
-            <a:solidFill>
-              <a:schemeClr val="bg1">
-                <a:lumMod val="65000"/>
-              </a:schemeClr>
-            </a:solidFill>
-          </a:ln>
-        </p:spPr>
-        <p:style>
-          <a:lnRef idx="1">
-            <a:schemeClr val="accent1"/>
-          </a:lnRef>
-          <a:fillRef idx="0">
-            <a:schemeClr val="accent1"/>
-          </a:fillRef>
-          <a:effectRef idx="0">
-            <a:schemeClr val="accent1"/>
-          </a:effectRef>
-          <a:fontRef idx="minor">
-            <a:schemeClr val="tx1"/>
-          </a:fontRef>
-        </p:style>
-      </p:cxnSp>
-      <p:sp>
-        <p:nvSpPr>
-          <p:cNvPr id="92" name="矩形 91"/>
-          <p:cNvSpPr/>
-          <p:nvPr/>
-        </p:nvSpPr>
-        <p:spPr>
-          <a:xfrm>
-            <a:off x="4103404" y="4267250"/>
-            <a:ext cx="2031325" cy="369332"/>
+            <a:off x="1210588" y="4000522"/>
+            <a:ext cx="1517186" cy="1517186"/>
           </a:xfrm>
           <a:prstGeom prst="rect">
             <a:avLst/>
           </a:prstGeom>
         </p:spPr>
-        <p:txBody>
-          <a:bodyPr wrap="none">
-            <a:spAutoFit/>
-          </a:bodyPr>
-          <a:lstStyle/>
-          <a:p>
-            <a:r>
-              <a:rPr lang="zh-CN" altLang="en-US" dirty="0"/>
-              <a:t>点击此处添加标题</a:t>
-            </a:r>
-          </a:p>
-        </p:txBody>
-      </p:sp>
-      <p:sp>
-        <p:nvSpPr>
-          <p:cNvPr id="93" name="矩形 92"/>
-          <p:cNvSpPr/>
+      </p:pic>
+      <p:pic>
+        <p:nvPicPr>
+          <p:cNvPr id="4" name="图片 3"/>
+          <p:cNvPicPr>
+            <a:picLocks noChangeAspect="1"/>
+          </p:cNvPicPr>
           <p:nvPr/>
-        </p:nvSpPr>
+        </p:nvPicPr>
+        <p:blipFill>
+          <a:blip r:embed="rId4">
+            <a:extLst>
+              <a:ext uri="{28A0092B-C50C-407E-A947-70E740481C1C}">
+                <a14:useLocalDpi xmlns:a14="http://schemas.microsoft.com/office/drawing/2010/main" val="0"/>
+              </a:ext>
+            </a:extLst>
+          </a:blip>
+          <a:stretch>
+            <a:fillRect/>
+          </a:stretch>
+        </p:blipFill>
         <p:spPr>
           <a:xfrm>
-            <a:off x="6717006" y="4267250"/>
-            <a:ext cx="2031325" cy="369332"/>
+            <a:off x="4209691" y="4052038"/>
+            <a:ext cx="2947534" cy="1803830"/>
           </a:xfrm>
           <a:prstGeom prst="rect">
             <a:avLst/>
           </a:prstGeom>
         </p:spPr>
-        <p:txBody>
-          <a:bodyPr wrap="none">
-            <a:spAutoFit/>
-          </a:bodyPr>
-          <a:lstStyle/>
-          <a:p>
-            <a:r>
-              <a:rPr lang="zh-CN" altLang="en-US" dirty="0"/>
-              <a:t>点击此处添加标题</a:t>
-            </a:r>
-          </a:p>
-        </p:txBody>
-      </p:sp>
-      <p:sp>
-        <p:nvSpPr>
-          <p:cNvPr id="94" name="矩形 93"/>
-          <p:cNvSpPr/>
+      </p:pic>
+      <p:pic>
+        <p:nvPicPr>
+          <p:cNvPr id="40" name="图片 39"/>
+          <p:cNvPicPr>
+            <a:picLocks noChangeAspect="1"/>
+          </p:cNvPicPr>
           <p:nvPr/>
-        </p:nvSpPr>
+        </p:nvPicPr>
+        <p:blipFill>
+          <a:blip r:embed="rId5">
+            <a:extLst>
+              <a:ext uri="{28A0092B-C50C-407E-A947-70E740481C1C}">
+                <a14:useLocalDpi xmlns:a14="http://schemas.microsoft.com/office/drawing/2010/main" val="0"/>
+              </a:ext>
+            </a:extLst>
+          </a:blip>
+          <a:stretch>
+            <a:fillRect/>
+          </a:stretch>
+        </p:blipFill>
         <p:spPr>
           <a:xfrm>
-            <a:off x="6717006" y="3348514"/>
-            <a:ext cx="2031325" cy="369332"/>
+            <a:off x="7996039" y="4235918"/>
+            <a:ext cx="3682254" cy="1905566"/>
           </a:xfrm>
           <a:prstGeom prst="rect">
             <a:avLst/>
           </a:prstGeom>
         </p:spPr>
+      </p:pic>
+      <p:sp>
+        <p:nvSpPr>
+          <p:cNvPr id="41" name="文本框 40"/>
+          <p:cNvSpPr txBox="1"/>
+          <p:nvPr/>
+        </p:nvSpPr>
+        <p:spPr>
+          <a:xfrm>
+            <a:off x="1446038" y="5517708"/>
+            <a:ext cx="1046285" cy="478927"/>
+          </a:xfrm>
+          <a:prstGeom prst="rect">
+            <a:avLst/>
+          </a:prstGeom>
+          <a:noFill/>
+        </p:spPr>
         <p:txBody>
-          <a:bodyPr wrap="none">
+          <a:bodyPr wrap="square" rtlCol="0">
             <a:spAutoFit/>
           </a:bodyPr>
           <a:lstStyle/>
           <a:p>
             <a:r>
-              <a:rPr lang="zh-CN" altLang="en-US" dirty="0"/>
-              <a:t>点击此处添加标题</a:t>
-            </a:r>
+              <a:rPr lang="en-US" altLang="zh-CN" sz="2400" spc="300" dirty="0" smtClean="0">
+                <a:solidFill>
+                  <a:srgbClr val="1296DB"/>
+                </a:solidFill>
+                <a:latin typeface="微软雅黑 Light" panose="020B0502040204020203" pitchFamily="34" charset="-122"/>
+                <a:ea typeface="微软雅黑 Light" panose="020B0502040204020203" pitchFamily="34" charset="-122"/>
+              </a:rPr>
+              <a:t>ionic</a:t>
+            </a:r>
+            <a:endParaRPr lang="zh-CN" altLang="en-US" sz="2400" spc="300" dirty="0">
+              <a:solidFill>
+                <a:srgbClr val="1296DB"/>
+              </a:solidFill>
+              <a:latin typeface="微软雅黑 Light" panose="020B0502040204020203" pitchFamily="34" charset="-122"/>
+              <a:ea typeface="微软雅黑 Light" panose="020B0502040204020203" pitchFamily="34" charset="-122"/>
+            </a:endParaRPr>
           </a:p>
         </p:txBody>
       </p:sp>
-      <p:sp>
-        <p:nvSpPr>
-          <p:cNvPr id="95" name="矩形 94"/>
-          <p:cNvSpPr/>
+      <p:pic>
+        <p:nvPicPr>
+          <p:cNvPr id="42" name="图片 41"/>
+          <p:cNvPicPr>
+            <a:picLocks noChangeAspect="1"/>
+          </p:cNvPicPr>
           <p:nvPr/>
-        </p:nvSpPr>
+        </p:nvPicPr>
+        <p:blipFill>
+          <a:blip r:embed="rId6">
+            <a:extLst>
+              <a:ext uri="{28A0092B-C50C-407E-A947-70E740481C1C}">
+                <a14:useLocalDpi xmlns:a14="http://schemas.microsoft.com/office/drawing/2010/main" val="0"/>
+              </a:ext>
+            </a:extLst>
+          </a:blip>
+          <a:stretch>
+            <a:fillRect/>
+          </a:stretch>
+        </p:blipFill>
         <p:spPr>
           <a:xfrm>
-            <a:off x="6717006" y="5187509"/>
-            <a:ext cx="2031325" cy="369332"/>
+            <a:off x="889820" y="1062317"/>
+            <a:ext cx="2330282" cy="2616574"/>
           </a:xfrm>
           <a:prstGeom prst="rect">
             <a:avLst/>
           </a:prstGeom>
         </p:spPr>
-        <p:txBody>
-          <a:bodyPr wrap="none">
-            <a:spAutoFit/>
-          </a:bodyPr>
-          <a:lstStyle/>
-          <a:p>
-            <a:r>
-              <a:rPr lang="zh-CN" altLang="en-US" dirty="0"/>
-              <a:t>点击此处添加标题</a:t>
-            </a:r>
-          </a:p>
-        </p:txBody>
-      </p:sp>
-      <p:sp>
-        <p:nvSpPr>
-          <p:cNvPr id="96" name="矩形 95"/>
-          <p:cNvSpPr/>
+      </p:pic>
+      <p:pic>
+        <p:nvPicPr>
+          <p:cNvPr id="43" name="图片 42"/>
+          <p:cNvPicPr>
+            <a:picLocks noChangeAspect="1"/>
+          </p:cNvPicPr>
           <p:nvPr/>
-        </p:nvSpPr>
+        </p:nvPicPr>
+        <p:blipFill>
+          <a:blip r:embed="rId7">
+            <a:extLst>
+              <a:ext uri="{28A0092B-C50C-407E-A947-70E740481C1C}">
+                <a14:useLocalDpi xmlns:a14="http://schemas.microsoft.com/office/drawing/2010/main" val="0"/>
+              </a:ext>
+            </a:extLst>
+          </a:blip>
+          <a:stretch>
+            <a:fillRect/>
+          </a:stretch>
+        </p:blipFill>
         <p:spPr>
           <a:xfrm>
-            <a:off x="9304812" y="3812094"/>
-            <a:ext cx="2031325" cy="369332"/>
+            <a:off x="4209691" y="1028484"/>
+            <a:ext cx="2376884" cy="2684240"/>
           </a:xfrm>
           <a:prstGeom prst="rect">
             <a:avLst/>
           </a:prstGeom>
         </p:spPr>
-        <p:txBody>
-          <a:bodyPr wrap="none">
-            <a:spAutoFit/>
-          </a:bodyPr>
-          <a:lstStyle/>
-          <a:p>
-            <a:r>
-              <a:rPr lang="zh-CN" altLang="en-US" dirty="0"/>
-              <a:t>点击此处添加标题</a:t>
-            </a:r>
-          </a:p>
-        </p:txBody>
-      </p:sp>
-      <p:sp>
-        <p:nvSpPr>
-          <p:cNvPr id="97" name="矩形 96"/>
-          <p:cNvSpPr/>
+      </p:pic>
+      <p:pic>
+        <p:nvPicPr>
+          <p:cNvPr id="73" name="图片 72"/>
+          <p:cNvPicPr>
+            <a:picLocks noChangeAspect="1"/>
+          </p:cNvPicPr>
           <p:nvPr/>
-        </p:nvSpPr>
+        </p:nvPicPr>
+        <p:blipFill>
+          <a:blip r:embed="rId8">
+            <a:extLst>
+              <a:ext uri="{28A0092B-C50C-407E-A947-70E740481C1C}">
+                <a14:useLocalDpi xmlns:a14="http://schemas.microsoft.com/office/drawing/2010/main" val="0"/>
+              </a:ext>
+            </a:extLst>
+          </a:blip>
+          <a:stretch>
+            <a:fillRect/>
+          </a:stretch>
+        </p:blipFill>
         <p:spPr>
           <a:xfrm>
-            <a:off x="9304812" y="2893358"/>
-            <a:ext cx="2031325" cy="369332"/>
+            <a:off x="8146814" y="1407974"/>
+            <a:ext cx="2379900" cy="2714402"/>
           </a:xfrm>
           <a:prstGeom prst="rect">
             <a:avLst/>
           </a:prstGeom>
         </p:spPr>
-        <p:txBody>
-          <a:bodyPr wrap="none">
-            <a:spAutoFit/>
-          </a:bodyPr>
-          <a:lstStyle/>
-          <a:p>
-            <a:r>
-              <a:rPr lang="zh-CN" altLang="en-US" dirty="0"/>
-              <a:t>点击此处添加标题</a:t>
-            </a:r>
-          </a:p>
-        </p:txBody>
-      </p:sp>
-      <p:sp>
-        <p:nvSpPr>
-          <p:cNvPr id="98" name="矩形 97"/>
-          <p:cNvSpPr/>
-          <p:nvPr/>
-        </p:nvSpPr>
-        <p:spPr>
-          <a:xfrm>
-            <a:off x="9304812" y="5639103"/>
-            <a:ext cx="2031325" cy="369332"/>
-          </a:xfrm>
-          <a:prstGeom prst="rect">
-            <a:avLst/>
-          </a:prstGeom>
-        </p:spPr>
-        <p:txBody>
-          <a:bodyPr wrap="none">
-            <a:spAutoFit/>
-          </a:bodyPr>
-          <a:lstStyle/>
-          <a:p>
-            <a:r>
-              <a:rPr lang="zh-CN" altLang="en-US" dirty="0"/>
-              <a:t>点击此处添加标题</a:t>
-            </a:r>
-          </a:p>
-        </p:txBody>
-      </p:sp>
-      <p:sp>
-        <p:nvSpPr>
-          <p:cNvPr id="99" name="矩形 98"/>
-          <p:cNvSpPr/>
-          <p:nvPr/>
-        </p:nvSpPr>
-        <p:spPr>
-          <a:xfrm>
-            <a:off x="9304812" y="4720367"/>
-            <a:ext cx="2031325" cy="369332"/>
-          </a:xfrm>
-          <a:prstGeom prst="rect">
-            <a:avLst/>
-          </a:prstGeom>
-        </p:spPr>
-        <p:txBody>
-          <a:bodyPr wrap="none">
-            <a:spAutoFit/>
-          </a:bodyPr>
-          <a:lstStyle/>
-          <a:p>
-            <a:r>
-              <a:rPr lang="zh-CN" altLang="en-US" dirty="0"/>
-              <a:t>点击此处添加标题</a:t>
-            </a:r>
-          </a:p>
-        </p:txBody>
-      </p:sp>
-      <p:sp>
-        <p:nvSpPr>
-          <p:cNvPr id="100" name="矩形 99"/>
-          <p:cNvSpPr/>
-          <p:nvPr/>
-        </p:nvSpPr>
-        <p:spPr>
-          <a:xfrm>
-            <a:off x="3876094" y="375895"/>
-            <a:ext cx="4319324" cy="769441"/>
-          </a:xfrm>
-          <a:prstGeom prst="rect">
-            <a:avLst/>
-          </a:prstGeom>
-        </p:spPr>
-        <p:txBody>
-          <a:bodyPr wrap="none">
-            <a:spAutoFit/>
-          </a:bodyPr>
-          <a:lstStyle/>
-          <a:p>
-            <a:r>
-              <a:rPr lang="en-US" altLang="zh-CN" sz="4400" dirty="0"/>
-              <a:t>ADD YOUR TEXT</a:t>
-            </a:r>
-          </a:p>
-        </p:txBody>
-      </p:sp>
-      <p:sp>
-        <p:nvSpPr>
-          <p:cNvPr id="101" name="矩形 100"/>
-          <p:cNvSpPr/>
-          <p:nvPr/>
-        </p:nvSpPr>
-        <p:spPr>
-          <a:xfrm>
-            <a:off x="3876094" y="1043736"/>
-            <a:ext cx="3057247" cy="523220"/>
-          </a:xfrm>
-          <a:prstGeom prst="rect">
-            <a:avLst/>
-          </a:prstGeom>
-        </p:spPr>
-        <p:txBody>
-          <a:bodyPr wrap="none">
-            <a:spAutoFit/>
-          </a:bodyPr>
-          <a:lstStyle/>
-          <a:p>
-            <a:r>
-              <a:rPr lang="zh-CN" altLang="en-US" sz="2800" dirty="0"/>
-              <a:t>点击此处添加标题</a:t>
-            </a:r>
-          </a:p>
-        </p:txBody>
-      </p:sp>
-      <p:sp>
-        <p:nvSpPr>
-          <p:cNvPr id="102" name="矩形 101"/>
-          <p:cNvSpPr/>
-          <p:nvPr/>
-        </p:nvSpPr>
-        <p:spPr>
-          <a:xfrm>
-            <a:off x="3885341" y="1545679"/>
-            <a:ext cx="6550312" cy="625171"/>
-          </a:xfrm>
-          <a:prstGeom prst="rect">
-            <a:avLst/>
-          </a:prstGeom>
-        </p:spPr>
-        <p:txBody>
-          <a:bodyPr wrap="square">
-            <a:spAutoFit/>
-          </a:bodyPr>
-          <a:lstStyle/>
-          <a:p>
-            <a:pPr>
-              <a:lnSpc>
-                <a:spcPct val="130000"/>
-              </a:lnSpc>
-            </a:pPr>
-            <a:r>
-              <a:rPr lang="zh-CN" altLang="en-US" sz="1400" dirty="0">
-                <a:solidFill>
-                  <a:schemeClr val="bg1">
-                    <a:lumMod val="50000"/>
-                  </a:schemeClr>
-                </a:solidFill>
-                <a:latin typeface="微软雅黑" panose="020B0503020204020204" charset="-122"/>
-                <a:ea typeface="微软雅黑" panose="020B0503020204020204" charset="-122"/>
-              </a:rPr>
-              <a:t>标题数字等都可以通过点击和重新输入进行更改，顶部“开始”面板中可以对字体、字号、颜色、行距等进行修改。建议正文</a:t>
-            </a:r>
-            <a:r>
-              <a:rPr lang="en-US" altLang="zh-CN" sz="1400" dirty="0">
-                <a:solidFill>
-                  <a:schemeClr val="bg1">
-                    <a:lumMod val="50000"/>
-                  </a:schemeClr>
-                </a:solidFill>
-                <a:latin typeface="微软雅黑" panose="020B0503020204020204" charset="-122"/>
-                <a:ea typeface="微软雅黑" panose="020B0503020204020204" charset="-122"/>
-              </a:rPr>
-              <a:t>8-14</a:t>
-            </a:r>
-            <a:r>
-              <a:rPr lang="zh-CN" altLang="en-US" sz="1400" dirty="0">
-                <a:solidFill>
-                  <a:schemeClr val="bg1">
-                    <a:lumMod val="50000"/>
-                  </a:schemeClr>
-                </a:solidFill>
-                <a:latin typeface="微软雅黑" panose="020B0503020204020204" charset="-122"/>
-                <a:ea typeface="微软雅黑" panose="020B0503020204020204" charset="-122"/>
-              </a:rPr>
-              <a:t>号字，</a:t>
-            </a:r>
-            <a:r>
-              <a:rPr lang="en-US" altLang="zh-CN" sz="1400" dirty="0">
-                <a:solidFill>
-                  <a:schemeClr val="bg1">
-                    <a:lumMod val="50000"/>
-                  </a:schemeClr>
-                </a:solidFill>
-                <a:latin typeface="微软雅黑" panose="020B0503020204020204" charset="-122"/>
-                <a:ea typeface="微软雅黑" panose="020B0503020204020204" charset="-122"/>
-              </a:rPr>
-              <a:t>1.3</a:t>
-            </a:r>
-            <a:r>
-              <a:rPr lang="zh-CN" altLang="en-US" sz="1400" dirty="0">
-                <a:solidFill>
-                  <a:schemeClr val="bg1">
-                    <a:lumMod val="50000"/>
-                  </a:schemeClr>
-                </a:solidFill>
-                <a:latin typeface="微软雅黑" panose="020B0503020204020204" charset="-122"/>
-                <a:ea typeface="微软雅黑" panose="020B0503020204020204" charset="-122"/>
-              </a:rPr>
-              <a:t>倍字间距。</a:t>
-            </a:r>
-          </a:p>
-        </p:txBody>
-      </p:sp>
+      </p:pic>
     </p:spTree>
   </p:cSld>
   <p:clrMapOvr>
@@ -28330,21 +24425,7 @@
                 <a:latin typeface="+mj-lt"/>
                 <a:ea typeface="微软雅黑" panose="020B0503020204020204" charset="-122"/>
               </a:rPr>
-              <a:t>PART</a:t>
-            </a:r>
-            <a:r>
-              <a:rPr lang="zh-CN" altLang="en-US" sz="4400" b="1" dirty="0">
-                <a:latin typeface="+mj-lt"/>
-                <a:ea typeface="微软雅黑" panose="020B0503020204020204" charset="-122"/>
-              </a:rPr>
-              <a:t> </a:t>
-            </a:r>
-            <a:r>
-              <a:rPr lang="en-US" altLang="zh-CN" sz="4400" b="1" dirty="0">
-                <a:latin typeface="+mj-lt"/>
-                <a:ea typeface="微软雅黑" panose="020B0503020204020204" charset="-122"/>
-              </a:rPr>
-              <a:t>THREE</a:t>
+              <a:t>PART FOUR</a:t>
             </a:r>
           </a:p>
         </p:txBody>
@@ -28381,8 +24462,12 @@
                 <a:latin typeface="+mj-lt"/>
                 <a:ea typeface="微软雅黑" panose="020B0503020204020204" charset="-122"/>
               </a:rPr>
-              <a:t>研究方法</a:t>
-            </a:r>
+              <a:t>主要内容</a:t>
+            </a:r>
+            <a:endParaRPr lang="zh-CN" altLang="en-US" sz="6000" dirty="0">
+              <a:latin typeface="+mj-lt"/>
+              <a:ea typeface="微软雅黑" panose="020B0503020204020204" charset="-122"/>
+            </a:endParaRPr>
           </a:p>
         </p:txBody>
       </p:sp>
@@ -28401,7 +24486,7 @@
             <a:avLst/>
           </a:prstGeom>
           <a:solidFill>
-            <a:srgbClr val="FFFF00"/>
+            <a:srgbClr val="92D050"/>
           </a:solidFill>
           <a:ln>
             <a:noFill/>

--- a/答辩PPT.pptx
+++ b/答辩PPT.pptx
@@ -22,9 +22,9 @@
     <p:sldId id="280" r:id="rId13"/>
     <p:sldId id="281" r:id="rId14"/>
     <p:sldId id="274" r:id="rId15"/>
-    <p:sldId id="283" r:id="rId16"/>
+    <p:sldId id="270" r:id="rId16"/>
     <p:sldId id="282" r:id="rId17"/>
-    <p:sldId id="270" r:id="rId18"/>
+    <p:sldId id="283" r:id="rId18"/>
     <p:sldId id="285" r:id="rId19"/>
     <p:sldId id="287" r:id="rId20"/>
     <p:sldId id="272" r:id="rId21"/>
@@ -161,1884 +161,6 @@
     </p:ext>
   </p:extLst>
 </p:presentation>
-</file>
-
-<file path=ppt/charts/chart1.xml><?xml version="1.0" encoding="utf-8"?>
-<c:chartSpace xmlns:c="http://schemas.openxmlformats.org/drawingml/2006/chart" xmlns:a="http://schemas.openxmlformats.org/drawingml/2006/main" xmlns:r="http://schemas.openxmlformats.org/officeDocument/2006/relationships" xmlns:c16r2="http://schemas.microsoft.com/office/drawing/2015/06/chart">
-  <c:date1904 val="0"/>
-  <c:lang val="zh-CN"/>
-  <c:roundedCorners val="0"/>
-  <mc:AlternateContent xmlns:mc="http://schemas.openxmlformats.org/markup-compatibility/2006">
-    <mc:Choice xmlns:c14="http://schemas.microsoft.com/office/drawing/2007/8/2/chart" Requires="c14">
-      <c14:style val="102"/>
-    </mc:Choice>
-    <mc:Fallback>
-      <c:style val="2"/>
-    </mc:Fallback>
-  </mc:AlternateContent>
-  <c:chart>
-    <c:autoTitleDeleted val="1"/>
-    <c:plotArea>
-      <c:layout>
-        <c:manualLayout>
-          <c:layoutTarget val="inner"/>
-          <c:xMode val="edge"/>
-          <c:yMode val="edge"/>
-          <c:x val="3.2446980935233301E-2"/>
-          <c:y val="4.8165805071960097E-2"/>
-          <c:w val="0.96517884972804202"/>
-          <c:h val="0.94830986772765302"/>
-        </c:manualLayout>
-      </c:layout>
-      <c:ofPieChart>
-        <c:ofPieType val="pie"/>
-        <c:varyColors val="1"/>
-        <c:ser>
-          <c:idx val="0"/>
-          <c:order val="0"/>
-          <c:tx>
-            <c:strRef>
-              <c:f>Sheet1!$B$1</c:f>
-              <c:strCache>
-                <c:ptCount val="1"/>
-                <c:pt idx="0">
-                  <c:v>销售额</c:v>
-                </c:pt>
-              </c:strCache>
-            </c:strRef>
-          </c:tx>
-          <c:dPt>
-            <c:idx val="0"/>
-            <c:bubble3D val="0"/>
-            <c:spPr>
-              <a:solidFill>
-                <a:schemeClr val="bg1">
-                  <a:lumMod val="95000"/>
-                </a:schemeClr>
-              </a:solidFill>
-              <a:ln w="19050">
-                <a:noFill/>
-              </a:ln>
-              <a:effectLst/>
-            </c:spPr>
-            <c:extLst>
-              <c:ext xmlns:c16="http://schemas.microsoft.com/office/drawing/2014/chart" uri="{C3380CC4-5D6E-409C-BE32-E72D297353CC}">
-                <c16:uniqueId val="{00000001-A5BD-49E0-84A4-B03A19C9F9E6}"/>
-              </c:ext>
-            </c:extLst>
-          </c:dPt>
-          <c:dPt>
-            <c:idx val="1"/>
-            <c:bubble3D val="0"/>
-            <c:spPr>
-              <a:solidFill>
-                <a:srgbClr val="92D050"/>
-              </a:solidFill>
-              <a:ln w="19050">
-                <a:noFill/>
-              </a:ln>
-              <a:effectLst/>
-            </c:spPr>
-            <c:extLst>
-              <c:ext xmlns:c16="http://schemas.microsoft.com/office/drawing/2014/chart" uri="{C3380CC4-5D6E-409C-BE32-E72D297353CC}">
-                <c16:uniqueId val="{00000003-A5BD-49E0-84A4-B03A19C9F9E6}"/>
-              </c:ext>
-            </c:extLst>
-          </c:dPt>
-          <c:dPt>
-            <c:idx val="2"/>
-            <c:bubble3D val="0"/>
-            <c:spPr>
-              <a:solidFill>
-                <a:srgbClr val="0070C0"/>
-              </a:solidFill>
-              <a:ln w="19050">
-                <a:noFill/>
-              </a:ln>
-              <a:effectLst/>
-            </c:spPr>
-            <c:extLst>
-              <c:ext xmlns:c16="http://schemas.microsoft.com/office/drawing/2014/chart" uri="{C3380CC4-5D6E-409C-BE32-E72D297353CC}">
-                <c16:uniqueId val="{00000005-A5BD-49E0-84A4-B03A19C9F9E6}"/>
-              </c:ext>
-            </c:extLst>
-          </c:dPt>
-          <c:dPt>
-            <c:idx val="3"/>
-            <c:bubble3D val="0"/>
-            <c:spPr>
-              <a:solidFill>
-                <a:srgbClr val="00B0F0"/>
-              </a:solidFill>
-              <a:ln w="19050">
-                <a:noFill/>
-              </a:ln>
-              <a:effectLst/>
-            </c:spPr>
-            <c:extLst>
-              <c:ext xmlns:c16="http://schemas.microsoft.com/office/drawing/2014/chart" uri="{C3380CC4-5D6E-409C-BE32-E72D297353CC}">
-                <c16:uniqueId val="{00000007-A5BD-49E0-84A4-B03A19C9F9E6}"/>
-              </c:ext>
-            </c:extLst>
-          </c:dPt>
-          <c:dPt>
-            <c:idx val="4"/>
-            <c:bubble3D val="0"/>
-            <c:spPr>
-              <a:solidFill>
-                <a:srgbClr val="00B050"/>
-              </a:solidFill>
-              <a:ln w="19050">
-                <a:noFill/>
-              </a:ln>
-              <a:effectLst/>
-            </c:spPr>
-            <c:extLst>
-              <c:ext xmlns:c16="http://schemas.microsoft.com/office/drawing/2014/chart" uri="{C3380CC4-5D6E-409C-BE32-E72D297353CC}">
-                <c16:uniqueId val="{00000009-A5BD-49E0-84A4-B03A19C9F9E6}"/>
-              </c:ext>
-            </c:extLst>
-          </c:dPt>
-          <c:cat>
-            <c:strRef>
-              <c:f>Sheet1!$A$2:$A$5</c:f>
-              <c:strCache>
-                <c:ptCount val="4"/>
-                <c:pt idx="0">
-                  <c:v>第一季度</c:v>
-                </c:pt>
-                <c:pt idx="1">
-                  <c:v>第二季度</c:v>
-                </c:pt>
-                <c:pt idx="2">
-                  <c:v>第三季度</c:v>
-                </c:pt>
-                <c:pt idx="3">
-                  <c:v>第四季度</c:v>
-                </c:pt>
-              </c:strCache>
-            </c:strRef>
-          </c:cat>
-          <c:val>
-            <c:numRef>
-              <c:f>Sheet1!$B$2:$B$5</c:f>
-              <c:numCache>
-                <c:formatCode>General</c:formatCode>
-                <c:ptCount val="4"/>
-                <c:pt idx="0">
-                  <c:v>8.1999999999999993</c:v>
-                </c:pt>
-                <c:pt idx="1">
-                  <c:v>3.2</c:v>
-                </c:pt>
-                <c:pt idx="2">
-                  <c:v>1.4</c:v>
-                </c:pt>
-                <c:pt idx="3">
-                  <c:v>1.2</c:v>
-                </c:pt>
-              </c:numCache>
-            </c:numRef>
-          </c:val>
-          <c:extLst>
-            <c:ext xmlns:c16="http://schemas.microsoft.com/office/drawing/2014/chart" uri="{C3380CC4-5D6E-409C-BE32-E72D297353CC}">
-              <c16:uniqueId val="{0000000A-A5BD-49E0-84A4-B03A19C9F9E6}"/>
-            </c:ext>
-          </c:extLst>
-        </c:ser>
-        <c:dLbls>
-          <c:showLegendKey val="0"/>
-          <c:showVal val="0"/>
-          <c:showCatName val="0"/>
-          <c:showSerName val="0"/>
-          <c:showPercent val="0"/>
-          <c:showBubbleSize val="0"/>
-          <c:showLeaderLines val="1"/>
-        </c:dLbls>
-        <c:gapWidth val="100"/>
-        <c:secondPieSize val="75"/>
-        <c:serLines>
-          <c:spPr>
-            <a:ln w="9525" cap="flat" cmpd="sng" algn="ctr">
-              <a:solidFill>
-                <a:schemeClr val="tx1">
-                  <a:lumMod val="35000"/>
-                  <a:lumOff val="65000"/>
-                </a:schemeClr>
-              </a:solidFill>
-              <a:round/>
-            </a:ln>
-            <a:effectLst/>
-          </c:spPr>
-        </c:serLines>
-      </c:ofPieChart>
-      <c:spPr>
-        <a:noFill/>
-        <a:ln>
-          <a:noFill/>
-        </a:ln>
-        <a:effectLst/>
-      </c:spPr>
-    </c:plotArea>
-    <c:plotVisOnly val="1"/>
-    <c:dispBlanksAs val="gap"/>
-    <c:showDLblsOverMax val="0"/>
-  </c:chart>
-  <c:spPr>
-    <a:noFill/>
-    <a:ln>
-      <a:noFill/>
-    </a:ln>
-    <a:effectLst/>
-  </c:spPr>
-  <c:txPr>
-    <a:bodyPr/>
-    <a:lstStyle/>
-    <a:p>
-      <a:pPr>
-        <a:defRPr lang="zh-CN"/>
-      </a:pPr>
-      <a:endParaRPr lang="zh-CN"/>
-    </a:p>
-  </c:txPr>
-  <c:externalData r:id="rId3">
-    <c:autoUpdate val="0"/>
-  </c:externalData>
-</c:chartSpace>
-</file>
-
-<file path=ppt/charts/chart2.xml><?xml version="1.0" encoding="utf-8"?>
-<c:chartSpace xmlns:c="http://schemas.openxmlformats.org/drawingml/2006/chart" xmlns:a="http://schemas.openxmlformats.org/drawingml/2006/main" xmlns:r="http://schemas.openxmlformats.org/officeDocument/2006/relationships" xmlns:c16r2="http://schemas.microsoft.com/office/drawing/2015/06/chart">
-  <c:date1904 val="0"/>
-  <c:lang val="zh-CN"/>
-  <c:roundedCorners val="0"/>
-  <mc:AlternateContent xmlns:mc="http://schemas.openxmlformats.org/markup-compatibility/2006">
-    <mc:Choice xmlns:c14="http://schemas.microsoft.com/office/drawing/2007/8/2/chart" Requires="c14">
-      <c14:style val="102"/>
-    </mc:Choice>
-    <mc:Fallback>
-      <c:style val="2"/>
-    </mc:Fallback>
-  </mc:AlternateContent>
-  <c:chart>
-    <c:autoTitleDeleted val="1"/>
-    <c:plotArea>
-      <c:layout/>
-      <c:barChart>
-        <c:barDir val="col"/>
-        <c:grouping val="clustered"/>
-        <c:varyColors val="0"/>
-        <c:ser>
-          <c:idx val="0"/>
-          <c:order val="0"/>
-          <c:tx>
-            <c:strRef>
-              <c:f>Sheet1!$B$1</c:f>
-              <c:strCache>
-                <c:ptCount val="1"/>
-                <c:pt idx="0">
-                  <c:v>系列 1</c:v>
-                </c:pt>
-              </c:strCache>
-            </c:strRef>
-          </c:tx>
-          <c:spPr>
-            <a:solidFill>
-              <a:srgbClr val="92D050"/>
-            </a:solidFill>
-            <a:ln>
-              <a:noFill/>
-            </a:ln>
-            <a:effectLst/>
-          </c:spPr>
-          <c:invertIfNegative val="0"/>
-          <c:dLbls>
-            <c:spPr>
-              <a:noFill/>
-              <a:ln>
-                <a:noFill/>
-              </a:ln>
-              <a:effectLst/>
-            </c:spPr>
-            <c:txPr>
-              <a:bodyPr rot="0" spcFirstLastPara="1" vertOverflow="ellipsis" vert="horz" wrap="square" lIns="38100" tIns="19050" rIns="38100" bIns="19050" anchor="ctr" anchorCtr="1">
-                <a:spAutoFit/>
-              </a:bodyPr>
-              <a:lstStyle/>
-              <a:p>
-                <a:pPr>
-                  <a:defRPr lang="zh-CN" sz="1195" b="0" i="0" u="none" strike="noStrike" kern="1200" baseline="0">
-                    <a:solidFill>
-                      <a:schemeClr val="tx1">
-                        <a:lumMod val="75000"/>
-                        <a:lumOff val="25000"/>
-                      </a:schemeClr>
-                    </a:solidFill>
-                    <a:latin typeface="+mn-lt"/>
-                    <a:ea typeface="+mn-ea"/>
-                    <a:cs typeface="+mn-cs"/>
-                  </a:defRPr>
-                </a:pPr>
-                <a:endParaRPr lang="zh-CN"/>
-              </a:p>
-            </c:txPr>
-            <c:dLblPos val="outEnd"/>
-            <c:showLegendKey val="0"/>
-            <c:showVal val="1"/>
-            <c:showCatName val="0"/>
-            <c:showSerName val="0"/>
-            <c:showPercent val="0"/>
-            <c:showBubbleSize val="0"/>
-            <c:showLeaderLines val="0"/>
-            <c:extLst>
-              <c:ext xmlns:c15="http://schemas.microsoft.com/office/drawing/2012/chart" uri="{CE6537A1-D6FC-4f65-9D91-7224C49458BB}">
-                <c15:layout/>
-                <c15:showLeaderLines val="1"/>
-                <c15:leaderLines>
-                  <c:spPr>
-                    <a:ln w="9525" cap="flat" cmpd="sng" algn="ctr">
-                      <a:solidFill>
-                        <a:schemeClr val="tx1">
-                          <a:lumMod val="35000"/>
-                          <a:lumOff val="65000"/>
-                        </a:schemeClr>
-                      </a:solidFill>
-                      <a:round/>
-                    </a:ln>
-                    <a:effectLst/>
-                  </c:spPr>
-                </c15:leaderLines>
-              </c:ext>
-            </c:extLst>
-          </c:dLbls>
-          <c:cat>
-            <c:strRef>
-              <c:f>Sheet1!$A$2:$A$5</c:f>
-              <c:strCache>
-                <c:ptCount val="4"/>
-                <c:pt idx="0">
-                  <c:v>类别 1</c:v>
-                </c:pt>
-                <c:pt idx="1">
-                  <c:v>类别 2</c:v>
-                </c:pt>
-                <c:pt idx="2">
-                  <c:v>类别 3</c:v>
-                </c:pt>
-                <c:pt idx="3">
-                  <c:v>类别 4</c:v>
-                </c:pt>
-              </c:strCache>
-            </c:strRef>
-          </c:cat>
-          <c:val>
-            <c:numRef>
-              <c:f>Sheet1!$B$2:$B$5</c:f>
-              <c:numCache>
-                <c:formatCode>General</c:formatCode>
-                <c:ptCount val="4"/>
-                <c:pt idx="0">
-                  <c:v>4.3</c:v>
-                </c:pt>
-                <c:pt idx="1">
-                  <c:v>2.5</c:v>
-                </c:pt>
-                <c:pt idx="2">
-                  <c:v>3.5</c:v>
-                </c:pt>
-                <c:pt idx="3">
-                  <c:v>4.5</c:v>
-                </c:pt>
-              </c:numCache>
-            </c:numRef>
-          </c:val>
-          <c:extLst>
-            <c:ext xmlns:c16="http://schemas.microsoft.com/office/drawing/2014/chart" uri="{C3380CC4-5D6E-409C-BE32-E72D297353CC}">
-              <c16:uniqueId val="{00000000-CC41-4009-8616-362B92914262}"/>
-            </c:ext>
-          </c:extLst>
-        </c:ser>
-        <c:ser>
-          <c:idx val="1"/>
-          <c:order val="1"/>
-          <c:tx>
-            <c:strRef>
-              <c:f>Sheet1!$C$1</c:f>
-              <c:strCache>
-                <c:ptCount val="1"/>
-                <c:pt idx="0">
-                  <c:v>系列 2</c:v>
-                </c:pt>
-              </c:strCache>
-            </c:strRef>
-          </c:tx>
-          <c:spPr>
-            <a:solidFill>
-              <a:srgbClr val="00B050"/>
-            </a:solidFill>
-            <a:ln>
-              <a:noFill/>
-            </a:ln>
-            <a:effectLst/>
-          </c:spPr>
-          <c:invertIfNegative val="0"/>
-          <c:dLbls>
-            <c:spPr>
-              <a:noFill/>
-              <a:ln>
-                <a:noFill/>
-              </a:ln>
-              <a:effectLst/>
-            </c:spPr>
-            <c:txPr>
-              <a:bodyPr rot="0" spcFirstLastPara="1" vertOverflow="ellipsis" vert="horz" wrap="square" lIns="38100" tIns="19050" rIns="38100" bIns="19050" anchor="ctr" anchorCtr="1">
-                <a:spAutoFit/>
-              </a:bodyPr>
-              <a:lstStyle/>
-              <a:p>
-                <a:pPr>
-                  <a:defRPr lang="zh-CN" sz="1195" b="0" i="0" u="none" strike="noStrike" kern="1200" baseline="0">
-                    <a:solidFill>
-                      <a:schemeClr val="tx1">
-                        <a:lumMod val="75000"/>
-                        <a:lumOff val="25000"/>
-                      </a:schemeClr>
-                    </a:solidFill>
-                    <a:latin typeface="+mn-lt"/>
-                    <a:ea typeface="+mn-ea"/>
-                    <a:cs typeface="+mn-cs"/>
-                  </a:defRPr>
-                </a:pPr>
-                <a:endParaRPr lang="zh-CN"/>
-              </a:p>
-            </c:txPr>
-            <c:dLblPos val="outEnd"/>
-            <c:showLegendKey val="0"/>
-            <c:showVal val="1"/>
-            <c:showCatName val="0"/>
-            <c:showSerName val="0"/>
-            <c:showPercent val="0"/>
-            <c:showBubbleSize val="0"/>
-            <c:showLeaderLines val="0"/>
-            <c:extLst>
-              <c:ext xmlns:c15="http://schemas.microsoft.com/office/drawing/2012/chart" uri="{CE6537A1-D6FC-4f65-9D91-7224C49458BB}">
-                <c15:layout/>
-                <c15:showLeaderLines val="1"/>
-                <c15:leaderLines>
-                  <c:spPr>
-                    <a:ln w="9525" cap="flat" cmpd="sng" algn="ctr">
-                      <a:solidFill>
-                        <a:schemeClr val="tx1">
-                          <a:lumMod val="35000"/>
-                          <a:lumOff val="65000"/>
-                        </a:schemeClr>
-                      </a:solidFill>
-                      <a:round/>
-                    </a:ln>
-                    <a:effectLst/>
-                  </c:spPr>
-                </c15:leaderLines>
-              </c:ext>
-            </c:extLst>
-          </c:dLbls>
-          <c:cat>
-            <c:strRef>
-              <c:f>Sheet1!$A$2:$A$5</c:f>
-              <c:strCache>
-                <c:ptCount val="4"/>
-                <c:pt idx="0">
-                  <c:v>类别 1</c:v>
-                </c:pt>
-                <c:pt idx="1">
-                  <c:v>类别 2</c:v>
-                </c:pt>
-                <c:pt idx="2">
-                  <c:v>类别 3</c:v>
-                </c:pt>
-                <c:pt idx="3">
-                  <c:v>类别 4</c:v>
-                </c:pt>
-              </c:strCache>
-            </c:strRef>
-          </c:cat>
-          <c:val>
-            <c:numRef>
-              <c:f>Sheet1!$C$2:$C$5</c:f>
-              <c:numCache>
-                <c:formatCode>General</c:formatCode>
-                <c:ptCount val="4"/>
-                <c:pt idx="0">
-                  <c:v>2.4</c:v>
-                </c:pt>
-                <c:pt idx="1">
-                  <c:v>4.4000000000000004</c:v>
-                </c:pt>
-                <c:pt idx="2">
-                  <c:v>1.8</c:v>
-                </c:pt>
-                <c:pt idx="3">
-                  <c:v>2.8</c:v>
-                </c:pt>
-              </c:numCache>
-            </c:numRef>
-          </c:val>
-          <c:extLst>
-            <c:ext xmlns:c16="http://schemas.microsoft.com/office/drawing/2014/chart" uri="{C3380CC4-5D6E-409C-BE32-E72D297353CC}">
-              <c16:uniqueId val="{00000001-CC41-4009-8616-362B92914262}"/>
-            </c:ext>
-          </c:extLst>
-        </c:ser>
-        <c:ser>
-          <c:idx val="2"/>
-          <c:order val="2"/>
-          <c:tx>
-            <c:strRef>
-              <c:f>Sheet1!$D$1</c:f>
-              <c:strCache>
-                <c:ptCount val="1"/>
-                <c:pt idx="0">
-                  <c:v>系列 3</c:v>
-                </c:pt>
-              </c:strCache>
-            </c:strRef>
-          </c:tx>
-          <c:spPr>
-            <a:solidFill>
-              <a:srgbClr val="0070C0"/>
-            </a:solidFill>
-            <a:ln>
-              <a:noFill/>
-            </a:ln>
-            <a:effectLst/>
-          </c:spPr>
-          <c:invertIfNegative val="0"/>
-          <c:dLbls>
-            <c:spPr>
-              <a:noFill/>
-              <a:ln>
-                <a:noFill/>
-              </a:ln>
-              <a:effectLst/>
-            </c:spPr>
-            <c:txPr>
-              <a:bodyPr rot="0" spcFirstLastPara="1" vertOverflow="ellipsis" vert="horz" wrap="square" lIns="38100" tIns="19050" rIns="38100" bIns="19050" anchor="ctr" anchorCtr="1">
-                <a:spAutoFit/>
-              </a:bodyPr>
-              <a:lstStyle/>
-              <a:p>
-                <a:pPr>
-                  <a:defRPr lang="zh-CN" sz="1195" b="0" i="0" u="none" strike="noStrike" kern="1200" baseline="0">
-                    <a:solidFill>
-                      <a:schemeClr val="tx1">
-                        <a:lumMod val="75000"/>
-                        <a:lumOff val="25000"/>
-                      </a:schemeClr>
-                    </a:solidFill>
-                    <a:latin typeface="+mn-lt"/>
-                    <a:ea typeface="+mn-ea"/>
-                    <a:cs typeface="+mn-cs"/>
-                  </a:defRPr>
-                </a:pPr>
-                <a:endParaRPr lang="zh-CN"/>
-              </a:p>
-            </c:txPr>
-            <c:dLblPos val="outEnd"/>
-            <c:showLegendKey val="0"/>
-            <c:showVal val="1"/>
-            <c:showCatName val="0"/>
-            <c:showSerName val="0"/>
-            <c:showPercent val="0"/>
-            <c:showBubbleSize val="0"/>
-            <c:showLeaderLines val="0"/>
-            <c:extLst>
-              <c:ext xmlns:c15="http://schemas.microsoft.com/office/drawing/2012/chart" uri="{CE6537A1-D6FC-4f65-9D91-7224C49458BB}">
-                <c15:layout/>
-                <c15:showLeaderLines val="1"/>
-                <c15:leaderLines>
-                  <c:spPr>
-                    <a:ln w="9525" cap="flat" cmpd="sng" algn="ctr">
-                      <a:solidFill>
-                        <a:schemeClr val="tx1">
-                          <a:lumMod val="35000"/>
-                          <a:lumOff val="65000"/>
-                        </a:schemeClr>
-                      </a:solidFill>
-                      <a:round/>
-                    </a:ln>
-                    <a:effectLst/>
-                  </c:spPr>
-                </c15:leaderLines>
-              </c:ext>
-            </c:extLst>
-          </c:dLbls>
-          <c:cat>
-            <c:strRef>
-              <c:f>Sheet1!$A$2:$A$5</c:f>
-              <c:strCache>
-                <c:ptCount val="4"/>
-                <c:pt idx="0">
-                  <c:v>类别 1</c:v>
-                </c:pt>
-                <c:pt idx="1">
-                  <c:v>类别 2</c:v>
-                </c:pt>
-                <c:pt idx="2">
-                  <c:v>类别 3</c:v>
-                </c:pt>
-                <c:pt idx="3">
-                  <c:v>类别 4</c:v>
-                </c:pt>
-              </c:strCache>
-            </c:strRef>
-          </c:cat>
-          <c:val>
-            <c:numRef>
-              <c:f>Sheet1!$D$2:$D$5</c:f>
-              <c:numCache>
-                <c:formatCode>General</c:formatCode>
-                <c:ptCount val="4"/>
-                <c:pt idx="0">
-                  <c:v>2</c:v>
-                </c:pt>
-                <c:pt idx="1">
-                  <c:v>2</c:v>
-                </c:pt>
-                <c:pt idx="2">
-                  <c:v>3</c:v>
-                </c:pt>
-                <c:pt idx="3">
-                  <c:v>5</c:v>
-                </c:pt>
-              </c:numCache>
-            </c:numRef>
-          </c:val>
-          <c:extLst>
-            <c:ext xmlns:c16="http://schemas.microsoft.com/office/drawing/2014/chart" uri="{C3380CC4-5D6E-409C-BE32-E72D297353CC}">
-              <c16:uniqueId val="{00000002-CC41-4009-8616-362B92914262}"/>
-            </c:ext>
-          </c:extLst>
-        </c:ser>
-        <c:dLbls>
-          <c:showLegendKey val="0"/>
-          <c:showVal val="0"/>
-          <c:showCatName val="0"/>
-          <c:showSerName val="0"/>
-          <c:showPercent val="0"/>
-          <c:showBubbleSize val="0"/>
-        </c:dLbls>
-        <c:gapWidth val="219"/>
-        <c:overlap val="-27"/>
-        <c:axId val="130108416"/>
-        <c:axId val="130114304"/>
-      </c:barChart>
-      <c:catAx>
-        <c:axId val="130108416"/>
-        <c:scaling>
-          <c:orientation val="minMax"/>
-        </c:scaling>
-        <c:delete val="0"/>
-        <c:axPos val="b"/>
-        <c:numFmt formatCode="General" sourceLinked="1"/>
-        <c:majorTickMark val="none"/>
-        <c:minorTickMark val="none"/>
-        <c:tickLblPos val="nextTo"/>
-        <c:spPr>
-          <a:noFill/>
-          <a:ln w="9525" cap="flat" cmpd="sng" algn="ctr">
-            <a:solidFill>
-              <a:schemeClr val="tx1">
-                <a:lumMod val="15000"/>
-                <a:lumOff val="85000"/>
-              </a:schemeClr>
-            </a:solidFill>
-            <a:round/>
-          </a:ln>
-          <a:effectLst/>
-        </c:spPr>
-        <c:txPr>
-          <a:bodyPr rot="-60000000" spcFirstLastPara="1" vertOverflow="ellipsis" vert="horz" wrap="square" anchor="ctr" anchorCtr="1"/>
-          <a:lstStyle/>
-          <a:p>
-            <a:pPr>
-              <a:defRPr lang="zh-CN" sz="1195" b="0" i="0" u="none" strike="noStrike" kern="1200" baseline="0">
-                <a:solidFill>
-                  <a:schemeClr val="tx1">
-                    <a:lumMod val="65000"/>
-                    <a:lumOff val="35000"/>
-                  </a:schemeClr>
-                </a:solidFill>
-                <a:latin typeface="+mn-lt"/>
-                <a:ea typeface="+mn-ea"/>
-                <a:cs typeface="+mn-cs"/>
-              </a:defRPr>
-            </a:pPr>
-            <a:endParaRPr lang="zh-CN"/>
-          </a:p>
-        </c:txPr>
-        <c:crossAx val="130114304"/>
-        <c:crosses val="autoZero"/>
-        <c:auto val="1"/>
-        <c:lblAlgn val="ctr"/>
-        <c:lblOffset val="100"/>
-        <c:noMultiLvlLbl val="0"/>
-      </c:catAx>
-      <c:valAx>
-        <c:axId val="130114304"/>
-        <c:scaling>
-          <c:orientation val="minMax"/>
-        </c:scaling>
-        <c:delete val="1"/>
-        <c:axPos val="l"/>
-        <c:numFmt formatCode="General" sourceLinked="1"/>
-        <c:majorTickMark val="none"/>
-        <c:minorTickMark val="none"/>
-        <c:tickLblPos val="nextTo"/>
-        <c:crossAx val="130108416"/>
-        <c:crosses val="autoZero"/>
-        <c:crossBetween val="between"/>
-      </c:valAx>
-      <c:spPr>
-        <a:noFill/>
-        <a:ln>
-          <a:noFill/>
-        </a:ln>
-        <a:effectLst/>
-      </c:spPr>
-    </c:plotArea>
-    <c:plotVisOnly val="1"/>
-    <c:dispBlanksAs val="gap"/>
-    <c:showDLblsOverMax val="0"/>
-  </c:chart>
-  <c:spPr>
-    <a:noFill/>
-    <a:ln>
-      <a:noFill/>
-    </a:ln>
-    <a:effectLst/>
-  </c:spPr>
-  <c:txPr>
-    <a:bodyPr/>
-    <a:lstStyle/>
-    <a:p>
-      <a:pPr>
-        <a:defRPr lang="zh-CN"/>
-      </a:pPr>
-      <a:endParaRPr lang="zh-CN"/>
-    </a:p>
-  </c:txPr>
-  <c:externalData r:id="rId3">
-    <c:autoUpdate val="0"/>
-  </c:externalData>
-</c:chartSpace>
-</file>
-
-<file path=ppt/charts/colors1.xml><?xml version="1.0" encoding="utf-8"?>
-<cs:colorStyle xmlns:cs="http://schemas.microsoft.com/office/drawing/2012/chartStyle" xmlns:a="http://schemas.openxmlformats.org/drawingml/2006/main" meth="cycle" id="10">
-  <a:schemeClr val="accent1"/>
-  <a:schemeClr val="accent2"/>
-  <a:schemeClr val="accent3"/>
-  <a:schemeClr val="accent4"/>
-  <a:schemeClr val="accent5"/>
-  <a:schemeClr val="accent6"/>
-  <cs:variation/>
-  <cs:variation>
-    <a:lumMod val="60000"/>
-  </cs:variation>
-  <cs:variation>
-    <a:lumMod val="80000"/>
-    <a:lumOff val="20000"/>
-  </cs:variation>
-  <cs:variation>
-    <a:lumMod val="80000"/>
-  </cs:variation>
-  <cs:variation>
-    <a:lumMod val="60000"/>
-    <a:lumOff val="40000"/>
-  </cs:variation>
-  <cs:variation>
-    <a:lumMod val="50000"/>
-  </cs:variation>
-  <cs:variation>
-    <a:lumMod val="70000"/>
-    <a:lumOff val="30000"/>
-  </cs:variation>
-  <cs:variation>
-    <a:lumMod val="70000"/>
-  </cs:variation>
-  <cs:variation>
-    <a:lumMod val="50000"/>
-    <a:lumOff val="50000"/>
-  </cs:variation>
-</cs:colorStyle>
-</file>
-
-<file path=ppt/charts/colors2.xml><?xml version="1.0" encoding="utf-8"?>
-<cs:colorStyle xmlns:cs="http://schemas.microsoft.com/office/drawing/2012/chartStyle" xmlns:a="http://schemas.openxmlformats.org/drawingml/2006/main" meth="cycle" id="10">
-  <a:schemeClr val="accent1"/>
-  <a:schemeClr val="accent2"/>
-  <a:schemeClr val="accent3"/>
-  <a:schemeClr val="accent4"/>
-  <a:schemeClr val="accent5"/>
-  <a:schemeClr val="accent6"/>
-  <cs:variation/>
-  <cs:variation>
-    <a:lumMod val="60000"/>
-  </cs:variation>
-  <cs:variation>
-    <a:lumMod val="80000"/>
-    <a:lumOff val="20000"/>
-  </cs:variation>
-  <cs:variation>
-    <a:lumMod val="80000"/>
-  </cs:variation>
-  <cs:variation>
-    <a:lumMod val="60000"/>
-    <a:lumOff val="40000"/>
-  </cs:variation>
-  <cs:variation>
-    <a:lumMod val="50000"/>
-  </cs:variation>
-  <cs:variation>
-    <a:lumMod val="70000"/>
-    <a:lumOff val="30000"/>
-  </cs:variation>
-  <cs:variation>
-    <a:lumMod val="70000"/>
-  </cs:variation>
-  <cs:variation>
-    <a:lumMod val="50000"/>
-    <a:lumOff val="50000"/>
-  </cs:variation>
-</cs:colorStyle>
-</file>
-
-<file path=ppt/charts/style1.xml><?xml version="1.0" encoding="utf-8"?>
-<cs:chartStyle xmlns:cs="http://schemas.microsoft.com/office/drawing/2012/chartStyle" xmlns:a="http://schemas.openxmlformats.org/drawingml/2006/main" id="333">
-  <cs:axisTitle>
-    <cs:lnRef idx="0"/>
-    <cs:fillRef idx="0"/>
-    <cs:effectRef idx="0"/>
-    <cs:fontRef idx="minor">
-      <a:schemeClr val="tx1">
-        <a:lumMod val="65000"/>
-        <a:lumOff val="35000"/>
-      </a:schemeClr>
-    </cs:fontRef>
-    <cs:defRPr sz="1195" kern="1200"/>
-  </cs:axisTitle>
-  <cs:categoryAxis>
-    <cs:lnRef idx="0"/>
-    <cs:fillRef idx="0"/>
-    <cs:effectRef idx="0"/>
-    <cs:fontRef idx="minor">
-      <a:schemeClr val="tx1">
-        <a:lumMod val="65000"/>
-        <a:lumOff val="35000"/>
-      </a:schemeClr>
-    </cs:fontRef>
-    <cs:spPr>
-      <a:ln w="9525" cap="flat" cmpd="sng" algn="ctr">
-        <a:solidFill>
-          <a:schemeClr val="tx1">
-            <a:lumMod val="15000"/>
-            <a:lumOff val="85000"/>
-          </a:schemeClr>
-        </a:solidFill>
-        <a:round/>
-      </a:ln>
-    </cs:spPr>
-    <cs:defRPr sz="1195" kern="1200"/>
-  </cs:categoryAxis>
-  <cs:chartArea mods="allowNoFillOverride allowNoLineOverride">
-    <cs:lnRef idx="0"/>
-    <cs:fillRef idx="0"/>
-    <cs:effectRef idx="0"/>
-    <cs:fontRef idx="minor">
-      <a:schemeClr val="tx1"/>
-    </cs:fontRef>
-    <cs:spPr>
-      <a:solidFill>
-        <a:schemeClr val="bg1"/>
-      </a:solidFill>
-      <a:ln w="9525" cap="flat" cmpd="sng" algn="ctr">
-        <a:solidFill>
-          <a:schemeClr val="tx1">
-            <a:lumMod val="15000"/>
-            <a:lumOff val="85000"/>
-          </a:schemeClr>
-        </a:solidFill>
-        <a:round/>
-      </a:ln>
-    </cs:spPr>
-    <cs:defRPr sz="1195" kern="1200"/>
-  </cs:chartArea>
-  <cs:dataLabel>
-    <cs:lnRef idx="0"/>
-    <cs:fillRef idx="0"/>
-    <cs:effectRef idx="0"/>
-    <cs:fontRef idx="minor">
-      <a:schemeClr val="tx1">
-        <a:lumMod val="65000"/>
-        <a:lumOff val="35000"/>
-      </a:schemeClr>
-    </cs:fontRef>
-    <cs:defRPr sz="1195" kern="1200"/>
-  </cs:dataLabel>
-  <cs:dataLabelCallout>
-    <cs:lnRef idx="0"/>
-    <cs:fillRef idx="0"/>
-    <cs:effectRef idx="0"/>
-    <cs:fontRef idx="minor">
-      <a:schemeClr val="dk1">
-        <a:lumMod val="65000"/>
-        <a:lumOff val="35000"/>
-      </a:schemeClr>
-    </cs:fontRef>
-    <cs:spPr>
-      <a:solidFill>
-        <a:schemeClr val="lt1"/>
-      </a:solidFill>
-      <a:ln>
-        <a:solidFill>
-          <a:schemeClr val="dk1">
-            <a:lumMod val="50000"/>
-            <a:lumOff val="50000"/>
-          </a:schemeClr>
-        </a:solidFill>
-      </a:ln>
-    </cs:spPr>
-    <cs:defRPr sz="1195" kern="1200"/>
-    <cs:bodyPr rot="0" spcFirstLastPara="1" vertOverflow="clip" horzOverflow="clip" vert="horz" wrap="square" lIns="36576" tIns="18288" rIns="36576" bIns="18288" anchor="ctr" anchorCtr="1">
-      <a:spAutoFit/>
-    </cs:bodyPr>
-  </cs:dataLabelCallout>
-  <cs:dataPoint>
-    <cs:lnRef idx="0"/>
-    <cs:fillRef idx="0">
-      <cs:styleClr val="auto"/>
-    </cs:fillRef>
-    <cs:effectRef idx="0"/>
-    <cs:fontRef idx="minor">
-      <a:schemeClr val="tx1"/>
-    </cs:fontRef>
-    <cs:spPr>
-      <a:solidFill>
-        <a:schemeClr val="phClr"/>
-      </a:solidFill>
-      <a:ln w="19050">
-        <a:solidFill>
-          <a:schemeClr val="lt1"/>
-        </a:solidFill>
-      </a:ln>
-    </cs:spPr>
-  </cs:dataPoint>
-  <cs:dataPoint3D>
-    <cs:lnRef idx="0"/>
-    <cs:fillRef idx="0">
-      <cs:styleClr val="auto"/>
-    </cs:fillRef>
-    <cs:effectRef idx="0"/>
-    <cs:fontRef idx="minor">
-      <a:schemeClr val="tx1"/>
-    </cs:fontRef>
-    <cs:spPr>
-      <a:solidFill>
-        <a:schemeClr val="phClr"/>
-      </a:solidFill>
-      <a:ln w="19050">
-        <a:solidFill>
-          <a:schemeClr val="lt1"/>
-        </a:solidFill>
-      </a:ln>
-    </cs:spPr>
-  </cs:dataPoint3D>
-  <cs:dataPointLine>
-    <cs:lnRef idx="0">
-      <cs:styleClr val="auto"/>
-    </cs:lnRef>
-    <cs:fillRef idx="0"/>
-    <cs:effectRef idx="0"/>
-    <cs:fontRef idx="minor">
-      <a:schemeClr val="tx1"/>
-    </cs:fontRef>
-    <cs:spPr>
-      <a:ln w="28575" cap="rnd">
-        <a:solidFill>
-          <a:schemeClr val="phClr"/>
-        </a:solidFill>
-        <a:round/>
-      </a:ln>
-    </cs:spPr>
-  </cs:dataPointLine>
-  <cs:dataPointMarker>
-    <cs:lnRef idx="0"/>
-    <cs:fillRef idx="0">
-      <cs:styleClr val="auto"/>
-    </cs:fillRef>
-    <cs:effectRef idx="0"/>
-    <cs:fontRef idx="minor">
-      <a:schemeClr val="tx1"/>
-    </cs:fontRef>
-    <cs:spPr>
-      <a:solidFill>
-        <a:schemeClr val="phClr"/>
-      </a:solidFill>
-      <a:ln w="9525">
-        <a:solidFill>
-          <a:schemeClr val="lt1"/>
-        </a:solidFill>
-      </a:ln>
-    </cs:spPr>
-  </cs:dataPointMarker>
-  <cs:dataPointMarkerLayout symbol="circle" size="6"/>
-  <cs:dataPointWireframe>
-    <cs:lnRef idx="0">
-      <cs:styleClr val="auto"/>
-    </cs:lnRef>
-    <cs:fillRef idx="0"/>
-    <cs:effectRef idx="0"/>
-    <cs:fontRef idx="minor">
-      <a:schemeClr val="tx1"/>
-    </cs:fontRef>
-    <cs:spPr>
-      <a:ln w="9525" cap="rnd">
-        <a:solidFill>
-          <a:schemeClr val="phClr"/>
-        </a:solidFill>
-        <a:round/>
-      </a:ln>
-    </cs:spPr>
-  </cs:dataPointWireframe>
-  <cs:dataTable>
-    <cs:lnRef idx="0"/>
-    <cs:fillRef idx="0"/>
-    <cs:effectRef idx="0"/>
-    <cs:fontRef idx="minor">
-      <a:schemeClr val="tx1">
-        <a:lumMod val="65000"/>
-        <a:lumOff val="35000"/>
-      </a:schemeClr>
-    </cs:fontRef>
-    <cs:spPr>
-      <a:noFill/>
-      <a:ln w="9525" cap="flat" cmpd="sng" algn="ctr">
-        <a:solidFill>
-          <a:schemeClr val="tx1">
-            <a:lumMod val="15000"/>
-            <a:lumOff val="85000"/>
-          </a:schemeClr>
-        </a:solidFill>
-        <a:round/>
-      </a:ln>
-    </cs:spPr>
-    <cs:defRPr sz="1195" kern="1200"/>
-  </cs:dataTable>
-  <cs:downBar>
-    <cs:lnRef idx="0"/>
-    <cs:fillRef idx="0"/>
-    <cs:effectRef idx="0"/>
-    <cs:fontRef idx="minor">
-      <a:schemeClr val="tx1"/>
-    </cs:fontRef>
-    <cs:spPr>
-      <a:solidFill>
-        <a:schemeClr val="dk1">
-          <a:lumMod val="75000"/>
-          <a:lumOff val="25000"/>
-        </a:schemeClr>
-      </a:solidFill>
-      <a:ln w="9525" cap="flat" cmpd="sng" algn="ctr">
-        <a:solidFill>
-          <a:schemeClr val="tx1">
-            <a:lumMod val="65000"/>
-            <a:lumOff val="35000"/>
-          </a:schemeClr>
-        </a:solidFill>
-        <a:round/>
-      </a:ln>
-    </cs:spPr>
-  </cs:downBar>
-  <cs:dropLine>
-    <cs:lnRef idx="0"/>
-    <cs:fillRef idx="0"/>
-    <cs:effectRef idx="0"/>
-    <cs:fontRef idx="minor">
-      <a:schemeClr val="tx1"/>
-    </cs:fontRef>
-    <cs:spPr>
-      <a:ln w="9525" cap="flat" cmpd="sng" algn="ctr">
-        <a:solidFill>
-          <a:schemeClr val="tx1">
-            <a:lumMod val="35000"/>
-            <a:lumOff val="65000"/>
-          </a:schemeClr>
-        </a:solidFill>
-        <a:round/>
-      </a:ln>
-    </cs:spPr>
-  </cs:dropLine>
-  <cs:errorBar>
-    <cs:lnRef idx="0"/>
-    <cs:fillRef idx="0"/>
-    <cs:effectRef idx="0"/>
-    <cs:fontRef idx="minor">
-      <a:schemeClr val="tx1"/>
-    </cs:fontRef>
-    <cs:spPr>
-      <a:ln w="9525" cap="flat" cmpd="sng" algn="ctr">
-        <a:solidFill>
-          <a:schemeClr val="tx1">
-            <a:lumMod val="65000"/>
-            <a:lumOff val="35000"/>
-          </a:schemeClr>
-        </a:solidFill>
-        <a:round/>
-      </a:ln>
-    </cs:spPr>
-  </cs:errorBar>
-  <cs:floor>
-    <cs:lnRef idx="0"/>
-    <cs:fillRef idx="0"/>
-    <cs:effectRef idx="0"/>
-    <cs:fontRef idx="minor">
-      <a:schemeClr val="tx1"/>
-    </cs:fontRef>
-    <cs:spPr>
-      <a:noFill/>
-      <a:ln>
-        <a:noFill/>
-      </a:ln>
-    </cs:spPr>
-  </cs:floor>
-  <cs:gridlineMajor>
-    <cs:lnRef idx="0"/>
-    <cs:fillRef idx="0"/>
-    <cs:effectRef idx="0"/>
-    <cs:fontRef idx="minor">
-      <a:schemeClr val="tx1"/>
-    </cs:fontRef>
-    <cs:spPr>
-      <a:ln w="9525" cap="flat" cmpd="sng" algn="ctr">
-        <a:solidFill>
-          <a:schemeClr val="tx1">
-            <a:lumMod val="15000"/>
-            <a:lumOff val="85000"/>
-          </a:schemeClr>
-        </a:solidFill>
-        <a:round/>
-      </a:ln>
-    </cs:spPr>
-  </cs:gridlineMajor>
-  <cs:gridlineMinor>
-    <cs:lnRef idx="0"/>
-    <cs:fillRef idx="0"/>
-    <cs:effectRef idx="0"/>
-    <cs:fontRef idx="minor">
-      <a:schemeClr val="tx1"/>
-    </cs:fontRef>
-    <cs:spPr>
-      <a:ln w="9525" cap="flat" cmpd="sng" algn="ctr">
-        <a:solidFill>
-          <a:schemeClr val="tx1">
-            <a:lumMod val="5000"/>
-            <a:lumOff val="95000"/>
-          </a:schemeClr>
-        </a:solidFill>
-        <a:round/>
-      </a:ln>
-    </cs:spPr>
-  </cs:gridlineMinor>
-  <cs:hiLoLine>
-    <cs:lnRef idx="0"/>
-    <cs:fillRef idx="0"/>
-    <cs:effectRef idx="0"/>
-    <cs:fontRef idx="minor">
-      <a:schemeClr val="tx1"/>
-    </cs:fontRef>
-    <cs:spPr>
-      <a:ln w="9525" cap="flat" cmpd="sng" algn="ctr">
-        <a:solidFill>
-          <a:schemeClr val="tx1">
-            <a:lumMod val="50000"/>
-            <a:lumOff val="50000"/>
-          </a:schemeClr>
-        </a:solidFill>
-        <a:round/>
-      </a:ln>
-    </cs:spPr>
-  </cs:hiLoLine>
-  <cs:leaderLine>
-    <cs:lnRef idx="0"/>
-    <cs:fillRef idx="0"/>
-    <cs:effectRef idx="0"/>
-    <cs:fontRef idx="minor">
-      <a:schemeClr val="tx1"/>
-    </cs:fontRef>
-    <cs:spPr>
-      <a:ln w="9525" cap="flat" cmpd="sng" algn="ctr">
-        <a:solidFill>
-          <a:schemeClr val="tx1">
-            <a:lumMod val="35000"/>
-            <a:lumOff val="65000"/>
-          </a:schemeClr>
-        </a:solidFill>
-        <a:round/>
-      </a:ln>
-    </cs:spPr>
-  </cs:leaderLine>
-  <cs:legend>
-    <cs:lnRef idx="0"/>
-    <cs:fillRef idx="0"/>
-    <cs:effectRef idx="0"/>
-    <cs:fontRef idx="minor">
-      <a:schemeClr val="tx1">
-        <a:lumMod val="65000"/>
-        <a:lumOff val="35000"/>
-      </a:schemeClr>
-    </cs:fontRef>
-    <cs:defRPr sz="1195" kern="1200"/>
-  </cs:legend>
-  <cs:plotArea mods="allowNoFillOverride allowNoLineOverride">
-    <cs:lnRef idx="0"/>
-    <cs:fillRef idx="0"/>
-    <cs:effectRef idx="0"/>
-    <cs:fontRef idx="minor">
-      <a:schemeClr val="tx1"/>
-    </cs:fontRef>
-  </cs:plotArea>
-  <cs:plotArea3D mods="allowNoFillOverride allowNoLineOverride">
-    <cs:lnRef idx="0"/>
-    <cs:fillRef idx="0"/>
-    <cs:effectRef idx="0"/>
-    <cs:fontRef idx="minor">
-      <a:schemeClr val="tx1"/>
-    </cs:fontRef>
-  </cs:plotArea3D>
-  <cs:seriesAxis>
-    <cs:lnRef idx="0"/>
-    <cs:fillRef idx="0"/>
-    <cs:effectRef idx="0"/>
-    <cs:fontRef idx="minor">
-      <a:schemeClr val="tx1">
-        <a:lumMod val="65000"/>
-        <a:lumOff val="35000"/>
-      </a:schemeClr>
-    </cs:fontRef>
-    <cs:defRPr sz="1195" kern="1200"/>
-  </cs:seriesAxis>
-  <cs:seriesLine>
-    <cs:lnRef idx="0"/>
-    <cs:fillRef idx="0"/>
-    <cs:effectRef idx="0"/>
-    <cs:fontRef idx="minor">
-      <a:schemeClr val="tx1"/>
-    </cs:fontRef>
-    <cs:spPr>
-      <a:ln w="9525" cap="flat" cmpd="sng" algn="ctr">
-        <a:solidFill>
-          <a:schemeClr val="tx1">
-            <a:lumMod val="35000"/>
-            <a:lumOff val="65000"/>
-          </a:schemeClr>
-        </a:solidFill>
-        <a:round/>
-      </a:ln>
-    </cs:spPr>
-  </cs:seriesLine>
-  <cs:title>
-    <cs:lnRef idx="0"/>
-    <cs:fillRef idx="0"/>
-    <cs:effectRef idx="0"/>
-    <cs:fontRef idx="minor">
-      <a:schemeClr val="tx1">
-        <a:lumMod val="65000"/>
-        <a:lumOff val="35000"/>
-      </a:schemeClr>
-    </cs:fontRef>
-    <cs:defRPr sz="1915" b="0" kern="1200" spc="0" baseline="0"/>
-  </cs:title>
-  <cs:trendline>
-    <cs:lnRef idx="0">
-      <cs:styleClr val="auto"/>
-    </cs:lnRef>
-    <cs:fillRef idx="0"/>
-    <cs:effectRef idx="0"/>
-    <cs:fontRef idx="minor">
-      <a:schemeClr val="tx1"/>
-    </cs:fontRef>
-    <cs:spPr>
-      <a:ln w="19050" cap="rnd">
-        <a:solidFill>
-          <a:schemeClr val="phClr"/>
-        </a:solidFill>
-        <a:prstDash val="sysDash"/>
-      </a:ln>
-    </cs:spPr>
-  </cs:trendline>
-  <cs:trendlineLabel>
-    <cs:lnRef idx="0"/>
-    <cs:fillRef idx="0"/>
-    <cs:effectRef idx="0"/>
-    <cs:fontRef idx="minor">
-      <a:schemeClr val="tx1">
-        <a:lumMod val="65000"/>
-        <a:lumOff val="35000"/>
-      </a:schemeClr>
-    </cs:fontRef>
-    <cs:defRPr sz="1195" kern="1200"/>
-  </cs:trendlineLabel>
-  <cs:upBar>
-    <cs:lnRef idx="0"/>
-    <cs:fillRef idx="0"/>
-    <cs:effectRef idx="0"/>
-    <cs:fontRef idx="minor">
-      <a:schemeClr val="tx1"/>
-    </cs:fontRef>
-    <cs:spPr>
-      <a:solidFill>
-        <a:schemeClr val="lt1"/>
-      </a:solidFill>
-      <a:ln w="9525" cap="flat" cmpd="sng" algn="ctr">
-        <a:solidFill>
-          <a:schemeClr val="tx1">
-            <a:lumMod val="65000"/>
-            <a:lumOff val="35000"/>
-          </a:schemeClr>
-        </a:solidFill>
-        <a:round/>
-      </a:ln>
-    </cs:spPr>
-  </cs:upBar>
-  <cs:valueAxis>
-    <cs:lnRef idx="0"/>
-    <cs:fillRef idx="0"/>
-    <cs:effectRef idx="0"/>
-    <cs:fontRef idx="minor">
-      <a:schemeClr val="tx1">
-        <a:lumMod val="65000"/>
-        <a:lumOff val="35000"/>
-      </a:schemeClr>
-    </cs:fontRef>
-    <cs:defRPr sz="1195" kern="1200"/>
-  </cs:valueAxis>
-  <cs:wall>
-    <cs:lnRef idx="0"/>
-    <cs:fillRef idx="0"/>
-    <cs:effectRef idx="0"/>
-    <cs:fontRef idx="minor">
-      <a:schemeClr val="tx1"/>
-    </cs:fontRef>
-    <cs:spPr>
-      <a:noFill/>
-      <a:ln>
-        <a:noFill/>
-      </a:ln>
-    </cs:spPr>
-  </cs:wall>
-</cs:chartStyle>
-</file>
-
-<file path=ppt/charts/style2.xml><?xml version="1.0" encoding="utf-8"?>
-<cs:chartStyle xmlns:cs="http://schemas.microsoft.com/office/drawing/2012/chartStyle" xmlns:a="http://schemas.openxmlformats.org/drawingml/2006/main" id="201">
-  <cs:axisTitle>
-    <cs:lnRef idx="0"/>
-    <cs:fillRef idx="0"/>
-    <cs:effectRef idx="0"/>
-    <cs:fontRef idx="minor">
-      <a:schemeClr val="tx1">
-        <a:lumMod val="65000"/>
-        <a:lumOff val="35000"/>
-      </a:schemeClr>
-    </cs:fontRef>
-    <cs:defRPr sz="1330" kern="1200"/>
-  </cs:axisTitle>
-  <cs:categoryAxis>
-    <cs:lnRef idx="0"/>
-    <cs:fillRef idx="0"/>
-    <cs:effectRef idx="0"/>
-    <cs:fontRef idx="minor">
-      <a:schemeClr val="tx1">
-        <a:lumMod val="65000"/>
-        <a:lumOff val="35000"/>
-      </a:schemeClr>
-    </cs:fontRef>
-    <cs:spPr>
-      <a:ln w="9525" cap="flat" cmpd="sng" algn="ctr">
-        <a:solidFill>
-          <a:schemeClr val="tx1">
-            <a:lumMod val="15000"/>
-            <a:lumOff val="85000"/>
-          </a:schemeClr>
-        </a:solidFill>
-        <a:round/>
-      </a:ln>
-    </cs:spPr>
-    <cs:defRPr sz="1195" kern="1200"/>
-  </cs:categoryAxis>
-  <cs:chartArea mods="allowNoFillOverride allowNoLineOverride">
-    <cs:lnRef idx="0"/>
-    <cs:fillRef idx="0"/>
-    <cs:effectRef idx="0"/>
-    <cs:fontRef idx="minor">
-      <a:schemeClr val="tx1"/>
-    </cs:fontRef>
-    <cs:spPr>
-      <a:solidFill>
-        <a:schemeClr val="bg1"/>
-      </a:solidFill>
-      <a:ln w="9525" cap="flat" cmpd="sng" algn="ctr">
-        <a:solidFill>
-          <a:schemeClr val="tx1">
-            <a:lumMod val="15000"/>
-            <a:lumOff val="85000"/>
-          </a:schemeClr>
-        </a:solidFill>
-        <a:round/>
-      </a:ln>
-    </cs:spPr>
-    <cs:defRPr sz="1330" kern="1200"/>
-  </cs:chartArea>
-  <cs:dataLabel>
-    <cs:lnRef idx="0"/>
-    <cs:fillRef idx="0"/>
-    <cs:effectRef idx="0"/>
-    <cs:fontRef idx="minor">
-      <a:schemeClr val="tx1">
-        <a:lumMod val="75000"/>
-        <a:lumOff val="25000"/>
-      </a:schemeClr>
-    </cs:fontRef>
-    <cs:defRPr sz="1195" kern="1200"/>
-  </cs:dataLabel>
-  <cs:dataLabelCallout>
-    <cs:lnRef idx="0"/>
-    <cs:fillRef idx="0"/>
-    <cs:effectRef idx="0"/>
-    <cs:fontRef idx="minor">
-      <a:schemeClr val="dk1">
-        <a:lumMod val="65000"/>
-        <a:lumOff val="35000"/>
-      </a:schemeClr>
-    </cs:fontRef>
-    <cs:spPr>
-      <a:solidFill>
-        <a:schemeClr val="lt1"/>
-      </a:solidFill>
-      <a:ln>
-        <a:solidFill>
-          <a:schemeClr val="dk1">
-            <a:lumMod val="25000"/>
-            <a:lumOff val="75000"/>
-          </a:schemeClr>
-        </a:solidFill>
-      </a:ln>
-    </cs:spPr>
-    <cs:defRPr sz="1195" kern="1200"/>
-    <cs:bodyPr rot="0" spcFirstLastPara="1" vertOverflow="clip" horzOverflow="clip" vert="horz" wrap="square" lIns="36576" tIns="18288" rIns="36576" bIns="18288" anchor="ctr" anchorCtr="1">
-      <a:spAutoFit/>
-    </cs:bodyPr>
-  </cs:dataLabelCallout>
-  <cs:dataPoint>
-    <cs:lnRef idx="0"/>
-    <cs:fillRef idx="1">
-      <cs:styleClr val="auto"/>
-    </cs:fillRef>
-    <cs:effectRef idx="0"/>
-    <cs:fontRef idx="minor">
-      <a:schemeClr val="tx1"/>
-    </cs:fontRef>
-  </cs:dataPoint>
-  <cs:dataPoint3D>
-    <cs:lnRef idx="0"/>
-    <cs:fillRef idx="1">
-      <cs:styleClr val="auto"/>
-    </cs:fillRef>
-    <cs:effectRef idx="0"/>
-    <cs:fontRef idx="minor">
-      <a:schemeClr val="tx1"/>
-    </cs:fontRef>
-  </cs:dataPoint3D>
-  <cs:dataPointLine>
-    <cs:lnRef idx="0">
-      <cs:styleClr val="auto"/>
-    </cs:lnRef>
-    <cs:fillRef idx="1"/>
-    <cs:effectRef idx="0"/>
-    <cs:fontRef idx="minor">
-      <a:schemeClr val="tx1"/>
-    </cs:fontRef>
-    <cs:spPr>
-      <a:ln w="28575" cap="rnd">
-        <a:solidFill>
-          <a:schemeClr val="phClr"/>
-        </a:solidFill>
-        <a:round/>
-      </a:ln>
-    </cs:spPr>
-  </cs:dataPointLine>
-  <cs:dataPointMarker>
-    <cs:lnRef idx="0">
-      <cs:styleClr val="auto"/>
-    </cs:lnRef>
-    <cs:fillRef idx="1">
-      <cs:styleClr val="auto"/>
-    </cs:fillRef>
-    <cs:effectRef idx="0"/>
-    <cs:fontRef idx="minor">
-      <a:schemeClr val="tx1"/>
-    </cs:fontRef>
-    <cs:spPr>
-      <a:ln w="9525">
-        <a:solidFill>
-          <a:schemeClr val="phClr"/>
-        </a:solidFill>
-      </a:ln>
-    </cs:spPr>
-  </cs:dataPointMarker>
-  <cs:dataPointMarkerLayout symbol="circle" size="5"/>
-  <cs:dataPointWireframe>
-    <cs:lnRef idx="0">
-      <cs:styleClr val="auto"/>
-    </cs:lnRef>
-    <cs:fillRef idx="1"/>
-    <cs:effectRef idx="0"/>
-    <cs:fontRef idx="minor">
-      <a:schemeClr val="tx1"/>
-    </cs:fontRef>
-    <cs:spPr>
-      <a:ln w="9525" cap="rnd">
-        <a:solidFill>
-          <a:schemeClr val="phClr"/>
-        </a:solidFill>
-        <a:round/>
-      </a:ln>
-    </cs:spPr>
-  </cs:dataPointWireframe>
-  <cs:dataTable>
-    <cs:lnRef idx="0"/>
-    <cs:fillRef idx="0"/>
-    <cs:effectRef idx="0"/>
-    <cs:fontRef idx="minor">
-      <a:schemeClr val="tx1">
-        <a:lumMod val="65000"/>
-        <a:lumOff val="35000"/>
-      </a:schemeClr>
-    </cs:fontRef>
-    <cs:spPr>
-      <a:noFill/>
-      <a:ln w="9525" cap="flat" cmpd="sng" algn="ctr">
-        <a:solidFill>
-          <a:schemeClr val="tx1">
-            <a:lumMod val="15000"/>
-            <a:lumOff val="85000"/>
-          </a:schemeClr>
-        </a:solidFill>
-        <a:round/>
-      </a:ln>
-    </cs:spPr>
-    <cs:defRPr sz="1195" kern="1200"/>
-  </cs:dataTable>
-  <cs:downBar>
-    <cs:lnRef idx="0"/>
-    <cs:fillRef idx="0"/>
-    <cs:effectRef idx="0"/>
-    <cs:fontRef idx="minor">
-      <a:schemeClr val="dk1"/>
-    </cs:fontRef>
-    <cs:spPr>
-      <a:solidFill>
-        <a:schemeClr val="dk1">
-          <a:lumMod val="65000"/>
-          <a:lumOff val="35000"/>
-        </a:schemeClr>
-      </a:solidFill>
-      <a:ln w="9525">
-        <a:solidFill>
-          <a:schemeClr val="tx1">
-            <a:lumMod val="65000"/>
-            <a:lumOff val="35000"/>
-          </a:schemeClr>
-        </a:solidFill>
-      </a:ln>
-    </cs:spPr>
-  </cs:downBar>
-  <cs:dropLine>
-    <cs:lnRef idx="0"/>
-    <cs:fillRef idx="0"/>
-    <cs:effectRef idx="0"/>
-    <cs:fontRef idx="minor">
-      <a:schemeClr val="tx1"/>
-    </cs:fontRef>
-    <cs:spPr>
-      <a:ln w="9525" cap="flat" cmpd="sng" algn="ctr">
-        <a:solidFill>
-          <a:schemeClr val="tx1">
-            <a:lumMod val="35000"/>
-            <a:lumOff val="65000"/>
-          </a:schemeClr>
-        </a:solidFill>
-        <a:round/>
-      </a:ln>
-    </cs:spPr>
-  </cs:dropLine>
-  <cs:errorBar>
-    <cs:lnRef idx="0"/>
-    <cs:fillRef idx="0"/>
-    <cs:effectRef idx="0"/>
-    <cs:fontRef idx="minor">
-      <a:schemeClr val="tx1"/>
-    </cs:fontRef>
-    <cs:spPr>
-      <a:ln w="9525" cap="flat" cmpd="sng" algn="ctr">
-        <a:solidFill>
-          <a:schemeClr val="tx1">
-            <a:lumMod val="65000"/>
-            <a:lumOff val="35000"/>
-          </a:schemeClr>
-        </a:solidFill>
-        <a:round/>
-      </a:ln>
-    </cs:spPr>
-  </cs:errorBar>
-  <cs:floor>
-    <cs:lnRef idx="0"/>
-    <cs:fillRef idx="0"/>
-    <cs:effectRef idx="0"/>
-    <cs:fontRef idx="minor">
-      <a:schemeClr val="tx1"/>
-    </cs:fontRef>
-    <cs:spPr>
-      <a:noFill/>
-      <a:ln>
-        <a:noFill/>
-      </a:ln>
-    </cs:spPr>
-  </cs:floor>
-  <cs:gridlineMajor>
-    <cs:lnRef idx="0"/>
-    <cs:fillRef idx="0"/>
-    <cs:effectRef idx="0"/>
-    <cs:fontRef idx="minor">
-      <a:schemeClr val="tx1"/>
-    </cs:fontRef>
-    <cs:spPr>
-      <a:ln w="9525" cap="flat" cmpd="sng" algn="ctr">
-        <a:solidFill>
-          <a:schemeClr val="tx1">
-            <a:lumMod val="15000"/>
-            <a:lumOff val="85000"/>
-          </a:schemeClr>
-        </a:solidFill>
-        <a:round/>
-      </a:ln>
-    </cs:spPr>
-  </cs:gridlineMajor>
-  <cs:gridlineMinor>
-    <cs:lnRef idx="0"/>
-    <cs:fillRef idx="0"/>
-    <cs:effectRef idx="0"/>
-    <cs:fontRef idx="minor">
-      <a:schemeClr val="tx1"/>
-    </cs:fontRef>
-    <cs:spPr>
-      <a:ln w="9525" cap="flat" cmpd="sng" algn="ctr">
-        <a:solidFill>
-          <a:schemeClr val="tx1">
-            <a:lumMod val="5000"/>
-            <a:lumOff val="95000"/>
-          </a:schemeClr>
-        </a:solidFill>
-        <a:round/>
-      </a:ln>
-    </cs:spPr>
-  </cs:gridlineMinor>
-  <cs:hiLoLine>
-    <cs:lnRef idx="0"/>
-    <cs:fillRef idx="0"/>
-    <cs:effectRef idx="0"/>
-    <cs:fontRef idx="minor">
-      <a:schemeClr val="tx1"/>
-    </cs:fontRef>
-    <cs:spPr>
-      <a:ln w="9525" cap="flat" cmpd="sng" algn="ctr">
-        <a:solidFill>
-          <a:schemeClr val="tx1">
-            <a:lumMod val="75000"/>
-            <a:lumOff val="25000"/>
-          </a:schemeClr>
-        </a:solidFill>
-        <a:round/>
-      </a:ln>
-    </cs:spPr>
-  </cs:hiLoLine>
-  <cs:leaderLine>
-    <cs:lnRef idx="0"/>
-    <cs:fillRef idx="0"/>
-    <cs:effectRef idx="0"/>
-    <cs:fontRef idx="minor">
-      <a:schemeClr val="tx1"/>
-    </cs:fontRef>
-    <cs:spPr>
-      <a:ln w="9525" cap="flat" cmpd="sng" algn="ctr">
-        <a:solidFill>
-          <a:schemeClr val="tx1">
-            <a:lumMod val="35000"/>
-            <a:lumOff val="65000"/>
-          </a:schemeClr>
-        </a:solidFill>
-        <a:round/>
-      </a:ln>
-    </cs:spPr>
-  </cs:leaderLine>
-  <cs:legend>
-    <cs:lnRef idx="0"/>
-    <cs:fillRef idx="0"/>
-    <cs:effectRef idx="0"/>
-    <cs:fontRef idx="minor">
-      <a:schemeClr val="tx1">
-        <a:lumMod val="65000"/>
-        <a:lumOff val="35000"/>
-      </a:schemeClr>
-    </cs:fontRef>
-    <cs:defRPr sz="1195" kern="1200"/>
-  </cs:legend>
-  <cs:plotArea mods="allowNoFillOverride allowNoLineOverride">
-    <cs:lnRef idx="0"/>
-    <cs:fillRef idx="0"/>
-    <cs:effectRef idx="0"/>
-    <cs:fontRef idx="minor">
-      <a:schemeClr val="tx1"/>
-    </cs:fontRef>
-  </cs:plotArea>
-  <cs:plotArea3D mods="allowNoFillOverride allowNoLineOverride">
-    <cs:lnRef idx="0"/>
-    <cs:fillRef idx="0"/>
-    <cs:effectRef idx="0"/>
-    <cs:fontRef idx="minor">
-      <a:schemeClr val="tx1"/>
-    </cs:fontRef>
-  </cs:plotArea3D>
-  <cs:seriesAxis>
-    <cs:lnRef idx="0"/>
-    <cs:fillRef idx="0"/>
-    <cs:effectRef idx="0"/>
-    <cs:fontRef idx="minor">
-      <a:schemeClr val="tx1">
-        <a:lumMod val="65000"/>
-        <a:lumOff val="35000"/>
-      </a:schemeClr>
-    </cs:fontRef>
-    <cs:defRPr sz="1195" kern="1200"/>
-  </cs:seriesAxis>
-  <cs:seriesLine>
-    <cs:lnRef idx="0"/>
-    <cs:fillRef idx="0"/>
-    <cs:effectRef idx="0"/>
-    <cs:fontRef idx="minor">
-      <a:schemeClr val="tx1"/>
-    </cs:fontRef>
-    <cs:spPr>
-      <a:ln w="9525" cap="flat" cmpd="sng" algn="ctr">
-        <a:solidFill>
-          <a:schemeClr val="tx1">
-            <a:lumMod val="35000"/>
-            <a:lumOff val="65000"/>
-          </a:schemeClr>
-        </a:solidFill>
-        <a:round/>
-      </a:ln>
-    </cs:spPr>
-  </cs:seriesLine>
-  <cs:title>
-    <cs:lnRef idx="0"/>
-    <cs:fillRef idx="0"/>
-    <cs:effectRef idx="0"/>
-    <cs:fontRef idx="minor">
-      <a:schemeClr val="tx1">
-        <a:lumMod val="65000"/>
-        <a:lumOff val="35000"/>
-      </a:schemeClr>
-    </cs:fontRef>
-    <cs:defRPr sz="1860" b="0" kern="1200" spc="0" baseline="0"/>
-  </cs:title>
-  <cs:trendline>
-    <cs:lnRef idx="0">
-      <cs:styleClr val="auto"/>
-    </cs:lnRef>
-    <cs:fillRef idx="0"/>
-    <cs:effectRef idx="0"/>
-    <cs:fontRef idx="minor">
-      <a:schemeClr val="tx1"/>
-    </cs:fontRef>
-    <cs:spPr>
-      <a:ln w="19050" cap="rnd">
-        <a:solidFill>
-          <a:schemeClr val="phClr"/>
-        </a:solidFill>
-        <a:prstDash val="sysDot"/>
-      </a:ln>
-    </cs:spPr>
-  </cs:trendline>
-  <cs:trendlineLabel>
-    <cs:lnRef idx="0"/>
-    <cs:fillRef idx="0"/>
-    <cs:effectRef idx="0"/>
-    <cs:fontRef idx="minor">
-      <a:schemeClr val="tx1">
-        <a:lumMod val="65000"/>
-        <a:lumOff val="35000"/>
-      </a:schemeClr>
-    </cs:fontRef>
-    <cs:defRPr sz="1195" kern="1200"/>
-  </cs:trendlineLabel>
-  <cs:upBar>
-    <cs:lnRef idx="0"/>
-    <cs:fillRef idx="0"/>
-    <cs:effectRef idx="0"/>
-    <cs:fontRef idx="minor">
-      <a:schemeClr val="dk1"/>
-    </cs:fontRef>
-    <cs:spPr>
-      <a:solidFill>
-        <a:schemeClr val="lt1"/>
-      </a:solidFill>
-      <a:ln w="9525">
-        <a:solidFill>
-          <a:schemeClr val="tx1">
-            <a:lumMod val="15000"/>
-            <a:lumOff val="85000"/>
-          </a:schemeClr>
-        </a:solidFill>
-      </a:ln>
-    </cs:spPr>
-  </cs:upBar>
-  <cs:valueAxis>
-    <cs:lnRef idx="0"/>
-    <cs:fillRef idx="0"/>
-    <cs:effectRef idx="0"/>
-    <cs:fontRef idx="minor">
-      <a:schemeClr val="tx1">
-        <a:lumMod val="65000"/>
-        <a:lumOff val="35000"/>
-      </a:schemeClr>
-    </cs:fontRef>
-    <cs:defRPr sz="1195" kern="1200"/>
-  </cs:valueAxis>
-  <cs:wall>
-    <cs:lnRef idx="0"/>
-    <cs:fillRef idx="0"/>
-    <cs:effectRef idx="0"/>
-    <cs:fontRef idx="minor">
-      <a:schemeClr val="tx1"/>
-    </cs:fontRef>
-    <cs:spPr>
-      <a:noFill/>
-      <a:ln>
-        <a:noFill/>
-      </a:ln>
-    </cs:spPr>
-  </cs:wall>
-</cs:chartStyle>
 </file>
 
 <file path=ppt/notesMasters/notesMaster1.xml><?xml version="1.0" encoding="utf-8"?>
@@ -2968,7 +1090,7 @@
     </p:spTree>
     <p:extLst>
       <p:ext uri="{BB962C8B-B14F-4D97-AF65-F5344CB8AC3E}">
-        <p14:creationId xmlns:p14="http://schemas.microsoft.com/office/powerpoint/2010/main" val="3853459553"/>
+        <p14:creationId xmlns:p14="http://schemas.microsoft.com/office/powerpoint/2010/main" val="1947598271"/>
       </p:ext>
     </p:extLst>
   </p:cSld>
@@ -3136,7 +1258,7 @@
     </p:spTree>
     <p:extLst>
       <p:ext uri="{BB962C8B-B14F-4D97-AF65-F5344CB8AC3E}">
-        <p14:creationId xmlns:p14="http://schemas.microsoft.com/office/powerpoint/2010/main" val="1947598271"/>
+        <p14:creationId xmlns:p14="http://schemas.microsoft.com/office/powerpoint/2010/main" val="3853459553"/>
       </p:ext>
     </p:extLst>
   </p:cSld>
@@ -5601,14 +3723,6 @@
               </a:rPr>
               <a:t>主要内容</a:t>
             </a:r>
-            <a:endParaRPr lang="zh-CN" altLang="en-US" sz="2000" dirty="0">
-              <a:solidFill>
-                <a:schemeClr val="tx1">
-                  <a:lumMod val="85000"/>
-                  <a:lumOff val="15000"/>
-                </a:schemeClr>
-              </a:solidFill>
-            </a:endParaRPr>
           </a:p>
         </p:txBody>
       </p:sp>
@@ -5679,15 +3793,6 @@
               </a:rPr>
               <a:t>该项目的适用对象为商城管理员，我们设计该后台管理系统对前台部分和后台进行管理。人员操作，商城信息操作和销售操作是该系统的三大需求。</a:t>
             </a:r>
-            <a:endParaRPr lang="zh-CN" altLang="en-US" sz="1400" dirty="0">
-              <a:solidFill>
-                <a:schemeClr val="bg1">
-                  <a:lumMod val="50000"/>
-                </a:schemeClr>
-              </a:solidFill>
-              <a:latin typeface="微软雅黑" panose="020B0503020204020204" charset="-122"/>
-              <a:ea typeface="微软雅黑" panose="020B0503020204020204" charset="-122"/>
-            </a:endParaRPr>
           </a:p>
         </p:txBody>
       </p:sp>
@@ -5793,14 +3898,6 @@
               </a:rPr>
               <a:t>主要内容</a:t>
             </a:r>
-            <a:endParaRPr lang="zh-CN" altLang="en-US" sz="2000" dirty="0">
-              <a:solidFill>
-                <a:schemeClr val="tx1">
-                  <a:lumMod val="85000"/>
-                  <a:lumOff val="15000"/>
-                </a:schemeClr>
-              </a:solidFill>
-            </a:endParaRPr>
           </a:p>
         </p:txBody>
       </p:sp>
@@ -5812,8 +3909,8 @@
         </p:nvSpPr>
         <p:spPr>
           <a:xfrm>
-            <a:off x="3876094" y="375895"/>
-            <a:ext cx="2441694" cy="769441"/>
+            <a:off x="3876094" y="763369"/>
+            <a:ext cx="1723549" cy="461665"/>
           </a:xfrm>
           <a:prstGeom prst="rect">
             <a:avLst/>
@@ -5826,10 +3923,10 @@
           <a:lstStyle/>
           <a:p>
             <a:r>
-              <a:rPr lang="zh-CN" altLang="en-US" sz="4400" dirty="0" smtClean="0"/>
-              <a:t>详细设计</a:t>
-            </a:r>
-            <a:endParaRPr lang="en-US" altLang="zh-CN" sz="4400" dirty="0"/>
+              <a:rPr lang="zh-CN" altLang="en-US" sz="2400" dirty="0" smtClean="0"/>
+              <a:t>功能性需求</a:t>
+            </a:r>
+            <a:endParaRPr lang="en-US" altLang="zh-CN" sz="2400" dirty="0"/>
           </a:p>
         </p:txBody>
       </p:sp>
@@ -5842,7 +3939,7 @@
         <p:spPr>
           <a:xfrm>
             <a:off x="3885341" y="1220363"/>
-            <a:ext cx="6550312" cy="905248"/>
+            <a:ext cx="7228136" cy="932563"/>
           </a:xfrm>
           <a:prstGeom prst="rect">
             <a:avLst/>
@@ -5860,30 +3957,6 @@
               </a:lnSpc>
             </a:pPr>
             <a:r>
-              <a:rPr lang="zh-CN" altLang="en-US" sz="1400" b="1" dirty="0" smtClean="0">
-                <a:solidFill>
-                  <a:schemeClr val="bg1">
-                    <a:lumMod val="50000"/>
-                  </a:schemeClr>
-                </a:solidFill>
-                <a:latin typeface="微软雅黑" panose="020B0503020204020204" charset="-122"/>
-                <a:ea typeface="微软雅黑" panose="020B0503020204020204" charset="-122"/>
-              </a:rPr>
-              <a:t>总体框架</a:t>
-            </a:r>
-            <a:r>
-              <a:rPr lang="zh-CN" altLang="en-US" sz="1400" dirty="0" smtClean="0">
-                <a:solidFill>
-                  <a:schemeClr val="bg1">
-                    <a:lumMod val="50000"/>
-                  </a:schemeClr>
-                </a:solidFill>
-                <a:latin typeface="微软雅黑" panose="020B0503020204020204" charset="-122"/>
-                <a:ea typeface="微软雅黑" panose="020B0503020204020204" charset="-122"/>
-              </a:rPr>
-              <a:t>：该</a:t>
-            </a:r>
-            <a:r>
               <a:rPr lang="zh-CN" altLang="en-US" sz="1400" dirty="0">
                 <a:solidFill>
                   <a:schemeClr val="bg1">
@@ -5893,151 +3966,7 @@
                 <a:latin typeface="微软雅黑" panose="020B0503020204020204" charset="-122"/>
                 <a:ea typeface="微软雅黑" panose="020B0503020204020204" charset="-122"/>
               </a:rPr>
-              <a:t>系统采用客户端</a:t>
-            </a:r>
-            <a:r>
-              <a:rPr lang="en-US" altLang="zh-CN" sz="1400" dirty="0">
-                <a:solidFill>
-                  <a:schemeClr val="bg1">
-                    <a:lumMod val="50000"/>
-                  </a:schemeClr>
-                </a:solidFill>
-                <a:latin typeface="微软雅黑" panose="020B0503020204020204" charset="-122"/>
-                <a:ea typeface="微软雅黑" panose="020B0503020204020204" charset="-122"/>
-              </a:rPr>
-              <a:t>+</a:t>
-            </a:r>
-            <a:r>
-              <a:rPr lang="zh-CN" altLang="en-US" sz="1400" dirty="0">
-                <a:solidFill>
-                  <a:schemeClr val="bg1">
-                    <a:lumMod val="50000"/>
-                  </a:schemeClr>
-                </a:solidFill>
-                <a:latin typeface="微软雅黑" panose="020B0503020204020204" charset="-122"/>
-                <a:ea typeface="微软雅黑" panose="020B0503020204020204" charset="-122"/>
-              </a:rPr>
-              <a:t>服务端</a:t>
-            </a:r>
-            <a:r>
-              <a:rPr lang="en-US" altLang="zh-CN" sz="1400" dirty="0">
-                <a:solidFill>
-                  <a:schemeClr val="bg1">
-                    <a:lumMod val="50000"/>
-                  </a:schemeClr>
-                </a:solidFill>
-                <a:latin typeface="微软雅黑" panose="020B0503020204020204" charset="-122"/>
-                <a:ea typeface="微软雅黑" panose="020B0503020204020204" charset="-122"/>
-              </a:rPr>
-              <a:t>+</a:t>
-            </a:r>
-            <a:r>
-              <a:rPr lang="zh-CN" altLang="en-US" sz="1400" dirty="0">
-                <a:solidFill>
-                  <a:schemeClr val="bg1">
-                    <a:lumMod val="50000"/>
-                  </a:schemeClr>
-                </a:solidFill>
-                <a:latin typeface="微软雅黑" panose="020B0503020204020204" charset="-122"/>
-                <a:ea typeface="微软雅黑" panose="020B0503020204020204" charset="-122"/>
-              </a:rPr>
-              <a:t>数据库的方式进行开发。通过</a:t>
-            </a:r>
-            <a:r>
-              <a:rPr lang="en-US" altLang="zh-CN" sz="1400" dirty="0">
-                <a:solidFill>
-                  <a:schemeClr val="bg1">
-                    <a:lumMod val="50000"/>
-                  </a:schemeClr>
-                </a:solidFill>
-                <a:latin typeface="微软雅黑" panose="020B0503020204020204" charset="-122"/>
-                <a:ea typeface="微软雅黑" panose="020B0503020204020204" charset="-122"/>
-              </a:rPr>
-              <a:t>Node.js</a:t>
-            </a:r>
-            <a:r>
-              <a:rPr lang="zh-CN" altLang="en-US" sz="1400" dirty="0">
-                <a:solidFill>
-                  <a:schemeClr val="bg1">
-                    <a:lumMod val="50000"/>
-                  </a:schemeClr>
-                </a:solidFill>
-                <a:latin typeface="微软雅黑" panose="020B0503020204020204" charset="-122"/>
-                <a:ea typeface="微软雅黑" panose="020B0503020204020204" charset="-122"/>
-              </a:rPr>
-              <a:t>技术开发后台，使用</a:t>
-            </a:r>
-            <a:r>
-              <a:rPr lang="en-US" altLang="zh-CN" sz="1400" dirty="0">
-                <a:solidFill>
-                  <a:schemeClr val="bg1">
-                    <a:lumMod val="50000"/>
-                  </a:schemeClr>
-                </a:solidFill>
-                <a:latin typeface="微软雅黑" panose="020B0503020204020204" charset="-122"/>
-                <a:ea typeface="微软雅黑" panose="020B0503020204020204" charset="-122"/>
-              </a:rPr>
-              <a:t>express</a:t>
-            </a:r>
-            <a:r>
-              <a:rPr lang="zh-CN" altLang="en-US" sz="1400" dirty="0">
-                <a:solidFill>
-                  <a:schemeClr val="bg1">
-                    <a:lumMod val="50000"/>
-                  </a:schemeClr>
-                </a:solidFill>
-                <a:latin typeface="微软雅黑" panose="020B0503020204020204" charset="-122"/>
-                <a:ea typeface="微软雅黑" panose="020B0503020204020204" charset="-122"/>
-              </a:rPr>
-              <a:t>模块在服务端引入数据库服务，连接</a:t>
-            </a:r>
-            <a:r>
-              <a:rPr lang="en-US" altLang="zh-CN" sz="1400" dirty="0" err="1">
-                <a:solidFill>
-                  <a:schemeClr val="bg1">
-                    <a:lumMod val="50000"/>
-                  </a:schemeClr>
-                </a:solidFill>
-                <a:latin typeface="微软雅黑" panose="020B0503020204020204" charset="-122"/>
-                <a:ea typeface="微软雅黑" panose="020B0503020204020204" charset="-122"/>
-              </a:rPr>
-              <a:t>api</a:t>
-            </a:r>
-            <a:r>
-              <a:rPr lang="zh-CN" altLang="en-US" sz="1400" dirty="0">
-                <a:solidFill>
-                  <a:schemeClr val="bg1">
-                    <a:lumMod val="50000"/>
-                  </a:schemeClr>
-                </a:solidFill>
-                <a:latin typeface="微软雅黑" panose="020B0503020204020204" charset="-122"/>
-                <a:ea typeface="微软雅黑" panose="020B0503020204020204" charset="-122"/>
-              </a:rPr>
-              <a:t>接口，客户端获取参数传递到服务端，服务端通过</a:t>
-            </a:r>
-            <a:r>
-              <a:rPr lang="en-US" altLang="zh-CN" sz="1400" dirty="0">
-                <a:solidFill>
-                  <a:schemeClr val="bg1">
-                    <a:lumMod val="50000"/>
-                  </a:schemeClr>
-                </a:solidFill>
-                <a:latin typeface="微软雅黑" panose="020B0503020204020204" charset="-122"/>
-                <a:ea typeface="微软雅黑" panose="020B0503020204020204" charset="-122"/>
-              </a:rPr>
-              <a:t>SQL</a:t>
-            </a:r>
-            <a:r>
-              <a:rPr lang="zh-CN" altLang="en-US" sz="1400" dirty="0">
-                <a:solidFill>
-                  <a:schemeClr val="bg1">
-                    <a:lumMod val="50000"/>
-                  </a:schemeClr>
-                </a:solidFill>
-                <a:latin typeface="微软雅黑" panose="020B0503020204020204" charset="-122"/>
-                <a:ea typeface="微软雅黑" panose="020B0503020204020204" charset="-122"/>
-              </a:rPr>
-              <a:t>查询语句对数据库进行操作。</a:t>
+              <a:t>管理员保护电子商城的良好环境，及时处理违规人员，包括管理员及用户；同时，当用户使用电子购物商城时，管理员可以对前台商品信息进行添加修改，推送新资讯等操作；除此之外，为了电子购物商城长久稳定的运作下去，对商品销售数据进行查询统计。</a:t>
             </a:r>
             <a:endParaRPr lang="zh-CN" altLang="en-US" sz="1400" dirty="0">
               <a:solidFill>
@@ -6253,7 +4182,7 @@
         </p:blipFill>
         <p:spPr>
           <a:xfrm>
-            <a:off x="3630613" y="2386687"/>
+            <a:off x="4015833" y="2532255"/>
             <a:ext cx="6650145" cy="2968816"/>
           </a:xfrm>
           <a:prstGeom prst="rect">
@@ -7091,17 +5020,6 @@
           <a:lstStyle/>
           <a:p>
             <a:r>
-              <a:rPr lang="zh-CN" altLang="en-US" sz="2000" dirty="0" smtClean="0">
-                <a:solidFill>
-                  <a:schemeClr val="tx1">
-                    <a:lumMod val="85000"/>
-                    <a:lumOff val="15000"/>
-                  </a:schemeClr>
-                </a:solidFill>
-              </a:rPr>
-              <a:t>研究</a:t>
-            </a:r>
-            <a:r>
               <a:rPr lang="zh-CN" altLang="en-US" sz="2000" dirty="0">
                 <a:solidFill>
                   <a:schemeClr val="tx1">
@@ -7110,27 +5028,19 @@
                   </a:schemeClr>
                 </a:solidFill>
               </a:rPr>
-              <a:t>方法</a:t>
-            </a:r>
+              <a:t>主要内容</a:t>
+            </a:r>
+            <a:endParaRPr lang="zh-CN" altLang="en-US" sz="2000" dirty="0">
+              <a:solidFill>
+                <a:schemeClr val="tx1">
+                  <a:lumMod val="85000"/>
+                  <a:lumOff val="15000"/>
+                </a:schemeClr>
+              </a:solidFill>
+            </a:endParaRPr>
           </a:p>
         </p:txBody>
       </p:sp>
-      <p:graphicFrame>
-        <p:nvGraphicFramePr>
-          <p:cNvPr id="9" name="图表 8"/>
-          <p:cNvGraphicFramePr/>
-          <p:nvPr/>
-        </p:nvGraphicFramePr>
-        <p:xfrm>
-          <a:off x="3211496" y="2114636"/>
-          <a:ext cx="8023859" cy="5405287"/>
-        </p:xfrm>
-        <a:graphic>
-          <a:graphicData uri="http://schemas.openxmlformats.org/drawingml/2006/chart">
-            <c:chart xmlns:c="http://schemas.openxmlformats.org/drawingml/2006/chart" xmlns:r="http://schemas.openxmlformats.org/officeDocument/2006/relationships" r:id="rId3"/>
-          </a:graphicData>
-        </a:graphic>
-      </p:graphicFrame>
       <p:sp>
         <p:nvSpPr>
           <p:cNvPr id="12" name="矩形 11"/>
@@ -7139,8 +5049,8 @@
         </p:nvSpPr>
         <p:spPr>
           <a:xfrm>
-            <a:off x="3988101" y="985272"/>
-            <a:ext cx="2031325" cy="369332"/>
+            <a:off x="7144802" y="2369498"/>
+            <a:ext cx="1210588" cy="400110"/>
           </a:xfrm>
           <a:prstGeom prst="rect">
             <a:avLst/>
@@ -7153,9 +5063,10 @@
           <a:lstStyle/>
           <a:p>
             <a:r>
-              <a:rPr lang="zh-CN" altLang="en-US" dirty="0"/>
-              <a:t>点击此处添加标题</a:t>
-            </a:r>
+              <a:rPr lang="zh-CN" altLang="en-US" sz="2000" b="1" dirty="0" smtClean="0"/>
+              <a:t>详细设计</a:t>
+            </a:r>
+            <a:endParaRPr lang="zh-CN" altLang="en-US" sz="2000" b="1" dirty="0"/>
           </a:p>
         </p:txBody>
       </p:sp>
@@ -7167,8 +5078,8 @@
         </p:nvSpPr>
         <p:spPr>
           <a:xfrm>
-            <a:off x="3906021" y="1461980"/>
-            <a:ext cx="7193779" cy="652486"/>
+            <a:off x="7012921" y="2919418"/>
+            <a:ext cx="4831977" cy="1227858"/>
           </a:xfrm>
           <a:prstGeom prst="rect">
             <a:avLst/>
@@ -7186,6 +5097,18 @@
               </a:lnSpc>
             </a:pPr>
             <a:r>
+              <a:rPr lang="zh-CN" altLang="en-US" sz="1400" dirty="0" smtClean="0">
+                <a:solidFill>
+                  <a:schemeClr val="bg1">
+                    <a:lumMod val="50000"/>
+                  </a:schemeClr>
+                </a:solidFill>
+                <a:latin typeface="微软雅黑" panose="020B0503020204020204" charset="-122"/>
+                <a:ea typeface="微软雅黑" panose="020B0503020204020204" charset="-122"/>
+              </a:rPr>
+              <a:t>该</a:t>
+            </a:r>
+            <a:r>
               <a:rPr lang="zh-CN" altLang="en-US" sz="1400" dirty="0">
                 <a:solidFill>
                   <a:schemeClr val="bg1">
@@ -7195,7 +5118,7 @@
                 <a:latin typeface="微软雅黑" panose="020B0503020204020204" charset="-122"/>
                 <a:ea typeface="微软雅黑" panose="020B0503020204020204" charset="-122"/>
               </a:rPr>
-              <a:t>标题数字等都可以通过点击和重新输入进行更改，顶部“开始”面板中可以对字体、字号、颜色、行距等进行修改。建议正文</a:t>
+              <a:t>系统采用客户端</a:t>
             </a:r>
             <a:r>
               <a:rPr lang="en-US" altLang="zh-CN" sz="1400" dirty="0">
@@ -7207,7 +5130,7 @@
                 <a:latin typeface="微软雅黑" panose="020B0503020204020204" charset="-122"/>
                 <a:ea typeface="微软雅黑" panose="020B0503020204020204" charset="-122"/>
               </a:rPr>
-              <a:t>8-14</a:t>
+              <a:t>+</a:t>
             </a:r>
             <a:r>
               <a:rPr lang="zh-CN" altLang="en-US" sz="1400" dirty="0">
@@ -7219,7 +5142,7 @@
                 <a:latin typeface="微软雅黑" panose="020B0503020204020204" charset="-122"/>
                 <a:ea typeface="微软雅黑" panose="020B0503020204020204" charset="-122"/>
               </a:rPr>
-              <a:t>号字，</a:t>
+              <a:t>服务端</a:t>
             </a:r>
             <a:r>
               <a:rPr lang="en-US" altLang="zh-CN" sz="1400" dirty="0">
@@ -7231,7 +5154,7 @@
                 <a:latin typeface="微软雅黑" panose="020B0503020204020204" charset="-122"/>
                 <a:ea typeface="微软雅黑" panose="020B0503020204020204" charset="-122"/>
               </a:rPr>
-              <a:t>1.3</a:t>
+              <a:t>+</a:t>
             </a:r>
             <a:r>
               <a:rPr lang="zh-CN" altLang="en-US" sz="1400" dirty="0">
@@ -7243,8 +5166,113 @@
                 <a:latin typeface="微软雅黑" panose="020B0503020204020204" charset="-122"/>
                 <a:ea typeface="微软雅黑" panose="020B0503020204020204" charset="-122"/>
               </a:rPr>
-              <a:t>倍字间距。</a:t>
-            </a:r>
+              <a:t>数据库的方式进行开发。通过</a:t>
+            </a:r>
+            <a:r>
+              <a:rPr lang="en-US" altLang="zh-CN" sz="1400" dirty="0">
+                <a:solidFill>
+                  <a:schemeClr val="bg1">
+                    <a:lumMod val="50000"/>
+                  </a:schemeClr>
+                </a:solidFill>
+                <a:latin typeface="微软雅黑" panose="020B0503020204020204" charset="-122"/>
+                <a:ea typeface="微软雅黑" panose="020B0503020204020204" charset="-122"/>
+              </a:rPr>
+              <a:t>Node.js</a:t>
+            </a:r>
+            <a:r>
+              <a:rPr lang="zh-CN" altLang="en-US" sz="1400" dirty="0">
+                <a:solidFill>
+                  <a:schemeClr val="bg1">
+                    <a:lumMod val="50000"/>
+                  </a:schemeClr>
+                </a:solidFill>
+                <a:latin typeface="微软雅黑" panose="020B0503020204020204" charset="-122"/>
+                <a:ea typeface="微软雅黑" panose="020B0503020204020204" charset="-122"/>
+              </a:rPr>
+              <a:t>技术开发后台，使用</a:t>
+            </a:r>
+            <a:r>
+              <a:rPr lang="en-US" altLang="zh-CN" sz="1400" dirty="0">
+                <a:solidFill>
+                  <a:schemeClr val="bg1">
+                    <a:lumMod val="50000"/>
+                  </a:schemeClr>
+                </a:solidFill>
+                <a:latin typeface="微软雅黑" panose="020B0503020204020204" charset="-122"/>
+                <a:ea typeface="微软雅黑" panose="020B0503020204020204" charset="-122"/>
+              </a:rPr>
+              <a:t>express</a:t>
+            </a:r>
+            <a:r>
+              <a:rPr lang="zh-CN" altLang="en-US" sz="1400" dirty="0">
+                <a:solidFill>
+                  <a:schemeClr val="bg1">
+                    <a:lumMod val="50000"/>
+                  </a:schemeClr>
+                </a:solidFill>
+                <a:latin typeface="微软雅黑" panose="020B0503020204020204" charset="-122"/>
+                <a:ea typeface="微软雅黑" panose="020B0503020204020204" charset="-122"/>
+              </a:rPr>
+              <a:t>模块在服务端引入数据库服务，连接</a:t>
+            </a:r>
+            <a:r>
+              <a:rPr lang="en-US" altLang="zh-CN" sz="1400" dirty="0" err="1">
+                <a:solidFill>
+                  <a:schemeClr val="bg1">
+                    <a:lumMod val="50000"/>
+                  </a:schemeClr>
+                </a:solidFill>
+                <a:latin typeface="微软雅黑" panose="020B0503020204020204" charset="-122"/>
+                <a:ea typeface="微软雅黑" panose="020B0503020204020204" charset="-122"/>
+              </a:rPr>
+              <a:t>api</a:t>
+            </a:r>
+            <a:r>
+              <a:rPr lang="zh-CN" altLang="en-US" sz="1400" dirty="0">
+                <a:solidFill>
+                  <a:schemeClr val="bg1">
+                    <a:lumMod val="50000"/>
+                  </a:schemeClr>
+                </a:solidFill>
+                <a:latin typeface="微软雅黑" panose="020B0503020204020204" charset="-122"/>
+                <a:ea typeface="微软雅黑" panose="020B0503020204020204" charset="-122"/>
+              </a:rPr>
+              <a:t>接口，客户端获取参数传递到服务端，服务端通过</a:t>
+            </a:r>
+            <a:r>
+              <a:rPr lang="en-US" altLang="zh-CN" sz="1400" dirty="0">
+                <a:solidFill>
+                  <a:schemeClr val="bg1">
+                    <a:lumMod val="50000"/>
+                  </a:schemeClr>
+                </a:solidFill>
+                <a:latin typeface="微软雅黑" panose="020B0503020204020204" charset="-122"/>
+                <a:ea typeface="微软雅黑" panose="020B0503020204020204" charset="-122"/>
+              </a:rPr>
+              <a:t>SQL</a:t>
+            </a:r>
+            <a:r>
+              <a:rPr lang="zh-CN" altLang="en-US" sz="1400" dirty="0">
+                <a:solidFill>
+                  <a:schemeClr val="bg1">
+                    <a:lumMod val="50000"/>
+                  </a:schemeClr>
+                </a:solidFill>
+                <a:latin typeface="微软雅黑" panose="020B0503020204020204" charset="-122"/>
+                <a:ea typeface="微软雅黑" panose="020B0503020204020204" charset="-122"/>
+              </a:rPr>
+              <a:t>查询语句对数据库进行操作。</a:t>
+            </a:r>
+            <a:endParaRPr lang="zh-CN" altLang="en-US" sz="1400" dirty="0">
+              <a:solidFill>
+                <a:schemeClr val="bg1">
+                  <a:lumMod val="50000"/>
+                </a:schemeClr>
+              </a:solidFill>
+              <a:latin typeface="微软雅黑" panose="020B0503020204020204" charset="-122"/>
+              <a:ea typeface="微软雅黑" panose="020B0503020204020204" charset="-122"/>
+            </a:endParaRPr>
           </a:p>
         </p:txBody>
       </p:sp>
@@ -7256,8 +5284,8 @@
         </p:nvGrpSpPr>
         <p:grpSpPr>
           <a:xfrm>
-            <a:off x="3906021" y="898396"/>
-            <a:ext cx="2300757" cy="509896"/>
+            <a:off x="7062722" y="2282622"/>
+            <a:ext cx="1292667" cy="509896"/>
             <a:chOff x="888096" y="1000203"/>
             <a:chExt cx="4259825" cy="944066"/>
           </a:xfrm>
@@ -7517,67 +5545,73 @@
           </p:txBody>
         </p:sp>
       </p:grpSp>
-      <p:sp>
-        <p:nvSpPr>
-          <p:cNvPr id="20" name="矩形 19"/>
-          <p:cNvSpPr/>
+      <p:pic>
+        <p:nvPicPr>
+          <p:cNvPr id="22" name="图片 21"/>
+          <p:cNvPicPr/>
           <p:nvPr/>
-        </p:nvSpPr>
+        </p:nvPicPr>
+        <p:blipFill>
+          <a:blip r:embed="rId3">
+            <a:extLst>
+              <a:ext uri="{28A0092B-C50C-407E-A947-70E740481C1C}">
+                <a14:useLocalDpi xmlns:a14="http://schemas.microsoft.com/office/drawing/2010/main" val="0"/>
+              </a:ext>
+            </a:extLst>
+          </a:blip>
+          <a:stretch>
+            <a:fillRect/>
+          </a:stretch>
+        </p:blipFill>
         <p:spPr>
           <a:xfrm>
-            <a:off x="5003763" y="3970278"/>
-            <a:ext cx="1790875" cy="1107996"/>
+            <a:off x="771005" y="690553"/>
+            <a:ext cx="5779428" cy="5994042"/>
           </a:xfrm>
           <a:prstGeom prst="rect">
             <a:avLst/>
           </a:prstGeom>
         </p:spPr>
+      </p:pic>
+      <p:sp>
+        <p:nvSpPr>
+          <p:cNvPr id="3" name="文本框 2"/>
+          <p:cNvSpPr txBox="1"/>
+          <p:nvPr/>
+        </p:nvSpPr>
+        <p:spPr>
+          <a:xfrm>
+            <a:off x="7067712" y="4354154"/>
+            <a:ext cx="3515358" cy="338554"/>
+          </a:xfrm>
+          <a:prstGeom prst="rect">
+            <a:avLst/>
+          </a:prstGeom>
+          <a:noFill/>
+        </p:spPr>
         <p:txBody>
-          <a:bodyPr wrap="none">
+          <a:bodyPr wrap="square" rtlCol="0">
             <a:spAutoFit/>
           </a:bodyPr>
           <a:lstStyle/>
           <a:p>
             <a:r>
-              <a:rPr lang="en-US" altLang="zh-CN" sz="6600" dirty="0">
+              <a:rPr lang="zh-CN" altLang="en-US" sz="1600" dirty="0" smtClean="0">
                 <a:solidFill>
-                  <a:srgbClr val="00B050"/>
+                  <a:schemeClr val="bg1">
+                    <a:lumMod val="50000"/>
+                  </a:schemeClr>
                 </a:solidFill>
               </a:rPr>
-              <a:t>26%</a:t>
-            </a:r>
-          </a:p>
-        </p:txBody>
-      </p:sp>
-      <p:sp>
-        <p:nvSpPr>
-          <p:cNvPr id="21" name="矩形 20"/>
-          <p:cNvSpPr/>
-          <p:nvPr/>
-        </p:nvSpPr>
-        <p:spPr>
-          <a:xfrm>
-            <a:off x="9950413" y="4180800"/>
-            <a:ext cx="1351652" cy="830997"/>
-          </a:xfrm>
-          <a:prstGeom prst="rect">
-            <a:avLst/>
-          </a:prstGeom>
-        </p:spPr>
-        <p:txBody>
-          <a:bodyPr wrap="none">
-            <a:spAutoFit/>
-          </a:bodyPr>
-          <a:lstStyle/>
-          <a:p>
-            <a:r>
-              <a:rPr lang="en-US" altLang="zh-CN" sz="4800" dirty="0">
-                <a:solidFill>
-                  <a:srgbClr val="002060"/>
-                </a:solidFill>
-              </a:rPr>
-              <a:t>47%</a:t>
-            </a:r>
+              <a:t>示例：登录验证序列图</a:t>
+            </a:r>
+            <a:endParaRPr lang="zh-CN" altLang="en-US" sz="1600" dirty="0">
+              <a:solidFill>
+                <a:schemeClr val="bg1">
+                  <a:lumMod val="50000"/>
+                </a:schemeClr>
+              </a:solidFill>
+            </a:endParaRPr>
           </a:p>
         </p:txBody>
       </p:sp>
@@ -7651,19 +5685,16 @@
                   </a:schemeClr>
                 </a:solidFill>
               </a:rPr>
-              <a:t>研究</a:t>
-            </a:r>
-            <a:r>
-              <a:rPr lang="zh-CN" altLang="en-US" sz="2000" dirty="0">
-                <a:solidFill>
-                  <a:schemeClr val="tx1">
-                    <a:lumMod val="85000"/>
-                    <a:lumOff val="15000"/>
-                  </a:schemeClr>
-                </a:solidFill>
-              </a:rPr>
-              <a:t>方法</a:t>
-            </a:r>
+              <a:t>主要内容</a:t>
+            </a:r>
+            <a:endParaRPr lang="zh-CN" altLang="en-US" sz="2000" dirty="0">
+              <a:solidFill>
+                <a:schemeClr val="tx1">
+                  <a:lumMod val="85000"/>
+                  <a:lumOff val="15000"/>
+                </a:schemeClr>
+              </a:solidFill>
+            </a:endParaRPr>
           </a:p>
         </p:txBody>
       </p:sp>
@@ -7675,8 +5706,8 @@
         </p:nvSpPr>
         <p:spPr>
           <a:xfrm>
-            <a:off x="993305" y="985272"/>
-            <a:ext cx="2031325" cy="369332"/>
+            <a:off x="911225" y="589218"/>
+            <a:ext cx="1338828" cy="369332"/>
           </a:xfrm>
           <a:prstGeom prst="rect">
             <a:avLst/>
@@ -7689,9 +5720,10 @@
           <a:lstStyle/>
           <a:p>
             <a:r>
-              <a:rPr lang="zh-CN" altLang="en-US" dirty="0"/>
-              <a:t>点击此处添加标题</a:t>
-            </a:r>
+              <a:rPr lang="zh-CN" altLang="en-US" b="1" dirty="0" smtClean="0"/>
+              <a:t>数据库设计</a:t>
+            </a:r>
+            <a:endParaRPr lang="zh-CN" altLang="en-US" b="1" dirty="0"/>
           </a:p>
         </p:txBody>
       </p:sp>
@@ -7703,8 +5735,8 @@
         </p:nvSpPr>
         <p:spPr>
           <a:xfrm>
-            <a:off x="911225" y="1461980"/>
-            <a:ext cx="7193779" cy="652486"/>
+            <a:off x="744171" y="1072990"/>
+            <a:ext cx="7193779" cy="625171"/>
           </a:xfrm>
           <a:prstGeom prst="rect">
             <a:avLst/>
@@ -7731,56 +5763,17 @@
                 <a:latin typeface="微软雅黑" panose="020B0503020204020204" charset="-122"/>
                 <a:ea typeface="微软雅黑" panose="020B0503020204020204" charset="-122"/>
               </a:rPr>
-              <a:t>标题数字等都可以通过点击和重新输入进行更改，顶部“开始”面板中可以对字体、字号、颜色、行距等进行修改。建议正文</a:t>
-            </a:r>
-            <a:r>
-              <a:rPr lang="en-US" altLang="zh-CN" sz="1400" dirty="0">
-                <a:solidFill>
-                  <a:schemeClr val="bg1">
-                    <a:lumMod val="50000"/>
-                  </a:schemeClr>
-                </a:solidFill>
-                <a:latin typeface="微软雅黑" panose="020B0503020204020204" charset="-122"/>
-                <a:ea typeface="微软雅黑" panose="020B0503020204020204" charset="-122"/>
-              </a:rPr>
-              <a:t>8-14</a:t>
-            </a:r>
-            <a:r>
-              <a:rPr lang="zh-CN" altLang="en-US" sz="1400" dirty="0">
-                <a:solidFill>
-                  <a:schemeClr val="bg1">
-                    <a:lumMod val="50000"/>
-                  </a:schemeClr>
-                </a:solidFill>
-                <a:latin typeface="微软雅黑" panose="020B0503020204020204" charset="-122"/>
-                <a:ea typeface="微软雅黑" panose="020B0503020204020204" charset="-122"/>
-              </a:rPr>
-              <a:t>号字，</a:t>
-            </a:r>
-            <a:r>
-              <a:rPr lang="en-US" altLang="zh-CN" sz="1400" dirty="0">
-                <a:solidFill>
-                  <a:schemeClr val="bg1">
-                    <a:lumMod val="50000"/>
-                  </a:schemeClr>
-                </a:solidFill>
-                <a:latin typeface="微软雅黑" panose="020B0503020204020204" charset="-122"/>
-                <a:ea typeface="微软雅黑" panose="020B0503020204020204" charset="-122"/>
-              </a:rPr>
-              <a:t>1.3</a:t>
-            </a:r>
-            <a:r>
-              <a:rPr lang="zh-CN" altLang="en-US" sz="1400" dirty="0">
-                <a:solidFill>
-                  <a:schemeClr val="bg1">
-                    <a:lumMod val="50000"/>
-                  </a:schemeClr>
-                </a:solidFill>
-                <a:latin typeface="微软雅黑" panose="020B0503020204020204" charset="-122"/>
-                <a:ea typeface="微软雅黑" panose="020B0503020204020204" charset="-122"/>
-              </a:rPr>
-              <a:t>倍字间距。</a:t>
-            </a:r>
+              <a:t>一个合理的数据库，必须具有规范性，规范性包括命名规范和字段类型规范，两者缺一不可。数据库按照一定的规则，合理保管数据，能够更方便的维护软件系统。</a:t>
+            </a:r>
+            <a:endParaRPr lang="zh-CN" altLang="en-US" sz="1400" dirty="0">
+              <a:solidFill>
+                <a:schemeClr val="bg1">
+                  <a:lumMod val="50000"/>
+                </a:schemeClr>
+              </a:solidFill>
+              <a:latin typeface="微软雅黑" panose="020B0503020204020204" charset="-122"/>
+              <a:ea typeface="微软雅黑" panose="020B0503020204020204" charset="-122"/>
+            </a:endParaRPr>
           </a:p>
         </p:txBody>
       </p:sp>
@@ -7792,8 +5785,8 @@
         </p:nvGrpSpPr>
         <p:grpSpPr>
           <a:xfrm>
-            <a:off x="911225" y="898396"/>
-            <a:ext cx="2300757" cy="509896"/>
+            <a:off x="829146" y="502342"/>
+            <a:ext cx="1420908" cy="509896"/>
             <a:chOff x="888096" y="1000203"/>
             <a:chExt cx="4259825" cy="944066"/>
           </a:xfrm>
@@ -8053,111 +6046,64 @@
           </p:txBody>
         </p:sp>
       </p:grpSp>
-      <p:graphicFrame>
-        <p:nvGraphicFramePr>
-          <p:cNvPr id="15" name="图表 14"/>
-          <p:cNvGraphicFramePr/>
+      <p:pic>
+        <p:nvPicPr>
+          <p:cNvPr id="13" name="图片 12"/>
+          <p:cNvPicPr/>
           <p:nvPr/>
-        </p:nvGraphicFramePr>
-        <p:xfrm>
-          <a:off x="768350" y="3048000"/>
-          <a:ext cx="7213600" cy="3580484"/>
-        </p:xfrm>
-        <a:graphic>
-          <a:graphicData uri="http://schemas.openxmlformats.org/drawingml/2006/chart">
-            <c:chart xmlns:c="http://schemas.openxmlformats.org/drawingml/2006/chart" xmlns:r="http://schemas.openxmlformats.org/officeDocument/2006/relationships" r:id="rId3"/>
-          </a:graphicData>
-        </a:graphic>
-      </p:graphicFrame>
-      <p:sp>
-        <p:nvSpPr>
-          <p:cNvPr id="16" name="矩形 15"/>
-          <p:cNvSpPr/>
-          <p:nvPr/>
-        </p:nvSpPr>
+        </p:nvPicPr>
+        <p:blipFill>
+          <a:blip r:embed="rId3">
+            <a:extLst>
+              <a:ext uri="{28A0092B-C50C-407E-A947-70E740481C1C}">
+                <a14:useLocalDpi xmlns:a14="http://schemas.microsoft.com/office/drawing/2010/main" val="0"/>
+              </a:ext>
+            </a:extLst>
+          </a:blip>
+          <a:stretch>
+            <a:fillRect/>
+          </a:stretch>
+        </p:blipFill>
         <p:spPr>
           <a:xfrm>
-            <a:off x="911225" y="2114466"/>
-            <a:ext cx="7193779" cy="652486"/>
+            <a:off x="675298" y="1931058"/>
+            <a:ext cx="7598264" cy="4487326"/>
           </a:xfrm>
           <a:prstGeom prst="rect">
             <a:avLst/>
           </a:prstGeom>
         </p:spPr>
-        <p:txBody>
-          <a:bodyPr wrap="square">
-            <a:spAutoFit/>
-          </a:bodyPr>
-          <a:lstStyle/>
-          <a:p>
-            <a:pPr>
-              <a:lnSpc>
-                <a:spcPct val="130000"/>
-              </a:lnSpc>
-            </a:pPr>
-            <a:r>
-              <a:rPr lang="zh-CN" altLang="en-US" sz="1400" dirty="0">
-                <a:solidFill>
-                  <a:schemeClr val="bg1">
-                    <a:lumMod val="50000"/>
-                  </a:schemeClr>
-                </a:solidFill>
-                <a:latin typeface="微软雅黑" panose="020B0503020204020204" charset="-122"/>
-                <a:ea typeface="微软雅黑" panose="020B0503020204020204" charset="-122"/>
-              </a:rPr>
-              <a:t>标题数字等都可以通过点击和重新输入进行更改，顶部“开始”面板中可以对字体、字号、颜色、行距等进行修改。建议正文</a:t>
-            </a:r>
-            <a:r>
-              <a:rPr lang="en-US" altLang="zh-CN" sz="1400" dirty="0">
-                <a:solidFill>
-                  <a:schemeClr val="bg1">
-                    <a:lumMod val="50000"/>
-                  </a:schemeClr>
-                </a:solidFill>
-                <a:latin typeface="微软雅黑" panose="020B0503020204020204" charset="-122"/>
-                <a:ea typeface="微软雅黑" panose="020B0503020204020204" charset="-122"/>
-              </a:rPr>
-              <a:t>8-14</a:t>
-            </a:r>
-            <a:r>
-              <a:rPr lang="zh-CN" altLang="en-US" sz="1400" dirty="0">
-                <a:solidFill>
-                  <a:schemeClr val="bg1">
-                    <a:lumMod val="50000"/>
-                  </a:schemeClr>
-                </a:solidFill>
-                <a:latin typeface="微软雅黑" panose="020B0503020204020204" charset="-122"/>
-                <a:ea typeface="微软雅黑" panose="020B0503020204020204" charset="-122"/>
-              </a:rPr>
-              <a:t>号字，</a:t>
-            </a:r>
-            <a:r>
-              <a:rPr lang="en-US" altLang="zh-CN" sz="1400" dirty="0">
-                <a:solidFill>
-                  <a:schemeClr val="bg1">
-                    <a:lumMod val="50000"/>
-                  </a:schemeClr>
-                </a:solidFill>
-                <a:latin typeface="微软雅黑" panose="020B0503020204020204" charset="-122"/>
-                <a:ea typeface="微软雅黑" panose="020B0503020204020204" charset="-122"/>
-              </a:rPr>
-              <a:t>1.3</a:t>
-            </a:r>
-            <a:r>
-              <a:rPr lang="zh-CN" altLang="en-US" sz="1400" dirty="0">
-                <a:solidFill>
-                  <a:schemeClr val="bg1">
-                    <a:lumMod val="50000"/>
-                  </a:schemeClr>
-                </a:solidFill>
-                <a:latin typeface="微软雅黑" panose="020B0503020204020204" charset="-122"/>
-                <a:ea typeface="微软雅黑" panose="020B0503020204020204" charset="-122"/>
-              </a:rPr>
-              <a:t>倍字间距。</a:t>
-            </a:r>
-          </a:p>
-        </p:txBody>
-      </p:sp>
+      </p:pic>
+      <p:pic>
+        <p:nvPicPr>
+          <p:cNvPr id="14" name="图片 13"/>
+          <p:cNvPicPr>
+            <a:picLocks noChangeAspect="1"/>
+          </p:cNvPicPr>
+          <p:nvPr/>
+        </p:nvPicPr>
+        <p:blipFill>
+          <a:blip r:embed="rId4">
+            <a:extLst>
+              <a:ext uri="{28A0092B-C50C-407E-A947-70E740481C1C}">
+                <a14:useLocalDpi xmlns:a14="http://schemas.microsoft.com/office/drawing/2010/main" val="0"/>
+              </a:ext>
+            </a:extLst>
+          </a:blip>
+          <a:stretch>
+            <a:fillRect/>
+          </a:stretch>
+        </p:blipFill>
+        <p:spPr>
+          <a:xfrm>
+            <a:off x="2492054" y="460633"/>
+            <a:ext cx="928154" cy="480320"/>
+          </a:xfrm>
+          <a:prstGeom prst="rect">
+            <a:avLst/>
+          </a:prstGeom>
+        </p:spPr>
+      </p:pic>
     </p:spTree>
   </p:cSld>
   <p:clrMapOvr>
@@ -8220,17 +6166,6 @@
           <a:lstStyle/>
           <a:p>
             <a:r>
-              <a:rPr lang="zh-CN" altLang="en-US" sz="2000" dirty="0" smtClean="0">
-                <a:solidFill>
-                  <a:schemeClr val="tx1">
-                    <a:lumMod val="85000"/>
-                    <a:lumOff val="15000"/>
-                  </a:schemeClr>
-                </a:solidFill>
-              </a:rPr>
-              <a:t>选题</a:t>
-            </a:r>
-            <a:r>
               <a:rPr lang="zh-CN" altLang="en-US" sz="2000" dirty="0">
                 <a:solidFill>
                   <a:schemeClr val="tx1">
@@ -8239,8 +6174,16 @@
                   </a:schemeClr>
                 </a:solidFill>
               </a:rPr>
-              <a:t>背景</a:t>
-            </a:r>
+              <a:t>主要内容</a:t>
+            </a:r>
+            <a:endParaRPr lang="zh-CN" altLang="en-US" sz="2000" dirty="0">
+              <a:solidFill>
+                <a:schemeClr val="tx1">
+                  <a:lumMod val="85000"/>
+                  <a:lumOff val="15000"/>
+                </a:schemeClr>
+              </a:solidFill>
+            </a:endParaRPr>
           </a:p>
         </p:txBody>
       </p:sp>
@@ -8252,8 +6195,8 @@
         </p:nvSpPr>
         <p:spPr>
           <a:xfrm>
-            <a:off x="950374" y="1373200"/>
-            <a:ext cx="4319324" cy="769441"/>
+            <a:off x="950374" y="880831"/>
+            <a:ext cx="1467068" cy="400110"/>
           </a:xfrm>
           <a:prstGeom prst="rect">
             <a:avLst/>
@@ -8266,67 +6209,844 @@
           <a:lstStyle/>
           <a:p>
             <a:r>
-              <a:rPr lang="en-US" altLang="zh-CN" sz="4400" dirty="0" smtClean="0"/>
-              <a:t>ADD YOUR TEXT</a:t>
-            </a:r>
-            <a:endParaRPr lang="en-US" altLang="zh-CN" sz="4400" dirty="0"/>
+              <a:rPr lang="zh-CN" altLang="en-US" sz="2000" b="1" dirty="0" smtClean="0"/>
+              <a:t>数据库表格</a:t>
+            </a:r>
+            <a:endParaRPr lang="en-US" altLang="zh-CN" sz="2000" b="1" dirty="0"/>
           </a:p>
         </p:txBody>
       </p:sp>
+      <p:graphicFrame>
+        <p:nvGraphicFramePr>
+          <p:cNvPr id="3" name="表格 2"/>
+          <p:cNvGraphicFramePr>
+            <a:graphicFrameLocks noGrp="1"/>
+          </p:cNvGraphicFramePr>
+          <p:nvPr>
+            <p:extLst>
+              <p:ext uri="{D42A27DB-BD31-4B8C-83A1-F6EECF244321}">
+                <p14:modId xmlns:p14="http://schemas.microsoft.com/office/powerpoint/2010/main" val="612926582"/>
+              </p:ext>
+            </p:extLst>
+          </p:nvPr>
+        </p:nvGraphicFramePr>
+        <p:xfrm>
+          <a:off x="950374" y="2329964"/>
+          <a:ext cx="5776548" cy="3666392"/>
+        </p:xfrm>
+        <a:graphic>
+          <a:graphicData uri="http://schemas.openxmlformats.org/drawingml/2006/table">
+            <a:tbl>
+              <a:tblPr firstRow="1" firstCol="1" bandRow="1">
+                <a:tableStyleId>{5C22544A-7EE6-4342-B048-85BDC9FD1C3A}</a:tableStyleId>
+              </a:tblPr>
+              <a:tblGrid>
+                <a:gridCol w="1925516">
+                  <a:extLst>
+                    <a:ext uri="{9D8B030D-6E8A-4147-A177-3AD203B41FA5}">
+                      <a16:colId xmlns:a16="http://schemas.microsoft.com/office/drawing/2014/main" val="3320725974"/>
+                    </a:ext>
+                  </a:extLst>
+                </a:gridCol>
+                <a:gridCol w="1925516">
+                  <a:extLst>
+                    <a:ext uri="{9D8B030D-6E8A-4147-A177-3AD203B41FA5}">
+                      <a16:colId xmlns:a16="http://schemas.microsoft.com/office/drawing/2014/main" val="1198711565"/>
+                    </a:ext>
+                  </a:extLst>
+                </a:gridCol>
+                <a:gridCol w="1925516">
+                  <a:extLst>
+                    <a:ext uri="{9D8B030D-6E8A-4147-A177-3AD203B41FA5}">
+                      <a16:colId xmlns:a16="http://schemas.microsoft.com/office/drawing/2014/main" val="2477274874"/>
+                    </a:ext>
+                  </a:extLst>
+                </a:gridCol>
+              </a:tblGrid>
+              <a:tr h="458299">
+                <a:tc>
+                  <a:txBody>
+                    <a:bodyPr/>
+                    <a:lstStyle/>
+                    <a:p>
+                      <a:pPr algn="ctr">
+                        <a:lnSpc>
+                          <a:spcPct val="150000"/>
+                        </a:lnSpc>
+                        <a:spcAft>
+                          <a:spcPts val="0"/>
+                        </a:spcAft>
+                      </a:pPr>
+                      <a:r>
+                        <a:rPr lang="zh-CN" sz="1600" b="0" kern="0" dirty="0">
+                          <a:effectLst/>
+                        </a:rPr>
+                        <a:t>属性名</a:t>
+                      </a:r>
+                      <a:endParaRPr lang="zh-CN" sz="1600" b="0" kern="100" dirty="0">
+                        <a:effectLst/>
+                        <a:latin typeface="Calibri" panose="020F0502020204030204" pitchFamily="34" charset="0"/>
+                        <a:ea typeface="宋体" panose="02010600030101010101" pitchFamily="2" charset="-122"/>
+                        <a:cs typeface="Times New Roman" panose="02020603050405020304" pitchFamily="18" charset="0"/>
+                      </a:endParaRPr>
+                    </a:p>
+                  </a:txBody>
+                  <a:tcPr marL="68580" marR="68580" marT="0" marB="0" anchor="b"/>
+                </a:tc>
+                <a:tc>
+                  <a:txBody>
+                    <a:bodyPr/>
+                    <a:lstStyle/>
+                    <a:p>
+                      <a:pPr algn="ctr">
+                        <a:lnSpc>
+                          <a:spcPct val="150000"/>
+                        </a:lnSpc>
+                        <a:spcAft>
+                          <a:spcPts val="0"/>
+                        </a:spcAft>
+                      </a:pPr>
+                      <a:r>
+                        <a:rPr lang="zh-CN" sz="1600" b="0" kern="0">
+                          <a:effectLst/>
+                        </a:rPr>
+                        <a:t>数据类型</a:t>
+                      </a:r>
+                      <a:endParaRPr lang="zh-CN" sz="1600" b="0" kern="100">
+                        <a:effectLst/>
+                        <a:latin typeface="Calibri" panose="020F0502020204030204" pitchFamily="34" charset="0"/>
+                        <a:ea typeface="宋体" panose="02010600030101010101" pitchFamily="2" charset="-122"/>
+                        <a:cs typeface="Times New Roman" panose="02020603050405020304" pitchFamily="18" charset="0"/>
+                      </a:endParaRPr>
+                    </a:p>
+                  </a:txBody>
+                  <a:tcPr marL="68580" marR="68580" marT="0" marB="0" anchor="b"/>
+                </a:tc>
+                <a:tc>
+                  <a:txBody>
+                    <a:bodyPr/>
+                    <a:lstStyle/>
+                    <a:p>
+                      <a:pPr algn="ctr">
+                        <a:lnSpc>
+                          <a:spcPct val="150000"/>
+                        </a:lnSpc>
+                        <a:spcAft>
+                          <a:spcPts val="0"/>
+                        </a:spcAft>
+                      </a:pPr>
+                      <a:r>
+                        <a:rPr lang="zh-CN" sz="1600" b="0" kern="0">
+                          <a:effectLst/>
+                        </a:rPr>
+                        <a:t>说明</a:t>
+                      </a:r>
+                      <a:endParaRPr lang="zh-CN" sz="1600" b="0" kern="100">
+                        <a:effectLst/>
+                        <a:latin typeface="Calibri" panose="020F0502020204030204" pitchFamily="34" charset="0"/>
+                        <a:ea typeface="宋体" panose="02010600030101010101" pitchFamily="2" charset="-122"/>
+                        <a:cs typeface="Times New Roman" panose="02020603050405020304" pitchFamily="18" charset="0"/>
+                      </a:endParaRPr>
+                    </a:p>
+                  </a:txBody>
+                  <a:tcPr marL="68580" marR="68580" marT="0" marB="0" anchor="b"/>
+                </a:tc>
+                <a:extLst>
+                  <a:ext uri="{0D108BD9-81ED-4DB2-BD59-A6C34878D82A}">
+                    <a16:rowId xmlns:a16="http://schemas.microsoft.com/office/drawing/2014/main" val="671976570"/>
+                  </a:ext>
+                </a:extLst>
+              </a:tr>
+              <a:tr h="458299">
+                <a:tc>
+                  <a:txBody>
+                    <a:bodyPr/>
+                    <a:lstStyle/>
+                    <a:p>
+                      <a:pPr algn="ctr">
+                        <a:lnSpc>
+                          <a:spcPct val="150000"/>
+                        </a:lnSpc>
+                        <a:spcAft>
+                          <a:spcPts val="0"/>
+                        </a:spcAft>
+                      </a:pPr>
+                      <a:r>
+                        <a:rPr lang="en-US" sz="1600" b="0" kern="0" dirty="0" err="1">
+                          <a:effectLst/>
+                        </a:rPr>
+                        <a:t>managerID</a:t>
+                      </a:r>
+                      <a:endParaRPr lang="zh-CN" sz="1600" b="0" kern="100" dirty="0">
+                        <a:effectLst/>
+                        <a:latin typeface="Calibri" panose="020F0502020204030204" pitchFamily="34" charset="0"/>
+                        <a:ea typeface="宋体" panose="02010600030101010101" pitchFamily="2" charset="-122"/>
+                        <a:cs typeface="Times New Roman" panose="02020603050405020304" pitchFamily="18" charset="0"/>
+                      </a:endParaRPr>
+                    </a:p>
+                  </a:txBody>
+                  <a:tcPr marL="68580" marR="68580" marT="0" marB="0" anchor="b"/>
+                </a:tc>
+                <a:tc>
+                  <a:txBody>
+                    <a:bodyPr/>
+                    <a:lstStyle/>
+                    <a:p>
+                      <a:pPr algn="ctr">
+                        <a:lnSpc>
+                          <a:spcPct val="150000"/>
+                        </a:lnSpc>
+                        <a:spcAft>
+                          <a:spcPts val="0"/>
+                        </a:spcAft>
+                      </a:pPr>
+                      <a:r>
+                        <a:rPr lang="en-US" sz="1600" b="0" kern="0" dirty="0" err="1">
+                          <a:effectLst/>
+                        </a:rPr>
+                        <a:t>int</a:t>
+                      </a:r>
+                      <a:endParaRPr lang="zh-CN" sz="1600" b="0" kern="100" dirty="0">
+                        <a:effectLst/>
+                        <a:latin typeface="Calibri" panose="020F0502020204030204" pitchFamily="34" charset="0"/>
+                        <a:ea typeface="宋体" panose="02010600030101010101" pitchFamily="2" charset="-122"/>
+                        <a:cs typeface="Times New Roman" panose="02020603050405020304" pitchFamily="18" charset="0"/>
+                      </a:endParaRPr>
+                    </a:p>
+                  </a:txBody>
+                  <a:tcPr marL="68580" marR="68580" marT="0" marB="0" anchor="b"/>
+                </a:tc>
+                <a:tc>
+                  <a:txBody>
+                    <a:bodyPr/>
+                    <a:lstStyle/>
+                    <a:p>
+                      <a:pPr algn="ctr">
+                        <a:lnSpc>
+                          <a:spcPct val="150000"/>
+                        </a:lnSpc>
+                        <a:spcAft>
+                          <a:spcPts val="0"/>
+                        </a:spcAft>
+                      </a:pPr>
+                      <a:r>
+                        <a:rPr lang="zh-CN" sz="1600" b="0" kern="0" dirty="0">
+                          <a:effectLst/>
+                        </a:rPr>
+                        <a:t>管理员</a:t>
+                      </a:r>
+                      <a:r>
+                        <a:rPr lang="en-US" sz="1600" b="0" kern="0" dirty="0">
+                          <a:effectLst/>
+                        </a:rPr>
+                        <a:t>ID</a:t>
+                      </a:r>
+                      <a:endParaRPr lang="zh-CN" sz="1600" b="0" kern="100" dirty="0">
+                        <a:effectLst/>
+                        <a:latin typeface="Calibri" panose="020F0502020204030204" pitchFamily="34" charset="0"/>
+                        <a:ea typeface="宋体" panose="02010600030101010101" pitchFamily="2" charset="-122"/>
+                        <a:cs typeface="Times New Roman" panose="02020603050405020304" pitchFamily="18" charset="0"/>
+                      </a:endParaRPr>
+                    </a:p>
+                  </a:txBody>
+                  <a:tcPr marL="68580" marR="68580" marT="0" marB="0" anchor="b"/>
+                </a:tc>
+                <a:extLst>
+                  <a:ext uri="{0D108BD9-81ED-4DB2-BD59-A6C34878D82A}">
+                    <a16:rowId xmlns:a16="http://schemas.microsoft.com/office/drawing/2014/main" val="782133835"/>
+                  </a:ext>
+                </a:extLst>
+              </a:tr>
+              <a:tr h="458299">
+                <a:tc>
+                  <a:txBody>
+                    <a:bodyPr/>
+                    <a:lstStyle/>
+                    <a:p>
+                      <a:pPr algn="ctr">
+                        <a:lnSpc>
+                          <a:spcPct val="150000"/>
+                        </a:lnSpc>
+                        <a:spcAft>
+                          <a:spcPts val="0"/>
+                        </a:spcAft>
+                      </a:pPr>
+                      <a:r>
+                        <a:rPr lang="en-US" sz="1600" b="0" kern="0">
+                          <a:effectLst/>
+                        </a:rPr>
+                        <a:t>managerName</a:t>
+                      </a:r>
+                      <a:endParaRPr lang="zh-CN" sz="1600" b="0" kern="100">
+                        <a:effectLst/>
+                        <a:latin typeface="Calibri" panose="020F0502020204030204" pitchFamily="34" charset="0"/>
+                        <a:ea typeface="宋体" panose="02010600030101010101" pitchFamily="2" charset="-122"/>
+                        <a:cs typeface="Times New Roman" panose="02020603050405020304" pitchFamily="18" charset="0"/>
+                      </a:endParaRPr>
+                    </a:p>
+                  </a:txBody>
+                  <a:tcPr marL="68580" marR="68580" marT="0" marB="0" anchor="b"/>
+                </a:tc>
+                <a:tc>
+                  <a:txBody>
+                    <a:bodyPr/>
+                    <a:lstStyle/>
+                    <a:p>
+                      <a:pPr algn="ctr">
+                        <a:lnSpc>
+                          <a:spcPct val="150000"/>
+                        </a:lnSpc>
+                        <a:spcAft>
+                          <a:spcPts val="0"/>
+                        </a:spcAft>
+                      </a:pPr>
+                      <a:r>
+                        <a:rPr lang="en-US" sz="1600" b="0" kern="0" dirty="0">
+                          <a:effectLst/>
+                        </a:rPr>
+                        <a:t>varchar</a:t>
+                      </a:r>
+                      <a:endParaRPr lang="zh-CN" sz="1600" b="0" kern="100" dirty="0">
+                        <a:effectLst/>
+                        <a:latin typeface="Calibri" panose="020F0502020204030204" pitchFamily="34" charset="0"/>
+                        <a:ea typeface="宋体" panose="02010600030101010101" pitchFamily="2" charset="-122"/>
+                        <a:cs typeface="Times New Roman" panose="02020603050405020304" pitchFamily="18" charset="0"/>
+                      </a:endParaRPr>
+                    </a:p>
+                  </a:txBody>
+                  <a:tcPr marL="68580" marR="68580" marT="0" marB="0" anchor="b"/>
+                </a:tc>
+                <a:tc>
+                  <a:txBody>
+                    <a:bodyPr/>
+                    <a:lstStyle/>
+                    <a:p>
+                      <a:pPr algn="ctr">
+                        <a:lnSpc>
+                          <a:spcPct val="150000"/>
+                        </a:lnSpc>
+                        <a:spcAft>
+                          <a:spcPts val="0"/>
+                        </a:spcAft>
+                      </a:pPr>
+                      <a:r>
+                        <a:rPr lang="zh-CN" sz="1600" b="0" kern="0">
+                          <a:effectLst/>
+                        </a:rPr>
+                        <a:t>姓名</a:t>
+                      </a:r>
+                      <a:endParaRPr lang="zh-CN" sz="1600" b="0" kern="100">
+                        <a:effectLst/>
+                        <a:latin typeface="Calibri" panose="020F0502020204030204" pitchFamily="34" charset="0"/>
+                        <a:ea typeface="宋体" panose="02010600030101010101" pitchFamily="2" charset="-122"/>
+                        <a:cs typeface="Times New Roman" panose="02020603050405020304" pitchFamily="18" charset="0"/>
+                      </a:endParaRPr>
+                    </a:p>
+                  </a:txBody>
+                  <a:tcPr marL="68580" marR="68580" marT="0" marB="0" anchor="b"/>
+                </a:tc>
+                <a:extLst>
+                  <a:ext uri="{0D108BD9-81ED-4DB2-BD59-A6C34878D82A}">
+                    <a16:rowId xmlns:a16="http://schemas.microsoft.com/office/drawing/2014/main" val="1511093469"/>
+                  </a:ext>
+                </a:extLst>
+              </a:tr>
+              <a:tr h="458299">
+                <a:tc>
+                  <a:txBody>
+                    <a:bodyPr/>
+                    <a:lstStyle/>
+                    <a:p>
+                      <a:pPr algn="ctr">
+                        <a:lnSpc>
+                          <a:spcPct val="150000"/>
+                        </a:lnSpc>
+                        <a:spcAft>
+                          <a:spcPts val="0"/>
+                        </a:spcAft>
+                      </a:pPr>
+                      <a:r>
+                        <a:rPr lang="en-US" sz="1600" b="0" kern="0">
+                          <a:effectLst/>
+                        </a:rPr>
+                        <a:t>sex</a:t>
+                      </a:r>
+                      <a:endParaRPr lang="zh-CN" sz="1600" b="0" kern="100">
+                        <a:effectLst/>
+                        <a:latin typeface="Calibri" panose="020F0502020204030204" pitchFamily="34" charset="0"/>
+                        <a:ea typeface="宋体" panose="02010600030101010101" pitchFamily="2" charset="-122"/>
+                        <a:cs typeface="Times New Roman" panose="02020603050405020304" pitchFamily="18" charset="0"/>
+                      </a:endParaRPr>
+                    </a:p>
+                  </a:txBody>
+                  <a:tcPr marL="68580" marR="68580" marT="0" marB="0" anchor="b"/>
+                </a:tc>
+                <a:tc>
+                  <a:txBody>
+                    <a:bodyPr/>
+                    <a:lstStyle/>
+                    <a:p>
+                      <a:pPr algn="ctr">
+                        <a:lnSpc>
+                          <a:spcPct val="150000"/>
+                        </a:lnSpc>
+                        <a:spcAft>
+                          <a:spcPts val="0"/>
+                        </a:spcAft>
+                      </a:pPr>
+                      <a:r>
+                        <a:rPr lang="en-US" sz="1600" b="0" kern="0" dirty="0">
+                          <a:effectLst/>
+                        </a:rPr>
+                        <a:t>char</a:t>
+                      </a:r>
+                      <a:endParaRPr lang="zh-CN" sz="1600" b="0" kern="100" dirty="0">
+                        <a:effectLst/>
+                        <a:latin typeface="Calibri" panose="020F0502020204030204" pitchFamily="34" charset="0"/>
+                        <a:ea typeface="宋体" panose="02010600030101010101" pitchFamily="2" charset="-122"/>
+                        <a:cs typeface="Times New Roman" panose="02020603050405020304" pitchFamily="18" charset="0"/>
+                      </a:endParaRPr>
+                    </a:p>
+                  </a:txBody>
+                  <a:tcPr marL="68580" marR="68580" marT="0" marB="0" anchor="b"/>
+                </a:tc>
+                <a:tc>
+                  <a:txBody>
+                    <a:bodyPr/>
+                    <a:lstStyle/>
+                    <a:p>
+                      <a:pPr algn="ctr">
+                        <a:lnSpc>
+                          <a:spcPct val="150000"/>
+                        </a:lnSpc>
+                        <a:spcAft>
+                          <a:spcPts val="0"/>
+                        </a:spcAft>
+                      </a:pPr>
+                      <a:r>
+                        <a:rPr lang="zh-CN" sz="1600" b="0" kern="0" dirty="0">
+                          <a:effectLst/>
+                        </a:rPr>
+                        <a:t>性别</a:t>
+                      </a:r>
+                      <a:endParaRPr lang="zh-CN" sz="1600" b="0" kern="100" dirty="0">
+                        <a:effectLst/>
+                        <a:latin typeface="Calibri" panose="020F0502020204030204" pitchFamily="34" charset="0"/>
+                        <a:ea typeface="宋体" panose="02010600030101010101" pitchFamily="2" charset="-122"/>
+                        <a:cs typeface="Times New Roman" panose="02020603050405020304" pitchFamily="18" charset="0"/>
+                      </a:endParaRPr>
+                    </a:p>
+                  </a:txBody>
+                  <a:tcPr marL="68580" marR="68580" marT="0" marB="0" anchor="b"/>
+                </a:tc>
+                <a:extLst>
+                  <a:ext uri="{0D108BD9-81ED-4DB2-BD59-A6C34878D82A}">
+                    <a16:rowId xmlns:a16="http://schemas.microsoft.com/office/drawing/2014/main" val="1938113854"/>
+                  </a:ext>
+                </a:extLst>
+              </a:tr>
+              <a:tr h="458299">
+                <a:tc>
+                  <a:txBody>
+                    <a:bodyPr/>
+                    <a:lstStyle/>
+                    <a:p>
+                      <a:pPr algn="ctr">
+                        <a:lnSpc>
+                          <a:spcPct val="150000"/>
+                        </a:lnSpc>
+                        <a:spcAft>
+                          <a:spcPts val="0"/>
+                        </a:spcAft>
+                      </a:pPr>
+                      <a:r>
+                        <a:rPr lang="en-US" sz="1600" b="0" kern="0">
+                          <a:effectLst/>
+                        </a:rPr>
+                        <a:t>email</a:t>
+                      </a:r>
+                      <a:endParaRPr lang="zh-CN" sz="1600" b="0" kern="100">
+                        <a:effectLst/>
+                        <a:latin typeface="Calibri" panose="020F0502020204030204" pitchFamily="34" charset="0"/>
+                        <a:ea typeface="宋体" panose="02010600030101010101" pitchFamily="2" charset="-122"/>
+                        <a:cs typeface="Times New Roman" panose="02020603050405020304" pitchFamily="18" charset="0"/>
+                      </a:endParaRPr>
+                    </a:p>
+                  </a:txBody>
+                  <a:tcPr marL="68580" marR="68580" marT="0" marB="0" anchor="b"/>
+                </a:tc>
+                <a:tc>
+                  <a:txBody>
+                    <a:bodyPr/>
+                    <a:lstStyle/>
+                    <a:p>
+                      <a:pPr algn="ctr">
+                        <a:lnSpc>
+                          <a:spcPct val="150000"/>
+                        </a:lnSpc>
+                        <a:spcAft>
+                          <a:spcPts val="0"/>
+                        </a:spcAft>
+                      </a:pPr>
+                      <a:r>
+                        <a:rPr lang="en-US" sz="1600" b="0" kern="0">
+                          <a:effectLst/>
+                        </a:rPr>
+                        <a:t>varchar</a:t>
+                      </a:r>
+                      <a:endParaRPr lang="zh-CN" sz="1600" b="0" kern="100">
+                        <a:effectLst/>
+                        <a:latin typeface="Calibri" panose="020F0502020204030204" pitchFamily="34" charset="0"/>
+                        <a:ea typeface="宋体" panose="02010600030101010101" pitchFamily="2" charset="-122"/>
+                        <a:cs typeface="Times New Roman" panose="02020603050405020304" pitchFamily="18" charset="0"/>
+                      </a:endParaRPr>
+                    </a:p>
+                  </a:txBody>
+                  <a:tcPr marL="68580" marR="68580" marT="0" marB="0" anchor="b"/>
+                </a:tc>
+                <a:tc>
+                  <a:txBody>
+                    <a:bodyPr/>
+                    <a:lstStyle/>
+                    <a:p>
+                      <a:pPr algn="ctr">
+                        <a:lnSpc>
+                          <a:spcPct val="150000"/>
+                        </a:lnSpc>
+                        <a:spcAft>
+                          <a:spcPts val="0"/>
+                        </a:spcAft>
+                      </a:pPr>
+                      <a:r>
+                        <a:rPr lang="zh-CN" sz="1600" b="0" kern="0" dirty="0">
+                          <a:effectLst/>
+                        </a:rPr>
+                        <a:t>电子邮箱</a:t>
+                      </a:r>
+                      <a:endParaRPr lang="zh-CN" sz="1600" b="0" kern="100" dirty="0">
+                        <a:effectLst/>
+                        <a:latin typeface="Calibri" panose="020F0502020204030204" pitchFamily="34" charset="0"/>
+                        <a:ea typeface="宋体" panose="02010600030101010101" pitchFamily="2" charset="-122"/>
+                        <a:cs typeface="Times New Roman" panose="02020603050405020304" pitchFamily="18" charset="0"/>
+                      </a:endParaRPr>
+                    </a:p>
+                  </a:txBody>
+                  <a:tcPr marL="68580" marR="68580" marT="0" marB="0" anchor="b"/>
+                </a:tc>
+                <a:extLst>
+                  <a:ext uri="{0D108BD9-81ED-4DB2-BD59-A6C34878D82A}">
+                    <a16:rowId xmlns:a16="http://schemas.microsoft.com/office/drawing/2014/main" val="999564938"/>
+                  </a:ext>
+                </a:extLst>
+              </a:tr>
+              <a:tr h="458299">
+                <a:tc>
+                  <a:txBody>
+                    <a:bodyPr/>
+                    <a:lstStyle/>
+                    <a:p>
+                      <a:pPr algn="ctr">
+                        <a:lnSpc>
+                          <a:spcPct val="150000"/>
+                        </a:lnSpc>
+                        <a:spcAft>
+                          <a:spcPts val="0"/>
+                        </a:spcAft>
+                      </a:pPr>
+                      <a:r>
+                        <a:rPr lang="en-US" sz="1600" b="0" kern="0">
+                          <a:effectLst/>
+                        </a:rPr>
+                        <a:t>password</a:t>
+                      </a:r>
+                      <a:endParaRPr lang="zh-CN" sz="1600" b="0" kern="100">
+                        <a:effectLst/>
+                        <a:latin typeface="Calibri" panose="020F0502020204030204" pitchFamily="34" charset="0"/>
+                        <a:ea typeface="宋体" panose="02010600030101010101" pitchFamily="2" charset="-122"/>
+                        <a:cs typeface="Times New Roman" panose="02020603050405020304" pitchFamily="18" charset="0"/>
+                      </a:endParaRPr>
+                    </a:p>
+                  </a:txBody>
+                  <a:tcPr marL="68580" marR="68580" marT="0" marB="0" anchor="b"/>
+                </a:tc>
+                <a:tc>
+                  <a:txBody>
+                    <a:bodyPr/>
+                    <a:lstStyle/>
+                    <a:p>
+                      <a:pPr algn="ctr">
+                        <a:lnSpc>
+                          <a:spcPct val="150000"/>
+                        </a:lnSpc>
+                        <a:spcAft>
+                          <a:spcPts val="0"/>
+                        </a:spcAft>
+                      </a:pPr>
+                      <a:r>
+                        <a:rPr lang="en-US" sz="1600" b="0" kern="0">
+                          <a:effectLst/>
+                        </a:rPr>
+                        <a:t>varchar</a:t>
+                      </a:r>
+                      <a:endParaRPr lang="zh-CN" sz="1600" b="0" kern="100">
+                        <a:effectLst/>
+                        <a:latin typeface="Calibri" panose="020F0502020204030204" pitchFamily="34" charset="0"/>
+                        <a:ea typeface="宋体" panose="02010600030101010101" pitchFamily="2" charset="-122"/>
+                        <a:cs typeface="Times New Roman" panose="02020603050405020304" pitchFamily="18" charset="0"/>
+                      </a:endParaRPr>
+                    </a:p>
+                  </a:txBody>
+                  <a:tcPr marL="68580" marR="68580" marT="0" marB="0" anchor="b"/>
+                </a:tc>
+                <a:tc>
+                  <a:txBody>
+                    <a:bodyPr/>
+                    <a:lstStyle/>
+                    <a:p>
+                      <a:pPr algn="ctr">
+                        <a:lnSpc>
+                          <a:spcPct val="150000"/>
+                        </a:lnSpc>
+                        <a:spcAft>
+                          <a:spcPts val="0"/>
+                        </a:spcAft>
+                      </a:pPr>
+                      <a:r>
+                        <a:rPr lang="zh-CN" sz="1600" b="0" kern="0" dirty="0">
+                          <a:effectLst/>
+                        </a:rPr>
+                        <a:t>登录密码</a:t>
+                      </a:r>
+                      <a:endParaRPr lang="zh-CN" sz="1600" b="0" kern="100" dirty="0">
+                        <a:effectLst/>
+                        <a:latin typeface="Calibri" panose="020F0502020204030204" pitchFamily="34" charset="0"/>
+                        <a:ea typeface="宋体" panose="02010600030101010101" pitchFamily="2" charset="-122"/>
+                        <a:cs typeface="Times New Roman" panose="02020603050405020304" pitchFamily="18" charset="0"/>
+                      </a:endParaRPr>
+                    </a:p>
+                  </a:txBody>
+                  <a:tcPr marL="68580" marR="68580" marT="0" marB="0" anchor="b"/>
+                </a:tc>
+                <a:extLst>
+                  <a:ext uri="{0D108BD9-81ED-4DB2-BD59-A6C34878D82A}">
+                    <a16:rowId xmlns:a16="http://schemas.microsoft.com/office/drawing/2014/main" val="1556706463"/>
+                  </a:ext>
+                </a:extLst>
+              </a:tr>
+              <a:tr h="458299">
+                <a:tc>
+                  <a:txBody>
+                    <a:bodyPr/>
+                    <a:lstStyle/>
+                    <a:p>
+                      <a:pPr algn="ctr">
+                        <a:lnSpc>
+                          <a:spcPct val="150000"/>
+                        </a:lnSpc>
+                        <a:spcAft>
+                          <a:spcPts val="0"/>
+                        </a:spcAft>
+                      </a:pPr>
+                      <a:r>
+                        <a:rPr lang="en-US" sz="1600" b="0" kern="0">
+                          <a:effectLst/>
+                        </a:rPr>
+                        <a:t>phoneNum</a:t>
+                      </a:r>
+                      <a:endParaRPr lang="zh-CN" sz="1600" b="0" kern="100">
+                        <a:effectLst/>
+                        <a:latin typeface="Calibri" panose="020F0502020204030204" pitchFamily="34" charset="0"/>
+                        <a:ea typeface="宋体" panose="02010600030101010101" pitchFamily="2" charset="-122"/>
+                        <a:cs typeface="Times New Roman" panose="02020603050405020304" pitchFamily="18" charset="0"/>
+                      </a:endParaRPr>
+                    </a:p>
+                  </a:txBody>
+                  <a:tcPr marL="68580" marR="68580" marT="0" marB="0" anchor="b"/>
+                </a:tc>
+                <a:tc>
+                  <a:txBody>
+                    <a:bodyPr/>
+                    <a:lstStyle/>
+                    <a:p>
+                      <a:pPr algn="ctr">
+                        <a:lnSpc>
+                          <a:spcPct val="150000"/>
+                        </a:lnSpc>
+                        <a:spcAft>
+                          <a:spcPts val="0"/>
+                        </a:spcAft>
+                      </a:pPr>
+                      <a:r>
+                        <a:rPr lang="en-US" sz="1600" b="0" kern="0">
+                          <a:effectLst/>
+                        </a:rPr>
+                        <a:t>varchar</a:t>
+                      </a:r>
+                      <a:endParaRPr lang="zh-CN" sz="1600" b="0" kern="100">
+                        <a:effectLst/>
+                        <a:latin typeface="Calibri" panose="020F0502020204030204" pitchFamily="34" charset="0"/>
+                        <a:ea typeface="宋体" panose="02010600030101010101" pitchFamily="2" charset="-122"/>
+                        <a:cs typeface="Times New Roman" panose="02020603050405020304" pitchFamily="18" charset="0"/>
+                      </a:endParaRPr>
+                    </a:p>
+                  </a:txBody>
+                  <a:tcPr marL="68580" marR="68580" marT="0" marB="0" anchor="b"/>
+                </a:tc>
+                <a:tc>
+                  <a:txBody>
+                    <a:bodyPr/>
+                    <a:lstStyle/>
+                    <a:p>
+                      <a:pPr algn="ctr">
+                        <a:lnSpc>
+                          <a:spcPct val="150000"/>
+                        </a:lnSpc>
+                        <a:spcAft>
+                          <a:spcPts val="0"/>
+                        </a:spcAft>
+                      </a:pPr>
+                      <a:r>
+                        <a:rPr lang="zh-CN" sz="1600" b="0" kern="0" dirty="0">
+                          <a:effectLst/>
+                        </a:rPr>
+                        <a:t>联系电话</a:t>
+                      </a:r>
+                      <a:endParaRPr lang="zh-CN" sz="1600" b="0" kern="100" dirty="0">
+                        <a:effectLst/>
+                        <a:latin typeface="Calibri" panose="020F0502020204030204" pitchFamily="34" charset="0"/>
+                        <a:ea typeface="宋体" panose="02010600030101010101" pitchFamily="2" charset="-122"/>
+                        <a:cs typeface="Times New Roman" panose="02020603050405020304" pitchFamily="18" charset="0"/>
+                      </a:endParaRPr>
+                    </a:p>
+                  </a:txBody>
+                  <a:tcPr marL="68580" marR="68580" marT="0" marB="0" anchor="b"/>
+                </a:tc>
+                <a:extLst>
+                  <a:ext uri="{0D108BD9-81ED-4DB2-BD59-A6C34878D82A}">
+                    <a16:rowId xmlns:a16="http://schemas.microsoft.com/office/drawing/2014/main" val="3184604862"/>
+                  </a:ext>
+                </a:extLst>
+              </a:tr>
+              <a:tr h="458299">
+                <a:tc>
+                  <a:txBody>
+                    <a:bodyPr/>
+                    <a:lstStyle/>
+                    <a:p>
+                      <a:pPr algn="ctr">
+                        <a:lnSpc>
+                          <a:spcPct val="150000"/>
+                        </a:lnSpc>
+                        <a:spcAft>
+                          <a:spcPts val="0"/>
+                        </a:spcAft>
+                      </a:pPr>
+                      <a:r>
+                        <a:rPr lang="en-US" sz="1600" b="0" kern="0">
+                          <a:effectLst/>
+                        </a:rPr>
+                        <a:t>isForbid</a:t>
+                      </a:r>
+                      <a:endParaRPr lang="zh-CN" sz="1600" b="0" kern="100">
+                        <a:effectLst/>
+                        <a:latin typeface="Calibri" panose="020F0502020204030204" pitchFamily="34" charset="0"/>
+                        <a:ea typeface="宋体" panose="02010600030101010101" pitchFamily="2" charset="-122"/>
+                        <a:cs typeface="Times New Roman" panose="02020603050405020304" pitchFamily="18" charset="0"/>
+                      </a:endParaRPr>
+                    </a:p>
+                  </a:txBody>
+                  <a:tcPr marL="68580" marR="68580" marT="0" marB="0" anchor="b"/>
+                </a:tc>
+                <a:tc>
+                  <a:txBody>
+                    <a:bodyPr/>
+                    <a:lstStyle/>
+                    <a:p>
+                      <a:pPr algn="ctr">
+                        <a:lnSpc>
+                          <a:spcPct val="150000"/>
+                        </a:lnSpc>
+                        <a:spcAft>
+                          <a:spcPts val="0"/>
+                        </a:spcAft>
+                      </a:pPr>
+                      <a:r>
+                        <a:rPr lang="en-US" sz="1600" b="0" kern="0">
+                          <a:effectLst/>
+                        </a:rPr>
+                        <a:t>char</a:t>
+                      </a:r>
+                      <a:endParaRPr lang="zh-CN" sz="1600" b="0" kern="100">
+                        <a:effectLst/>
+                        <a:latin typeface="Calibri" panose="020F0502020204030204" pitchFamily="34" charset="0"/>
+                        <a:ea typeface="宋体" panose="02010600030101010101" pitchFamily="2" charset="-122"/>
+                        <a:cs typeface="Times New Roman" panose="02020603050405020304" pitchFamily="18" charset="0"/>
+                      </a:endParaRPr>
+                    </a:p>
+                  </a:txBody>
+                  <a:tcPr marL="68580" marR="68580" marT="0" marB="0" anchor="b"/>
+                </a:tc>
+                <a:tc>
+                  <a:txBody>
+                    <a:bodyPr/>
+                    <a:lstStyle/>
+                    <a:p>
+                      <a:pPr algn="ctr">
+                        <a:lnSpc>
+                          <a:spcPct val="150000"/>
+                        </a:lnSpc>
+                        <a:spcAft>
+                          <a:spcPts val="0"/>
+                        </a:spcAft>
+                      </a:pPr>
+                      <a:r>
+                        <a:rPr lang="zh-CN" sz="1600" b="0" kern="0" dirty="0">
+                          <a:effectLst/>
+                        </a:rPr>
+                        <a:t>封禁状态</a:t>
+                      </a:r>
+                      <a:endParaRPr lang="zh-CN" sz="1600" b="0" kern="100" dirty="0">
+                        <a:effectLst/>
+                        <a:latin typeface="Calibri" panose="020F0502020204030204" pitchFamily="34" charset="0"/>
+                        <a:ea typeface="宋体" panose="02010600030101010101" pitchFamily="2" charset="-122"/>
+                        <a:cs typeface="Times New Roman" panose="02020603050405020304" pitchFamily="18" charset="0"/>
+                      </a:endParaRPr>
+                    </a:p>
+                  </a:txBody>
+                  <a:tcPr marL="68580" marR="68580" marT="0" marB="0" anchor="b"/>
+                </a:tc>
+                <a:extLst>
+                  <a:ext uri="{0D108BD9-81ED-4DB2-BD59-A6C34878D82A}">
+                    <a16:rowId xmlns:a16="http://schemas.microsoft.com/office/drawing/2014/main" val="552284764"/>
+                  </a:ext>
+                </a:extLst>
+              </a:tr>
+            </a:tbl>
+          </a:graphicData>
+        </a:graphic>
+      </p:graphicFrame>
       <p:sp>
         <p:nvSpPr>
-          <p:cNvPr id="6" name="矩形 5"/>
-          <p:cNvSpPr/>
+          <p:cNvPr id="4" name="文本框 3"/>
+          <p:cNvSpPr txBox="1"/>
           <p:nvPr/>
         </p:nvSpPr>
         <p:spPr>
           <a:xfrm>
-            <a:off x="950374" y="2041041"/>
-            <a:ext cx="3057247" cy="523220"/>
+            <a:off x="950374" y="1453880"/>
+            <a:ext cx="6268111" cy="738664"/>
           </a:xfrm>
           <a:prstGeom prst="rect">
             <a:avLst/>
           </a:prstGeom>
+          <a:noFill/>
         </p:spPr>
         <p:txBody>
-          <a:bodyPr wrap="none">
+          <a:bodyPr wrap="square" rtlCol="0">
             <a:spAutoFit/>
           </a:bodyPr>
           <a:lstStyle/>
           <a:p>
-            <a:r>
-              <a:rPr lang="zh-CN" altLang="en-US" sz="2800" dirty="0"/>
-              <a:t>点击此处添加标题</a:t>
-            </a:r>
-          </a:p>
-        </p:txBody>
-      </p:sp>
-      <p:sp>
-        <p:nvSpPr>
-          <p:cNvPr id="7" name="矩形 6"/>
-          <p:cNvSpPr/>
-          <p:nvPr/>
-        </p:nvSpPr>
-        <p:spPr>
-          <a:xfrm>
-            <a:off x="959621" y="2810482"/>
-            <a:ext cx="6550312" cy="625171"/>
-          </a:xfrm>
-          <a:prstGeom prst="rect">
-            <a:avLst/>
-          </a:prstGeom>
-        </p:spPr>
-        <p:txBody>
-          <a:bodyPr wrap="square">
-            <a:spAutoFit/>
-          </a:bodyPr>
-          <a:lstStyle/>
-          <a:p>
-            <a:pPr>
-              <a:lnSpc>
-                <a:spcPct val="130000"/>
-              </a:lnSpc>
-            </a:pPr>
             <a:r>
               <a:rPr lang="zh-CN" altLang="en-US" sz="1400" dirty="0">
                 <a:solidFill>
@@ -8334,10 +7054,10 @@
                     <a:lumMod val="50000"/>
                   </a:schemeClr>
                 </a:solidFill>
-                <a:latin typeface="微软雅黑" panose="020B0503020204020204" charset="-122"/>
-                <a:ea typeface="微软雅黑" panose="020B0503020204020204" charset="-122"/>
+                <a:latin typeface="微软雅黑" panose="020B0503020204020204" pitchFamily="34" charset="-122"/>
+                <a:ea typeface="微软雅黑" panose="020B0503020204020204" pitchFamily="34" charset="-122"/>
               </a:rPr>
-              <a:t>标题数字等都可以通过点击和重新输入进行更改，顶部“开始”面板中可以对字体、字号、颜色、行距等进行修改。建议正文</a:t>
+              <a:t>该表用于存储系统管理员的所有信息，包括管理员的</a:t>
             </a:r>
             <a:r>
               <a:rPr lang="en-US" altLang="zh-CN" sz="1400" dirty="0">
@@ -8346,10 +7066,10 @@
                     <a:lumMod val="50000"/>
                   </a:schemeClr>
                 </a:solidFill>
-                <a:latin typeface="微软雅黑" panose="020B0503020204020204" charset="-122"/>
-                <a:ea typeface="微软雅黑" panose="020B0503020204020204" charset="-122"/>
+                <a:latin typeface="微软雅黑" panose="020B0503020204020204" pitchFamily="34" charset="-122"/>
+                <a:ea typeface="微软雅黑" panose="020B0503020204020204" pitchFamily="34" charset="-122"/>
               </a:rPr>
-              <a:t>8-14</a:t>
+              <a:t>ID</a:t>
             </a:r>
             <a:r>
               <a:rPr lang="zh-CN" altLang="en-US" sz="1400" dirty="0">
@@ -8358,10 +7078,10 @@
                     <a:lumMod val="50000"/>
                   </a:schemeClr>
                 </a:solidFill>
-                <a:latin typeface="微软雅黑" panose="020B0503020204020204" charset="-122"/>
-                <a:ea typeface="微软雅黑" panose="020B0503020204020204" charset="-122"/>
+                <a:latin typeface="微软雅黑" panose="020B0503020204020204" pitchFamily="34" charset="-122"/>
+                <a:ea typeface="微软雅黑" panose="020B0503020204020204" pitchFamily="34" charset="-122"/>
               </a:rPr>
-              <a:t>号字，</a:t>
+              <a:t>号，姓名，性别，电子邮箱，登录密码，联系电话以及封禁状态，其中管理员</a:t>
             </a:r>
             <a:r>
               <a:rPr lang="en-US" altLang="zh-CN" sz="1400" dirty="0">
@@ -8370,10 +7090,10 @@
                     <a:lumMod val="50000"/>
                   </a:schemeClr>
                 </a:solidFill>
-                <a:latin typeface="微软雅黑" panose="020B0503020204020204" charset="-122"/>
-                <a:ea typeface="微软雅黑" panose="020B0503020204020204" charset="-122"/>
+                <a:latin typeface="微软雅黑" panose="020B0503020204020204" pitchFamily="34" charset="-122"/>
+                <a:ea typeface="微软雅黑" panose="020B0503020204020204" pitchFamily="34" charset="-122"/>
               </a:rPr>
-              <a:t>1.3</a:t>
+              <a:t>ID</a:t>
             </a:r>
             <a:r>
               <a:rPr lang="zh-CN" altLang="en-US" sz="1400" dirty="0">
@@ -8382,189 +7102,53 @@
                     <a:lumMod val="50000"/>
                   </a:schemeClr>
                 </a:solidFill>
-                <a:latin typeface="微软雅黑" panose="020B0503020204020204" charset="-122"/>
-                <a:ea typeface="微软雅黑" panose="020B0503020204020204" charset="-122"/>
+                <a:latin typeface="微软雅黑" panose="020B0503020204020204" pitchFamily="34" charset="-122"/>
+                <a:ea typeface="微软雅黑" panose="020B0503020204020204" pitchFamily="34" charset="-122"/>
               </a:rPr>
-              <a:t>倍字间距。</a:t>
+              <a:t>为唯一标识，不可为空。</a:t>
             </a:r>
           </a:p>
         </p:txBody>
       </p:sp>
       <p:sp>
         <p:nvSpPr>
-          <p:cNvPr id="8" name="矩形 7"/>
-          <p:cNvSpPr/>
+          <p:cNvPr id="10" name="文本框 9"/>
+          <p:cNvSpPr txBox="1"/>
           <p:nvPr/>
         </p:nvSpPr>
         <p:spPr>
           <a:xfrm>
-            <a:off x="959621" y="3549798"/>
-            <a:ext cx="6550312" cy="625171"/>
+            <a:off x="3103685" y="942387"/>
+            <a:ext cx="1863969" cy="338554"/>
           </a:xfrm>
           <a:prstGeom prst="rect">
             <a:avLst/>
           </a:prstGeom>
+          <a:noFill/>
         </p:spPr>
         <p:txBody>
-          <a:bodyPr wrap="square">
+          <a:bodyPr wrap="square" rtlCol="0">
             <a:spAutoFit/>
           </a:bodyPr>
           <a:lstStyle/>
           <a:p>
-            <a:pPr>
-              <a:lnSpc>
-                <a:spcPct val="130000"/>
-              </a:lnSpc>
-            </a:pPr>
-            <a:r>
-              <a:rPr lang="zh-CN" altLang="en-US" sz="1400" dirty="0">
+            <a:r>
+              <a:rPr lang="zh-CN" altLang="en-US" sz="1600" dirty="0" smtClean="0">
                 <a:solidFill>
                   <a:schemeClr val="bg1">
                     <a:lumMod val="50000"/>
                   </a:schemeClr>
                 </a:solidFill>
-                <a:latin typeface="微软雅黑" panose="020B0503020204020204" charset="-122"/>
-                <a:ea typeface="微软雅黑" panose="020B0503020204020204" charset="-122"/>
               </a:rPr>
-              <a:t>标题数字等都可以通过点击和重新输入进行更改，顶部“开始”面板中可以对字体、字号、颜色、行距等进行修改。建议正文</a:t>
-            </a:r>
-            <a:r>
-              <a:rPr lang="en-US" altLang="zh-CN" sz="1400" dirty="0">
-                <a:solidFill>
-                  <a:schemeClr val="bg1">
-                    <a:lumMod val="50000"/>
-                  </a:schemeClr>
-                </a:solidFill>
-                <a:latin typeface="微软雅黑" panose="020B0503020204020204" charset="-122"/>
-                <a:ea typeface="微软雅黑" panose="020B0503020204020204" charset="-122"/>
-              </a:rPr>
-              <a:t>8-14</a:t>
-            </a:r>
-            <a:r>
-              <a:rPr lang="zh-CN" altLang="en-US" sz="1400" dirty="0">
-                <a:solidFill>
-                  <a:schemeClr val="bg1">
-                    <a:lumMod val="50000"/>
-                  </a:schemeClr>
-                </a:solidFill>
-                <a:latin typeface="微软雅黑" panose="020B0503020204020204" charset="-122"/>
-                <a:ea typeface="微软雅黑" panose="020B0503020204020204" charset="-122"/>
-              </a:rPr>
-              <a:t>号字，</a:t>
-            </a:r>
-            <a:r>
-              <a:rPr lang="en-US" altLang="zh-CN" sz="1400" dirty="0">
-                <a:solidFill>
-                  <a:schemeClr val="bg1">
-                    <a:lumMod val="50000"/>
-                  </a:schemeClr>
-                </a:solidFill>
-                <a:latin typeface="微软雅黑" panose="020B0503020204020204" charset="-122"/>
-                <a:ea typeface="微软雅黑" panose="020B0503020204020204" charset="-122"/>
-              </a:rPr>
-              <a:t>1.3</a:t>
-            </a:r>
-            <a:r>
-              <a:rPr lang="zh-CN" altLang="en-US" sz="1400" dirty="0">
-                <a:solidFill>
-                  <a:schemeClr val="bg1">
-                    <a:lumMod val="50000"/>
-                  </a:schemeClr>
-                </a:solidFill>
-                <a:latin typeface="微软雅黑" panose="020B0503020204020204" charset="-122"/>
-                <a:ea typeface="微软雅黑" panose="020B0503020204020204" charset="-122"/>
-              </a:rPr>
-              <a:t>倍字间距。</a:t>
-            </a:r>
-          </a:p>
-        </p:txBody>
-      </p:sp>
-      <p:sp>
-        <p:nvSpPr>
-          <p:cNvPr id="9" name="矩形 8"/>
-          <p:cNvSpPr/>
-          <p:nvPr/>
-        </p:nvSpPr>
-        <p:spPr>
-          <a:xfrm>
-            <a:off x="959621" y="4289114"/>
-            <a:ext cx="6550312" cy="625171"/>
-          </a:xfrm>
-          <a:prstGeom prst="rect">
-            <a:avLst/>
-          </a:prstGeom>
-        </p:spPr>
-        <p:txBody>
-          <a:bodyPr wrap="square">
-            <a:spAutoFit/>
-          </a:bodyPr>
-          <a:lstStyle/>
-          <a:p>
-            <a:pPr>
-              <a:lnSpc>
-                <a:spcPct val="130000"/>
-              </a:lnSpc>
-            </a:pPr>
-            <a:r>
-              <a:rPr lang="zh-CN" altLang="en-US" sz="1400" dirty="0">
-                <a:solidFill>
-                  <a:schemeClr val="bg1">
-                    <a:lumMod val="50000"/>
-                  </a:schemeClr>
-                </a:solidFill>
-                <a:latin typeface="微软雅黑" panose="020B0503020204020204" charset="-122"/>
-                <a:ea typeface="微软雅黑" panose="020B0503020204020204" charset="-122"/>
-              </a:rPr>
-              <a:t>标题数字等都可以通过点击和重新输入进行更改，顶部“开始”面板中可以对字体、字号、颜色、行距等进行修改。建议正文</a:t>
-            </a:r>
-            <a:r>
-              <a:rPr lang="en-US" altLang="zh-CN" sz="1400" dirty="0">
-                <a:solidFill>
-                  <a:schemeClr val="bg1">
-                    <a:lumMod val="50000"/>
-                  </a:schemeClr>
-                </a:solidFill>
-                <a:latin typeface="微软雅黑" panose="020B0503020204020204" charset="-122"/>
-                <a:ea typeface="微软雅黑" panose="020B0503020204020204" charset="-122"/>
-              </a:rPr>
-              <a:t>8-14</a:t>
-            </a:r>
-            <a:r>
-              <a:rPr lang="zh-CN" altLang="en-US" sz="1400" dirty="0">
-                <a:solidFill>
-                  <a:schemeClr val="bg1">
-                    <a:lumMod val="50000"/>
-                  </a:schemeClr>
-                </a:solidFill>
-                <a:latin typeface="微软雅黑" panose="020B0503020204020204" charset="-122"/>
-                <a:ea typeface="微软雅黑" panose="020B0503020204020204" charset="-122"/>
-              </a:rPr>
-              <a:t>号字，</a:t>
-            </a:r>
-            <a:r>
-              <a:rPr lang="en-US" altLang="zh-CN" sz="1400" dirty="0">
-                <a:solidFill>
-                  <a:schemeClr val="bg1">
-                    <a:lumMod val="50000"/>
-                  </a:schemeClr>
-                </a:solidFill>
-                <a:latin typeface="微软雅黑" panose="020B0503020204020204" charset="-122"/>
-                <a:ea typeface="微软雅黑" panose="020B0503020204020204" charset="-122"/>
-              </a:rPr>
-              <a:t>1.3</a:t>
-            </a:r>
-            <a:r>
-              <a:rPr lang="zh-CN" altLang="en-US" sz="1400" dirty="0">
-                <a:solidFill>
-                  <a:schemeClr val="bg1">
-                    <a:lumMod val="50000"/>
-                  </a:schemeClr>
-                </a:solidFill>
-                <a:latin typeface="微软雅黑" panose="020B0503020204020204" charset="-122"/>
-                <a:ea typeface="微软雅黑" panose="020B0503020204020204" charset="-122"/>
-              </a:rPr>
-              <a:t>倍字间距。</a:t>
-            </a:r>
+              <a:t>示例：管理员表</a:t>
+            </a:r>
+            <a:endParaRPr lang="zh-CN" altLang="en-US" sz="1600" dirty="0">
+              <a:solidFill>
+                <a:schemeClr val="bg1">
+                  <a:lumMod val="50000"/>
+                </a:schemeClr>
+              </a:solidFill>
+            </a:endParaRPr>
           </a:p>
         </p:txBody>
       </p:sp>
@@ -8592,6 +7176,717 @@
 </file>
 
 <file path=ppt/slides/slide15.xml><?xml version="1.0" encoding="utf-8"?>
+<p:sld xmlns:a="http://schemas.openxmlformats.org/drawingml/2006/main" xmlns:r="http://schemas.openxmlformats.org/officeDocument/2006/relationships" xmlns:p="http://schemas.openxmlformats.org/presentationml/2006/main">
+  <p:cSld>
+    <p:spTree>
+      <p:nvGrpSpPr>
+        <p:cNvPr id="1" name=""/>
+        <p:cNvGrpSpPr/>
+        <p:nvPr/>
+      </p:nvGrpSpPr>
+      <p:grpSpPr>
+        <a:xfrm>
+          <a:off x="0" y="0"/>
+          <a:ext cx="0" cy="0"/>
+          <a:chOff x="0" y="0"/>
+          <a:chExt cx="0" cy="0"/>
+        </a:xfrm>
+      </p:grpSpPr>
+      <p:sp>
+        <p:nvSpPr>
+          <p:cNvPr id="2" name="文本框 1"/>
+          <p:cNvSpPr txBox="1"/>
+          <p:nvPr/>
+        </p:nvSpPr>
+        <p:spPr>
+          <a:xfrm>
+            <a:off x="4294927" y="3280457"/>
+            <a:ext cx="3602146" cy="880306"/>
+          </a:xfrm>
+          <a:prstGeom prst="rect">
+            <a:avLst/>
+          </a:prstGeom>
+          <a:noFill/>
+        </p:spPr>
+        <p:txBody>
+          <a:bodyPr wrap="square" rtlCol="0">
+            <a:spAutoFit/>
+          </a:bodyPr>
+          <a:lstStyle/>
+          <a:p>
+            <a:pPr algn="ctr" defTabSz="608965">
+              <a:lnSpc>
+                <a:spcPct val="130000"/>
+              </a:lnSpc>
+            </a:pPr>
+            <a:r>
+              <a:rPr lang="en-US" altLang="zh-CN" sz="4400" b="1" dirty="0">
+                <a:latin typeface="+mj-lt"/>
+                <a:ea typeface="微软雅黑" panose="020B0503020204020204" charset="-122"/>
+              </a:rPr>
+              <a:t>PART FIVE</a:t>
+            </a:r>
+          </a:p>
+        </p:txBody>
+      </p:sp>
+      <p:sp>
+        <p:nvSpPr>
+          <p:cNvPr id="3" name="文本框 2"/>
+          <p:cNvSpPr txBox="1"/>
+          <p:nvPr/>
+        </p:nvSpPr>
+        <p:spPr>
+          <a:xfrm>
+            <a:off x="3936733" y="2417412"/>
+            <a:ext cx="4318534" cy="1173976"/>
+          </a:xfrm>
+          <a:prstGeom prst="rect">
+            <a:avLst/>
+          </a:prstGeom>
+          <a:noFill/>
+        </p:spPr>
+        <p:txBody>
+          <a:bodyPr wrap="square" rtlCol="0">
+            <a:spAutoFit/>
+          </a:bodyPr>
+          <a:lstStyle/>
+          <a:p>
+            <a:pPr algn="ctr" defTabSz="608965">
+              <a:lnSpc>
+                <a:spcPct val="130000"/>
+              </a:lnSpc>
+            </a:pPr>
+            <a:r>
+              <a:rPr lang="zh-CN" altLang="en-US" sz="6000" dirty="0" smtClean="0">
+                <a:latin typeface="+mj-lt"/>
+                <a:ea typeface="微软雅黑" panose="020B0503020204020204" charset="-122"/>
+              </a:rPr>
+              <a:t>内容实现</a:t>
+            </a:r>
+            <a:endParaRPr lang="zh-CN" altLang="en-US" sz="6000" dirty="0">
+              <a:latin typeface="+mj-lt"/>
+              <a:ea typeface="微软雅黑" panose="020B0503020204020204" charset="-122"/>
+            </a:endParaRPr>
+          </a:p>
+        </p:txBody>
+      </p:sp>
+      <p:sp>
+        <p:nvSpPr>
+          <p:cNvPr id="4" name="矩形 3"/>
+          <p:cNvSpPr/>
+          <p:nvPr/>
+        </p:nvSpPr>
+        <p:spPr>
+          <a:xfrm>
+            <a:off x="4889817" y="4139690"/>
+            <a:ext cx="2412366" cy="113341"/>
+          </a:xfrm>
+          <a:prstGeom prst="rect">
+            <a:avLst/>
+          </a:prstGeom>
+          <a:solidFill>
+            <a:srgbClr val="00B0F0"/>
+          </a:solidFill>
+          <a:ln>
+            <a:noFill/>
+          </a:ln>
+        </p:spPr>
+        <p:style>
+          <a:lnRef idx="2">
+            <a:schemeClr val="accent1">
+              <a:shade val="50000"/>
+            </a:schemeClr>
+          </a:lnRef>
+          <a:fillRef idx="1">
+            <a:schemeClr val="accent1"/>
+          </a:fillRef>
+          <a:effectRef idx="0">
+            <a:schemeClr val="accent1"/>
+          </a:effectRef>
+          <a:fontRef idx="minor">
+            <a:schemeClr val="lt1"/>
+          </a:fontRef>
+        </p:style>
+        <p:txBody>
+          <a:bodyPr rot="0" spcFirstLastPara="0" vertOverflow="overflow" horzOverflow="overflow" vert="horz" wrap="square" lIns="91440" tIns="45720" rIns="91440" bIns="45720" numCol="1" spcCol="0" rtlCol="0" fromWordArt="0" anchor="ctr" anchorCtr="0" forceAA="0" compatLnSpc="1">
+            <a:noAutofit/>
+          </a:bodyPr>
+          <a:lstStyle/>
+          <a:p>
+            <a:pPr algn="ctr"/>
+            <a:endParaRPr lang="zh-CN" altLang="en-US" sz="4400"/>
+          </a:p>
+        </p:txBody>
+      </p:sp>
+      <p:sp>
+        <p:nvSpPr>
+          <p:cNvPr id="5" name="矩形 4"/>
+          <p:cNvSpPr/>
+          <p:nvPr/>
+        </p:nvSpPr>
+        <p:spPr>
+          <a:xfrm>
+            <a:off x="0" y="60523"/>
+            <a:ext cx="3005951" cy="400110"/>
+          </a:xfrm>
+          <a:prstGeom prst="rect">
+            <a:avLst/>
+          </a:prstGeom>
+        </p:spPr>
+        <p:txBody>
+          <a:bodyPr wrap="none">
+            <a:spAutoFit/>
+          </a:bodyPr>
+          <a:lstStyle/>
+          <a:p>
+            <a:r>
+              <a:rPr lang="zh-CN" altLang="en-US" sz="2000" dirty="0">
+                <a:solidFill>
+                  <a:schemeClr val="tx1">
+                    <a:lumMod val="85000"/>
+                    <a:lumOff val="15000"/>
+                  </a:schemeClr>
+                </a:solidFill>
+              </a:rPr>
+              <a:t>学校名称</a:t>
+            </a:r>
+            <a:r>
+              <a:rPr lang="zh-CN" altLang="en-US" sz="2000" dirty="0" smtClean="0">
+                <a:solidFill>
+                  <a:schemeClr val="tx1">
+                    <a:lumMod val="85000"/>
+                    <a:lumOff val="15000"/>
+                  </a:schemeClr>
+                </a:solidFill>
+              </a:rPr>
+              <a:t>：</a:t>
+            </a:r>
+            <a:r>
+              <a:rPr lang="zh-CN" altLang="en-US" sz="2000" dirty="0">
+                <a:solidFill>
+                  <a:schemeClr val="tx1">
+                    <a:lumMod val="85000"/>
+                    <a:lumOff val="15000"/>
+                  </a:schemeClr>
+                </a:solidFill>
+              </a:rPr>
+              <a:t>河北师范</a:t>
+            </a:r>
+            <a:r>
+              <a:rPr lang="zh-CN" altLang="en-US" sz="2000" dirty="0" smtClean="0">
+                <a:solidFill>
+                  <a:schemeClr val="tx1">
+                    <a:lumMod val="85000"/>
+                    <a:lumOff val="15000"/>
+                  </a:schemeClr>
+                </a:solidFill>
+              </a:rPr>
+              <a:t>大学</a:t>
+            </a:r>
+            <a:endParaRPr lang="zh-CN" altLang="en-US" sz="2000" dirty="0">
+              <a:solidFill>
+                <a:schemeClr val="tx1">
+                  <a:lumMod val="85000"/>
+                  <a:lumOff val="15000"/>
+                </a:schemeClr>
+              </a:solidFill>
+            </a:endParaRPr>
+          </a:p>
+        </p:txBody>
+      </p:sp>
+    </p:spTree>
+  </p:cSld>
+  <p:clrMapOvr>
+    <a:masterClrMapping/>
+  </p:clrMapOvr>
+  <mc:AlternateContent xmlns:mc="http://schemas.openxmlformats.org/markup-compatibility/2006" xmlns:p14="http://schemas.microsoft.com/office/powerpoint/2010/main">
+    <mc:Choice Requires="p14">
+      <p:transition p14:dur="0" advTm="2000"/>
+    </mc:Choice>
+    <mc:Fallback xmlns="">
+      <p:transition advTm="2000"/>
+    </mc:Fallback>
+  </mc:AlternateContent>
+  <p:timing>
+    <p:tnLst>
+      <p:par>
+        <p:cTn id="1" dur="indefinite" restart="never" nodeType="tmRoot"/>
+      </p:par>
+    </p:tnLst>
+  </p:timing>
+</p:sld>
+</file>
+
+<file path=ppt/slides/slide16.xml><?xml version="1.0" encoding="utf-8"?>
+<p:sld xmlns:a="http://schemas.openxmlformats.org/drawingml/2006/main" xmlns:r="http://schemas.openxmlformats.org/officeDocument/2006/relationships" xmlns:p="http://schemas.openxmlformats.org/presentationml/2006/main">
+  <p:cSld>
+    <p:spTree>
+      <p:nvGrpSpPr>
+        <p:cNvPr id="1" name=""/>
+        <p:cNvGrpSpPr/>
+        <p:nvPr/>
+      </p:nvGrpSpPr>
+      <p:grpSpPr>
+        <a:xfrm>
+          <a:off x="0" y="0"/>
+          <a:ext cx="0" cy="0"/>
+          <a:chOff x="0" y="0"/>
+          <a:chExt cx="0" cy="0"/>
+        </a:xfrm>
+      </p:grpSpPr>
+      <p:sp>
+        <p:nvSpPr>
+          <p:cNvPr id="2" name="矩形 1"/>
+          <p:cNvSpPr/>
+          <p:nvPr/>
+        </p:nvSpPr>
+        <p:spPr>
+          <a:xfrm>
+            <a:off x="0" y="60523"/>
+            <a:ext cx="1210588" cy="400110"/>
+          </a:xfrm>
+          <a:prstGeom prst="rect">
+            <a:avLst/>
+          </a:prstGeom>
+        </p:spPr>
+        <p:txBody>
+          <a:bodyPr wrap="none">
+            <a:spAutoFit/>
+          </a:bodyPr>
+          <a:lstStyle/>
+          <a:p>
+            <a:r>
+              <a:rPr lang="zh-CN" altLang="en-US" sz="2000" dirty="0">
+                <a:solidFill>
+                  <a:schemeClr val="tx1">
+                    <a:lumMod val="85000"/>
+                    <a:lumOff val="15000"/>
+                  </a:schemeClr>
+                </a:solidFill>
+              </a:rPr>
+              <a:t>内容实现</a:t>
+            </a:r>
+            <a:endParaRPr lang="zh-CN" altLang="en-US" sz="2000" dirty="0">
+              <a:solidFill>
+                <a:schemeClr val="tx1">
+                  <a:lumMod val="85000"/>
+                  <a:lumOff val="15000"/>
+                </a:schemeClr>
+              </a:solidFill>
+            </a:endParaRPr>
+          </a:p>
+        </p:txBody>
+      </p:sp>
+      <p:sp>
+        <p:nvSpPr>
+          <p:cNvPr id="3" name="文本框 2"/>
+          <p:cNvSpPr txBox="1"/>
+          <p:nvPr/>
+        </p:nvSpPr>
+        <p:spPr>
+          <a:xfrm>
+            <a:off x="615462" y="530971"/>
+            <a:ext cx="10840915" cy="848117"/>
+          </a:xfrm>
+          <a:prstGeom prst="rect">
+            <a:avLst/>
+          </a:prstGeom>
+          <a:noFill/>
+        </p:spPr>
+        <p:txBody>
+          <a:bodyPr wrap="square" rtlCol="0">
+            <a:spAutoFit/>
+          </a:bodyPr>
+          <a:lstStyle/>
+          <a:p>
+            <a:pPr>
+              <a:lnSpc>
+                <a:spcPts val="2000"/>
+              </a:lnSpc>
+            </a:pPr>
+            <a:r>
+              <a:rPr lang="zh-CN" altLang="en-US" sz="1600" dirty="0">
+                <a:latin typeface="微软雅黑 Light" panose="020B0502040204020203" pitchFamily="34" charset="-122"/>
+                <a:ea typeface="微软雅黑 Light" panose="020B0502040204020203" pitchFamily="34" charset="-122"/>
+              </a:rPr>
+              <a:t>管理员进入系统的登录界面，填写登录账号和密码。当三级验证均成功时，页面跳转至系统首页。当账号不存在时，系统提示“该用户不是管理员”；当密码不正确时，系统提示“密码错误”；当用户权限状态被封禁时，系统提示“该用户已被封禁”。</a:t>
+            </a:r>
+          </a:p>
+        </p:txBody>
+      </p:sp>
+      <p:sp>
+        <p:nvSpPr>
+          <p:cNvPr id="4" name="文本框 3"/>
+          <p:cNvSpPr txBox="1"/>
+          <p:nvPr/>
+        </p:nvSpPr>
+        <p:spPr>
+          <a:xfrm>
+            <a:off x="1503485" y="91301"/>
+            <a:ext cx="1160584" cy="369332"/>
+          </a:xfrm>
+          <a:prstGeom prst="rect">
+            <a:avLst/>
+          </a:prstGeom>
+          <a:noFill/>
+        </p:spPr>
+        <p:txBody>
+          <a:bodyPr wrap="square" rtlCol="0">
+            <a:spAutoFit/>
+          </a:bodyPr>
+          <a:lstStyle/>
+          <a:p>
+            <a:r>
+              <a:rPr lang="zh-CN" altLang="en-US" dirty="0" smtClean="0"/>
+              <a:t>登录页面</a:t>
+            </a:r>
+            <a:endParaRPr lang="zh-CN" altLang="en-US" dirty="0"/>
+          </a:p>
+        </p:txBody>
+      </p:sp>
+      <p:pic>
+        <p:nvPicPr>
+          <p:cNvPr id="5" name="图片 4" descr="屏幕剪辑"/>
+          <p:cNvPicPr>
+            <a:picLocks noChangeAspect="1"/>
+          </p:cNvPicPr>
+          <p:nvPr/>
+        </p:nvPicPr>
+        <p:blipFill>
+          <a:blip r:embed="rId3">
+            <a:extLst>
+              <a:ext uri="{28A0092B-C50C-407E-A947-70E740481C1C}">
+                <a14:useLocalDpi xmlns:a14="http://schemas.microsoft.com/office/drawing/2010/main" val="0"/>
+              </a:ext>
+            </a:extLst>
+          </a:blip>
+          <a:stretch>
+            <a:fillRect/>
+          </a:stretch>
+        </p:blipFill>
+        <p:spPr>
+          <a:xfrm>
+            <a:off x="4318137" y="2948248"/>
+            <a:ext cx="3202360" cy="1914260"/>
+          </a:xfrm>
+          <a:prstGeom prst="rect">
+            <a:avLst/>
+          </a:prstGeom>
+        </p:spPr>
+      </p:pic>
+      <p:pic>
+        <p:nvPicPr>
+          <p:cNvPr id="25" name="图片 24" descr="屏幕剪辑"/>
+          <p:cNvPicPr>
+            <a:picLocks noChangeAspect="1"/>
+          </p:cNvPicPr>
+          <p:nvPr/>
+        </p:nvPicPr>
+        <p:blipFill>
+          <a:blip r:embed="rId4">
+            <a:extLst>
+              <a:ext uri="{28A0092B-C50C-407E-A947-70E740481C1C}">
+                <a14:useLocalDpi xmlns:a14="http://schemas.microsoft.com/office/drawing/2010/main" val="0"/>
+              </a:ext>
+            </a:extLst>
+          </a:blip>
+          <a:stretch>
+            <a:fillRect/>
+          </a:stretch>
+        </p:blipFill>
+        <p:spPr>
+          <a:xfrm>
+            <a:off x="979975" y="1650499"/>
+            <a:ext cx="2703319" cy="1511673"/>
+          </a:xfrm>
+          <a:prstGeom prst="rect">
+            <a:avLst/>
+          </a:prstGeom>
+        </p:spPr>
+      </p:pic>
+      <p:pic>
+        <p:nvPicPr>
+          <p:cNvPr id="26" name="图片 25" descr="屏幕剪辑"/>
+          <p:cNvPicPr>
+            <a:picLocks noChangeAspect="1"/>
+          </p:cNvPicPr>
+          <p:nvPr/>
+        </p:nvPicPr>
+        <p:blipFill>
+          <a:blip r:embed="rId5">
+            <a:extLst>
+              <a:ext uri="{28A0092B-C50C-407E-A947-70E740481C1C}">
+                <a14:useLocalDpi xmlns:a14="http://schemas.microsoft.com/office/drawing/2010/main" val="0"/>
+              </a:ext>
+            </a:extLst>
+          </a:blip>
+          <a:stretch>
+            <a:fillRect/>
+          </a:stretch>
+        </p:blipFill>
+        <p:spPr>
+          <a:xfrm>
+            <a:off x="979975" y="3300927"/>
+            <a:ext cx="2706927" cy="1561581"/>
+          </a:xfrm>
+          <a:prstGeom prst="rect">
+            <a:avLst/>
+          </a:prstGeom>
+        </p:spPr>
+      </p:pic>
+      <p:pic>
+        <p:nvPicPr>
+          <p:cNvPr id="27" name="图片 26" descr="屏幕剪辑"/>
+          <p:cNvPicPr>
+            <a:picLocks noChangeAspect="1"/>
+          </p:cNvPicPr>
+          <p:nvPr/>
+        </p:nvPicPr>
+        <p:blipFill>
+          <a:blip r:embed="rId6">
+            <a:extLst>
+              <a:ext uri="{28A0092B-C50C-407E-A947-70E740481C1C}">
+                <a14:useLocalDpi xmlns:a14="http://schemas.microsoft.com/office/drawing/2010/main" val="0"/>
+              </a:ext>
+            </a:extLst>
+          </a:blip>
+          <a:stretch>
+            <a:fillRect/>
+          </a:stretch>
+        </p:blipFill>
+        <p:spPr>
+          <a:xfrm>
+            <a:off x="979975" y="5001263"/>
+            <a:ext cx="2706927" cy="1667990"/>
+          </a:xfrm>
+          <a:prstGeom prst="rect">
+            <a:avLst/>
+          </a:prstGeom>
+        </p:spPr>
+      </p:pic>
+      <p:pic>
+        <p:nvPicPr>
+          <p:cNvPr id="28" name="图片 27" descr="屏幕剪辑"/>
+          <p:cNvPicPr>
+            <a:picLocks noChangeAspect="1"/>
+          </p:cNvPicPr>
+          <p:nvPr/>
+        </p:nvPicPr>
+        <p:blipFill>
+          <a:blip r:embed="rId7">
+            <a:extLst>
+              <a:ext uri="{28A0092B-C50C-407E-A947-70E740481C1C}">
+                <a14:useLocalDpi xmlns:a14="http://schemas.microsoft.com/office/drawing/2010/main" val="0"/>
+              </a:ext>
+            </a:extLst>
+          </a:blip>
+          <a:stretch>
+            <a:fillRect/>
+          </a:stretch>
+        </p:blipFill>
+        <p:spPr>
+          <a:xfrm>
+            <a:off x="8151732" y="2948248"/>
+            <a:ext cx="3656154" cy="1819861"/>
+          </a:xfrm>
+          <a:prstGeom prst="rect">
+            <a:avLst/>
+          </a:prstGeom>
+        </p:spPr>
+      </p:pic>
+      <p:sp>
+        <p:nvSpPr>
+          <p:cNvPr id="29" name="文本框 28"/>
+          <p:cNvSpPr txBox="1"/>
+          <p:nvPr/>
+        </p:nvSpPr>
+        <p:spPr>
+          <a:xfrm>
+            <a:off x="5492920" y="1709536"/>
+            <a:ext cx="2123017" cy="400110"/>
+          </a:xfrm>
+          <a:prstGeom prst="rect">
+            <a:avLst/>
+          </a:prstGeom>
+          <a:noFill/>
+        </p:spPr>
+        <p:txBody>
+          <a:bodyPr wrap="square" rtlCol="0">
+            <a:spAutoFit/>
+          </a:bodyPr>
+          <a:lstStyle/>
+          <a:p>
+            <a:r>
+              <a:rPr lang="zh-CN" altLang="en-US" sz="2000" b="1" dirty="0" smtClean="0">
+                <a:solidFill>
+                  <a:schemeClr val="accent2">
+                    <a:lumMod val="75000"/>
+                  </a:schemeClr>
+                </a:solidFill>
+              </a:rPr>
+              <a:t>失败</a:t>
+            </a:r>
+            <a:endParaRPr lang="zh-CN" altLang="en-US" sz="2000" b="1" dirty="0">
+              <a:solidFill>
+                <a:schemeClr val="accent2">
+                  <a:lumMod val="75000"/>
+                </a:schemeClr>
+              </a:solidFill>
+            </a:endParaRPr>
+          </a:p>
+        </p:txBody>
+      </p:sp>
+      <p:sp>
+        <p:nvSpPr>
+          <p:cNvPr id="31" name="右箭头 30"/>
+          <p:cNvSpPr/>
+          <p:nvPr/>
+        </p:nvSpPr>
+        <p:spPr>
+          <a:xfrm rot="10800000">
+            <a:off x="4318137" y="1650499"/>
+            <a:ext cx="1133094" cy="496767"/>
+          </a:xfrm>
+          <a:prstGeom prst="rightArrow">
+            <a:avLst/>
+          </a:prstGeom>
+          <a:solidFill>
+            <a:schemeClr val="accent2"/>
+          </a:solidFill>
+          <a:ln>
+            <a:noFill/>
+          </a:ln>
+        </p:spPr>
+        <p:style>
+          <a:lnRef idx="2">
+            <a:schemeClr val="accent1">
+              <a:shade val="50000"/>
+            </a:schemeClr>
+          </a:lnRef>
+          <a:fillRef idx="1">
+            <a:schemeClr val="accent1"/>
+          </a:fillRef>
+          <a:effectRef idx="0">
+            <a:schemeClr val="accent1"/>
+          </a:effectRef>
+          <a:fontRef idx="minor">
+            <a:schemeClr val="lt1"/>
+          </a:fontRef>
+        </p:style>
+        <p:txBody>
+          <a:bodyPr rtlCol="0" anchor="ctr"/>
+          <a:lstStyle/>
+          <a:p>
+            <a:pPr algn="ctr"/>
+            <a:endParaRPr lang="zh-CN" altLang="en-US"/>
+          </a:p>
+        </p:txBody>
+      </p:sp>
+      <p:sp>
+        <p:nvSpPr>
+          <p:cNvPr id="32" name="右箭头 31"/>
+          <p:cNvSpPr/>
+          <p:nvPr/>
+        </p:nvSpPr>
+        <p:spPr>
+          <a:xfrm>
+            <a:off x="6482843" y="5586874"/>
+            <a:ext cx="1133094" cy="496767"/>
+          </a:xfrm>
+          <a:prstGeom prst="rightArrow">
+            <a:avLst/>
+          </a:prstGeom>
+          <a:solidFill>
+            <a:schemeClr val="accent2"/>
+          </a:solidFill>
+          <a:ln>
+            <a:noFill/>
+          </a:ln>
+        </p:spPr>
+        <p:style>
+          <a:lnRef idx="2">
+            <a:schemeClr val="accent1">
+              <a:shade val="50000"/>
+            </a:schemeClr>
+          </a:lnRef>
+          <a:fillRef idx="1">
+            <a:schemeClr val="accent1"/>
+          </a:fillRef>
+          <a:effectRef idx="0">
+            <a:schemeClr val="accent1"/>
+          </a:effectRef>
+          <a:fontRef idx="minor">
+            <a:schemeClr val="lt1"/>
+          </a:fontRef>
+        </p:style>
+        <p:txBody>
+          <a:bodyPr rtlCol="0" anchor="ctr"/>
+          <a:lstStyle/>
+          <a:p>
+            <a:pPr algn="ctr"/>
+            <a:endParaRPr lang="zh-CN" altLang="en-US"/>
+          </a:p>
+        </p:txBody>
+      </p:sp>
+      <p:sp>
+        <p:nvSpPr>
+          <p:cNvPr id="34" name="文本框 33"/>
+          <p:cNvSpPr txBox="1"/>
+          <p:nvPr/>
+        </p:nvSpPr>
+        <p:spPr>
+          <a:xfrm>
+            <a:off x="5702232" y="5635202"/>
+            <a:ext cx="852196" cy="400110"/>
+          </a:xfrm>
+          <a:prstGeom prst="rect">
+            <a:avLst/>
+          </a:prstGeom>
+          <a:noFill/>
+        </p:spPr>
+        <p:txBody>
+          <a:bodyPr wrap="square" rtlCol="0">
+            <a:spAutoFit/>
+          </a:bodyPr>
+          <a:lstStyle/>
+          <a:p>
+            <a:r>
+              <a:rPr lang="zh-CN" altLang="en-US" sz="2000" b="1" dirty="0">
+                <a:solidFill>
+                  <a:schemeClr val="accent2">
+                    <a:lumMod val="75000"/>
+                  </a:schemeClr>
+                </a:solidFill>
+              </a:rPr>
+              <a:t>成功</a:t>
+            </a:r>
+          </a:p>
+        </p:txBody>
+      </p:sp>
+    </p:spTree>
+  </p:cSld>
+  <p:clrMapOvr>
+    <a:masterClrMapping/>
+  </p:clrMapOvr>
+  <mc:AlternateContent xmlns:mc="http://schemas.openxmlformats.org/markup-compatibility/2006" xmlns:p14="http://schemas.microsoft.com/office/powerpoint/2010/main">
+    <mc:Choice Requires="p14">
+      <p:transition p14:dur="0" advTm="2000"/>
+    </mc:Choice>
+    <mc:Fallback xmlns="">
+      <p:transition advTm="2000"/>
+    </mc:Fallback>
+  </mc:AlternateContent>
+  <p:timing>
+    <p:tnLst>
+      <p:par>
+        <p:cTn id="1" dur="indefinite" restart="never" nodeType="tmRoot"/>
+      </p:par>
+    </p:tnLst>
+  </p:timing>
+</p:sld>
+</file>
+
+<file path=ppt/slides/slide17.xml><?xml version="1.0" encoding="utf-8"?>
 <p:sld xmlns:a="http://schemas.openxmlformats.org/drawingml/2006/main" xmlns:r="http://schemas.openxmlformats.org/officeDocument/2006/relationships" xmlns:p="http://schemas.openxmlformats.org/presentationml/2006/main">
   <p:cSld>
     <p:spTree>
@@ -9899,1087 +9194,6 @@
               </a:rPr>
               <a:t>倍字间距。</a:t>
             </a:r>
-          </a:p>
-        </p:txBody>
-      </p:sp>
-    </p:spTree>
-  </p:cSld>
-  <p:clrMapOvr>
-    <a:masterClrMapping/>
-  </p:clrMapOvr>
-  <mc:AlternateContent xmlns:mc="http://schemas.openxmlformats.org/markup-compatibility/2006" xmlns:p14="http://schemas.microsoft.com/office/powerpoint/2010/main">
-    <mc:Choice Requires="p14">
-      <p:transition p14:dur="0" advTm="2000"/>
-    </mc:Choice>
-    <mc:Fallback xmlns="">
-      <p:transition advTm="2000"/>
-    </mc:Fallback>
-  </mc:AlternateContent>
-  <p:timing>
-    <p:tnLst>
-      <p:par>
-        <p:cTn id="1" dur="indefinite" restart="never" nodeType="tmRoot"/>
-      </p:par>
-    </p:tnLst>
-  </p:timing>
-</p:sld>
-</file>
-
-<file path=ppt/slides/slide16.xml><?xml version="1.0" encoding="utf-8"?>
-<p:sld xmlns:a="http://schemas.openxmlformats.org/drawingml/2006/main" xmlns:r="http://schemas.openxmlformats.org/officeDocument/2006/relationships" xmlns:p="http://schemas.openxmlformats.org/presentationml/2006/main">
-  <p:cSld>
-    <p:spTree>
-      <p:nvGrpSpPr>
-        <p:cNvPr id="1" name=""/>
-        <p:cNvGrpSpPr/>
-        <p:nvPr/>
-      </p:nvGrpSpPr>
-      <p:grpSpPr>
-        <a:xfrm>
-          <a:off x="0" y="0"/>
-          <a:ext cx="0" cy="0"/>
-          <a:chOff x="0" y="0"/>
-          <a:chExt cx="0" cy="0"/>
-        </a:xfrm>
-      </p:grpSpPr>
-      <p:sp>
-        <p:nvSpPr>
-          <p:cNvPr id="2" name="矩形 1"/>
-          <p:cNvSpPr/>
-          <p:nvPr/>
-        </p:nvSpPr>
-        <p:spPr>
-          <a:xfrm>
-            <a:off x="0" y="60523"/>
-            <a:ext cx="1210588" cy="400110"/>
-          </a:xfrm>
-          <a:prstGeom prst="rect">
-            <a:avLst/>
-          </a:prstGeom>
-        </p:spPr>
-        <p:txBody>
-          <a:bodyPr wrap="none">
-            <a:spAutoFit/>
-          </a:bodyPr>
-          <a:lstStyle/>
-          <a:p>
-            <a:r>
-              <a:rPr lang="zh-CN" altLang="en-US" sz="2000" dirty="0" smtClean="0">
-                <a:solidFill>
-                  <a:schemeClr val="tx1">
-                    <a:lumMod val="85000"/>
-                    <a:lumOff val="15000"/>
-                  </a:schemeClr>
-                </a:solidFill>
-              </a:rPr>
-              <a:t>详细设计</a:t>
-            </a:r>
-            <a:endParaRPr lang="zh-CN" altLang="en-US" sz="2000" dirty="0">
-              <a:solidFill>
-                <a:schemeClr val="tx1">
-                  <a:lumMod val="85000"/>
-                  <a:lumOff val="15000"/>
-                </a:schemeClr>
-              </a:solidFill>
-            </a:endParaRPr>
-          </a:p>
-        </p:txBody>
-      </p:sp>
-      <p:sp>
-        <p:nvSpPr>
-          <p:cNvPr id="6" name="文本框 5"/>
-          <p:cNvSpPr txBox="1"/>
-          <p:nvPr/>
-        </p:nvSpPr>
-        <p:spPr>
-          <a:xfrm>
-            <a:off x="3513079" y="2538042"/>
-            <a:ext cx="1461198" cy="414665"/>
-          </a:xfrm>
-          <a:prstGeom prst="rect">
-            <a:avLst/>
-          </a:prstGeom>
-          <a:noFill/>
-        </p:spPr>
-        <p:txBody>
-          <a:bodyPr wrap="square" rtlCol="0">
-            <a:spAutoFit/>
-          </a:bodyPr>
-          <a:lstStyle/>
-          <a:p>
-            <a:pPr algn="ctr" defTabSz="608965">
-              <a:lnSpc>
-                <a:spcPct val="130000"/>
-              </a:lnSpc>
-            </a:pPr>
-            <a:r>
-              <a:rPr lang="en-US" altLang="zh-CN" dirty="0">
-                <a:latin typeface="+mj-lt"/>
-                <a:ea typeface="微软雅黑" panose="020B0503020204020204" charset="-122"/>
-              </a:rPr>
-              <a:t>ONE</a:t>
-            </a:r>
-            <a:endParaRPr lang="zh-CN" altLang="en-US" dirty="0">
-              <a:latin typeface="+mj-lt"/>
-              <a:ea typeface="微软雅黑" panose="020B0503020204020204" charset="-122"/>
-            </a:endParaRPr>
-          </a:p>
-        </p:txBody>
-      </p:sp>
-      <p:sp>
-        <p:nvSpPr>
-          <p:cNvPr id="7" name="文本框 6"/>
-          <p:cNvSpPr txBox="1"/>
-          <p:nvPr/>
-        </p:nvSpPr>
-        <p:spPr>
-          <a:xfrm>
-            <a:off x="5271623" y="2538042"/>
-            <a:ext cx="1587032" cy="414665"/>
-          </a:xfrm>
-          <a:prstGeom prst="rect">
-            <a:avLst/>
-          </a:prstGeom>
-          <a:noFill/>
-        </p:spPr>
-        <p:txBody>
-          <a:bodyPr wrap="square" rtlCol="0">
-            <a:spAutoFit/>
-          </a:bodyPr>
-          <a:lstStyle/>
-          <a:p>
-            <a:pPr algn="ctr" defTabSz="608965">
-              <a:lnSpc>
-                <a:spcPct val="130000"/>
-              </a:lnSpc>
-            </a:pPr>
-            <a:r>
-              <a:rPr lang="en-US" altLang="zh-CN" dirty="0">
-                <a:latin typeface="+mj-lt"/>
-                <a:ea typeface="微软雅黑" panose="020B0503020204020204" charset="-122"/>
-              </a:rPr>
-              <a:t>TWO</a:t>
-            </a:r>
-            <a:endParaRPr lang="zh-CN" altLang="en-US" dirty="0">
-              <a:latin typeface="+mj-lt"/>
-              <a:ea typeface="微软雅黑" panose="020B0503020204020204" charset="-122"/>
-            </a:endParaRPr>
-          </a:p>
-        </p:txBody>
-      </p:sp>
-      <p:sp>
-        <p:nvSpPr>
-          <p:cNvPr id="8" name="文本框 7"/>
-          <p:cNvSpPr txBox="1"/>
-          <p:nvPr/>
-        </p:nvSpPr>
-        <p:spPr>
-          <a:xfrm>
-            <a:off x="7095429" y="2538042"/>
-            <a:ext cx="1712161" cy="414665"/>
-          </a:xfrm>
-          <a:prstGeom prst="rect">
-            <a:avLst/>
-          </a:prstGeom>
-          <a:noFill/>
-        </p:spPr>
-        <p:txBody>
-          <a:bodyPr wrap="square" rtlCol="0">
-            <a:spAutoFit/>
-          </a:bodyPr>
-          <a:lstStyle/>
-          <a:p>
-            <a:pPr algn="ctr" defTabSz="608965">
-              <a:lnSpc>
-                <a:spcPct val="130000"/>
-              </a:lnSpc>
-            </a:pPr>
-            <a:r>
-              <a:rPr lang="en-US" altLang="zh-CN" dirty="0">
-                <a:latin typeface="+mj-lt"/>
-                <a:ea typeface="微软雅黑" panose="020B0503020204020204" charset="-122"/>
-              </a:rPr>
-              <a:t>THREE</a:t>
-            </a:r>
-            <a:endParaRPr lang="zh-CN" altLang="en-US" dirty="0">
-              <a:latin typeface="+mj-lt"/>
-              <a:ea typeface="微软雅黑" panose="020B0503020204020204" charset="-122"/>
-            </a:endParaRPr>
-          </a:p>
-        </p:txBody>
-      </p:sp>
-      <p:sp>
-        <p:nvSpPr>
-          <p:cNvPr id="9" name="文本框 8"/>
-          <p:cNvSpPr txBox="1"/>
-          <p:nvPr/>
-        </p:nvSpPr>
-        <p:spPr>
-          <a:xfrm>
-            <a:off x="3542385" y="4087442"/>
-            <a:ext cx="1405108" cy="414665"/>
-          </a:xfrm>
-          <a:prstGeom prst="rect">
-            <a:avLst/>
-          </a:prstGeom>
-          <a:noFill/>
-        </p:spPr>
-        <p:txBody>
-          <a:bodyPr wrap="square" rtlCol="0">
-            <a:spAutoFit/>
-          </a:bodyPr>
-          <a:lstStyle/>
-          <a:p>
-            <a:pPr algn="ctr" defTabSz="608965">
-              <a:lnSpc>
-                <a:spcPct val="130000"/>
-              </a:lnSpc>
-            </a:pPr>
-            <a:r>
-              <a:rPr lang="en-US" altLang="zh-CN" dirty="0">
-                <a:latin typeface="+mj-lt"/>
-                <a:ea typeface="微软雅黑" panose="020B0503020204020204" charset="-122"/>
-              </a:rPr>
-              <a:t>FOUR</a:t>
-            </a:r>
-            <a:endParaRPr kumimoji="1" lang="zh-CN" altLang="en-US" dirty="0">
-              <a:latin typeface="+mj-lt"/>
-              <a:ea typeface="微软雅黑" panose="020B0503020204020204" charset="-122"/>
-            </a:endParaRPr>
-          </a:p>
-        </p:txBody>
-      </p:sp>
-      <p:sp>
-        <p:nvSpPr>
-          <p:cNvPr id="10" name="文本框 9"/>
-          <p:cNvSpPr txBox="1"/>
-          <p:nvPr/>
-        </p:nvSpPr>
-        <p:spPr>
-          <a:xfrm>
-            <a:off x="5461977" y="4087442"/>
-            <a:ext cx="1214679" cy="414665"/>
-          </a:xfrm>
-          <a:prstGeom prst="rect">
-            <a:avLst/>
-          </a:prstGeom>
-          <a:noFill/>
-        </p:spPr>
-        <p:txBody>
-          <a:bodyPr wrap="square" rtlCol="0">
-            <a:spAutoFit/>
-          </a:bodyPr>
-          <a:lstStyle/>
-          <a:p>
-            <a:pPr algn="ctr" defTabSz="608965">
-              <a:lnSpc>
-                <a:spcPct val="130000"/>
-              </a:lnSpc>
-            </a:pPr>
-            <a:r>
-              <a:rPr lang="en-US" altLang="zh-CN" dirty="0">
-                <a:latin typeface="+mj-lt"/>
-                <a:ea typeface="微软雅黑" panose="020B0503020204020204" charset="-122"/>
-              </a:rPr>
-              <a:t>FIVE</a:t>
-            </a:r>
-            <a:endParaRPr kumimoji="1" lang="zh-CN" altLang="en-US" dirty="0">
-              <a:latin typeface="+mj-lt"/>
-              <a:ea typeface="微软雅黑" panose="020B0503020204020204" charset="-122"/>
-            </a:endParaRPr>
-          </a:p>
-        </p:txBody>
-      </p:sp>
-      <p:sp>
-        <p:nvSpPr>
-          <p:cNvPr id="11" name="文本框 10"/>
-          <p:cNvSpPr txBox="1"/>
-          <p:nvPr/>
-        </p:nvSpPr>
-        <p:spPr>
-          <a:xfrm>
-            <a:off x="7324351" y="4087442"/>
-            <a:ext cx="1221273" cy="414665"/>
-          </a:xfrm>
-          <a:prstGeom prst="rect">
-            <a:avLst/>
-          </a:prstGeom>
-          <a:noFill/>
-        </p:spPr>
-        <p:txBody>
-          <a:bodyPr wrap="square" rtlCol="0">
-            <a:spAutoFit/>
-          </a:bodyPr>
-          <a:lstStyle/>
-          <a:p>
-            <a:pPr algn="ctr" defTabSz="608965">
-              <a:lnSpc>
-                <a:spcPct val="130000"/>
-              </a:lnSpc>
-            </a:pPr>
-            <a:r>
-              <a:rPr lang="en-US" altLang="zh-CN" dirty="0">
-                <a:latin typeface="+mj-lt"/>
-                <a:ea typeface="微软雅黑" panose="020B0503020204020204" charset="-122"/>
-              </a:rPr>
-              <a:t>SIX</a:t>
-            </a:r>
-            <a:endParaRPr kumimoji="1" lang="zh-CN" altLang="en-US" dirty="0">
-              <a:latin typeface="+mj-lt"/>
-              <a:ea typeface="微软雅黑" panose="020B0503020204020204" charset="-122"/>
-            </a:endParaRPr>
-          </a:p>
-        </p:txBody>
-      </p:sp>
-      <p:sp>
-        <p:nvSpPr>
-          <p:cNvPr id="12" name="文本框 11"/>
-          <p:cNvSpPr txBox="1"/>
-          <p:nvPr/>
-        </p:nvSpPr>
-        <p:spPr>
-          <a:xfrm>
-            <a:off x="3386829" y="2073285"/>
-            <a:ext cx="1751798" cy="597087"/>
-          </a:xfrm>
-          <a:prstGeom prst="rect">
-            <a:avLst/>
-          </a:prstGeom>
-          <a:noFill/>
-        </p:spPr>
-        <p:txBody>
-          <a:bodyPr wrap="square" rtlCol="0">
-            <a:spAutoFit/>
-          </a:bodyPr>
-          <a:lstStyle/>
-          <a:p>
-            <a:pPr algn="ctr" defTabSz="608965">
-              <a:lnSpc>
-                <a:spcPct val="130000"/>
-              </a:lnSpc>
-            </a:pPr>
-            <a:r>
-              <a:rPr lang="zh-CN" altLang="en-US" sz="2800" b="1" dirty="0">
-                <a:latin typeface="+mj-lt"/>
-                <a:ea typeface="微软雅黑" panose="020B0503020204020204" charset="-122"/>
-              </a:rPr>
-              <a:t>输入标题</a:t>
-            </a:r>
-          </a:p>
-        </p:txBody>
-      </p:sp>
-      <p:sp>
-        <p:nvSpPr>
-          <p:cNvPr id="13" name="文本框 12"/>
-          <p:cNvSpPr txBox="1"/>
-          <p:nvPr/>
-        </p:nvSpPr>
-        <p:spPr>
-          <a:xfrm>
-            <a:off x="5186276" y="2073285"/>
-            <a:ext cx="1751798" cy="597087"/>
-          </a:xfrm>
-          <a:prstGeom prst="rect">
-            <a:avLst/>
-          </a:prstGeom>
-          <a:noFill/>
-        </p:spPr>
-        <p:txBody>
-          <a:bodyPr wrap="square" rtlCol="0">
-            <a:spAutoFit/>
-          </a:bodyPr>
-          <a:lstStyle/>
-          <a:p>
-            <a:pPr algn="ctr" defTabSz="608965">
-              <a:lnSpc>
-                <a:spcPct val="130000"/>
-              </a:lnSpc>
-            </a:pPr>
-            <a:r>
-              <a:rPr lang="zh-CN" altLang="en-US" sz="2800" b="1" dirty="0">
-                <a:latin typeface="+mj-lt"/>
-                <a:ea typeface="微软雅黑" panose="020B0503020204020204" charset="-122"/>
-              </a:rPr>
-              <a:t>输入标题</a:t>
-            </a:r>
-          </a:p>
-        </p:txBody>
-      </p:sp>
-      <p:sp>
-        <p:nvSpPr>
-          <p:cNvPr id="14" name="文本框 13"/>
-          <p:cNvSpPr txBox="1"/>
-          <p:nvPr/>
-        </p:nvSpPr>
-        <p:spPr>
-          <a:xfrm>
-            <a:off x="7090120" y="2073285"/>
-            <a:ext cx="1751798" cy="597087"/>
-          </a:xfrm>
-          <a:prstGeom prst="rect">
-            <a:avLst/>
-          </a:prstGeom>
-          <a:noFill/>
-        </p:spPr>
-        <p:txBody>
-          <a:bodyPr wrap="square" rtlCol="0">
-            <a:spAutoFit/>
-          </a:bodyPr>
-          <a:lstStyle/>
-          <a:p>
-            <a:pPr algn="ctr" defTabSz="608965">
-              <a:lnSpc>
-                <a:spcPct val="130000"/>
-              </a:lnSpc>
-            </a:pPr>
-            <a:r>
-              <a:rPr lang="zh-CN" altLang="en-US" sz="2800" b="1" dirty="0">
-                <a:latin typeface="+mj-lt"/>
-                <a:ea typeface="微软雅黑" panose="020B0503020204020204" charset="-122"/>
-              </a:rPr>
-              <a:t>输入标题</a:t>
-            </a:r>
-          </a:p>
-        </p:txBody>
-      </p:sp>
-      <p:sp>
-        <p:nvSpPr>
-          <p:cNvPr id="15" name="文本框 14"/>
-          <p:cNvSpPr txBox="1"/>
-          <p:nvPr/>
-        </p:nvSpPr>
-        <p:spPr>
-          <a:xfrm>
-            <a:off x="3350094" y="3622685"/>
-            <a:ext cx="1751798" cy="597087"/>
-          </a:xfrm>
-          <a:prstGeom prst="rect">
-            <a:avLst/>
-          </a:prstGeom>
-          <a:noFill/>
-        </p:spPr>
-        <p:txBody>
-          <a:bodyPr wrap="square" rtlCol="0">
-            <a:spAutoFit/>
-          </a:bodyPr>
-          <a:lstStyle/>
-          <a:p>
-            <a:pPr algn="ctr" defTabSz="608965">
-              <a:lnSpc>
-                <a:spcPct val="130000"/>
-              </a:lnSpc>
-            </a:pPr>
-            <a:r>
-              <a:rPr lang="zh-CN" altLang="en-US" sz="2800" b="1" dirty="0">
-                <a:latin typeface="+mj-lt"/>
-                <a:ea typeface="微软雅黑" panose="020B0503020204020204" charset="-122"/>
-              </a:rPr>
-              <a:t>输入标题</a:t>
-            </a:r>
-          </a:p>
-        </p:txBody>
-      </p:sp>
-      <p:sp>
-        <p:nvSpPr>
-          <p:cNvPr id="16" name="文本框 15"/>
-          <p:cNvSpPr txBox="1"/>
-          <p:nvPr/>
-        </p:nvSpPr>
-        <p:spPr>
-          <a:xfrm>
-            <a:off x="5212468" y="3622685"/>
-            <a:ext cx="1751798" cy="597087"/>
-          </a:xfrm>
-          <a:prstGeom prst="rect">
-            <a:avLst/>
-          </a:prstGeom>
-          <a:noFill/>
-        </p:spPr>
-        <p:txBody>
-          <a:bodyPr wrap="square" rtlCol="0">
-            <a:spAutoFit/>
-          </a:bodyPr>
-          <a:lstStyle/>
-          <a:p>
-            <a:pPr algn="ctr" defTabSz="608965">
-              <a:lnSpc>
-                <a:spcPct val="130000"/>
-              </a:lnSpc>
-            </a:pPr>
-            <a:r>
-              <a:rPr lang="zh-CN" altLang="en-US" sz="2800" b="1" dirty="0">
-                <a:latin typeface="+mj-lt"/>
-                <a:ea typeface="微软雅黑" panose="020B0503020204020204" charset="-122"/>
-              </a:rPr>
-              <a:t>输入标题</a:t>
-            </a:r>
-          </a:p>
-        </p:txBody>
-      </p:sp>
-      <p:sp>
-        <p:nvSpPr>
-          <p:cNvPr id="17" name="文本框 16"/>
-          <p:cNvSpPr txBox="1"/>
-          <p:nvPr/>
-        </p:nvSpPr>
-        <p:spPr>
-          <a:xfrm>
-            <a:off x="7074842" y="3622685"/>
-            <a:ext cx="1751798" cy="597087"/>
-          </a:xfrm>
-          <a:prstGeom prst="rect">
-            <a:avLst/>
-          </a:prstGeom>
-          <a:noFill/>
-        </p:spPr>
-        <p:txBody>
-          <a:bodyPr wrap="square" rtlCol="0">
-            <a:spAutoFit/>
-          </a:bodyPr>
-          <a:lstStyle/>
-          <a:p>
-            <a:pPr algn="ctr" defTabSz="608965">
-              <a:lnSpc>
-                <a:spcPct val="130000"/>
-              </a:lnSpc>
-            </a:pPr>
-            <a:r>
-              <a:rPr lang="zh-CN" altLang="en-US" sz="2800" b="1" dirty="0">
-                <a:latin typeface="+mj-lt"/>
-                <a:ea typeface="微软雅黑" panose="020B0503020204020204" charset="-122"/>
-              </a:rPr>
-              <a:t>输入标题</a:t>
-            </a:r>
-          </a:p>
-        </p:txBody>
-      </p:sp>
-      <p:sp>
-        <p:nvSpPr>
-          <p:cNvPr id="18" name="矩形 17"/>
-          <p:cNvSpPr/>
-          <p:nvPr/>
-        </p:nvSpPr>
-        <p:spPr>
-          <a:xfrm>
-            <a:off x="3448190" y="3013326"/>
-            <a:ext cx="1638300" cy="113341"/>
-          </a:xfrm>
-          <a:prstGeom prst="rect">
-            <a:avLst/>
-          </a:prstGeom>
-          <a:solidFill>
-            <a:srgbClr val="FF0000"/>
-          </a:solidFill>
-          <a:ln>
-            <a:noFill/>
-          </a:ln>
-        </p:spPr>
-        <p:style>
-          <a:lnRef idx="2">
-            <a:schemeClr val="accent1">
-              <a:shade val="50000"/>
-            </a:schemeClr>
-          </a:lnRef>
-          <a:fillRef idx="1">
-            <a:schemeClr val="accent1"/>
-          </a:fillRef>
-          <a:effectRef idx="0">
-            <a:schemeClr val="accent1"/>
-          </a:effectRef>
-          <a:fontRef idx="minor">
-            <a:schemeClr val="lt1"/>
-          </a:fontRef>
-        </p:style>
-        <p:txBody>
-          <a:bodyPr rot="0" spcFirstLastPara="0" vertOverflow="overflow" horzOverflow="overflow" vert="horz" wrap="square" lIns="91440" tIns="45720" rIns="91440" bIns="45720" numCol="1" spcCol="0" rtlCol="0" fromWordArt="0" anchor="ctr" anchorCtr="0" forceAA="0" compatLnSpc="1">
-            <a:noAutofit/>
-          </a:bodyPr>
-          <a:lstStyle/>
-          <a:p>
-            <a:pPr algn="ctr"/>
-            <a:endParaRPr lang="zh-CN" altLang="en-US"/>
-          </a:p>
-        </p:txBody>
-      </p:sp>
-      <p:sp>
-        <p:nvSpPr>
-          <p:cNvPr id="19" name="矩形 18"/>
-          <p:cNvSpPr/>
-          <p:nvPr/>
-        </p:nvSpPr>
-        <p:spPr>
-          <a:xfrm>
-            <a:off x="5308740" y="3013326"/>
-            <a:ext cx="1638300" cy="113341"/>
-          </a:xfrm>
-          <a:prstGeom prst="rect">
-            <a:avLst/>
-          </a:prstGeom>
-          <a:solidFill>
-            <a:srgbClr val="FFC000"/>
-          </a:solidFill>
-          <a:ln>
-            <a:noFill/>
-          </a:ln>
-        </p:spPr>
-        <p:style>
-          <a:lnRef idx="2">
-            <a:schemeClr val="accent1">
-              <a:shade val="50000"/>
-            </a:schemeClr>
-          </a:lnRef>
-          <a:fillRef idx="1">
-            <a:schemeClr val="accent1"/>
-          </a:fillRef>
-          <a:effectRef idx="0">
-            <a:schemeClr val="accent1"/>
-          </a:effectRef>
-          <a:fontRef idx="minor">
-            <a:schemeClr val="lt1"/>
-          </a:fontRef>
-        </p:style>
-        <p:txBody>
-          <a:bodyPr rot="0" spcFirstLastPara="0" vertOverflow="overflow" horzOverflow="overflow" vert="horz" wrap="square" lIns="91440" tIns="45720" rIns="91440" bIns="45720" numCol="1" spcCol="0" rtlCol="0" fromWordArt="0" anchor="ctr" anchorCtr="0" forceAA="0" compatLnSpc="1">
-            <a:noAutofit/>
-          </a:bodyPr>
-          <a:lstStyle/>
-          <a:p>
-            <a:pPr algn="ctr"/>
-            <a:endParaRPr lang="zh-CN" altLang="en-US"/>
-          </a:p>
-        </p:txBody>
-      </p:sp>
-      <p:sp>
-        <p:nvSpPr>
-          <p:cNvPr id="20" name="矩形 19"/>
-          <p:cNvSpPr/>
-          <p:nvPr/>
-        </p:nvSpPr>
-        <p:spPr>
-          <a:xfrm>
-            <a:off x="7169290" y="3013326"/>
-            <a:ext cx="1638300" cy="113341"/>
-          </a:xfrm>
-          <a:prstGeom prst="rect">
-            <a:avLst/>
-          </a:prstGeom>
-          <a:solidFill>
-            <a:srgbClr val="FFFF00"/>
-          </a:solidFill>
-          <a:ln>
-            <a:noFill/>
-          </a:ln>
-        </p:spPr>
-        <p:style>
-          <a:lnRef idx="2">
-            <a:schemeClr val="accent1">
-              <a:shade val="50000"/>
-            </a:schemeClr>
-          </a:lnRef>
-          <a:fillRef idx="1">
-            <a:schemeClr val="accent1"/>
-          </a:fillRef>
-          <a:effectRef idx="0">
-            <a:schemeClr val="accent1"/>
-          </a:effectRef>
-          <a:fontRef idx="minor">
-            <a:schemeClr val="lt1"/>
-          </a:fontRef>
-        </p:style>
-        <p:txBody>
-          <a:bodyPr rot="0" spcFirstLastPara="0" vertOverflow="overflow" horzOverflow="overflow" vert="horz" wrap="square" lIns="91440" tIns="45720" rIns="91440" bIns="45720" numCol="1" spcCol="0" rtlCol="0" fromWordArt="0" anchor="ctr" anchorCtr="0" forceAA="0" compatLnSpc="1">
-            <a:noAutofit/>
-          </a:bodyPr>
-          <a:lstStyle/>
-          <a:p>
-            <a:pPr algn="ctr"/>
-            <a:endParaRPr lang="zh-CN" altLang="en-US"/>
-          </a:p>
-        </p:txBody>
-      </p:sp>
-      <p:sp>
-        <p:nvSpPr>
-          <p:cNvPr id="21" name="矩形 20"/>
-          <p:cNvSpPr/>
-          <p:nvPr/>
-        </p:nvSpPr>
-        <p:spPr>
-          <a:xfrm>
-            <a:off x="3444542" y="4562726"/>
-            <a:ext cx="1638300" cy="113341"/>
-          </a:xfrm>
-          <a:prstGeom prst="rect">
-            <a:avLst/>
-          </a:prstGeom>
-          <a:solidFill>
-            <a:srgbClr val="92D050"/>
-          </a:solidFill>
-          <a:ln>
-            <a:noFill/>
-          </a:ln>
-        </p:spPr>
-        <p:style>
-          <a:lnRef idx="2">
-            <a:schemeClr val="accent1">
-              <a:shade val="50000"/>
-            </a:schemeClr>
-          </a:lnRef>
-          <a:fillRef idx="1">
-            <a:schemeClr val="accent1"/>
-          </a:fillRef>
-          <a:effectRef idx="0">
-            <a:schemeClr val="accent1"/>
-          </a:effectRef>
-          <a:fontRef idx="minor">
-            <a:schemeClr val="lt1"/>
-          </a:fontRef>
-        </p:style>
-        <p:txBody>
-          <a:bodyPr rot="0" spcFirstLastPara="0" vertOverflow="overflow" horzOverflow="overflow" vert="horz" wrap="square" lIns="91440" tIns="45720" rIns="91440" bIns="45720" numCol="1" spcCol="0" rtlCol="0" fromWordArt="0" anchor="ctr" anchorCtr="0" forceAA="0" compatLnSpc="1">
-            <a:noAutofit/>
-          </a:bodyPr>
-          <a:lstStyle/>
-          <a:p>
-            <a:pPr algn="ctr"/>
-            <a:endParaRPr lang="zh-CN" altLang="en-US"/>
-          </a:p>
-        </p:txBody>
-      </p:sp>
-      <p:sp>
-        <p:nvSpPr>
-          <p:cNvPr id="22" name="矩形 21"/>
-          <p:cNvSpPr/>
-          <p:nvPr/>
-        </p:nvSpPr>
-        <p:spPr>
-          <a:xfrm>
-            <a:off x="5306916" y="4562726"/>
-            <a:ext cx="1638300" cy="113341"/>
-          </a:xfrm>
-          <a:prstGeom prst="rect">
-            <a:avLst/>
-          </a:prstGeom>
-          <a:solidFill>
-            <a:srgbClr val="00B0F0"/>
-          </a:solidFill>
-          <a:ln>
-            <a:noFill/>
-          </a:ln>
-        </p:spPr>
-        <p:style>
-          <a:lnRef idx="2">
-            <a:schemeClr val="accent1">
-              <a:shade val="50000"/>
-            </a:schemeClr>
-          </a:lnRef>
-          <a:fillRef idx="1">
-            <a:schemeClr val="accent1"/>
-          </a:fillRef>
-          <a:effectRef idx="0">
-            <a:schemeClr val="accent1"/>
-          </a:effectRef>
-          <a:fontRef idx="minor">
-            <a:schemeClr val="lt1"/>
-          </a:fontRef>
-        </p:style>
-        <p:txBody>
-          <a:bodyPr rot="0" spcFirstLastPara="0" vertOverflow="overflow" horzOverflow="overflow" vert="horz" wrap="square" lIns="91440" tIns="45720" rIns="91440" bIns="45720" numCol="1" spcCol="0" rtlCol="0" fromWordArt="0" anchor="ctr" anchorCtr="0" forceAA="0" compatLnSpc="1">
-            <a:noAutofit/>
-          </a:bodyPr>
-          <a:lstStyle/>
-          <a:p>
-            <a:pPr algn="ctr"/>
-            <a:endParaRPr lang="zh-CN" altLang="en-US"/>
-          </a:p>
-        </p:txBody>
-      </p:sp>
-      <p:sp>
-        <p:nvSpPr>
-          <p:cNvPr id="23" name="矩形 22"/>
-          <p:cNvSpPr/>
-          <p:nvPr/>
-        </p:nvSpPr>
-        <p:spPr>
-          <a:xfrm>
-            <a:off x="7169290" y="4562726"/>
-            <a:ext cx="1638300" cy="113341"/>
-          </a:xfrm>
-          <a:prstGeom prst="rect">
-            <a:avLst/>
-          </a:prstGeom>
-          <a:solidFill>
-            <a:srgbClr val="002060"/>
-          </a:solidFill>
-          <a:ln>
-            <a:noFill/>
-          </a:ln>
-        </p:spPr>
-        <p:style>
-          <a:lnRef idx="2">
-            <a:schemeClr val="accent1">
-              <a:shade val="50000"/>
-            </a:schemeClr>
-          </a:lnRef>
-          <a:fillRef idx="1">
-            <a:schemeClr val="accent1"/>
-          </a:fillRef>
-          <a:effectRef idx="0">
-            <a:schemeClr val="accent1"/>
-          </a:effectRef>
-          <a:fontRef idx="minor">
-            <a:schemeClr val="lt1"/>
-          </a:fontRef>
-        </p:style>
-        <p:txBody>
-          <a:bodyPr rot="0" spcFirstLastPara="0" vertOverflow="overflow" horzOverflow="overflow" vert="horz" wrap="square" lIns="91440" tIns="45720" rIns="91440" bIns="45720" numCol="1" spcCol="0" rtlCol="0" fromWordArt="0" anchor="ctr" anchorCtr="0" forceAA="0" compatLnSpc="1">
-            <a:noAutofit/>
-          </a:bodyPr>
-          <a:lstStyle/>
-          <a:p>
-            <a:pPr algn="ctr"/>
-            <a:endParaRPr lang="zh-CN" altLang="en-US"/>
-          </a:p>
-        </p:txBody>
-      </p:sp>
-    </p:spTree>
-  </p:cSld>
-  <p:clrMapOvr>
-    <a:masterClrMapping/>
-  </p:clrMapOvr>
-  <mc:AlternateContent xmlns:mc="http://schemas.openxmlformats.org/markup-compatibility/2006" xmlns:p14="http://schemas.microsoft.com/office/powerpoint/2010/main">
-    <mc:Choice Requires="p14">
-      <p:transition p14:dur="0" advTm="2000"/>
-    </mc:Choice>
-    <mc:Fallback xmlns="">
-      <p:transition advTm="2000"/>
-    </mc:Fallback>
-  </mc:AlternateContent>
-  <p:timing>
-    <p:tnLst>
-      <p:par>
-        <p:cTn id="1" dur="indefinite" restart="never" nodeType="tmRoot"/>
-      </p:par>
-    </p:tnLst>
-  </p:timing>
-</p:sld>
-</file>
-
-<file path=ppt/slides/slide17.xml><?xml version="1.0" encoding="utf-8"?>
-<p:sld xmlns:a="http://schemas.openxmlformats.org/drawingml/2006/main" xmlns:r="http://schemas.openxmlformats.org/officeDocument/2006/relationships" xmlns:p="http://schemas.openxmlformats.org/presentationml/2006/main">
-  <p:cSld>
-    <p:spTree>
-      <p:nvGrpSpPr>
-        <p:cNvPr id="1" name=""/>
-        <p:cNvGrpSpPr/>
-        <p:nvPr/>
-      </p:nvGrpSpPr>
-      <p:grpSpPr>
-        <a:xfrm>
-          <a:off x="0" y="0"/>
-          <a:ext cx="0" cy="0"/>
-          <a:chOff x="0" y="0"/>
-          <a:chExt cx="0" cy="0"/>
-        </a:xfrm>
-      </p:grpSpPr>
-      <p:sp>
-        <p:nvSpPr>
-          <p:cNvPr id="2" name="文本框 1"/>
-          <p:cNvSpPr txBox="1"/>
-          <p:nvPr/>
-        </p:nvSpPr>
-        <p:spPr>
-          <a:xfrm>
-            <a:off x="4294927" y="3280457"/>
-            <a:ext cx="3602146" cy="880306"/>
-          </a:xfrm>
-          <a:prstGeom prst="rect">
-            <a:avLst/>
-          </a:prstGeom>
-          <a:noFill/>
-        </p:spPr>
-        <p:txBody>
-          <a:bodyPr wrap="square" rtlCol="0">
-            <a:spAutoFit/>
-          </a:bodyPr>
-          <a:lstStyle/>
-          <a:p>
-            <a:pPr algn="ctr" defTabSz="608965">
-              <a:lnSpc>
-                <a:spcPct val="130000"/>
-              </a:lnSpc>
-            </a:pPr>
-            <a:r>
-              <a:rPr lang="en-US" altLang="zh-CN" sz="4400" b="1" dirty="0">
-                <a:latin typeface="+mj-lt"/>
-                <a:ea typeface="微软雅黑" panose="020B0503020204020204" charset="-122"/>
-              </a:rPr>
-              <a:t>PART FIVE</a:t>
-            </a:r>
-          </a:p>
-        </p:txBody>
-      </p:sp>
-      <p:sp>
-        <p:nvSpPr>
-          <p:cNvPr id="3" name="文本框 2"/>
-          <p:cNvSpPr txBox="1"/>
-          <p:nvPr/>
-        </p:nvSpPr>
-        <p:spPr>
-          <a:xfrm>
-            <a:off x="3936733" y="2417412"/>
-            <a:ext cx="4318534" cy="1173976"/>
-          </a:xfrm>
-          <a:prstGeom prst="rect">
-            <a:avLst/>
-          </a:prstGeom>
-          <a:noFill/>
-        </p:spPr>
-        <p:txBody>
-          <a:bodyPr wrap="square" rtlCol="0">
-            <a:spAutoFit/>
-          </a:bodyPr>
-          <a:lstStyle/>
-          <a:p>
-            <a:pPr algn="ctr" defTabSz="608965">
-              <a:lnSpc>
-                <a:spcPct val="130000"/>
-              </a:lnSpc>
-            </a:pPr>
-            <a:r>
-              <a:rPr lang="zh-CN" altLang="en-US" sz="6000" dirty="0" smtClean="0">
-                <a:latin typeface="+mj-lt"/>
-                <a:ea typeface="微软雅黑" panose="020B0503020204020204" charset="-122"/>
-              </a:rPr>
-              <a:t>内容实现</a:t>
-            </a:r>
-            <a:endParaRPr lang="zh-CN" altLang="en-US" sz="6000" dirty="0">
-              <a:latin typeface="+mj-lt"/>
-              <a:ea typeface="微软雅黑" panose="020B0503020204020204" charset="-122"/>
-            </a:endParaRPr>
-          </a:p>
-        </p:txBody>
-      </p:sp>
-      <p:sp>
-        <p:nvSpPr>
-          <p:cNvPr id="4" name="矩形 3"/>
-          <p:cNvSpPr/>
-          <p:nvPr/>
-        </p:nvSpPr>
-        <p:spPr>
-          <a:xfrm>
-            <a:off x="4889817" y="4139690"/>
-            <a:ext cx="2412366" cy="113341"/>
-          </a:xfrm>
-          <a:prstGeom prst="rect">
-            <a:avLst/>
-          </a:prstGeom>
-          <a:solidFill>
-            <a:srgbClr val="00B0F0"/>
-          </a:solidFill>
-          <a:ln>
-            <a:noFill/>
-          </a:ln>
-        </p:spPr>
-        <p:style>
-          <a:lnRef idx="2">
-            <a:schemeClr val="accent1">
-              <a:shade val="50000"/>
-            </a:schemeClr>
-          </a:lnRef>
-          <a:fillRef idx="1">
-            <a:schemeClr val="accent1"/>
-          </a:fillRef>
-          <a:effectRef idx="0">
-            <a:schemeClr val="accent1"/>
-          </a:effectRef>
-          <a:fontRef idx="minor">
-            <a:schemeClr val="lt1"/>
-          </a:fontRef>
-        </p:style>
-        <p:txBody>
-          <a:bodyPr rot="0" spcFirstLastPara="0" vertOverflow="overflow" horzOverflow="overflow" vert="horz" wrap="square" lIns="91440" tIns="45720" rIns="91440" bIns="45720" numCol="1" spcCol="0" rtlCol="0" fromWordArt="0" anchor="ctr" anchorCtr="0" forceAA="0" compatLnSpc="1">
-            <a:noAutofit/>
-          </a:bodyPr>
-          <a:lstStyle/>
-          <a:p>
-            <a:pPr algn="ctr"/>
-            <a:endParaRPr lang="zh-CN" altLang="en-US" sz="4400"/>
-          </a:p>
-        </p:txBody>
-      </p:sp>
-      <p:sp>
-        <p:nvSpPr>
-          <p:cNvPr id="5" name="矩形 4"/>
-          <p:cNvSpPr/>
-          <p:nvPr/>
-        </p:nvSpPr>
-        <p:spPr>
-          <a:xfrm>
-            <a:off x="0" y="60523"/>
-            <a:ext cx="3005951" cy="400110"/>
-          </a:xfrm>
-          <a:prstGeom prst="rect">
-            <a:avLst/>
-          </a:prstGeom>
-        </p:spPr>
-        <p:txBody>
-          <a:bodyPr wrap="none">
-            <a:spAutoFit/>
-          </a:bodyPr>
-          <a:lstStyle/>
-          <a:p>
-            <a:r>
-              <a:rPr lang="zh-CN" altLang="en-US" sz="2000" dirty="0">
-                <a:solidFill>
-                  <a:schemeClr val="tx1">
-                    <a:lumMod val="85000"/>
-                    <a:lumOff val="15000"/>
-                  </a:schemeClr>
-                </a:solidFill>
-              </a:rPr>
-              <a:t>学校名称</a:t>
-            </a:r>
-            <a:r>
-              <a:rPr lang="zh-CN" altLang="en-US" sz="2000" dirty="0" smtClean="0">
-                <a:solidFill>
-                  <a:schemeClr val="tx1">
-                    <a:lumMod val="85000"/>
-                    <a:lumOff val="15000"/>
-                  </a:schemeClr>
-                </a:solidFill>
-              </a:rPr>
-              <a:t>：</a:t>
-            </a:r>
-            <a:r>
-              <a:rPr lang="zh-CN" altLang="en-US" sz="2000" dirty="0">
-                <a:solidFill>
-                  <a:schemeClr val="tx1">
-                    <a:lumMod val="85000"/>
-                    <a:lumOff val="15000"/>
-                  </a:schemeClr>
-                </a:solidFill>
-              </a:rPr>
-              <a:t>河北师范</a:t>
-            </a:r>
-            <a:r>
-              <a:rPr lang="zh-CN" altLang="en-US" sz="2000" dirty="0" smtClean="0">
-                <a:solidFill>
-                  <a:schemeClr val="tx1">
-                    <a:lumMod val="85000"/>
-                    <a:lumOff val="15000"/>
-                  </a:schemeClr>
-                </a:solidFill>
-              </a:rPr>
-              <a:t>大学</a:t>
-            </a:r>
-            <a:endParaRPr lang="zh-CN" altLang="en-US" sz="2000" dirty="0">
-              <a:solidFill>
-                <a:schemeClr val="tx1">
-                  <a:lumMod val="85000"/>
-                  <a:lumOff val="15000"/>
-                </a:schemeClr>
-              </a:solidFill>
-            </a:endParaRPr>
           </a:p>
         </p:txBody>
       </p:sp>
@@ -16760,10 +14974,6 @@
               </a:rPr>
               <a:t>使用工具</a:t>
             </a:r>
-            <a:endParaRPr lang="zh-CN" altLang="en-US" sz="2800" b="1" dirty="0">
-              <a:latin typeface="+mj-lt"/>
-              <a:ea typeface="微软雅黑" panose="020B0503020204020204" charset="-122"/>
-            </a:endParaRPr>
           </a:p>
         </p:txBody>
       </p:sp>
@@ -23947,10 +22157,6 @@
               </a:rPr>
               <a:t>使用工具</a:t>
             </a:r>
-            <a:endParaRPr lang="zh-CN" altLang="en-US" sz="6000" dirty="0">
-              <a:latin typeface="+mj-lt"/>
-              <a:ea typeface="微软雅黑" panose="020B0503020204020204" charset="-122"/>
-            </a:endParaRPr>
           </a:p>
         </p:txBody>
       </p:sp>
@@ -24285,7 +22491,7 @@
         </p:blipFill>
         <p:spPr>
           <a:xfrm>
-            <a:off x="889820" y="1062317"/>
+            <a:off x="605294" y="1062317"/>
             <a:ext cx="2330282" cy="2616574"/>
           </a:xfrm>
           <a:prstGeom prst="rect">
@@ -24315,7 +22521,7 @@
         </p:blipFill>
         <p:spPr>
           <a:xfrm>
-            <a:off x="4209691" y="1028484"/>
+            <a:off x="2727774" y="994651"/>
             <a:ext cx="2376884" cy="2684240"/>
           </a:xfrm>
           <a:prstGeom prst="rect">
@@ -24345,8 +22551,68 @@
         </p:blipFill>
         <p:spPr>
           <a:xfrm>
-            <a:off x="8146814" y="1407974"/>
-            <a:ext cx="2379900" cy="2714402"/>
+            <a:off x="5104658" y="1437595"/>
+            <a:ext cx="2343094" cy="2672423"/>
+          </a:xfrm>
+          <a:prstGeom prst="rect">
+            <a:avLst/>
+          </a:prstGeom>
+        </p:spPr>
+      </p:pic>
+      <p:pic>
+        <p:nvPicPr>
+          <p:cNvPr id="6" name="图片 5"/>
+          <p:cNvPicPr>
+            <a:picLocks noChangeAspect="1"/>
+          </p:cNvPicPr>
+          <p:nvPr/>
+        </p:nvPicPr>
+        <p:blipFill>
+          <a:blip r:embed="rId9">
+            <a:extLst>
+              <a:ext uri="{28A0092B-C50C-407E-A947-70E740481C1C}">
+                <a14:useLocalDpi xmlns:a14="http://schemas.microsoft.com/office/drawing/2010/main" val="0"/>
+              </a:ext>
+            </a:extLst>
+          </a:blip>
+          <a:stretch>
+            <a:fillRect/>
+          </a:stretch>
+        </p:blipFill>
+        <p:spPr>
+          <a:xfrm>
+            <a:off x="7793613" y="1825664"/>
+            <a:ext cx="1689786" cy="1487364"/>
+          </a:xfrm>
+          <a:prstGeom prst="rect">
+            <a:avLst/>
+          </a:prstGeom>
+        </p:spPr>
+      </p:pic>
+      <p:pic>
+        <p:nvPicPr>
+          <p:cNvPr id="7" name="图片 6"/>
+          <p:cNvPicPr>
+            <a:picLocks noChangeAspect="1"/>
+          </p:cNvPicPr>
+          <p:nvPr/>
+        </p:nvPicPr>
+        <p:blipFill>
+          <a:blip r:embed="rId10">
+            <a:extLst>
+              <a:ext uri="{28A0092B-C50C-407E-A947-70E740481C1C}">
+                <a14:useLocalDpi xmlns:a14="http://schemas.microsoft.com/office/drawing/2010/main" val="0"/>
+              </a:ext>
+            </a:extLst>
+          </a:blip>
+          <a:stretch>
+            <a:fillRect/>
+          </a:stretch>
+        </p:blipFill>
+        <p:spPr>
+          <a:xfrm>
+            <a:off x="9958753" y="1982530"/>
+            <a:ext cx="1341293" cy="1173631"/>
           </a:xfrm>
           <a:prstGeom prst="rect">
             <a:avLst/>
@@ -24464,10 +22730,6 @@
               </a:rPr>
               <a:t>主要内容</a:t>
             </a:r>
-            <a:endParaRPr lang="zh-CN" altLang="en-US" sz="6000" dirty="0">
-              <a:latin typeface="+mj-lt"/>
-              <a:ea typeface="微软雅黑" panose="020B0503020204020204" charset="-122"/>
-            </a:endParaRPr>
           </a:p>
         </p:txBody>
       </p:sp>

--- a/答辩PPT.pptx
+++ b/答辩PPT.pptx
@@ -5,7 +5,7 @@
     <p:sldMasterId id="2147483648" r:id="rId1"/>
   </p:sldMasterIdLst>
   <p:notesMasterIdLst>
-    <p:notesMasterId r:id="rId22"/>
+    <p:notesMasterId r:id="rId23"/>
   </p:notesMasterIdLst>
   <p:sldIdLst>
     <p:sldId id="259" r:id="rId2"/>
@@ -24,15 +24,16 @@
     <p:sldId id="274" r:id="rId15"/>
     <p:sldId id="270" r:id="rId16"/>
     <p:sldId id="282" r:id="rId17"/>
-    <p:sldId id="283" r:id="rId18"/>
-    <p:sldId id="285" r:id="rId19"/>
-    <p:sldId id="287" r:id="rId20"/>
-    <p:sldId id="272" r:id="rId21"/>
+    <p:sldId id="288" r:id="rId18"/>
+    <p:sldId id="283" r:id="rId19"/>
+    <p:sldId id="285" r:id="rId20"/>
+    <p:sldId id="287" r:id="rId21"/>
+    <p:sldId id="272" r:id="rId22"/>
   </p:sldIdLst>
   <p:sldSz cx="12192000" cy="6858000"/>
   <p:notesSz cx="6858000" cy="9144000"/>
   <p:custDataLst>
-    <p:tags r:id="rId23"/>
+    <p:tags r:id="rId24"/>
   </p:custDataLst>
   <p:defaultTextStyle>
     <a:defPPr>
@@ -1247,18 +1248,78 @@
           <a:bodyPr/>
           <a:lstStyle/>
           <a:p>
+            <a:pPr marL="0" marR="0" lvl="0" indent="0" algn="r" defTabSz="913765" rtl="0" eaLnBrk="1" fontAlgn="auto" latinLnBrk="0" hangingPunct="1">
+              <a:lnSpc>
+                <a:spcPct val="100000"/>
+              </a:lnSpc>
+              <a:spcBef>
+                <a:spcPts val="0"/>
+              </a:spcBef>
+              <a:spcAft>
+                <a:spcPts val="0"/>
+              </a:spcAft>
+              <a:buClrTx/>
+              <a:buSzTx/>
+              <a:buFontTx/>
+              <a:buNone/>
+              <a:tabLst/>
+              <a:defRPr/>
+            </a:pPr>
             <a:fld id="{B43869FB-3FC2-4617-8655-B1CA3DFD2224}" type="slidenum">
-              <a:rPr lang="zh-CN" altLang="en-US" smtClean="0"/>
+              <a:rPr kumimoji="0" lang="zh-CN" altLang="en-US" sz="1200" b="0" i="0" u="none" strike="noStrike" kern="1200" cap="none" spc="0" normalizeH="0" baseline="0" noProof="0" smtClean="0">
+                <a:ln>
+                  <a:noFill/>
+                </a:ln>
+                <a:solidFill>
+                  <a:prstClr val="black"/>
+                </a:solidFill>
+                <a:effectLst/>
+                <a:uLnTx/>
+                <a:uFillTx/>
+                <a:latin typeface="Calibri" panose="020F0502020204030204"/>
+                <a:ea typeface="宋体" panose="02010600030101010101" pitchFamily="2" charset="-122"/>
+                <a:cs typeface="+mn-cs"/>
+              </a:rPr>
+              <a:pPr marL="0" marR="0" lvl="0" indent="0" algn="r" defTabSz="913765" rtl="0" eaLnBrk="1" fontAlgn="auto" latinLnBrk="0" hangingPunct="1">
+                <a:lnSpc>
+                  <a:spcPct val="100000"/>
+                </a:lnSpc>
+                <a:spcBef>
+                  <a:spcPts val="0"/>
+                </a:spcBef>
+                <a:spcAft>
+                  <a:spcPts val="0"/>
+                </a:spcAft>
+                <a:buClrTx/>
+                <a:buSzTx/>
+                <a:buFontTx/>
+                <a:buNone/>
+                <a:tabLst/>
+                <a:defRPr/>
+              </a:pPr>
               <a:t>17</a:t>
             </a:fld>
-            <a:endParaRPr lang="zh-CN" altLang="en-US"/>
+            <a:endParaRPr kumimoji="0" lang="zh-CN" altLang="en-US" sz="1200" b="0" i="0" u="none" strike="noStrike" kern="1200" cap="none" spc="0" normalizeH="0" baseline="0" noProof="0">
+              <a:ln>
+                <a:noFill/>
+              </a:ln>
+              <a:solidFill>
+                <a:prstClr val="black"/>
+              </a:solidFill>
+              <a:effectLst/>
+              <a:uLnTx/>
+              <a:uFillTx/>
+              <a:latin typeface="Calibri" panose="020F0502020204030204"/>
+              <a:ea typeface="宋体" panose="02010600030101010101" pitchFamily="2" charset="-122"/>
+              <a:cs typeface="+mn-cs"/>
+            </a:endParaRPr>
           </a:p>
         </p:txBody>
       </p:sp>
     </p:spTree>
     <p:extLst>
       <p:ext uri="{BB962C8B-B14F-4D97-AF65-F5344CB8AC3E}">
-        <p14:creationId xmlns:p14="http://schemas.microsoft.com/office/powerpoint/2010/main" val="3853459553"/>
+        <p14:creationId xmlns:p14="http://schemas.microsoft.com/office/powerpoint/2010/main" val="653330276"/>
       </p:ext>
     </p:extLst>
   </p:cSld>
@@ -1342,7 +1403,7 @@
     </p:spTree>
     <p:extLst>
       <p:ext uri="{BB962C8B-B14F-4D97-AF65-F5344CB8AC3E}">
-        <p14:creationId xmlns:p14="http://schemas.microsoft.com/office/powerpoint/2010/main" val="3851847951"/>
+        <p14:creationId xmlns:p14="http://schemas.microsoft.com/office/powerpoint/2010/main" val="3853459553"/>
       </p:ext>
     </p:extLst>
   </p:cSld>
@@ -1426,7 +1487,7 @@
     </p:spTree>
     <p:extLst>
       <p:ext uri="{BB962C8B-B14F-4D97-AF65-F5344CB8AC3E}">
-        <p14:creationId xmlns:p14="http://schemas.microsoft.com/office/powerpoint/2010/main" val="3573443226"/>
+        <p14:creationId xmlns:p14="http://schemas.microsoft.com/office/powerpoint/2010/main" val="3851847951"/>
       </p:ext>
     </p:extLst>
   </p:cSld>
@@ -1586,6 +1647,90 @@
             <a:fld id="{B43869FB-3FC2-4617-8655-B1CA3DFD2224}" type="slidenum">
               <a:rPr lang="zh-CN" altLang="en-US" smtClean="0"/>
               <a:t>20</a:t>
+            </a:fld>
+            <a:endParaRPr lang="zh-CN" altLang="en-US"/>
+          </a:p>
+        </p:txBody>
+      </p:sp>
+    </p:spTree>
+    <p:extLst>
+      <p:ext uri="{BB962C8B-B14F-4D97-AF65-F5344CB8AC3E}">
+        <p14:creationId xmlns:p14="http://schemas.microsoft.com/office/powerpoint/2010/main" val="3573443226"/>
+      </p:ext>
+    </p:extLst>
+  </p:cSld>
+  <p:clrMapOvr>
+    <a:masterClrMapping/>
+  </p:clrMapOvr>
+</p:notes>
+</file>
+
+<file path=ppt/notesSlides/notesSlide21.xml><?xml version="1.0" encoding="utf-8"?>
+<p:notes xmlns:a="http://schemas.openxmlformats.org/drawingml/2006/main" xmlns:r="http://schemas.openxmlformats.org/officeDocument/2006/relationships" xmlns:p="http://schemas.openxmlformats.org/presentationml/2006/main">
+  <p:cSld>
+    <p:spTree>
+      <p:nvGrpSpPr>
+        <p:cNvPr id="1" name=""/>
+        <p:cNvGrpSpPr/>
+        <p:nvPr/>
+      </p:nvGrpSpPr>
+      <p:grpSpPr>
+        <a:xfrm>
+          <a:off x="0" y="0"/>
+          <a:ext cx="0" cy="0"/>
+          <a:chOff x="0" y="0"/>
+          <a:chExt cx="0" cy="0"/>
+        </a:xfrm>
+      </p:grpSpPr>
+      <p:sp>
+        <p:nvSpPr>
+          <p:cNvPr id="2" name="幻灯片图像占位符 1"/>
+          <p:cNvSpPr>
+            <a:spLocks noGrp="1" noRot="1" noChangeAspect="1"/>
+          </p:cNvSpPr>
+          <p:nvPr>
+            <p:ph type="sldImg"/>
+          </p:nvPr>
+        </p:nvSpPr>
+        <p:spPr/>
+      </p:sp>
+      <p:sp>
+        <p:nvSpPr>
+          <p:cNvPr id="3" name="备注占位符 2"/>
+          <p:cNvSpPr>
+            <a:spLocks noGrp="1"/>
+          </p:cNvSpPr>
+          <p:nvPr>
+            <p:ph type="body" idx="1"/>
+          </p:nvPr>
+        </p:nvSpPr>
+        <p:spPr/>
+        <p:txBody>
+          <a:bodyPr/>
+          <a:lstStyle/>
+          <a:p>
+            <a:endParaRPr lang="zh-CN" altLang="en-US"/>
+          </a:p>
+        </p:txBody>
+      </p:sp>
+      <p:sp>
+        <p:nvSpPr>
+          <p:cNvPr id="4" name="灯片编号占位符 3"/>
+          <p:cNvSpPr>
+            <a:spLocks noGrp="1"/>
+          </p:cNvSpPr>
+          <p:nvPr>
+            <p:ph type="sldNum" sz="quarter" idx="10"/>
+          </p:nvPr>
+        </p:nvSpPr>
+        <p:spPr/>
+        <p:txBody>
+          <a:bodyPr/>
+          <a:lstStyle/>
+          <a:p>
+            <a:fld id="{B43869FB-3FC2-4617-8655-B1CA3DFD2224}" type="slidenum">
+              <a:rPr lang="zh-CN" altLang="en-US" smtClean="0"/>
+              <a:t>21</a:t>
             </a:fld>
             <a:endParaRPr lang="zh-CN" altLang="en-US"/>
           </a:p>
@@ -3968,15 +4113,6 @@
               </a:rPr>
               <a:t>管理员保护电子商城的良好环境，及时处理违规人员，包括管理员及用户；同时，当用户使用电子购物商城时，管理员可以对前台商品信息进行添加修改，推送新资讯等操作；除此之外，为了电子购物商城长久稳定的运作下去，对商品销售数据进行查询统计。</a:t>
             </a:r>
-            <a:endParaRPr lang="zh-CN" altLang="en-US" sz="1400" dirty="0">
-              <a:solidFill>
-                <a:schemeClr val="bg1">
-                  <a:lumMod val="50000"/>
-                </a:schemeClr>
-              </a:solidFill>
-              <a:latin typeface="微软雅黑" panose="020B0503020204020204" charset="-122"/>
-              <a:ea typeface="微软雅黑" panose="020B0503020204020204" charset="-122"/>
-            </a:endParaRPr>
           </a:p>
         </p:txBody>
       </p:sp>
@@ -5030,14 +5166,6 @@
               </a:rPr>
               <a:t>主要内容</a:t>
             </a:r>
-            <a:endParaRPr lang="zh-CN" altLang="en-US" sz="2000" dirty="0">
-              <a:solidFill>
-                <a:schemeClr val="tx1">
-                  <a:lumMod val="85000"/>
-                  <a:lumOff val="15000"/>
-                </a:schemeClr>
-              </a:solidFill>
-            </a:endParaRPr>
           </a:p>
         </p:txBody>
       </p:sp>
@@ -5264,15 +5392,6 @@
               </a:rPr>
               <a:t>查询语句对数据库进行操作。</a:t>
             </a:r>
-            <a:endParaRPr lang="zh-CN" altLang="en-US" sz="1400" dirty="0">
-              <a:solidFill>
-                <a:schemeClr val="bg1">
-                  <a:lumMod val="50000"/>
-                </a:schemeClr>
-              </a:solidFill>
-              <a:latin typeface="微软雅黑" panose="020B0503020204020204" charset="-122"/>
-              <a:ea typeface="微软雅黑" panose="020B0503020204020204" charset="-122"/>
-            </a:endParaRPr>
           </a:p>
         </p:txBody>
       </p:sp>
@@ -5765,15 +5884,6 @@
               </a:rPr>
               <a:t>一个合理的数据库，必须具有规范性，规范性包括命名规范和字段类型规范，两者缺一不可。数据库按照一定的规则，合理保管数据，能够更方便的维护软件系统。</a:t>
             </a:r>
-            <a:endParaRPr lang="zh-CN" altLang="en-US" sz="1400" dirty="0">
-              <a:solidFill>
-                <a:schemeClr val="bg1">
-                  <a:lumMod val="50000"/>
-                </a:schemeClr>
-              </a:solidFill>
-              <a:latin typeface="微软雅黑" panose="020B0503020204020204" charset="-122"/>
-              <a:ea typeface="微软雅黑" panose="020B0503020204020204" charset="-122"/>
-            </a:endParaRPr>
           </a:p>
         </p:txBody>
       </p:sp>
@@ -6176,14 +6286,6 @@
               </a:rPr>
               <a:t>主要内容</a:t>
             </a:r>
-            <a:endParaRPr lang="zh-CN" altLang="en-US" sz="2000" dirty="0">
-              <a:solidFill>
-                <a:schemeClr val="tx1">
-                  <a:lumMod val="85000"/>
-                  <a:lumOff val="15000"/>
-                </a:schemeClr>
-              </a:solidFill>
-            </a:endParaRPr>
           </a:p>
         </p:txBody>
       </p:sp>
@@ -7466,14 +7568,6 @@
               </a:rPr>
               <a:t>内容实现</a:t>
             </a:r>
-            <a:endParaRPr lang="zh-CN" altLang="en-US" sz="2000" dirty="0">
-              <a:solidFill>
-                <a:schemeClr val="tx1">
-                  <a:lumMod val="85000"/>
-                  <a:lumOff val="15000"/>
-                </a:schemeClr>
-              </a:solidFill>
-            </a:endParaRPr>
           </a:p>
         </p:txBody>
       </p:sp>
@@ -7537,10 +7631,10 @@
           <a:lstStyle/>
           <a:p>
             <a:r>
-              <a:rPr lang="zh-CN" altLang="en-US" dirty="0" smtClean="0"/>
+              <a:rPr lang="zh-CN" altLang="en-US" b="1" dirty="0" smtClean="0"/>
               <a:t>登录页面</a:t>
             </a:r>
-            <a:endParaRPr lang="zh-CN" altLang="en-US" dirty="0"/>
+            <a:endParaRPr lang="zh-CN" altLang="en-US" b="1" dirty="0"/>
           </a:p>
         </p:txBody>
       </p:sp>
@@ -7887,6 +7981,365 @@
 </file>
 
 <file path=ppt/slides/slide17.xml><?xml version="1.0" encoding="utf-8"?>
+<p:sld xmlns:a="http://schemas.openxmlformats.org/drawingml/2006/main" xmlns:r="http://schemas.openxmlformats.org/officeDocument/2006/relationships" xmlns:p="http://schemas.openxmlformats.org/presentationml/2006/main">
+  <p:cSld>
+    <p:spTree>
+      <p:nvGrpSpPr>
+        <p:cNvPr id="1" name=""/>
+        <p:cNvGrpSpPr/>
+        <p:nvPr/>
+      </p:nvGrpSpPr>
+      <p:grpSpPr>
+        <a:xfrm>
+          <a:off x="0" y="0"/>
+          <a:ext cx="0" cy="0"/>
+          <a:chOff x="0" y="0"/>
+          <a:chExt cx="0" cy="0"/>
+        </a:xfrm>
+      </p:grpSpPr>
+      <p:sp>
+        <p:nvSpPr>
+          <p:cNvPr id="2" name="矩形 1"/>
+          <p:cNvSpPr/>
+          <p:nvPr/>
+        </p:nvSpPr>
+        <p:spPr>
+          <a:xfrm>
+            <a:off x="0" y="60523"/>
+            <a:ext cx="1210588" cy="400110"/>
+          </a:xfrm>
+          <a:prstGeom prst="rect">
+            <a:avLst/>
+          </a:prstGeom>
+        </p:spPr>
+        <p:txBody>
+          <a:bodyPr wrap="none">
+            <a:spAutoFit/>
+          </a:bodyPr>
+          <a:lstStyle/>
+          <a:p>
+            <a:pPr marL="0" marR="0" lvl="0" indent="0" algn="l" defTabSz="913765" rtl="0" eaLnBrk="1" fontAlgn="auto" latinLnBrk="0" hangingPunct="1">
+              <a:lnSpc>
+                <a:spcPct val="100000"/>
+              </a:lnSpc>
+              <a:spcBef>
+                <a:spcPts val="0"/>
+              </a:spcBef>
+              <a:spcAft>
+                <a:spcPts val="0"/>
+              </a:spcAft>
+              <a:buClrTx/>
+              <a:buSzTx/>
+              <a:buFontTx/>
+              <a:buNone/>
+              <a:tabLst/>
+              <a:defRPr/>
+            </a:pPr>
+            <a:r>
+              <a:rPr kumimoji="0" lang="zh-CN" altLang="en-US" sz="2000" b="0" i="0" u="none" strike="noStrike" kern="1200" cap="none" spc="0" normalizeH="0" baseline="0" noProof="0" dirty="0">
+                <a:ln>
+                  <a:noFill/>
+                </a:ln>
+                <a:solidFill>
+                  <a:prstClr val="black">
+                    <a:lumMod val="85000"/>
+                    <a:lumOff val="15000"/>
+                  </a:prstClr>
+                </a:solidFill>
+                <a:effectLst/>
+                <a:uLnTx/>
+                <a:uFillTx/>
+                <a:latin typeface="Segoe UI"/>
+                <a:ea typeface="微软雅黑"/>
+                <a:cs typeface="+mn-cs"/>
+              </a:rPr>
+              <a:t>内容实现</a:t>
+            </a:r>
+          </a:p>
+        </p:txBody>
+      </p:sp>
+      <p:sp>
+        <p:nvSpPr>
+          <p:cNvPr id="3" name="文本框 2"/>
+          <p:cNvSpPr txBox="1"/>
+          <p:nvPr/>
+        </p:nvSpPr>
+        <p:spPr>
+          <a:xfrm>
+            <a:off x="615462" y="955029"/>
+            <a:ext cx="10840915" cy="591637"/>
+          </a:xfrm>
+          <a:prstGeom prst="rect">
+            <a:avLst/>
+          </a:prstGeom>
+          <a:noFill/>
+        </p:spPr>
+        <p:txBody>
+          <a:bodyPr wrap="square" rtlCol="0">
+            <a:spAutoFit/>
+          </a:bodyPr>
+          <a:lstStyle/>
+          <a:p>
+            <a:pPr lvl="0">
+              <a:lnSpc>
+                <a:spcPts val="2000"/>
+              </a:lnSpc>
+            </a:pPr>
+            <a:r>
+              <a:rPr lang="zh-CN" altLang="en-US" sz="1600" dirty="0">
+                <a:solidFill>
+                  <a:prstClr val="black"/>
+                </a:solidFill>
+                <a:latin typeface="微软雅黑 Light" panose="020B0502040204020203" pitchFamily="34" charset="-122"/>
+                <a:ea typeface="微软雅黑 Light" panose="020B0502040204020203" pitchFamily="34" charset="-122"/>
+              </a:rPr>
+              <a:t>在搜索栏内进行信息查询，即可查到不同种类商品的总销售额。每样商品的销售总价在表格最右显示，所有商品的总销售额在工作区右上角显示。</a:t>
+            </a:r>
+            <a:endParaRPr kumimoji="0" lang="zh-CN" altLang="en-US" sz="1600" b="0" i="0" u="none" strike="noStrike" kern="1200" cap="none" spc="0" normalizeH="0" baseline="0" noProof="0" dirty="0">
+              <a:ln>
+                <a:noFill/>
+              </a:ln>
+              <a:solidFill>
+                <a:prstClr val="black"/>
+              </a:solidFill>
+              <a:effectLst/>
+              <a:uLnTx/>
+              <a:uFillTx/>
+              <a:latin typeface="微软雅黑 Light" panose="020B0502040204020203" pitchFamily="34" charset="-122"/>
+              <a:ea typeface="微软雅黑 Light" panose="020B0502040204020203" pitchFamily="34" charset="-122"/>
+              <a:cs typeface="+mn-cs"/>
+            </a:endParaRPr>
+          </a:p>
+        </p:txBody>
+      </p:sp>
+      <p:sp>
+        <p:nvSpPr>
+          <p:cNvPr id="4" name="文本框 3"/>
+          <p:cNvSpPr txBox="1"/>
+          <p:nvPr/>
+        </p:nvSpPr>
+        <p:spPr>
+          <a:xfrm>
+            <a:off x="605293" y="523165"/>
+            <a:ext cx="2973176" cy="369332"/>
+          </a:xfrm>
+          <a:prstGeom prst="rect">
+            <a:avLst/>
+          </a:prstGeom>
+          <a:noFill/>
+        </p:spPr>
+        <p:txBody>
+          <a:bodyPr wrap="square" rtlCol="0">
+            <a:spAutoFit/>
+          </a:bodyPr>
+          <a:lstStyle/>
+          <a:p>
+            <a:pPr marL="0" marR="0" lvl="0" indent="0" algn="l" defTabSz="913765" rtl="0" eaLnBrk="1" fontAlgn="auto" latinLnBrk="0" hangingPunct="1">
+              <a:lnSpc>
+                <a:spcPct val="100000"/>
+              </a:lnSpc>
+              <a:spcBef>
+                <a:spcPts val="0"/>
+              </a:spcBef>
+              <a:spcAft>
+                <a:spcPts val="0"/>
+              </a:spcAft>
+              <a:buClrTx/>
+              <a:buSzTx/>
+              <a:buFontTx/>
+              <a:buNone/>
+              <a:tabLst/>
+              <a:defRPr/>
+            </a:pPr>
+            <a:r>
+              <a:rPr lang="zh-CN" altLang="en-US" b="1" dirty="0" smtClean="0">
+                <a:solidFill>
+                  <a:prstClr val="black"/>
+                </a:solidFill>
+                <a:latin typeface="Segoe UI"/>
+                <a:ea typeface="微软雅黑"/>
+              </a:rPr>
+              <a:t>查找商品</a:t>
+            </a:r>
+            <a:r>
+              <a:rPr lang="en-US" altLang="zh-CN" b="1" dirty="0" smtClean="0">
+                <a:solidFill>
+                  <a:prstClr val="black"/>
+                </a:solidFill>
+                <a:latin typeface="Segoe UI"/>
+                <a:ea typeface="微软雅黑"/>
+              </a:rPr>
+              <a:t>-</a:t>
+            </a:r>
+            <a:r>
+              <a:rPr lang="zh-CN" altLang="en-US" b="1" dirty="0" smtClean="0">
+                <a:solidFill>
+                  <a:prstClr val="black"/>
+                </a:solidFill>
+                <a:latin typeface="Segoe UI"/>
+                <a:ea typeface="微软雅黑"/>
+              </a:rPr>
+              <a:t>查看销售额</a:t>
+            </a:r>
+            <a:r>
+              <a:rPr kumimoji="0" lang="zh-CN" altLang="en-US" sz="1800" b="1" i="0" u="none" strike="noStrike" kern="1200" cap="none" spc="0" normalizeH="0" baseline="0" noProof="0" dirty="0" smtClean="0">
+                <a:ln>
+                  <a:noFill/>
+                </a:ln>
+                <a:solidFill>
+                  <a:prstClr val="black"/>
+                </a:solidFill>
+                <a:effectLst/>
+                <a:uLnTx/>
+                <a:uFillTx/>
+                <a:latin typeface="Segoe UI"/>
+                <a:ea typeface="微软雅黑"/>
+                <a:cs typeface="+mn-cs"/>
+              </a:rPr>
+              <a:t>页面</a:t>
+            </a:r>
+            <a:endParaRPr kumimoji="0" lang="zh-CN" altLang="en-US" sz="1800" b="1" i="0" u="none" strike="noStrike" kern="1200" cap="none" spc="0" normalizeH="0" baseline="0" noProof="0" dirty="0">
+              <a:ln>
+                <a:noFill/>
+              </a:ln>
+              <a:solidFill>
+                <a:prstClr val="black"/>
+              </a:solidFill>
+              <a:effectLst/>
+              <a:uLnTx/>
+              <a:uFillTx/>
+              <a:latin typeface="Segoe UI"/>
+              <a:ea typeface="微软雅黑"/>
+              <a:cs typeface="+mn-cs"/>
+            </a:endParaRPr>
+          </a:p>
+        </p:txBody>
+      </p:sp>
+      <p:pic>
+        <p:nvPicPr>
+          <p:cNvPr id="7" name="图片 6" descr="屏幕剪辑"/>
+          <p:cNvPicPr>
+            <a:picLocks noChangeAspect="1"/>
+          </p:cNvPicPr>
+          <p:nvPr/>
+        </p:nvPicPr>
+        <p:blipFill>
+          <a:blip r:embed="rId3">
+            <a:extLst>
+              <a:ext uri="{28A0092B-C50C-407E-A947-70E740481C1C}">
+                <a14:useLocalDpi xmlns:a14="http://schemas.microsoft.com/office/drawing/2010/main" val="0"/>
+              </a:ext>
+            </a:extLst>
+          </a:blip>
+          <a:stretch>
+            <a:fillRect/>
+          </a:stretch>
+        </p:blipFill>
+        <p:spPr>
+          <a:xfrm>
+            <a:off x="375356" y="2166110"/>
+            <a:ext cx="5040706" cy="3071398"/>
+          </a:xfrm>
+          <a:prstGeom prst="rect">
+            <a:avLst/>
+          </a:prstGeom>
+        </p:spPr>
+      </p:pic>
+      <p:pic>
+        <p:nvPicPr>
+          <p:cNvPr id="8" name="图片 7" descr="屏幕剪辑"/>
+          <p:cNvPicPr>
+            <a:picLocks noChangeAspect="1"/>
+          </p:cNvPicPr>
+          <p:nvPr/>
+        </p:nvPicPr>
+        <p:blipFill>
+          <a:blip r:embed="rId4">
+            <a:extLst>
+              <a:ext uri="{28A0092B-C50C-407E-A947-70E740481C1C}">
+                <a14:useLocalDpi xmlns:a14="http://schemas.microsoft.com/office/drawing/2010/main" val="0"/>
+              </a:ext>
+            </a:extLst>
+          </a:blip>
+          <a:stretch>
+            <a:fillRect/>
+          </a:stretch>
+        </p:blipFill>
+        <p:spPr>
+          <a:xfrm>
+            <a:off x="5409006" y="3552093"/>
+            <a:ext cx="6782994" cy="2751992"/>
+          </a:xfrm>
+          <a:prstGeom prst="rect">
+            <a:avLst/>
+          </a:prstGeom>
+        </p:spPr>
+      </p:pic>
+      <p:sp>
+        <p:nvSpPr>
+          <p:cNvPr id="9" name="文本框 8"/>
+          <p:cNvSpPr txBox="1"/>
+          <p:nvPr/>
+        </p:nvSpPr>
+        <p:spPr>
+          <a:xfrm>
+            <a:off x="6214696" y="2413575"/>
+            <a:ext cx="5178669" cy="584775"/>
+          </a:xfrm>
+          <a:prstGeom prst="rect">
+            <a:avLst/>
+          </a:prstGeom>
+          <a:noFill/>
+        </p:spPr>
+        <p:txBody>
+          <a:bodyPr wrap="square" rtlCol="0">
+            <a:spAutoFit/>
+          </a:bodyPr>
+          <a:lstStyle/>
+          <a:p>
+            <a:r>
+              <a:rPr lang="zh-CN" altLang="en-US" sz="1600" dirty="0" smtClean="0">
+                <a:latin typeface="微软雅黑 Light" panose="020B0502040204020203" pitchFamily="34" charset="-122"/>
+                <a:ea typeface="微软雅黑 Light" panose="020B0502040204020203" pitchFamily="34" charset="-122"/>
+              </a:rPr>
+              <a:t>不进行搜索时，显示所有商品的总价；当选择标题带有“春秋”的商品，则筛选出符合条件的商品并进行计算。</a:t>
+            </a:r>
+            <a:endParaRPr lang="zh-CN" altLang="en-US" sz="1600" dirty="0">
+              <a:latin typeface="微软雅黑 Light" panose="020B0502040204020203" pitchFamily="34" charset="-122"/>
+              <a:ea typeface="微软雅黑 Light" panose="020B0502040204020203" pitchFamily="34" charset="-122"/>
+            </a:endParaRPr>
+          </a:p>
+        </p:txBody>
+      </p:sp>
+    </p:spTree>
+    <p:extLst>
+      <p:ext uri="{BB962C8B-B14F-4D97-AF65-F5344CB8AC3E}">
+        <p14:creationId xmlns:p14="http://schemas.microsoft.com/office/powerpoint/2010/main" val="2710502147"/>
+      </p:ext>
+    </p:extLst>
+  </p:cSld>
+  <p:clrMapOvr>
+    <a:masterClrMapping/>
+  </p:clrMapOvr>
+  <mc:AlternateContent xmlns:mc="http://schemas.openxmlformats.org/markup-compatibility/2006" xmlns:p14="http://schemas.microsoft.com/office/powerpoint/2010/main">
+    <mc:Choice Requires="p14">
+      <p:transition p14:dur="0" advTm="2000"/>
+    </mc:Choice>
+    <mc:Fallback xmlns="">
+      <p:transition advTm="2000"/>
+    </mc:Fallback>
+  </mc:AlternateContent>
+  <p:timing>
+    <p:tnLst>
+      <p:par>
+        <p:cTn id="1" dur="indefinite" restart="never" nodeType="tmRoot"/>
+      </p:par>
+    </p:tnLst>
+  </p:timing>
+</p:sld>
+</file>
+
+<file path=ppt/slides/slide18.xml><?xml version="1.0" encoding="utf-8"?>
 <p:sld xmlns:a="http://schemas.openxmlformats.org/drawingml/2006/main" xmlns:r="http://schemas.openxmlformats.org/officeDocument/2006/relationships" xmlns:p="http://schemas.openxmlformats.org/presentationml/2006/main">
   <p:cSld>
     <p:spTree>
@@ -9220,7 +9673,7 @@
 </p:sld>
 </file>
 
-<file path=ppt/slides/slide18.xml><?xml version="1.0" encoding="utf-8"?>
+<file path=ppt/slides/slide19.xml><?xml version="1.0" encoding="utf-8"?>
 <p:sld xmlns:a="http://schemas.openxmlformats.org/drawingml/2006/main" xmlns:r="http://schemas.openxmlformats.org/officeDocument/2006/relationships" xmlns:p="http://schemas.openxmlformats.org/presentationml/2006/main">
   <p:cSld>
     <p:spTree>
@@ -12800,1746 +13253,6 @@
 </p:sld>
 </file>
 
-<file path=ppt/slides/slide19.xml><?xml version="1.0" encoding="utf-8"?>
-<p:sld xmlns:a="http://schemas.openxmlformats.org/drawingml/2006/main" xmlns:r="http://schemas.openxmlformats.org/officeDocument/2006/relationships" xmlns:p="http://schemas.openxmlformats.org/presentationml/2006/main">
-  <p:cSld>
-    <p:spTree>
-      <p:nvGrpSpPr>
-        <p:cNvPr id="1" name=""/>
-        <p:cNvGrpSpPr/>
-        <p:nvPr/>
-      </p:nvGrpSpPr>
-      <p:grpSpPr>
-        <a:xfrm>
-          <a:off x="0" y="0"/>
-          <a:ext cx="0" cy="0"/>
-          <a:chOff x="0" y="0"/>
-          <a:chExt cx="0" cy="0"/>
-        </a:xfrm>
-      </p:grpSpPr>
-      <p:sp>
-        <p:nvSpPr>
-          <p:cNvPr id="2" name="矩形 1"/>
-          <p:cNvSpPr/>
-          <p:nvPr/>
-        </p:nvSpPr>
-        <p:spPr>
-          <a:xfrm>
-            <a:off x="0" y="60523"/>
-            <a:ext cx="1210588" cy="400110"/>
-          </a:xfrm>
-          <a:prstGeom prst="rect">
-            <a:avLst/>
-          </a:prstGeom>
-        </p:spPr>
-        <p:txBody>
-          <a:bodyPr wrap="none">
-            <a:spAutoFit/>
-          </a:bodyPr>
-          <a:lstStyle/>
-          <a:p>
-            <a:r>
-              <a:rPr lang="zh-CN" altLang="en-US" sz="2000" dirty="0" smtClean="0">
-                <a:solidFill>
-                  <a:schemeClr val="tx1">
-                    <a:lumMod val="85000"/>
-                    <a:lumOff val="15000"/>
-                  </a:schemeClr>
-                </a:solidFill>
-              </a:rPr>
-              <a:t>内容实现</a:t>
-            </a:r>
-            <a:endParaRPr lang="zh-CN" altLang="en-US" sz="2000" dirty="0">
-              <a:solidFill>
-                <a:schemeClr val="tx1">
-                  <a:lumMod val="85000"/>
-                  <a:lumOff val="15000"/>
-                </a:schemeClr>
-              </a:solidFill>
-            </a:endParaRPr>
-          </a:p>
-        </p:txBody>
-      </p:sp>
-      <p:pic>
-        <p:nvPicPr>
-          <p:cNvPr id="5" name="图片 4"/>
-          <p:cNvPicPr>
-            <a:picLocks noChangeAspect="1"/>
-          </p:cNvPicPr>
-          <p:nvPr/>
-        </p:nvPicPr>
-        <p:blipFill rotWithShape="1">
-          <a:blip r:embed="rId3" cstate="screen">
-            <a:extLst>
-              <a:ext uri="{28A0092B-C50C-407E-A947-70E740481C1C}">
-                <a14:useLocalDpi xmlns:a14="http://schemas.microsoft.com/office/drawing/2010/main"/>
-              </a:ext>
-            </a:extLst>
-          </a:blip>
-          <a:srcRect/>
-          <a:stretch>
-            <a:fillRect/>
-          </a:stretch>
-        </p:blipFill>
-        <p:spPr>
-          <a:xfrm>
-            <a:off x="3848772" y="1363132"/>
-            <a:ext cx="4587588" cy="4262632"/>
-          </a:xfrm>
-          <a:prstGeom prst="rect">
-            <a:avLst/>
-          </a:prstGeom>
-        </p:spPr>
-      </p:pic>
-      <p:sp>
-        <p:nvSpPr>
-          <p:cNvPr id="6" name="菱形 5"/>
-          <p:cNvSpPr/>
-          <p:nvPr/>
-        </p:nvSpPr>
-        <p:spPr>
-          <a:xfrm>
-            <a:off x="4083050" y="1416050"/>
-            <a:ext cx="4025900" cy="4025900"/>
-          </a:xfrm>
-          <a:prstGeom prst="diamond">
-            <a:avLst/>
-          </a:prstGeom>
-          <a:gradFill flip="none" rotWithShape="1">
-            <a:gsLst>
-              <a:gs pos="0">
-                <a:schemeClr val="accent3">
-                  <a:lumMod val="5000"/>
-                  <a:lumOff val="95000"/>
-                  <a:alpha val="3000"/>
-                </a:schemeClr>
-              </a:gs>
-              <a:gs pos="83000">
-                <a:schemeClr val="accent3">
-                  <a:lumMod val="45000"/>
-                  <a:lumOff val="55000"/>
-                  <a:alpha val="57000"/>
-                </a:schemeClr>
-              </a:gs>
-              <a:gs pos="100000">
-                <a:schemeClr val="accent3">
-                  <a:lumMod val="30000"/>
-                  <a:lumOff val="70000"/>
-                  <a:alpha val="0"/>
-                </a:schemeClr>
-              </a:gs>
-            </a:gsLst>
-            <a:path path="circle">
-              <a:fillToRect l="50000" t="50000" r="50000" b="50000"/>
-            </a:path>
-            <a:tileRect/>
-          </a:gradFill>
-          <a:ln>
-            <a:noFill/>
-          </a:ln>
-        </p:spPr>
-        <p:style>
-          <a:lnRef idx="2">
-            <a:schemeClr val="accent1">
-              <a:shade val="50000"/>
-            </a:schemeClr>
-          </a:lnRef>
-          <a:fillRef idx="1">
-            <a:schemeClr val="accent1"/>
-          </a:fillRef>
-          <a:effectRef idx="0">
-            <a:schemeClr val="accent1"/>
-          </a:effectRef>
-          <a:fontRef idx="minor">
-            <a:schemeClr val="lt1"/>
-          </a:fontRef>
-        </p:style>
-        <p:txBody>
-          <a:bodyPr rtlCol="0" anchor="ctr"/>
-          <a:lstStyle/>
-          <a:p>
-            <a:pPr algn="ctr"/>
-            <a:r>
-              <a:rPr lang="zh-CN" altLang="en-US" sz="6600" b="1" dirty="0">
-                <a:solidFill>
-                  <a:schemeClr val="tx1">
-                    <a:lumMod val="75000"/>
-                    <a:lumOff val="25000"/>
-                  </a:schemeClr>
-                </a:solidFill>
-              </a:rPr>
-              <a:t>结论</a:t>
-            </a:r>
-          </a:p>
-        </p:txBody>
-      </p:sp>
-      <p:grpSp>
-        <p:nvGrpSpPr>
-          <p:cNvPr id="7" name="组合 6"/>
-          <p:cNvGrpSpPr/>
-          <p:nvPr/>
-        </p:nvGrpSpPr>
-        <p:grpSpPr>
-          <a:xfrm>
-            <a:off x="1088594" y="1487746"/>
-            <a:ext cx="2300757" cy="509896"/>
-            <a:chOff x="888096" y="1000203"/>
-            <a:chExt cx="4259825" cy="944066"/>
-          </a:xfrm>
-        </p:grpSpPr>
-        <p:sp>
-          <p:nvSpPr>
-            <p:cNvPr id="8" name="矩形 7"/>
-            <p:cNvSpPr/>
-            <p:nvPr/>
-          </p:nvSpPr>
-          <p:spPr>
-            <a:xfrm>
-              <a:off x="911225" y="1045634"/>
-              <a:ext cx="4199467" cy="872066"/>
-            </a:xfrm>
-            <a:prstGeom prst="rect">
-              <a:avLst/>
-            </a:prstGeom>
-            <a:noFill/>
-            <a:ln>
-              <a:solidFill>
-                <a:schemeClr val="bg1">
-                  <a:lumMod val="75000"/>
-                </a:schemeClr>
-              </a:solidFill>
-            </a:ln>
-          </p:spPr>
-          <p:style>
-            <a:lnRef idx="2">
-              <a:schemeClr val="accent1">
-                <a:shade val="50000"/>
-              </a:schemeClr>
-            </a:lnRef>
-            <a:fillRef idx="1">
-              <a:schemeClr val="accent1"/>
-            </a:fillRef>
-            <a:effectRef idx="0">
-              <a:schemeClr val="accent1"/>
-            </a:effectRef>
-            <a:fontRef idx="minor">
-              <a:schemeClr val="lt1"/>
-            </a:fontRef>
-          </p:style>
-          <p:txBody>
-            <a:bodyPr rot="0" spcFirstLastPara="0" vertOverflow="overflow" horzOverflow="overflow" vert="horz" wrap="square" lIns="91440" tIns="45720" rIns="91440" bIns="45720" numCol="1" spcCol="0" rtlCol="0" fromWordArt="0" anchor="ctr" anchorCtr="0" forceAA="0" compatLnSpc="1">
-              <a:noAutofit/>
-            </a:bodyPr>
-            <a:lstStyle/>
-            <a:p>
-              <a:pPr algn="ctr"/>
-              <a:endParaRPr lang="zh-CN" altLang="en-US"/>
-            </a:p>
-          </p:txBody>
-        </p:sp>
-        <p:sp>
-          <p:nvSpPr>
-            <p:cNvPr id="9" name="椭圆 8"/>
-            <p:cNvSpPr/>
-            <p:nvPr/>
-          </p:nvSpPr>
-          <p:spPr>
-            <a:xfrm>
-              <a:off x="888096" y="1000203"/>
-              <a:ext cx="72000" cy="72000"/>
-            </a:xfrm>
-            <a:prstGeom prst="ellipse">
-              <a:avLst/>
-            </a:prstGeom>
-            <a:solidFill>
-              <a:schemeClr val="tx1">
-                <a:lumMod val="65000"/>
-                <a:lumOff val="35000"/>
-              </a:schemeClr>
-            </a:solidFill>
-            <a:ln>
-              <a:noFill/>
-            </a:ln>
-          </p:spPr>
-          <p:style>
-            <a:lnRef idx="2">
-              <a:schemeClr val="accent1">
-                <a:shade val="50000"/>
-              </a:schemeClr>
-            </a:lnRef>
-            <a:fillRef idx="1">
-              <a:schemeClr val="accent1"/>
-            </a:fillRef>
-            <a:effectRef idx="0">
-              <a:schemeClr val="accent1"/>
-            </a:effectRef>
-            <a:fontRef idx="minor">
-              <a:schemeClr val="lt1"/>
-            </a:fontRef>
-          </p:style>
-          <p:txBody>
-            <a:bodyPr rot="0" spcFirstLastPara="0" vertOverflow="overflow" horzOverflow="overflow" vert="horz" wrap="square" lIns="91440" tIns="45720" rIns="91440" bIns="45720" numCol="1" spcCol="0" rtlCol="0" fromWordArt="0" anchor="ctr" anchorCtr="0" forceAA="0" compatLnSpc="1">
-              <a:noAutofit/>
-            </a:bodyPr>
-            <a:lstStyle/>
-            <a:p>
-              <a:pPr algn="ctr"/>
-              <a:endParaRPr lang="zh-CN" altLang="en-US"/>
-            </a:p>
-          </p:txBody>
-        </p:sp>
-        <p:sp>
-          <p:nvSpPr>
-            <p:cNvPr id="10" name="椭圆 9"/>
-            <p:cNvSpPr/>
-            <p:nvPr/>
-          </p:nvSpPr>
-          <p:spPr>
-            <a:xfrm>
-              <a:off x="888096" y="1872269"/>
-              <a:ext cx="72000" cy="72000"/>
-            </a:xfrm>
-            <a:prstGeom prst="ellipse">
-              <a:avLst/>
-            </a:prstGeom>
-            <a:solidFill>
-              <a:schemeClr val="tx1">
-                <a:lumMod val="65000"/>
-                <a:lumOff val="35000"/>
-              </a:schemeClr>
-            </a:solidFill>
-            <a:ln>
-              <a:noFill/>
-            </a:ln>
-          </p:spPr>
-          <p:style>
-            <a:lnRef idx="2">
-              <a:schemeClr val="accent1">
-                <a:shade val="50000"/>
-              </a:schemeClr>
-            </a:lnRef>
-            <a:fillRef idx="1">
-              <a:schemeClr val="accent1"/>
-            </a:fillRef>
-            <a:effectRef idx="0">
-              <a:schemeClr val="accent1"/>
-            </a:effectRef>
-            <a:fontRef idx="minor">
-              <a:schemeClr val="lt1"/>
-            </a:fontRef>
-          </p:style>
-          <p:txBody>
-            <a:bodyPr rot="0" spcFirstLastPara="0" vertOverflow="overflow" horzOverflow="overflow" vert="horz" wrap="square" lIns="91440" tIns="45720" rIns="91440" bIns="45720" numCol="1" spcCol="0" rtlCol="0" fromWordArt="0" anchor="ctr" anchorCtr="0" forceAA="0" compatLnSpc="1">
-              <a:noAutofit/>
-            </a:bodyPr>
-            <a:lstStyle/>
-            <a:p>
-              <a:pPr algn="ctr"/>
-              <a:endParaRPr lang="zh-CN" altLang="en-US"/>
-            </a:p>
-          </p:txBody>
-        </p:sp>
-        <p:sp>
-          <p:nvSpPr>
-            <p:cNvPr id="11" name="椭圆 10"/>
-            <p:cNvSpPr/>
-            <p:nvPr/>
-          </p:nvSpPr>
-          <p:spPr>
-            <a:xfrm>
-              <a:off x="5075921" y="1872269"/>
-              <a:ext cx="72000" cy="72000"/>
-            </a:xfrm>
-            <a:prstGeom prst="ellipse">
-              <a:avLst/>
-            </a:prstGeom>
-            <a:solidFill>
-              <a:schemeClr val="tx1">
-                <a:lumMod val="65000"/>
-                <a:lumOff val="35000"/>
-              </a:schemeClr>
-            </a:solidFill>
-            <a:ln>
-              <a:noFill/>
-            </a:ln>
-          </p:spPr>
-          <p:style>
-            <a:lnRef idx="2">
-              <a:schemeClr val="accent1">
-                <a:shade val="50000"/>
-              </a:schemeClr>
-            </a:lnRef>
-            <a:fillRef idx="1">
-              <a:schemeClr val="accent1"/>
-            </a:fillRef>
-            <a:effectRef idx="0">
-              <a:schemeClr val="accent1"/>
-            </a:effectRef>
-            <a:fontRef idx="minor">
-              <a:schemeClr val="lt1"/>
-            </a:fontRef>
-          </p:style>
-          <p:txBody>
-            <a:bodyPr rot="0" spcFirstLastPara="0" vertOverflow="overflow" horzOverflow="overflow" vert="horz" wrap="square" lIns="91440" tIns="45720" rIns="91440" bIns="45720" numCol="1" spcCol="0" rtlCol="0" fromWordArt="0" anchor="ctr" anchorCtr="0" forceAA="0" compatLnSpc="1">
-              <a:noAutofit/>
-            </a:bodyPr>
-            <a:lstStyle/>
-            <a:p>
-              <a:pPr algn="ctr"/>
-              <a:endParaRPr lang="zh-CN" altLang="en-US"/>
-            </a:p>
-          </p:txBody>
-        </p:sp>
-        <p:sp>
-          <p:nvSpPr>
-            <p:cNvPr id="12" name="椭圆 11"/>
-            <p:cNvSpPr/>
-            <p:nvPr/>
-          </p:nvSpPr>
-          <p:spPr>
-            <a:xfrm>
-              <a:off x="5074692" y="1009634"/>
-              <a:ext cx="72000" cy="72000"/>
-            </a:xfrm>
-            <a:prstGeom prst="ellipse">
-              <a:avLst/>
-            </a:prstGeom>
-            <a:solidFill>
-              <a:schemeClr val="tx1">
-                <a:lumMod val="65000"/>
-                <a:lumOff val="35000"/>
-              </a:schemeClr>
-            </a:solidFill>
-            <a:ln>
-              <a:noFill/>
-            </a:ln>
-          </p:spPr>
-          <p:style>
-            <a:lnRef idx="2">
-              <a:schemeClr val="accent1">
-                <a:shade val="50000"/>
-              </a:schemeClr>
-            </a:lnRef>
-            <a:fillRef idx="1">
-              <a:schemeClr val="accent1"/>
-            </a:fillRef>
-            <a:effectRef idx="0">
-              <a:schemeClr val="accent1"/>
-            </a:effectRef>
-            <a:fontRef idx="minor">
-              <a:schemeClr val="lt1"/>
-            </a:fontRef>
-          </p:style>
-          <p:txBody>
-            <a:bodyPr rot="0" spcFirstLastPara="0" vertOverflow="overflow" horzOverflow="overflow" vert="horz" wrap="square" lIns="91440" tIns="45720" rIns="91440" bIns="45720" numCol="1" spcCol="0" rtlCol="0" fromWordArt="0" anchor="ctr" anchorCtr="0" forceAA="0" compatLnSpc="1">
-              <a:noAutofit/>
-            </a:bodyPr>
-            <a:lstStyle/>
-            <a:p>
-              <a:pPr algn="ctr"/>
-              <a:endParaRPr lang="zh-CN" altLang="en-US"/>
-            </a:p>
-          </p:txBody>
-        </p:sp>
-      </p:grpSp>
-      <p:sp>
-        <p:nvSpPr>
-          <p:cNvPr id="13" name="矩形 12"/>
-          <p:cNvSpPr/>
-          <p:nvPr/>
-        </p:nvSpPr>
-        <p:spPr>
-          <a:xfrm>
-            <a:off x="1219501" y="1563122"/>
-            <a:ext cx="2031325" cy="369332"/>
-          </a:xfrm>
-          <a:prstGeom prst="rect">
-            <a:avLst/>
-          </a:prstGeom>
-        </p:spPr>
-        <p:txBody>
-          <a:bodyPr wrap="none">
-            <a:spAutoFit/>
-          </a:bodyPr>
-          <a:lstStyle/>
-          <a:p>
-            <a:r>
-              <a:rPr lang="zh-CN" altLang="en-US" dirty="0"/>
-              <a:t>点击此处添加标题</a:t>
-            </a:r>
-          </a:p>
-        </p:txBody>
-      </p:sp>
-      <p:sp>
-        <p:nvSpPr>
-          <p:cNvPr id="14" name="矩形 13"/>
-          <p:cNvSpPr/>
-          <p:nvPr/>
-        </p:nvSpPr>
-        <p:spPr>
-          <a:xfrm>
-            <a:off x="1137421" y="2039830"/>
-            <a:ext cx="2945629" cy="1052596"/>
-          </a:xfrm>
-          <a:prstGeom prst="rect">
-            <a:avLst/>
-          </a:prstGeom>
-        </p:spPr>
-        <p:txBody>
-          <a:bodyPr wrap="square">
-            <a:spAutoFit/>
-          </a:bodyPr>
-          <a:lstStyle/>
-          <a:p>
-            <a:pPr>
-              <a:lnSpc>
-                <a:spcPct val="130000"/>
-              </a:lnSpc>
-            </a:pPr>
-            <a:r>
-              <a:rPr lang="zh-CN" altLang="en-US" sz="1200" dirty="0">
-                <a:solidFill>
-                  <a:schemeClr val="bg1">
-                    <a:lumMod val="50000"/>
-                  </a:schemeClr>
-                </a:solidFill>
-                <a:latin typeface="微软雅黑" panose="020B0503020204020204" charset="-122"/>
-                <a:ea typeface="微软雅黑" panose="020B0503020204020204" charset="-122"/>
-              </a:rPr>
-              <a:t>标题数字等都可以通过点击和重新输入进行更改，顶部“开始”面板中可以对字体、字号、颜色、行距等进行修改。建议正文</a:t>
-            </a:r>
-            <a:r>
-              <a:rPr lang="en-US" altLang="zh-CN" sz="1200" dirty="0">
-                <a:solidFill>
-                  <a:schemeClr val="bg1">
-                    <a:lumMod val="50000"/>
-                  </a:schemeClr>
-                </a:solidFill>
-                <a:latin typeface="微软雅黑" panose="020B0503020204020204" charset="-122"/>
-                <a:ea typeface="微软雅黑" panose="020B0503020204020204" charset="-122"/>
-              </a:rPr>
-              <a:t>8-14</a:t>
-            </a:r>
-            <a:r>
-              <a:rPr lang="zh-CN" altLang="en-US" sz="1200" dirty="0">
-                <a:solidFill>
-                  <a:schemeClr val="bg1">
-                    <a:lumMod val="50000"/>
-                  </a:schemeClr>
-                </a:solidFill>
-                <a:latin typeface="微软雅黑" panose="020B0503020204020204" charset="-122"/>
-                <a:ea typeface="微软雅黑" panose="020B0503020204020204" charset="-122"/>
-              </a:rPr>
-              <a:t>号字，</a:t>
-            </a:r>
-            <a:r>
-              <a:rPr lang="en-US" altLang="zh-CN" sz="1200" dirty="0">
-                <a:solidFill>
-                  <a:schemeClr val="bg1">
-                    <a:lumMod val="50000"/>
-                  </a:schemeClr>
-                </a:solidFill>
-                <a:latin typeface="微软雅黑" panose="020B0503020204020204" charset="-122"/>
-                <a:ea typeface="微软雅黑" panose="020B0503020204020204" charset="-122"/>
-              </a:rPr>
-              <a:t>1.3</a:t>
-            </a:r>
-            <a:r>
-              <a:rPr lang="zh-CN" altLang="en-US" sz="1200" dirty="0">
-                <a:solidFill>
-                  <a:schemeClr val="bg1">
-                    <a:lumMod val="50000"/>
-                  </a:schemeClr>
-                </a:solidFill>
-                <a:latin typeface="微软雅黑" panose="020B0503020204020204" charset="-122"/>
-                <a:ea typeface="微软雅黑" panose="020B0503020204020204" charset="-122"/>
-              </a:rPr>
-              <a:t>倍字间距。</a:t>
-            </a:r>
-          </a:p>
-        </p:txBody>
-      </p:sp>
-      <p:grpSp>
-        <p:nvGrpSpPr>
-          <p:cNvPr id="15" name="组合 14"/>
-          <p:cNvGrpSpPr/>
-          <p:nvPr/>
-        </p:nvGrpSpPr>
-        <p:grpSpPr>
-          <a:xfrm>
-            <a:off x="1088594" y="3837270"/>
-            <a:ext cx="2300757" cy="509896"/>
-            <a:chOff x="888096" y="1000203"/>
-            <a:chExt cx="4259825" cy="944066"/>
-          </a:xfrm>
-        </p:grpSpPr>
-        <p:sp>
-          <p:nvSpPr>
-            <p:cNvPr id="16" name="矩形 15"/>
-            <p:cNvSpPr/>
-            <p:nvPr/>
-          </p:nvSpPr>
-          <p:spPr>
-            <a:xfrm>
-              <a:off x="911225" y="1045634"/>
-              <a:ext cx="4199467" cy="872066"/>
-            </a:xfrm>
-            <a:prstGeom prst="rect">
-              <a:avLst/>
-            </a:prstGeom>
-            <a:noFill/>
-            <a:ln>
-              <a:solidFill>
-                <a:schemeClr val="bg1">
-                  <a:lumMod val="75000"/>
-                </a:schemeClr>
-              </a:solidFill>
-            </a:ln>
-          </p:spPr>
-          <p:style>
-            <a:lnRef idx="2">
-              <a:schemeClr val="accent1">
-                <a:shade val="50000"/>
-              </a:schemeClr>
-            </a:lnRef>
-            <a:fillRef idx="1">
-              <a:schemeClr val="accent1"/>
-            </a:fillRef>
-            <a:effectRef idx="0">
-              <a:schemeClr val="accent1"/>
-            </a:effectRef>
-            <a:fontRef idx="minor">
-              <a:schemeClr val="lt1"/>
-            </a:fontRef>
-          </p:style>
-          <p:txBody>
-            <a:bodyPr rot="0" spcFirstLastPara="0" vertOverflow="overflow" horzOverflow="overflow" vert="horz" wrap="square" lIns="91440" tIns="45720" rIns="91440" bIns="45720" numCol="1" spcCol="0" rtlCol="0" fromWordArt="0" anchor="ctr" anchorCtr="0" forceAA="0" compatLnSpc="1">
-              <a:noAutofit/>
-            </a:bodyPr>
-            <a:lstStyle/>
-            <a:p>
-              <a:pPr algn="ctr"/>
-              <a:endParaRPr lang="zh-CN" altLang="en-US"/>
-            </a:p>
-          </p:txBody>
-        </p:sp>
-        <p:sp>
-          <p:nvSpPr>
-            <p:cNvPr id="17" name="椭圆 16"/>
-            <p:cNvSpPr/>
-            <p:nvPr/>
-          </p:nvSpPr>
-          <p:spPr>
-            <a:xfrm>
-              <a:off x="888096" y="1000203"/>
-              <a:ext cx="72000" cy="72000"/>
-            </a:xfrm>
-            <a:prstGeom prst="ellipse">
-              <a:avLst/>
-            </a:prstGeom>
-            <a:solidFill>
-              <a:schemeClr val="tx1">
-                <a:lumMod val="65000"/>
-                <a:lumOff val="35000"/>
-              </a:schemeClr>
-            </a:solidFill>
-            <a:ln>
-              <a:noFill/>
-            </a:ln>
-          </p:spPr>
-          <p:style>
-            <a:lnRef idx="2">
-              <a:schemeClr val="accent1">
-                <a:shade val="50000"/>
-              </a:schemeClr>
-            </a:lnRef>
-            <a:fillRef idx="1">
-              <a:schemeClr val="accent1"/>
-            </a:fillRef>
-            <a:effectRef idx="0">
-              <a:schemeClr val="accent1"/>
-            </a:effectRef>
-            <a:fontRef idx="minor">
-              <a:schemeClr val="lt1"/>
-            </a:fontRef>
-          </p:style>
-          <p:txBody>
-            <a:bodyPr rot="0" spcFirstLastPara="0" vertOverflow="overflow" horzOverflow="overflow" vert="horz" wrap="square" lIns="91440" tIns="45720" rIns="91440" bIns="45720" numCol="1" spcCol="0" rtlCol="0" fromWordArt="0" anchor="ctr" anchorCtr="0" forceAA="0" compatLnSpc="1">
-              <a:noAutofit/>
-            </a:bodyPr>
-            <a:lstStyle/>
-            <a:p>
-              <a:pPr algn="ctr"/>
-              <a:endParaRPr lang="zh-CN" altLang="en-US"/>
-            </a:p>
-          </p:txBody>
-        </p:sp>
-        <p:sp>
-          <p:nvSpPr>
-            <p:cNvPr id="18" name="椭圆 17"/>
-            <p:cNvSpPr/>
-            <p:nvPr/>
-          </p:nvSpPr>
-          <p:spPr>
-            <a:xfrm>
-              <a:off x="888096" y="1872269"/>
-              <a:ext cx="72000" cy="72000"/>
-            </a:xfrm>
-            <a:prstGeom prst="ellipse">
-              <a:avLst/>
-            </a:prstGeom>
-            <a:solidFill>
-              <a:schemeClr val="tx1">
-                <a:lumMod val="65000"/>
-                <a:lumOff val="35000"/>
-              </a:schemeClr>
-            </a:solidFill>
-            <a:ln>
-              <a:noFill/>
-            </a:ln>
-          </p:spPr>
-          <p:style>
-            <a:lnRef idx="2">
-              <a:schemeClr val="accent1">
-                <a:shade val="50000"/>
-              </a:schemeClr>
-            </a:lnRef>
-            <a:fillRef idx="1">
-              <a:schemeClr val="accent1"/>
-            </a:fillRef>
-            <a:effectRef idx="0">
-              <a:schemeClr val="accent1"/>
-            </a:effectRef>
-            <a:fontRef idx="minor">
-              <a:schemeClr val="lt1"/>
-            </a:fontRef>
-          </p:style>
-          <p:txBody>
-            <a:bodyPr rot="0" spcFirstLastPara="0" vertOverflow="overflow" horzOverflow="overflow" vert="horz" wrap="square" lIns="91440" tIns="45720" rIns="91440" bIns="45720" numCol="1" spcCol="0" rtlCol="0" fromWordArt="0" anchor="ctr" anchorCtr="0" forceAA="0" compatLnSpc="1">
-              <a:noAutofit/>
-            </a:bodyPr>
-            <a:lstStyle/>
-            <a:p>
-              <a:pPr algn="ctr"/>
-              <a:endParaRPr lang="zh-CN" altLang="en-US"/>
-            </a:p>
-          </p:txBody>
-        </p:sp>
-        <p:sp>
-          <p:nvSpPr>
-            <p:cNvPr id="19" name="椭圆 18"/>
-            <p:cNvSpPr/>
-            <p:nvPr/>
-          </p:nvSpPr>
-          <p:spPr>
-            <a:xfrm>
-              <a:off x="5075921" y="1872269"/>
-              <a:ext cx="72000" cy="72000"/>
-            </a:xfrm>
-            <a:prstGeom prst="ellipse">
-              <a:avLst/>
-            </a:prstGeom>
-            <a:solidFill>
-              <a:schemeClr val="tx1">
-                <a:lumMod val="65000"/>
-                <a:lumOff val="35000"/>
-              </a:schemeClr>
-            </a:solidFill>
-            <a:ln>
-              <a:noFill/>
-            </a:ln>
-          </p:spPr>
-          <p:style>
-            <a:lnRef idx="2">
-              <a:schemeClr val="accent1">
-                <a:shade val="50000"/>
-              </a:schemeClr>
-            </a:lnRef>
-            <a:fillRef idx="1">
-              <a:schemeClr val="accent1"/>
-            </a:fillRef>
-            <a:effectRef idx="0">
-              <a:schemeClr val="accent1"/>
-            </a:effectRef>
-            <a:fontRef idx="minor">
-              <a:schemeClr val="lt1"/>
-            </a:fontRef>
-          </p:style>
-          <p:txBody>
-            <a:bodyPr rot="0" spcFirstLastPara="0" vertOverflow="overflow" horzOverflow="overflow" vert="horz" wrap="square" lIns="91440" tIns="45720" rIns="91440" bIns="45720" numCol="1" spcCol="0" rtlCol="0" fromWordArt="0" anchor="ctr" anchorCtr="0" forceAA="0" compatLnSpc="1">
-              <a:noAutofit/>
-            </a:bodyPr>
-            <a:lstStyle/>
-            <a:p>
-              <a:pPr algn="ctr"/>
-              <a:endParaRPr lang="zh-CN" altLang="en-US"/>
-            </a:p>
-          </p:txBody>
-        </p:sp>
-        <p:sp>
-          <p:nvSpPr>
-            <p:cNvPr id="20" name="椭圆 19"/>
-            <p:cNvSpPr/>
-            <p:nvPr/>
-          </p:nvSpPr>
-          <p:spPr>
-            <a:xfrm>
-              <a:off x="5074692" y="1009634"/>
-              <a:ext cx="72000" cy="72000"/>
-            </a:xfrm>
-            <a:prstGeom prst="ellipse">
-              <a:avLst/>
-            </a:prstGeom>
-            <a:solidFill>
-              <a:schemeClr val="tx1">
-                <a:lumMod val="65000"/>
-                <a:lumOff val="35000"/>
-              </a:schemeClr>
-            </a:solidFill>
-            <a:ln>
-              <a:noFill/>
-            </a:ln>
-          </p:spPr>
-          <p:style>
-            <a:lnRef idx="2">
-              <a:schemeClr val="accent1">
-                <a:shade val="50000"/>
-              </a:schemeClr>
-            </a:lnRef>
-            <a:fillRef idx="1">
-              <a:schemeClr val="accent1"/>
-            </a:fillRef>
-            <a:effectRef idx="0">
-              <a:schemeClr val="accent1"/>
-            </a:effectRef>
-            <a:fontRef idx="minor">
-              <a:schemeClr val="lt1"/>
-            </a:fontRef>
-          </p:style>
-          <p:txBody>
-            <a:bodyPr rot="0" spcFirstLastPara="0" vertOverflow="overflow" horzOverflow="overflow" vert="horz" wrap="square" lIns="91440" tIns="45720" rIns="91440" bIns="45720" numCol="1" spcCol="0" rtlCol="0" fromWordArt="0" anchor="ctr" anchorCtr="0" forceAA="0" compatLnSpc="1">
-              <a:noAutofit/>
-            </a:bodyPr>
-            <a:lstStyle/>
-            <a:p>
-              <a:pPr algn="ctr"/>
-              <a:endParaRPr lang="zh-CN" altLang="en-US"/>
-            </a:p>
-          </p:txBody>
-        </p:sp>
-      </p:grpSp>
-      <p:sp>
-        <p:nvSpPr>
-          <p:cNvPr id="21" name="矩形 20"/>
-          <p:cNvSpPr/>
-          <p:nvPr/>
-        </p:nvSpPr>
-        <p:spPr>
-          <a:xfrm>
-            <a:off x="1219501" y="3912646"/>
-            <a:ext cx="2031325" cy="369332"/>
-          </a:xfrm>
-          <a:prstGeom prst="rect">
-            <a:avLst/>
-          </a:prstGeom>
-        </p:spPr>
-        <p:txBody>
-          <a:bodyPr wrap="none">
-            <a:spAutoFit/>
-          </a:bodyPr>
-          <a:lstStyle/>
-          <a:p>
-            <a:r>
-              <a:rPr lang="zh-CN" altLang="en-US" dirty="0"/>
-              <a:t>点击此处添加标题</a:t>
-            </a:r>
-          </a:p>
-        </p:txBody>
-      </p:sp>
-      <p:sp>
-        <p:nvSpPr>
-          <p:cNvPr id="22" name="矩形 21"/>
-          <p:cNvSpPr/>
-          <p:nvPr/>
-        </p:nvSpPr>
-        <p:spPr>
-          <a:xfrm>
-            <a:off x="1137421" y="4389354"/>
-            <a:ext cx="2945629" cy="1052596"/>
-          </a:xfrm>
-          <a:prstGeom prst="rect">
-            <a:avLst/>
-          </a:prstGeom>
-        </p:spPr>
-        <p:txBody>
-          <a:bodyPr wrap="square">
-            <a:spAutoFit/>
-          </a:bodyPr>
-          <a:lstStyle/>
-          <a:p>
-            <a:pPr>
-              <a:lnSpc>
-                <a:spcPct val="130000"/>
-              </a:lnSpc>
-            </a:pPr>
-            <a:r>
-              <a:rPr lang="zh-CN" altLang="en-US" sz="1200" dirty="0">
-                <a:solidFill>
-                  <a:schemeClr val="bg1">
-                    <a:lumMod val="50000"/>
-                  </a:schemeClr>
-                </a:solidFill>
-                <a:latin typeface="微软雅黑" panose="020B0503020204020204" charset="-122"/>
-                <a:ea typeface="微软雅黑" panose="020B0503020204020204" charset="-122"/>
-              </a:rPr>
-              <a:t>标题数字等都可以通过点击和重新输入进行更改，顶部“开始”面板中可以对字体、字号、颜色、行距等进行修改。建议正文</a:t>
-            </a:r>
-            <a:r>
-              <a:rPr lang="en-US" altLang="zh-CN" sz="1200" dirty="0">
-                <a:solidFill>
-                  <a:schemeClr val="bg1">
-                    <a:lumMod val="50000"/>
-                  </a:schemeClr>
-                </a:solidFill>
-                <a:latin typeface="微软雅黑" panose="020B0503020204020204" charset="-122"/>
-                <a:ea typeface="微软雅黑" panose="020B0503020204020204" charset="-122"/>
-              </a:rPr>
-              <a:t>8-14</a:t>
-            </a:r>
-            <a:r>
-              <a:rPr lang="zh-CN" altLang="en-US" sz="1200" dirty="0">
-                <a:solidFill>
-                  <a:schemeClr val="bg1">
-                    <a:lumMod val="50000"/>
-                  </a:schemeClr>
-                </a:solidFill>
-                <a:latin typeface="微软雅黑" panose="020B0503020204020204" charset="-122"/>
-                <a:ea typeface="微软雅黑" panose="020B0503020204020204" charset="-122"/>
-              </a:rPr>
-              <a:t>号字，</a:t>
-            </a:r>
-            <a:r>
-              <a:rPr lang="en-US" altLang="zh-CN" sz="1200" dirty="0">
-                <a:solidFill>
-                  <a:schemeClr val="bg1">
-                    <a:lumMod val="50000"/>
-                  </a:schemeClr>
-                </a:solidFill>
-                <a:latin typeface="微软雅黑" panose="020B0503020204020204" charset="-122"/>
-                <a:ea typeface="微软雅黑" panose="020B0503020204020204" charset="-122"/>
-              </a:rPr>
-              <a:t>1.3</a:t>
-            </a:r>
-            <a:r>
-              <a:rPr lang="zh-CN" altLang="en-US" sz="1200" dirty="0">
-                <a:solidFill>
-                  <a:schemeClr val="bg1">
-                    <a:lumMod val="50000"/>
-                  </a:schemeClr>
-                </a:solidFill>
-                <a:latin typeface="微软雅黑" panose="020B0503020204020204" charset="-122"/>
-                <a:ea typeface="微软雅黑" panose="020B0503020204020204" charset="-122"/>
-              </a:rPr>
-              <a:t>倍字间距。</a:t>
-            </a:r>
-          </a:p>
-        </p:txBody>
-      </p:sp>
-      <p:grpSp>
-        <p:nvGrpSpPr>
-          <p:cNvPr id="23" name="组合 22"/>
-          <p:cNvGrpSpPr/>
-          <p:nvPr/>
-        </p:nvGrpSpPr>
-        <p:grpSpPr>
-          <a:xfrm>
-            <a:off x="9036927" y="1487746"/>
-            <a:ext cx="2300757" cy="509896"/>
-            <a:chOff x="888096" y="1000203"/>
-            <a:chExt cx="4259825" cy="944066"/>
-          </a:xfrm>
-        </p:grpSpPr>
-        <p:sp>
-          <p:nvSpPr>
-            <p:cNvPr id="24" name="矩形 23"/>
-            <p:cNvSpPr/>
-            <p:nvPr/>
-          </p:nvSpPr>
-          <p:spPr>
-            <a:xfrm>
-              <a:off x="911225" y="1045634"/>
-              <a:ext cx="4199467" cy="872066"/>
-            </a:xfrm>
-            <a:prstGeom prst="rect">
-              <a:avLst/>
-            </a:prstGeom>
-            <a:noFill/>
-            <a:ln>
-              <a:solidFill>
-                <a:schemeClr val="bg1">
-                  <a:lumMod val="75000"/>
-                </a:schemeClr>
-              </a:solidFill>
-            </a:ln>
-          </p:spPr>
-          <p:style>
-            <a:lnRef idx="2">
-              <a:schemeClr val="accent1">
-                <a:shade val="50000"/>
-              </a:schemeClr>
-            </a:lnRef>
-            <a:fillRef idx="1">
-              <a:schemeClr val="accent1"/>
-            </a:fillRef>
-            <a:effectRef idx="0">
-              <a:schemeClr val="accent1"/>
-            </a:effectRef>
-            <a:fontRef idx="minor">
-              <a:schemeClr val="lt1"/>
-            </a:fontRef>
-          </p:style>
-          <p:txBody>
-            <a:bodyPr rot="0" spcFirstLastPara="0" vertOverflow="overflow" horzOverflow="overflow" vert="horz" wrap="square" lIns="91440" tIns="45720" rIns="91440" bIns="45720" numCol="1" spcCol="0" rtlCol="0" fromWordArt="0" anchor="ctr" anchorCtr="0" forceAA="0" compatLnSpc="1">
-              <a:noAutofit/>
-            </a:bodyPr>
-            <a:lstStyle/>
-            <a:p>
-              <a:pPr algn="ctr"/>
-              <a:endParaRPr lang="zh-CN" altLang="en-US"/>
-            </a:p>
-          </p:txBody>
-        </p:sp>
-        <p:sp>
-          <p:nvSpPr>
-            <p:cNvPr id="25" name="椭圆 24"/>
-            <p:cNvSpPr/>
-            <p:nvPr/>
-          </p:nvSpPr>
-          <p:spPr>
-            <a:xfrm>
-              <a:off x="888096" y="1000203"/>
-              <a:ext cx="72000" cy="72000"/>
-            </a:xfrm>
-            <a:prstGeom prst="ellipse">
-              <a:avLst/>
-            </a:prstGeom>
-            <a:solidFill>
-              <a:schemeClr val="tx1">
-                <a:lumMod val="65000"/>
-                <a:lumOff val="35000"/>
-              </a:schemeClr>
-            </a:solidFill>
-            <a:ln>
-              <a:noFill/>
-            </a:ln>
-          </p:spPr>
-          <p:style>
-            <a:lnRef idx="2">
-              <a:schemeClr val="accent1">
-                <a:shade val="50000"/>
-              </a:schemeClr>
-            </a:lnRef>
-            <a:fillRef idx="1">
-              <a:schemeClr val="accent1"/>
-            </a:fillRef>
-            <a:effectRef idx="0">
-              <a:schemeClr val="accent1"/>
-            </a:effectRef>
-            <a:fontRef idx="minor">
-              <a:schemeClr val="lt1"/>
-            </a:fontRef>
-          </p:style>
-          <p:txBody>
-            <a:bodyPr rot="0" spcFirstLastPara="0" vertOverflow="overflow" horzOverflow="overflow" vert="horz" wrap="square" lIns="91440" tIns="45720" rIns="91440" bIns="45720" numCol="1" spcCol="0" rtlCol="0" fromWordArt="0" anchor="ctr" anchorCtr="0" forceAA="0" compatLnSpc="1">
-              <a:noAutofit/>
-            </a:bodyPr>
-            <a:lstStyle/>
-            <a:p>
-              <a:pPr algn="ctr"/>
-              <a:endParaRPr lang="zh-CN" altLang="en-US"/>
-            </a:p>
-          </p:txBody>
-        </p:sp>
-        <p:sp>
-          <p:nvSpPr>
-            <p:cNvPr id="26" name="椭圆 25"/>
-            <p:cNvSpPr/>
-            <p:nvPr/>
-          </p:nvSpPr>
-          <p:spPr>
-            <a:xfrm>
-              <a:off x="888096" y="1872269"/>
-              <a:ext cx="72000" cy="72000"/>
-            </a:xfrm>
-            <a:prstGeom prst="ellipse">
-              <a:avLst/>
-            </a:prstGeom>
-            <a:solidFill>
-              <a:schemeClr val="tx1">
-                <a:lumMod val="65000"/>
-                <a:lumOff val="35000"/>
-              </a:schemeClr>
-            </a:solidFill>
-            <a:ln>
-              <a:noFill/>
-            </a:ln>
-          </p:spPr>
-          <p:style>
-            <a:lnRef idx="2">
-              <a:schemeClr val="accent1">
-                <a:shade val="50000"/>
-              </a:schemeClr>
-            </a:lnRef>
-            <a:fillRef idx="1">
-              <a:schemeClr val="accent1"/>
-            </a:fillRef>
-            <a:effectRef idx="0">
-              <a:schemeClr val="accent1"/>
-            </a:effectRef>
-            <a:fontRef idx="minor">
-              <a:schemeClr val="lt1"/>
-            </a:fontRef>
-          </p:style>
-          <p:txBody>
-            <a:bodyPr rot="0" spcFirstLastPara="0" vertOverflow="overflow" horzOverflow="overflow" vert="horz" wrap="square" lIns="91440" tIns="45720" rIns="91440" bIns="45720" numCol="1" spcCol="0" rtlCol="0" fromWordArt="0" anchor="ctr" anchorCtr="0" forceAA="0" compatLnSpc="1">
-              <a:noAutofit/>
-            </a:bodyPr>
-            <a:lstStyle/>
-            <a:p>
-              <a:pPr algn="ctr"/>
-              <a:endParaRPr lang="zh-CN" altLang="en-US"/>
-            </a:p>
-          </p:txBody>
-        </p:sp>
-        <p:sp>
-          <p:nvSpPr>
-            <p:cNvPr id="27" name="椭圆 26"/>
-            <p:cNvSpPr/>
-            <p:nvPr/>
-          </p:nvSpPr>
-          <p:spPr>
-            <a:xfrm>
-              <a:off x="5075921" y="1872269"/>
-              <a:ext cx="72000" cy="72000"/>
-            </a:xfrm>
-            <a:prstGeom prst="ellipse">
-              <a:avLst/>
-            </a:prstGeom>
-            <a:solidFill>
-              <a:schemeClr val="tx1">
-                <a:lumMod val="65000"/>
-                <a:lumOff val="35000"/>
-              </a:schemeClr>
-            </a:solidFill>
-            <a:ln>
-              <a:noFill/>
-            </a:ln>
-          </p:spPr>
-          <p:style>
-            <a:lnRef idx="2">
-              <a:schemeClr val="accent1">
-                <a:shade val="50000"/>
-              </a:schemeClr>
-            </a:lnRef>
-            <a:fillRef idx="1">
-              <a:schemeClr val="accent1"/>
-            </a:fillRef>
-            <a:effectRef idx="0">
-              <a:schemeClr val="accent1"/>
-            </a:effectRef>
-            <a:fontRef idx="minor">
-              <a:schemeClr val="lt1"/>
-            </a:fontRef>
-          </p:style>
-          <p:txBody>
-            <a:bodyPr rot="0" spcFirstLastPara="0" vertOverflow="overflow" horzOverflow="overflow" vert="horz" wrap="square" lIns="91440" tIns="45720" rIns="91440" bIns="45720" numCol="1" spcCol="0" rtlCol="0" fromWordArt="0" anchor="ctr" anchorCtr="0" forceAA="0" compatLnSpc="1">
-              <a:noAutofit/>
-            </a:bodyPr>
-            <a:lstStyle/>
-            <a:p>
-              <a:pPr algn="ctr"/>
-              <a:endParaRPr lang="zh-CN" altLang="en-US"/>
-            </a:p>
-          </p:txBody>
-        </p:sp>
-        <p:sp>
-          <p:nvSpPr>
-            <p:cNvPr id="28" name="椭圆 27"/>
-            <p:cNvSpPr/>
-            <p:nvPr/>
-          </p:nvSpPr>
-          <p:spPr>
-            <a:xfrm>
-              <a:off x="5074692" y="1009634"/>
-              <a:ext cx="72000" cy="72000"/>
-            </a:xfrm>
-            <a:prstGeom prst="ellipse">
-              <a:avLst/>
-            </a:prstGeom>
-            <a:solidFill>
-              <a:schemeClr val="tx1">
-                <a:lumMod val="65000"/>
-                <a:lumOff val="35000"/>
-              </a:schemeClr>
-            </a:solidFill>
-            <a:ln>
-              <a:noFill/>
-            </a:ln>
-          </p:spPr>
-          <p:style>
-            <a:lnRef idx="2">
-              <a:schemeClr val="accent1">
-                <a:shade val="50000"/>
-              </a:schemeClr>
-            </a:lnRef>
-            <a:fillRef idx="1">
-              <a:schemeClr val="accent1"/>
-            </a:fillRef>
-            <a:effectRef idx="0">
-              <a:schemeClr val="accent1"/>
-            </a:effectRef>
-            <a:fontRef idx="minor">
-              <a:schemeClr val="lt1"/>
-            </a:fontRef>
-          </p:style>
-          <p:txBody>
-            <a:bodyPr rot="0" spcFirstLastPara="0" vertOverflow="overflow" horzOverflow="overflow" vert="horz" wrap="square" lIns="91440" tIns="45720" rIns="91440" bIns="45720" numCol="1" spcCol="0" rtlCol="0" fromWordArt="0" anchor="ctr" anchorCtr="0" forceAA="0" compatLnSpc="1">
-              <a:noAutofit/>
-            </a:bodyPr>
-            <a:lstStyle/>
-            <a:p>
-              <a:pPr algn="ctr"/>
-              <a:endParaRPr lang="zh-CN" altLang="en-US"/>
-            </a:p>
-          </p:txBody>
-        </p:sp>
-      </p:grpSp>
-      <p:sp>
-        <p:nvSpPr>
-          <p:cNvPr id="29" name="矩形 28"/>
-          <p:cNvSpPr/>
-          <p:nvPr/>
-        </p:nvSpPr>
-        <p:spPr>
-          <a:xfrm>
-            <a:off x="9167834" y="1563122"/>
-            <a:ext cx="2031325" cy="369332"/>
-          </a:xfrm>
-          <a:prstGeom prst="rect">
-            <a:avLst/>
-          </a:prstGeom>
-        </p:spPr>
-        <p:txBody>
-          <a:bodyPr wrap="none">
-            <a:spAutoFit/>
-          </a:bodyPr>
-          <a:lstStyle/>
-          <a:p>
-            <a:r>
-              <a:rPr lang="zh-CN" altLang="en-US" dirty="0"/>
-              <a:t>点击此处添加标题</a:t>
-            </a:r>
-          </a:p>
-        </p:txBody>
-      </p:sp>
-      <p:sp>
-        <p:nvSpPr>
-          <p:cNvPr id="30" name="矩形 29"/>
-          <p:cNvSpPr/>
-          <p:nvPr/>
-        </p:nvSpPr>
-        <p:spPr>
-          <a:xfrm>
-            <a:off x="8392055" y="2039830"/>
-            <a:ext cx="2945629" cy="1052596"/>
-          </a:xfrm>
-          <a:prstGeom prst="rect">
-            <a:avLst/>
-          </a:prstGeom>
-        </p:spPr>
-        <p:txBody>
-          <a:bodyPr wrap="square">
-            <a:spAutoFit/>
-          </a:bodyPr>
-          <a:lstStyle/>
-          <a:p>
-            <a:pPr algn="r">
-              <a:lnSpc>
-                <a:spcPct val="130000"/>
-              </a:lnSpc>
-            </a:pPr>
-            <a:r>
-              <a:rPr lang="zh-CN" altLang="en-US" sz="1200" dirty="0">
-                <a:solidFill>
-                  <a:schemeClr val="bg1">
-                    <a:lumMod val="50000"/>
-                  </a:schemeClr>
-                </a:solidFill>
-                <a:latin typeface="微软雅黑" panose="020B0503020204020204" charset="-122"/>
-                <a:ea typeface="微软雅黑" panose="020B0503020204020204" charset="-122"/>
-              </a:rPr>
-              <a:t>标题数字等都可以通过点击和重新输入进行更改，顶部“开始”面板中可以对字体、字号、颜色、行距等进行修改。建议正文</a:t>
-            </a:r>
-            <a:r>
-              <a:rPr lang="en-US" altLang="zh-CN" sz="1200" dirty="0">
-                <a:solidFill>
-                  <a:schemeClr val="bg1">
-                    <a:lumMod val="50000"/>
-                  </a:schemeClr>
-                </a:solidFill>
-                <a:latin typeface="微软雅黑" panose="020B0503020204020204" charset="-122"/>
-                <a:ea typeface="微软雅黑" panose="020B0503020204020204" charset="-122"/>
-              </a:rPr>
-              <a:t>8-14</a:t>
-            </a:r>
-            <a:r>
-              <a:rPr lang="zh-CN" altLang="en-US" sz="1200" dirty="0">
-                <a:solidFill>
-                  <a:schemeClr val="bg1">
-                    <a:lumMod val="50000"/>
-                  </a:schemeClr>
-                </a:solidFill>
-                <a:latin typeface="微软雅黑" panose="020B0503020204020204" charset="-122"/>
-                <a:ea typeface="微软雅黑" panose="020B0503020204020204" charset="-122"/>
-              </a:rPr>
-              <a:t>号字，</a:t>
-            </a:r>
-            <a:r>
-              <a:rPr lang="en-US" altLang="zh-CN" sz="1200" dirty="0">
-                <a:solidFill>
-                  <a:schemeClr val="bg1">
-                    <a:lumMod val="50000"/>
-                  </a:schemeClr>
-                </a:solidFill>
-                <a:latin typeface="微软雅黑" panose="020B0503020204020204" charset="-122"/>
-                <a:ea typeface="微软雅黑" panose="020B0503020204020204" charset="-122"/>
-              </a:rPr>
-              <a:t>1.3</a:t>
-            </a:r>
-            <a:r>
-              <a:rPr lang="zh-CN" altLang="en-US" sz="1200" dirty="0">
-                <a:solidFill>
-                  <a:schemeClr val="bg1">
-                    <a:lumMod val="50000"/>
-                  </a:schemeClr>
-                </a:solidFill>
-                <a:latin typeface="微软雅黑" panose="020B0503020204020204" charset="-122"/>
-                <a:ea typeface="微软雅黑" panose="020B0503020204020204" charset="-122"/>
-              </a:rPr>
-              <a:t>倍字间距。</a:t>
-            </a:r>
-          </a:p>
-        </p:txBody>
-      </p:sp>
-      <p:grpSp>
-        <p:nvGrpSpPr>
-          <p:cNvPr id="31" name="组合 30"/>
-          <p:cNvGrpSpPr/>
-          <p:nvPr/>
-        </p:nvGrpSpPr>
-        <p:grpSpPr>
-          <a:xfrm>
-            <a:off x="8997376" y="3837270"/>
-            <a:ext cx="2300757" cy="509896"/>
-            <a:chOff x="888096" y="1000203"/>
-            <a:chExt cx="4259825" cy="944066"/>
-          </a:xfrm>
-        </p:grpSpPr>
-        <p:sp>
-          <p:nvSpPr>
-            <p:cNvPr id="32" name="矩形 31"/>
-            <p:cNvSpPr/>
-            <p:nvPr/>
-          </p:nvSpPr>
-          <p:spPr>
-            <a:xfrm>
-              <a:off x="911225" y="1045634"/>
-              <a:ext cx="4199467" cy="872066"/>
-            </a:xfrm>
-            <a:prstGeom prst="rect">
-              <a:avLst/>
-            </a:prstGeom>
-            <a:noFill/>
-            <a:ln>
-              <a:solidFill>
-                <a:schemeClr val="bg1">
-                  <a:lumMod val="75000"/>
-                </a:schemeClr>
-              </a:solidFill>
-            </a:ln>
-          </p:spPr>
-          <p:style>
-            <a:lnRef idx="2">
-              <a:schemeClr val="accent1">
-                <a:shade val="50000"/>
-              </a:schemeClr>
-            </a:lnRef>
-            <a:fillRef idx="1">
-              <a:schemeClr val="accent1"/>
-            </a:fillRef>
-            <a:effectRef idx="0">
-              <a:schemeClr val="accent1"/>
-            </a:effectRef>
-            <a:fontRef idx="minor">
-              <a:schemeClr val="lt1"/>
-            </a:fontRef>
-          </p:style>
-          <p:txBody>
-            <a:bodyPr rot="0" spcFirstLastPara="0" vertOverflow="overflow" horzOverflow="overflow" vert="horz" wrap="square" lIns="91440" tIns="45720" rIns="91440" bIns="45720" numCol="1" spcCol="0" rtlCol="0" fromWordArt="0" anchor="ctr" anchorCtr="0" forceAA="0" compatLnSpc="1">
-              <a:noAutofit/>
-            </a:bodyPr>
-            <a:lstStyle/>
-            <a:p>
-              <a:pPr algn="ctr"/>
-              <a:endParaRPr lang="zh-CN" altLang="en-US"/>
-            </a:p>
-          </p:txBody>
-        </p:sp>
-        <p:sp>
-          <p:nvSpPr>
-            <p:cNvPr id="33" name="椭圆 32"/>
-            <p:cNvSpPr/>
-            <p:nvPr/>
-          </p:nvSpPr>
-          <p:spPr>
-            <a:xfrm>
-              <a:off x="888096" y="1000203"/>
-              <a:ext cx="72000" cy="72000"/>
-            </a:xfrm>
-            <a:prstGeom prst="ellipse">
-              <a:avLst/>
-            </a:prstGeom>
-            <a:solidFill>
-              <a:schemeClr val="tx1">
-                <a:lumMod val="65000"/>
-                <a:lumOff val="35000"/>
-              </a:schemeClr>
-            </a:solidFill>
-            <a:ln>
-              <a:noFill/>
-            </a:ln>
-          </p:spPr>
-          <p:style>
-            <a:lnRef idx="2">
-              <a:schemeClr val="accent1">
-                <a:shade val="50000"/>
-              </a:schemeClr>
-            </a:lnRef>
-            <a:fillRef idx="1">
-              <a:schemeClr val="accent1"/>
-            </a:fillRef>
-            <a:effectRef idx="0">
-              <a:schemeClr val="accent1"/>
-            </a:effectRef>
-            <a:fontRef idx="minor">
-              <a:schemeClr val="lt1"/>
-            </a:fontRef>
-          </p:style>
-          <p:txBody>
-            <a:bodyPr rot="0" spcFirstLastPara="0" vertOverflow="overflow" horzOverflow="overflow" vert="horz" wrap="square" lIns="91440" tIns="45720" rIns="91440" bIns="45720" numCol="1" spcCol="0" rtlCol="0" fromWordArt="0" anchor="ctr" anchorCtr="0" forceAA="0" compatLnSpc="1">
-              <a:noAutofit/>
-            </a:bodyPr>
-            <a:lstStyle/>
-            <a:p>
-              <a:pPr algn="ctr"/>
-              <a:endParaRPr lang="zh-CN" altLang="en-US"/>
-            </a:p>
-          </p:txBody>
-        </p:sp>
-        <p:sp>
-          <p:nvSpPr>
-            <p:cNvPr id="34" name="椭圆 33"/>
-            <p:cNvSpPr/>
-            <p:nvPr/>
-          </p:nvSpPr>
-          <p:spPr>
-            <a:xfrm>
-              <a:off x="888096" y="1872269"/>
-              <a:ext cx="72000" cy="72000"/>
-            </a:xfrm>
-            <a:prstGeom prst="ellipse">
-              <a:avLst/>
-            </a:prstGeom>
-            <a:solidFill>
-              <a:schemeClr val="tx1">
-                <a:lumMod val="65000"/>
-                <a:lumOff val="35000"/>
-              </a:schemeClr>
-            </a:solidFill>
-            <a:ln>
-              <a:noFill/>
-            </a:ln>
-          </p:spPr>
-          <p:style>
-            <a:lnRef idx="2">
-              <a:schemeClr val="accent1">
-                <a:shade val="50000"/>
-              </a:schemeClr>
-            </a:lnRef>
-            <a:fillRef idx="1">
-              <a:schemeClr val="accent1"/>
-            </a:fillRef>
-            <a:effectRef idx="0">
-              <a:schemeClr val="accent1"/>
-            </a:effectRef>
-            <a:fontRef idx="minor">
-              <a:schemeClr val="lt1"/>
-            </a:fontRef>
-          </p:style>
-          <p:txBody>
-            <a:bodyPr rot="0" spcFirstLastPara="0" vertOverflow="overflow" horzOverflow="overflow" vert="horz" wrap="square" lIns="91440" tIns="45720" rIns="91440" bIns="45720" numCol="1" spcCol="0" rtlCol="0" fromWordArt="0" anchor="ctr" anchorCtr="0" forceAA="0" compatLnSpc="1">
-              <a:noAutofit/>
-            </a:bodyPr>
-            <a:lstStyle/>
-            <a:p>
-              <a:pPr algn="ctr"/>
-              <a:endParaRPr lang="zh-CN" altLang="en-US"/>
-            </a:p>
-          </p:txBody>
-        </p:sp>
-        <p:sp>
-          <p:nvSpPr>
-            <p:cNvPr id="35" name="椭圆 34"/>
-            <p:cNvSpPr/>
-            <p:nvPr/>
-          </p:nvSpPr>
-          <p:spPr>
-            <a:xfrm>
-              <a:off x="5075921" y="1872269"/>
-              <a:ext cx="72000" cy="72000"/>
-            </a:xfrm>
-            <a:prstGeom prst="ellipse">
-              <a:avLst/>
-            </a:prstGeom>
-            <a:solidFill>
-              <a:schemeClr val="tx1">
-                <a:lumMod val="65000"/>
-                <a:lumOff val="35000"/>
-              </a:schemeClr>
-            </a:solidFill>
-            <a:ln>
-              <a:noFill/>
-            </a:ln>
-          </p:spPr>
-          <p:style>
-            <a:lnRef idx="2">
-              <a:schemeClr val="accent1">
-                <a:shade val="50000"/>
-              </a:schemeClr>
-            </a:lnRef>
-            <a:fillRef idx="1">
-              <a:schemeClr val="accent1"/>
-            </a:fillRef>
-            <a:effectRef idx="0">
-              <a:schemeClr val="accent1"/>
-            </a:effectRef>
-            <a:fontRef idx="minor">
-              <a:schemeClr val="lt1"/>
-            </a:fontRef>
-          </p:style>
-          <p:txBody>
-            <a:bodyPr rot="0" spcFirstLastPara="0" vertOverflow="overflow" horzOverflow="overflow" vert="horz" wrap="square" lIns="91440" tIns="45720" rIns="91440" bIns="45720" numCol="1" spcCol="0" rtlCol="0" fromWordArt="0" anchor="ctr" anchorCtr="0" forceAA="0" compatLnSpc="1">
-              <a:noAutofit/>
-            </a:bodyPr>
-            <a:lstStyle/>
-            <a:p>
-              <a:pPr algn="ctr"/>
-              <a:endParaRPr lang="zh-CN" altLang="en-US"/>
-            </a:p>
-          </p:txBody>
-        </p:sp>
-        <p:sp>
-          <p:nvSpPr>
-            <p:cNvPr id="36" name="椭圆 35"/>
-            <p:cNvSpPr/>
-            <p:nvPr/>
-          </p:nvSpPr>
-          <p:spPr>
-            <a:xfrm>
-              <a:off x="5074692" y="1009634"/>
-              <a:ext cx="72000" cy="72000"/>
-            </a:xfrm>
-            <a:prstGeom prst="ellipse">
-              <a:avLst/>
-            </a:prstGeom>
-            <a:solidFill>
-              <a:schemeClr val="tx1">
-                <a:lumMod val="65000"/>
-                <a:lumOff val="35000"/>
-              </a:schemeClr>
-            </a:solidFill>
-            <a:ln>
-              <a:noFill/>
-            </a:ln>
-          </p:spPr>
-          <p:style>
-            <a:lnRef idx="2">
-              <a:schemeClr val="accent1">
-                <a:shade val="50000"/>
-              </a:schemeClr>
-            </a:lnRef>
-            <a:fillRef idx="1">
-              <a:schemeClr val="accent1"/>
-            </a:fillRef>
-            <a:effectRef idx="0">
-              <a:schemeClr val="accent1"/>
-            </a:effectRef>
-            <a:fontRef idx="minor">
-              <a:schemeClr val="lt1"/>
-            </a:fontRef>
-          </p:style>
-          <p:txBody>
-            <a:bodyPr rot="0" spcFirstLastPara="0" vertOverflow="overflow" horzOverflow="overflow" vert="horz" wrap="square" lIns="91440" tIns="45720" rIns="91440" bIns="45720" numCol="1" spcCol="0" rtlCol="0" fromWordArt="0" anchor="ctr" anchorCtr="0" forceAA="0" compatLnSpc="1">
-              <a:noAutofit/>
-            </a:bodyPr>
-            <a:lstStyle/>
-            <a:p>
-              <a:pPr algn="ctr"/>
-              <a:endParaRPr lang="zh-CN" altLang="en-US"/>
-            </a:p>
-          </p:txBody>
-        </p:sp>
-      </p:grpSp>
-      <p:sp>
-        <p:nvSpPr>
-          <p:cNvPr id="37" name="矩形 36"/>
-          <p:cNvSpPr/>
-          <p:nvPr/>
-        </p:nvSpPr>
-        <p:spPr>
-          <a:xfrm>
-            <a:off x="9128283" y="3912646"/>
-            <a:ext cx="2031325" cy="369332"/>
-          </a:xfrm>
-          <a:prstGeom prst="rect">
-            <a:avLst/>
-          </a:prstGeom>
-        </p:spPr>
-        <p:txBody>
-          <a:bodyPr wrap="none">
-            <a:spAutoFit/>
-          </a:bodyPr>
-          <a:lstStyle/>
-          <a:p>
-            <a:r>
-              <a:rPr lang="zh-CN" altLang="en-US" dirty="0"/>
-              <a:t>点击此处添加标题</a:t>
-            </a:r>
-          </a:p>
-        </p:txBody>
-      </p:sp>
-      <p:sp>
-        <p:nvSpPr>
-          <p:cNvPr id="38" name="矩形 37"/>
-          <p:cNvSpPr/>
-          <p:nvPr/>
-        </p:nvSpPr>
-        <p:spPr>
-          <a:xfrm>
-            <a:off x="8392055" y="4389354"/>
-            <a:ext cx="2945629" cy="1052596"/>
-          </a:xfrm>
-          <a:prstGeom prst="rect">
-            <a:avLst/>
-          </a:prstGeom>
-        </p:spPr>
-        <p:txBody>
-          <a:bodyPr wrap="square">
-            <a:spAutoFit/>
-          </a:bodyPr>
-          <a:lstStyle/>
-          <a:p>
-            <a:pPr algn="r">
-              <a:lnSpc>
-                <a:spcPct val="130000"/>
-              </a:lnSpc>
-            </a:pPr>
-            <a:r>
-              <a:rPr lang="zh-CN" altLang="en-US" sz="1200" dirty="0">
-                <a:solidFill>
-                  <a:schemeClr val="bg1">
-                    <a:lumMod val="50000"/>
-                  </a:schemeClr>
-                </a:solidFill>
-                <a:latin typeface="微软雅黑" panose="020B0503020204020204" charset="-122"/>
-                <a:ea typeface="微软雅黑" panose="020B0503020204020204" charset="-122"/>
-              </a:rPr>
-              <a:t>标题数字等都可以通过点击和重新输入进行更改，顶部“开始”面板中可以对字体、字号、颜色、行距等进行修改。建议正文</a:t>
-            </a:r>
-            <a:r>
-              <a:rPr lang="en-US" altLang="zh-CN" sz="1200" dirty="0">
-                <a:solidFill>
-                  <a:schemeClr val="bg1">
-                    <a:lumMod val="50000"/>
-                  </a:schemeClr>
-                </a:solidFill>
-                <a:latin typeface="微软雅黑" panose="020B0503020204020204" charset="-122"/>
-                <a:ea typeface="微软雅黑" panose="020B0503020204020204" charset="-122"/>
-              </a:rPr>
-              <a:t>8-14</a:t>
-            </a:r>
-            <a:r>
-              <a:rPr lang="zh-CN" altLang="en-US" sz="1200" dirty="0">
-                <a:solidFill>
-                  <a:schemeClr val="bg1">
-                    <a:lumMod val="50000"/>
-                  </a:schemeClr>
-                </a:solidFill>
-                <a:latin typeface="微软雅黑" panose="020B0503020204020204" charset="-122"/>
-                <a:ea typeface="微软雅黑" panose="020B0503020204020204" charset="-122"/>
-              </a:rPr>
-              <a:t>号字，</a:t>
-            </a:r>
-            <a:r>
-              <a:rPr lang="en-US" altLang="zh-CN" sz="1200" dirty="0">
-                <a:solidFill>
-                  <a:schemeClr val="bg1">
-                    <a:lumMod val="50000"/>
-                  </a:schemeClr>
-                </a:solidFill>
-                <a:latin typeface="微软雅黑" panose="020B0503020204020204" charset="-122"/>
-                <a:ea typeface="微软雅黑" panose="020B0503020204020204" charset="-122"/>
-              </a:rPr>
-              <a:t>1.3</a:t>
-            </a:r>
-            <a:r>
-              <a:rPr lang="zh-CN" altLang="en-US" sz="1200" dirty="0">
-                <a:solidFill>
-                  <a:schemeClr val="bg1">
-                    <a:lumMod val="50000"/>
-                  </a:schemeClr>
-                </a:solidFill>
-                <a:latin typeface="微软雅黑" panose="020B0503020204020204" charset="-122"/>
-                <a:ea typeface="微软雅黑" panose="020B0503020204020204" charset="-122"/>
-              </a:rPr>
-              <a:t>倍字间距。</a:t>
-            </a:r>
-          </a:p>
-        </p:txBody>
-      </p:sp>
-    </p:spTree>
-  </p:cSld>
-  <p:clrMapOvr>
-    <a:masterClrMapping/>
-  </p:clrMapOvr>
-  <mc:AlternateContent xmlns:mc="http://schemas.openxmlformats.org/markup-compatibility/2006" xmlns:p14="http://schemas.microsoft.com/office/powerpoint/2010/main">
-    <mc:Choice Requires="p14">
-      <p:transition p14:dur="0" advTm="2000"/>
-    </mc:Choice>
-    <mc:Fallback xmlns="">
-      <p:transition advTm="2000"/>
-    </mc:Fallback>
-  </mc:AlternateContent>
-  <p:timing>
-    <p:tnLst>
-      <p:par>
-        <p:cTn id="1" dur="indefinite" restart="never" nodeType="tmRoot"/>
-      </p:par>
-    </p:tnLst>
-  </p:timing>
-</p:sld>
-</file>
-
 <file path=ppt/slides/slide2.xml><?xml version="1.0" encoding="utf-8"?>
 <p:sld xmlns:a="http://schemas.openxmlformats.org/drawingml/2006/main" xmlns:r="http://schemas.openxmlformats.org/officeDocument/2006/relationships" xmlns:p="http://schemas.openxmlformats.org/presentationml/2006/main">
   <p:cSld>
@@ -15433,6 +14146,89 @@
 </file>
 
 <file path=ppt/slides/slide20.xml><?xml version="1.0" encoding="utf-8"?>
+<p:sld xmlns:a="http://schemas.openxmlformats.org/drawingml/2006/main" xmlns:r="http://schemas.openxmlformats.org/officeDocument/2006/relationships" xmlns:p="http://schemas.openxmlformats.org/presentationml/2006/main">
+  <p:cSld>
+    <p:spTree>
+      <p:nvGrpSpPr>
+        <p:cNvPr id="1" name=""/>
+        <p:cNvGrpSpPr/>
+        <p:nvPr/>
+      </p:nvGrpSpPr>
+      <p:grpSpPr>
+        <a:xfrm>
+          <a:off x="0" y="0"/>
+          <a:ext cx="0" cy="0"/>
+          <a:chOff x="0" y="0"/>
+          <a:chExt cx="0" cy="0"/>
+        </a:xfrm>
+      </p:grpSpPr>
+      <p:sp>
+        <p:nvSpPr>
+          <p:cNvPr id="2" name="矩形 1"/>
+          <p:cNvSpPr/>
+          <p:nvPr/>
+        </p:nvSpPr>
+        <p:spPr>
+          <a:xfrm>
+            <a:off x="0" y="60523"/>
+            <a:ext cx="1210588" cy="400110"/>
+          </a:xfrm>
+          <a:prstGeom prst="rect">
+            <a:avLst/>
+          </a:prstGeom>
+        </p:spPr>
+        <p:txBody>
+          <a:bodyPr wrap="none">
+            <a:spAutoFit/>
+          </a:bodyPr>
+          <a:lstStyle/>
+          <a:p>
+            <a:r>
+              <a:rPr lang="zh-CN" altLang="en-US" sz="2000" dirty="0" smtClean="0">
+                <a:solidFill>
+                  <a:schemeClr val="tx1">
+                    <a:lumMod val="85000"/>
+                    <a:lumOff val="15000"/>
+                  </a:schemeClr>
+                </a:solidFill>
+              </a:rPr>
+              <a:t>内容实现</a:t>
+            </a:r>
+            <a:endParaRPr lang="zh-CN" altLang="en-US" sz="2000" dirty="0">
+              <a:solidFill>
+                <a:schemeClr val="tx1">
+                  <a:lumMod val="85000"/>
+                  <a:lumOff val="15000"/>
+                </a:schemeClr>
+              </a:solidFill>
+            </a:endParaRPr>
+          </a:p>
+        </p:txBody>
+      </p:sp>
+    </p:spTree>
+  </p:cSld>
+  <p:clrMapOvr>
+    <a:masterClrMapping/>
+  </p:clrMapOvr>
+  <mc:AlternateContent xmlns:mc="http://schemas.openxmlformats.org/markup-compatibility/2006" xmlns:p14="http://schemas.microsoft.com/office/powerpoint/2010/main">
+    <mc:Choice Requires="p14">
+      <p:transition p14:dur="0" advTm="2000"/>
+    </mc:Choice>
+    <mc:Fallback xmlns="">
+      <p:transition advTm="2000"/>
+    </mc:Fallback>
+  </mc:AlternateContent>
+  <p:timing>
+    <p:tnLst>
+      <p:par>
+        <p:cTn id="1" dur="indefinite" restart="never" nodeType="tmRoot"/>
+      </p:par>
+    </p:tnLst>
+  </p:timing>
+</p:sld>
+</file>
+
+<file path=ppt/slides/slide21.xml><?xml version="1.0" encoding="utf-8"?>
 <p:sld xmlns:a="http://schemas.openxmlformats.org/drawingml/2006/main" xmlns:r="http://schemas.openxmlformats.org/officeDocument/2006/relationships" xmlns:p="http://schemas.openxmlformats.org/presentationml/2006/main">
   <p:cSld>
     <p:spTree>

--- a/答辩PPT.pptx
+++ b/答辩PPT.pptx
@@ -5,7 +5,7 @@
     <p:sldMasterId id="2147483648" r:id="rId1"/>
   </p:sldMasterIdLst>
   <p:notesMasterIdLst>
-    <p:notesMasterId r:id="rId23"/>
+    <p:notesMasterId r:id="rId21"/>
   </p:notesMasterIdLst>
   <p:sldIdLst>
     <p:sldId id="259" r:id="rId2"/>
@@ -24,16 +24,14 @@
     <p:sldId id="274" r:id="rId15"/>
     <p:sldId id="270" r:id="rId16"/>
     <p:sldId id="282" r:id="rId17"/>
-    <p:sldId id="288" r:id="rId18"/>
-    <p:sldId id="283" r:id="rId19"/>
-    <p:sldId id="285" r:id="rId20"/>
-    <p:sldId id="287" r:id="rId21"/>
-    <p:sldId id="272" r:id="rId22"/>
+    <p:sldId id="289" r:id="rId18"/>
+    <p:sldId id="288" r:id="rId19"/>
+    <p:sldId id="272" r:id="rId20"/>
   </p:sldIdLst>
   <p:sldSz cx="12192000" cy="6858000"/>
   <p:notesSz cx="6858000" cy="9144000"/>
   <p:custDataLst>
-    <p:tags r:id="rId24"/>
+    <p:tags r:id="rId22"/>
   </p:custDataLst>
   <p:defaultTextStyle>
     <a:defPPr>
@@ -1248,6 +1246,90 @@
           <a:bodyPr/>
           <a:lstStyle/>
           <a:p>
+            <a:fld id="{B43869FB-3FC2-4617-8655-B1CA3DFD2224}" type="slidenum">
+              <a:rPr lang="zh-CN" altLang="en-US" smtClean="0"/>
+              <a:t>17</a:t>
+            </a:fld>
+            <a:endParaRPr lang="zh-CN" altLang="en-US"/>
+          </a:p>
+        </p:txBody>
+      </p:sp>
+    </p:spTree>
+    <p:extLst>
+      <p:ext uri="{BB962C8B-B14F-4D97-AF65-F5344CB8AC3E}">
+        <p14:creationId xmlns:p14="http://schemas.microsoft.com/office/powerpoint/2010/main" val="1363068270"/>
+      </p:ext>
+    </p:extLst>
+  </p:cSld>
+  <p:clrMapOvr>
+    <a:masterClrMapping/>
+  </p:clrMapOvr>
+</p:notes>
+</file>
+
+<file path=ppt/notesSlides/notesSlide18.xml><?xml version="1.0" encoding="utf-8"?>
+<p:notes xmlns:a="http://schemas.openxmlformats.org/drawingml/2006/main" xmlns:r="http://schemas.openxmlformats.org/officeDocument/2006/relationships" xmlns:p="http://schemas.openxmlformats.org/presentationml/2006/main">
+  <p:cSld>
+    <p:spTree>
+      <p:nvGrpSpPr>
+        <p:cNvPr id="1" name=""/>
+        <p:cNvGrpSpPr/>
+        <p:nvPr/>
+      </p:nvGrpSpPr>
+      <p:grpSpPr>
+        <a:xfrm>
+          <a:off x="0" y="0"/>
+          <a:ext cx="0" cy="0"/>
+          <a:chOff x="0" y="0"/>
+          <a:chExt cx="0" cy="0"/>
+        </a:xfrm>
+      </p:grpSpPr>
+      <p:sp>
+        <p:nvSpPr>
+          <p:cNvPr id="2" name="幻灯片图像占位符 1"/>
+          <p:cNvSpPr>
+            <a:spLocks noGrp="1" noRot="1" noChangeAspect="1"/>
+          </p:cNvSpPr>
+          <p:nvPr>
+            <p:ph type="sldImg"/>
+          </p:nvPr>
+        </p:nvSpPr>
+        <p:spPr/>
+      </p:sp>
+      <p:sp>
+        <p:nvSpPr>
+          <p:cNvPr id="3" name="备注占位符 2"/>
+          <p:cNvSpPr>
+            <a:spLocks noGrp="1"/>
+          </p:cNvSpPr>
+          <p:nvPr>
+            <p:ph type="body" idx="1"/>
+          </p:nvPr>
+        </p:nvSpPr>
+        <p:spPr/>
+        <p:txBody>
+          <a:bodyPr/>
+          <a:lstStyle/>
+          <a:p>
+            <a:endParaRPr lang="zh-CN" altLang="en-US"/>
+          </a:p>
+        </p:txBody>
+      </p:sp>
+      <p:sp>
+        <p:nvSpPr>
+          <p:cNvPr id="4" name="灯片编号占位符 3"/>
+          <p:cNvSpPr>
+            <a:spLocks noGrp="1"/>
+          </p:cNvSpPr>
+          <p:nvPr>
+            <p:ph type="sldNum" sz="quarter" idx="10"/>
+          </p:nvPr>
+        </p:nvSpPr>
+        <p:spPr/>
+        <p:txBody>
+          <a:bodyPr/>
+          <a:lstStyle/>
+          <a:p>
             <a:pPr marL="0" marR="0" lvl="0" indent="0" algn="r" defTabSz="913765" rtl="0" eaLnBrk="1" fontAlgn="auto" latinLnBrk="0" hangingPunct="1">
               <a:lnSpc>
                 <a:spcPct val="100000"/>
@@ -1297,7 +1379,7 @@
                 <a:tabLst/>
                 <a:defRPr/>
               </a:pPr>
-              <a:t>17</a:t>
+              <a:t>18</a:t>
             </a:fld>
             <a:endParaRPr kumimoji="0" lang="zh-CN" altLang="en-US" sz="1200" b="0" i="0" u="none" strike="noStrike" kern="1200" cap="none" spc="0" normalizeH="0" baseline="0" noProof="0">
               <a:ln>
@@ -1320,90 +1402,6 @@
     <p:extLst>
       <p:ext uri="{BB962C8B-B14F-4D97-AF65-F5344CB8AC3E}">
         <p14:creationId xmlns:p14="http://schemas.microsoft.com/office/powerpoint/2010/main" val="653330276"/>
-      </p:ext>
-    </p:extLst>
-  </p:cSld>
-  <p:clrMapOvr>
-    <a:masterClrMapping/>
-  </p:clrMapOvr>
-</p:notes>
-</file>
-
-<file path=ppt/notesSlides/notesSlide18.xml><?xml version="1.0" encoding="utf-8"?>
-<p:notes xmlns:a="http://schemas.openxmlformats.org/drawingml/2006/main" xmlns:r="http://schemas.openxmlformats.org/officeDocument/2006/relationships" xmlns:p="http://schemas.openxmlformats.org/presentationml/2006/main">
-  <p:cSld>
-    <p:spTree>
-      <p:nvGrpSpPr>
-        <p:cNvPr id="1" name=""/>
-        <p:cNvGrpSpPr/>
-        <p:nvPr/>
-      </p:nvGrpSpPr>
-      <p:grpSpPr>
-        <a:xfrm>
-          <a:off x="0" y="0"/>
-          <a:ext cx="0" cy="0"/>
-          <a:chOff x="0" y="0"/>
-          <a:chExt cx="0" cy="0"/>
-        </a:xfrm>
-      </p:grpSpPr>
-      <p:sp>
-        <p:nvSpPr>
-          <p:cNvPr id="2" name="幻灯片图像占位符 1"/>
-          <p:cNvSpPr>
-            <a:spLocks noGrp="1" noRot="1" noChangeAspect="1"/>
-          </p:cNvSpPr>
-          <p:nvPr>
-            <p:ph type="sldImg"/>
-          </p:nvPr>
-        </p:nvSpPr>
-        <p:spPr/>
-      </p:sp>
-      <p:sp>
-        <p:nvSpPr>
-          <p:cNvPr id="3" name="备注占位符 2"/>
-          <p:cNvSpPr>
-            <a:spLocks noGrp="1"/>
-          </p:cNvSpPr>
-          <p:nvPr>
-            <p:ph type="body" idx="1"/>
-          </p:nvPr>
-        </p:nvSpPr>
-        <p:spPr/>
-        <p:txBody>
-          <a:bodyPr/>
-          <a:lstStyle/>
-          <a:p>
-            <a:endParaRPr lang="zh-CN" altLang="en-US"/>
-          </a:p>
-        </p:txBody>
-      </p:sp>
-      <p:sp>
-        <p:nvSpPr>
-          <p:cNvPr id="4" name="灯片编号占位符 3"/>
-          <p:cNvSpPr>
-            <a:spLocks noGrp="1"/>
-          </p:cNvSpPr>
-          <p:nvPr>
-            <p:ph type="sldNum" sz="quarter" idx="10"/>
-          </p:nvPr>
-        </p:nvSpPr>
-        <p:spPr/>
-        <p:txBody>
-          <a:bodyPr/>
-          <a:lstStyle/>
-          <a:p>
-            <a:fld id="{B43869FB-3FC2-4617-8655-B1CA3DFD2224}" type="slidenum">
-              <a:rPr lang="zh-CN" altLang="en-US" smtClean="0"/>
-              <a:t>18</a:t>
-            </a:fld>
-            <a:endParaRPr lang="zh-CN" altLang="en-US"/>
-          </a:p>
-        </p:txBody>
-      </p:sp>
-    </p:spTree>
-    <p:extLst>
-      <p:ext uri="{BB962C8B-B14F-4D97-AF65-F5344CB8AC3E}">
-        <p14:creationId xmlns:p14="http://schemas.microsoft.com/office/powerpoint/2010/main" val="3853459553"/>
       </p:ext>
     </p:extLst>
   </p:cSld>
@@ -1487,7 +1485,7 @@
     </p:spTree>
     <p:extLst>
       <p:ext uri="{BB962C8B-B14F-4D97-AF65-F5344CB8AC3E}">
-        <p14:creationId xmlns:p14="http://schemas.microsoft.com/office/powerpoint/2010/main" val="3851847951"/>
+        <p14:creationId xmlns:p14="http://schemas.microsoft.com/office/powerpoint/2010/main" val="207628872"/>
       </p:ext>
     </p:extLst>
   </p:cSld>
@@ -1572,174 +1570,6 @@
     <p:extLst>
       <p:ext uri="{BB962C8B-B14F-4D97-AF65-F5344CB8AC3E}">
         <p14:creationId xmlns:p14="http://schemas.microsoft.com/office/powerpoint/2010/main" val="571763421"/>
-      </p:ext>
-    </p:extLst>
-  </p:cSld>
-  <p:clrMapOvr>
-    <a:masterClrMapping/>
-  </p:clrMapOvr>
-</p:notes>
-</file>
-
-<file path=ppt/notesSlides/notesSlide20.xml><?xml version="1.0" encoding="utf-8"?>
-<p:notes xmlns:a="http://schemas.openxmlformats.org/drawingml/2006/main" xmlns:r="http://schemas.openxmlformats.org/officeDocument/2006/relationships" xmlns:p="http://schemas.openxmlformats.org/presentationml/2006/main">
-  <p:cSld>
-    <p:spTree>
-      <p:nvGrpSpPr>
-        <p:cNvPr id="1" name=""/>
-        <p:cNvGrpSpPr/>
-        <p:nvPr/>
-      </p:nvGrpSpPr>
-      <p:grpSpPr>
-        <a:xfrm>
-          <a:off x="0" y="0"/>
-          <a:ext cx="0" cy="0"/>
-          <a:chOff x="0" y="0"/>
-          <a:chExt cx="0" cy="0"/>
-        </a:xfrm>
-      </p:grpSpPr>
-      <p:sp>
-        <p:nvSpPr>
-          <p:cNvPr id="2" name="幻灯片图像占位符 1"/>
-          <p:cNvSpPr>
-            <a:spLocks noGrp="1" noRot="1" noChangeAspect="1"/>
-          </p:cNvSpPr>
-          <p:nvPr>
-            <p:ph type="sldImg"/>
-          </p:nvPr>
-        </p:nvSpPr>
-        <p:spPr/>
-      </p:sp>
-      <p:sp>
-        <p:nvSpPr>
-          <p:cNvPr id="3" name="备注占位符 2"/>
-          <p:cNvSpPr>
-            <a:spLocks noGrp="1"/>
-          </p:cNvSpPr>
-          <p:nvPr>
-            <p:ph type="body" idx="1"/>
-          </p:nvPr>
-        </p:nvSpPr>
-        <p:spPr/>
-        <p:txBody>
-          <a:bodyPr/>
-          <a:lstStyle/>
-          <a:p>
-            <a:endParaRPr lang="zh-CN" altLang="en-US"/>
-          </a:p>
-        </p:txBody>
-      </p:sp>
-      <p:sp>
-        <p:nvSpPr>
-          <p:cNvPr id="4" name="灯片编号占位符 3"/>
-          <p:cNvSpPr>
-            <a:spLocks noGrp="1"/>
-          </p:cNvSpPr>
-          <p:nvPr>
-            <p:ph type="sldNum" sz="quarter" idx="10"/>
-          </p:nvPr>
-        </p:nvSpPr>
-        <p:spPr/>
-        <p:txBody>
-          <a:bodyPr/>
-          <a:lstStyle/>
-          <a:p>
-            <a:fld id="{B43869FB-3FC2-4617-8655-B1CA3DFD2224}" type="slidenum">
-              <a:rPr lang="zh-CN" altLang="en-US" smtClean="0"/>
-              <a:t>20</a:t>
-            </a:fld>
-            <a:endParaRPr lang="zh-CN" altLang="en-US"/>
-          </a:p>
-        </p:txBody>
-      </p:sp>
-    </p:spTree>
-    <p:extLst>
-      <p:ext uri="{BB962C8B-B14F-4D97-AF65-F5344CB8AC3E}">
-        <p14:creationId xmlns:p14="http://schemas.microsoft.com/office/powerpoint/2010/main" val="3573443226"/>
-      </p:ext>
-    </p:extLst>
-  </p:cSld>
-  <p:clrMapOvr>
-    <a:masterClrMapping/>
-  </p:clrMapOvr>
-</p:notes>
-</file>
-
-<file path=ppt/notesSlides/notesSlide21.xml><?xml version="1.0" encoding="utf-8"?>
-<p:notes xmlns:a="http://schemas.openxmlformats.org/drawingml/2006/main" xmlns:r="http://schemas.openxmlformats.org/officeDocument/2006/relationships" xmlns:p="http://schemas.openxmlformats.org/presentationml/2006/main">
-  <p:cSld>
-    <p:spTree>
-      <p:nvGrpSpPr>
-        <p:cNvPr id="1" name=""/>
-        <p:cNvGrpSpPr/>
-        <p:nvPr/>
-      </p:nvGrpSpPr>
-      <p:grpSpPr>
-        <a:xfrm>
-          <a:off x="0" y="0"/>
-          <a:ext cx="0" cy="0"/>
-          <a:chOff x="0" y="0"/>
-          <a:chExt cx="0" cy="0"/>
-        </a:xfrm>
-      </p:grpSpPr>
-      <p:sp>
-        <p:nvSpPr>
-          <p:cNvPr id="2" name="幻灯片图像占位符 1"/>
-          <p:cNvSpPr>
-            <a:spLocks noGrp="1" noRot="1" noChangeAspect="1"/>
-          </p:cNvSpPr>
-          <p:nvPr>
-            <p:ph type="sldImg"/>
-          </p:nvPr>
-        </p:nvSpPr>
-        <p:spPr/>
-      </p:sp>
-      <p:sp>
-        <p:nvSpPr>
-          <p:cNvPr id="3" name="备注占位符 2"/>
-          <p:cNvSpPr>
-            <a:spLocks noGrp="1"/>
-          </p:cNvSpPr>
-          <p:nvPr>
-            <p:ph type="body" idx="1"/>
-          </p:nvPr>
-        </p:nvSpPr>
-        <p:spPr/>
-        <p:txBody>
-          <a:bodyPr/>
-          <a:lstStyle/>
-          <a:p>
-            <a:endParaRPr lang="zh-CN" altLang="en-US"/>
-          </a:p>
-        </p:txBody>
-      </p:sp>
-      <p:sp>
-        <p:nvSpPr>
-          <p:cNvPr id="4" name="灯片编号占位符 3"/>
-          <p:cNvSpPr>
-            <a:spLocks noGrp="1"/>
-          </p:cNvSpPr>
-          <p:nvPr>
-            <p:ph type="sldNum" sz="quarter" idx="10"/>
-          </p:nvPr>
-        </p:nvSpPr>
-        <p:spPr/>
-        <p:txBody>
-          <a:bodyPr/>
-          <a:lstStyle/>
-          <a:p>
-            <a:fld id="{B43869FB-3FC2-4617-8655-B1CA3DFD2224}" type="slidenum">
-              <a:rPr lang="zh-CN" altLang="en-US" smtClean="0"/>
-              <a:t>21</a:t>
-            </a:fld>
-            <a:endParaRPr lang="zh-CN" altLang="en-US"/>
-          </a:p>
-        </p:txBody>
-      </p:sp>
-    </p:spTree>
-    <p:extLst>
-      <p:ext uri="{BB962C8B-B14F-4D97-AF65-F5344CB8AC3E}">
-        <p14:creationId xmlns:p14="http://schemas.microsoft.com/office/powerpoint/2010/main" val="207628872"/>
       </p:ext>
     </p:extLst>
   </p:cSld>
@@ -4320,6 +4150,36 @@
           <a:xfrm>
             <a:off x="4015833" y="2532255"/>
             <a:ext cx="6650145" cy="2968816"/>
+          </a:xfrm>
+          <a:prstGeom prst="rect">
+            <a:avLst/>
+          </a:prstGeom>
+        </p:spPr>
+      </p:pic>
+      <p:pic>
+        <p:nvPicPr>
+          <p:cNvPr id="12" name="图片 11"/>
+          <p:cNvPicPr>
+            <a:picLocks noChangeAspect="1"/>
+          </p:cNvPicPr>
+          <p:nvPr/>
+        </p:nvPicPr>
+        <p:blipFill>
+          <a:blip r:embed="rId10">
+            <a:extLst>
+              <a:ext uri="{28A0092B-C50C-407E-A947-70E740481C1C}">
+                <a14:useLocalDpi xmlns:a14="http://schemas.microsoft.com/office/drawing/2010/main" val="0"/>
+              </a:ext>
+            </a:extLst>
+          </a:blip>
+          <a:stretch>
+            <a:fillRect/>
+          </a:stretch>
+        </p:blipFill>
+        <p:spPr>
+          <a:xfrm>
+            <a:off x="5738446" y="614598"/>
+            <a:ext cx="623354" cy="545435"/>
           </a:xfrm>
           <a:prstGeom prst="rect">
             <a:avLst/>
@@ -5734,6 +5594,36 @@
           </a:p>
         </p:txBody>
       </p:sp>
+      <p:pic>
+        <p:nvPicPr>
+          <p:cNvPr id="20" name="图片 19"/>
+          <p:cNvPicPr>
+            <a:picLocks noChangeAspect="1"/>
+          </p:cNvPicPr>
+          <p:nvPr/>
+        </p:nvPicPr>
+        <p:blipFill>
+          <a:blip r:embed="rId4">
+            <a:extLst>
+              <a:ext uri="{28A0092B-C50C-407E-A947-70E740481C1C}">
+                <a14:useLocalDpi xmlns:a14="http://schemas.microsoft.com/office/drawing/2010/main" val="0"/>
+              </a:ext>
+            </a:extLst>
+          </a:blip>
+          <a:stretch>
+            <a:fillRect/>
+          </a:stretch>
+        </p:blipFill>
+        <p:spPr>
+          <a:xfrm>
+            <a:off x="8513232" y="2223331"/>
+            <a:ext cx="624317" cy="546277"/>
+          </a:xfrm>
+          <a:prstGeom prst="rect">
+            <a:avLst/>
+          </a:prstGeom>
+        </p:spPr>
+      </p:pic>
     </p:spTree>
   </p:cSld>
   <p:clrMapOvr>
@@ -7363,7 +7253,14 @@
                 <a:latin typeface="+mj-lt"/>
                 <a:ea typeface="微软雅黑" panose="020B0503020204020204" charset="-122"/>
               </a:rPr>
-              <a:t>内容实现</a:t>
+              <a:t>实现</a:t>
+            </a:r>
+            <a:r>
+              <a:rPr lang="zh-CN" altLang="en-US" sz="6000" dirty="0">
+                <a:latin typeface="+mj-lt"/>
+                <a:ea typeface="微软雅黑" panose="020B0503020204020204" charset="-122"/>
+              </a:rPr>
+              <a:t>效果</a:t>
             </a:r>
             <a:endParaRPr lang="zh-CN" altLang="en-US" sz="6000" dirty="0">
               <a:latin typeface="+mj-lt"/>
@@ -7558,7 +7455,7 @@
           <a:lstStyle/>
           <a:p>
             <a:r>
-              <a:rPr lang="zh-CN" altLang="en-US" sz="2000" dirty="0">
+              <a:rPr lang="zh-CN" altLang="en-US" sz="2000" dirty="0" smtClean="0">
                 <a:solidFill>
                   <a:schemeClr val="tx1">
                     <a:lumMod val="85000"/>
@@ -7566,8 +7463,16 @@
                   </a:schemeClr>
                 </a:solidFill>
               </a:rPr>
-              <a:t>内容实现</a:t>
-            </a:r>
+              <a:t>实现效果</a:t>
+            </a:r>
+            <a:endParaRPr lang="zh-CN" altLang="en-US" sz="2000" dirty="0">
+              <a:solidFill>
+                <a:schemeClr val="tx1">
+                  <a:lumMod val="85000"/>
+                  <a:lumOff val="15000"/>
+                </a:schemeClr>
+              </a:solidFill>
+            </a:endParaRPr>
           </a:p>
         </p:txBody>
       </p:sp>
@@ -8018,43 +7923,25 @@
           </a:bodyPr>
           <a:lstStyle/>
           <a:p>
-            <a:pPr marL="0" marR="0" lvl="0" indent="0" algn="l" defTabSz="913765" rtl="0" eaLnBrk="1" fontAlgn="auto" latinLnBrk="0" hangingPunct="1">
-              <a:lnSpc>
-                <a:spcPct val="100000"/>
-              </a:lnSpc>
-              <a:spcBef>
-                <a:spcPts val="0"/>
-              </a:spcBef>
-              <a:spcAft>
-                <a:spcPts val="0"/>
-              </a:spcAft>
-              <a:buClrTx/>
-              <a:buSzTx/>
-              <a:buFontTx/>
-              <a:buNone/>
-              <a:tabLst/>
-              <a:defRPr/>
-            </a:pPr>
-            <a:r>
-              <a:rPr kumimoji="0" lang="zh-CN" altLang="en-US" sz="2000" b="0" i="0" u="none" strike="noStrike" kern="1200" cap="none" spc="0" normalizeH="0" baseline="0" noProof="0" dirty="0">
-                <a:ln>
-                  <a:noFill/>
-                </a:ln>
+            <a:r>
+              <a:rPr lang="zh-CN" altLang="en-US" sz="2000" dirty="0" smtClean="0">
                 <a:solidFill>
-                  <a:prstClr val="black">
+                  <a:schemeClr val="tx1">
                     <a:lumMod val="85000"/>
                     <a:lumOff val="15000"/>
-                  </a:prstClr>
+                  </a:schemeClr>
                 </a:solidFill>
-                <a:effectLst/>
-                <a:uLnTx/>
-                <a:uFillTx/>
-                <a:latin typeface="Segoe UI"/>
-                <a:ea typeface="微软雅黑"/>
-                <a:cs typeface="+mn-cs"/>
-              </a:rPr>
-              <a:t>内容实现</a:t>
-            </a:r>
+              </a:rPr>
+              <a:t>实现效果</a:t>
+            </a:r>
+            <a:endParaRPr lang="zh-CN" altLang="en-US" sz="2000" dirty="0">
+              <a:solidFill>
+                <a:schemeClr val="tx1">
+                  <a:lumMod val="85000"/>
+                  <a:lumOff val="15000"/>
+                </a:schemeClr>
+              </a:solidFill>
+            </a:endParaRPr>
           </a:p>
         </p:txBody>
       </p:sp>
@@ -8066,7 +7953,7 @@
         </p:nvSpPr>
         <p:spPr>
           <a:xfrm>
-            <a:off x="615462" y="955029"/>
+            <a:off x="615462" y="530971"/>
             <a:ext cx="10840915" cy="591637"/>
           </a:xfrm>
           <a:prstGeom prst="rect">
@@ -8080,34 +7967,70 @@
           </a:bodyPr>
           <a:lstStyle/>
           <a:p>
-            <a:pPr lvl="0">
+            <a:pPr>
               <a:lnSpc>
                 <a:spcPts val="2000"/>
               </a:lnSpc>
             </a:pPr>
             <a:r>
-              <a:rPr lang="zh-CN" altLang="en-US" sz="1600" dirty="0">
-                <a:solidFill>
-                  <a:prstClr val="black"/>
-                </a:solidFill>
+              <a:rPr lang="zh-CN" altLang="en-US" sz="1600" dirty="0" smtClean="0">
                 <a:latin typeface="微软雅黑 Light" panose="020B0502040204020203" pitchFamily="34" charset="-122"/>
                 <a:ea typeface="微软雅黑 Light" panose="020B0502040204020203" pitchFamily="34" charset="-122"/>
               </a:rPr>
-              <a:t>在搜索栏内进行信息查询，即可查到不同种类商品的总销售额。每样商品的销售总价在表格最右显示，所有商品的总销售额在工作区右上角显示。</a:t>
-            </a:r>
-            <a:endParaRPr kumimoji="0" lang="zh-CN" altLang="en-US" sz="1600" b="0" i="0" u="none" strike="noStrike" kern="1200" cap="none" spc="0" normalizeH="0" baseline="0" noProof="0" dirty="0">
-              <a:ln>
-                <a:noFill/>
-              </a:ln>
-              <a:solidFill>
-                <a:prstClr val="black"/>
-              </a:solidFill>
-              <a:effectLst/>
-              <a:uLnTx/>
-              <a:uFillTx/>
+              <a:t>管理员信息列表</a:t>
+            </a:r>
+            <a:r>
+              <a:rPr lang="zh-CN" altLang="en-US" sz="1600" dirty="0">
+                <a:latin typeface="微软雅黑 Light" panose="020B0502040204020203" pitchFamily="34" charset="-122"/>
+                <a:ea typeface="微软雅黑 Light" panose="020B0502040204020203" pitchFamily="34" charset="-122"/>
+              </a:rPr>
+              <a:t>右上方可以看到“新建”按钮，点击按钮，弹出新页面，在页面上输入相应</a:t>
+            </a:r>
+            <a:r>
+              <a:rPr lang="zh-CN" altLang="en-US" sz="1600" dirty="0" smtClean="0">
+                <a:latin typeface="微软雅黑 Light" panose="020B0502040204020203" pitchFamily="34" charset="-122"/>
+                <a:ea typeface="微软雅黑 Light" panose="020B0502040204020203" pitchFamily="34" charset="-122"/>
+              </a:rPr>
+              <a:t>信息，</a:t>
+            </a:r>
+            <a:r>
+              <a:rPr lang="zh-CN" altLang="en-US" sz="1600" dirty="0">
+                <a:latin typeface="微软雅黑 Light" panose="020B0502040204020203" pitchFamily="34" charset="-122"/>
+                <a:ea typeface="微软雅黑 Light" panose="020B0502040204020203" pitchFamily="34" charset="-122"/>
+              </a:rPr>
+              <a:t>输入完毕点击保存，消息提示添加成功，</a:t>
+            </a:r>
+            <a:r>
+              <a:rPr lang="zh-CN" altLang="en-US" sz="1600" dirty="0" smtClean="0">
+                <a:latin typeface="微软雅黑 Light" panose="020B0502040204020203" pitchFamily="34" charset="-122"/>
+                <a:ea typeface="微软雅黑 Light" panose="020B0502040204020203" pitchFamily="34" charset="-122"/>
+              </a:rPr>
+              <a:t>新</a:t>
+            </a:r>
+            <a:r>
+              <a:rPr lang="zh-CN" altLang="en-US" sz="1600" dirty="0">
+                <a:latin typeface="微软雅黑 Light" panose="020B0502040204020203" pitchFamily="34" charset="-122"/>
+                <a:ea typeface="微软雅黑 Light" panose="020B0502040204020203" pitchFamily="34" charset="-122"/>
+              </a:rPr>
+              <a:t>管理员</a:t>
+            </a:r>
+            <a:r>
+              <a:rPr lang="zh-CN" altLang="en-US" sz="1600" dirty="0" smtClean="0">
+                <a:latin typeface="微软雅黑 Light" panose="020B0502040204020203" pitchFamily="34" charset="-122"/>
+                <a:ea typeface="微软雅黑 Light" panose="020B0502040204020203" pitchFamily="34" charset="-122"/>
+              </a:rPr>
+              <a:t>插入</a:t>
+            </a:r>
+            <a:r>
+              <a:rPr lang="zh-CN" altLang="en-US" sz="1600" dirty="0">
+                <a:latin typeface="微软雅黑 Light" panose="020B0502040204020203" pitchFamily="34" charset="-122"/>
+                <a:ea typeface="微软雅黑 Light" panose="020B0502040204020203" pitchFamily="34" charset="-122"/>
+              </a:rPr>
+              <a:t>完毕。</a:t>
+            </a:r>
+            <a:endParaRPr lang="zh-CN" altLang="en-US" sz="1600" dirty="0">
               <a:latin typeface="微软雅黑 Light" panose="020B0502040204020203" pitchFamily="34" charset="-122"/>
               <a:ea typeface="微软雅黑 Light" panose="020B0502040204020203" pitchFamily="34" charset="-122"/>
-              <a:cs typeface="+mn-cs"/>
             </a:endParaRPr>
           </a:p>
         </p:txBody>
@@ -8120,8 +8043,8 @@
         </p:nvSpPr>
         <p:spPr>
           <a:xfrm>
-            <a:off x="605293" y="523165"/>
-            <a:ext cx="2973176" cy="369332"/>
+            <a:off x="1503485" y="91301"/>
+            <a:ext cx="1160584" cy="369332"/>
           </a:xfrm>
           <a:prstGeom prst="rect">
             <a:avLst/>
@@ -8134,90 +8057,21 @@
           </a:bodyPr>
           <a:lstStyle/>
           <a:p>
-            <a:pPr marL="0" marR="0" lvl="0" indent="0" algn="l" defTabSz="913765" rtl="0" eaLnBrk="1" fontAlgn="auto" latinLnBrk="0" hangingPunct="1">
-              <a:lnSpc>
-                <a:spcPct val="100000"/>
-              </a:lnSpc>
-              <a:spcBef>
-                <a:spcPts val="0"/>
-              </a:spcBef>
-              <a:spcAft>
-                <a:spcPts val="0"/>
-              </a:spcAft>
-              <a:buClrTx/>
-              <a:buSzTx/>
-              <a:buFontTx/>
-              <a:buNone/>
-              <a:tabLst/>
-              <a:defRPr/>
-            </a:pPr>
-            <a:r>
-              <a:rPr lang="zh-CN" altLang="en-US" b="1" dirty="0" smtClean="0">
-                <a:solidFill>
-                  <a:prstClr val="black"/>
-                </a:solidFill>
-                <a:latin typeface="Segoe UI"/>
-                <a:ea typeface="微软雅黑"/>
-              </a:rPr>
-              <a:t>查找商品</a:t>
-            </a:r>
-            <a:r>
-              <a:rPr lang="en-US" altLang="zh-CN" b="1" dirty="0" smtClean="0">
-                <a:solidFill>
-                  <a:prstClr val="black"/>
-                </a:solidFill>
-                <a:latin typeface="Segoe UI"/>
-                <a:ea typeface="微软雅黑"/>
-              </a:rPr>
-              <a:t>-</a:t>
-            </a:r>
-            <a:r>
-              <a:rPr lang="zh-CN" altLang="en-US" b="1" dirty="0" smtClean="0">
-                <a:solidFill>
-                  <a:prstClr val="black"/>
-                </a:solidFill>
-                <a:latin typeface="Segoe UI"/>
-                <a:ea typeface="微软雅黑"/>
-              </a:rPr>
-              <a:t>查看销售额</a:t>
-            </a:r>
-            <a:r>
-              <a:rPr kumimoji="0" lang="zh-CN" altLang="en-US" sz="1800" b="1" i="0" u="none" strike="noStrike" kern="1200" cap="none" spc="0" normalizeH="0" baseline="0" noProof="0" dirty="0" smtClean="0">
-                <a:ln>
-                  <a:noFill/>
-                </a:ln>
-                <a:solidFill>
-                  <a:prstClr val="black"/>
-                </a:solidFill>
-                <a:effectLst/>
-                <a:uLnTx/>
-                <a:uFillTx/>
-                <a:latin typeface="Segoe UI"/>
-                <a:ea typeface="微软雅黑"/>
-                <a:cs typeface="+mn-cs"/>
-              </a:rPr>
+            <a:r>
+              <a:rPr lang="zh-CN" altLang="en-US" b="1" dirty="0" smtClean="0"/>
+              <a:t>添加</a:t>
+            </a:r>
+            <a:r>
+              <a:rPr lang="zh-CN" altLang="en-US" b="1" dirty="0" smtClean="0"/>
               <a:t>页面</a:t>
             </a:r>
-            <a:endParaRPr kumimoji="0" lang="zh-CN" altLang="en-US" sz="1800" b="1" i="0" u="none" strike="noStrike" kern="1200" cap="none" spc="0" normalizeH="0" baseline="0" noProof="0" dirty="0">
-              <a:ln>
-                <a:noFill/>
-              </a:ln>
-              <a:solidFill>
-                <a:prstClr val="black"/>
-              </a:solidFill>
-              <a:effectLst/>
-              <a:uLnTx/>
-              <a:uFillTx/>
-              <a:latin typeface="Segoe UI"/>
-              <a:ea typeface="微软雅黑"/>
-              <a:cs typeface="+mn-cs"/>
-            </a:endParaRPr>
+            <a:endParaRPr lang="zh-CN" altLang="en-US" b="1" dirty="0"/>
           </a:p>
         </p:txBody>
       </p:sp>
       <p:pic>
         <p:nvPicPr>
-          <p:cNvPr id="7" name="图片 6" descr="屏幕剪辑"/>
+          <p:cNvPr id="6" name="图片 5" descr="屏幕剪辑"/>
           <p:cNvPicPr>
             <a:picLocks noChangeAspect="1"/>
           </p:cNvPicPr>
@@ -8237,8 +8091,8 @@
         </p:blipFill>
         <p:spPr>
           <a:xfrm>
-            <a:off x="375356" y="2166110"/>
-            <a:ext cx="5040706" cy="3071398"/>
+            <a:off x="71568" y="1632261"/>
+            <a:ext cx="3586032" cy="5148787"/>
           </a:xfrm>
           <a:prstGeom prst="rect">
             <a:avLst/>
@@ -8247,7 +8101,7 @@
       </p:pic>
       <p:pic>
         <p:nvPicPr>
-          <p:cNvPr id="8" name="图片 7" descr="屏幕剪辑"/>
+          <p:cNvPr id="7" name="图片 6" descr="屏幕剪辑"/>
           <p:cNvPicPr>
             <a:picLocks noChangeAspect="1"/>
           </p:cNvPicPr>
@@ -8267,24 +8121,84 @@
         </p:blipFill>
         <p:spPr>
           <a:xfrm>
-            <a:off x="5409006" y="3552093"/>
-            <a:ext cx="6782994" cy="2751992"/>
+            <a:off x="3246462" y="1771131"/>
+            <a:ext cx="3226778" cy="4871046"/>
           </a:xfrm>
           <a:prstGeom prst="rect">
             <a:avLst/>
           </a:prstGeom>
         </p:spPr>
       </p:pic>
-      <p:sp>
-        <p:nvSpPr>
-          <p:cNvPr id="9" name="文本框 8"/>
+      <p:pic>
+        <p:nvPicPr>
+          <p:cNvPr id="8" name="图片 7" descr="屏幕剪辑"/>
+          <p:cNvPicPr>
+            <a:picLocks noChangeAspect="1"/>
+          </p:cNvPicPr>
+          <p:nvPr/>
+        </p:nvPicPr>
+        <p:blipFill>
+          <a:blip r:embed="rId5">
+            <a:extLst>
+              <a:ext uri="{28A0092B-C50C-407E-A947-70E740481C1C}">
+                <a14:useLocalDpi xmlns:a14="http://schemas.microsoft.com/office/drawing/2010/main" val="0"/>
+              </a:ext>
+            </a:extLst>
+          </a:blip>
+          <a:stretch>
+            <a:fillRect/>
+          </a:stretch>
+        </p:blipFill>
+        <p:spPr>
+          <a:xfrm>
+            <a:off x="6596397" y="2397148"/>
+            <a:ext cx="3151641" cy="3467322"/>
+          </a:xfrm>
+          <a:prstGeom prst="rect">
+            <a:avLst/>
+          </a:prstGeom>
+        </p:spPr>
+      </p:pic>
+      <p:pic>
+        <p:nvPicPr>
+          <p:cNvPr id="9" name="图片 8" descr="屏幕剪辑"/>
+          <p:cNvPicPr>
+            <a:picLocks noChangeAspect="1"/>
+          </p:cNvPicPr>
+          <p:nvPr/>
+        </p:nvPicPr>
+        <p:blipFill>
+          <a:blip r:embed="rId6">
+            <a:extLst>
+              <a:ext uri="{28A0092B-C50C-407E-A947-70E740481C1C}">
+                <a14:useLocalDpi xmlns:a14="http://schemas.microsoft.com/office/drawing/2010/main" val="0"/>
+              </a:ext>
+            </a:extLst>
+          </a:blip>
+          <a:stretch>
+            <a:fillRect/>
+          </a:stretch>
+        </p:blipFill>
+        <p:spPr>
+          <a:xfrm>
+            <a:off x="9994352" y="2949606"/>
+            <a:ext cx="1813717" cy="2362405"/>
+          </a:xfrm>
+          <a:prstGeom prst="rect">
+            <a:avLst/>
+          </a:prstGeom>
+        </p:spPr>
+      </p:pic>
+      <p:sp>
+        <p:nvSpPr>
+          <p:cNvPr id="10" name="文本框 9"/>
           <p:cNvSpPr txBox="1"/>
           <p:nvPr/>
         </p:nvSpPr>
         <p:spPr>
           <a:xfrm>
-            <a:off x="6214696" y="2413575"/>
-            <a:ext cx="5178669" cy="584775"/>
+            <a:off x="818345" y="1482109"/>
+            <a:ext cx="2304960" cy="369332"/>
           </a:xfrm>
           <a:prstGeom prst="rect">
             <a:avLst/>
@@ -8298,23 +8212,277 @@
           <a:lstStyle/>
           <a:p>
             <a:r>
-              <a:rPr lang="zh-CN" altLang="en-US" sz="1600" dirty="0" smtClean="0">
-                <a:latin typeface="微软雅黑 Light" panose="020B0502040204020203" pitchFamily="34" charset="-122"/>
-                <a:ea typeface="微软雅黑 Light" panose="020B0502040204020203" pitchFamily="34" charset="-122"/>
-              </a:rPr>
-              <a:t>不进行搜索时，显示所有商品的总价；当选择标题带有“春秋”的商品，则筛选出符合条件的商品并进行计算。</a:t>
-            </a:r>
-            <a:endParaRPr lang="zh-CN" altLang="en-US" sz="1600" dirty="0">
-              <a:latin typeface="微软雅黑 Light" panose="020B0502040204020203" pitchFamily="34" charset="-122"/>
-              <a:ea typeface="微软雅黑 Light" panose="020B0502040204020203" pitchFamily="34" charset="-122"/>
+              <a:rPr lang="zh-CN" altLang="en-US" dirty="0" smtClean="0">
+                <a:solidFill>
+                  <a:srgbClr val="ED7D31"/>
+                </a:solidFill>
+              </a:rPr>
+              <a:t>点击“新建”，弹出</a:t>
+            </a:r>
+            <a:endParaRPr lang="zh-CN" altLang="en-US" dirty="0">
+              <a:solidFill>
+                <a:srgbClr val="ED7D31"/>
+              </a:solidFill>
             </a:endParaRPr>
+          </a:p>
+        </p:txBody>
+      </p:sp>
+      <p:sp>
+        <p:nvSpPr>
+          <p:cNvPr id="11" name="右箭头 10"/>
+          <p:cNvSpPr/>
+          <p:nvPr/>
+        </p:nvSpPr>
+        <p:spPr>
+          <a:xfrm>
+            <a:off x="5935916" y="1502275"/>
+            <a:ext cx="768544" cy="416347"/>
+          </a:xfrm>
+          <a:prstGeom prst="rightArrow">
+            <a:avLst/>
+          </a:prstGeom>
+          <a:solidFill>
+            <a:schemeClr val="accent2"/>
+          </a:solidFill>
+          <a:ln>
+            <a:noFill/>
+          </a:ln>
+        </p:spPr>
+        <p:style>
+          <a:lnRef idx="2">
+            <a:schemeClr val="accent1">
+              <a:shade val="50000"/>
+            </a:schemeClr>
+          </a:lnRef>
+          <a:fillRef idx="1">
+            <a:schemeClr val="accent1"/>
+          </a:fillRef>
+          <a:effectRef idx="0">
+            <a:schemeClr val="accent1"/>
+          </a:effectRef>
+          <a:fontRef idx="minor">
+            <a:schemeClr val="lt1"/>
+          </a:fontRef>
+        </p:style>
+        <p:txBody>
+          <a:bodyPr rtlCol="0" anchor="ctr"/>
+          <a:lstStyle/>
+          <a:p>
+            <a:pPr algn="ctr"/>
+            <a:endParaRPr lang="zh-CN" altLang="en-US"/>
+          </a:p>
+        </p:txBody>
+      </p:sp>
+      <p:sp>
+        <p:nvSpPr>
+          <p:cNvPr id="12" name="文本框 11"/>
+          <p:cNvSpPr txBox="1"/>
+          <p:nvPr/>
+        </p:nvSpPr>
+        <p:spPr>
+          <a:xfrm>
+            <a:off x="4393125" y="1492111"/>
+            <a:ext cx="1573823" cy="369332"/>
+          </a:xfrm>
+          <a:prstGeom prst="rect">
+            <a:avLst/>
+          </a:prstGeom>
+          <a:noFill/>
+        </p:spPr>
+        <p:txBody>
+          <a:bodyPr wrap="square" rtlCol="0">
+            <a:spAutoFit/>
+          </a:bodyPr>
+          <a:lstStyle/>
+          <a:p>
+            <a:r>
+              <a:rPr lang="zh-CN" altLang="en-US" dirty="0" smtClean="0">
+                <a:solidFill>
+                  <a:srgbClr val="ED7D31"/>
+                </a:solidFill>
+              </a:rPr>
+              <a:t>填写信息</a:t>
+            </a:r>
+            <a:endParaRPr lang="zh-CN" altLang="en-US" dirty="0">
+              <a:solidFill>
+                <a:srgbClr val="ED7D31"/>
+              </a:solidFill>
+            </a:endParaRPr>
+          </a:p>
+        </p:txBody>
+      </p:sp>
+      <p:sp>
+        <p:nvSpPr>
+          <p:cNvPr id="13" name="文本框 12"/>
+          <p:cNvSpPr txBox="1"/>
+          <p:nvPr/>
+        </p:nvSpPr>
+        <p:spPr>
+          <a:xfrm>
+            <a:off x="6935679" y="1487110"/>
+            <a:ext cx="2530083" cy="369332"/>
+          </a:xfrm>
+          <a:prstGeom prst="rect">
+            <a:avLst/>
+          </a:prstGeom>
+          <a:noFill/>
+        </p:spPr>
+        <p:txBody>
+          <a:bodyPr wrap="square" rtlCol="0">
+            <a:spAutoFit/>
+          </a:bodyPr>
+          <a:lstStyle/>
+          <a:p>
+            <a:r>
+              <a:rPr lang="zh-CN" altLang="en-US" dirty="0" smtClean="0">
+                <a:solidFill>
+                  <a:srgbClr val="ED7D31"/>
+                </a:solidFill>
+              </a:rPr>
+              <a:t>点击“添加”，成功</a:t>
+            </a:r>
+            <a:endParaRPr lang="zh-CN" altLang="en-US" dirty="0">
+              <a:solidFill>
+                <a:srgbClr val="ED7D31"/>
+              </a:solidFill>
+            </a:endParaRPr>
+          </a:p>
+        </p:txBody>
+      </p:sp>
+      <p:sp>
+        <p:nvSpPr>
+          <p:cNvPr id="14" name="文本框 13"/>
+          <p:cNvSpPr txBox="1"/>
+          <p:nvPr/>
+        </p:nvSpPr>
+        <p:spPr>
+          <a:xfrm>
+            <a:off x="9994352" y="1482109"/>
+            <a:ext cx="1608993" cy="646331"/>
+          </a:xfrm>
+          <a:prstGeom prst="rect">
+            <a:avLst/>
+          </a:prstGeom>
+          <a:noFill/>
+        </p:spPr>
+        <p:txBody>
+          <a:bodyPr wrap="square" rtlCol="0">
+            <a:spAutoFit/>
+          </a:bodyPr>
+          <a:lstStyle/>
+          <a:p>
+            <a:r>
+              <a:rPr lang="zh-CN" altLang="en-US" dirty="0" smtClean="0">
+                <a:solidFill>
+                  <a:srgbClr val="ED7D31"/>
+                </a:solidFill>
+              </a:rPr>
+              <a:t>可以看到已添加的管理员</a:t>
+            </a:r>
+            <a:endParaRPr lang="zh-CN" altLang="en-US" dirty="0">
+              <a:solidFill>
+                <a:srgbClr val="ED7D31"/>
+              </a:solidFill>
+            </a:endParaRPr>
+          </a:p>
+        </p:txBody>
+      </p:sp>
+      <p:sp>
+        <p:nvSpPr>
+          <p:cNvPr id="23" name="右箭头 22"/>
+          <p:cNvSpPr/>
+          <p:nvPr/>
+        </p:nvSpPr>
+        <p:spPr>
+          <a:xfrm>
+            <a:off x="3273328" y="1482109"/>
+            <a:ext cx="768544" cy="416347"/>
+          </a:xfrm>
+          <a:prstGeom prst="rightArrow">
+            <a:avLst/>
+          </a:prstGeom>
+          <a:solidFill>
+            <a:schemeClr val="accent2"/>
+          </a:solidFill>
+          <a:ln>
+            <a:noFill/>
+          </a:ln>
+        </p:spPr>
+        <p:style>
+          <a:lnRef idx="2">
+            <a:schemeClr val="accent1">
+              <a:shade val="50000"/>
+            </a:schemeClr>
+          </a:lnRef>
+          <a:fillRef idx="1">
+            <a:schemeClr val="accent1"/>
+          </a:fillRef>
+          <a:effectRef idx="0">
+            <a:schemeClr val="accent1"/>
+          </a:effectRef>
+          <a:fontRef idx="minor">
+            <a:schemeClr val="lt1"/>
+          </a:fontRef>
+        </p:style>
+        <p:txBody>
+          <a:bodyPr rtlCol="0" anchor="ctr"/>
+          <a:lstStyle/>
+          <a:p>
+            <a:pPr algn="ctr"/>
+            <a:endParaRPr lang="zh-CN" altLang="en-US"/>
+          </a:p>
+        </p:txBody>
+      </p:sp>
+      <p:sp>
+        <p:nvSpPr>
+          <p:cNvPr id="24" name="右箭头 23"/>
+          <p:cNvSpPr/>
+          <p:nvPr/>
+        </p:nvSpPr>
+        <p:spPr>
+          <a:xfrm>
+            <a:off x="9213995" y="1487110"/>
+            <a:ext cx="768544" cy="416347"/>
+          </a:xfrm>
+          <a:prstGeom prst="rightArrow">
+            <a:avLst/>
+          </a:prstGeom>
+          <a:solidFill>
+            <a:schemeClr val="accent2"/>
+          </a:solidFill>
+          <a:ln>
+            <a:noFill/>
+          </a:ln>
+        </p:spPr>
+        <p:style>
+          <a:lnRef idx="2">
+            <a:schemeClr val="accent1">
+              <a:shade val="50000"/>
+            </a:schemeClr>
+          </a:lnRef>
+          <a:fillRef idx="1">
+            <a:schemeClr val="accent1"/>
+          </a:fillRef>
+          <a:effectRef idx="0">
+            <a:schemeClr val="accent1"/>
+          </a:effectRef>
+          <a:fontRef idx="minor">
+            <a:schemeClr val="lt1"/>
+          </a:fontRef>
+        </p:style>
+        <p:txBody>
+          <a:bodyPr rtlCol="0" anchor="ctr"/>
+          <a:lstStyle/>
+          <a:p>
+            <a:pPr algn="ctr"/>
+            <a:endParaRPr lang="zh-CN" altLang="en-US"/>
           </a:p>
         </p:txBody>
       </p:sp>
     </p:spTree>
     <p:extLst>
       <p:ext uri="{BB962C8B-B14F-4D97-AF65-F5344CB8AC3E}">
-        <p14:creationId xmlns:p14="http://schemas.microsoft.com/office/powerpoint/2010/main" val="2710502147"/>
+        <p14:creationId xmlns:p14="http://schemas.microsoft.com/office/powerpoint/2010/main" val="777100344"/>
       </p:ext>
     </p:extLst>
   </p:cSld>
@@ -8377,53 +8545,237 @@
           </a:bodyPr>
           <a:lstStyle/>
           <a:p>
-            <a:r>
-              <a:rPr lang="zh-CN" altLang="en-US" sz="2000" dirty="0" smtClean="0">
+            <a:pPr marL="0" marR="0" lvl="0" indent="0" algn="l" defTabSz="913765" rtl="0" eaLnBrk="1" fontAlgn="auto" latinLnBrk="0" hangingPunct="1">
+              <a:lnSpc>
+                <a:spcPct val="100000"/>
+              </a:lnSpc>
+              <a:spcBef>
+                <a:spcPts val="0"/>
+              </a:spcBef>
+              <a:spcAft>
+                <a:spcPts val="0"/>
+              </a:spcAft>
+              <a:buClrTx/>
+              <a:buSzTx/>
+              <a:buFontTx/>
+              <a:buNone/>
+              <a:tabLst/>
+              <a:defRPr/>
+            </a:pPr>
+            <a:r>
+              <a:rPr lang="zh-CN" altLang="en-US" sz="2000" dirty="0">
                 <a:solidFill>
-                  <a:schemeClr val="tx1">
+                  <a:prstClr val="black">
                     <a:lumMod val="85000"/>
                     <a:lumOff val="15000"/>
-                  </a:schemeClr>
+                  </a:prstClr>
                 </a:solidFill>
-              </a:rPr>
-              <a:t>详细设计</a:t>
-            </a:r>
-            <a:endParaRPr lang="zh-CN" altLang="en-US" sz="2000" dirty="0">
+                <a:latin typeface="Segoe UI"/>
+                <a:ea typeface="微软雅黑"/>
+              </a:rPr>
+              <a:t>实现效果</a:t>
+            </a:r>
+            <a:endParaRPr kumimoji="0" lang="zh-CN" altLang="en-US" sz="2000" b="0" i="0" u="none" strike="noStrike" kern="1200" cap="none" spc="0" normalizeH="0" baseline="0" noProof="0" dirty="0">
+              <a:ln>
+                <a:noFill/>
+              </a:ln>
               <a:solidFill>
-                <a:schemeClr val="tx1">
+                <a:prstClr val="black">
                   <a:lumMod val="85000"/>
                   <a:lumOff val="15000"/>
-                </a:schemeClr>
+                </a:prstClr>
               </a:solidFill>
+              <a:effectLst/>
+              <a:uLnTx/>
+              <a:uFillTx/>
+              <a:latin typeface="Segoe UI"/>
+              <a:ea typeface="微软雅黑"/>
+              <a:cs typeface="+mn-cs"/>
+            </a:endParaRPr>
+          </a:p>
+        </p:txBody>
+      </p:sp>
+      <p:sp>
+        <p:nvSpPr>
+          <p:cNvPr id="3" name="文本框 2"/>
+          <p:cNvSpPr txBox="1"/>
+          <p:nvPr/>
+        </p:nvSpPr>
+        <p:spPr>
+          <a:xfrm>
+            <a:off x="615462" y="955029"/>
+            <a:ext cx="10840915" cy="591637"/>
+          </a:xfrm>
+          <a:prstGeom prst="rect">
+            <a:avLst/>
+          </a:prstGeom>
+          <a:noFill/>
+        </p:spPr>
+        <p:txBody>
+          <a:bodyPr wrap="square" rtlCol="0">
+            <a:spAutoFit/>
+          </a:bodyPr>
+          <a:lstStyle/>
+          <a:p>
+            <a:pPr lvl="0">
+              <a:lnSpc>
+                <a:spcPts val="2000"/>
+              </a:lnSpc>
+            </a:pPr>
+            <a:r>
+              <a:rPr lang="zh-CN" altLang="en-US" sz="1600" dirty="0">
+                <a:solidFill>
+                  <a:prstClr val="black"/>
+                </a:solidFill>
+                <a:latin typeface="微软雅黑 Light" panose="020B0502040204020203" pitchFamily="34" charset="-122"/>
+                <a:ea typeface="微软雅黑 Light" panose="020B0502040204020203" pitchFamily="34" charset="-122"/>
+              </a:rPr>
+              <a:t>在搜索栏内进行信息查询，即可查到不同种类商品的总销售额。每样商品的销售总价在表格最右显示，所有商品的总销售额在工作区右上角显示。</a:t>
+            </a:r>
+            <a:endParaRPr kumimoji="0" lang="zh-CN" altLang="en-US" sz="1600" b="0" i="0" u="none" strike="noStrike" kern="1200" cap="none" spc="0" normalizeH="0" baseline="0" noProof="0" dirty="0">
+              <a:ln>
+                <a:noFill/>
+              </a:ln>
+              <a:solidFill>
+                <a:prstClr val="black"/>
+              </a:solidFill>
+              <a:effectLst/>
+              <a:uLnTx/>
+              <a:uFillTx/>
+              <a:latin typeface="微软雅黑 Light" panose="020B0502040204020203" pitchFamily="34" charset="-122"/>
+              <a:ea typeface="微软雅黑 Light" panose="020B0502040204020203" pitchFamily="34" charset="-122"/>
+              <a:cs typeface="+mn-cs"/>
+            </a:endParaRPr>
+          </a:p>
+        </p:txBody>
+      </p:sp>
+      <p:sp>
+        <p:nvSpPr>
+          <p:cNvPr id="4" name="文本框 3"/>
+          <p:cNvSpPr txBox="1"/>
+          <p:nvPr/>
+        </p:nvSpPr>
+        <p:spPr>
+          <a:xfrm>
+            <a:off x="605293" y="523165"/>
+            <a:ext cx="2973176" cy="369332"/>
+          </a:xfrm>
+          <a:prstGeom prst="rect">
+            <a:avLst/>
+          </a:prstGeom>
+          <a:noFill/>
+        </p:spPr>
+        <p:txBody>
+          <a:bodyPr wrap="square" rtlCol="0">
+            <a:spAutoFit/>
+          </a:bodyPr>
+          <a:lstStyle/>
+          <a:p>
+            <a:pPr marL="0" marR="0" lvl="0" indent="0" algn="l" defTabSz="913765" rtl="0" eaLnBrk="1" fontAlgn="auto" latinLnBrk="0" hangingPunct="1">
+              <a:lnSpc>
+                <a:spcPct val="100000"/>
+              </a:lnSpc>
+              <a:spcBef>
+                <a:spcPts val="0"/>
+              </a:spcBef>
+              <a:spcAft>
+                <a:spcPts val="0"/>
+              </a:spcAft>
+              <a:buClrTx/>
+              <a:buSzTx/>
+              <a:buFontTx/>
+              <a:buNone/>
+              <a:tabLst/>
+              <a:defRPr/>
+            </a:pPr>
+            <a:r>
+              <a:rPr lang="zh-CN" altLang="en-US" b="1" dirty="0" smtClean="0">
+                <a:solidFill>
+                  <a:prstClr val="black"/>
+                </a:solidFill>
+                <a:latin typeface="Segoe UI"/>
+                <a:ea typeface="微软雅黑"/>
+              </a:rPr>
+              <a:t>查找商品</a:t>
+            </a:r>
+            <a:r>
+              <a:rPr lang="en-US" altLang="zh-CN" b="1" dirty="0" smtClean="0">
+                <a:solidFill>
+                  <a:prstClr val="black"/>
+                </a:solidFill>
+                <a:latin typeface="Segoe UI"/>
+                <a:ea typeface="微软雅黑"/>
+              </a:rPr>
+              <a:t>-</a:t>
+            </a:r>
+            <a:r>
+              <a:rPr lang="zh-CN" altLang="en-US" b="1" dirty="0" smtClean="0">
+                <a:solidFill>
+                  <a:prstClr val="black"/>
+                </a:solidFill>
+                <a:latin typeface="Segoe UI"/>
+                <a:ea typeface="微软雅黑"/>
+              </a:rPr>
+              <a:t>查看销售额</a:t>
+            </a:r>
+            <a:r>
+              <a:rPr kumimoji="0" lang="zh-CN" altLang="en-US" sz="1800" b="1" i="0" u="none" strike="noStrike" kern="1200" cap="none" spc="0" normalizeH="0" baseline="0" noProof="0" dirty="0" smtClean="0">
+                <a:ln>
+                  <a:noFill/>
+                </a:ln>
+                <a:solidFill>
+                  <a:prstClr val="black"/>
+                </a:solidFill>
+                <a:effectLst/>
+                <a:uLnTx/>
+                <a:uFillTx/>
+                <a:latin typeface="Segoe UI"/>
+                <a:ea typeface="微软雅黑"/>
+                <a:cs typeface="+mn-cs"/>
+              </a:rPr>
+              <a:t>页面</a:t>
+            </a:r>
+            <a:endParaRPr kumimoji="0" lang="zh-CN" altLang="en-US" sz="1800" b="1" i="0" u="none" strike="noStrike" kern="1200" cap="none" spc="0" normalizeH="0" baseline="0" noProof="0" dirty="0">
+              <a:ln>
+                <a:noFill/>
+              </a:ln>
+              <a:solidFill>
+                <a:prstClr val="black"/>
+              </a:solidFill>
+              <a:effectLst/>
+              <a:uLnTx/>
+              <a:uFillTx/>
+              <a:latin typeface="Segoe UI"/>
+              <a:ea typeface="微软雅黑"/>
+              <a:cs typeface="+mn-cs"/>
             </a:endParaRPr>
           </a:p>
         </p:txBody>
       </p:sp>
       <p:pic>
         <p:nvPicPr>
-          <p:cNvPr id="6" name="图片 5"/>
+          <p:cNvPr id="7" name="图片 6" descr="屏幕剪辑"/>
           <p:cNvPicPr>
             <a:picLocks noChangeAspect="1"/>
           </p:cNvPicPr>
           <p:nvPr/>
         </p:nvPicPr>
-        <p:blipFill rotWithShape="1">
-          <a:blip r:embed="rId3" cstate="screen">
+        <p:blipFill>
+          <a:blip r:embed="rId3">
             <a:extLst>
               <a:ext uri="{28A0092B-C50C-407E-A947-70E740481C1C}">
-                <a14:useLocalDpi xmlns:a14="http://schemas.microsoft.com/office/drawing/2010/main"/>
+                <a14:useLocalDpi xmlns:a14="http://schemas.microsoft.com/office/drawing/2010/main" val="0"/>
               </a:ext>
             </a:extLst>
           </a:blip>
-          <a:srcRect/>
           <a:stretch>
             <a:fillRect/>
           </a:stretch>
         </p:blipFill>
         <p:spPr>
           <a:xfrm>
-            <a:off x="911225" y="1322998"/>
-            <a:ext cx="3316750" cy="3293452"/>
+            <a:off x="375356" y="2166110"/>
+            <a:ext cx="5040706" cy="3071398"/>
           </a:xfrm>
           <a:prstGeom prst="rect">
             <a:avLst/>
@@ -8432,1225 +8784,76 @@
       </p:pic>
       <p:pic>
         <p:nvPicPr>
-          <p:cNvPr id="15" name="图片 14"/>
+          <p:cNvPr id="8" name="图片 7" descr="屏幕剪辑"/>
           <p:cNvPicPr>
             <a:picLocks noChangeAspect="1"/>
           </p:cNvPicPr>
           <p:nvPr/>
         </p:nvPicPr>
-        <p:blipFill rotWithShape="1">
-          <a:blip r:embed="rId3" cstate="screen">
+        <p:blipFill>
+          <a:blip r:embed="rId4">
             <a:extLst>
               <a:ext uri="{28A0092B-C50C-407E-A947-70E740481C1C}">
-                <a14:useLocalDpi xmlns:a14="http://schemas.microsoft.com/office/drawing/2010/main"/>
+                <a14:useLocalDpi xmlns:a14="http://schemas.microsoft.com/office/drawing/2010/main" val="0"/>
               </a:ext>
             </a:extLst>
           </a:blip>
-          <a:srcRect/>
           <a:stretch>
             <a:fillRect/>
           </a:stretch>
         </p:blipFill>
         <p:spPr>
           <a:xfrm>
-            <a:off x="4437625" y="1322998"/>
-            <a:ext cx="3316750" cy="3293452"/>
+            <a:off x="5409006" y="3552093"/>
+            <a:ext cx="6782994" cy="2751992"/>
           </a:xfrm>
           <a:prstGeom prst="rect">
             <a:avLst/>
           </a:prstGeom>
         </p:spPr>
       </p:pic>
-      <p:pic>
-        <p:nvPicPr>
-          <p:cNvPr id="16" name="图片 15"/>
-          <p:cNvPicPr>
-            <a:picLocks noChangeAspect="1"/>
-          </p:cNvPicPr>
-          <p:nvPr/>
-        </p:nvPicPr>
-        <p:blipFill rotWithShape="1">
-          <a:blip r:embed="rId3" cstate="screen">
-            <a:extLst>
-              <a:ext uri="{28A0092B-C50C-407E-A947-70E740481C1C}">
-                <a14:useLocalDpi xmlns:a14="http://schemas.microsoft.com/office/drawing/2010/main"/>
-              </a:ext>
-            </a:extLst>
-          </a:blip>
-          <a:srcRect/>
-          <a:stretch>
-            <a:fillRect/>
-          </a:stretch>
-        </p:blipFill>
+      <p:sp>
+        <p:nvSpPr>
+          <p:cNvPr id="9" name="文本框 8"/>
+          <p:cNvSpPr txBox="1"/>
+          <p:nvPr/>
+        </p:nvSpPr>
         <p:spPr>
           <a:xfrm>
-            <a:off x="7964025" y="1322998"/>
-            <a:ext cx="3316750" cy="3293452"/>
+            <a:off x="6214696" y="2413575"/>
+            <a:ext cx="5178669" cy="584775"/>
           </a:xfrm>
           <a:prstGeom prst="rect">
             <a:avLst/>
           </a:prstGeom>
-        </p:spPr>
-      </p:pic>
-      <p:grpSp>
-        <p:nvGrpSpPr>
-          <p:cNvPr id="17" name="组合 16"/>
-          <p:cNvGrpSpPr/>
-          <p:nvPr/>
-        </p:nvGrpSpPr>
-        <p:grpSpPr>
-          <a:xfrm>
-            <a:off x="923717" y="715883"/>
-            <a:ext cx="2300757" cy="509896"/>
-            <a:chOff x="888096" y="1000203"/>
-            <a:chExt cx="4259825" cy="944066"/>
-          </a:xfrm>
-        </p:grpSpPr>
-        <p:sp>
-          <p:nvSpPr>
-            <p:cNvPr id="18" name="矩形 17"/>
-            <p:cNvSpPr/>
-            <p:nvPr/>
-          </p:nvSpPr>
-          <p:spPr>
-            <a:xfrm>
-              <a:off x="911225" y="1045634"/>
-              <a:ext cx="4199467" cy="872066"/>
-            </a:xfrm>
-            <a:prstGeom prst="rect">
-              <a:avLst/>
-            </a:prstGeom>
-            <a:noFill/>
-            <a:ln>
-              <a:solidFill>
-                <a:schemeClr val="bg1">
-                  <a:lumMod val="75000"/>
-                </a:schemeClr>
-              </a:solidFill>
-            </a:ln>
-          </p:spPr>
-          <p:style>
-            <a:lnRef idx="2">
-              <a:schemeClr val="accent1">
-                <a:shade val="50000"/>
-              </a:schemeClr>
-            </a:lnRef>
-            <a:fillRef idx="1">
-              <a:schemeClr val="accent1"/>
-            </a:fillRef>
-            <a:effectRef idx="0">
-              <a:schemeClr val="accent1"/>
-            </a:effectRef>
-            <a:fontRef idx="minor">
-              <a:schemeClr val="lt1"/>
-            </a:fontRef>
-          </p:style>
-          <p:txBody>
-            <a:bodyPr rot="0" spcFirstLastPara="0" vertOverflow="overflow" horzOverflow="overflow" vert="horz" wrap="square" lIns="91440" tIns="45720" rIns="91440" bIns="45720" numCol="1" spcCol="0" rtlCol="0" fromWordArt="0" anchor="ctr" anchorCtr="0" forceAA="0" compatLnSpc="1">
-              <a:noAutofit/>
-            </a:bodyPr>
-            <a:lstStyle/>
-            <a:p>
-              <a:pPr algn="ctr"/>
-              <a:endParaRPr lang="zh-CN" altLang="en-US"/>
-            </a:p>
-          </p:txBody>
-        </p:sp>
-        <p:sp>
-          <p:nvSpPr>
-            <p:cNvPr id="19" name="椭圆 18"/>
-            <p:cNvSpPr/>
-            <p:nvPr/>
-          </p:nvSpPr>
-          <p:spPr>
-            <a:xfrm>
-              <a:off x="888096" y="1000203"/>
-              <a:ext cx="72000" cy="72000"/>
-            </a:xfrm>
-            <a:prstGeom prst="ellipse">
-              <a:avLst/>
-            </a:prstGeom>
-            <a:solidFill>
-              <a:schemeClr val="tx1">
-                <a:lumMod val="65000"/>
-                <a:lumOff val="35000"/>
-              </a:schemeClr>
-            </a:solidFill>
-            <a:ln>
-              <a:noFill/>
-            </a:ln>
-          </p:spPr>
-          <p:style>
-            <a:lnRef idx="2">
-              <a:schemeClr val="accent1">
-                <a:shade val="50000"/>
-              </a:schemeClr>
-            </a:lnRef>
-            <a:fillRef idx="1">
-              <a:schemeClr val="accent1"/>
-            </a:fillRef>
-            <a:effectRef idx="0">
-              <a:schemeClr val="accent1"/>
-            </a:effectRef>
-            <a:fontRef idx="minor">
-              <a:schemeClr val="lt1"/>
-            </a:fontRef>
-          </p:style>
-          <p:txBody>
-            <a:bodyPr rot="0" spcFirstLastPara="0" vertOverflow="overflow" horzOverflow="overflow" vert="horz" wrap="square" lIns="91440" tIns="45720" rIns="91440" bIns="45720" numCol="1" spcCol="0" rtlCol="0" fromWordArt="0" anchor="ctr" anchorCtr="0" forceAA="0" compatLnSpc="1">
-              <a:noAutofit/>
-            </a:bodyPr>
-            <a:lstStyle/>
-            <a:p>
-              <a:pPr algn="ctr"/>
-              <a:endParaRPr lang="zh-CN" altLang="en-US"/>
-            </a:p>
-          </p:txBody>
-        </p:sp>
-        <p:sp>
-          <p:nvSpPr>
-            <p:cNvPr id="20" name="椭圆 19"/>
-            <p:cNvSpPr/>
-            <p:nvPr/>
-          </p:nvSpPr>
-          <p:spPr>
-            <a:xfrm>
-              <a:off x="888096" y="1872269"/>
-              <a:ext cx="72000" cy="72000"/>
-            </a:xfrm>
-            <a:prstGeom prst="ellipse">
-              <a:avLst/>
-            </a:prstGeom>
-            <a:solidFill>
-              <a:schemeClr val="tx1">
-                <a:lumMod val="65000"/>
-                <a:lumOff val="35000"/>
-              </a:schemeClr>
-            </a:solidFill>
-            <a:ln>
-              <a:noFill/>
-            </a:ln>
-          </p:spPr>
-          <p:style>
-            <a:lnRef idx="2">
-              <a:schemeClr val="accent1">
-                <a:shade val="50000"/>
-              </a:schemeClr>
-            </a:lnRef>
-            <a:fillRef idx="1">
-              <a:schemeClr val="accent1"/>
-            </a:fillRef>
-            <a:effectRef idx="0">
-              <a:schemeClr val="accent1"/>
-            </a:effectRef>
-            <a:fontRef idx="minor">
-              <a:schemeClr val="lt1"/>
-            </a:fontRef>
-          </p:style>
-          <p:txBody>
-            <a:bodyPr rot="0" spcFirstLastPara="0" vertOverflow="overflow" horzOverflow="overflow" vert="horz" wrap="square" lIns="91440" tIns="45720" rIns="91440" bIns="45720" numCol="1" spcCol="0" rtlCol="0" fromWordArt="0" anchor="ctr" anchorCtr="0" forceAA="0" compatLnSpc="1">
-              <a:noAutofit/>
-            </a:bodyPr>
-            <a:lstStyle/>
-            <a:p>
-              <a:pPr algn="ctr"/>
-              <a:endParaRPr lang="zh-CN" altLang="en-US"/>
-            </a:p>
-          </p:txBody>
-        </p:sp>
-        <p:sp>
-          <p:nvSpPr>
-            <p:cNvPr id="21" name="椭圆 20"/>
-            <p:cNvSpPr/>
-            <p:nvPr/>
-          </p:nvSpPr>
-          <p:spPr>
-            <a:xfrm>
-              <a:off x="5075921" y="1872269"/>
-              <a:ext cx="72000" cy="72000"/>
-            </a:xfrm>
-            <a:prstGeom prst="ellipse">
-              <a:avLst/>
-            </a:prstGeom>
-            <a:solidFill>
-              <a:schemeClr val="tx1">
-                <a:lumMod val="65000"/>
-                <a:lumOff val="35000"/>
-              </a:schemeClr>
-            </a:solidFill>
-            <a:ln>
-              <a:noFill/>
-            </a:ln>
-          </p:spPr>
-          <p:style>
-            <a:lnRef idx="2">
-              <a:schemeClr val="accent1">
-                <a:shade val="50000"/>
-              </a:schemeClr>
-            </a:lnRef>
-            <a:fillRef idx="1">
-              <a:schemeClr val="accent1"/>
-            </a:fillRef>
-            <a:effectRef idx="0">
-              <a:schemeClr val="accent1"/>
-            </a:effectRef>
-            <a:fontRef idx="minor">
-              <a:schemeClr val="lt1"/>
-            </a:fontRef>
-          </p:style>
-          <p:txBody>
-            <a:bodyPr rot="0" spcFirstLastPara="0" vertOverflow="overflow" horzOverflow="overflow" vert="horz" wrap="square" lIns="91440" tIns="45720" rIns="91440" bIns="45720" numCol="1" spcCol="0" rtlCol="0" fromWordArt="0" anchor="ctr" anchorCtr="0" forceAA="0" compatLnSpc="1">
-              <a:noAutofit/>
-            </a:bodyPr>
-            <a:lstStyle/>
-            <a:p>
-              <a:pPr algn="ctr"/>
-              <a:endParaRPr lang="zh-CN" altLang="en-US"/>
-            </a:p>
-          </p:txBody>
-        </p:sp>
-        <p:sp>
-          <p:nvSpPr>
-            <p:cNvPr id="22" name="椭圆 21"/>
-            <p:cNvSpPr/>
-            <p:nvPr/>
-          </p:nvSpPr>
-          <p:spPr>
-            <a:xfrm>
-              <a:off x="5074692" y="1009634"/>
-              <a:ext cx="72000" cy="72000"/>
-            </a:xfrm>
-            <a:prstGeom prst="ellipse">
-              <a:avLst/>
-            </a:prstGeom>
-            <a:solidFill>
-              <a:schemeClr val="tx1">
-                <a:lumMod val="65000"/>
-                <a:lumOff val="35000"/>
-              </a:schemeClr>
-            </a:solidFill>
-            <a:ln>
-              <a:noFill/>
-            </a:ln>
-          </p:spPr>
-          <p:style>
-            <a:lnRef idx="2">
-              <a:schemeClr val="accent1">
-                <a:shade val="50000"/>
-              </a:schemeClr>
-            </a:lnRef>
-            <a:fillRef idx="1">
-              <a:schemeClr val="accent1"/>
-            </a:fillRef>
-            <a:effectRef idx="0">
-              <a:schemeClr val="accent1"/>
-            </a:effectRef>
-            <a:fontRef idx="minor">
-              <a:schemeClr val="lt1"/>
-            </a:fontRef>
-          </p:style>
-          <p:txBody>
-            <a:bodyPr rot="0" spcFirstLastPara="0" vertOverflow="overflow" horzOverflow="overflow" vert="horz" wrap="square" lIns="91440" tIns="45720" rIns="91440" bIns="45720" numCol="1" spcCol="0" rtlCol="0" fromWordArt="0" anchor="ctr" anchorCtr="0" forceAA="0" compatLnSpc="1">
-              <a:noAutofit/>
-            </a:bodyPr>
-            <a:lstStyle/>
-            <a:p>
-              <a:pPr algn="ctr"/>
-              <a:endParaRPr lang="zh-CN" altLang="en-US"/>
-            </a:p>
-          </p:txBody>
-        </p:sp>
-      </p:grpSp>
-      <p:grpSp>
-        <p:nvGrpSpPr>
-          <p:cNvPr id="24" name="组合 23"/>
-          <p:cNvGrpSpPr/>
-          <p:nvPr/>
-        </p:nvGrpSpPr>
-        <p:grpSpPr>
-          <a:xfrm>
-            <a:off x="4437625" y="715883"/>
-            <a:ext cx="2300757" cy="509896"/>
-            <a:chOff x="888096" y="1000203"/>
-            <a:chExt cx="4259825" cy="944066"/>
-          </a:xfrm>
-        </p:grpSpPr>
-        <p:sp>
-          <p:nvSpPr>
-            <p:cNvPr id="25" name="矩形 24"/>
-            <p:cNvSpPr/>
-            <p:nvPr/>
-          </p:nvSpPr>
-          <p:spPr>
-            <a:xfrm>
-              <a:off x="911225" y="1045634"/>
-              <a:ext cx="4199467" cy="872066"/>
-            </a:xfrm>
-            <a:prstGeom prst="rect">
-              <a:avLst/>
-            </a:prstGeom>
-            <a:noFill/>
-            <a:ln>
-              <a:solidFill>
-                <a:schemeClr val="bg1">
-                  <a:lumMod val="75000"/>
-                </a:schemeClr>
-              </a:solidFill>
-            </a:ln>
-          </p:spPr>
-          <p:style>
-            <a:lnRef idx="2">
-              <a:schemeClr val="accent1">
-                <a:shade val="50000"/>
-              </a:schemeClr>
-            </a:lnRef>
-            <a:fillRef idx="1">
-              <a:schemeClr val="accent1"/>
-            </a:fillRef>
-            <a:effectRef idx="0">
-              <a:schemeClr val="accent1"/>
-            </a:effectRef>
-            <a:fontRef idx="minor">
-              <a:schemeClr val="lt1"/>
-            </a:fontRef>
-          </p:style>
-          <p:txBody>
-            <a:bodyPr rot="0" spcFirstLastPara="0" vertOverflow="overflow" horzOverflow="overflow" vert="horz" wrap="square" lIns="91440" tIns="45720" rIns="91440" bIns="45720" numCol="1" spcCol="0" rtlCol="0" fromWordArt="0" anchor="ctr" anchorCtr="0" forceAA="0" compatLnSpc="1">
-              <a:noAutofit/>
-            </a:bodyPr>
-            <a:lstStyle/>
-            <a:p>
-              <a:pPr algn="ctr"/>
-              <a:endParaRPr lang="zh-CN" altLang="en-US"/>
-            </a:p>
-          </p:txBody>
-        </p:sp>
-        <p:sp>
-          <p:nvSpPr>
-            <p:cNvPr id="26" name="椭圆 25"/>
-            <p:cNvSpPr/>
-            <p:nvPr/>
-          </p:nvSpPr>
-          <p:spPr>
-            <a:xfrm>
-              <a:off x="888096" y="1000203"/>
-              <a:ext cx="72000" cy="72000"/>
-            </a:xfrm>
-            <a:prstGeom prst="ellipse">
-              <a:avLst/>
-            </a:prstGeom>
-            <a:solidFill>
-              <a:schemeClr val="tx1">
-                <a:lumMod val="65000"/>
-                <a:lumOff val="35000"/>
-              </a:schemeClr>
-            </a:solidFill>
-            <a:ln>
-              <a:noFill/>
-            </a:ln>
-          </p:spPr>
-          <p:style>
-            <a:lnRef idx="2">
-              <a:schemeClr val="accent1">
-                <a:shade val="50000"/>
-              </a:schemeClr>
-            </a:lnRef>
-            <a:fillRef idx="1">
-              <a:schemeClr val="accent1"/>
-            </a:fillRef>
-            <a:effectRef idx="0">
-              <a:schemeClr val="accent1"/>
-            </a:effectRef>
-            <a:fontRef idx="minor">
-              <a:schemeClr val="lt1"/>
-            </a:fontRef>
-          </p:style>
-          <p:txBody>
-            <a:bodyPr rot="0" spcFirstLastPara="0" vertOverflow="overflow" horzOverflow="overflow" vert="horz" wrap="square" lIns="91440" tIns="45720" rIns="91440" bIns="45720" numCol="1" spcCol="0" rtlCol="0" fromWordArt="0" anchor="ctr" anchorCtr="0" forceAA="0" compatLnSpc="1">
-              <a:noAutofit/>
-            </a:bodyPr>
-            <a:lstStyle/>
-            <a:p>
-              <a:pPr algn="ctr"/>
-              <a:endParaRPr lang="zh-CN" altLang="en-US"/>
-            </a:p>
-          </p:txBody>
-        </p:sp>
-        <p:sp>
-          <p:nvSpPr>
-            <p:cNvPr id="27" name="椭圆 26"/>
-            <p:cNvSpPr/>
-            <p:nvPr/>
-          </p:nvSpPr>
-          <p:spPr>
-            <a:xfrm>
-              <a:off x="888096" y="1872269"/>
-              <a:ext cx="72000" cy="72000"/>
-            </a:xfrm>
-            <a:prstGeom prst="ellipse">
-              <a:avLst/>
-            </a:prstGeom>
-            <a:solidFill>
-              <a:schemeClr val="tx1">
-                <a:lumMod val="65000"/>
-                <a:lumOff val="35000"/>
-              </a:schemeClr>
-            </a:solidFill>
-            <a:ln>
-              <a:noFill/>
-            </a:ln>
-          </p:spPr>
-          <p:style>
-            <a:lnRef idx="2">
-              <a:schemeClr val="accent1">
-                <a:shade val="50000"/>
-              </a:schemeClr>
-            </a:lnRef>
-            <a:fillRef idx="1">
-              <a:schemeClr val="accent1"/>
-            </a:fillRef>
-            <a:effectRef idx="0">
-              <a:schemeClr val="accent1"/>
-            </a:effectRef>
-            <a:fontRef idx="minor">
-              <a:schemeClr val="lt1"/>
-            </a:fontRef>
-          </p:style>
-          <p:txBody>
-            <a:bodyPr rot="0" spcFirstLastPara="0" vertOverflow="overflow" horzOverflow="overflow" vert="horz" wrap="square" lIns="91440" tIns="45720" rIns="91440" bIns="45720" numCol="1" spcCol="0" rtlCol="0" fromWordArt="0" anchor="ctr" anchorCtr="0" forceAA="0" compatLnSpc="1">
-              <a:noAutofit/>
-            </a:bodyPr>
-            <a:lstStyle/>
-            <a:p>
-              <a:pPr algn="ctr"/>
-              <a:endParaRPr lang="zh-CN" altLang="en-US"/>
-            </a:p>
-          </p:txBody>
-        </p:sp>
-        <p:sp>
-          <p:nvSpPr>
-            <p:cNvPr id="28" name="椭圆 27"/>
-            <p:cNvSpPr/>
-            <p:nvPr/>
-          </p:nvSpPr>
-          <p:spPr>
-            <a:xfrm>
-              <a:off x="5075921" y="1872269"/>
-              <a:ext cx="72000" cy="72000"/>
-            </a:xfrm>
-            <a:prstGeom prst="ellipse">
-              <a:avLst/>
-            </a:prstGeom>
-            <a:solidFill>
-              <a:schemeClr val="tx1">
-                <a:lumMod val="65000"/>
-                <a:lumOff val="35000"/>
-              </a:schemeClr>
-            </a:solidFill>
-            <a:ln>
-              <a:noFill/>
-            </a:ln>
-          </p:spPr>
-          <p:style>
-            <a:lnRef idx="2">
-              <a:schemeClr val="accent1">
-                <a:shade val="50000"/>
-              </a:schemeClr>
-            </a:lnRef>
-            <a:fillRef idx="1">
-              <a:schemeClr val="accent1"/>
-            </a:fillRef>
-            <a:effectRef idx="0">
-              <a:schemeClr val="accent1"/>
-            </a:effectRef>
-            <a:fontRef idx="minor">
-              <a:schemeClr val="lt1"/>
-            </a:fontRef>
-          </p:style>
-          <p:txBody>
-            <a:bodyPr rot="0" spcFirstLastPara="0" vertOverflow="overflow" horzOverflow="overflow" vert="horz" wrap="square" lIns="91440" tIns="45720" rIns="91440" bIns="45720" numCol="1" spcCol="0" rtlCol="0" fromWordArt="0" anchor="ctr" anchorCtr="0" forceAA="0" compatLnSpc="1">
-              <a:noAutofit/>
-            </a:bodyPr>
-            <a:lstStyle/>
-            <a:p>
-              <a:pPr algn="ctr"/>
-              <a:endParaRPr lang="zh-CN" altLang="en-US"/>
-            </a:p>
-          </p:txBody>
-        </p:sp>
-        <p:sp>
-          <p:nvSpPr>
-            <p:cNvPr id="29" name="椭圆 28"/>
-            <p:cNvSpPr/>
-            <p:nvPr/>
-          </p:nvSpPr>
-          <p:spPr>
-            <a:xfrm>
-              <a:off x="5074692" y="1009634"/>
-              <a:ext cx="72000" cy="72000"/>
-            </a:xfrm>
-            <a:prstGeom prst="ellipse">
-              <a:avLst/>
-            </a:prstGeom>
-            <a:solidFill>
-              <a:schemeClr val="tx1">
-                <a:lumMod val="65000"/>
-                <a:lumOff val="35000"/>
-              </a:schemeClr>
-            </a:solidFill>
-            <a:ln>
-              <a:noFill/>
-            </a:ln>
-          </p:spPr>
-          <p:style>
-            <a:lnRef idx="2">
-              <a:schemeClr val="accent1">
-                <a:shade val="50000"/>
-              </a:schemeClr>
-            </a:lnRef>
-            <a:fillRef idx="1">
-              <a:schemeClr val="accent1"/>
-            </a:fillRef>
-            <a:effectRef idx="0">
-              <a:schemeClr val="accent1"/>
-            </a:effectRef>
-            <a:fontRef idx="minor">
-              <a:schemeClr val="lt1"/>
-            </a:fontRef>
-          </p:style>
-          <p:txBody>
-            <a:bodyPr rot="0" spcFirstLastPara="0" vertOverflow="overflow" horzOverflow="overflow" vert="horz" wrap="square" lIns="91440" tIns="45720" rIns="91440" bIns="45720" numCol="1" spcCol="0" rtlCol="0" fromWordArt="0" anchor="ctr" anchorCtr="0" forceAA="0" compatLnSpc="1">
-              <a:noAutofit/>
-            </a:bodyPr>
-            <a:lstStyle/>
-            <a:p>
-              <a:pPr algn="ctr"/>
-              <a:endParaRPr lang="zh-CN" altLang="en-US"/>
-            </a:p>
-          </p:txBody>
-        </p:sp>
-      </p:grpSp>
-      <p:grpSp>
-        <p:nvGrpSpPr>
-          <p:cNvPr id="37" name="组合 36"/>
-          <p:cNvGrpSpPr/>
-          <p:nvPr/>
-        </p:nvGrpSpPr>
-        <p:grpSpPr>
-          <a:xfrm>
-            <a:off x="7964025" y="715883"/>
-            <a:ext cx="2300757" cy="509896"/>
-            <a:chOff x="888096" y="1000203"/>
-            <a:chExt cx="4259825" cy="944066"/>
-          </a:xfrm>
-        </p:grpSpPr>
-        <p:sp>
-          <p:nvSpPr>
-            <p:cNvPr id="38" name="矩形 37"/>
-            <p:cNvSpPr/>
-            <p:nvPr/>
-          </p:nvSpPr>
-          <p:spPr>
-            <a:xfrm>
-              <a:off x="911225" y="1045634"/>
-              <a:ext cx="4199467" cy="872066"/>
-            </a:xfrm>
-            <a:prstGeom prst="rect">
-              <a:avLst/>
-            </a:prstGeom>
-            <a:noFill/>
-            <a:ln>
-              <a:solidFill>
-                <a:schemeClr val="bg1">
-                  <a:lumMod val="75000"/>
-                </a:schemeClr>
-              </a:solidFill>
-            </a:ln>
-          </p:spPr>
-          <p:style>
-            <a:lnRef idx="2">
-              <a:schemeClr val="accent1">
-                <a:shade val="50000"/>
-              </a:schemeClr>
-            </a:lnRef>
-            <a:fillRef idx="1">
-              <a:schemeClr val="accent1"/>
-            </a:fillRef>
-            <a:effectRef idx="0">
-              <a:schemeClr val="accent1"/>
-            </a:effectRef>
-            <a:fontRef idx="minor">
-              <a:schemeClr val="lt1"/>
-            </a:fontRef>
-          </p:style>
-          <p:txBody>
-            <a:bodyPr rot="0" spcFirstLastPara="0" vertOverflow="overflow" horzOverflow="overflow" vert="horz" wrap="square" lIns="91440" tIns="45720" rIns="91440" bIns="45720" numCol="1" spcCol="0" rtlCol="0" fromWordArt="0" anchor="ctr" anchorCtr="0" forceAA="0" compatLnSpc="1">
-              <a:noAutofit/>
-            </a:bodyPr>
-            <a:lstStyle/>
-            <a:p>
-              <a:pPr algn="ctr"/>
-              <a:endParaRPr lang="zh-CN" altLang="en-US"/>
-            </a:p>
-          </p:txBody>
-        </p:sp>
-        <p:sp>
-          <p:nvSpPr>
-            <p:cNvPr id="39" name="椭圆 38"/>
-            <p:cNvSpPr/>
-            <p:nvPr/>
-          </p:nvSpPr>
-          <p:spPr>
-            <a:xfrm>
-              <a:off x="888096" y="1000203"/>
-              <a:ext cx="72000" cy="72000"/>
-            </a:xfrm>
-            <a:prstGeom prst="ellipse">
-              <a:avLst/>
-            </a:prstGeom>
-            <a:solidFill>
-              <a:schemeClr val="tx1">
-                <a:lumMod val="65000"/>
-                <a:lumOff val="35000"/>
-              </a:schemeClr>
-            </a:solidFill>
-            <a:ln>
-              <a:noFill/>
-            </a:ln>
-          </p:spPr>
-          <p:style>
-            <a:lnRef idx="2">
-              <a:schemeClr val="accent1">
-                <a:shade val="50000"/>
-              </a:schemeClr>
-            </a:lnRef>
-            <a:fillRef idx="1">
-              <a:schemeClr val="accent1"/>
-            </a:fillRef>
-            <a:effectRef idx="0">
-              <a:schemeClr val="accent1"/>
-            </a:effectRef>
-            <a:fontRef idx="minor">
-              <a:schemeClr val="lt1"/>
-            </a:fontRef>
-          </p:style>
-          <p:txBody>
-            <a:bodyPr rot="0" spcFirstLastPara="0" vertOverflow="overflow" horzOverflow="overflow" vert="horz" wrap="square" lIns="91440" tIns="45720" rIns="91440" bIns="45720" numCol="1" spcCol="0" rtlCol="0" fromWordArt="0" anchor="ctr" anchorCtr="0" forceAA="0" compatLnSpc="1">
-              <a:noAutofit/>
-            </a:bodyPr>
-            <a:lstStyle/>
-            <a:p>
-              <a:pPr algn="ctr"/>
-              <a:endParaRPr lang="zh-CN" altLang="en-US"/>
-            </a:p>
-          </p:txBody>
-        </p:sp>
-        <p:sp>
-          <p:nvSpPr>
-            <p:cNvPr id="40" name="椭圆 39"/>
-            <p:cNvSpPr/>
-            <p:nvPr/>
-          </p:nvSpPr>
-          <p:spPr>
-            <a:xfrm>
-              <a:off x="888096" y="1872269"/>
-              <a:ext cx="72000" cy="72000"/>
-            </a:xfrm>
-            <a:prstGeom prst="ellipse">
-              <a:avLst/>
-            </a:prstGeom>
-            <a:solidFill>
-              <a:schemeClr val="tx1">
-                <a:lumMod val="65000"/>
-                <a:lumOff val="35000"/>
-              </a:schemeClr>
-            </a:solidFill>
-            <a:ln>
-              <a:noFill/>
-            </a:ln>
-          </p:spPr>
-          <p:style>
-            <a:lnRef idx="2">
-              <a:schemeClr val="accent1">
-                <a:shade val="50000"/>
-              </a:schemeClr>
-            </a:lnRef>
-            <a:fillRef idx="1">
-              <a:schemeClr val="accent1"/>
-            </a:fillRef>
-            <a:effectRef idx="0">
-              <a:schemeClr val="accent1"/>
-            </a:effectRef>
-            <a:fontRef idx="minor">
-              <a:schemeClr val="lt1"/>
-            </a:fontRef>
-          </p:style>
-          <p:txBody>
-            <a:bodyPr rot="0" spcFirstLastPara="0" vertOverflow="overflow" horzOverflow="overflow" vert="horz" wrap="square" lIns="91440" tIns="45720" rIns="91440" bIns="45720" numCol="1" spcCol="0" rtlCol="0" fromWordArt="0" anchor="ctr" anchorCtr="0" forceAA="0" compatLnSpc="1">
-              <a:noAutofit/>
-            </a:bodyPr>
-            <a:lstStyle/>
-            <a:p>
-              <a:pPr algn="ctr"/>
-              <a:endParaRPr lang="zh-CN" altLang="en-US"/>
-            </a:p>
-          </p:txBody>
-        </p:sp>
-        <p:sp>
-          <p:nvSpPr>
-            <p:cNvPr id="41" name="椭圆 40"/>
-            <p:cNvSpPr/>
-            <p:nvPr/>
-          </p:nvSpPr>
-          <p:spPr>
-            <a:xfrm>
-              <a:off x="5075921" y="1872269"/>
-              <a:ext cx="72000" cy="72000"/>
-            </a:xfrm>
-            <a:prstGeom prst="ellipse">
-              <a:avLst/>
-            </a:prstGeom>
-            <a:solidFill>
-              <a:schemeClr val="tx1">
-                <a:lumMod val="65000"/>
-                <a:lumOff val="35000"/>
-              </a:schemeClr>
-            </a:solidFill>
-            <a:ln>
-              <a:noFill/>
-            </a:ln>
-          </p:spPr>
-          <p:style>
-            <a:lnRef idx="2">
-              <a:schemeClr val="accent1">
-                <a:shade val="50000"/>
-              </a:schemeClr>
-            </a:lnRef>
-            <a:fillRef idx="1">
-              <a:schemeClr val="accent1"/>
-            </a:fillRef>
-            <a:effectRef idx="0">
-              <a:schemeClr val="accent1"/>
-            </a:effectRef>
-            <a:fontRef idx="minor">
-              <a:schemeClr val="lt1"/>
-            </a:fontRef>
-          </p:style>
-          <p:txBody>
-            <a:bodyPr rot="0" spcFirstLastPara="0" vertOverflow="overflow" horzOverflow="overflow" vert="horz" wrap="square" lIns="91440" tIns="45720" rIns="91440" bIns="45720" numCol="1" spcCol="0" rtlCol="0" fromWordArt="0" anchor="ctr" anchorCtr="0" forceAA="0" compatLnSpc="1">
-              <a:noAutofit/>
-            </a:bodyPr>
-            <a:lstStyle/>
-            <a:p>
-              <a:pPr algn="ctr"/>
-              <a:endParaRPr lang="zh-CN" altLang="en-US"/>
-            </a:p>
-          </p:txBody>
-        </p:sp>
-        <p:sp>
-          <p:nvSpPr>
-            <p:cNvPr id="42" name="椭圆 41"/>
-            <p:cNvSpPr/>
-            <p:nvPr/>
-          </p:nvSpPr>
-          <p:spPr>
-            <a:xfrm>
-              <a:off x="5074692" y="1009634"/>
-              <a:ext cx="72000" cy="72000"/>
-            </a:xfrm>
-            <a:prstGeom prst="ellipse">
-              <a:avLst/>
-            </a:prstGeom>
-            <a:solidFill>
-              <a:schemeClr val="tx1">
-                <a:lumMod val="65000"/>
-                <a:lumOff val="35000"/>
-              </a:schemeClr>
-            </a:solidFill>
-            <a:ln>
-              <a:noFill/>
-            </a:ln>
-          </p:spPr>
-          <p:style>
-            <a:lnRef idx="2">
-              <a:schemeClr val="accent1">
-                <a:shade val="50000"/>
-              </a:schemeClr>
-            </a:lnRef>
-            <a:fillRef idx="1">
-              <a:schemeClr val="accent1"/>
-            </a:fillRef>
-            <a:effectRef idx="0">
-              <a:schemeClr val="accent1"/>
-            </a:effectRef>
-            <a:fontRef idx="minor">
-              <a:schemeClr val="lt1"/>
-            </a:fontRef>
-          </p:style>
-          <p:txBody>
-            <a:bodyPr rot="0" spcFirstLastPara="0" vertOverflow="overflow" horzOverflow="overflow" vert="horz" wrap="square" lIns="91440" tIns="45720" rIns="91440" bIns="45720" numCol="1" spcCol="0" rtlCol="0" fromWordArt="0" anchor="ctr" anchorCtr="0" forceAA="0" compatLnSpc="1">
-              <a:noAutofit/>
-            </a:bodyPr>
-            <a:lstStyle/>
-            <a:p>
-              <a:pPr algn="ctr"/>
-              <a:endParaRPr lang="zh-CN" altLang="en-US"/>
-            </a:p>
-          </p:txBody>
-        </p:sp>
-      </p:grpSp>
-      <p:sp>
-        <p:nvSpPr>
-          <p:cNvPr id="43" name="矩形 42"/>
-          <p:cNvSpPr/>
-          <p:nvPr/>
-        </p:nvSpPr>
-        <p:spPr>
-          <a:xfrm>
-            <a:off x="1001873" y="791259"/>
-            <a:ext cx="2031325" cy="369332"/>
-          </a:xfrm>
-          <a:prstGeom prst="rect">
-            <a:avLst/>
-          </a:prstGeom>
-        </p:spPr>
-        <p:txBody>
-          <a:bodyPr wrap="none">
+          <a:noFill/>
+        </p:spPr>
+        <p:txBody>
+          <a:bodyPr wrap="square" rtlCol="0">
             <a:spAutoFit/>
           </a:bodyPr>
           <a:lstStyle/>
           <a:p>
             <a:r>
-              <a:rPr lang="zh-CN" altLang="en-US" dirty="0"/>
-              <a:t>点击此处添加标题</a:t>
-            </a:r>
-          </a:p>
-        </p:txBody>
-      </p:sp>
-      <p:sp>
-        <p:nvSpPr>
-          <p:cNvPr id="44" name="矩形 43"/>
-          <p:cNvSpPr/>
-          <p:nvPr/>
-        </p:nvSpPr>
-        <p:spPr>
-          <a:xfrm>
-            <a:off x="4568532" y="791259"/>
-            <a:ext cx="2031325" cy="369332"/>
-          </a:xfrm>
-          <a:prstGeom prst="rect">
-            <a:avLst/>
-          </a:prstGeom>
-        </p:spPr>
-        <p:txBody>
-          <a:bodyPr wrap="none">
-            <a:spAutoFit/>
-          </a:bodyPr>
-          <a:lstStyle/>
-          <a:p>
-            <a:r>
-              <a:rPr lang="zh-CN" altLang="en-US" dirty="0"/>
-              <a:t>点击此处添加标题</a:t>
-            </a:r>
-          </a:p>
-        </p:txBody>
-      </p:sp>
-      <p:sp>
-        <p:nvSpPr>
-          <p:cNvPr id="45" name="矩形 44"/>
-          <p:cNvSpPr/>
-          <p:nvPr/>
-        </p:nvSpPr>
-        <p:spPr>
-          <a:xfrm>
-            <a:off x="8094932" y="791259"/>
-            <a:ext cx="2031325" cy="369332"/>
-          </a:xfrm>
-          <a:prstGeom prst="rect">
-            <a:avLst/>
-          </a:prstGeom>
-        </p:spPr>
-        <p:txBody>
-          <a:bodyPr wrap="none">
-            <a:spAutoFit/>
-          </a:bodyPr>
-          <a:lstStyle/>
-          <a:p>
-            <a:r>
-              <a:rPr lang="zh-CN" altLang="en-US" dirty="0"/>
-              <a:t>点击此处添加标题</a:t>
-            </a:r>
-          </a:p>
-        </p:txBody>
-      </p:sp>
-      <p:sp>
-        <p:nvSpPr>
-          <p:cNvPr id="46" name="矩形 45"/>
-          <p:cNvSpPr/>
-          <p:nvPr/>
-        </p:nvSpPr>
-        <p:spPr>
-          <a:xfrm>
-            <a:off x="911226" y="4713585"/>
-            <a:ext cx="3316750" cy="1212640"/>
-          </a:xfrm>
-          <a:prstGeom prst="rect">
-            <a:avLst/>
-          </a:prstGeom>
-        </p:spPr>
-        <p:txBody>
-          <a:bodyPr wrap="square">
-            <a:spAutoFit/>
-          </a:bodyPr>
-          <a:lstStyle/>
-          <a:p>
-            <a:pPr>
-              <a:lnSpc>
-                <a:spcPct val="130000"/>
-              </a:lnSpc>
-            </a:pPr>
-            <a:r>
-              <a:rPr lang="zh-CN" altLang="en-US" sz="1400" dirty="0">
-                <a:solidFill>
-                  <a:schemeClr val="bg1">
-                    <a:lumMod val="50000"/>
-                  </a:schemeClr>
-                </a:solidFill>
-                <a:latin typeface="微软雅黑" panose="020B0503020204020204" charset="-122"/>
-                <a:ea typeface="微软雅黑" panose="020B0503020204020204" charset="-122"/>
-              </a:rPr>
-              <a:t>标题数字等都可以通过点击和重新输入进行更改，顶部“开始”面板中可以对字体、字号、颜色、行距等进行修改。建议正文</a:t>
-            </a:r>
-            <a:r>
-              <a:rPr lang="en-US" altLang="zh-CN" sz="1400" dirty="0">
-                <a:solidFill>
-                  <a:schemeClr val="bg1">
-                    <a:lumMod val="50000"/>
-                  </a:schemeClr>
-                </a:solidFill>
-                <a:latin typeface="微软雅黑" panose="020B0503020204020204" charset="-122"/>
-                <a:ea typeface="微软雅黑" panose="020B0503020204020204" charset="-122"/>
-              </a:rPr>
-              <a:t>8-14</a:t>
-            </a:r>
-            <a:r>
-              <a:rPr lang="zh-CN" altLang="en-US" sz="1400" dirty="0">
-                <a:solidFill>
-                  <a:schemeClr val="bg1">
-                    <a:lumMod val="50000"/>
-                  </a:schemeClr>
-                </a:solidFill>
-                <a:latin typeface="微软雅黑" panose="020B0503020204020204" charset="-122"/>
-                <a:ea typeface="微软雅黑" panose="020B0503020204020204" charset="-122"/>
-              </a:rPr>
-              <a:t>号字，</a:t>
-            </a:r>
-            <a:r>
-              <a:rPr lang="en-US" altLang="zh-CN" sz="1400" dirty="0">
-                <a:solidFill>
-                  <a:schemeClr val="bg1">
-                    <a:lumMod val="50000"/>
-                  </a:schemeClr>
-                </a:solidFill>
-                <a:latin typeface="微软雅黑" panose="020B0503020204020204" charset="-122"/>
-                <a:ea typeface="微软雅黑" panose="020B0503020204020204" charset="-122"/>
-              </a:rPr>
-              <a:t>1.3</a:t>
-            </a:r>
-            <a:r>
-              <a:rPr lang="zh-CN" altLang="en-US" sz="1400" dirty="0">
-                <a:solidFill>
-                  <a:schemeClr val="bg1">
-                    <a:lumMod val="50000"/>
-                  </a:schemeClr>
-                </a:solidFill>
-                <a:latin typeface="微软雅黑" panose="020B0503020204020204" charset="-122"/>
-                <a:ea typeface="微软雅黑" panose="020B0503020204020204" charset="-122"/>
-              </a:rPr>
-              <a:t>倍字间距。</a:t>
-            </a:r>
-          </a:p>
-        </p:txBody>
-      </p:sp>
-      <p:sp>
-        <p:nvSpPr>
-          <p:cNvPr id="47" name="矩形 46"/>
-          <p:cNvSpPr/>
-          <p:nvPr/>
-        </p:nvSpPr>
-        <p:spPr>
-          <a:xfrm>
-            <a:off x="4437625" y="4713585"/>
-            <a:ext cx="3316750" cy="1212640"/>
-          </a:xfrm>
-          <a:prstGeom prst="rect">
-            <a:avLst/>
-          </a:prstGeom>
-        </p:spPr>
-        <p:txBody>
-          <a:bodyPr wrap="square">
-            <a:spAutoFit/>
-          </a:bodyPr>
-          <a:lstStyle/>
-          <a:p>
-            <a:pPr>
-              <a:lnSpc>
-                <a:spcPct val="130000"/>
-              </a:lnSpc>
-            </a:pPr>
-            <a:r>
-              <a:rPr lang="zh-CN" altLang="en-US" sz="1400" dirty="0">
-                <a:solidFill>
-                  <a:schemeClr val="bg1">
-                    <a:lumMod val="50000"/>
-                  </a:schemeClr>
-                </a:solidFill>
-                <a:latin typeface="微软雅黑" panose="020B0503020204020204" charset="-122"/>
-                <a:ea typeface="微软雅黑" panose="020B0503020204020204" charset="-122"/>
-              </a:rPr>
-              <a:t>标题数字等都可以通过点击和重新输入进行更改，顶部“开始”面板中可以对字体、字号、颜色、行距等进行修改。建议正文</a:t>
-            </a:r>
-            <a:r>
-              <a:rPr lang="en-US" altLang="zh-CN" sz="1400" dirty="0">
-                <a:solidFill>
-                  <a:schemeClr val="bg1">
-                    <a:lumMod val="50000"/>
-                  </a:schemeClr>
-                </a:solidFill>
-                <a:latin typeface="微软雅黑" panose="020B0503020204020204" charset="-122"/>
-                <a:ea typeface="微软雅黑" panose="020B0503020204020204" charset="-122"/>
-              </a:rPr>
-              <a:t>8-14</a:t>
-            </a:r>
-            <a:r>
-              <a:rPr lang="zh-CN" altLang="en-US" sz="1400" dirty="0">
-                <a:solidFill>
-                  <a:schemeClr val="bg1">
-                    <a:lumMod val="50000"/>
-                  </a:schemeClr>
-                </a:solidFill>
-                <a:latin typeface="微软雅黑" panose="020B0503020204020204" charset="-122"/>
-                <a:ea typeface="微软雅黑" panose="020B0503020204020204" charset="-122"/>
-              </a:rPr>
-              <a:t>号字，</a:t>
-            </a:r>
-            <a:r>
-              <a:rPr lang="en-US" altLang="zh-CN" sz="1400" dirty="0">
-                <a:solidFill>
-                  <a:schemeClr val="bg1">
-                    <a:lumMod val="50000"/>
-                  </a:schemeClr>
-                </a:solidFill>
-                <a:latin typeface="微软雅黑" panose="020B0503020204020204" charset="-122"/>
-                <a:ea typeface="微软雅黑" panose="020B0503020204020204" charset="-122"/>
-              </a:rPr>
-              <a:t>1.3</a:t>
-            </a:r>
-            <a:r>
-              <a:rPr lang="zh-CN" altLang="en-US" sz="1400" dirty="0">
-                <a:solidFill>
-                  <a:schemeClr val="bg1">
-                    <a:lumMod val="50000"/>
-                  </a:schemeClr>
-                </a:solidFill>
-                <a:latin typeface="微软雅黑" panose="020B0503020204020204" charset="-122"/>
-                <a:ea typeface="微软雅黑" panose="020B0503020204020204" charset="-122"/>
-              </a:rPr>
-              <a:t>倍字间距。</a:t>
-            </a:r>
-          </a:p>
-        </p:txBody>
-      </p:sp>
-      <p:sp>
-        <p:nvSpPr>
-          <p:cNvPr id="48" name="矩形 47"/>
-          <p:cNvSpPr/>
-          <p:nvPr/>
-        </p:nvSpPr>
-        <p:spPr>
-          <a:xfrm>
-            <a:off x="7964024" y="4713585"/>
-            <a:ext cx="3316750" cy="1212640"/>
-          </a:xfrm>
-          <a:prstGeom prst="rect">
-            <a:avLst/>
-          </a:prstGeom>
-        </p:spPr>
-        <p:txBody>
-          <a:bodyPr wrap="square">
-            <a:spAutoFit/>
-          </a:bodyPr>
-          <a:lstStyle/>
-          <a:p>
-            <a:pPr>
-              <a:lnSpc>
-                <a:spcPct val="130000"/>
-              </a:lnSpc>
-            </a:pPr>
-            <a:r>
-              <a:rPr lang="zh-CN" altLang="en-US" sz="1400" dirty="0">
-                <a:solidFill>
-                  <a:schemeClr val="bg1">
-                    <a:lumMod val="50000"/>
-                  </a:schemeClr>
-                </a:solidFill>
-                <a:latin typeface="微软雅黑" panose="020B0503020204020204" charset="-122"/>
-                <a:ea typeface="微软雅黑" panose="020B0503020204020204" charset="-122"/>
-              </a:rPr>
-              <a:t>标题数字等都可以通过点击和重新输入进行更改，顶部“开始”面板中可以对字体、字号、颜色、行距等进行修改。建议正文</a:t>
-            </a:r>
-            <a:r>
-              <a:rPr lang="en-US" altLang="zh-CN" sz="1400" dirty="0">
-                <a:solidFill>
-                  <a:schemeClr val="bg1">
-                    <a:lumMod val="50000"/>
-                  </a:schemeClr>
-                </a:solidFill>
-                <a:latin typeface="微软雅黑" panose="020B0503020204020204" charset="-122"/>
-                <a:ea typeface="微软雅黑" panose="020B0503020204020204" charset="-122"/>
-              </a:rPr>
-              <a:t>8-14</a:t>
-            </a:r>
-            <a:r>
-              <a:rPr lang="zh-CN" altLang="en-US" sz="1400" dirty="0">
-                <a:solidFill>
-                  <a:schemeClr val="bg1">
-                    <a:lumMod val="50000"/>
-                  </a:schemeClr>
-                </a:solidFill>
-                <a:latin typeface="微软雅黑" panose="020B0503020204020204" charset="-122"/>
-                <a:ea typeface="微软雅黑" panose="020B0503020204020204" charset="-122"/>
-              </a:rPr>
-              <a:t>号字，</a:t>
-            </a:r>
-            <a:r>
-              <a:rPr lang="en-US" altLang="zh-CN" sz="1400" dirty="0">
-                <a:solidFill>
-                  <a:schemeClr val="bg1">
-                    <a:lumMod val="50000"/>
-                  </a:schemeClr>
-                </a:solidFill>
-                <a:latin typeface="微软雅黑" panose="020B0503020204020204" charset="-122"/>
-                <a:ea typeface="微软雅黑" panose="020B0503020204020204" charset="-122"/>
-              </a:rPr>
-              <a:t>1.3</a:t>
-            </a:r>
-            <a:r>
-              <a:rPr lang="zh-CN" altLang="en-US" sz="1400" dirty="0">
-                <a:solidFill>
-                  <a:schemeClr val="bg1">
-                    <a:lumMod val="50000"/>
-                  </a:schemeClr>
-                </a:solidFill>
-                <a:latin typeface="微软雅黑" panose="020B0503020204020204" charset="-122"/>
-                <a:ea typeface="微软雅黑" panose="020B0503020204020204" charset="-122"/>
-              </a:rPr>
-              <a:t>倍字间距。</a:t>
-            </a:r>
+              <a:rPr lang="zh-CN" altLang="en-US" sz="1600" dirty="0" smtClean="0">
+                <a:latin typeface="微软雅黑 Light" panose="020B0502040204020203" pitchFamily="34" charset="-122"/>
+                <a:ea typeface="微软雅黑 Light" panose="020B0502040204020203" pitchFamily="34" charset="-122"/>
+              </a:rPr>
+              <a:t>不进行搜索时，显示所有商品的总价；当选择标题带有“春秋”的商品，则筛选出符合条件的商品并进行计算。</a:t>
+            </a:r>
+            <a:endParaRPr lang="zh-CN" altLang="en-US" sz="1600" dirty="0">
+              <a:latin typeface="微软雅黑 Light" panose="020B0502040204020203" pitchFamily="34" charset="-122"/>
+              <a:ea typeface="微软雅黑 Light" panose="020B0502040204020203" pitchFamily="34" charset="-122"/>
+            </a:endParaRPr>
           </a:p>
         </p:txBody>
       </p:sp>
     </p:spTree>
+    <p:extLst>
+      <p:ext uri="{BB962C8B-B14F-4D97-AF65-F5344CB8AC3E}">
+        <p14:creationId xmlns:p14="http://schemas.microsoft.com/office/powerpoint/2010/main" val="2710502147"/>
+      </p:ext>
+    </p:extLst>
   </p:cSld>
   <p:clrMapOvr>
     <a:masterClrMapping/>
@@ -9692,14 +8895,14 @@
       </p:grpSpPr>
       <p:sp>
         <p:nvSpPr>
-          <p:cNvPr id="2" name="矩形 1"/>
+          <p:cNvPr id="5" name="矩形 4"/>
           <p:cNvSpPr/>
           <p:nvPr/>
         </p:nvSpPr>
         <p:spPr>
           <a:xfrm>
-            <a:off x="0" y="60523"/>
-            <a:ext cx="1210588" cy="400110"/>
+            <a:off x="3672703" y="2066933"/>
+            <a:ext cx="4698723" cy="1446550"/>
           </a:xfrm>
           <a:prstGeom prst="rect">
             <a:avLst/>
@@ -9711,6 +8914,47 @@
           </a:bodyPr>
           <a:lstStyle/>
           <a:p>
+            <a:pPr algn="ctr"/>
+            <a:r>
+              <a:rPr lang="zh-CN" altLang="en-US" sz="8800" b="1" dirty="0"/>
+              <a:t>谢谢观看</a:t>
+            </a:r>
+            <a:endParaRPr lang="en-US" altLang="zh-CN" sz="8800" b="1" dirty="0"/>
+          </a:p>
+        </p:txBody>
+      </p:sp>
+      <p:sp>
+        <p:nvSpPr>
+          <p:cNvPr id="7" name="矩形 6"/>
+          <p:cNvSpPr/>
+          <p:nvPr/>
+        </p:nvSpPr>
+        <p:spPr>
+          <a:xfrm>
+            <a:off x="0" y="60523"/>
+            <a:ext cx="3005951" cy="400110"/>
+          </a:xfrm>
+          <a:prstGeom prst="rect">
+            <a:avLst/>
+          </a:prstGeom>
+        </p:spPr>
+        <p:txBody>
+          <a:bodyPr wrap="none">
+            <a:spAutoFit/>
+          </a:bodyPr>
+          <a:lstStyle/>
+          <a:p>
+            <a:r>
+              <a:rPr lang="zh-CN" altLang="en-US" sz="2000" dirty="0">
+                <a:solidFill>
+                  <a:schemeClr val="tx1">
+                    <a:lumMod val="85000"/>
+                    <a:lumOff val="15000"/>
+                  </a:schemeClr>
+                </a:solidFill>
+              </a:rPr>
+              <a:t>学校名称</a:t>
+            </a:r>
             <a:r>
               <a:rPr lang="zh-CN" altLang="en-US" sz="2000" dirty="0" smtClean="0">
                 <a:solidFill>
@@ -9720,7 +8964,7 @@
                   </a:schemeClr>
                 </a:solidFill>
               </a:rPr>
-              <a:t>内容实现</a:t>
+              <a:t>：河北师范大学</a:t>
             </a:r>
             <a:endParaRPr lang="zh-CN" altLang="en-US" sz="2000" dirty="0">
               <a:solidFill>
@@ -9733,3503 +8977,208 @@
           </a:p>
         </p:txBody>
       </p:sp>
-      <p:pic>
-        <p:nvPicPr>
-          <p:cNvPr id="6" name="图片 5"/>
-          <p:cNvPicPr>
-            <a:picLocks noChangeAspect="1"/>
-          </p:cNvPicPr>
-          <p:nvPr/>
-        </p:nvPicPr>
-        <p:blipFill rotWithShape="1">
-          <a:blip r:embed="rId3" cstate="screen">
-            <a:extLst>
-              <a:ext uri="{28A0092B-C50C-407E-A947-70E740481C1C}">
-                <a14:useLocalDpi xmlns:a14="http://schemas.microsoft.com/office/drawing/2010/main"/>
-              </a:ext>
-            </a:extLst>
-          </a:blip>
-          <a:srcRect/>
-          <a:stretch>
-            <a:fillRect/>
-          </a:stretch>
-        </p:blipFill>
+      <p:sp>
+        <p:nvSpPr>
+          <p:cNvPr id="12" name="矩形 11"/>
+          <p:cNvSpPr/>
+          <p:nvPr/>
+        </p:nvSpPr>
         <p:spPr>
           <a:xfrm>
-            <a:off x="0" y="356349"/>
-            <a:ext cx="3137336" cy="6145301"/>
+            <a:off x="4007538" y="5420630"/>
+            <a:ext cx="3877986" cy="646331"/>
           </a:xfrm>
           <a:prstGeom prst="rect">
             <a:avLst/>
           </a:prstGeom>
         </p:spPr>
-      </p:pic>
-      <p:grpSp>
-        <p:nvGrpSpPr>
-          <p:cNvPr id="77" name="组合 76"/>
-          <p:cNvGrpSpPr/>
-          <p:nvPr/>
-        </p:nvGrpSpPr>
-        <p:grpSpPr>
-          <a:xfrm>
-            <a:off x="-25400" y="646062"/>
-            <a:ext cx="4494766" cy="5563200"/>
-            <a:chOff x="-25400" y="646062"/>
-            <a:chExt cx="4494766" cy="5563200"/>
-          </a:xfrm>
-        </p:grpSpPr>
-        <p:grpSp>
-          <p:nvGrpSpPr>
-            <p:cNvPr id="12" name="组合 11"/>
-            <p:cNvGrpSpPr/>
-            <p:nvPr/>
-          </p:nvGrpSpPr>
-          <p:grpSpPr>
-            <a:xfrm>
-              <a:off x="-25400" y="702733"/>
-              <a:ext cx="4470400" cy="2751667"/>
-              <a:chOff x="-25400" y="702733"/>
-              <a:chExt cx="4470400" cy="2751667"/>
-            </a:xfrm>
-          </p:grpSpPr>
-          <p:sp>
-            <p:nvSpPr>
-              <p:cNvPr id="9" name="任意多边形 8"/>
-              <p:cNvSpPr/>
-              <p:nvPr/>
-            </p:nvSpPr>
-            <p:spPr>
-              <a:xfrm>
-                <a:off x="-8467" y="702733"/>
-                <a:ext cx="4453467" cy="2743200"/>
-              </a:xfrm>
-              <a:custGeom>
-                <a:avLst/>
-                <a:gdLst>
-                  <a:gd name="connsiteX0" fmla="*/ 0 w 4453467"/>
-                  <a:gd name="connsiteY0" fmla="*/ 2743200 h 2743200"/>
-                  <a:gd name="connsiteX1" fmla="*/ 1837267 w 4453467"/>
-                  <a:gd name="connsiteY1" fmla="*/ 0 h 2743200"/>
-                  <a:gd name="connsiteX2" fmla="*/ 4453467 w 4453467"/>
-                  <a:gd name="connsiteY2" fmla="*/ 0 h 2743200"/>
-                </a:gdLst>
-                <a:ahLst/>
-                <a:cxnLst>
-                  <a:cxn ang="0">
-                    <a:pos x="connsiteX0" y="connsiteY0"/>
-                  </a:cxn>
-                  <a:cxn ang="0">
-                    <a:pos x="connsiteX1" y="connsiteY1"/>
-                  </a:cxn>
-                  <a:cxn ang="0">
-                    <a:pos x="connsiteX2" y="connsiteY2"/>
-                  </a:cxn>
-                </a:cxnLst>
-                <a:rect l="l" t="t" r="r" b="b"/>
-                <a:pathLst>
-                  <a:path w="4453467" h="2743200">
-                    <a:moveTo>
-                      <a:pt x="0" y="2743200"/>
-                    </a:moveTo>
-                    <a:lnTo>
-                      <a:pt x="1837267" y="0"/>
-                    </a:lnTo>
-                    <a:lnTo>
-                      <a:pt x="4453467" y="0"/>
-                    </a:lnTo>
-                  </a:path>
-                </a:pathLst>
-              </a:custGeom>
-              <a:noFill/>
-              <a:ln>
-                <a:solidFill>
-                  <a:schemeClr val="bg1">
-                    <a:lumMod val="85000"/>
-                  </a:schemeClr>
-                </a:solidFill>
-              </a:ln>
-            </p:spPr>
-            <p:style>
-              <a:lnRef idx="2">
-                <a:schemeClr val="accent1">
-                  <a:shade val="50000"/>
-                </a:schemeClr>
-              </a:lnRef>
-              <a:fillRef idx="1">
-                <a:schemeClr val="accent1"/>
-              </a:fillRef>
-              <a:effectRef idx="0">
-                <a:schemeClr val="accent1"/>
-              </a:effectRef>
-              <a:fontRef idx="minor">
-                <a:schemeClr val="lt1"/>
-              </a:fontRef>
-            </p:style>
-            <p:txBody>
-              <a:bodyPr rtlCol="0" anchor="ctr"/>
-              <a:lstStyle/>
-              <a:p>
-                <a:pPr algn="ctr"/>
-                <a:endParaRPr lang="zh-CN" altLang="en-US"/>
-              </a:p>
-            </p:txBody>
-          </p:sp>
-          <p:sp>
-            <p:nvSpPr>
-              <p:cNvPr id="10" name="任意多边形 9"/>
-              <p:cNvSpPr/>
-              <p:nvPr/>
-            </p:nvSpPr>
-            <p:spPr>
-              <a:xfrm>
-                <a:off x="-25400" y="1786467"/>
-                <a:ext cx="4445000" cy="1659466"/>
-              </a:xfrm>
-              <a:custGeom>
-                <a:avLst/>
-                <a:gdLst>
-                  <a:gd name="connsiteX0" fmla="*/ 0 w 4445000"/>
-                  <a:gd name="connsiteY0" fmla="*/ 1659466 h 1659466"/>
-                  <a:gd name="connsiteX1" fmla="*/ 2472267 w 4445000"/>
-                  <a:gd name="connsiteY1" fmla="*/ 0 h 1659466"/>
-                  <a:gd name="connsiteX2" fmla="*/ 4445000 w 4445000"/>
-                  <a:gd name="connsiteY2" fmla="*/ 0 h 1659466"/>
-                </a:gdLst>
-                <a:ahLst/>
-                <a:cxnLst>
-                  <a:cxn ang="0">
-                    <a:pos x="connsiteX0" y="connsiteY0"/>
-                  </a:cxn>
-                  <a:cxn ang="0">
-                    <a:pos x="connsiteX1" y="connsiteY1"/>
-                  </a:cxn>
-                  <a:cxn ang="0">
-                    <a:pos x="connsiteX2" y="connsiteY2"/>
-                  </a:cxn>
-                </a:cxnLst>
-                <a:rect l="l" t="t" r="r" b="b"/>
-                <a:pathLst>
-                  <a:path w="4445000" h="1659466">
-                    <a:moveTo>
-                      <a:pt x="0" y="1659466"/>
-                    </a:moveTo>
-                    <a:lnTo>
-                      <a:pt x="2472267" y="0"/>
-                    </a:lnTo>
-                    <a:lnTo>
-                      <a:pt x="4445000" y="0"/>
-                    </a:lnTo>
-                  </a:path>
-                </a:pathLst>
-              </a:custGeom>
-              <a:noFill/>
-              <a:ln>
-                <a:solidFill>
-                  <a:schemeClr val="bg1">
-                    <a:lumMod val="85000"/>
-                  </a:schemeClr>
-                </a:solidFill>
-              </a:ln>
-            </p:spPr>
-            <p:style>
-              <a:lnRef idx="2">
-                <a:schemeClr val="accent1">
-                  <a:shade val="50000"/>
-                </a:schemeClr>
-              </a:lnRef>
-              <a:fillRef idx="1">
-                <a:schemeClr val="accent1"/>
-              </a:fillRef>
-              <a:effectRef idx="0">
-                <a:schemeClr val="accent1"/>
-              </a:effectRef>
-              <a:fontRef idx="minor">
-                <a:schemeClr val="lt1"/>
-              </a:fontRef>
-            </p:style>
-            <p:txBody>
-              <a:bodyPr rtlCol="0" anchor="ctr"/>
-              <a:lstStyle/>
-              <a:p>
-                <a:pPr algn="ctr"/>
-                <a:endParaRPr lang="zh-CN" altLang="en-US"/>
-              </a:p>
-            </p:txBody>
-          </p:sp>
-          <p:sp>
-            <p:nvSpPr>
-              <p:cNvPr id="11" name="任意多边形 10"/>
-              <p:cNvSpPr/>
-              <p:nvPr/>
-            </p:nvSpPr>
-            <p:spPr>
-              <a:xfrm>
-                <a:off x="-25400" y="2861733"/>
-                <a:ext cx="4394200" cy="592667"/>
-              </a:xfrm>
-              <a:custGeom>
-                <a:avLst/>
-                <a:gdLst>
-                  <a:gd name="connsiteX0" fmla="*/ 0 w 4394200"/>
-                  <a:gd name="connsiteY0" fmla="*/ 592667 h 592667"/>
-                  <a:gd name="connsiteX1" fmla="*/ 2912533 w 4394200"/>
-                  <a:gd name="connsiteY1" fmla="*/ 0 h 592667"/>
-                  <a:gd name="connsiteX2" fmla="*/ 4394200 w 4394200"/>
-                  <a:gd name="connsiteY2" fmla="*/ 0 h 592667"/>
-                </a:gdLst>
-                <a:ahLst/>
-                <a:cxnLst>
-                  <a:cxn ang="0">
-                    <a:pos x="connsiteX0" y="connsiteY0"/>
-                  </a:cxn>
-                  <a:cxn ang="0">
-                    <a:pos x="connsiteX1" y="connsiteY1"/>
-                  </a:cxn>
-                  <a:cxn ang="0">
-                    <a:pos x="connsiteX2" y="connsiteY2"/>
-                  </a:cxn>
-                </a:cxnLst>
-                <a:rect l="l" t="t" r="r" b="b"/>
-                <a:pathLst>
-                  <a:path w="4394200" h="592667">
-                    <a:moveTo>
-                      <a:pt x="0" y="592667"/>
-                    </a:moveTo>
-                    <a:lnTo>
-                      <a:pt x="2912533" y="0"/>
-                    </a:lnTo>
-                    <a:lnTo>
-                      <a:pt x="4394200" y="0"/>
-                    </a:lnTo>
-                  </a:path>
-                </a:pathLst>
-              </a:custGeom>
-              <a:noFill/>
-              <a:ln>
-                <a:solidFill>
-                  <a:schemeClr val="bg1">
-                    <a:lumMod val="85000"/>
-                  </a:schemeClr>
-                </a:solidFill>
-              </a:ln>
-            </p:spPr>
-            <p:style>
-              <a:lnRef idx="2">
-                <a:schemeClr val="accent1">
-                  <a:shade val="50000"/>
-                </a:schemeClr>
-              </a:lnRef>
-              <a:fillRef idx="1">
-                <a:schemeClr val="accent1"/>
-              </a:fillRef>
-              <a:effectRef idx="0">
-                <a:schemeClr val="accent1"/>
-              </a:effectRef>
-              <a:fontRef idx="minor">
-                <a:schemeClr val="lt1"/>
-              </a:fontRef>
-            </p:style>
-            <p:txBody>
-              <a:bodyPr rtlCol="0" anchor="ctr"/>
-              <a:lstStyle/>
-              <a:p>
-                <a:pPr algn="ctr"/>
-                <a:endParaRPr lang="zh-CN" altLang="en-US"/>
-              </a:p>
-            </p:txBody>
-          </p:sp>
-        </p:grpSp>
-        <p:grpSp>
-          <p:nvGrpSpPr>
-            <p:cNvPr id="13" name="组合 12"/>
-            <p:cNvGrpSpPr/>
-            <p:nvPr/>
-          </p:nvGrpSpPr>
-          <p:grpSpPr>
-            <a:xfrm flipV="1">
-              <a:off x="-25400" y="3403598"/>
-              <a:ext cx="4470400" cy="2751667"/>
-              <a:chOff x="-25400" y="702733"/>
-              <a:chExt cx="4470400" cy="2751667"/>
-            </a:xfrm>
-          </p:grpSpPr>
-          <p:sp>
-            <p:nvSpPr>
-              <p:cNvPr id="14" name="任意多边形 13"/>
-              <p:cNvSpPr/>
-              <p:nvPr/>
-            </p:nvSpPr>
-            <p:spPr>
-              <a:xfrm>
-                <a:off x="-8467" y="702733"/>
-                <a:ext cx="4453467" cy="2743200"/>
-              </a:xfrm>
-              <a:custGeom>
-                <a:avLst/>
-                <a:gdLst>
-                  <a:gd name="connsiteX0" fmla="*/ 0 w 4453467"/>
-                  <a:gd name="connsiteY0" fmla="*/ 2743200 h 2743200"/>
-                  <a:gd name="connsiteX1" fmla="*/ 1837267 w 4453467"/>
-                  <a:gd name="connsiteY1" fmla="*/ 0 h 2743200"/>
-                  <a:gd name="connsiteX2" fmla="*/ 4453467 w 4453467"/>
-                  <a:gd name="connsiteY2" fmla="*/ 0 h 2743200"/>
-                </a:gdLst>
-                <a:ahLst/>
-                <a:cxnLst>
-                  <a:cxn ang="0">
-                    <a:pos x="connsiteX0" y="connsiteY0"/>
-                  </a:cxn>
-                  <a:cxn ang="0">
-                    <a:pos x="connsiteX1" y="connsiteY1"/>
-                  </a:cxn>
-                  <a:cxn ang="0">
-                    <a:pos x="connsiteX2" y="connsiteY2"/>
-                  </a:cxn>
-                </a:cxnLst>
-                <a:rect l="l" t="t" r="r" b="b"/>
-                <a:pathLst>
-                  <a:path w="4453467" h="2743200">
-                    <a:moveTo>
-                      <a:pt x="0" y="2743200"/>
-                    </a:moveTo>
-                    <a:lnTo>
-                      <a:pt x="1837267" y="0"/>
-                    </a:lnTo>
-                    <a:lnTo>
-                      <a:pt x="4453467" y="0"/>
-                    </a:lnTo>
-                  </a:path>
-                </a:pathLst>
-              </a:custGeom>
-              <a:noFill/>
-              <a:ln>
-                <a:solidFill>
-                  <a:schemeClr val="bg1">
-                    <a:lumMod val="85000"/>
-                  </a:schemeClr>
-                </a:solidFill>
-              </a:ln>
-            </p:spPr>
-            <p:style>
-              <a:lnRef idx="2">
-                <a:schemeClr val="accent1">
-                  <a:shade val="50000"/>
-                </a:schemeClr>
-              </a:lnRef>
-              <a:fillRef idx="1">
-                <a:schemeClr val="accent1"/>
-              </a:fillRef>
-              <a:effectRef idx="0">
-                <a:schemeClr val="accent1"/>
-              </a:effectRef>
-              <a:fontRef idx="minor">
-                <a:schemeClr val="lt1"/>
-              </a:fontRef>
-            </p:style>
-            <p:txBody>
-              <a:bodyPr rtlCol="0" anchor="ctr"/>
-              <a:lstStyle/>
-              <a:p>
-                <a:pPr algn="ctr"/>
-                <a:endParaRPr lang="zh-CN" altLang="en-US"/>
-              </a:p>
-            </p:txBody>
-          </p:sp>
-          <p:sp>
-            <p:nvSpPr>
-              <p:cNvPr id="15" name="任意多边形 14"/>
-              <p:cNvSpPr/>
-              <p:nvPr/>
-            </p:nvSpPr>
-            <p:spPr>
-              <a:xfrm>
-                <a:off x="-25400" y="1786467"/>
-                <a:ext cx="4445000" cy="1659466"/>
-              </a:xfrm>
-              <a:custGeom>
-                <a:avLst/>
-                <a:gdLst>
-                  <a:gd name="connsiteX0" fmla="*/ 0 w 4445000"/>
-                  <a:gd name="connsiteY0" fmla="*/ 1659466 h 1659466"/>
-                  <a:gd name="connsiteX1" fmla="*/ 2472267 w 4445000"/>
-                  <a:gd name="connsiteY1" fmla="*/ 0 h 1659466"/>
-                  <a:gd name="connsiteX2" fmla="*/ 4445000 w 4445000"/>
-                  <a:gd name="connsiteY2" fmla="*/ 0 h 1659466"/>
-                </a:gdLst>
-                <a:ahLst/>
-                <a:cxnLst>
-                  <a:cxn ang="0">
-                    <a:pos x="connsiteX0" y="connsiteY0"/>
-                  </a:cxn>
-                  <a:cxn ang="0">
-                    <a:pos x="connsiteX1" y="connsiteY1"/>
-                  </a:cxn>
-                  <a:cxn ang="0">
-                    <a:pos x="connsiteX2" y="connsiteY2"/>
-                  </a:cxn>
-                </a:cxnLst>
-                <a:rect l="l" t="t" r="r" b="b"/>
-                <a:pathLst>
-                  <a:path w="4445000" h="1659466">
-                    <a:moveTo>
-                      <a:pt x="0" y="1659466"/>
-                    </a:moveTo>
-                    <a:lnTo>
-                      <a:pt x="2472267" y="0"/>
-                    </a:lnTo>
-                    <a:lnTo>
-                      <a:pt x="4445000" y="0"/>
-                    </a:lnTo>
-                  </a:path>
-                </a:pathLst>
-              </a:custGeom>
-              <a:noFill/>
-              <a:ln>
-                <a:solidFill>
-                  <a:schemeClr val="bg1">
-                    <a:lumMod val="85000"/>
-                  </a:schemeClr>
-                </a:solidFill>
-              </a:ln>
-            </p:spPr>
-            <p:style>
-              <a:lnRef idx="2">
-                <a:schemeClr val="accent1">
-                  <a:shade val="50000"/>
-                </a:schemeClr>
-              </a:lnRef>
-              <a:fillRef idx="1">
-                <a:schemeClr val="accent1"/>
-              </a:fillRef>
-              <a:effectRef idx="0">
-                <a:schemeClr val="accent1"/>
-              </a:effectRef>
-              <a:fontRef idx="minor">
-                <a:schemeClr val="lt1"/>
-              </a:fontRef>
-            </p:style>
-            <p:txBody>
-              <a:bodyPr rtlCol="0" anchor="ctr"/>
-              <a:lstStyle/>
-              <a:p>
-                <a:pPr algn="ctr"/>
-                <a:endParaRPr lang="zh-CN" altLang="en-US"/>
-              </a:p>
-            </p:txBody>
-          </p:sp>
-          <p:sp>
-            <p:nvSpPr>
-              <p:cNvPr id="16" name="任意多边形 15"/>
-              <p:cNvSpPr/>
-              <p:nvPr/>
-            </p:nvSpPr>
-            <p:spPr>
-              <a:xfrm>
-                <a:off x="-25400" y="2861733"/>
-                <a:ext cx="4394200" cy="592667"/>
-              </a:xfrm>
-              <a:custGeom>
-                <a:avLst/>
-                <a:gdLst>
-                  <a:gd name="connsiteX0" fmla="*/ 0 w 4394200"/>
-                  <a:gd name="connsiteY0" fmla="*/ 592667 h 592667"/>
-                  <a:gd name="connsiteX1" fmla="*/ 2912533 w 4394200"/>
-                  <a:gd name="connsiteY1" fmla="*/ 0 h 592667"/>
-                  <a:gd name="connsiteX2" fmla="*/ 4394200 w 4394200"/>
-                  <a:gd name="connsiteY2" fmla="*/ 0 h 592667"/>
-                </a:gdLst>
-                <a:ahLst/>
-                <a:cxnLst>
-                  <a:cxn ang="0">
-                    <a:pos x="connsiteX0" y="connsiteY0"/>
-                  </a:cxn>
-                  <a:cxn ang="0">
-                    <a:pos x="connsiteX1" y="connsiteY1"/>
-                  </a:cxn>
-                  <a:cxn ang="0">
-                    <a:pos x="connsiteX2" y="connsiteY2"/>
-                  </a:cxn>
-                </a:cxnLst>
-                <a:rect l="l" t="t" r="r" b="b"/>
-                <a:pathLst>
-                  <a:path w="4394200" h="592667">
-                    <a:moveTo>
-                      <a:pt x="0" y="592667"/>
-                    </a:moveTo>
-                    <a:lnTo>
-                      <a:pt x="2912533" y="0"/>
-                    </a:lnTo>
-                    <a:lnTo>
-                      <a:pt x="4394200" y="0"/>
-                    </a:lnTo>
-                  </a:path>
-                </a:pathLst>
-              </a:custGeom>
-              <a:noFill/>
-              <a:ln>
-                <a:solidFill>
-                  <a:schemeClr val="bg1">
-                    <a:lumMod val="85000"/>
-                  </a:schemeClr>
-                </a:solidFill>
-              </a:ln>
-            </p:spPr>
-            <p:style>
-              <a:lnRef idx="2">
-                <a:schemeClr val="accent1">
-                  <a:shade val="50000"/>
-                </a:schemeClr>
-              </a:lnRef>
-              <a:fillRef idx="1">
-                <a:schemeClr val="accent1"/>
-              </a:fillRef>
-              <a:effectRef idx="0">
-                <a:schemeClr val="accent1"/>
-              </a:effectRef>
-              <a:fontRef idx="minor">
-                <a:schemeClr val="lt1"/>
-              </a:fontRef>
-            </p:style>
-            <p:txBody>
-              <a:bodyPr rtlCol="0" anchor="ctr"/>
-              <a:lstStyle/>
-              <a:p>
-                <a:pPr algn="ctr"/>
-                <a:endParaRPr lang="zh-CN" altLang="en-US"/>
-              </a:p>
-            </p:txBody>
-          </p:sp>
-        </p:grpSp>
-        <p:sp>
-          <p:nvSpPr>
-            <p:cNvPr id="17" name="椭圆 16"/>
-            <p:cNvSpPr/>
-            <p:nvPr/>
-          </p:nvSpPr>
-          <p:spPr>
-            <a:xfrm>
-              <a:off x="4361366" y="646062"/>
-              <a:ext cx="108000" cy="108000"/>
-            </a:xfrm>
-            <a:prstGeom prst="ellipse">
-              <a:avLst/>
-            </a:prstGeom>
-            <a:solidFill>
-              <a:srgbClr val="FF0000"/>
-            </a:solidFill>
-            <a:ln>
-              <a:solidFill>
-                <a:schemeClr val="bg1">
-                  <a:lumMod val="85000"/>
-                </a:schemeClr>
-              </a:solidFill>
-            </a:ln>
-          </p:spPr>
-          <p:style>
-            <a:lnRef idx="2">
-              <a:schemeClr val="accent1">
-                <a:shade val="50000"/>
-              </a:schemeClr>
-            </a:lnRef>
-            <a:fillRef idx="1">
-              <a:schemeClr val="accent1"/>
-            </a:fillRef>
-            <a:effectRef idx="0">
-              <a:schemeClr val="accent1"/>
-            </a:effectRef>
-            <a:fontRef idx="minor">
-              <a:schemeClr val="lt1"/>
-            </a:fontRef>
-          </p:style>
-          <p:txBody>
-            <a:bodyPr rot="0" spcFirstLastPara="0" vertOverflow="overflow" horzOverflow="overflow" vert="horz" wrap="square" lIns="91440" tIns="45720" rIns="91440" bIns="45720" numCol="1" spcCol="0" rtlCol="0" fromWordArt="0" anchor="ctr" anchorCtr="0" forceAA="0" compatLnSpc="1">
-              <a:noAutofit/>
-            </a:bodyPr>
-            <a:lstStyle/>
-            <a:p>
-              <a:pPr algn="ctr"/>
-              <a:endParaRPr lang="zh-CN" altLang="en-US"/>
-            </a:p>
-          </p:txBody>
-        </p:sp>
-        <p:sp>
-          <p:nvSpPr>
-            <p:cNvPr id="18" name="椭圆 17"/>
-            <p:cNvSpPr/>
-            <p:nvPr/>
-          </p:nvSpPr>
-          <p:spPr>
-            <a:xfrm>
-              <a:off x="4361366" y="1732467"/>
-              <a:ext cx="108000" cy="108000"/>
-            </a:xfrm>
-            <a:prstGeom prst="ellipse">
-              <a:avLst/>
-            </a:prstGeom>
-            <a:solidFill>
-              <a:srgbClr val="FFC000"/>
-            </a:solidFill>
-            <a:ln>
-              <a:solidFill>
-                <a:schemeClr val="bg1">
-                  <a:lumMod val="85000"/>
-                </a:schemeClr>
-              </a:solidFill>
-            </a:ln>
-          </p:spPr>
-          <p:style>
-            <a:lnRef idx="2">
-              <a:schemeClr val="accent1">
-                <a:shade val="50000"/>
-              </a:schemeClr>
-            </a:lnRef>
-            <a:fillRef idx="1">
-              <a:schemeClr val="accent1"/>
-            </a:fillRef>
-            <a:effectRef idx="0">
-              <a:schemeClr val="accent1"/>
-            </a:effectRef>
-            <a:fontRef idx="minor">
-              <a:schemeClr val="lt1"/>
-            </a:fontRef>
-          </p:style>
-          <p:txBody>
-            <a:bodyPr rot="0" spcFirstLastPara="0" vertOverflow="overflow" horzOverflow="overflow" vert="horz" wrap="square" lIns="91440" tIns="45720" rIns="91440" bIns="45720" numCol="1" spcCol="0" rtlCol="0" fromWordArt="0" anchor="ctr" anchorCtr="0" forceAA="0" compatLnSpc="1">
-              <a:noAutofit/>
-            </a:bodyPr>
-            <a:lstStyle/>
-            <a:p>
-              <a:pPr algn="ctr"/>
-              <a:endParaRPr lang="zh-CN" altLang="en-US"/>
-            </a:p>
-          </p:txBody>
-        </p:sp>
-        <p:sp>
-          <p:nvSpPr>
-            <p:cNvPr id="19" name="椭圆 18"/>
-            <p:cNvSpPr/>
-            <p:nvPr/>
-          </p:nvSpPr>
-          <p:spPr>
-            <a:xfrm>
-              <a:off x="4361366" y="2814032"/>
-              <a:ext cx="108000" cy="108000"/>
-            </a:xfrm>
-            <a:prstGeom prst="ellipse">
-              <a:avLst/>
-            </a:prstGeom>
-            <a:solidFill>
-              <a:srgbClr val="FFFF00"/>
-            </a:solidFill>
-            <a:ln>
-              <a:solidFill>
-                <a:schemeClr val="bg1">
-                  <a:lumMod val="85000"/>
-                </a:schemeClr>
-              </a:solidFill>
-            </a:ln>
-          </p:spPr>
-          <p:style>
-            <a:lnRef idx="2">
-              <a:schemeClr val="accent1">
-                <a:shade val="50000"/>
-              </a:schemeClr>
-            </a:lnRef>
-            <a:fillRef idx="1">
-              <a:schemeClr val="accent1"/>
-            </a:fillRef>
-            <a:effectRef idx="0">
-              <a:schemeClr val="accent1"/>
-            </a:effectRef>
-            <a:fontRef idx="minor">
-              <a:schemeClr val="lt1"/>
-            </a:fontRef>
-          </p:style>
-          <p:txBody>
-            <a:bodyPr rot="0" spcFirstLastPara="0" vertOverflow="overflow" horzOverflow="overflow" vert="horz" wrap="square" lIns="91440" tIns="45720" rIns="91440" bIns="45720" numCol="1" spcCol="0" rtlCol="0" fromWordArt="0" anchor="ctr" anchorCtr="0" forceAA="0" compatLnSpc="1">
-              <a:noAutofit/>
-            </a:bodyPr>
-            <a:lstStyle/>
-            <a:p>
-              <a:pPr algn="ctr"/>
-              <a:endParaRPr lang="zh-CN" altLang="en-US"/>
-            </a:p>
-          </p:txBody>
-        </p:sp>
-        <p:sp>
-          <p:nvSpPr>
-            <p:cNvPr id="20" name="椭圆 19"/>
-            <p:cNvSpPr/>
-            <p:nvPr/>
-          </p:nvSpPr>
-          <p:spPr>
-            <a:xfrm>
-              <a:off x="4361366" y="3933800"/>
-              <a:ext cx="108000" cy="108000"/>
-            </a:xfrm>
-            <a:prstGeom prst="ellipse">
-              <a:avLst/>
-            </a:prstGeom>
-            <a:solidFill>
-              <a:srgbClr val="92D050"/>
-            </a:solidFill>
-            <a:ln>
-              <a:solidFill>
-                <a:schemeClr val="bg1">
-                  <a:lumMod val="85000"/>
-                </a:schemeClr>
-              </a:solidFill>
-            </a:ln>
-          </p:spPr>
-          <p:style>
-            <a:lnRef idx="2">
-              <a:schemeClr val="accent1">
-                <a:shade val="50000"/>
-              </a:schemeClr>
-            </a:lnRef>
-            <a:fillRef idx="1">
-              <a:schemeClr val="accent1"/>
-            </a:fillRef>
-            <a:effectRef idx="0">
-              <a:schemeClr val="accent1"/>
-            </a:effectRef>
-            <a:fontRef idx="minor">
-              <a:schemeClr val="lt1"/>
-            </a:fontRef>
-          </p:style>
-          <p:txBody>
-            <a:bodyPr rot="0" spcFirstLastPara="0" vertOverflow="overflow" horzOverflow="overflow" vert="horz" wrap="square" lIns="91440" tIns="45720" rIns="91440" bIns="45720" numCol="1" spcCol="0" rtlCol="0" fromWordArt="0" anchor="ctr" anchorCtr="0" forceAA="0" compatLnSpc="1">
-              <a:noAutofit/>
-            </a:bodyPr>
-            <a:lstStyle/>
-            <a:p>
-              <a:pPr algn="ctr"/>
-              <a:endParaRPr lang="zh-CN" altLang="en-US"/>
-            </a:p>
-          </p:txBody>
-        </p:sp>
-        <p:sp>
-          <p:nvSpPr>
-            <p:cNvPr id="21" name="椭圆 20"/>
-            <p:cNvSpPr/>
-            <p:nvPr/>
-          </p:nvSpPr>
-          <p:spPr>
-            <a:xfrm>
-              <a:off x="4361366" y="5017531"/>
-              <a:ext cx="108000" cy="108000"/>
-            </a:xfrm>
-            <a:prstGeom prst="ellipse">
-              <a:avLst/>
-            </a:prstGeom>
-            <a:solidFill>
-              <a:srgbClr val="00B0F0"/>
-            </a:solidFill>
-            <a:ln>
-              <a:solidFill>
-                <a:schemeClr val="bg1">
-                  <a:lumMod val="85000"/>
-                </a:schemeClr>
-              </a:solidFill>
-            </a:ln>
-          </p:spPr>
-          <p:style>
-            <a:lnRef idx="2">
-              <a:schemeClr val="accent1">
-                <a:shade val="50000"/>
-              </a:schemeClr>
-            </a:lnRef>
-            <a:fillRef idx="1">
-              <a:schemeClr val="accent1"/>
-            </a:fillRef>
-            <a:effectRef idx="0">
-              <a:schemeClr val="accent1"/>
-            </a:effectRef>
-            <a:fontRef idx="minor">
-              <a:schemeClr val="lt1"/>
-            </a:fontRef>
-          </p:style>
-          <p:txBody>
-            <a:bodyPr rot="0" spcFirstLastPara="0" vertOverflow="overflow" horzOverflow="overflow" vert="horz" wrap="square" lIns="91440" tIns="45720" rIns="91440" bIns="45720" numCol="1" spcCol="0" rtlCol="0" fromWordArt="0" anchor="ctr" anchorCtr="0" forceAA="0" compatLnSpc="1">
-              <a:noAutofit/>
-            </a:bodyPr>
-            <a:lstStyle/>
-            <a:p>
-              <a:pPr algn="ctr"/>
-              <a:endParaRPr lang="zh-CN" altLang="en-US"/>
-            </a:p>
-          </p:txBody>
-        </p:sp>
-        <p:sp>
-          <p:nvSpPr>
-            <p:cNvPr id="22" name="椭圆 21"/>
-            <p:cNvSpPr/>
-            <p:nvPr/>
-          </p:nvSpPr>
-          <p:spPr>
-            <a:xfrm>
-              <a:off x="4361366" y="6101262"/>
-              <a:ext cx="108000" cy="108000"/>
-            </a:xfrm>
-            <a:prstGeom prst="ellipse">
-              <a:avLst/>
-            </a:prstGeom>
-            <a:solidFill>
-              <a:srgbClr val="002060"/>
-            </a:solidFill>
-            <a:ln>
-              <a:solidFill>
-                <a:schemeClr val="bg1">
-                  <a:lumMod val="85000"/>
-                </a:schemeClr>
-              </a:solidFill>
-            </a:ln>
-          </p:spPr>
-          <p:style>
-            <a:lnRef idx="2">
-              <a:schemeClr val="accent1">
-                <a:shade val="50000"/>
-              </a:schemeClr>
-            </a:lnRef>
-            <a:fillRef idx="1">
-              <a:schemeClr val="accent1"/>
-            </a:fillRef>
-            <a:effectRef idx="0">
-              <a:schemeClr val="accent1"/>
-            </a:effectRef>
-            <a:fontRef idx="minor">
-              <a:schemeClr val="lt1"/>
-            </a:fontRef>
-          </p:style>
-          <p:txBody>
-            <a:bodyPr rot="0" spcFirstLastPara="0" vertOverflow="overflow" horzOverflow="overflow" vert="horz" wrap="square" lIns="91440" tIns="45720" rIns="91440" bIns="45720" numCol="1" spcCol="0" rtlCol="0" fromWordArt="0" anchor="ctr" anchorCtr="0" forceAA="0" compatLnSpc="1">
-              <a:noAutofit/>
-            </a:bodyPr>
-            <a:lstStyle/>
-            <a:p>
-              <a:pPr algn="ctr"/>
-              <a:endParaRPr lang="zh-CN" altLang="en-US"/>
-            </a:p>
-          </p:txBody>
-        </p:sp>
-      </p:grpSp>
-      <p:grpSp>
-        <p:nvGrpSpPr>
-          <p:cNvPr id="78" name="组合 77"/>
-          <p:cNvGrpSpPr/>
-          <p:nvPr/>
-        </p:nvGrpSpPr>
-        <p:grpSpPr>
-          <a:xfrm>
-            <a:off x="4568825" y="432404"/>
-            <a:ext cx="7365281" cy="532453"/>
-            <a:chOff x="4568825" y="432404"/>
-            <a:chExt cx="7365281" cy="532453"/>
-          </a:xfrm>
-        </p:grpSpPr>
-        <p:sp>
-          <p:nvSpPr>
-            <p:cNvPr id="23" name="矩形 22"/>
-            <p:cNvSpPr/>
-            <p:nvPr/>
-          </p:nvSpPr>
-          <p:spPr>
-            <a:xfrm>
-              <a:off x="6961426" y="432404"/>
-              <a:ext cx="4972680" cy="532453"/>
-            </a:xfrm>
-            <a:prstGeom prst="rect">
-              <a:avLst/>
-            </a:prstGeom>
-          </p:spPr>
-          <p:txBody>
-            <a:bodyPr wrap="square">
-              <a:spAutoFit/>
-            </a:bodyPr>
-            <a:lstStyle/>
-            <a:p>
-              <a:pPr>
-                <a:lnSpc>
-                  <a:spcPct val="130000"/>
-                </a:lnSpc>
-              </a:pPr>
-              <a:r>
-                <a:rPr lang="zh-CN" altLang="en-US" sz="1100" dirty="0">
-                  <a:solidFill>
-                    <a:schemeClr val="bg1">
-                      <a:lumMod val="50000"/>
-                    </a:schemeClr>
-                  </a:solidFill>
-                  <a:latin typeface="微软雅黑" panose="020B0503020204020204" charset="-122"/>
-                  <a:ea typeface="微软雅黑" panose="020B0503020204020204" charset="-122"/>
-                </a:rPr>
-                <a:t>标题数字等都可以通过点击和重新输入进行更改，顶部“开始”面板中可以对字体、字号、颜色、行距等进行修改。建议正文</a:t>
-              </a:r>
-              <a:r>
-                <a:rPr lang="en-US" altLang="zh-CN" sz="1100" dirty="0">
-                  <a:solidFill>
-                    <a:schemeClr val="bg1">
-                      <a:lumMod val="50000"/>
-                    </a:schemeClr>
-                  </a:solidFill>
-                  <a:latin typeface="微软雅黑" panose="020B0503020204020204" charset="-122"/>
-                  <a:ea typeface="微软雅黑" panose="020B0503020204020204" charset="-122"/>
-                </a:rPr>
-                <a:t>8-14</a:t>
-              </a:r>
-              <a:r>
-                <a:rPr lang="zh-CN" altLang="en-US" sz="1100" dirty="0">
-                  <a:solidFill>
-                    <a:schemeClr val="bg1">
-                      <a:lumMod val="50000"/>
-                    </a:schemeClr>
-                  </a:solidFill>
-                  <a:latin typeface="微软雅黑" panose="020B0503020204020204" charset="-122"/>
-                  <a:ea typeface="微软雅黑" panose="020B0503020204020204" charset="-122"/>
-                </a:rPr>
-                <a:t>号字，</a:t>
-              </a:r>
-              <a:r>
-                <a:rPr lang="en-US" altLang="zh-CN" sz="1100" dirty="0">
-                  <a:solidFill>
-                    <a:schemeClr val="bg1">
-                      <a:lumMod val="50000"/>
-                    </a:schemeClr>
-                  </a:solidFill>
-                  <a:latin typeface="微软雅黑" panose="020B0503020204020204" charset="-122"/>
-                  <a:ea typeface="微软雅黑" panose="020B0503020204020204" charset="-122"/>
-                </a:rPr>
-                <a:t>1.3</a:t>
-              </a:r>
-              <a:r>
-                <a:rPr lang="zh-CN" altLang="en-US" sz="1100" dirty="0">
-                  <a:solidFill>
-                    <a:schemeClr val="bg1">
-                      <a:lumMod val="50000"/>
-                    </a:schemeClr>
-                  </a:solidFill>
-                  <a:latin typeface="微软雅黑" panose="020B0503020204020204" charset="-122"/>
-                  <a:ea typeface="微软雅黑" panose="020B0503020204020204" charset="-122"/>
-                </a:rPr>
-                <a:t>倍字间距。</a:t>
-              </a:r>
-            </a:p>
-          </p:txBody>
-        </p:sp>
-        <p:grpSp>
-          <p:nvGrpSpPr>
-            <p:cNvPr id="24" name="组合 23"/>
-            <p:cNvGrpSpPr/>
-            <p:nvPr/>
-          </p:nvGrpSpPr>
-          <p:grpSpPr>
-            <a:xfrm>
-              <a:off x="4568825" y="438589"/>
-              <a:ext cx="2300757" cy="509896"/>
-              <a:chOff x="888096" y="1000203"/>
-              <a:chExt cx="4259825" cy="944066"/>
-            </a:xfrm>
-          </p:grpSpPr>
-          <p:sp>
-            <p:nvSpPr>
-              <p:cNvPr id="25" name="矩形 24"/>
-              <p:cNvSpPr/>
-              <p:nvPr/>
-            </p:nvSpPr>
-            <p:spPr>
-              <a:xfrm>
-                <a:off x="911225" y="1045634"/>
-                <a:ext cx="4199467" cy="872066"/>
-              </a:xfrm>
-              <a:prstGeom prst="rect">
-                <a:avLst/>
-              </a:prstGeom>
-              <a:noFill/>
-              <a:ln>
-                <a:solidFill>
-                  <a:schemeClr val="bg1">
-                    <a:lumMod val="75000"/>
-                  </a:schemeClr>
-                </a:solidFill>
-              </a:ln>
-            </p:spPr>
-            <p:style>
-              <a:lnRef idx="2">
-                <a:schemeClr val="accent1">
-                  <a:shade val="50000"/>
-                </a:schemeClr>
-              </a:lnRef>
-              <a:fillRef idx="1">
-                <a:schemeClr val="accent1"/>
-              </a:fillRef>
-              <a:effectRef idx="0">
-                <a:schemeClr val="accent1"/>
-              </a:effectRef>
-              <a:fontRef idx="minor">
-                <a:schemeClr val="lt1"/>
-              </a:fontRef>
-            </p:style>
-            <p:txBody>
-              <a:bodyPr rot="0" spcFirstLastPara="0" vertOverflow="overflow" horzOverflow="overflow" vert="horz" wrap="square" lIns="91440" tIns="45720" rIns="91440" bIns="45720" numCol="1" spcCol="0" rtlCol="0" fromWordArt="0" anchor="ctr" anchorCtr="0" forceAA="0" compatLnSpc="1">
-                <a:noAutofit/>
-              </a:bodyPr>
-              <a:lstStyle/>
-              <a:p>
-                <a:pPr algn="ctr"/>
-                <a:endParaRPr lang="zh-CN" altLang="en-US"/>
-              </a:p>
-            </p:txBody>
-          </p:sp>
-          <p:sp>
-            <p:nvSpPr>
-              <p:cNvPr id="26" name="椭圆 25"/>
-              <p:cNvSpPr/>
-              <p:nvPr/>
-            </p:nvSpPr>
-            <p:spPr>
-              <a:xfrm>
-                <a:off x="888096" y="1000203"/>
-                <a:ext cx="72000" cy="72000"/>
-              </a:xfrm>
-              <a:prstGeom prst="ellipse">
-                <a:avLst/>
-              </a:prstGeom>
-              <a:solidFill>
-                <a:schemeClr val="tx1">
-                  <a:lumMod val="65000"/>
-                  <a:lumOff val="35000"/>
-                </a:schemeClr>
-              </a:solidFill>
-              <a:ln>
-                <a:noFill/>
-              </a:ln>
-            </p:spPr>
-            <p:style>
-              <a:lnRef idx="2">
-                <a:schemeClr val="accent1">
-                  <a:shade val="50000"/>
-                </a:schemeClr>
-              </a:lnRef>
-              <a:fillRef idx="1">
-                <a:schemeClr val="accent1"/>
-              </a:fillRef>
-              <a:effectRef idx="0">
-                <a:schemeClr val="accent1"/>
-              </a:effectRef>
-              <a:fontRef idx="minor">
-                <a:schemeClr val="lt1"/>
-              </a:fontRef>
-            </p:style>
-            <p:txBody>
-              <a:bodyPr rot="0" spcFirstLastPara="0" vertOverflow="overflow" horzOverflow="overflow" vert="horz" wrap="square" lIns="91440" tIns="45720" rIns="91440" bIns="45720" numCol="1" spcCol="0" rtlCol="0" fromWordArt="0" anchor="ctr" anchorCtr="0" forceAA="0" compatLnSpc="1">
-                <a:noAutofit/>
-              </a:bodyPr>
-              <a:lstStyle/>
-              <a:p>
-                <a:pPr algn="ctr"/>
-                <a:endParaRPr lang="zh-CN" altLang="en-US"/>
-              </a:p>
-            </p:txBody>
-          </p:sp>
-          <p:sp>
-            <p:nvSpPr>
-              <p:cNvPr id="27" name="椭圆 26"/>
-              <p:cNvSpPr/>
-              <p:nvPr/>
-            </p:nvSpPr>
-            <p:spPr>
-              <a:xfrm>
-                <a:off x="888096" y="1872269"/>
-                <a:ext cx="72000" cy="72000"/>
-              </a:xfrm>
-              <a:prstGeom prst="ellipse">
-                <a:avLst/>
-              </a:prstGeom>
-              <a:solidFill>
-                <a:schemeClr val="tx1">
-                  <a:lumMod val="65000"/>
-                  <a:lumOff val="35000"/>
-                </a:schemeClr>
-              </a:solidFill>
-              <a:ln>
-                <a:noFill/>
-              </a:ln>
-            </p:spPr>
-            <p:style>
-              <a:lnRef idx="2">
-                <a:schemeClr val="accent1">
-                  <a:shade val="50000"/>
-                </a:schemeClr>
-              </a:lnRef>
-              <a:fillRef idx="1">
-                <a:schemeClr val="accent1"/>
-              </a:fillRef>
-              <a:effectRef idx="0">
-                <a:schemeClr val="accent1"/>
-              </a:effectRef>
-              <a:fontRef idx="minor">
-                <a:schemeClr val="lt1"/>
-              </a:fontRef>
-            </p:style>
-            <p:txBody>
-              <a:bodyPr rot="0" spcFirstLastPara="0" vertOverflow="overflow" horzOverflow="overflow" vert="horz" wrap="square" lIns="91440" tIns="45720" rIns="91440" bIns="45720" numCol="1" spcCol="0" rtlCol="0" fromWordArt="0" anchor="ctr" anchorCtr="0" forceAA="0" compatLnSpc="1">
-                <a:noAutofit/>
-              </a:bodyPr>
-              <a:lstStyle/>
-              <a:p>
-                <a:pPr algn="ctr"/>
-                <a:endParaRPr lang="zh-CN" altLang="en-US"/>
-              </a:p>
-            </p:txBody>
-          </p:sp>
-          <p:sp>
-            <p:nvSpPr>
-              <p:cNvPr id="28" name="椭圆 27"/>
-              <p:cNvSpPr/>
-              <p:nvPr/>
-            </p:nvSpPr>
-            <p:spPr>
-              <a:xfrm>
-                <a:off x="5075921" y="1872269"/>
-                <a:ext cx="72000" cy="72000"/>
-              </a:xfrm>
-              <a:prstGeom prst="ellipse">
-                <a:avLst/>
-              </a:prstGeom>
-              <a:solidFill>
-                <a:schemeClr val="tx1">
-                  <a:lumMod val="65000"/>
-                  <a:lumOff val="35000"/>
-                </a:schemeClr>
-              </a:solidFill>
-              <a:ln>
-                <a:noFill/>
-              </a:ln>
-            </p:spPr>
-            <p:style>
-              <a:lnRef idx="2">
-                <a:schemeClr val="accent1">
-                  <a:shade val="50000"/>
-                </a:schemeClr>
-              </a:lnRef>
-              <a:fillRef idx="1">
-                <a:schemeClr val="accent1"/>
-              </a:fillRef>
-              <a:effectRef idx="0">
-                <a:schemeClr val="accent1"/>
-              </a:effectRef>
-              <a:fontRef idx="minor">
-                <a:schemeClr val="lt1"/>
-              </a:fontRef>
-            </p:style>
-            <p:txBody>
-              <a:bodyPr rot="0" spcFirstLastPara="0" vertOverflow="overflow" horzOverflow="overflow" vert="horz" wrap="square" lIns="91440" tIns="45720" rIns="91440" bIns="45720" numCol="1" spcCol="0" rtlCol="0" fromWordArt="0" anchor="ctr" anchorCtr="0" forceAA="0" compatLnSpc="1">
-                <a:noAutofit/>
-              </a:bodyPr>
-              <a:lstStyle/>
-              <a:p>
-                <a:pPr algn="ctr"/>
-                <a:endParaRPr lang="zh-CN" altLang="en-US"/>
-              </a:p>
-            </p:txBody>
-          </p:sp>
-          <p:sp>
-            <p:nvSpPr>
-              <p:cNvPr id="29" name="椭圆 28"/>
-              <p:cNvSpPr/>
-              <p:nvPr/>
-            </p:nvSpPr>
-            <p:spPr>
-              <a:xfrm>
-                <a:off x="5074692" y="1009634"/>
-                <a:ext cx="72000" cy="72000"/>
-              </a:xfrm>
-              <a:prstGeom prst="ellipse">
-                <a:avLst/>
-              </a:prstGeom>
-              <a:solidFill>
-                <a:schemeClr val="tx1">
-                  <a:lumMod val="65000"/>
-                  <a:lumOff val="35000"/>
-                </a:schemeClr>
-              </a:solidFill>
-              <a:ln>
-                <a:noFill/>
-              </a:ln>
-            </p:spPr>
-            <p:style>
-              <a:lnRef idx="2">
-                <a:schemeClr val="accent1">
-                  <a:shade val="50000"/>
-                </a:schemeClr>
-              </a:lnRef>
-              <a:fillRef idx="1">
-                <a:schemeClr val="accent1"/>
-              </a:fillRef>
-              <a:effectRef idx="0">
-                <a:schemeClr val="accent1"/>
-              </a:effectRef>
-              <a:fontRef idx="minor">
-                <a:schemeClr val="lt1"/>
-              </a:fontRef>
-            </p:style>
-            <p:txBody>
-              <a:bodyPr rot="0" spcFirstLastPara="0" vertOverflow="overflow" horzOverflow="overflow" vert="horz" wrap="square" lIns="91440" tIns="45720" rIns="91440" bIns="45720" numCol="1" spcCol="0" rtlCol="0" fromWordArt="0" anchor="ctr" anchorCtr="0" forceAA="0" compatLnSpc="1">
-                <a:noAutofit/>
-              </a:bodyPr>
-              <a:lstStyle/>
-              <a:p>
-                <a:pPr algn="ctr"/>
-                <a:endParaRPr lang="zh-CN" altLang="en-US"/>
-              </a:p>
-            </p:txBody>
-          </p:sp>
-        </p:grpSp>
-        <p:sp>
-          <p:nvSpPr>
-            <p:cNvPr id="30" name="矩形 29"/>
-            <p:cNvSpPr/>
-            <p:nvPr/>
-          </p:nvSpPr>
-          <p:spPr>
-            <a:xfrm>
-              <a:off x="4677733" y="513965"/>
-              <a:ext cx="2031325" cy="369332"/>
-            </a:xfrm>
-            <a:prstGeom prst="rect">
-              <a:avLst/>
-            </a:prstGeom>
-          </p:spPr>
-          <p:txBody>
-            <a:bodyPr wrap="none">
-              <a:spAutoFit/>
-            </a:bodyPr>
-            <a:lstStyle/>
-            <a:p>
-              <a:r>
-                <a:rPr lang="zh-CN" altLang="en-US" dirty="0"/>
-                <a:t>点击此处添加标题</a:t>
-              </a:r>
-            </a:p>
-          </p:txBody>
-        </p:sp>
-      </p:grpSp>
-      <p:grpSp>
-        <p:nvGrpSpPr>
-          <p:cNvPr id="79" name="组合 78"/>
-          <p:cNvGrpSpPr/>
-          <p:nvPr/>
-        </p:nvGrpSpPr>
-        <p:grpSpPr>
-          <a:xfrm>
-            <a:off x="4568825" y="1520240"/>
-            <a:ext cx="7365281" cy="532453"/>
-            <a:chOff x="4568825" y="432404"/>
-            <a:chExt cx="7365281" cy="532453"/>
-          </a:xfrm>
-        </p:grpSpPr>
-        <p:sp>
-          <p:nvSpPr>
-            <p:cNvPr id="80" name="矩形 79"/>
-            <p:cNvSpPr/>
-            <p:nvPr/>
-          </p:nvSpPr>
-          <p:spPr>
-            <a:xfrm>
-              <a:off x="6961426" y="432404"/>
-              <a:ext cx="4972680" cy="532453"/>
-            </a:xfrm>
-            <a:prstGeom prst="rect">
-              <a:avLst/>
-            </a:prstGeom>
-          </p:spPr>
-          <p:txBody>
-            <a:bodyPr wrap="square">
-              <a:spAutoFit/>
-            </a:bodyPr>
-            <a:lstStyle/>
-            <a:p>
-              <a:pPr>
-                <a:lnSpc>
-                  <a:spcPct val="130000"/>
-                </a:lnSpc>
-              </a:pPr>
-              <a:r>
-                <a:rPr lang="zh-CN" altLang="en-US" sz="1100" dirty="0">
-                  <a:solidFill>
-                    <a:schemeClr val="bg1">
-                      <a:lumMod val="50000"/>
-                    </a:schemeClr>
-                  </a:solidFill>
-                  <a:latin typeface="微软雅黑" panose="020B0503020204020204" charset="-122"/>
-                  <a:ea typeface="微软雅黑" panose="020B0503020204020204" charset="-122"/>
-                </a:rPr>
-                <a:t>标题数字等都可以通过点击和重新输入进行更改，顶部“开始”面板中可以对字体、字号、颜色、行距等进行修改。建议正文</a:t>
-              </a:r>
-              <a:r>
-                <a:rPr lang="en-US" altLang="zh-CN" sz="1100" dirty="0">
-                  <a:solidFill>
-                    <a:schemeClr val="bg1">
-                      <a:lumMod val="50000"/>
-                    </a:schemeClr>
-                  </a:solidFill>
-                  <a:latin typeface="微软雅黑" panose="020B0503020204020204" charset="-122"/>
-                  <a:ea typeface="微软雅黑" panose="020B0503020204020204" charset="-122"/>
-                </a:rPr>
-                <a:t>8-14</a:t>
-              </a:r>
-              <a:r>
-                <a:rPr lang="zh-CN" altLang="en-US" sz="1100" dirty="0">
-                  <a:solidFill>
-                    <a:schemeClr val="bg1">
-                      <a:lumMod val="50000"/>
-                    </a:schemeClr>
-                  </a:solidFill>
-                  <a:latin typeface="微软雅黑" panose="020B0503020204020204" charset="-122"/>
-                  <a:ea typeface="微软雅黑" panose="020B0503020204020204" charset="-122"/>
-                </a:rPr>
-                <a:t>号字，</a:t>
-              </a:r>
-              <a:r>
-                <a:rPr lang="en-US" altLang="zh-CN" sz="1100" dirty="0">
-                  <a:solidFill>
-                    <a:schemeClr val="bg1">
-                      <a:lumMod val="50000"/>
-                    </a:schemeClr>
-                  </a:solidFill>
-                  <a:latin typeface="微软雅黑" panose="020B0503020204020204" charset="-122"/>
-                  <a:ea typeface="微软雅黑" panose="020B0503020204020204" charset="-122"/>
-                </a:rPr>
-                <a:t>1.3</a:t>
-              </a:r>
-              <a:r>
-                <a:rPr lang="zh-CN" altLang="en-US" sz="1100" dirty="0">
-                  <a:solidFill>
-                    <a:schemeClr val="bg1">
-                      <a:lumMod val="50000"/>
-                    </a:schemeClr>
-                  </a:solidFill>
-                  <a:latin typeface="微软雅黑" panose="020B0503020204020204" charset="-122"/>
-                  <a:ea typeface="微软雅黑" panose="020B0503020204020204" charset="-122"/>
-                </a:rPr>
-                <a:t>倍字间距。</a:t>
-              </a:r>
-            </a:p>
-          </p:txBody>
-        </p:sp>
-        <p:grpSp>
-          <p:nvGrpSpPr>
-            <p:cNvPr id="81" name="组合 80"/>
-            <p:cNvGrpSpPr/>
-            <p:nvPr/>
-          </p:nvGrpSpPr>
-          <p:grpSpPr>
-            <a:xfrm>
-              <a:off x="4568825" y="438589"/>
-              <a:ext cx="2300757" cy="509896"/>
-              <a:chOff x="888096" y="1000203"/>
-              <a:chExt cx="4259825" cy="944066"/>
-            </a:xfrm>
-          </p:grpSpPr>
-          <p:sp>
-            <p:nvSpPr>
-              <p:cNvPr id="83" name="矩形 82"/>
-              <p:cNvSpPr/>
-              <p:nvPr/>
-            </p:nvSpPr>
-            <p:spPr>
-              <a:xfrm>
-                <a:off x="911225" y="1045634"/>
-                <a:ext cx="4199467" cy="872066"/>
-              </a:xfrm>
-              <a:prstGeom prst="rect">
-                <a:avLst/>
-              </a:prstGeom>
-              <a:noFill/>
-              <a:ln>
-                <a:solidFill>
-                  <a:schemeClr val="bg1">
-                    <a:lumMod val="75000"/>
-                  </a:schemeClr>
-                </a:solidFill>
-              </a:ln>
-            </p:spPr>
-            <p:style>
-              <a:lnRef idx="2">
-                <a:schemeClr val="accent1">
-                  <a:shade val="50000"/>
-                </a:schemeClr>
-              </a:lnRef>
-              <a:fillRef idx="1">
-                <a:schemeClr val="accent1"/>
-              </a:fillRef>
-              <a:effectRef idx="0">
-                <a:schemeClr val="accent1"/>
-              </a:effectRef>
-              <a:fontRef idx="minor">
-                <a:schemeClr val="lt1"/>
-              </a:fontRef>
-            </p:style>
-            <p:txBody>
-              <a:bodyPr rot="0" spcFirstLastPara="0" vertOverflow="overflow" horzOverflow="overflow" vert="horz" wrap="square" lIns="91440" tIns="45720" rIns="91440" bIns="45720" numCol="1" spcCol="0" rtlCol="0" fromWordArt="0" anchor="ctr" anchorCtr="0" forceAA="0" compatLnSpc="1">
-                <a:noAutofit/>
-              </a:bodyPr>
-              <a:lstStyle/>
-              <a:p>
-                <a:pPr algn="ctr"/>
-                <a:endParaRPr lang="zh-CN" altLang="en-US"/>
-              </a:p>
-            </p:txBody>
-          </p:sp>
-          <p:sp>
-            <p:nvSpPr>
-              <p:cNvPr id="84" name="椭圆 83"/>
-              <p:cNvSpPr/>
-              <p:nvPr/>
-            </p:nvSpPr>
-            <p:spPr>
-              <a:xfrm>
-                <a:off x="888096" y="1000203"/>
-                <a:ext cx="72000" cy="72000"/>
-              </a:xfrm>
-              <a:prstGeom prst="ellipse">
-                <a:avLst/>
-              </a:prstGeom>
-              <a:solidFill>
-                <a:schemeClr val="tx1">
-                  <a:lumMod val="65000"/>
-                  <a:lumOff val="35000"/>
-                </a:schemeClr>
-              </a:solidFill>
-              <a:ln>
-                <a:noFill/>
-              </a:ln>
-            </p:spPr>
-            <p:style>
-              <a:lnRef idx="2">
-                <a:schemeClr val="accent1">
-                  <a:shade val="50000"/>
-                </a:schemeClr>
-              </a:lnRef>
-              <a:fillRef idx="1">
-                <a:schemeClr val="accent1"/>
-              </a:fillRef>
-              <a:effectRef idx="0">
-                <a:schemeClr val="accent1"/>
-              </a:effectRef>
-              <a:fontRef idx="minor">
-                <a:schemeClr val="lt1"/>
-              </a:fontRef>
-            </p:style>
-            <p:txBody>
-              <a:bodyPr rot="0" spcFirstLastPara="0" vertOverflow="overflow" horzOverflow="overflow" vert="horz" wrap="square" lIns="91440" tIns="45720" rIns="91440" bIns="45720" numCol="1" spcCol="0" rtlCol="0" fromWordArt="0" anchor="ctr" anchorCtr="0" forceAA="0" compatLnSpc="1">
-                <a:noAutofit/>
-              </a:bodyPr>
-              <a:lstStyle/>
-              <a:p>
-                <a:pPr algn="ctr"/>
-                <a:endParaRPr lang="zh-CN" altLang="en-US"/>
-              </a:p>
-            </p:txBody>
-          </p:sp>
-          <p:sp>
-            <p:nvSpPr>
-              <p:cNvPr id="85" name="椭圆 84"/>
-              <p:cNvSpPr/>
-              <p:nvPr/>
-            </p:nvSpPr>
-            <p:spPr>
-              <a:xfrm>
-                <a:off x="888096" y="1872269"/>
-                <a:ext cx="72000" cy="72000"/>
-              </a:xfrm>
-              <a:prstGeom prst="ellipse">
-                <a:avLst/>
-              </a:prstGeom>
-              <a:solidFill>
-                <a:schemeClr val="tx1">
-                  <a:lumMod val="65000"/>
-                  <a:lumOff val="35000"/>
-                </a:schemeClr>
-              </a:solidFill>
-              <a:ln>
-                <a:noFill/>
-              </a:ln>
-            </p:spPr>
-            <p:style>
-              <a:lnRef idx="2">
-                <a:schemeClr val="accent1">
-                  <a:shade val="50000"/>
-                </a:schemeClr>
-              </a:lnRef>
-              <a:fillRef idx="1">
-                <a:schemeClr val="accent1"/>
-              </a:fillRef>
-              <a:effectRef idx="0">
-                <a:schemeClr val="accent1"/>
-              </a:effectRef>
-              <a:fontRef idx="minor">
-                <a:schemeClr val="lt1"/>
-              </a:fontRef>
-            </p:style>
-            <p:txBody>
-              <a:bodyPr rot="0" spcFirstLastPara="0" vertOverflow="overflow" horzOverflow="overflow" vert="horz" wrap="square" lIns="91440" tIns="45720" rIns="91440" bIns="45720" numCol="1" spcCol="0" rtlCol="0" fromWordArt="0" anchor="ctr" anchorCtr="0" forceAA="0" compatLnSpc="1">
-                <a:noAutofit/>
-              </a:bodyPr>
-              <a:lstStyle/>
-              <a:p>
-                <a:pPr algn="ctr"/>
-                <a:endParaRPr lang="zh-CN" altLang="en-US"/>
-              </a:p>
-            </p:txBody>
-          </p:sp>
-          <p:sp>
-            <p:nvSpPr>
-              <p:cNvPr id="86" name="椭圆 85"/>
-              <p:cNvSpPr/>
-              <p:nvPr/>
-            </p:nvSpPr>
-            <p:spPr>
-              <a:xfrm>
-                <a:off x="5075921" y="1872269"/>
-                <a:ext cx="72000" cy="72000"/>
-              </a:xfrm>
-              <a:prstGeom prst="ellipse">
-                <a:avLst/>
-              </a:prstGeom>
-              <a:solidFill>
-                <a:schemeClr val="tx1">
-                  <a:lumMod val="65000"/>
-                  <a:lumOff val="35000"/>
-                </a:schemeClr>
-              </a:solidFill>
-              <a:ln>
-                <a:noFill/>
-              </a:ln>
-            </p:spPr>
-            <p:style>
-              <a:lnRef idx="2">
-                <a:schemeClr val="accent1">
-                  <a:shade val="50000"/>
-                </a:schemeClr>
-              </a:lnRef>
-              <a:fillRef idx="1">
-                <a:schemeClr val="accent1"/>
-              </a:fillRef>
-              <a:effectRef idx="0">
-                <a:schemeClr val="accent1"/>
-              </a:effectRef>
-              <a:fontRef idx="minor">
-                <a:schemeClr val="lt1"/>
-              </a:fontRef>
-            </p:style>
-            <p:txBody>
-              <a:bodyPr rot="0" spcFirstLastPara="0" vertOverflow="overflow" horzOverflow="overflow" vert="horz" wrap="square" lIns="91440" tIns="45720" rIns="91440" bIns="45720" numCol="1" spcCol="0" rtlCol="0" fromWordArt="0" anchor="ctr" anchorCtr="0" forceAA="0" compatLnSpc="1">
-                <a:noAutofit/>
-              </a:bodyPr>
-              <a:lstStyle/>
-              <a:p>
-                <a:pPr algn="ctr"/>
-                <a:endParaRPr lang="zh-CN" altLang="en-US"/>
-              </a:p>
-            </p:txBody>
-          </p:sp>
-          <p:sp>
-            <p:nvSpPr>
-              <p:cNvPr id="87" name="椭圆 86"/>
-              <p:cNvSpPr/>
-              <p:nvPr/>
-            </p:nvSpPr>
-            <p:spPr>
-              <a:xfrm>
-                <a:off x="5074692" y="1009634"/>
-                <a:ext cx="72000" cy="72000"/>
-              </a:xfrm>
-              <a:prstGeom prst="ellipse">
-                <a:avLst/>
-              </a:prstGeom>
-              <a:solidFill>
-                <a:schemeClr val="tx1">
-                  <a:lumMod val="65000"/>
-                  <a:lumOff val="35000"/>
-                </a:schemeClr>
-              </a:solidFill>
-              <a:ln>
-                <a:noFill/>
-              </a:ln>
-            </p:spPr>
-            <p:style>
-              <a:lnRef idx="2">
-                <a:schemeClr val="accent1">
-                  <a:shade val="50000"/>
-                </a:schemeClr>
-              </a:lnRef>
-              <a:fillRef idx="1">
-                <a:schemeClr val="accent1"/>
-              </a:fillRef>
-              <a:effectRef idx="0">
-                <a:schemeClr val="accent1"/>
-              </a:effectRef>
-              <a:fontRef idx="minor">
-                <a:schemeClr val="lt1"/>
-              </a:fontRef>
-            </p:style>
-            <p:txBody>
-              <a:bodyPr rot="0" spcFirstLastPara="0" vertOverflow="overflow" horzOverflow="overflow" vert="horz" wrap="square" lIns="91440" tIns="45720" rIns="91440" bIns="45720" numCol="1" spcCol="0" rtlCol="0" fromWordArt="0" anchor="ctr" anchorCtr="0" forceAA="0" compatLnSpc="1">
-                <a:noAutofit/>
-              </a:bodyPr>
-              <a:lstStyle/>
-              <a:p>
-                <a:pPr algn="ctr"/>
-                <a:endParaRPr lang="zh-CN" altLang="en-US"/>
-              </a:p>
-            </p:txBody>
-          </p:sp>
-        </p:grpSp>
-        <p:sp>
-          <p:nvSpPr>
-            <p:cNvPr id="82" name="矩形 81"/>
-            <p:cNvSpPr/>
-            <p:nvPr/>
-          </p:nvSpPr>
-          <p:spPr>
-            <a:xfrm>
-              <a:off x="4677733" y="513965"/>
-              <a:ext cx="2031325" cy="369332"/>
-            </a:xfrm>
-            <a:prstGeom prst="rect">
-              <a:avLst/>
-            </a:prstGeom>
-          </p:spPr>
-          <p:txBody>
-            <a:bodyPr wrap="none">
-              <a:spAutoFit/>
-            </a:bodyPr>
-            <a:lstStyle/>
-            <a:p>
-              <a:r>
-                <a:rPr lang="zh-CN" altLang="en-US" dirty="0"/>
-                <a:t>点击此处添加标题</a:t>
-              </a:r>
-            </a:p>
-          </p:txBody>
-        </p:sp>
-      </p:grpSp>
-      <p:grpSp>
-        <p:nvGrpSpPr>
-          <p:cNvPr id="88" name="组合 87"/>
-          <p:cNvGrpSpPr/>
-          <p:nvPr/>
-        </p:nvGrpSpPr>
-        <p:grpSpPr>
-          <a:xfrm>
-            <a:off x="4568825" y="2625613"/>
-            <a:ext cx="7365281" cy="532453"/>
-            <a:chOff x="4568825" y="432404"/>
-            <a:chExt cx="7365281" cy="532453"/>
-          </a:xfrm>
-        </p:grpSpPr>
-        <p:sp>
-          <p:nvSpPr>
-            <p:cNvPr id="89" name="矩形 88"/>
-            <p:cNvSpPr/>
-            <p:nvPr/>
-          </p:nvSpPr>
-          <p:spPr>
-            <a:xfrm>
-              <a:off x="6961426" y="432404"/>
-              <a:ext cx="4972680" cy="532453"/>
-            </a:xfrm>
-            <a:prstGeom prst="rect">
-              <a:avLst/>
-            </a:prstGeom>
-          </p:spPr>
-          <p:txBody>
-            <a:bodyPr wrap="square">
-              <a:spAutoFit/>
-            </a:bodyPr>
-            <a:lstStyle/>
-            <a:p>
-              <a:pPr>
-                <a:lnSpc>
-                  <a:spcPct val="130000"/>
-                </a:lnSpc>
-              </a:pPr>
-              <a:r>
-                <a:rPr lang="zh-CN" altLang="en-US" sz="1100" dirty="0">
-                  <a:solidFill>
-                    <a:schemeClr val="bg1">
-                      <a:lumMod val="50000"/>
-                    </a:schemeClr>
-                  </a:solidFill>
-                  <a:latin typeface="微软雅黑" panose="020B0503020204020204" charset="-122"/>
-                  <a:ea typeface="微软雅黑" panose="020B0503020204020204" charset="-122"/>
-                </a:rPr>
-                <a:t>标题数字等都可以通过点击和重新输入进行更改，顶部“开始”面板中可以对字体、字号、颜色、行距等进行修改。建议正文</a:t>
-              </a:r>
-              <a:r>
-                <a:rPr lang="en-US" altLang="zh-CN" sz="1100" dirty="0">
-                  <a:solidFill>
-                    <a:schemeClr val="bg1">
-                      <a:lumMod val="50000"/>
-                    </a:schemeClr>
-                  </a:solidFill>
-                  <a:latin typeface="微软雅黑" panose="020B0503020204020204" charset="-122"/>
-                  <a:ea typeface="微软雅黑" panose="020B0503020204020204" charset="-122"/>
-                </a:rPr>
-                <a:t>8-14</a:t>
-              </a:r>
-              <a:r>
-                <a:rPr lang="zh-CN" altLang="en-US" sz="1100" dirty="0">
-                  <a:solidFill>
-                    <a:schemeClr val="bg1">
-                      <a:lumMod val="50000"/>
-                    </a:schemeClr>
-                  </a:solidFill>
-                  <a:latin typeface="微软雅黑" panose="020B0503020204020204" charset="-122"/>
-                  <a:ea typeface="微软雅黑" panose="020B0503020204020204" charset="-122"/>
-                </a:rPr>
-                <a:t>号字，</a:t>
-              </a:r>
-              <a:r>
-                <a:rPr lang="en-US" altLang="zh-CN" sz="1100" dirty="0">
-                  <a:solidFill>
-                    <a:schemeClr val="bg1">
-                      <a:lumMod val="50000"/>
-                    </a:schemeClr>
-                  </a:solidFill>
-                  <a:latin typeface="微软雅黑" panose="020B0503020204020204" charset="-122"/>
-                  <a:ea typeface="微软雅黑" panose="020B0503020204020204" charset="-122"/>
-                </a:rPr>
-                <a:t>1.3</a:t>
-              </a:r>
-              <a:r>
-                <a:rPr lang="zh-CN" altLang="en-US" sz="1100" dirty="0">
-                  <a:solidFill>
-                    <a:schemeClr val="bg1">
-                      <a:lumMod val="50000"/>
-                    </a:schemeClr>
-                  </a:solidFill>
-                  <a:latin typeface="微软雅黑" panose="020B0503020204020204" charset="-122"/>
-                  <a:ea typeface="微软雅黑" panose="020B0503020204020204" charset="-122"/>
-                </a:rPr>
-                <a:t>倍字间距。</a:t>
-              </a:r>
-            </a:p>
-          </p:txBody>
-        </p:sp>
-        <p:grpSp>
-          <p:nvGrpSpPr>
-            <p:cNvPr id="90" name="组合 89"/>
-            <p:cNvGrpSpPr/>
-            <p:nvPr/>
-          </p:nvGrpSpPr>
-          <p:grpSpPr>
-            <a:xfrm>
-              <a:off x="4568825" y="438589"/>
-              <a:ext cx="2300757" cy="509896"/>
-              <a:chOff x="888096" y="1000203"/>
-              <a:chExt cx="4259825" cy="944066"/>
-            </a:xfrm>
-          </p:grpSpPr>
-          <p:sp>
-            <p:nvSpPr>
-              <p:cNvPr id="92" name="矩形 91"/>
-              <p:cNvSpPr/>
-              <p:nvPr/>
-            </p:nvSpPr>
-            <p:spPr>
-              <a:xfrm>
-                <a:off x="911225" y="1045634"/>
-                <a:ext cx="4199467" cy="872066"/>
-              </a:xfrm>
-              <a:prstGeom prst="rect">
-                <a:avLst/>
-              </a:prstGeom>
-              <a:noFill/>
-              <a:ln>
-                <a:solidFill>
-                  <a:schemeClr val="bg1">
-                    <a:lumMod val="75000"/>
-                  </a:schemeClr>
-                </a:solidFill>
-              </a:ln>
-            </p:spPr>
-            <p:style>
-              <a:lnRef idx="2">
-                <a:schemeClr val="accent1">
-                  <a:shade val="50000"/>
-                </a:schemeClr>
-              </a:lnRef>
-              <a:fillRef idx="1">
-                <a:schemeClr val="accent1"/>
-              </a:fillRef>
-              <a:effectRef idx="0">
-                <a:schemeClr val="accent1"/>
-              </a:effectRef>
-              <a:fontRef idx="minor">
-                <a:schemeClr val="lt1"/>
-              </a:fontRef>
-            </p:style>
-            <p:txBody>
-              <a:bodyPr rot="0" spcFirstLastPara="0" vertOverflow="overflow" horzOverflow="overflow" vert="horz" wrap="square" lIns="91440" tIns="45720" rIns="91440" bIns="45720" numCol="1" spcCol="0" rtlCol="0" fromWordArt="0" anchor="ctr" anchorCtr="0" forceAA="0" compatLnSpc="1">
-                <a:noAutofit/>
-              </a:bodyPr>
-              <a:lstStyle/>
-              <a:p>
-                <a:pPr algn="ctr"/>
-                <a:endParaRPr lang="zh-CN" altLang="en-US"/>
-              </a:p>
-            </p:txBody>
-          </p:sp>
-          <p:sp>
-            <p:nvSpPr>
-              <p:cNvPr id="93" name="椭圆 92"/>
-              <p:cNvSpPr/>
-              <p:nvPr/>
-            </p:nvSpPr>
-            <p:spPr>
-              <a:xfrm>
-                <a:off x="888096" y="1000203"/>
-                <a:ext cx="72000" cy="72000"/>
-              </a:xfrm>
-              <a:prstGeom prst="ellipse">
-                <a:avLst/>
-              </a:prstGeom>
-              <a:solidFill>
-                <a:schemeClr val="tx1">
-                  <a:lumMod val="65000"/>
-                  <a:lumOff val="35000"/>
-                </a:schemeClr>
-              </a:solidFill>
-              <a:ln>
-                <a:noFill/>
-              </a:ln>
-            </p:spPr>
-            <p:style>
-              <a:lnRef idx="2">
-                <a:schemeClr val="accent1">
-                  <a:shade val="50000"/>
-                </a:schemeClr>
-              </a:lnRef>
-              <a:fillRef idx="1">
-                <a:schemeClr val="accent1"/>
-              </a:fillRef>
-              <a:effectRef idx="0">
-                <a:schemeClr val="accent1"/>
-              </a:effectRef>
-              <a:fontRef idx="minor">
-                <a:schemeClr val="lt1"/>
-              </a:fontRef>
-            </p:style>
-            <p:txBody>
-              <a:bodyPr rot="0" spcFirstLastPara="0" vertOverflow="overflow" horzOverflow="overflow" vert="horz" wrap="square" lIns="91440" tIns="45720" rIns="91440" bIns="45720" numCol="1" spcCol="0" rtlCol="0" fromWordArt="0" anchor="ctr" anchorCtr="0" forceAA="0" compatLnSpc="1">
-                <a:noAutofit/>
-              </a:bodyPr>
-              <a:lstStyle/>
-              <a:p>
-                <a:pPr algn="ctr"/>
-                <a:endParaRPr lang="zh-CN" altLang="en-US"/>
-              </a:p>
-            </p:txBody>
-          </p:sp>
-          <p:sp>
-            <p:nvSpPr>
-              <p:cNvPr id="94" name="椭圆 93"/>
-              <p:cNvSpPr/>
-              <p:nvPr/>
-            </p:nvSpPr>
-            <p:spPr>
-              <a:xfrm>
-                <a:off x="888096" y="1872269"/>
-                <a:ext cx="72000" cy="72000"/>
-              </a:xfrm>
-              <a:prstGeom prst="ellipse">
-                <a:avLst/>
-              </a:prstGeom>
-              <a:solidFill>
-                <a:schemeClr val="tx1">
-                  <a:lumMod val="65000"/>
-                  <a:lumOff val="35000"/>
-                </a:schemeClr>
-              </a:solidFill>
-              <a:ln>
-                <a:noFill/>
-              </a:ln>
-            </p:spPr>
-            <p:style>
-              <a:lnRef idx="2">
-                <a:schemeClr val="accent1">
-                  <a:shade val="50000"/>
-                </a:schemeClr>
-              </a:lnRef>
-              <a:fillRef idx="1">
-                <a:schemeClr val="accent1"/>
-              </a:fillRef>
-              <a:effectRef idx="0">
-                <a:schemeClr val="accent1"/>
-              </a:effectRef>
-              <a:fontRef idx="minor">
-                <a:schemeClr val="lt1"/>
-              </a:fontRef>
-            </p:style>
-            <p:txBody>
-              <a:bodyPr rot="0" spcFirstLastPara="0" vertOverflow="overflow" horzOverflow="overflow" vert="horz" wrap="square" lIns="91440" tIns="45720" rIns="91440" bIns="45720" numCol="1" spcCol="0" rtlCol="0" fromWordArt="0" anchor="ctr" anchorCtr="0" forceAA="0" compatLnSpc="1">
-                <a:noAutofit/>
-              </a:bodyPr>
-              <a:lstStyle/>
-              <a:p>
-                <a:pPr algn="ctr"/>
-                <a:endParaRPr lang="zh-CN" altLang="en-US"/>
-              </a:p>
-            </p:txBody>
-          </p:sp>
-          <p:sp>
-            <p:nvSpPr>
-              <p:cNvPr id="95" name="椭圆 94"/>
-              <p:cNvSpPr/>
-              <p:nvPr/>
-            </p:nvSpPr>
-            <p:spPr>
-              <a:xfrm>
-                <a:off x="5075921" y="1872269"/>
-                <a:ext cx="72000" cy="72000"/>
-              </a:xfrm>
-              <a:prstGeom prst="ellipse">
-                <a:avLst/>
-              </a:prstGeom>
-              <a:solidFill>
-                <a:schemeClr val="tx1">
-                  <a:lumMod val="65000"/>
-                  <a:lumOff val="35000"/>
-                </a:schemeClr>
-              </a:solidFill>
-              <a:ln>
-                <a:noFill/>
-              </a:ln>
-            </p:spPr>
-            <p:style>
-              <a:lnRef idx="2">
-                <a:schemeClr val="accent1">
-                  <a:shade val="50000"/>
-                </a:schemeClr>
-              </a:lnRef>
-              <a:fillRef idx="1">
-                <a:schemeClr val="accent1"/>
-              </a:fillRef>
-              <a:effectRef idx="0">
-                <a:schemeClr val="accent1"/>
-              </a:effectRef>
-              <a:fontRef idx="minor">
-                <a:schemeClr val="lt1"/>
-              </a:fontRef>
-            </p:style>
-            <p:txBody>
-              <a:bodyPr rot="0" spcFirstLastPara="0" vertOverflow="overflow" horzOverflow="overflow" vert="horz" wrap="square" lIns="91440" tIns="45720" rIns="91440" bIns="45720" numCol="1" spcCol="0" rtlCol="0" fromWordArt="0" anchor="ctr" anchorCtr="0" forceAA="0" compatLnSpc="1">
-                <a:noAutofit/>
-              </a:bodyPr>
-              <a:lstStyle/>
-              <a:p>
-                <a:pPr algn="ctr"/>
-                <a:endParaRPr lang="zh-CN" altLang="en-US"/>
-              </a:p>
-            </p:txBody>
-          </p:sp>
-          <p:sp>
-            <p:nvSpPr>
-              <p:cNvPr id="96" name="椭圆 95"/>
-              <p:cNvSpPr/>
-              <p:nvPr/>
-            </p:nvSpPr>
-            <p:spPr>
-              <a:xfrm>
-                <a:off x="5074692" y="1009634"/>
-                <a:ext cx="72000" cy="72000"/>
-              </a:xfrm>
-              <a:prstGeom prst="ellipse">
-                <a:avLst/>
-              </a:prstGeom>
-              <a:solidFill>
-                <a:schemeClr val="tx1">
-                  <a:lumMod val="65000"/>
-                  <a:lumOff val="35000"/>
-                </a:schemeClr>
-              </a:solidFill>
-              <a:ln>
-                <a:noFill/>
-              </a:ln>
-            </p:spPr>
-            <p:style>
-              <a:lnRef idx="2">
-                <a:schemeClr val="accent1">
-                  <a:shade val="50000"/>
-                </a:schemeClr>
-              </a:lnRef>
-              <a:fillRef idx="1">
-                <a:schemeClr val="accent1"/>
-              </a:fillRef>
-              <a:effectRef idx="0">
-                <a:schemeClr val="accent1"/>
-              </a:effectRef>
-              <a:fontRef idx="minor">
-                <a:schemeClr val="lt1"/>
-              </a:fontRef>
-            </p:style>
-            <p:txBody>
-              <a:bodyPr rot="0" spcFirstLastPara="0" vertOverflow="overflow" horzOverflow="overflow" vert="horz" wrap="square" lIns="91440" tIns="45720" rIns="91440" bIns="45720" numCol="1" spcCol="0" rtlCol="0" fromWordArt="0" anchor="ctr" anchorCtr="0" forceAA="0" compatLnSpc="1">
-                <a:noAutofit/>
-              </a:bodyPr>
-              <a:lstStyle/>
-              <a:p>
-                <a:pPr algn="ctr"/>
-                <a:endParaRPr lang="zh-CN" altLang="en-US"/>
-              </a:p>
-            </p:txBody>
-          </p:sp>
-        </p:grpSp>
-        <p:sp>
-          <p:nvSpPr>
-            <p:cNvPr id="91" name="矩形 90"/>
-            <p:cNvSpPr/>
-            <p:nvPr/>
-          </p:nvSpPr>
-          <p:spPr>
-            <a:xfrm>
-              <a:off x="4677733" y="513965"/>
-              <a:ext cx="2031325" cy="369332"/>
-            </a:xfrm>
-            <a:prstGeom prst="rect">
-              <a:avLst/>
-            </a:prstGeom>
-          </p:spPr>
-          <p:txBody>
-            <a:bodyPr wrap="none">
-              <a:spAutoFit/>
-            </a:bodyPr>
-            <a:lstStyle/>
-            <a:p>
-              <a:r>
-                <a:rPr lang="zh-CN" altLang="en-US" dirty="0"/>
-                <a:t>点击此处添加标题</a:t>
-              </a:r>
-            </a:p>
-          </p:txBody>
-        </p:sp>
-      </p:grpSp>
-      <p:grpSp>
-        <p:nvGrpSpPr>
-          <p:cNvPr id="97" name="组合 96"/>
-          <p:cNvGrpSpPr/>
-          <p:nvPr/>
-        </p:nvGrpSpPr>
-        <p:grpSpPr>
-          <a:xfrm>
-            <a:off x="4568825" y="3721573"/>
-            <a:ext cx="7365281" cy="532453"/>
-            <a:chOff x="4568825" y="432404"/>
-            <a:chExt cx="7365281" cy="532453"/>
-          </a:xfrm>
-        </p:grpSpPr>
-        <p:sp>
-          <p:nvSpPr>
-            <p:cNvPr id="98" name="矩形 97"/>
-            <p:cNvSpPr/>
-            <p:nvPr/>
-          </p:nvSpPr>
-          <p:spPr>
-            <a:xfrm>
-              <a:off x="6961426" y="432404"/>
-              <a:ext cx="4972680" cy="532453"/>
-            </a:xfrm>
-            <a:prstGeom prst="rect">
-              <a:avLst/>
-            </a:prstGeom>
-          </p:spPr>
-          <p:txBody>
-            <a:bodyPr wrap="square">
-              <a:spAutoFit/>
-            </a:bodyPr>
-            <a:lstStyle/>
-            <a:p>
-              <a:pPr>
-                <a:lnSpc>
-                  <a:spcPct val="130000"/>
-                </a:lnSpc>
-              </a:pPr>
-              <a:r>
-                <a:rPr lang="zh-CN" altLang="en-US" sz="1100" dirty="0">
-                  <a:solidFill>
-                    <a:schemeClr val="bg1">
-                      <a:lumMod val="50000"/>
-                    </a:schemeClr>
-                  </a:solidFill>
-                  <a:latin typeface="微软雅黑" panose="020B0503020204020204" charset="-122"/>
-                  <a:ea typeface="微软雅黑" panose="020B0503020204020204" charset="-122"/>
-                </a:rPr>
-                <a:t>标题数字等都可以通过点击和重新输入进行更改，顶部“开始”面板中可以对字体、字号、颜色、行距等进行修改。建议正文</a:t>
-              </a:r>
-              <a:r>
-                <a:rPr lang="en-US" altLang="zh-CN" sz="1100" dirty="0">
-                  <a:solidFill>
-                    <a:schemeClr val="bg1">
-                      <a:lumMod val="50000"/>
-                    </a:schemeClr>
-                  </a:solidFill>
-                  <a:latin typeface="微软雅黑" panose="020B0503020204020204" charset="-122"/>
-                  <a:ea typeface="微软雅黑" panose="020B0503020204020204" charset="-122"/>
-                </a:rPr>
-                <a:t>8-14</a:t>
-              </a:r>
-              <a:r>
-                <a:rPr lang="zh-CN" altLang="en-US" sz="1100" dirty="0">
-                  <a:solidFill>
-                    <a:schemeClr val="bg1">
-                      <a:lumMod val="50000"/>
-                    </a:schemeClr>
-                  </a:solidFill>
-                  <a:latin typeface="微软雅黑" panose="020B0503020204020204" charset="-122"/>
-                  <a:ea typeface="微软雅黑" panose="020B0503020204020204" charset="-122"/>
-                </a:rPr>
-                <a:t>号字，</a:t>
-              </a:r>
-              <a:r>
-                <a:rPr lang="en-US" altLang="zh-CN" sz="1100" dirty="0">
-                  <a:solidFill>
-                    <a:schemeClr val="bg1">
-                      <a:lumMod val="50000"/>
-                    </a:schemeClr>
-                  </a:solidFill>
-                  <a:latin typeface="微软雅黑" panose="020B0503020204020204" charset="-122"/>
-                  <a:ea typeface="微软雅黑" panose="020B0503020204020204" charset="-122"/>
-                </a:rPr>
-                <a:t>1.3</a:t>
-              </a:r>
-              <a:r>
-                <a:rPr lang="zh-CN" altLang="en-US" sz="1100" dirty="0">
-                  <a:solidFill>
-                    <a:schemeClr val="bg1">
-                      <a:lumMod val="50000"/>
-                    </a:schemeClr>
-                  </a:solidFill>
-                  <a:latin typeface="微软雅黑" panose="020B0503020204020204" charset="-122"/>
-                  <a:ea typeface="微软雅黑" panose="020B0503020204020204" charset="-122"/>
-                </a:rPr>
-                <a:t>倍字间距。</a:t>
-              </a:r>
-            </a:p>
-          </p:txBody>
-        </p:sp>
-        <p:grpSp>
-          <p:nvGrpSpPr>
-            <p:cNvPr id="99" name="组合 98"/>
-            <p:cNvGrpSpPr/>
-            <p:nvPr/>
-          </p:nvGrpSpPr>
-          <p:grpSpPr>
-            <a:xfrm>
-              <a:off x="4568825" y="438589"/>
-              <a:ext cx="2300757" cy="509896"/>
-              <a:chOff x="888096" y="1000203"/>
-              <a:chExt cx="4259825" cy="944066"/>
-            </a:xfrm>
-          </p:grpSpPr>
-          <p:sp>
-            <p:nvSpPr>
-              <p:cNvPr id="101" name="矩形 100"/>
-              <p:cNvSpPr/>
-              <p:nvPr/>
-            </p:nvSpPr>
-            <p:spPr>
-              <a:xfrm>
-                <a:off x="911225" y="1045634"/>
-                <a:ext cx="4199467" cy="872066"/>
-              </a:xfrm>
-              <a:prstGeom prst="rect">
-                <a:avLst/>
-              </a:prstGeom>
-              <a:noFill/>
-              <a:ln>
-                <a:solidFill>
-                  <a:schemeClr val="bg1">
-                    <a:lumMod val="75000"/>
-                  </a:schemeClr>
-                </a:solidFill>
-              </a:ln>
-            </p:spPr>
-            <p:style>
-              <a:lnRef idx="2">
-                <a:schemeClr val="accent1">
-                  <a:shade val="50000"/>
-                </a:schemeClr>
-              </a:lnRef>
-              <a:fillRef idx="1">
-                <a:schemeClr val="accent1"/>
-              </a:fillRef>
-              <a:effectRef idx="0">
-                <a:schemeClr val="accent1"/>
-              </a:effectRef>
-              <a:fontRef idx="minor">
-                <a:schemeClr val="lt1"/>
-              </a:fontRef>
-            </p:style>
-            <p:txBody>
-              <a:bodyPr rot="0" spcFirstLastPara="0" vertOverflow="overflow" horzOverflow="overflow" vert="horz" wrap="square" lIns="91440" tIns="45720" rIns="91440" bIns="45720" numCol="1" spcCol="0" rtlCol="0" fromWordArt="0" anchor="ctr" anchorCtr="0" forceAA="0" compatLnSpc="1">
-                <a:noAutofit/>
-              </a:bodyPr>
-              <a:lstStyle/>
-              <a:p>
-                <a:pPr algn="ctr"/>
-                <a:endParaRPr lang="zh-CN" altLang="en-US"/>
-              </a:p>
-            </p:txBody>
-          </p:sp>
-          <p:sp>
-            <p:nvSpPr>
-              <p:cNvPr id="102" name="椭圆 101"/>
-              <p:cNvSpPr/>
-              <p:nvPr/>
-            </p:nvSpPr>
-            <p:spPr>
-              <a:xfrm>
-                <a:off x="888096" y="1000203"/>
-                <a:ext cx="72000" cy="72000"/>
-              </a:xfrm>
-              <a:prstGeom prst="ellipse">
-                <a:avLst/>
-              </a:prstGeom>
-              <a:solidFill>
-                <a:schemeClr val="tx1">
-                  <a:lumMod val="65000"/>
-                  <a:lumOff val="35000"/>
-                </a:schemeClr>
-              </a:solidFill>
-              <a:ln>
-                <a:noFill/>
-              </a:ln>
-            </p:spPr>
-            <p:style>
-              <a:lnRef idx="2">
-                <a:schemeClr val="accent1">
-                  <a:shade val="50000"/>
-                </a:schemeClr>
-              </a:lnRef>
-              <a:fillRef idx="1">
-                <a:schemeClr val="accent1"/>
-              </a:fillRef>
-              <a:effectRef idx="0">
-                <a:schemeClr val="accent1"/>
-              </a:effectRef>
-              <a:fontRef idx="minor">
-                <a:schemeClr val="lt1"/>
-              </a:fontRef>
-            </p:style>
-            <p:txBody>
-              <a:bodyPr rot="0" spcFirstLastPara="0" vertOverflow="overflow" horzOverflow="overflow" vert="horz" wrap="square" lIns="91440" tIns="45720" rIns="91440" bIns="45720" numCol="1" spcCol="0" rtlCol="0" fromWordArt="0" anchor="ctr" anchorCtr="0" forceAA="0" compatLnSpc="1">
-                <a:noAutofit/>
-              </a:bodyPr>
-              <a:lstStyle/>
-              <a:p>
-                <a:pPr algn="ctr"/>
-                <a:endParaRPr lang="zh-CN" altLang="en-US"/>
-              </a:p>
-            </p:txBody>
-          </p:sp>
-          <p:sp>
-            <p:nvSpPr>
-              <p:cNvPr id="103" name="椭圆 102"/>
-              <p:cNvSpPr/>
-              <p:nvPr/>
-            </p:nvSpPr>
-            <p:spPr>
-              <a:xfrm>
-                <a:off x="888096" y="1872269"/>
-                <a:ext cx="72000" cy="72000"/>
-              </a:xfrm>
-              <a:prstGeom prst="ellipse">
-                <a:avLst/>
-              </a:prstGeom>
-              <a:solidFill>
-                <a:schemeClr val="tx1">
-                  <a:lumMod val="65000"/>
-                  <a:lumOff val="35000"/>
-                </a:schemeClr>
-              </a:solidFill>
-              <a:ln>
-                <a:noFill/>
-              </a:ln>
-            </p:spPr>
-            <p:style>
-              <a:lnRef idx="2">
-                <a:schemeClr val="accent1">
-                  <a:shade val="50000"/>
-                </a:schemeClr>
-              </a:lnRef>
-              <a:fillRef idx="1">
-                <a:schemeClr val="accent1"/>
-              </a:fillRef>
-              <a:effectRef idx="0">
-                <a:schemeClr val="accent1"/>
-              </a:effectRef>
-              <a:fontRef idx="minor">
-                <a:schemeClr val="lt1"/>
-              </a:fontRef>
-            </p:style>
-            <p:txBody>
-              <a:bodyPr rot="0" spcFirstLastPara="0" vertOverflow="overflow" horzOverflow="overflow" vert="horz" wrap="square" lIns="91440" tIns="45720" rIns="91440" bIns="45720" numCol="1" spcCol="0" rtlCol="0" fromWordArt="0" anchor="ctr" anchorCtr="0" forceAA="0" compatLnSpc="1">
-                <a:noAutofit/>
-              </a:bodyPr>
-              <a:lstStyle/>
-              <a:p>
-                <a:pPr algn="ctr"/>
-                <a:endParaRPr lang="zh-CN" altLang="en-US"/>
-              </a:p>
-            </p:txBody>
-          </p:sp>
-          <p:sp>
-            <p:nvSpPr>
-              <p:cNvPr id="104" name="椭圆 103"/>
-              <p:cNvSpPr/>
-              <p:nvPr/>
-            </p:nvSpPr>
-            <p:spPr>
-              <a:xfrm>
-                <a:off x="5075921" y="1872269"/>
-                <a:ext cx="72000" cy="72000"/>
-              </a:xfrm>
-              <a:prstGeom prst="ellipse">
-                <a:avLst/>
-              </a:prstGeom>
-              <a:solidFill>
-                <a:schemeClr val="tx1">
-                  <a:lumMod val="65000"/>
-                  <a:lumOff val="35000"/>
-                </a:schemeClr>
-              </a:solidFill>
-              <a:ln>
-                <a:noFill/>
-              </a:ln>
-            </p:spPr>
-            <p:style>
-              <a:lnRef idx="2">
-                <a:schemeClr val="accent1">
-                  <a:shade val="50000"/>
-                </a:schemeClr>
-              </a:lnRef>
-              <a:fillRef idx="1">
-                <a:schemeClr val="accent1"/>
-              </a:fillRef>
-              <a:effectRef idx="0">
-                <a:schemeClr val="accent1"/>
-              </a:effectRef>
-              <a:fontRef idx="minor">
-                <a:schemeClr val="lt1"/>
-              </a:fontRef>
-            </p:style>
-            <p:txBody>
-              <a:bodyPr rot="0" spcFirstLastPara="0" vertOverflow="overflow" horzOverflow="overflow" vert="horz" wrap="square" lIns="91440" tIns="45720" rIns="91440" bIns="45720" numCol="1" spcCol="0" rtlCol="0" fromWordArt="0" anchor="ctr" anchorCtr="0" forceAA="0" compatLnSpc="1">
-                <a:noAutofit/>
-              </a:bodyPr>
-              <a:lstStyle/>
-              <a:p>
-                <a:pPr algn="ctr"/>
-                <a:endParaRPr lang="zh-CN" altLang="en-US"/>
-              </a:p>
-            </p:txBody>
-          </p:sp>
-          <p:sp>
-            <p:nvSpPr>
-              <p:cNvPr id="105" name="椭圆 104"/>
-              <p:cNvSpPr/>
-              <p:nvPr/>
-            </p:nvSpPr>
-            <p:spPr>
-              <a:xfrm>
-                <a:off x="5074692" y="1009634"/>
-                <a:ext cx="72000" cy="72000"/>
-              </a:xfrm>
-              <a:prstGeom prst="ellipse">
-                <a:avLst/>
-              </a:prstGeom>
-              <a:solidFill>
-                <a:schemeClr val="tx1">
-                  <a:lumMod val="65000"/>
-                  <a:lumOff val="35000"/>
-                </a:schemeClr>
-              </a:solidFill>
-              <a:ln>
-                <a:noFill/>
-              </a:ln>
-            </p:spPr>
-            <p:style>
-              <a:lnRef idx="2">
-                <a:schemeClr val="accent1">
-                  <a:shade val="50000"/>
-                </a:schemeClr>
-              </a:lnRef>
-              <a:fillRef idx="1">
-                <a:schemeClr val="accent1"/>
-              </a:fillRef>
-              <a:effectRef idx="0">
-                <a:schemeClr val="accent1"/>
-              </a:effectRef>
-              <a:fontRef idx="minor">
-                <a:schemeClr val="lt1"/>
-              </a:fontRef>
-            </p:style>
-            <p:txBody>
-              <a:bodyPr rot="0" spcFirstLastPara="0" vertOverflow="overflow" horzOverflow="overflow" vert="horz" wrap="square" lIns="91440" tIns="45720" rIns="91440" bIns="45720" numCol="1" spcCol="0" rtlCol="0" fromWordArt="0" anchor="ctr" anchorCtr="0" forceAA="0" compatLnSpc="1">
-                <a:noAutofit/>
-              </a:bodyPr>
-              <a:lstStyle/>
-              <a:p>
-                <a:pPr algn="ctr"/>
-                <a:endParaRPr lang="zh-CN" altLang="en-US"/>
-              </a:p>
-            </p:txBody>
-          </p:sp>
-        </p:grpSp>
-        <p:sp>
-          <p:nvSpPr>
-            <p:cNvPr id="100" name="矩形 99"/>
-            <p:cNvSpPr/>
-            <p:nvPr/>
-          </p:nvSpPr>
-          <p:spPr>
-            <a:xfrm>
-              <a:off x="4677733" y="513965"/>
-              <a:ext cx="2031325" cy="369332"/>
-            </a:xfrm>
-            <a:prstGeom prst="rect">
-              <a:avLst/>
-            </a:prstGeom>
-          </p:spPr>
-          <p:txBody>
-            <a:bodyPr wrap="none">
-              <a:spAutoFit/>
-            </a:bodyPr>
-            <a:lstStyle/>
-            <a:p>
-              <a:r>
-                <a:rPr lang="zh-CN" altLang="en-US" dirty="0"/>
-                <a:t>点击此处添加标题</a:t>
-              </a:r>
-            </a:p>
-          </p:txBody>
-        </p:sp>
-      </p:grpSp>
-      <p:grpSp>
-        <p:nvGrpSpPr>
-          <p:cNvPr id="106" name="组合 105"/>
-          <p:cNvGrpSpPr/>
-          <p:nvPr/>
-        </p:nvGrpSpPr>
-        <p:grpSpPr>
-          <a:xfrm>
-            <a:off x="4568825" y="4809201"/>
-            <a:ext cx="7365281" cy="532453"/>
-            <a:chOff x="4568825" y="432404"/>
-            <a:chExt cx="7365281" cy="532453"/>
-          </a:xfrm>
-        </p:grpSpPr>
-        <p:sp>
-          <p:nvSpPr>
-            <p:cNvPr id="107" name="矩形 106"/>
-            <p:cNvSpPr/>
-            <p:nvPr/>
-          </p:nvSpPr>
-          <p:spPr>
-            <a:xfrm>
-              <a:off x="6961426" y="432404"/>
-              <a:ext cx="4972680" cy="532453"/>
-            </a:xfrm>
-            <a:prstGeom prst="rect">
-              <a:avLst/>
-            </a:prstGeom>
-          </p:spPr>
-          <p:txBody>
-            <a:bodyPr wrap="square">
-              <a:spAutoFit/>
-            </a:bodyPr>
-            <a:lstStyle/>
-            <a:p>
-              <a:pPr>
-                <a:lnSpc>
-                  <a:spcPct val="130000"/>
-                </a:lnSpc>
-              </a:pPr>
-              <a:r>
-                <a:rPr lang="zh-CN" altLang="en-US" sz="1100" dirty="0">
-                  <a:solidFill>
-                    <a:schemeClr val="bg1">
-                      <a:lumMod val="50000"/>
-                    </a:schemeClr>
-                  </a:solidFill>
-                  <a:latin typeface="微软雅黑" panose="020B0503020204020204" charset="-122"/>
-                  <a:ea typeface="微软雅黑" panose="020B0503020204020204" charset="-122"/>
-                </a:rPr>
-                <a:t>标题数字等都可以通过点击和重新输入进行更改，顶部“开始”面板中可以对字体、字号、颜色、行距等进行修改。建议正文</a:t>
-              </a:r>
-              <a:r>
-                <a:rPr lang="en-US" altLang="zh-CN" sz="1100" dirty="0">
-                  <a:solidFill>
-                    <a:schemeClr val="bg1">
-                      <a:lumMod val="50000"/>
-                    </a:schemeClr>
-                  </a:solidFill>
-                  <a:latin typeface="微软雅黑" panose="020B0503020204020204" charset="-122"/>
-                  <a:ea typeface="微软雅黑" panose="020B0503020204020204" charset="-122"/>
-                </a:rPr>
-                <a:t>8-14</a:t>
-              </a:r>
-              <a:r>
-                <a:rPr lang="zh-CN" altLang="en-US" sz="1100" dirty="0">
-                  <a:solidFill>
-                    <a:schemeClr val="bg1">
-                      <a:lumMod val="50000"/>
-                    </a:schemeClr>
-                  </a:solidFill>
-                  <a:latin typeface="微软雅黑" panose="020B0503020204020204" charset="-122"/>
-                  <a:ea typeface="微软雅黑" panose="020B0503020204020204" charset="-122"/>
-                </a:rPr>
-                <a:t>号字，</a:t>
-              </a:r>
-              <a:r>
-                <a:rPr lang="en-US" altLang="zh-CN" sz="1100" dirty="0">
-                  <a:solidFill>
-                    <a:schemeClr val="bg1">
-                      <a:lumMod val="50000"/>
-                    </a:schemeClr>
-                  </a:solidFill>
-                  <a:latin typeface="微软雅黑" panose="020B0503020204020204" charset="-122"/>
-                  <a:ea typeface="微软雅黑" panose="020B0503020204020204" charset="-122"/>
-                </a:rPr>
-                <a:t>1.3</a:t>
-              </a:r>
-              <a:r>
-                <a:rPr lang="zh-CN" altLang="en-US" sz="1100" dirty="0">
-                  <a:solidFill>
-                    <a:schemeClr val="bg1">
-                      <a:lumMod val="50000"/>
-                    </a:schemeClr>
-                  </a:solidFill>
-                  <a:latin typeface="微软雅黑" panose="020B0503020204020204" charset="-122"/>
-                  <a:ea typeface="微软雅黑" panose="020B0503020204020204" charset="-122"/>
-                </a:rPr>
-                <a:t>倍字间距。</a:t>
-              </a:r>
-            </a:p>
-          </p:txBody>
-        </p:sp>
-        <p:grpSp>
-          <p:nvGrpSpPr>
-            <p:cNvPr id="108" name="组合 107"/>
-            <p:cNvGrpSpPr/>
-            <p:nvPr/>
-          </p:nvGrpSpPr>
-          <p:grpSpPr>
-            <a:xfrm>
-              <a:off x="4568825" y="438589"/>
-              <a:ext cx="2300757" cy="509896"/>
-              <a:chOff x="888096" y="1000203"/>
-              <a:chExt cx="4259825" cy="944066"/>
-            </a:xfrm>
-          </p:grpSpPr>
-          <p:sp>
-            <p:nvSpPr>
-              <p:cNvPr id="110" name="矩形 109"/>
-              <p:cNvSpPr/>
-              <p:nvPr/>
-            </p:nvSpPr>
-            <p:spPr>
-              <a:xfrm>
-                <a:off x="911225" y="1045634"/>
-                <a:ext cx="4199467" cy="872066"/>
-              </a:xfrm>
-              <a:prstGeom prst="rect">
-                <a:avLst/>
-              </a:prstGeom>
-              <a:noFill/>
-              <a:ln>
-                <a:solidFill>
-                  <a:schemeClr val="bg1">
-                    <a:lumMod val="75000"/>
-                  </a:schemeClr>
-                </a:solidFill>
-              </a:ln>
-            </p:spPr>
-            <p:style>
-              <a:lnRef idx="2">
-                <a:schemeClr val="accent1">
-                  <a:shade val="50000"/>
-                </a:schemeClr>
-              </a:lnRef>
-              <a:fillRef idx="1">
-                <a:schemeClr val="accent1"/>
-              </a:fillRef>
-              <a:effectRef idx="0">
-                <a:schemeClr val="accent1"/>
-              </a:effectRef>
-              <a:fontRef idx="minor">
-                <a:schemeClr val="lt1"/>
-              </a:fontRef>
-            </p:style>
-            <p:txBody>
-              <a:bodyPr rot="0" spcFirstLastPara="0" vertOverflow="overflow" horzOverflow="overflow" vert="horz" wrap="square" lIns="91440" tIns="45720" rIns="91440" bIns="45720" numCol="1" spcCol="0" rtlCol="0" fromWordArt="0" anchor="ctr" anchorCtr="0" forceAA="0" compatLnSpc="1">
-                <a:noAutofit/>
-              </a:bodyPr>
-              <a:lstStyle/>
-              <a:p>
-                <a:pPr algn="ctr"/>
-                <a:endParaRPr lang="zh-CN" altLang="en-US"/>
-              </a:p>
-            </p:txBody>
-          </p:sp>
-          <p:sp>
-            <p:nvSpPr>
-              <p:cNvPr id="111" name="椭圆 110"/>
-              <p:cNvSpPr/>
-              <p:nvPr/>
-            </p:nvSpPr>
-            <p:spPr>
-              <a:xfrm>
-                <a:off x="888096" y="1000203"/>
-                <a:ext cx="72000" cy="72000"/>
-              </a:xfrm>
-              <a:prstGeom prst="ellipse">
-                <a:avLst/>
-              </a:prstGeom>
-              <a:solidFill>
-                <a:schemeClr val="tx1">
-                  <a:lumMod val="65000"/>
-                  <a:lumOff val="35000"/>
-                </a:schemeClr>
-              </a:solidFill>
-              <a:ln>
-                <a:noFill/>
-              </a:ln>
-            </p:spPr>
-            <p:style>
-              <a:lnRef idx="2">
-                <a:schemeClr val="accent1">
-                  <a:shade val="50000"/>
-                </a:schemeClr>
-              </a:lnRef>
-              <a:fillRef idx="1">
-                <a:schemeClr val="accent1"/>
-              </a:fillRef>
-              <a:effectRef idx="0">
-                <a:schemeClr val="accent1"/>
-              </a:effectRef>
-              <a:fontRef idx="minor">
-                <a:schemeClr val="lt1"/>
-              </a:fontRef>
-            </p:style>
-            <p:txBody>
-              <a:bodyPr rot="0" spcFirstLastPara="0" vertOverflow="overflow" horzOverflow="overflow" vert="horz" wrap="square" lIns="91440" tIns="45720" rIns="91440" bIns="45720" numCol="1" spcCol="0" rtlCol="0" fromWordArt="0" anchor="ctr" anchorCtr="0" forceAA="0" compatLnSpc="1">
-                <a:noAutofit/>
-              </a:bodyPr>
-              <a:lstStyle/>
-              <a:p>
-                <a:pPr algn="ctr"/>
-                <a:endParaRPr lang="zh-CN" altLang="en-US"/>
-              </a:p>
-            </p:txBody>
-          </p:sp>
-          <p:sp>
-            <p:nvSpPr>
-              <p:cNvPr id="112" name="椭圆 111"/>
-              <p:cNvSpPr/>
-              <p:nvPr/>
-            </p:nvSpPr>
-            <p:spPr>
-              <a:xfrm>
-                <a:off x="888096" y="1872269"/>
-                <a:ext cx="72000" cy="72000"/>
-              </a:xfrm>
-              <a:prstGeom prst="ellipse">
-                <a:avLst/>
-              </a:prstGeom>
-              <a:solidFill>
-                <a:schemeClr val="tx1">
-                  <a:lumMod val="65000"/>
-                  <a:lumOff val="35000"/>
-                </a:schemeClr>
-              </a:solidFill>
-              <a:ln>
-                <a:noFill/>
-              </a:ln>
-            </p:spPr>
-            <p:style>
-              <a:lnRef idx="2">
-                <a:schemeClr val="accent1">
-                  <a:shade val="50000"/>
-                </a:schemeClr>
-              </a:lnRef>
-              <a:fillRef idx="1">
-                <a:schemeClr val="accent1"/>
-              </a:fillRef>
-              <a:effectRef idx="0">
-                <a:schemeClr val="accent1"/>
-              </a:effectRef>
-              <a:fontRef idx="minor">
-                <a:schemeClr val="lt1"/>
-              </a:fontRef>
-            </p:style>
-            <p:txBody>
-              <a:bodyPr rot="0" spcFirstLastPara="0" vertOverflow="overflow" horzOverflow="overflow" vert="horz" wrap="square" lIns="91440" tIns="45720" rIns="91440" bIns="45720" numCol="1" spcCol="0" rtlCol="0" fromWordArt="0" anchor="ctr" anchorCtr="0" forceAA="0" compatLnSpc="1">
-                <a:noAutofit/>
-              </a:bodyPr>
-              <a:lstStyle/>
-              <a:p>
-                <a:pPr algn="ctr"/>
-                <a:endParaRPr lang="zh-CN" altLang="en-US"/>
-              </a:p>
-            </p:txBody>
-          </p:sp>
-          <p:sp>
-            <p:nvSpPr>
-              <p:cNvPr id="113" name="椭圆 112"/>
-              <p:cNvSpPr/>
-              <p:nvPr/>
-            </p:nvSpPr>
-            <p:spPr>
-              <a:xfrm>
-                <a:off x="5075921" y="1872269"/>
-                <a:ext cx="72000" cy="72000"/>
-              </a:xfrm>
-              <a:prstGeom prst="ellipse">
-                <a:avLst/>
-              </a:prstGeom>
-              <a:solidFill>
-                <a:schemeClr val="tx1">
-                  <a:lumMod val="65000"/>
-                  <a:lumOff val="35000"/>
-                </a:schemeClr>
-              </a:solidFill>
-              <a:ln>
-                <a:noFill/>
-              </a:ln>
-            </p:spPr>
-            <p:style>
-              <a:lnRef idx="2">
-                <a:schemeClr val="accent1">
-                  <a:shade val="50000"/>
-                </a:schemeClr>
-              </a:lnRef>
-              <a:fillRef idx="1">
-                <a:schemeClr val="accent1"/>
-              </a:fillRef>
-              <a:effectRef idx="0">
-                <a:schemeClr val="accent1"/>
-              </a:effectRef>
-              <a:fontRef idx="minor">
-                <a:schemeClr val="lt1"/>
-              </a:fontRef>
-            </p:style>
-            <p:txBody>
-              <a:bodyPr rot="0" spcFirstLastPara="0" vertOverflow="overflow" horzOverflow="overflow" vert="horz" wrap="square" lIns="91440" tIns="45720" rIns="91440" bIns="45720" numCol="1" spcCol="0" rtlCol="0" fromWordArt="0" anchor="ctr" anchorCtr="0" forceAA="0" compatLnSpc="1">
-                <a:noAutofit/>
-              </a:bodyPr>
-              <a:lstStyle/>
-              <a:p>
-                <a:pPr algn="ctr"/>
-                <a:endParaRPr lang="zh-CN" altLang="en-US"/>
-              </a:p>
-            </p:txBody>
-          </p:sp>
-          <p:sp>
-            <p:nvSpPr>
-              <p:cNvPr id="114" name="椭圆 113"/>
-              <p:cNvSpPr/>
-              <p:nvPr/>
-            </p:nvSpPr>
-            <p:spPr>
-              <a:xfrm>
-                <a:off x="5074692" y="1009634"/>
-                <a:ext cx="72000" cy="72000"/>
-              </a:xfrm>
-              <a:prstGeom prst="ellipse">
-                <a:avLst/>
-              </a:prstGeom>
-              <a:solidFill>
-                <a:schemeClr val="tx1">
-                  <a:lumMod val="65000"/>
-                  <a:lumOff val="35000"/>
-                </a:schemeClr>
-              </a:solidFill>
-              <a:ln>
-                <a:noFill/>
-              </a:ln>
-            </p:spPr>
-            <p:style>
-              <a:lnRef idx="2">
-                <a:schemeClr val="accent1">
-                  <a:shade val="50000"/>
-                </a:schemeClr>
-              </a:lnRef>
-              <a:fillRef idx="1">
-                <a:schemeClr val="accent1"/>
-              </a:fillRef>
-              <a:effectRef idx="0">
-                <a:schemeClr val="accent1"/>
-              </a:effectRef>
-              <a:fontRef idx="minor">
-                <a:schemeClr val="lt1"/>
-              </a:fontRef>
-            </p:style>
-            <p:txBody>
-              <a:bodyPr rot="0" spcFirstLastPara="0" vertOverflow="overflow" horzOverflow="overflow" vert="horz" wrap="square" lIns="91440" tIns="45720" rIns="91440" bIns="45720" numCol="1" spcCol="0" rtlCol="0" fromWordArt="0" anchor="ctr" anchorCtr="0" forceAA="0" compatLnSpc="1">
-                <a:noAutofit/>
-              </a:bodyPr>
-              <a:lstStyle/>
-              <a:p>
-                <a:pPr algn="ctr"/>
-                <a:endParaRPr lang="zh-CN" altLang="en-US"/>
-              </a:p>
-            </p:txBody>
-          </p:sp>
-        </p:grpSp>
-        <p:sp>
-          <p:nvSpPr>
-            <p:cNvPr id="109" name="矩形 108"/>
-            <p:cNvSpPr/>
-            <p:nvPr/>
-          </p:nvSpPr>
-          <p:spPr>
-            <a:xfrm>
-              <a:off x="4677733" y="513965"/>
-              <a:ext cx="2031325" cy="369332"/>
-            </a:xfrm>
-            <a:prstGeom prst="rect">
-              <a:avLst/>
-            </a:prstGeom>
-          </p:spPr>
-          <p:txBody>
-            <a:bodyPr wrap="none">
-              <a:spAutoFit/>
-            </a:bodyPr>
-            <a:lstStyle/>
-            <a:p>
-              <a:r>
-                <a:rPr lang="zh-CN" altLang="en-US" dirty="0"/>
-                <a:t>点击此处添加标题</a:t>
-              </a:r>
-            </a:p>
-          </p:txBody>
-        </p:sp>
-      </p:grpSp>
-      <p:grpSp>
-        <p:nvGrpSpPr>
-          <p:cNvPr id="115" name="组合 114"/>
-          <p:cNvGrpSpPr/>
-          <p:nvPr/>
-        </p:nvGrpSpPr>
-        <p:grpSpPr>
-          <a:xfrm>
-            <a:off x="4568825" y="5889038"/>
-            <a:ext cx="7365281" cy="532453"/>
-            <a:chOff x="4568825" y="432404"/>
-            <a:chExt cx="7365281" cy="532453"/>
-          </a:xfrm>
-        </p:grpSpPr>
-        <p:sp>
-          <p:nvSpPr>
-            <p:cNvPr id="116" name="矩形 115"/>
-            <p:cNvSpPr/>
-            <p:nvPr/>
-          </p:nvSpPr>
-          <p:spPr>
-            <a:xfrm>
-              <a:off x="6961426" y="432404"/>
-              <a:ext cx="4972680" cy="532453"/>
-            </a:xfrm>
-            <a:prstGeom prst="rect">
-              <a:avLst/>
-            </a:prstGeom>
-          </p:spPr>
-          <p:txBody>
-            <a:bodyPr wrap="square">
-              <a:spAutoFit/>
-            </a:bodyPr>
-            <a:lstStyle/>
-            <a:p>
-              <a:pPr>
-                <a:lnSpc>
-                  <a:spcPct val="130000"/>
-                </a:lnSpc>
-              </a:pPr>
-              <a:r>
-                <a:rPr lang="zh-CN" altLang="en-US" sz="1100" dirty="0">
-                  <a:solidFill>
-                    <a:schemeClr val="bg1">
-                      <a:lumMod val="50000"/>
-                    </a:schemeClr>
-                  </a:solidFill>
-                  <a:latin typeface="微软雅黑" panose="020B0503020204020204" charset="-122"/>
-                  <a:ea typeface="微软雅黑" panose="020B0503020204020204" charset="-122"/>
-                </a:rPr>
-                <a:t>标题数字等都可以通过点击和重新输入进行更改，顶部“开始”面板中可以对字体、字号、颜色、行距等进行修改。建议正文</a:t>
-              </a:r>
-              <a:r>
-                <a:rPr lang="en-US" altLang="zh-CN" sz="1100" dirty="0">
-                  <a:solidFill>
-                    <a:schemeClr val="bg1">
-                      <a:lumMod val="50000"/>
-                    </a:schemeClr>
-                  </a:solidFill>
-                  <a:latin typeface="微软雅黑" panose="020B0503020204020204" charset="-122"/>
-                  <a:ea typeface="微软雅黑" panose="020B0503020204020204" charset="-122"/>
-                </a:rPr>
-                <a:t>8-14</a:t>
-              </a:r>
-              <a:r>
-                <a:rPr lang="zh-CN" altLang="en-US" sz="1100" dirty="0">
-                  <a:solidFill>
-                    <a:schemeClr val="bg1">
-                      <a:lumMod val="50000"/>
-                    </a:schemeClr>
-                  </a:solidFill>
-                  <a:latin typeface="微软雅黑" panose="020B0503020204020204" charset="-122"/>
-                  <a:ea typeface="微软雅黑" panose="020B0503020204020204" charset="-122"/>
-                </a:rPr>
-                <a:t>号字，</a:t>
-              </a:r>
-              <a:r>
-                <a:rPr lang="en-US" altLang="zh-CN" sz="1100" dirty="0">
-                  <a:solidFill>
-                    <a:schemeClr val="bg1">
-                      <a:lumMod val="50000"/>
-                    </a:schemeClr>
-                  </a:solidFill>
-                  <a:latin typeface="微软雅黑" panose="020B0503020204020204" charset="-122"/>
-                  <a:ea typeface="微软雅黑" panose="020B0503020204020204" charset="-122"/>
-                </a:rPr>
-                <a:t>1.3</a:t>
-              </a:r>
-              <a:r>
-                <a:rPr lang="zh-CN" altLang="en-US" sz="1100" dirty="0">
-                  <a:solidFill>
-                    <a:schemeClr val="bg1">
-                      <a:lumMod val="50000"/>
-                    </a:schemeClr>
-                  </a:solidFill>
-                  <a:latin typeface="微软雅黑" panose="020B0503020204020204" charset="-122"/>
-                  <a:ea typeface="微软雅黑" panose="020B0503020204020204" charset="-122"/>
-                </a:rPr>
-                <a:t>倍字间距。</a:t>
-              </a:r>
-            </a:p>
-          </p:txBody>
-        </p:sp>
-        <p:grpSp>
-          <p:nvGrpSpPr>
-            <p:cNvPr id="117" name="组合 116"/>
-            <p:cNvGrpSpPr/>
-            <p:nvPr/>
-          </p:nvGrpSpPr>
-          <p:grpSpPr>
-            <a:xfrm>
-              <a:off x="4568825" y="438589"/>
-              <a:ext cx="2300757" cy="509896"/>
-              <a:chOff x="888096" y="1000203"/>
-              <a:chExt cx="4259825" cy="944066"/>
-            </a:xfrm>
-          </p:grpSpPr>
-          <p:sp>
-            <p:nvSpPr>
-              <p:cNvPr id="119" name="矩形 118"/>
-              <p:cNvSpPr/>
-              <p:nvPr/>
-            </p:nvSpPr>
-            <p:spPr>
-              <a:xfrm>
-                <a:off x="911225" y="1045634"/>
-                <a:ext cx="4199467" cy="872066"/>
-              </a:xfrm>
-              <a:prstGeom prst="rect">
-                <a:avLst/>
-              </a:prstGeom>
-              <a:noFill/>
-              <a:ln>
-                <a:solidFill>
-                  <a:schemeClr val="bg1">
-                    <a:lumMod val="75000"/>
-                  </a:schemeClr>
-                </a:solidFill>
-              </a:ln>
-            </p:spPr>
-            <p:style>
-              <a:lnRef idx="2">
-                <a:schemeClr val="accent1">
-                  <a:shade val="50000"/>
-                </a:schemeClr>
-              </a:lnRef>
-              <a:fillRef idx="1">
-                <a:schemeClr val="accent1"/>
-              </a:fillRef>
-              <a:effectRef idx="0">
-                <a:schemeClr val="accent1"/>
-              </a:effectRef>
-              <a:fontRef idx="minor">
-                <a:schemeClr val="lt1"/>
-              </a:fontRef>
-            </p:style>
-            <p:txBody>
-              <a:bodyPr rot="0" spcFirstLastPara="0" vertOverflow="overflow" horzOverflow="overflow" vert="horz" wrap="square" lIns="91440" tIns="45720" rIns="91440" bIns="45720" numCol="1" spcCol="0" rtlCol="0" fromWordArt="0" anchor="ctr" anchorCtr="0" forceAA="0" compatLnSpc="1">
-                <a:noAutofit/>
-              </a:bodyPr>
-              <a:lstStyle/>
-              <a:p>
-                <a:pPr algn="ctr"/>
-                <a:endParaRPr lang="zh-CN" altLang="en-US"/>
-              </a:p>
-            </p:txBody>
-          </p:sp>
-          <p:sp>
-            <p:nvSpPr>
-              <p:cNvPr id="120" name="椭圆 119"/>
-              <p:cNvSpPr/>
-              <p:nvPr/>
-            </p:nvSpPr>
-            <p:spPr>
-              <a:xfrm>
-                <a:off x="888096" y="1000203"/>
-                <a:ext cx="72000" cy="72000"/>
-              </a:xfrm>
-              <a:prstGeom prst="ellipse">
-                <a:avLst/>
-              </a:prstGeom>
-              <a:solidFill>
-                <a:schemeClr val="tx1">
-                  <a:lumMod val="65000"/>
-                  <a:lumOff val="35000"/>
-                </a:schemeClr>
-              </a:solidFill>
-              <a:ln>
-                <a:noFill/>
-              </a:ln>
-            </p:spPr>
-            <p:style>
-              <a:lnRef idx="2">
-                <a:schemeClr val="accent1">
-                  <a:shade val="50000"/>
-                </a:schemeClr>
-              </a:lnRef>
-              <a:fillRef idx="1">
-                <a:schemeClr val="accent1"/>
-              </a:fillRef>
-              <a:effectRef idx="0">
-                <a:schemeClr val="accent1"/>
-              </a:effectRef>
-              <a:fontRef idx="minor">
-                <a:schemeClr val="lt1"/>
-              </a:fontRef>
-            </p:style>
-            <p:txBody>
-              <a:bodyPr rot="0" spcFirstLastPara="0" vertOverflow="overflow" horzOverflow="overflow" vert="horz" wrap="square" lIns="91440" tIns="45720" rIns="91440" bIns="45720" numCol="1" spcCol="0" rtlCol="0" fromWordArt="0" anchor="ctr" anchorCtr="0" forceAA="0" compatLnSpc="1">
-                <a:noAutofit/>
-              </a:bodyPr>
-              <a:lstStyle/>
-              <a:p>
-                <a:pPr algn="ctr"/>
-                <a:endParaRPr lang="zh-CN" altLang="en-US"/>
-              </a:p>
-            </p:txBody>
-          </p:sp>
-          <p:sp>
-            <p:nvSpPr>
-              <p:cNvPr id="121" name="椭圆 120"/>
-              <p:cNvSpPr/>
-              <p:nvPr/>
-            </p:nvSpPr>
-            <p:spPr>
-              <a:xfrm>
-                <a:off x="888096" y="1872269"/>
-                <a:ext cx="72000" cy="72000"/>
-              </a:xfrm>
-              <a:prstGeom prst="ellipse">
-                <a:avLst/>
-              </a:prstGeom>
-              <a:solidFill>
-                <a:schemeClr val="tx1">
-                  <a:lumMod val="65000"/>
-                  <a:lumOff val="35000"/>
-                </a:schemeClr>
-              </a:solidFill>
-              <a:ln>
-                <a:noFill/>
-              </a:ln>
-            </p:spPr>
-            <p:style>
-              <a:lnRef idx="2">
-                <a:schemeClr val="accent1">
-                  <a:shade val="50000"/>
-                </a:schemeClr>
-              </a:lnRef>
-              <a:fillRef idx="1">
-                <a:schemeClr val="accent1"/>
-              </a:fillRef>
-              <a:effectRef idx="0">
-                <a:schemeClr val="accent1"/>
-              </a:effectRef>
-              <a:fontRef idx="minor">
-                <a:schemeClr val="lt1"/>
-              </a:fontRef>
-            </p:style>
-            <p:txBody>
-              <a:bodyPr rot="0" spcFirstLastPara="0" vertOverflow="overflow" horzOverflow="overflow" vert="horz" wrap="square" lIns="91440" tIns="45720" rIns="91440" bIns="45720" numCol="1" spcCol="0" rtlCol="0" fromWordArt="0" anchor="ctr" anchorCtr="0" forceAA="0" compatLnSpc="1">
-                <a:noAutofit/>
-              </a:bodyPr>
-              <a:lstStyle/>
-              <a:p>
-                <a:pPr algn="ctr"/>
-                <a:endParaRPr lang="zh-CN" altLang="en-US"/>
-              </a:p>
-            </p:txBody>
-          </p:sp>
-          <p:sp>
-            <p:nvSpPr>
-              <p:cNvPr id="122" name="椭圆 121"/>
-              <p:cNvSpPr/>
-              <p:nvPr/>
-            </p:nvSpPr>
-            <p:spPr>
-              <a:xfrm>
-                <a:off x="5075921" y="1872269"/>
-                <a:ext cx="72000" cy="72000"/>
-              </a:xfrm>
-              <a:prstGeom prst="ellipse">
-                <a:avLst/>
-              </a:prstGeom>
-              <a:solidFill>
-                <a:schemeClr val="tx1">
-                  <a:lumMod val="65000"/>
-                  <a:lumOff val="35000"/>
-                </a:schemeClr>
-              </a:solidFill>
-              <a:ln>
-                <a:noFill/>
-              </a:ln>
-            </p:spPr>
-            <p:style>
-              <a:lnRef idx="2">
-                <a:schemeClr val="accent1">
-                  <a:shade val="50000"/>
-                </a:schemeClr>
-              </a:lnRef>
-              <a:fillRef idx="1">
-                <a:schemeClr val="accent1"/>
-              </a:fillRef>
-              <a:effectRef idx="0">
-                <a:schemeClr val="accent1"/>
-              </a:effectRef>
-              <a:fontRef idx="minor">
-                <a:schemeClr val="lt1"/>
-              </a:fontRef>
-            </p:style>
-            <p:txBody>
-              <a:bodyPr rot="0" spcFirstLastPara="0" vertOverflow="overflow" horzOverflow="overflow" vert="horz" wrap="square" lIns="91440" tIns="45720" rIns="91440" bIns="45720" numCol="1" spcCol="0" rtlCol="0" fromWordArt="0" anchor="ctr" anchorCtr="0" forceAA="0" compatLnSpc="1">
-                <a:noAutofit/>
-              </a:bodyPr>
-              <a:lstStyle/>
-              <a:p>
-                <a:pPr algn="ctr"/>
-                <a:endParaRPr lang="zh-CN" altLang="en-US"/>
-              </a:p>
-            </p:txBody>
-          </p:sp>
-          <p:sp>
-            <p:nvSpPr>
-              <p:cNvPr id="123" name="椭圆 122"/>
-              <p:cNvSpPr/>
-              <p:nvPr/>
-            </p:nvSpPr>
-            <p:spPr>
-              <a:xfrm>
-                <a:off x="5074692" y="1009634"/>
-                <a:ext cx="72000" cy="72000"/>
-              </a:xfrm>
-              <a:prstGeom prst="ellipse">
-                <a:avLst/>
-              </a:prstGeom>
-              <a:solidFill>
-                <a:schemeClr val="tx1">
-                  <a:lumMod val="65000"/>
-                  <a:lumOff val="35000"/>
-                </a:schemeClr>
-              </a:solidFill>
-              <a:ln>
-                <a:noFill/>
-              </a:ln>
-            </p:spPr>
-            <p:style>
-              <a:lnRef idx="2">
-                <a:schemeClr val="accent1">
-                  <a:shade val="50000"/>
-                </a:schemeClr>
-              </a:lnRef>
-              <a:fillRef idx="1">
-                <a:schemeClr val="accent1"/>
-              </a:fillRef>
-              <a:effectRef idx="0">
-                <a:schemeClr val="accent1"/>
-              </a:effectRef>
-              <a:fontRef idx="minor">
-                <a:schemeClr val="lt1"/>
-              </a:fontRef>
-            </p:style>
-            <p:txBody>
-              <a:bodyPr rot="0" spcFirstLastPara="0" vertOverflow="overflow" horzOverflow="overflow" vert="horz" wrap="square" lIns="91440" tIns="45720" rIns="91440" bIns="45720" numCol="1" spcCol="0" rtlCol="0" fromWordArt="0" anchor="ctr" anchorCtr="0" forceAA="0" compatLnSpc="1">
-                <a:noAutofit/>
-              </a:bodyPr>
-              <a:lstStyle/>
-              <a:p>
-                <a:pPr algn="ctr"/>
-                <a:endParaRPr lang="zh-CN" altLang="en-US"/>
-              </a:p>
-            </p:txBody>
-          </p:sp>
-        </p:grpSp>
-        <p:sp>
-          <p:nvSpPr>
-            <p:cNvPr id="118" name="矩形 117"/>
-            <p:cNvSpPr/>
-            <p:nvPr/>
-          </p:nvSpPr>
-          <p:spPr>
-            <a:xfrm>
-              <a:off x="4677733" y="513965"/>
-              <a:ext cx="2031325" cy="369332"/>
-            </a:xfrm>
-            <a:prstGeom prst="rect">
-              <a:avLst/>
-            </a:prstGeom>
-          </p:spPr>
-          <p:txBody>
-            <a:bodyPr wrap="none">
-              <a:spAutoFit/>
-            </a:bodyPr>
-            <a:lstStyle/>
-            <a:p>
-              <a:r>
-                <a:rPr lang="zh-CN" altLang="en-US" dirty="0"/>
-                <a:t>点击此处添加标题</a:t>
-              </a:r>
-            </a:p>
-          </p:txBody>
-        </p:sp>
-      </p:grpSp>
-      <p:sp>
-        <p:nvSpPr>
-          <p:cNvPr id="124" name="文本框 123"/>
-          <p:cNvSpPr txBox="1"/>
-          <p:nvPr/>
-        </p:nvSpPr>
-        <p:spPr>
-          <a:xfrm>
-            <a:off x="4007126" y="434252"/>
-            <a:ext cx="378630" cy="523220"/>
-          </a:xfrm>
-          <a:prstGeom prst="rect">
-            <a:avLst/>
-          </a:prstGeom>
-          <a:noFill/>
-        </p:spPr>
-        <p:txBody>
-          <a:bodyPr wrap="none" rtlCol="0">
+        <p:txBody>
+          <a:bodyPr wrap="none">
             <a:spAutoFit/>
           </a:bodyPr>
           <a:lstStyle/>
           <a:p>
-            <a:r>
-              <a:rPr lang="en-US" altLang="zh-CN" sz="2800" dirty="0"/>
-              <a:t>1</a:t>
-            </a:r>
-            <a:endParaRPr lang="zh-CN" altLang="en-US" sz="2800" dirty="0"/>
-          </a:p>
-        </p:txBody>
-      </p:sp>
-      <p:sp>
-        <p:nvSpPr>
-          <p:cNvPr id="125" name="文本框 124"/>
-          <p:cNvSpPr txBox="1"/>
+            <a:pPr algn="ctr" defTabSz="914400">
+              <a:defRPr/>
+            </a:pPr>
+            <a:r>
+              <a:rPr lang="zh-CN" altLang="en-US" dirty="0" smtClean="0"/>
+              <a:t>非常感谢各位老师和同学们的配合！</a:t>
+            </a:r>
+            <a:endParaRPr lang="en-US" altLang="zh-CN" dirty="0"/>
+          </a:p>
+          <a:p>
+            <a:pPr algn="ctr" defTabSz="914400">
+              <a:defRPr/>
+            </a:pPr>
+            <a:endParaRPr lang="en-US" altLang="zh-CN" dirty="0"/>
+          </a:p>
+        </p:txBody>
+      </p:sp>
+      <p:sp>
+        <p:nvSpPr>
+          <p:cNvPr id="13" name="矩形 12"/>
+          <p:cNvSpPr/>
           <p:nvPr/>
         </p:nvSpPr>
         <p:spPr>
           <a:xfrm>
-            <a:off x="4013200" y="1524000"/>
-            <a:ext cx="378630" cy="523220"/>
+            <a:off x="3005951" y="3945323"/>
+            <a:ext cx="2683933" cy="540000"/>
           </a:xfrm>
           <a:prstGeom prst="rect">
             <a:avLst/>
           </a:prstGeom>
           <a:noFill/>
-        </p:spPr>
-        <p:txBody>
-          <a:bodyPr wrap="none" rtlCol="0">
-            <a:spAutoFit/>
+          <a:ln>
+            <a:solidFill>
+              <a:schemeClr val="bg1">
+                <a:lumMod val="65000"/>
+              </a:schemeClr>
+            </a:solidFill>
+          </a:ln>
+        </p:spPr>
+        <p:style>
+          <a:lnRef idx="2">
+            <a:schemeClr val="accent1">
+              <a:shade val="50000"/>
+            </a:schemeClr>
+          </a:lnRef>
+          <a:fillRef idx="1">
+            <a:schemeClr val="accent1"/>
+          </a:fillRef>
+          <a:effectRef idx="0">
+            <a:schemeClr val="accent1"/>
+          </a:effectRef>
+          <a:fontRef idx="minor">
+            <a:schemeClr val="lt1"/>
+          </a:fontRef>
+        </p:style>
+        <p:txBody>
+          <a:bodyPr rot="0" spcFirstLastPara="0" vertOverflow="overflow" horzOverflow="overflow" vert="horz" wrap="square" lIns="91440" tIns="45720" rIns="91440" bIns="45720" numCol="1" spcCol="0" rtlCol="0" fromWordArt="0" anchor="ctr" anchorCtr="0" forceAA="0" compatLnSpc="1">
+            <a:noAutofit/>
           </a:bodyPr>
           <a:lstStyle/>
           <a:p>
-            <a:r>
-              <a:rPr lang="en-US" altLang="zh-CN" sz="2800" dirty="0"/>
-              <a:t>2</a:t>
-            </a:r>
-            <a:endParaRPr lang="zh-CN" altLang="en-US" sz="2800" dirty="0"/>
-          </a:p>
-        </p:txBody>
-      </p:sp>
-      <p:sp>
-        <p:nvSpPr>
-          <p:cNvPr id="126" name="文本框 125"/>
-          <p:cNvSpPr txBox="1"/>
+            <a:pPr algn="ctr"/>
+            <a:r>
+              <a:rPr lang="zh-CN" altLang="en-US" sz="2000" b="1" dirty="0">
+                <a:solidFill>
+                  <a:schemeClr val="tx1"/>
+                </a:solidFill>
+              </a:rPr>
+              <a:t>答辩人</a:t>
+            </a:r>
+            <a:r>
+              <a:rPr lang="zh-CN" altLang="en-US" sz="2000" b="1" dirty="0" smtClean="0">
+                <a:solidFill>
+                  <a:schemeClr val="tx1"/>
+                </a:solidFill>
+              </a:rPr>
+              <a:t>：刘月</a:t>
+            </a:r>
+            <a:endParaRPr lang="en-US" altLang="zh-CN" sz="2000" b="1" dirty="0">
+              <a:solidFill>
+                <a:schemeClr val="tx1"/>
+              </a:solidFill>
+            </a:endParaRPr>
+          </a:p>
+        </p:txBody>
+      </p:sp>
+      <p:sp>
+        <p:nvSpPr>
+          <p:cNvPr id="14" name="矩形 13"/>
+          <p:cNvSpPr/>
           <p:nvPr/>
         </p:nvSpPr>
         <p:spPr>
           <a:xfrm>
-            <a:off x="4013200" y="2616200"/>
-            <a:ext cx="378630" cy="523220"/>
+            <a:off x="6325948" y="3945323"/>
+            <a:ext cx="3011483" cy="540000"/>
           </a:xfrm>
           <a:prstGeom prst="rect">
             <a:avLst/>
           </a:prstGeom>
           <a:noFill/>
-        </p:spPr>
-        <p:txBody>
-          <a:bodyPr wrap="none" rtlCol="0">
-            <a:spAutoFit/>
+          <a:ln>
+            <a:solidFill>
+              <a:schemeClr val="bg1">
+                <a:lumMod val="65000"/>
+              </a:schemeClr>
+            </a:solidFill>
+          </a:ln>
+        </p:spPr>
+        <p:style>
+          <a:lnRef idx="2">
+            <a:schemeClr val="accent1">
+              <a:shade val="50000"/>
+            </a:schemeClr>
+          </a:lnRef>
+          <a:fillRef idx="1">
+            <a:schemeClr val="accent1"/>
+          </a:fillRef>
+          <a:effectRef idx="0">
+            <a:schemeClr val="accent1"/>
+          </a:effectRef>
+          <a:fontRef idx="minor">
+            <a:schemeClr val="lt1"/>
+          </a:fontRef>
+        </p:style>
+        <p:txBody>
+          <a:bodyPr rot="0" spcFirstLastPara="0" vertOverflow="overflow" horzOverflow="overflow" vert="horz" wrap="square" lIns="91440" tIns="45720" rIns="91440" bIns="45720" numCol="1" spcCol="0" rtlCol="0" fromWordArt="0" anchor="ctr" anchorCtr="0" forceAA="0" compatLnSpc="1">
+            <a:noAutofit/>
           </a:bodyPr>
           <a:lstStyle/>
           <a:p>
-            <a:r>
-              <a:rPr lang="en-US" altLang="zh-CN" sz="2800" dirty="0"/>
-              <a:t>3</a:t>
-            </a:r>
-            <a:endParaRPr lang="zh-CN" altLang="en-US" sz="2800" dirty="0"/>
-          </a:p>
-        </p:txBody>
-      </p:sp>
-      <p:sp>
-        <p:nvSpPr>
-          <p:cNvPr id="127" name="文本框 126"/>
-          <p:cNvSpPr txBox="1"/>
-          <p:nvPr/>
-        </p:nvSpPr>
-        <p:spPr>
-          <a:xfrm>
-            <a:off x="4013200" y="3708400"/>
-            <a:ext cx="378630" cy="523220"/>
-          </a:xfrm>
-          <a:prstGeom prst="rect">
-            <a:avLst/>
-          </a:prstGeom>
-          <a:noFill/>
-        </p:spPr>
-        <p:txBody>
-          <a:bodyPr wrap="none" rtlCol="0">
-            <a:spAutoFit/>
-          </a:bodyPr>
-          <a:lstStyle/>
-          <a:p>
-            <a:r>
-              <a:rPr lang="en-US" altLang="zh-CN" sz="2800" dirty="0"/>
-              <a:t>4</a:t>
-            </a:r>
-            <a:endParaRPr lang="zh-CN" altLang="en-US" sz="2800" dirty="0"/>
-          </a:p>
-        </p:txBody>
-      </p:sp>
-      <p:sp>
-        <p:nvSpPr>
-          <p:cNvPr id="128" name="文本框 127"/>
-          <p:cNvSpPr txBox="1"/>
-          <p:nvPr/>
-        </p:nvSpPr>
-        <p:spPr>
-          <a:xfrm>
-            <a:off x="4013200" y="4800600"/>
-            <a:ext cx="378630" cy="523220"/>
-          </a:xfrm>
-          <a:prstGeom prst="rect">
-            <a:avLst/>
-          </a:prstGeom>
-          <a:noFill/>
-        </p:spPr>
-        <p:txBody>
-          <a:bodyPr wrap="none" rtlCol="0">
-            <a:spAutoFit/>
-          </a:bodyPr>
-          <a:lstStyle/>
-          <a:p>
-            <a:r>
-              <a:rPr lang="en-US" altLang="zh-CN" sz="2800" dirty="0"/>
-              <a:t>5</a:t>
-            </a:r>
-            <a:endParaRPr lang="zh-CN" altLang="en-US" sz="2800" dirty="0"/>
-          </a:p>
-        </p:txBody>
-      </p:sp>
-      <p:sp>
-        <p:nvSpPr>
-          <p:cNvPr id="129" name="文本框 128"/>
-          <p:cNvSpPr txBox="1"/>
-          <p:nvPr/>
-        </p:nvSpPr>
-        <p:spPr>
-          <a:xfrm>
-            <a:off x="4013200" y="5892800"/>
-            <a:ext cx="378630" cy="523220"/>
-          </a:xfrm>
-          <a:prstGeom prst="rect">
-            <a:avLst/>
-          </a:prstGeom>
-          <a:noFill/>
-        </p:spPr>
-        <p:txBody>
-          <a:bodyPr wrap="none" rtlCol="0">
-            <a:spAutoFit/>
-          </a:bodyPr>
-          <a:lstStyle/>
-          <a:p>
-            <a:r>
-              <a:rPr lang="en-US" altLang="zh-CN" sz="2800" dirty="0"/>
-              <a:t>6</a:t>
-            </a:r>
-            <a:endParaRPr lang="zh-CN" altLang="en-US" sz="2800" dirty="0"/>
-          </a:p>
-        </p:txBody>
-      </p:sp>
-      <p:pic>
-        <p:nvPicPr>
-          <p:cNvPr id="5" name="图片 4"/>
-          <p:cNvPicPr>
-            <a:picLocks noChangeAspect="1"/>
-          </p:cNvPicPr>
-          <p:nvPr/>
-        </p:nvPicPr>
-        <p:blipFill rotWithShape="1">
-          <a:blip r:embed="rId4" cstate="screen">
-            <a:extLst>
-              <a:ext uri="{28A0092B-C50C-407E-A947-70E740481C1C}">
-                <a14:useLocalDpi xmlns:a14="http://schemas.microsoft.com/office/drawing/2010/main"/>
-              </a:ext>
-            </a:extLst>
-          </a:blip>
-          <a:srcRect/>
-          <a:stretch>
-            <a:fillRect/>
-          </a:stretch>
-        </p:blipFill>
-        <p:spPr>
-          <a:xfrm>
-            <a:off x="-8468" y="2435266"/>
-            <a:ext cx="1002201" cy="1987468"/>
-          </a:xfrm>
-          <a:prstGeom prst="rect">
-            <a:avLst/>
-          </a:prstGeom>
-        </p:spPr>
-      </p:pic>
+            <a:pPr algn="ctr"/>
+            <a:r>
+              <a:rPr lang="zh-CN" altLang="en-US" sz="2000" b="1" dirty="0">
+                <a:solidFill>
+                  <a:schemeClr val="tx1"/>
+                </a:solidFill>
+              </a:rPr>
+              <a:t>答辩</a:t>
+            </a:r>
+            <a:r>
+              <a:rPr lang="zh-CN" altLang="en-US" sz="2000" b="1" dirty="0" smtClean="0">
+                <a:solidFill>
+                  <a:schemeClr val="tx1"/>
+                </a:solidFill>
+              </a:rPr>
+              <a:t>小组：丁蕾</a:t>
+            </a:r>
+            <a:r>
+              <a:rPr lang="zh-CN" altLang="en-US" sz="2000" b="1" dirty="0" smtClean="0">
+                <a:solidFill>
+                  <a:schemeClr val="tx1"/>
+                </a:solidFill>
+              </a:rPr>
+              <a:t>蕾</a:t>
+            </a:r>
+            <a:r>
+              <a:rPr lang="zh-CN" altLang="en-US" sz="2000" b="1" dirty="0">
+                <a:solidFill>
+                  <a:schemeClr val="tx1"/>
+                </a:solidFill>
+              </a:rPr>
+              <a:t>小</a:t>
+            </a:r>
+            <a:r>
+              <a:rPr lang="zh-CN" altLang="en-US" sz="2000" b="1" dirty="0" smtClean="0">
+                <a:solidFill>
+                  <a:schemeClr val="tx1"/>
+                </a:solidFill>
+              </a:rPr>
+              <a:t>组</a:t>
+            </a:r>
+            <a:endParaRPr lang="en-US" altLang="zh-CN" sz="2000" b="1" dirty="0">
+              <a:solidFill>
+                <a:schemeClr val="tx1"/>
+              </a:solidFill>
+            </a:endParaRPr>
+          </a:p>
+        </p:txBody>
+      </p:sp>
     </p:spTree>
   </p:cSld>
   <p:clrMapOvr>
@@ -14117,391 +10066,6 @@
                   <a:lumMod val="85000"/>
                   <a:lumOff val="15000"/>
                 </a:schemeClr>
-              </a:solidFill>
-            </a:endParaRPr>
-          </a:p>
-        </p:txBody>
-      </p:sp>
-    </p:spTree>
-  </p:cSld>
-  <p:clrMapOvr>
-    <a:masterClrMapping/>
-  </p:clrMapOvr>
-  <mc:AlternateContent xmlns:mc="http://schemas.openxmlformats.org/markup-compatibility/2006" xmlns:p14="http://schemas.microsoft.com/office/powerpoint/2010/main">
-    <mc:Choice Requires="p14">
-      <p:transition p14:dur="0" advTm="2000"/>
-    </mc:Choice>
-    <mc:Fallback xmlns="">
-      <p:transition advTm="2000"/>
-    </mc:Fallback>
-  </mc:AlternateContent>
-  <p:timing>
-    <p:tnLst>
-      <p:par>
-        <p:cTn id="1" dur="indefinite" restart="never" nodeType="tmRoot"/>
-      </p:par>
-    </p:tnLst>
-  </p:timing>
-</p:sld>
-</file>
-
-<file path=ppt/slides/slide20.xml><?xml version="1.0" encoding="utf-8"?>
-<p:sld xmlns:a="http://schemas.openxmlformats.org/drawingml/2006/main" xmlns:r="http://schemas.openxmlformats.org/officeDocument/2006/relationships" xmlns:p="http://schemas.openxmlformats.org/presentationml/2006/main">
-  <p:cSld>
-    <p:spTree>
-      <p:nvGrpSpPr>
-        <p:cNvPr id="1" name=""/>
-        <p:cNvGrpSpPr/>
-        <p:nvPr/>
-      </p:nvGrpSpPr>
-      <p:grpSpPr>
-        <a:xfrm>
-          <a:off x="0" y="0"/>
-          <a:ext cx="0" cy="0"/>
-          <a:chOff x="0" y="0"/>
-          <a:chExt cx="0" cy="0"/>
-        </a:xfrm>
-      </p:grpSpPr>
-      <p:sp>
-        <p:nvSpPr>
-          <p:cNvPr id="2" name="矩形 1"/>
-          <p:cNvSpPr/>
-          <p:nvPr/>
-        </p:nvSpPr>
-        <p:spPr>
-          <a:xfrm>
-            <a:off x="0" y="60523"/>
-            <a:ext cx="1210588" cy="400110"/>
-          </a:xfrm>
-          <a:prstGeom prst="rect">
-            <a:avLst/>
-          </a:prstGeom>
-        </p:spPr>
-        <p:txBody>
-          <a:bodyPr wrap="none">
-            <a:spAutoFit/>
-          </a:bodyPr>
-          <a:lstStyle/>
-          <a:p>
-            <a:r>
-              <a:rPr lang="zh-CN" altLang="en-US" sz="2000" dirty="0" smtClean="0">
-                <a:solidFill>
-                  <a:schemeClr val="tx1">
-                    <a:lumMod val="85000"/>
-                    <a:lumOff val="15000"/>
-                  </a:schemeClr>
-                </a:solidFill>
-              </a:rPr>
-              <a:t>内容实现</a:t>
-            </a:r>
-            <a:endParaRPr lang="zh-CN" altLang="en-US" sz="2000" dirty="0">
-              <a:solidFill>
-                <a:schemeClr val="tx1">
-                  <a:lumMod val="85000"/>
-                  <a:lumOff val="15000"/>
-                </a:schemeClr>
-              </a:solidFill>
-            </a:endParaRPr>
-          </a:p>
-        </p:txBody>
-      </p:sp>
-    </p:spTree>
-  </p:cSld>
-  <p:clrMapOvr>
-    <a:masterClrMapping/>
-  </p:clrMapOvr>
-  <mc:AlternateContent xmlns:mc="http://schemas.openxmlformats.org/markup-compatibility/2006" xmlns:p14="http://schemas.microsoft.com/office/powerpoint/2010/main">
-    <mc:Choice Requires="p14">
-      <p:transition p14:dur="0" advTm="2000"/>
-    </mc:Choice>
-    <mc:Fallback xmlns="">
-      <p:transition advTm="2000"/>
-    </mc:Fallback>
-  </mc:AlternateContent>
-  <p:timing>
-    <p:tnLst>
-      <p:par>
-        <p:cTn id="1" dur="indefinite" restart="never" nodeType="tmRoot"/>
-      </p:par>
-    </p:tnLst>
-  </p:timing>
-</p:sld>
-</file>
-
-<file path=ppt/slides/slide21.xml><?xml version="1.0" encoding="utf-8"?>
-<p:sld xmlns:a="http://schemas.openxmlformats.org/drawingml/2006/main" xmlns:r="http://schemas.openxmlformats.org/officeDocument/2006/relationships" xmlns:p="http://schemas.openxmlformats.org/presentationml/2006/main">
-  <p:cSld>
-    <p:spTree>
-      <p:nvGrpSpPr>
-        <p:cNvPr id="1" name=""/>
-        <p:cNvGrpSpPr/>
-        <p:nvPr/>
-      </p:nvGrpSpPr>
-      <p:grpSpPr>
-        <a:xfrm>
-          <a:off x="0" y="0"/>
-          <a:ext cx="0" cy="0"/>
-          <a:chOff x="0" y="0"/>
-          <a:chExt cx="0" cy="0"/>
-        </a:xfrm>
-      </p:grpSpPr>
-      <p:sp>
-        <p:nvSpPr>
-          <p:cNvPr id="5" name="矩形 4"/>
-          <p:cNvSpPr/>
-          <p:nvPr/>
-        </p:nvSpPr>
-        <p:spPr>
-          <a:xfrm>
-            <a:off x="3672703" y="2066933"/>
-            <a:ext cx="4698723" cy="1446550"/>
-          </a:xfrm>
-          <a:prstGeom prst="rect">
-            <a:avLst/>
-          </a:prstGeom>
-        </p:spPr>
-        <p:txBody>
-          <a:bodyPr wrap="none">
-            <a:spAutoFit/>
-          </a:bodyPr>
-          <a:lstStyle/>
-          <a:p>
-            <a:pPr algn="ctr"/>
-            <a:r>
-              <a:rPr lang="zh-CN" altLang="en-US" sz="8800" b="1" dirty="0"/>
-              <a:t>谢谢观看</a:t>
-            </a:r>
-            <a:endParaRPr lang="en-US" altLang="zh-CN" sz="8800" b="1" dirty="0"/>
-          </a:p>
-        </p:txBody>
-      </p:sp>
-      <p:sp>
-        <p:nvSpPr>
-          <p:cNvPr id="7" name="矩形 6"/>
-          <p:cNvSpPr/>
-          <p:nvPr/>
-        </p:nvSpPr>
-        <p:spPr>
-          <a:xfrm>
-            <a:off x="0" y="60523"/>
-            <a:ext cx="3005951" cy="400110"/>
-          </a:xfrm>
-          <a:prstGeom prst="rect">
-            <a:avLst/>
-          </a:prstGeom>
-        </p:spPr>
-        <p:txBody>
-          <a:bodyPr wrap="none">
-            <a:spAutoFit/>
-          </a:bodyPr>
-          <a:lstStyle/>
-          <a:p>
-            <a:r>
-              <a:rPr lang="zh-CN" altLang="en-US" sz="2000" dirty="0">
-                <a:solidFill>
-                  <a:schemeClr val="tx1">
-                    <a:lumMod val="85000"/>
-                    <a:lumOff val="15000"/>
-                  </a:schemeClr>
-                </a:solidFill>
-              </a:rPr>
-              <a:t>学校名称</a:t>
-            </a:r>
-            <a:r>
-              <a:rPr lang="zh-CN" altLang="en-US" sz="2000" dirty="0" smtClean="0">
-                <a:solidFill>
-                  <a:schemeClr val="tx1">
-                    <a:lumMod val="85000"/>
-                    <a:lumOff val="15000"/>
-                  </a:schemeClr>
-                </a:solidFill>
-              </a:rPr>
-              <a:t>：河北师范大学</a:t>
-            </a:r>
-            <a:endParaRPr lang="zh-CN" altLang="en-US" sz="2000" dirty="0">
-              <a:solidFill>
-                <a:schemeClr val="tx1">
-                  <a:lumMod val="85000"/>
-                  <a:lumOff val="15000"/>
-                </a:schemeClr>
-              </a:solidFill>
-            </a:endParaRPr>
-          </a:p>
-        </p:txBody>
-      </p:sp>
-      <p:sp>
-        <p:nvSpPr>
-          <p:cNvPr id="12" name="矩形 11"/>
-          <p:cNvSpPr/>
-          <p:nvPr/>
-        </p:nvSpPr>
-        <p:spPr>
-          <a:xfrm>
-            <a:off x="4007538" y="5420630"/>
-            <a:ext cx="3877986" cy="646331"/>
-          </a:xfrm>
-          <a:prstGeom prst="rect">
-            <a:avLst/>
-          </a:prstGeom>
-        </p:spPr>
-        <p:txBody>
-          <a:bodyPr wrap="none">
-            <a:spAutoFit/>
-          </a:bodyPr>
-          <a:lstStyle/>
-          <a:p>
-            <a:pPr algn="ctr" defTabSz="914400">
-              <a:defRPr/>
-            </a:pPr>
-            <a:r>
-              <a:rPr lang="zh-CN" altLang="en-US" dirty="0" smtClean="0"/>
-              <a:t>非常感谢各位老师和同学们的配合！</a:t>
-            </a:r>
-            <a:endParaRPr lang="en-US" altLang="zh-CN" dirty="0"/>
-          </a:p>
-          <a:p>
-            <a:pPr algn="ctr" defTabSz="914400">
-              <a:defRPr/>
-            </a:pPr>
-            <a:endParaRPr lang="en-US" altLang="zh-CN" dirty="0"/>
-          </a:p>
-        </p:txBody>
-      </p:sp>
-      <p:sp>
-        <p:nvSpPr>
-          <p:cNvPr id="13" name="矩形 12"/>
-          <p:cNvSpPr/>
-          <p:nvPr/>
-        </p:nvSpPr>
-        <p:spPr>
-          <a:xfrm>
-            <a:off x="3005951" y="3945323"/>
-            <a:ext cx="2683933" cy="540000"/>
-          </a:xfrm>
-          <a:prstGeom prst="rect">
-            <a:avLst/>
-          </a:prstGeom>
-          <a:noFill/>
-          <a:ln>
-            <a:solidFill>
-              <a:schemeClr val="bg1">
-                <a:lumMod val="65000"/>
-              </a:schemeClr>
-            </a:solidFill>
-          </a:ln>
-        </p:spPr>
-        <p:style>
-          <a:lnRef idx="2">
-            <a:schemeClr val="accent1">
-              <a:shade val="50000"/>
-            </a:schemeClr>
-          </a:lnRef>
-          <a:fillRef idx="1">
-            <a:schemeClr val="accent1"/>
-          </a:fillRef>
-          <a:effectRef idx="0">
-            <a:schemeClr val="accent1"/>
-          </a:effectRef>
-          <a:fontRef idx="minor">
-            <a:schemeClr val="lt1"/>
-          </a:fontRef>
-        </p:style>
-        <p:txBody>
-          <a:bodyPr rot="0" spcFirstLastPara="0" vertOverflow="overflow" horzOverflow="overflow" vert="horz" wrap="square" lIns="91440" tIns="45720" rIns="91440" bIns="45720" numCol="1" spcCol="0" rtlCol="0" fromWordArt="0" anchor="ctr" anchorCtr="0" forceAA="0" compatLnSpc="1">
-            <a:noAutofit/>
-          </a:bodyPr>
-          <a:lstStyle/>
-          <a:p>
-            <a:pPr algn="ctr"/>
-            <a:r>
-              <a:rPr lang="zh-CN" altLang="en-US" sz="2000" b="1" dirty="0">
-                <a:solidFill>
-                  <a:schemeClr val="tx1"/>
-                </a:solidFill>
-              </a:rPr>
-              <a:t>答辩人</a:t>
-            </a:r>
-            <a:r>
-              <a:rPr lang="zh-CN" altLang="en-US" sz="2000" b="1" dirty="0" smtClean="0">
-                <a:solidFill>
-                  <a:schemeClr val="tx1"/>
-                </a:solidFill>
-              </a:rPr>
-              <a:t>：刘月</a:t>
-            </a:r>
-            <a:endParaRPr lang="en-US" altLang="zh-CN" sz="2000" b="1" dirty="0">
-              <a:solidFill>
-                <a:schemeClr val="tx1"/>
-              </a:solidFill>
-            </a:endParaRPr>
-          </a:p>
-        </p:txBody>
-      </p:sp>
-      <p:sp>
-        <p:nvSpPr>
-          <p:cNvPr id="14" name="矩形 13"/>
-          <p:cNvSpPr/>
-          <p:nvPr/>
-        </p:nvSpPr>
-        <p:spPr>
-          <a:xfrm>
-            <a:off x="6325948" y="3945323"/>
-            <a:ext cx="2683933" cy="540000"/>
-          </a:xfrm>
-          <a:prstGeom prst="rect">
-            <a:avLst/>
-          </a:prstGeom>
-          <a:noFill/>
-          <a:ln>
-            <a:solidFill>
-              <a:schemeClr val="bg1">
-                <a:lumMod val="65000"/>
-              </a:schemeClr>
-            </a:solidFill>
-          </a:ln>
-        </p:spPr>
-        <p:style>
-          <a:lnRef idx="2">
-            <a:schemeClr val="accent1">
-              <a:shade val="50000"/>
-            </a:schemeClr>
-          </a:lnRef>
-          <a:fillRef idx="1">
-            <a:schemeClr val="accent1"/>
-          </a:fillRef>
-          <a:effectRef idx="0">
-            <a:schemeClr val="accent1"/>
-          </a:effectRef>
-          <a:fontRef idx="minor">
-            <a:schemeClr val="lt1"/>
-          </a:fontRef>
-        </p:style>
-        <p:txBody>
-          <a:bodyPr rot="0" spcFirstLastPara="0" vertOverflow="overflow" horzOverflow="overflow" vert="horz" wrap="square" lIns="91440" tIns="45720" rIns="91440" bIns="45720" numCol="1" spcCol="0" rtlCol="0" fromWordArt="0" anchor="ctr" anchorCtr="0" forceAA="0" compatLnSpc="1">
-            <a:noAutofit/>
-          </a:bodyPr>
-          <a:lstStyle/>
-          <a:p>
-            <a:pPr algn="ctr"/>
-            <a:r>
-              <a:rPr lang="zh-CN" altLang="en-US" sz="2000" b="1" dirty="0">
-                <a:solidFill>
-                  <a:schemeClr val="tx1"/>
-                </a:solidFill>
-              </a:rPr>
-              <a:t>答辩</a:t>
-            </a:r>
-            <a:r>
-              <a:rPr lang="zh-CN" altLang="en-US" sz="2000" b="1" dirty="0" smtClean="0">
-                <a:solidFill>
-                  <a:schemeClr val="tx1"/>
-                </a:solidFill>
-              </a:rPr>
-              <a:t>小组：丁蕾蕾组</a:t>
-            </a:r>
-            <a:endParaRPr lang="en-US" altLang="zh-CN" sz="2000" b="1" dirty="0">
-              <a:solidFill>
-                <a:schemeClr val="tx1"/>
               </a:solidFill>
             </a:endParaRPr>
           </a:p>

--- a/答辩PPT.pptx
+++ b/答辩PPT.pptx
@@ -244,7 +244,7 @@
           <a:p>
             <a:fld id="{8E127298-6CB9-4ACB-BB12-7F75F06D4BB4}" type="datetimeFigureOut">
               <a:rPr lang="zh-CN" altLang="en-US" smtClean="0"/>
-              <a:t>2020/5/5</a:t>
+              <a:t>2020/5/6</a:t>
             </a:fld>
             <a:endParaRPr lang="zh-CN" altLang="en-US"/>
           </a:p>
@@ -5255,275 +5255,6 @@
           </a:p>
         </p:txBody>
       </p:sp>
-      <p:grpSp>
-        <p:nvGrpSpPr>
-          <p:cNvPr id="14" name="组合 13"/>
-          <p:cNvGrpSpPr/>
-          <p:nvPr/>
-        </p:nvGrpSpPr>
-        <p:grpSpPr>
-          <a:xfrm>
-            <a:off x="7062722" y="2282622"/>
-            <a:ext cx="1292667" cy="509896"/>
-            <a:chOff x="888096" y="1000203"/>
-            <a:chExt cx="4259825" cy="944066"/>
-          </a:xfrm>
-        </p:grpSpPr>
-        <p:sp>
-          <p:nvSpPr>
-            <p:cNvPr id="15" name="矩形 14"/>
-            <p:cNvSpPr/>
-            <p:nvPr/>
-          </p:nvSpPr>
-          <p:spPr>
-            <a:xfrm>
-              <a:off x="911225" y="1045634"/>
-              <a:ext cx="4199467" cy="872066"/>
-            </a:xfrm>
-            <a:prstGeom prst="rect">
-              <a:avLst/>
-            </a:prstGeom>
-            <a:noFill/>
-            <a:ln>
-              <a:solidFill>
-                <a:schemeClr val="bg1">
-                  <a:lumMod val="75000"/>
-                </a:schemeClr>
-              </a:solidFill>
-            </a:ln>
-          </p:spPr>
-          <p:style>
-            <a:lnRef idx="2">
-              <a:schemeClr val="accent1">
-                <a:shade val="50000"/>
-              </a:schemeClr>
-            </a:lnRef>
-            <a:fillRef idx="1">
-              <a:schemeClr val="accent1"/>
-            </a:fillRef>
-            <a:effectRef idx="0">
-              <a:schemeClr val="accent1"/>
-            </a:effectRef>
-            <a:fontRef idx="minor">
-              <a:schemeClr val="lt1"/>
-            </a:fontRef>
-          </p:style>
-          <p:txBody>
-            <a:bodyPr rot="0" spcFirstLastPara="0" vertOverflow="overflow" horzOverflow="overflow" vert="horz" wrap="square" lIns="91440" tIns="45720" rIns="91440" bIns="45720" numCol="1" spcCol="0" rtlCol="0" fromWordArt="0" anchor="ctr" anchorCtr="0" forceAA="0" compatLnSpc="1">
-              <a:noAutofit/>
-            </a:bodyPr>
-            <a:lstStyle/>
-            <a:p>
-              <a:pPr algn="ctr"/>
-              <a:endParaRPr lang="zh-CN" altLang="en-US"/>
-            </a:p>
-          </p:txBody>
-        </p:sp>
-        <p:sp>
-          <p:nvSpPr>
-            <p:cNvPr id="16" name="椭圆 15"/>
-            <p:cNvSpPr/>
-            <p:nvPr/>
-          </p:nvSpPr>
-          <p:spPr>
-            <a:xfrm>
-              <a:off x="888096" y="1000203"/>
-              <a:ext cx="72000" cy="72000"/>
-            </a:xfrm>
-            <a:prstGeom prst="ellipse">
-              <a:avLst/>
-            </a:prstGeom>
-            <a:solidFill>
-              <a:schemeClr val="tx1">
-                <a:lumMod val="65000"/>
-                <a:lumOff val="35000"/>
-              </a:schemeClr>
-            </a:solidFill>
-            <a:ln>
-              <a:noFill/>
-            </a:ln>
-          </p:spPr>
-          <p:style>
-            <a:lnRef idx="2">
-              <a:schemeClr val="accent1">
-                <a:shade val="50000"/>
-              </a:schemeClr>
-            </a:lnRef>
-            <a:fillRef idx="1">
-              <a:schemeClr val="accent1"/>
-            </a:fillRef>
-            <a:effectRef idx="0">
-              <a:schemeClr val="accent1"/>
-            </a:effectRef>
-            <a:fontRef idx="minor">
-              <a:schemeClr val="lt1"/>
-            </a:fontRef>
-          </p:style>
-          <p:txBody>
-            <a:bodyPr rot="0" spcFirstLastPara="0" vertOverflow="overflow" horzOverflow="overflow" vert="horz" wrap="square" lIns="91440" tIns="45720" rIns="91440" bIns="45720" numCol="1" spcCol="0" rtlCol="0" fromWordArt="0" anchor="ctr" anchorCtr="0" forceAA="0" compatLnSpc="1">
-              <a:noAutofit/>
-            </a:bodyPr>
-            <a:lstStyle/>
-            <a:p>
-              <a:pPr algn="ctr"/>
-              <a:endParaRPr lang="zh-CN" altLang="en-US"/>
-            </a:p>
-          </p:txBody>
-        </p:sp>
-        <p:sp>
-          <p:nvSpPr>
-            <p:cNvPr id="17" name="椭圆 16"/>
-            <p:cNvSpPr/>
-            <p:nvPr/>
-          </p:nvSpPr>
-          <p:spPr>
-            <a:xfrm>
-              <a:off x="888096" y="1872269"/>
-              <a:ext cx="72000" cy="72000"/>
-            </a:xfrm>
-            <a:prstGeom prst="ellipse">
-              <a:avLst/>
-            </a:prstGeom>
-            <a:solidFill>
-              <a:schemeClr val="tx1">
-                <a:lumMod val="65000"/>
-                <a:lumOff val="35000"/>
-              </a:schemeClr>
-            </a:solidFill>
-            <a:ln>
-              <a:noFill/>
-            </a:ln>
-          </p:spPr>
-          <p:style>
-            <a:lnRef idx="2">
-              <a:schemeClr val="accent1">
-                <a:shade val="50000"/>
-              </a:schemeClr>
-            </a:lnRef>
-            <a:fillRef idx="1">
-              <a:schemeClr val="accent1"/>
-            </a:fillRef>
-            <a:effectRef idx="0">
-              <a:schemeClr val="accent1"/>
-            </a:effectRef>
-            <a:fontRef idx="minor">
-              <a:schemeClr val="lt1"/>
-            </a:fontRef>
-          </p:style>
-          <p:txBody>
-            <a:bodyPr rot="0" spcFirstLastPara="0" vertOverflow="overflow" horzOverflow="overflow" vert="horz" wrap="square" lIns="91440" tIns="45720" rIns="91440" bIns="45720" numCol="1" spcCol="0" rtlCol="0" fromWordArt="0" anchor="ctr" anchorCtr="0" forceAA="0" compatLnSpc="1">
-              <a:noAutofit/>
-            </a:bodyPr>
-            <a:lstStyle/>
-            <a:p>
-              <a:pPr algn="ctr"/>
-              <a:endParaRPr lang="zh-CN" altLang="en-US"/>
-            </a:p>
-          </p:txBody>
-        </p:sp>
-        <p:sp>
-          <p:nvSpPr>
-            <p:cNvPr id="18" name="椭圆 17"/>
-            <p:cNvSpPr/>
-            <p:nvPr/>
-          </p:nvSpPr>
-          <p:spPr>
-            <a:xfrm>
-              <a:off x="5075921" y="1872269"/>
-              <a:ext cx="72000" cy="72000"/>
-            </a:xfrm>
-            <a:prstGeom prst="ellipse">
-              <a:avLst/>
-            </a:prstGeom>
-            <a:solidFill>
-              <a:schemeClr val="tx1">
-                <a:lumMod val="65000"/>
-                <a:lumOff val="35000"/>
-              </a:schemeClr>
-            </a:solidFill>
-            <a:ln>
-              <a:noFill/>
-            </a:ln>
-          </p:spPr>
-          <p:style>
-            <a:lnRef idx="2">
-              <a:schemeClr val="accent1">
-                <a:shade val="50000"/>
-              </a:schemeClr>
-            </a:lnRef>
-            <a:fillRef idx="1">
-              <a:schemeClr val="accent1"/>
-            </a:fillRef>
-            <a:effectRef idx="0">
-              <a:schemeClr val="accent1"/>
-            </a:effectRef>
-            <a:fontRef idx="minor">
-              <a:schemeClr val="lt1"/>
-            </a:fontRef>
-          </p:style>
-          <p:txBody>
-            <a:bodyPr rot="0" spcFirstLastPara="0" vertOverflow="overflow" horzOverflow="overflow" vert="horz" wrap="square" lIns="91440" tIns="45720" rIns="91440" bIns="45720" numCol="1" spcCol="0" rtlCol="0" fromWordArt="0" anchor="ctr" anchorCtr="0" forceAA="0" compatLnSpc="1">
-              <a:noAutofit/>
-            </a:bodyPr>
-            <a:lstStyle/>
-            <a:p>
-              <a:pPr algn="ctr"/>
-              <a:endParaRPr lang="zh-CN" altLang="en-US"/>
-            </a:p>
-          </p:txBody>
-        </p:sp>
-        <p:sp>
-          <p:nvSpPr>
-            <p:cNvPr id="19" name="椭圆 18"/>
-            <p:cNvSpPr/>
-            <p:nvPr/>
-          </p:nvSpPr>
-          <p:spPr>
-            <a:xfrm>
-              <a:off x="5074692" y="1009634"/>
-              <a:ext cx="72000" cy="72000"/>
-            </a:xfrm>
-            <a:prstGeom prst="ellipse">
-              <a:avLst/>
-            </a:prstGeom>
-            <a:solidFill>
-              <a:schemeClr val="tx1">
-                <a:lumMod val="65000"/>
-                <a:lumOff val="35000"/>
-              </a:schemeClr>
-            </a:solidFill>
-            <a:ln>
-              <a:noFill/>
-            </a:ln>
-          </p:spPr>
-          <p:style>
-            <a:lnRef idx="2">
-              <a:schemeClr val="accent1">
-                <a:shade val="50000"/>
-              </a:schemeClr>
-            </a:lnRef>
-            <a:fillRef idx="1">
-              <a:schemeClr val="accent1"/>
-            </a:fillRef>
-            <a:effectRef idx="0">
-              <a:schemeClr val="accent1"/>
-            </a:effectRef>
-            <a:fontRef idx="minor">
-              <a:schemeClr val="lt1"/>
-            </a:fontRef>
-          </p:style>
-          <p:txBody>
-            <a:bodyPr rot="0" spcFirstLastPara="0" vertOverflow="overflow" horzOverflow="overflow" vert="horz" wrap="square" lIns="91440" tIns="45720" rIns="91440" bIns="45720" numCol="1" spcCol="0" rtlCol="0" fromWordArt="0" anchor="ctr" anchorCtr="0" forceAA="0" compatLnSpc="1">
-              <a:noAutofit/>
-            </a:bodyPr>
-            <a:lstStyle/>
-            <a:p>
-              <a:pPr algn="ctr"/>
-              <a:endParaRPr lang="zh-CN" altLang="en-US"/>
-            </a:p>
-          </p:txBody>
-        </p:sp>
-      </p:grpSp>
       <p:pic>
         <p:nvPicPr>
           <p:cNvPr id="22" name="图片 21"/>
@@ -6096,8 +5827,8 @@
         </p:blipFill>
         <p:spPr>
           <a:xfrm>
-            <a:off x="2492054" y="460633"/>
-            <a:ext cx="928154" cy="480320"/>
+            <a:off x="2492053" y="228600"/>
+            <a:ext cx="1376527" cy="712353"/>
           </a:xfrm>
           <a:prstGeom prst="rect">
             <a:avLst/>
@@ -7262,10 +6993,6 @@
               </a:rPr>
               <a:t>效果</a:t>
             </a:r>
-            <a:endParaRPr lang="zh-CN" altLang="en-US" sz="6000" dirty="0">
-              <a:latin typeface="+mj-lt"/>
-              <a:ea typeface="微软雅黑" panose="020B0503020204020204" charset="-122"/>
-            </a:endParaRPr>
           </a:p>
         </p:txBody>
       </p:sp>
@@ -8028,10 +7755,6 @@
               </a:rPr>
               <a:t>完毕。</a:t>
             </a:r>
-            <a:endParaRPr lang="zh-CN" altLang="en-US" sz="1600" dirty="0">
-              <a:latin typeface="微软雅黑 Light" panose="020B0502040204020203" pitchFamily="34" charset="-122"/>
-              <a:ea typeface="微软雅黑 Light" panose="020B0502040204020203" pitchFamily="34" charset="-122"/>
-            </a:endParaRPr>
           </a:p>
         </p:txBody>
       </p:sp>
@@ -8059,11 +7782,7 @@
           <a:p>
             <a:r>
               <a:rPr lang="zh-CN" altLang="en-US" b="1" dirty="0" smtClean="0"/>
-              <a:t>添加</a:t>
-            </a:r>
-            <a:r>
-              <a:rPr lang="zh-CN" altLang="en-US" b="1" dirty="0" smtClean="0"/>
-              <a:t>页面</a:t>
+              <a:t>添加页面</a:t>
             </a:r>
             <a:endParaRPr lang="zh-CN" altLang="en-US" b="1" dirty="0"/>
           </a:p>
@@ -8197,8 +7916,8 @@
         </p:nvSpPr>
         <p:spPr>
           <a:xfrm>
-            <a:off x="818345" y="1482109"/>
-            <a:ext cx="2304960" cy="369332"/>
+            <a:off x="379521" y="1482109"/>
+            <a:ext cx="2743784" cy="369332"/>
           </a:xfrm>
           <a:prstGeom prst="rect">
             <a:avLst/>
@@ -8217,7 +7936,15 @@
                   <a:srgbClr val="ED7D31"/>
                 </a:solidFill>
               </a:rPr>
-              <a:t>点击“新建”，弹出</a:t>
+              <a:t>点击“新建”，弹</a:t>
+            </a:r>
+            <a:r>
+              <a:rPr lang="zh-CN" altLang="en-US" dirty="0" smtClean="0">
+                <a:solidFill>
+                  <a:srgbClr val="ED7D31"/>
+                </a:solidFill>
+              </a:rPr>
+              <a:t>出页面</a:t>
             </a:r>
             <a:endParaRPr lang="zh-CN" altLang="en-US" dirty="0">
               <a:solidFill>
@@ -8820,8 +8547,8 @@
         </p:nvSpPr>
         <p:spPr>
           <a:xfrm>
-            <a:off x="6214696" y="2413575"/>
-            <a:ext cx="5178669" cy="584775"/>
+            <a:off x="375356" y="1564456"/>
+            <a:ext cx="4170268" cy="369332"/>
           </a:xfrm>
           <a:prstGeom prst="rect">
             <a:avLst/>
@@ -8835,16 +8562,228 @@
           <a:lstStyle/>
           <a:p>
             <a:r>
-              <a:rPr lang="zh-CN" altLang="en-US" sz="1600" dirty="0" smtClean="0">
+              <a:rPr lang="zh-CN" altLang="en-US" dirty="0" smtClean="0">
+                <a:solidFill>
+                  <a:srgbClr val="FF0000"/>
+                </a:solidFill>
                 <a:latin typeface="微软雅黑 Light" panose="020B0502040204020203" pitchFamily="34" charset="-122"/>
                 <a:ea typeface="微软雅黑 Light" panose="020B0502040204020203" pitchFamily="34" charset="-122"/>
               </a:rPr>
-              <a:t>不进行搜索时，显示所有商品的总价；当选择标题带有“春秋”的商品，则筛选出符合条件的商品并进行计算。</a:t>
-            </a:r>
-            <a:endParaRPr lang="zh-CN" altLang="en-US" sz="1600" dirty="0">
+              <a:t>不进行搜索时，显示所有商品的</a:t>
+            </a:r>
+            <a:r>
+              <a:rPr lang="zh-CN" altLang="en-US" dirty="0" smtClean="0">
+                <a:solidFill>
+                  <a:srgbClr val="FF0000"/>
+                </a:solidFill>
+                <a:latin typeface="微软雅黑 Light" panose="020B0502040204020203" pitchFamily="34" charset="-122"/>
+                <a:ea typeface="微软雅黑 Light" panose="020B0502040204020203" pitchFamily="34" charset="-122"/>
+              </a:rPr>
+              <a:t>总价</a:t>
+            </a:r>
+            <a:endParaRPr lang="zh-CN" altLang="en-US" dirty="0">
+              <a:solidFill>
+                <a:srgbClr val="FF0000"/>
+              </a:solidFill>
               <a:latin typeface="微软雅黑 Light" panose="020B0502040204020203" pitchFamily="34" charset="-122"/>
               <a:ea typeface="微软雅黑 Light" panose="020B0502040204020203" pitchFamily="34" charset="-122"/>
             </a:endParaRPr>
+          </a:p>
+        </p:txBody>
+      </p:sp>
+      <p:sp>
+        <p:nvSpPr>
+          <p:cNvPr id="5" name="文本框 4"/>
+          <p:cNvSpPr txBox="1"/>
+          <p:nvPr/>
+        </p:nvSpPr>
+        <p:spPr>
+          <a:xfrm>
+            <a:off x="7016263" y="2932649"/>
+            <a:ext cx="3719146" cy="369332"/>
+          </a:xfrm>
+          <a:prstGeom prst="rect">
+            <a:avLst/>
+          </a:prstGeom>
+          <a:noFill/>
+        </p:spPr>
+        <p:txBody>
+          <a:bodyPr wrap="square" rtlCol="0">
+            <a:spAutoFit/>
+          </a:bodyPr>
+          <a:lstStyle/>
+          <a:p>
+            <a:r>
+              <a:rPr lang="zh-CN" altLang="en-US" dirty="0" smtClean="0">
+                <a:solidFill>
+                  <a:srgbClr val="FF0000"/>
+                </a:solidFill>
+                <a:latin typeface="微软雅黑 Light" panose="020B0502040204020203" pitchFamily="34" charset="-122"/>
+                <a:ea typeface="微软雅黑 Light" panose="020B0502040204020203" pitchFamily="34" charset="-122"/>
+              </a:rPr>
+              <a:t>筛选</a:t>
+            </a:r>
+            <a:r>
+              <a:rPr lang="zh-CN" altLang="en-US" dirty="0">
+                <a:solidFill>
+                  <a:srgbClr val="FF0000"/>
+                </a:solidFill>
+                <a:latin typeface="微软雅黑 Light" panose="020B0502040204020203" pitchFamily="34" charset="-122"/>
+                <a:ea typeface="微软雅黑 Light" panose="020B0502040204020203" pitchFamily="34" charset="-122"/>
+              </a:rPr>
+              <a:t>出符合条件的商品</a:t>
+            </a:r>
+            <a:r>
+              <a:rPr lang="zh-CN" altLang="en-US" dirty="0" smtClean="0">
+                <a:solidFill>
+                  <a:srgbClr val="FF0000"/>
+                </a:solidFill>
+                <a:latin typeface="微软雅黑 Light" panose="020B0502040204020203" pitchFamily="34" charset="-122"/>
+                <a:ea typeface="微软雅黑 Light" panose="020B0502040204020203" pitchFamily="34" charset="-122"/>
+              </a:rPr>
+              <a:t>并显示总价</a:t>
+            </a:r>
+            <a:endParaRPr lang="zh-CN" altLang="en-US" dirty="0">
+              <a:solidFill>
+                <a:srgbClr val="FF0000"/>
+              </a:solidFill>
+              <a:latin typeface="微软雅黑 Light" panose="020B0502040204020203" pitchFamily="34" charset="-122"/>
+              <a:ea typeface="微软雅黑 Light" panose="020B0502040204020203" pitchFamily="34" charset="-122"/>
+            </a:endParaRPr>
+          </a:p>
+        </p:txBody>
+      </p:sp>
+      <p:sp>
+        <p:nvSpPr>
+          <p:cNvPr id="10" name="右箭头 9"/>
+          <p:cNvSpPr/>
+          <p:nvPr/>
+        </p:nvSpPr>
+        <p:spPr>
+          <a:xfrm>
+            <a:off x="4712677" y="1400822"/>
+            <a:ext cx="703385" cy="532966"/>
+          </a:xfrm>
+          <a:prstGeom prst="rightArrow">
+            <a:avLst/>
+          </a:prstGeom>
+          <a:solidFill>
+            <a:schemeClr val="accent2"/>
+          </a:solidFill>
+          <a:ln>
+            <a:noFill/>
+          </a:ln>
+        </p:spPr>
+        <p:style>
+          <a:lnRef idx="2">
+            <a:schemeClr val="accent1">
+              <a:shade val="50000"/>
+            </a:schemeClr>
+          </a:lnRef>
+          <a:fillRef idx="1">
+            <a:schemeClr val="accent1"/>
+          </a:fillRef>
+          <a:effectRef idx="0">
+            <a:schemeClr val="accent1"/>
+          </a:effectRef>
+          <a:fontRef idx="minor">
+            <a:schemeClr val="lt1"/>
+          </a:fontRef>
+        </p:style>
+        <p:txBody>
+          <a:bodyPr rtlCol="0" anchor="ctr"/>
+          <a:lstStyle/>
+          <a:p>
+            <a:pPr algn="ctr"/>
+            <a:endParaRPr lang="zh-CN" altLang="en-US"/>
+          </a:p>
+        </p:txBody>
+      </p:sp>
+      <p:sp>
+        <p:nvSpPr>
+          <p:cNvPr id="11" name="文本框 10"/>
+          <p:cNvSpPr txBox="1"/>
+          <p:nvPr/>
+        </p:nvSpPr>
+        <p:spPr>
+          <a:xfrm>
+            <a:off x="5706207" y="1489901"/>
+            <a:ext cx="3648807" cy="369332"/>
+          </a:xfrm>
+          <a:prstGeom prst="rect">
+            <a:avLst/>
+          </a:prstGeom>
+          <a:noFill/>
+        </p:spPr>
+        <p:txBody>
+          <a:bodyPr wrap="square" rtlCol="0">
+            <a:spAutoFit/>
+          </a:bodyPr>
+          <a:lstStyle/>
+          <a:p>
+            <a:r>
+              <a:rPr lang="zh-CN" altLang="en-US" dirty="0" smtClean="0">
+                <a:solidFill>
+                  <a:srgbClr val="FF0000"/>
+                </a:solidFill>
+                <a:latin typeface="微软雅黑 Light" panose="020B0502040204020203" pitchFamily="34" charset="-122"/>
+                <a:ea typeface="微软雅黑 Light" panose="020B0502040204020203" pitchFamily="34" charset="-122"/>
+              </a:rPr>
+              <a:t>拉取“标题”栏，输入“春秋”</a:t>
+            </a:r>
+            <a:endParaRPr lang="zh-CN" altLang="en-US" dirty="0">
+              <a:solidFill>
+                <a:srgbClr val="FF0000"/>
+              </a:solidFill>
+              <a:latin typeface="微软雅黑 Light" panose="020B0502040204020203" pitchFamily="34" charset="-122"/>
+              <a:ea typeface="微软雅黑 Light" panose="020B0502040204020203" pitchFamily="34" charset="-122"/>
+            </a:endParaRPr>
+          </a:p>
+        </p:txBody>
+      </p:sp>
+      <p:sp>
+        <p:nvSpPr>
+          <p:cNvPr id="12" name="下箭头 11"/>
+          <p:cNvSpPr/>
+          <p:nvPr/>
+        </p:nvSpPr>
+        <p:spPr>
+          <a:xfrm>
+            <a:off x="7789985" y="2039037"/>
+            <a:ext cx="593479" cy="703904"/>
+          </a:xfrm>
+          <a:prstGeom prst="downArrow">
+            <a:avLst/>
+          </a:prstGeom>
+          <a:solidFill>
+            <a:schemeClr val="accent2"/>
+          </a:solidFill>
+          <a:ln>
+            <a:noFill/>
+          </a:ln>
+        </p:spPr>
+        <p:style>
+          <a:lnRef idx="2">
+            <a:schemeClr val="accent1">
+              <a:shade val="50000"/>
+            </a:schemeClr>
+          </a:lnRef>
+          <a:fillRef idx="1">
+            <a:schemeClr val="accent1"/>
+          </a:fillRef>
+          <a:effectRef idx="0">
+            <a:schemeClr val="accent1"/>
+          </a:effectRef>
+          <a:fontRef idx="minor">
+            <a:schemeClr val="lt1"/>
+          </a:fontRef>
+        </p:style>
+        <p:txBody>
+          <a:bodyPr rtlCol="0" anchor="ctr"/>
+          <a:lstStyle/>
+          <a:p>
+            <a:pPr algn="ctr"/>
+            <a:endParaRPr lang="zh-CN" altLang="en-US"/>
           </a:p>
         </p:txBody>
       </p:sp>
@@ -9145,15 +9084,7 @@
                   <a:schemeClr val="tx1"/>
                 </a:solidFill>
               </a:rPr>
-              <a:t>小组：丁蕾</a:t>
-            </a:r>
-            <a:r>
-              <a:rPr lang="zh-CN" altLang="en-US" sz="2000" b="1" dirty="0" smtClean="0">
-                <a:solidFill>
-                  <a:schemeClr val="tx1"/>
-                </a:solidFill>
-              </a:rPr>
-              <a:t>蕾</a:t>
+              <a:t>小组：丁蕾蕾</a:t>
             </a:r>
             <a:r>
               <a:rPr lang="zh-CN" altLang="en-US" sz="2000" b="1" dirty="0">
